--- a/docs.pptx
+++ b/docs.pptx
@@ -5,10 +5,10 @@
     <p:sldMasterId id="2147483648" r:id="rId1"/>
   </p:sldMasterIdLst>
   <p:notesMasterIdLst>
-    <p:notesMasterId r:id="rId33"/>
+    <p:notesMasterId r:id="rId35"/>
   </p:notesMasterIdLst>
   <p:handoutMasterIdLst>
-    <p:handoutMasterId r:id="rId34"/>
+    <p:handoutMasterId r:id="rId36"/>
   </p:handoutMasterIdLst>
   <p:sldIdLst>
     <p:sldId id="256" r:id="rId2"/>
@@ -31,17 +31,19 @@
     <p:sldId id="273" r:id="rId19"/>
     <p:sldId id="274" r:id="rId20"/>
     <p:sldId id="275" r:id="rId21"/>
-    <p:sldId id="276" r:id="rId22"/>
-    <p:sldId id="278" r:id="rId23"/>
-    <p:sldId id="280" r:id="rId24"/>
-    <p:sldId id="281" r:id="rId25"/>
-    <p:sldId id="286" r:id="rId26"/>
-    <p:sldId id="288" r:id="rId27"/>
-    <p:sldId id="287" r:id="rId28"/>
-    <p:sldId id="282" r:id="rId29"/>
-    <p:sldId id="285" r:id="rId30"/>
-    <p:sldId id="289" r:id="rId31"/>
-    <p:sldId id="277" r:id="rId32"/>
+    <p:sldId id="291" r:id="rId22"/>
+    <p:sldId id="276" r:id="rId23"/>
+    <p:sldId id="278" r:id="rId24"/>
+    <p:sldId id="280" r:id="rId25"/>
+    <p:sldId id="281" r:id="rId26"/>
+    <p:sldId id="286" r:id="rId27"/>
+    <p:sldId id="288" r:id="rId28"/>
+    <p:sldId id="287" r:id="rId29"/>
+    <p:sldId id="282" r:id="rId30"/>
+    <p:sldId id="285" r:id="rId31"/>
+    <p:sldId id="290" r:id="rId32"/>
+    <p:sldId id="289" r:id="rId33"/>
+    <p:sldId id="277" r:id="rId34"/>
   </p:sldIdLst>
   <p:sldSz cx="12192000" cy="6858000"/>
   <p:notesSz cx="6858000" cy="9144000"/>
@@ -4154,7 +4156,7 @@
     </p:spTree>
     <p:extLst>
       <p:ext uri="{BB962C8B-B14F-4D97-AF65-F5344CB8AC3E}">
-        <p14:creationId xmlns:p14="http://schemas.microsoft.com/office/powerpoint/2010/main" val="1996568888"/>
+        <p14:creationId xmlns:p14="http://schemas.microsoft.com/office/powerpoint/2010/main" val="2513515846"/>
       </p:ext>
     </p:extLst>
   </p:cSld>
@@ -4261,7 +4263,7 @@
     </p:spTree>
     <p:extLst>
       <p:ext uri="{BB962C8B-B14F-4D97-AF65-F5344CB8AC3E}">
-        <p14:creationId xmlns:p14="http://schemas.microsoft.com/office/powerpoint/2010/main" val="3660282832"/>
+        <p14:creationId xmlns:p14="http://schemas.microsoft.com/office/powerpoint/2010/main" val="1996568888"/>
       </p:ext>
     </p:extLst>
   </p:cSld>
@@ -4368,7 +4370,7 @@
     </p:spTree>
     <p:extLst>
       <p:ext uri="{BB962C8B-B14F-4D97-AF65-F5344CB8AC3E}">
-        <p14:creationId xmlns:p14="http://schemas.microsoft.com/office/powerpoint/2010/main" val="4139895867"/>
+        <p14:creationId xmlns:p14="http://schemas.microsoft.com/office/powerpoint/2010/main" val="3660282832"/>
       </p:ext>
     </p:extLst>
   </p:cSld>
@@ -4475,7 +4477,7 @@
     </p:spTree>
     <p:extLst>
       <p:ext uri="{BB962C8B-B14F-4D97-AF65-F5344CB8AC3E}">
-        <p14:creationId xmlns:p14="http://schemas.microsoft.com/office/powerpoint/2010/main" val="3258738097"/>
+        <p14:creationId xmlns:p14="http://schemas.microsoft.com/office/powerpoint/2010/main" val="4139895867"/>
       </p:ext>
     </p:extLst>
   </p:cSld>
@@ -4582,7 +4584,7 @@
     </p:spTree>
     <p:extLst>
       <p:ext uri="{BB962C8B-B14F-4D97-AF65-F5344CB8AC3E}">
-        <p14:creationId xmlns:p14="http://schemas.microsoft.com/office/powerpoint/2010/main" val="1903579263"/>
+        <p14:creationId xmlns:p14="http://schemas.microsoft.com/office/powerpoint/2010/main" val="3258738097"/>
       </p:ext>
     </p:extLst>
   </p:cSld>
@@ -4689,7 +4691,7 @@
     </p:spTree>
     <p:extLst>
       <p:ext uri="{BB962C8B-B14F-4D97-AF65-F5344CB8AC3E}">
-        <p14:creationId xmlns:p14="http://schemas.microsoft.com/office/powerpoint/2010/main" val="2028422299"/>
+        <p14:creationId xmlns:p14="http://schemas.microsoft.com/office/powerpoint/2010/main" val="1903579263"/>
       </p:ext>
     </p:extLst>
   </p:cSld>
@@ -4796,7 +4798,7 @@
     </p:spTree>
     <p:extLst>
       <p:ext uri="{BB962C8B-B14F-4D97-AF65-F5344CB8AC3E}">
-        <p14:creationId xmlns:p14="http://schemas.microsoft.com/office/powerpoint/2010/main" val="4024556115"/>
+        <p14:creationId xmlns:p14="http://schemas.microsoft.com/office/powerpoint/2010/main" val="2028422299"/>
       </p:ext>
     </p:extLst>
   </p:cSld>
@@ -4903,7 +4905,7 @@
     </p:spTree>
     <p:extLst>
       <p:ext uri="{BB962C8B-B14F-4D97-AF65-F5344CB8AC3E}">
-        <p14:creationId xmlns:p14="http://schemas.microsoft.com/office/powerpoint/2010/main" val="3017516162"/>
+        <p14:creationId xmlns:p14="http://schemas.microsoft.com/office/powerpoint/2010/main" val="4024556115"/>
       </p:ext>
     </p:extLst>
   </p:cSld>
@@ -4974,7 +4976,10 @@
               <a:tabLst/>
               <a:defRPr/>
             </a:pPr>
-            <a:endParaRPr lang="en-US" altLang="zh-CN" dirty="0"/>
+            <a:r>
+              <a:rPr lang="en-US" altLang="zh-CN" dirty="0"/>
+              <a:t>Channel is wrapper class for boost::socket</a:t>
+            </a:r>
           </a:p>
         </p:txBody>
       </p:sp>
@@ -5010,7 +5015,7 @@
     </p:spTree>
     <p:extLst>
       <p:ext uri="{BB962C8B-B14F-4D97-AF65-F5344CB8AC3E}">
-        <p14:creationId xmlns:p14="http://schemas.microsoft.com/office/powerpoint/2010/main" val="342683783"/>
+        <p14:creationId xmlns:p14="http://schemas.microsoft.com/office/powerpoint/2010/main" val="3017516162"/>
       </p:ext>
     </p:extLst>
   </p:cSld>
@@ -5117,7 +5122,7 @@
     </p:spTree>
     <p:extLst>
       <p:ext uri="{BB962C8B-B14F-4D97-AF65-F5344CB8AC3E}">
-        <p14:creationId xmlns:p14="http://schemas.microsoft.com/office/powerpoint/2010/main" val="2196480506"/>
+        <p14:creationId xmlns:p14="http://schemas.microsoft.com/office/powerpoint/2010/main" val="342683783"/>
       </p:ext>
     </p:extLst>
   </p:cSld>
@@ -5228,6 +5233,220 @@
 </file>
 
 <file path=ppt/notesSlides/notesSlide20.xml><?xml version="1.0" encoding="utf-8"?>
+<p:notes xmlns:a="http://schemas.openxmlformats.org/drawingml/2006/main" xmlns:r="http://schemas.openxmlformats.org/officeDocument/2006/relationships" xmlns:p="http://schemas.openxmlformats.org/presentationml/2006/main">
+  <p:cSld>
+    <p:spTree>
+      <p:nvGrpSpPr>
+        <p:cNvPr id="1" name=""/>
+        <p:cNvGrpSpPr/>
+        <p:nvPr/>
+      </p:nvGrpSpPr>
+      <p:grpSpPr>
+        <a:xfrm>
+          <a:off x="0" y="0"/>
+          <a:ext cx="0" cy="0"/>
+          <a:chOff x="0" y="0"/>
+          <a:chExt cx="0" cy="0"/>
+        </a:xfrm>
+      </p:grpSpPr>
+      <p:sp>
+        <p:nvSpPr>
+          <p:cNvPr id="2" name="Slide Image Placeholder 1"/>
+          <p:cNvSpPr>
+            <a:spLocks noGrp="1" noRot="1" noChangeAspect="1"/>
+          </p:cNvSpPr>
+          <p:nvPr>
+            <p:ph type="sldImg"/>
+          </p:nvPr>
+        </p:nvSpPr>
+        <p:spPr/>
+      </p:sp>
+      <p:sp>
+        <p:nvSpPr>
+          <p:cNvPr id="3" name="Notes Placeholder 2"/>
+          <p:cNvSpPr>
+            <a:spLocks noGrp="1"/>
+          </p:cNvSpPr>
+          <p:nvPr>
+            <p:ph type="body" idx="1"/>
+          </p:nvPr>
+        </p:nvSpPr>
+        <p:spPr/>
+        <p:txBody>
+          <a:bodyPr/>
+          <a:lstStyle/>
+          <a:p>
+            <a:pPr marL="0" marR="0" lvl="0" indent="0" algn="l" defTabSz="914400" rtl="0" eaLnBrk="1" fontAlgn="auto" latinLnBrk="0" hangingPunct="1">
+              <a:lnSpc>
+                <a:spcPct val="100000"/>
+              </a:lnSpc>
+              <a:spcBef>
+                <a:spcPts val="0"/>
+              </a:spcBef>
+              <a:spcAft>
+                <a:spcPts val="0"/>
+              </a:spcAft>
+              <a:buClrTx/>
+              <a:buSzTx/>
+              <a:buFontTx/>
+              <a:buNone/>
+              <a:tabLst/>
+              <a:defRPr/>
+            </a:pPr>
+            <a:endParaRPr lang="en-US" altLang="zh-CN" dirty="0"/>
+          </a:p>
+        </p:txBody>
+      </p:sp>
+      <p:sp>
+        <p:nvSpPr>
+          <p:cNvPr id="5" name="Header Placeholder 4">
+            <a:extLst>
+              <a:ext uri="{FF2B5EF4-FFF2-40B4-BE49-F238E27FC236}">
+                <a16:creationId xmlns:a16="http://schemas.microsoft.com/office/drawing/2014/main" id="{8B210C9E-C718-46D6-ABB0-7C4CD2082A98}"/>
+              </a:ext>
+            </a:extLst>
+          </p:cNvPr>
+          <p:cNvSpPr>
+            <a:spLocks noGrp="1"/>
+          </p:cNvSpPr>
+          <p:nvPr>
+            <p:ph type="hdr" sz="quarter" idx="10"/>
+          </p:nvPr>
+        </p:nvSpPr>
+        <p:spPr/>
+        <p:txBody>
+          <a:bodyPr/>
+          <a:lstStyle/>
+          <a:p>
+            <a:r>
+              <a:rPr lang="en-US" altLang="zh-CN"/>
+              <a:t>USE CASE</a:t>
+            </a:r>
+            <a:endParaRPr lang="zh-CN" altLang="en-US"/>
+          </a:p>
+        </p:txBody>
+      </p:sp>
+    </p:spTree>
+    <p:extLst>
+      <p:ext uri="{BB962C8B-B14F-4D97-AF65-F5344CB8AC3E}">
+        <p14:creationId xmlns:p14="http://schemas.microsoft.com/office/powerpoint/2010/main" val="1634110027"/>
+      </p:ext>
+    </p:extLst>
+  </p:cSld>
+  <p:clrMapOvr>
+    <a:masterClrMapping/>
+  </p:clrMapOvr>
+</p:notes>
+</file>
+
+<file path=ppt/notesSlides/notesSlide21.xml><?xml version="1.0" encoding="utf-8"?>
+<p:notes xmlns:a="http://schemas.openxmlformats.org/drawingml/2006/main" xmlns:r="http://schemas.openxmlformats.org/officeDocument/2006/relationships" xmlns:p="http://schemas.openxmlformats.org/presentationml/2006/main">
+  <p:cSld>
+    <p:spTree>
+      <p:nvGrpSpPr>
+        <p:cNvPr id="1" name=""/>
+        <p:cNvGrpSpPr/>
+        <p:nvPr/>
+      </p:nvGrpSpPr>
+      <p:grpSpPr>
+        <a:xfrm>
+          <a:off x="0" y="0"/>
+          <a:ext cx="0" cy="0"/>
+          <a:chOff x="0" y="0"/>
+          <a:chExt cx="0" cy="0"/>
+        </a:xfrm>
+      </p:grpSpPr>
+      <p:sp>
+        <p:nvSpPr>
+          <p:cNvPr id="2" name="Slide Image Placeholder 1"/>
+          <p:cNvSpPr>
+            <a:spLocks noGrp="1" noRot="1" noChangeAspect="1"/>
+          </p:cNvSpPr>
+          <p:nvPr>
+            <p:ph type="sldImg"/>
+          </p:nvPr>
+        </p:nvSpPr>
+        <p:spPr/>
+      </p:sp>
+      <p:sp>
+        <p:nvSpPr>
+          <p:cNvPr id="3" name="Notes Placeholder 2"/>
+          <p:cNvSpPr>
+            <a:spLocks noGrp="1"/>
+          </p:cNvSpPr>
+          <p:nvPr>
+            <p:ph type="body" idx="1"/>
+          </p:nvPr>
+        </p:nvSpPr>
+        <p:spPr/>
+        <p:txBody>
+          <a:bodyPr/>
+          <a:lstStyle/>
+          <a:p>
+            <a:pPr marL="0" marR="0" lvl="0" indent="0" algn="l" defTabSz="914400" rtl="0" eaLnBrk="1" fontAlgn="auto" latinLnBrk="0" hangingPunct="1">
+              <a:lnSpc>
+                <a:spcPct val="100000"/>
+              </a:lnSpc>
+              <a:spcBef>
+                <a:spcPts val="0"/>
+              </a:spcBef>
+              <a:spcAft>
+                <a:spcPts val="0"/>
+              </a:spcAft>
+              <a:buClrTx/>
+              <a:buSzTx/>
+              <a:buFontTx/>
+              <a:buNone/>
+              <a:tabLst/>
+              <a:defRPr/>
+            </a:pPr>
+            <a:endParaRPr lang="en-US" altLang="zh-CN" dirty="0"/>
+          </a:p>
+        </p:txBody>
+      </p:sp>
+      <p:sp>
+        <p:nvSpPr>
+          <p:cNvPr id="5" name="Header Placeholder 4">
+            <a:extLst>
+              <a:ext uri="{FF2B5EF4-FFF2-40B4-BE49-F238E27FC236}">
+                <a16:creationId xmlns:a16="http://schemas.microsoft.com/office/drawing/2014/main" id="{8B210C9E-C718-46D6-ABB0-7C4CD2082A98}"/>
+              </a:ext>
+            </a:extLst>
+          </p:cNvPr>
+          <p:cNvSpPr>
+            <a:spLocks noGrp="1"/>
+          </p:cNvSpPr>
+          <p:nvPr>
+            <p:ph type="hdr" sz="quarter" idx="10"/>
+          </p:nvPr>
+        </p:nvSpPr>
+        <p:spPr/>
+        <p:txBody>
+          <a:bodyPr/>
+          <a:lstStyle/>
+          <a:p>
+            <a:r>
+              <a:rPr lang="en-US" altLang="zh-CN"/>
+              <a:t>USE CASE</a:t>
+            </a:r>
+            <a:endParaRPr lang="zh-CN" altLang="en-US"/>
+          </a:p>
+        </p:txBody>
+      </p:sp>
+    </p:spTree>
+    <p:extLst>
+      <p:ext uri="{BB962C8B-B14F-4D97-AF65-F5344CB8AC3E}">
+        <p14:creationId xmlns:p14="http://schemas.microsoft.com/office/powerpoint/2010/main" val="2196480506"/>
+      </p:ext>
+    </p:extLst>
+  </p:cSld>
+  <p:clrMapOvr>
+    <a:masterClrMapping/>
+  </p:clrMapOvr>
+</p:notes>
+</file>
+
+<file path=ppt/notesSlides/notesSlide22.xml><?xml version="1.0" encoding="utf-8"?>
 <p:notes xmlns:a="http://schemas.openxmlformats.org/drawingml/2006/main" xmlns:r="http://schemas.openxmlformats.org/officeDocument/2006/relationships" xmlns:p="http://schemas.openxmlformats.org/presentationml/2006/main">
   <p:cSld>
     <p:spTree>
@@ -6352,7 +6571,7 @@
           <a:p>
             <a:fld id="{B2CAF260-C6E5-43C1-AB7D-1DDC31487812}" type="datetime1">
               <a:rPr lang="zh-CN" altLang="en-US" smtClean="0"/>
-              <a:t>2018/10/6</a:t>
+              <a:t>2018/10/7</a:t>
             </a:fld>
             <a:endParaRPr lang="zh-CN" altLang="en-US"/>
           </a:p>
@@ -6552,7 +6771,7 @@
           <a:p>
             <a:fld id="{E2FDE29B-B267-43B7-911F-8B7B5178DAAA}" type="datetime1">
               <a:rPr lang="zh-CN" altLang="en-US" smtClean="0"/>
-              <a:t>2018/10/6</a:t>
+              <a:t>2018/10/7</a:t>
             </a:fld>
             <a:endParaRPr lang="zh-CN" altLang="en-US"/>
           </a:p>
@@ -6762,7 +6981,7 @@
           <a:p>
             <a:fld id="{58F69AEE-EBB5-4094-A036-258B6CD5A691}" type="datetime1">
               <a:rPr lang="zh-CN" altLang="en-US" smtClean="0"/>
-              <a:t>2018/10/6</a:t>
+              <a:t>2018/10/7</a:t>
             </a:fld>
             <a:endParaRPr lang="zh-CN" altLang="en-US"/>
           </a:p>
@@ -6962,7 +7181,7 @@
           <a:p>
             <a:fld id="{EA0C55B6-15F8-47F2-BA17-6667D0884E94}" type="datetime1">
               <a:rPr lang="zh-CN" altLang="en-US" smtClean="0"/>
-              <a:t>2018/10/6</a:t>
+              <a:t>2018/10/7</a:t>
             </a:fld>
             <a:endParaRPr lang="zh-CN" altLang="en-US"/>
           </a:p>
@@ -7238,7 +7457,7 @@
           <a:p>
             <a:fld id="{E16475AB-DF1D-43B5-9314-A34969FDFCF1}" type="datetime1">
               <a:rPr lang="zh-CN" altLang="en-US" smtClean="0"/>
-              <a:t>2018/10/6</a:t>
+              <a:t>2018/10/7</a:t>
             </a:fld>
             <a:endParaRPr lang="zh-CN" altLang="en-US"/>
           </a:p>
@@ -7506,7 +7725,7 @@
           <a:p>
             <a:fld id="{3767A592-7E27-4E7D-A9C7-3B15B36FAD3A}" type="datetime1">
               <a:rPr lang="zh-CN" altLang="en-US" smtClean="0"/>
-              <a:t>2018/10/6</a:t>
+              <a:t>2018/10/7</a:t>
             </a:fld>
             <a:endParaRPr lang="zh-CN" altLang="en-US"/>
           </a:p>
@@ -7921,7 +8140,7 @@
           <a:p>
             <a:fld id="{7901F99E-C60E-4183-B8FD-840AF5CE3B57}" type="datetime1">
               <a:rPr lang="zh-CN" altLang="en-US" smtClean="0"/>
-              <a:t>2018/10/6</a:t>
+              <a:t>2018/10/7</a:t>
             </a:fld>
             <a:endParaRPr lang="zh-CN" altLang="en-US"/>
           </a:p>
@@ -8063,7 +8282,7 @@
           <a:p>
             <a:fld id="{7B195C80-D524-46BD-98B6-BA22A34855F7}" type="datetime1">
               <a:rPr lang="zh-CN" altLang="en-US" smtClean="0"/>
-              <a:t>2018/10/6</a:t>
+              <a:t>2018/10/7</a:t>
             </a:fld>
             <a:endParaRPr lang="zh-CN" altLang="en-US"/>
           </a:p>
@@ -8176,7 +8395,7 @@
           <a:p>
             <a:fld id="{B58FE623-1036-4545-9983-CC7ABA14B150}" type="datetime1">
               <a:rPr lang="zh-CN" altLang="en-US" smtClean="0"/>
-              <a:t>2018/10/6</a:t>
+              <a:t>2018/10/7</a:t>
             </a:fld>
             <a:endParaRPr lang="zh-CN" altLang="en-US"/>
           </a:p>
@@ -8489,7 +8708,7 @@
           <a:p>
             <a:fld id="{CA65BC31-ADFA-4939-ADF1-A57605AB2556}" type="datetime1">
               <a:rPr lang="zh-CN" altLang="en-US" smtClean="0"/>
-              <a:t>2018/10/6</a:t>
+              <a:t>2018/10/7</a:t>
             </a:fld>
             <a:endParaRPr lang="zh-CN" altLang="en-US"/>
           </a:p>
@@ -8778,7 +8997,7 @@
           <a:p>
             <a:fld id="{40F03ED0-6E5F-48BB-90A8-AD1EC3E9AF09}" type="datetime1">
               <a:rPr lang="zh-CN" altLang="en-US" smtClean="0"/>
-              <a:t>2018/10/6</a:t>
+              <a:t>2018/10/7</a:t>
             </a:fld>
             <a:endParaRPr lang="zh-CN" altLang="en-US"/>
           </a:p>
@@ -9021,7 +9240,7 @@
           <a:p>
             <a:fld id="{7BE51BE7-2DB2-422B-A0F1-EEC574E16519}" type="datetime1">
               <a:rPr lang="zh-CN" altLang="en-US" smtClean="0"/>
-              <a:t>2018/10/6</a:t>
+              <a:t>2018/10/7</a:t>
             </a:fld>
             <a:endParaRPr lang="zh-CN" altLang="en-US"/>
           </a:p>
@@ -17207,6 +17426,713 @@
       </p:grpSpPr>
       <p:sp>
         <p:nvSpPr>
+          <p:cNvPr id="16" name="Rectangle: Rounded Corners 15">
+            <a:extLst>
+              <a:ext uri="{FF2B5EF4-FFF2-40B4-BE49-F238E27FC236}">
+                <a16:creationId xmlns:a16="http://schemas.microsoft.com/office/drawing/2014/main" id="{43BAC5D7-1969-4E9C-BDF9-56E4D6245033}"/>
+              </a:ext>
+            </a:extLst>
+          </p:cNvPr>
+          <p:cNvSpPr/>
+          <p:nvPr/>
+        </p:nvSpPr>
+        <p:spPr>
+          <a:xfrm>
+            <a:off x="226509" y="1708273"/>
+            <a:ext cx="3223952" cy="334985"/>
+          </a:xfrm>
+          <a:prstGeom prst="roundRect">
+            <a:avLst/>
+          </a:prstGeom>
+          <a:solidFill>
+            <a:schemeClr val="accent3">
+              <a:lumMod val="60000"/>
+              <a:lumOff val="40000"/>
+            </a:schemeClr>
+          </a:solidFill>
+          <a:ln>
+            <a:solidFill>
+              <a:schemeClr val="accent3">
+                <a:lumMod val="20000"/>
+                <a:lumOff val="80000"/>
+              </a:schemeClr>
+            </a:solidFill>
+          </a:ln>
+        </p:spPr>
+        <p:style>
+          <a:lnRef idx="2">
+            <a:schemeClr val="accent1">
+              <a:shade val="50000"/>
+            </a:schemeClr>
+          </a:lnRef>
+          <a:fillRef idx="1">
+            <a:schemeClr val="accent1"/>
+          </a:fillRef>
+          <a:effectRef idx="0">
+            <a:schemeClr val="accent1"/>
+          </a:effectRef>
+          <a:fontRef idx="minor">
+            <a:schemeClr val="lt1"/>
+          </a:fontRef>
+        </p:style>
+        <p:txBody>
+          <a:bodyPr rtlCol="0" anchor="ctr"/>
+          <a:lstStyle/>
+          <a:p>
+            <a:pPr algn="ctr"/>
+            <a:r>
+              <a:rPr lang="en-US" altLang="zh-CN" sz="1400" dirty="0">
+                <a:latin typeface="Arial Black" panose="020B0A04020102020204" pitchFamily="34" charset="0"/>
+              </a:rPr>
+              <a:t>member variable</a:t>
+            </a:r>
+            <a:endParaRPr lang="zh-CN" altLang="en-US" sz="1400" dirty="0">
+              <a:latin typeface="Arial Black" panose="020B0A04020102020204" pitchFamily="34" charset="0"/>
+            </a:endParaRPr>
+          </a:p>
+        </p:txBody>
+      </p:sp>
+      <p:sp>
+        <p:nvSpPr>
+          <p:cNvPr id="17" name="Rectangle: Rounded Corners 16">
+            <a:extLst>
+              <a:ext uri="{FF2B5EF4-FFF2-40B4-BE49-F238E27FC236}">
+                <a16:creationId xmlns:a16="http://schemas.microsoft.com/office/drawing/2014/main" id="{EB938B34-8AED-4ED3-BAB9-C363B9203B77}"/>
+              </a:ext>
+            </a:extLst>
+          </p:cNvPr>
+          <p:cNvSpPr/>
+          <p:nvPr/>
+        </p:nvSpPr>
+        <p:spPr>
+          <a:xfrm>
+            <a:off x="226507" y="2324598"/>
+            <a:ext cx="3223954" cy="334986"/>
+          </a:xfrm>
+          <a:prstGeom prst="roundRect">
+            <a:avLst/>
+          </a:prstGeom>
+          <a:solidFill>
+            <a:schemeClr val="accent6">
+              <a:lumMod val="60000"/>
+              <a:lumOff val="40000"/>
+            </a:schemeClr>
+          </a:solidFill>
+          <a:ln>
+            <a:solidFill>
+              <a:schemeClr val="accent3">
+                <a:lumMod val="20000"/>
+                <a:lumOff val="80000"/>
+              </a:schemeClr>
+            </a:solidFill>
+          </a:ln>
+        </p:spPr>
+        <p:style>
+          <a:lnRef idx="2">
+            <a:schemeClr val="accent1">
+              <a:shade val="50000"/>
+            </a:schemeClr>
+          </a:lnRef>
+          <a:fillRef idx="1">
+            <a:schemeClr val="accent1"/>
+          </a:fillRef>
+          <a:effectRef idx="0">
+            <a:schemeClr val="accent1"/>
+          </a:effectRef>
+          <a:fontRef idx="minor">
+            <a:schemeClr val="lt1"/>
+          </a:fontRef>
+        </p:style>
+        <p:txBody>
+          <a:bodyPr rtlCol="0" anchor="ctr"/>
+          <a:lstStyle/>
+          <a:p>
+            <a:pPr algn="ctr"/>
+            <a:r>
+              <a:rPr lang="en-US" altLang="zh-CN" sz="1400" dirty="0">
+                <a:latin typeface="Arial Black" panose="020B0A04020102020204" pitchFamily="34" charset="0"/>
+              </a:rPr>
+              <a:t>member method</a:t>
+            </a:r>
+            <a:endParaRPr lang="zh-CN" altLang="en-US" sz="1400" dirty="0">
+              <a:latin typeface="Arial Black" panose="020B0A04020102020204" pitchFamily="34" charset="0"/>
+            </a:endParaRPr>
+          </a:p>
+        </p:txBody>
+      </p:sp>
+      <p:sp>
+        <p:nvSpPr>
+          <p:cNvPr id="18" name="Rectangle: Rounded Corners 17">
+            <a:extLst>
+              <a:ext uri="{FF2B5EF4-FFF2-40B4-BE49-F238E27FC236}">
+                <a16:creationId xmlns:a16="http://schemas.microsoft.com/office/drawing/2014/main" id="{09171126-D777-4F80-8CAE-E25C1C58C0FE}"/>
+              </a:ext>
+            </a:extLst>
+          </p:cNvPr>
+          <p:cNvSpPr/>
+          <p:nvPr/>
+        </p:nvSpPr>
+        <p:spPr>
+          <a:xfrm>
+            <a:off x="226507" y="2829691"/>
+            <a:ext cx="3223954" cy="334986"/>
+          </a:xfrm>
+          <a:prstGeom prst="roundRect">
+            <a:avLst/>
+          </a:prstGeom>
+          <a:solidFill>
+            <a:schemeClr val="accent6">
+              <a:lumMod val="60000"/>
+              <a:lumOff val="40000"/>
+            </a:schemeClr>
+          </a:solidFill>
+          <a:ln>
+            <a:solidFill>
+              <a:srgbClr val="00B0F0"/>
+            </a:solidFill>
+            <a:prstDash val="dash"/>
+          </a:ln>
+        </p:spPr>
+        <p:style>
+          <a:lnRef idx="2">
+            <a:schemeClr val="accent1">
+              <a:shade val="50000"/>
+            </a:schemeClr>
+          </a:lnRef>
+          <a:fillRef idx="1">
+            <a:schemeClr val="accent1"/>
+          </a:fillRef>
+          <a:effectRef idx="0">
+            <a:schemeClr val="accent1"/>
+          </a:effectRef>
+          <a:fontRef idx="minor">
+            <a:schemeClr val="lt1"/>
+          </a:fontRef>
+        </p:style>
+        <p:txBody>
+          <a:bodyPr rtlCol="0" anchor="ctr"/>
+          <a:lstStyle/>
+          <a:p>
+            <a:pPr algn="ctr"/>
+            <a:r>
+              <a:rPr lang="en-US" altLang="zh-CN" sz="1400" dirty="0">
+                <a:latin typeface="Arial Black" panose="020B0A04020102020204" pitchFamily="34" charset="0"/>
+              </a:rPr>
+              <a:t>virtual member method</a:t>
+            </a:r>
+            <a:endParaRPr lang="zh-CN" altLang="en-US" sz="1400" dirty="0">
+              <a:latin typeface="Arial Black" panose="020B0A04020102020204" pitchFamily="34" charset="0"/>
+            </a:endParaRPr>
+          </a:p>
+        </p:txBody>
+      </p:sp>
+      <p:sp>
+        <p:nvSpPr>
+          <p:cNvPr id="19" name="Rectangle: Rounded Corners 18">
+            <a:extLst>
+              <a:ext uri="{FF2B5EF4-FFF2-40B4-BE49-F238E27FC236}">
+                <a16:creationId xmlns:a16="http://schemas.microsoft.com/office/drawing/2014/main" id="{CFA61152-4475-4094-8B49-C0157A91E546}"/>
+              </a:ext>
+            </a:extLst>
+          </p:cNvPr>
+          <p:cNvSpPr/>
+          <p:nvPr/>
+        </p:nvSpPr>
+        <p:spPr>
+          <a:xfrm>
+            <a:off x="3703134" y="1737067"/>
+            <a:ext cx="3223952" cy="334985"/>
+          </a:xfrm>
+          <a:prstGeom prst="roundRect">
+            <a:avLst/>
+          </a:prstGeom>
+          <a:solidFill>
+            <a:schemeClr val="accent3">
+              <a:lumMod val="60000"/>
+              <a:lumOff val="40000"/>
+            </a:schemeClr>
+          </a:solidFill>
+          <a:ln>
+            <a:solidFill>
+              <a:srgbClr val="FF0000"/>
+            </a:solidFill>
+            <a:prstDash val="dash"/>
+          </a:ln>
+        </p:spPr>
+        <p:style>
+          <a:lnRef idx="2">
+            <a:schemeClr val="accent1">
+              <a:shade val="50000"/>
+            </a:schemeClr>
+          </a:lnRef>
+          <a:fillRef idx="1">
+            <a:schemeClr val="accent1"/>
+          </a:fillRef>
+          <a:effectRef idx="0">
+            <a:schemeClr val="accent1"/>
+          </a:effectRef>
+          <a:fontRef idx="minor">
+            <a:schemeClr val="lt1"/>
+          </a:fontRef>
+        </p:style>
+        <p:txBody>
+          <a:bodyPr rtlCol="0" anchor="ctr"/>
+          <a:lstStyle/>
+          <a:p>
+            <a:pPr algn="ctr"/>
+            <a:r>
+              <a:rPr lang="en-US" altLang="zh-CN" sz="1400" dirty="0">
+                <a:latin typeface="Arial Black" panose="020B0A04020102020204" pitchFamily="34" charset="0"/>
+              </a:rPr>
+              <a:t>static member variable</a:t>
+            </a:r>
+            <a:endParaRPr lang="zh-CN" altLang="en-US" sz="1400" dirty="0">
+              <a:latin typeface="Arial Black" panose="020B0A04020102020204" pitchFamily="34" charset="0"/>
+            </a:endParaRPr>
+          </a:p>
+        </p:txBody>
+      </p:sp>
+      <p:sp>
+        <p:nvSpPr>
+          <p:cNvPr id="20" name="Rectangle: Rounded Corners 19">
+            <a:extLst>
+              <a:ext uri="{FF2B5EF4-FFF2-40B4-BE49-F238E27FC236}">
+                <a16:creationId xmlns:a16="http://schemas.microsoft.com/office/drawing/2014/main" id="{99260C9B-B652-445A-8A68-EAFA95A93531}"/>
+              </a:ext>
+            </a:extLst>
+          </p:cNvPr>
+          <p:cNvSpPr/>
+          <p:nvPr/>
+        </p:nvSpPr>
+        <p:spPr>
+          <a:xfrm>
+            <a:off x="3703132" y="2324598"/>
+            <a:ext cx="3223954" cy="334986"/>
+          </a:xfrm>
+          <a:prstGeom prst="roundRect">
+            <a:avLst/>
+          </a:prstGeom>
+          <a:solidFill>
+            <a:schemeClr val="accent6">
+              <a:lumMod val="60000"/>
+              <a:lumOff val="40000"/>
+            </a:schemeClr>
+          </a:solidFill>
+          <a:ln>
+            <a:solidFill>
+              <a:srgbClr val="FF0000"/>
+            </a:solidFill>
+            <a:prstDash val="dash"/>
+          </a:ln>
+        </p:spPr>
+        <p:style>
+          <a:lnRef idx="2">
+            <a:schemeClr val="accent1">
+              <a:shade val="50000"/>
+            </a:schemeClr>
+          </a:lnRef>
+          <a:fillRef idx="1">
+            <a:schemeClr val="accent1"/>
+          </a:fillRef>
+          <a:effectRef idx="0">
+            <a:schemeClr val="accent1"/>
+          </a:effectRef>
+          <a:fontRef idx="minor">
+            <a:schemeClr val="lt1"/>
+          </a:fontRef>
+        </p:style>
+        <p:txBody>
+          <a:bodyPr rtlCol="0" anchor="ctr"/>
+          <a:lstStyle/>
+          <a:p>
+            <a:pPr algn="ctr"/>
+            <a:r>
+              <a:rPr lang="en-US" altLang="zh-CN" sz="1400" dirty="0">
+                <a:latin typeface="Arial Black" panose="020B0A04020102020204" pitchFamily="34" charset="0"/>
+              </a:rPr>
+              <a:t>static member method</a:t>
+            </a:r>
+            <a:endParaRPr lang="zh-CN" altLang="en-US" sz="1400" dirty="0">
+              <a:latin typeface="Arial Black" panose="020B0A04020102020204" pitchFamily="34" charset="0"/>
+            </a:endParaRPr>
+          </a:p>
+        </p:txBody>
+      </p:sp>
+      <p:sp>
+        <p:nvSpPr>
+          <p:cNvPr id="22" name="Rectangle: Rounded Corners 21">
+            <a:extLst>
+              <a:ext uri="{FF2B5EF4-FFF2-40B4-BE49-F238E27FC236}">
+                <a16:creationId xmlns:a16="http://schemas.microsoft.com/office/drawing/2014/main" id="{F693C7C4-BAE8-4C7B-8F25-0E09EA15B385}"/>
+              </a:ext>
+            </a:extLst>
+          </p:cNvPr>
+          <p:cNvSpPr/>
+          <p:nvPr/>
+        </p:nvSpPr>
+        <p:spPr>
+          <a:xfrm>
+            <a:off x="3703132" y="2829691"/>
+            <a:ext cx="3223954" cy="334986"/>
+          </a:xfrm>
+          <a:prstGeom prst="roundRect">
+            <a:avLst/>
+          </a:prstGeom>
+          <a:solidFill>
+            <a:schemeClr val="accent6">
+              <a:lumMod val="50000"/>
+            </a:schemeClr>
+          </a:solidFill>
+          <a:ln>
+            <a:solidFill>
+              <a:schemeClr val="accent6">
+                <a:lumMod val="50000"/>
+              </a:schemeClr>
+            </a:solidFill>
+            <a:prstDash val="dash"/>
+          </a:ln>
+        </p:spPr>
+        <p:style>
+          <a:lnRef idx="2">
+            <a:schemeClr val="accent1">
+              <a:shade val="50000"/>
+            </a:schemeClr>
+          </a:lnRef>
+          <a:fillRef idx="1">
+            <a:schemeClr val="accent1"/>
+          </a:fillRef>
+          <a:effectRef idx="0">
+            <a:schemeClr val="accent1"/>
+          </a:effectRef>
+          <a:fontRef idx="minor">
+            <a:schemeClr val="lt1"/>
+          </a:fontRef>
+        </p:style>
+        <p:txBody>
+          <a:bodyPr rtlCol="0" anchor="ctr"/>
+          <a:lstStyle/>
+          <a:p>
+            <a:pPr algn="ctr"/>
+            <a:r>
+              <a:rPr lang="en-US" altLang="zh-CN" sz="1400" dirty="0">
+                <a:latin typeface="Arial Black" panose="020B0A04020102020204" pitchFamily="34" charset="0"/>
+              </a:rPr>
+              <a:t>pure virtual member method</a:t>
+            </a:r>
+            <a:endParaRPr lang="zh-CN" altLang="en-US" sz="1400" dirty="0">
+              <a:latin typeface="Arial Black" panose="020B0A04020102020204" pitchFamily="34" charset="0"/>
+            </a:endParaRPr>
+          </a:p>
+        </p:txBody>
+      </p:sp>
+      <p:sp>
+        <p:nvSpPr>
+          <p:cNvPr id="23" name="Rectangle: Rounded Corners 22">
+            <a:extLst>
+              <a:ext uri="{FF2B5EF4-FFF2-40B4-BE49-F238E27FC236}">
+                <a16:creationId xmlns:a16="http://schemas.microsoft.com/office/drawing/2014/main" id="{ABE5A44F-81B8-426F-ADAF-5E77186C8585}"/>
+              </a:ext>
+            </a:extLst>
+          </p:cNvPr>
+          <p:cNvSpPr/>
+          <p:nvPr/>
+        </p:nvSpPr>
+        <p:spPr>
+          <a:xfrm>
+            <a:off x="479179" y="231208"/>
+            <a:ext cx="1435345" cy="334985"/>
+          </a:xfrm>
+          <a:prstGeom prst="roundRect">
+            <a:avLst/>
+          </a:prstGeom>
+          <a:solidFill>
+            <a:schemeClr val="accent3">
+              <a:lumMod val="60000"/>
+              <a:lumOff val="40000"/>
+            </a:schemeClr>
+          </a:solidFill>
+          <a:ln>
+            <a:solidFill>
+              <a:schemeClr val="accent3">
+                <a:lumMod val="20000"/>
+                <a:lumOff val="80000"/>
+              </a:schemeClr>
+            </a:solidFill>
+          </a:ln>
+        </p:spPr>
+        <p:style>
+          <a:lnRef idx="2">
+            <a:schemeClr val="accent1">
+              <a:shade val="50000"/>
+            </a:schemeClr>
+          </a:lnRef>
+          <a:fillRef idx="1">
+            <a:schemeClr val="accent1"/>
+          </a:fillRef>
+          <a:effectRef idx="0">
+            <a:schemeClr val="accent1"/>
+          </a:effectRef>
+          <a:fontRef idx="minor">
+            <a:schemeClr val="lt1"/>
+          </a:fontRef>
+        </p:style>
+        <p:txBody>
+          <a:bodyPr rtlCol="0" anchor="ctr"/>
+          <a:lstStyle/>
+          <a:p>
+            <a:r>
+              <a:rPr lang="en-US" altLang="zh-CN" sz="1400" dirty="0">
+                <a:latin typeface="Arial Black" panose="020B0A04020102020204" pitchFamily="34" charset="0"/>
+              </a:rPr>
+              <a:t>+: public</a:t>
+            </a:r>
+            <a:endParaRPr lang="zh-CN" altLang="en-US" sz="1400" dirty="0">
+              <a:latin typeface="Arial Black" panose="020B0A04020102020204" pitchFamily="34" charset="0"/>
+            </a:endParaRPr>
+          </a:p>
+        </p:txBody>
+      </p:sp>
+      <p:sp>
+        <p:nvSpPr>
+          <p:cNvPr id="24" name="Rectangle: Rounded Corners 23">
+            <a:extLst>
+              <a:ext uri="{FF2B5EF4-FFF2-40B4-BE49-F238E27FC236}">
+                <a16:creationId xmlns:a16="http://schemas.microsoft.com/office/drawing/2014/main" id="{487F9120-D61D-494F-AC39-8EFA5771A205}"/>
+              </a:ext>
+            </a:extLst>
+          </p:cNvPr>
+          <p:cNvSpPr/>
+          <p:nvPr/>
+        </p:nvSpPr>
+        <p:spPr>
+          <a:xfrm>
+            <a:off x="488704" y="636704"/>
+            <a:ext cx="1425819" cy="334985"/>
+          </a:xfrm>
+          <a:prstGeom prst="roundRect">
+            <a:avLst/>
+          </a:prstGeom>
+          <a:solidFill>
+            <a:schemeClr val="accent3">
+              <a:lumMod val="60000"/>
+              <a:lumOff val="40000"/>
+            </a:schemeClr>
+          </a:solidFill>
+          <a:ln>
+            <a:solidFill>
+              <a:schemeClr val="accent3">
+                <a:lumMod val="20000"/>
+                <a:lumOff val="80000"/>
+              </a:schemeClr>
+            </a:solidFill>
+          </a:ln>
+        </p:spPr>
+        <p:style>
+          <a:lnRef idx="2">
+            <a:schemeClr val="accent1">
+              <a:shade val="50000"/>
+            </a:schemeClr>
+          </a:lnRef>
+          <a:fillRef idx="1">
+            <a:schemeClr val="accent1"/>
+          </a:fillRef>
+          <a:effectRef idx="0">
+            <a:schemeClr val="accent1"/>
+          </a:effectRef>
+          <a:fontRef idx="minor">
+            <a:schemeClr val="lt1"/>
+          </a:fontRef>
+        </p:style>
+        <p:txBody>
+          <a:bodyPr rtlCol="0" anchor="ctr"/>
+          <a:lstStyle/>
+          <a:p>
+            <a:r>
+              <a:rPr lang="en-US" altLang="zh-CN" sz="1400" dirty="0">
+                <a:latin typeface="Arial Black" panose="020B0A04020102020204" pitchFamily="34" charset="0"/>
+              </a:rPr>
+              <a:t>-: private</a:t>
+            </a:r>
+            <a:endParaRPr lang="zh-CN" altLang="en-US" sz="1400" dirty="0">
+              <a:latin typeface="Arial Black" panose="020B0A04020102020204" pitchFamily="34" charset="0"/>
+            </a:endParaRPr>
+          </a:p>
+        </p:txBody>
+      </p:sp>
+      <p:sp>
+        <p:nvSpPr>
+          <p:cNvPr id="25" name="Rectangle: Rounded Corners 24">
+            <a:extLst>
+              <a:ext uri="{FF2B5EF4-FFF2-40B4-BE49-F238E27FC236}">
+                <a16:creationId xmlns:a16="http://schemas.microsoft.com/office/drawing/2014/main" id="{ECFBC9E4-394F-4728-97ED-8C03CA22E060}"/>
+              </a:ext>
+            </a:extLst>
+          </p:cNvPr>
+          <p:cNvSpPr/>
+          <p:nvPr/>
+        </p:nvSpPr>
+        <p:spPr>
+          <a:xfrm>
+            <a:off x="479179" y="1091948"/>
+            <a:ext cx="1425818" cy="334985"/>
+          </a:xfrm>
+          <a:prstGeom prst="roundRect">
+            <a:avLst/>
+          </a:prstGeom>
+          <a:solidFill>
+            <a:schemeClr val="accent3">
+              <a:lumMod val="60000"/>
+              <a:lumOff val="40000"/>
+            </a:schemeClr>
+          </a:solidFill>
+          <a:ln>
+            <a:solidFill>
+              <a:schemeClr val="accent3">
+                <a:lumMod val="20000"/>
+                <a:lumOff val="80000"/>
+              </a:schemeClr>
+            </a:solidFill>
+          </a:ln>
+        </p:spPr>
+        <p:style>
+          <a:lnRef idx="2">
+            <a:schemeClr val="accent1">
+              <a:shade val="50000"/>
+            </a:schemeClr>
+          </a:lnRef>
+          <a:fillRef idx="1">
+            <a:schemeClr val="accent1"/>
+          </a:fillRef>
+          <a:effectRef idx="0">
+            <a:schemeClr val="accent1"/>
+          </a:effectRef>
+          <a:fontRef idx="minor">
+            <a:schemeClr val="lt1"/>
+          </a:fontRef>
+        </p:style>
+        <p:txBody>
+          <a:bodyPr rtlCol="0" anchor="ctr"/>
+          <a:lstStyle/>
+          <a:p>
+            <a:pPr algn="ctr"/>
+            <a:r>
+              <a:rPr lang="en-US" altLang="zh-CN" sz="1400" dirty="0">
+                <a:latin typeface="Arial Black" panose="020B0A04020102020204" pitchFamily="34" charset="0"/>
+              </a:rPr>
+              <a:t>*: protected</a:t>
+            </a:r>
+            <a:endParaRPr lang="zh-CN" altLang="en-US" sz="1400" dirty="0">
+              <a:latin typeface="Arial Black" panose="020B0A04020102020204" pitchFamily="34" charset="0"/>
+            </a:endParaRPr>
+          </a:p>
+        </p:txBody>
+      </p:sp>
+      <p:sp>
+        <p:nvSpPr>
+          <p:cNvPr id="28" name="Rectangle: Rounded Corners 27">
+            <a:extLst>
+              <a:ext uri="{FF2B5EF4-FFF2-40B4-BE49-F238E27FC236}">
+                <a16:creationId xmlns:a16="http://schemas.microsoft.com/office/drawing/2014/main" id="{FAAB4448-C011-4B99-B2DE-A47BADDD15DF}"/>
+              </a:ext>
+            </a:extLst>
+          </p:cNvPr>
+          <p:cNvSpPr/>
+          <p:nvPr/>
+        </p:nvSpPr>
+        <p:spPr>
+          <a:xfrm>
+            <a:off x="479179" y="4375273"/>
+            <a:ext cx="3223952" cy="334985"/>
+          </a:xfrm>
+          <a:prstGeom prst="roundRect">
+            <a:avLst/>
+          </a:prstGeom>
+          <a:solidFill>
+            <a:schemeClr val="accent3">
+              <a:lumMod val="60000"/>
+              <a:lumOff val="40000"/>
+            </a:schemeClr>
+          </a:solidFill>
+          <a:ln>
+            <a:solidFill>
+              <a:schemeClr val="accent3">
+                <a:lumMod val="20000"/>
+                <a:lumOff val="80000"/>
+              </a:schemeClr>
+            </a:solidFill>
+          </a:ln>
+        </p:spPr>
+        <p:style>
+          <a:lnRef idx="2">
+            <a:schemeClr val="accent1">
+              <a:shade val="50000"/>
+            </a:schemeClr>
+          </a:lnRef>
+          <a:fillRef idx="1">
+            <a:schemeClr val="accent1"/>
+          </a:fillRef>
+          <a:effectRef idx="0">
+            <a:schemeClr val="accent1"/>
+          </a:effectRef>
+          <a:fontRef idx="minor">
+            <a:schemeClr val="lt1"/>
+          </a:fontRef>
+        </p:style>
+        <p:txBody>
+          <a:bodyPr rtlCol="0" anchor="ctr"/>
+          <a:lstStyle/>
+          <a:p>
+            <a:pPr algn="ctr"/>
+            <a:r>
+              <a:rPr lang="en-US" altLang="zh-CN" sz="1400" dirty="0">
+                <a:latin typeface="Arial Black" panose="020B0A04020102020204" pitchFamily="34" charset="0"/>
+              </a:rPr>
+              <a:t>+: </a:t>
+            </a:r>
+            <a:r>
+              <a:rPr lang="en-US" altLang="zh-CN" sz="1400" dirty="0" err="1">
+                <a:latin typeface="Arial Black" panose="020B0A04020102020204" pitchFamily="34" charset="0"/>
+              </a:rPr>
+              <a:t>m_name</a:t>
+            </a:r>
+            <a:endParaRPr lang="zh-CN" altLang="en-US" sz="1400" dirty="0">
+              <a:latin typeface="Arial Black" panose="020B0A04020102020204" pitchFamily="34" charset="0"/>
+            </a:endParaRPr>
+          </a:p>
+        </p:txBody>
+      </p:sp>
+    </p:spTree>
+    <p:extLst>
+      <p:ext uri="{BB962C8B-B14F-4D97-AF65-F5344CB8AC3E}">
+        <p14:creationId xmlns:p14="http://schemas.microsoft.com/office/powerpoint/2010/main" val="2401213058"/>
+      </p:ext>
+    </p:extLst>
+  </p:cSld>
+  <p:clrMapOvr>
+    <a:masterClrMapping/>
+  </p:clrMapOvr>
+</p:sld>
+</file>
+
+<file path=ppt/slides/slide22.xml><?xml version="1.0" encoding="utf-8"?>
+<p:sld xmlns:a="http://schemas.openxmlformats.org/drawingml/2006/main" xmlns:r="http://schemas.openxmlformats.org/officeDocument/2006/relationships" xmlns:p="http://schemas.openxmlformats.org/presentationml/2006/main">
+  <p:cSld>
+    <p:spTree>
+      <p:nvGrpSpPr>
+        <p:cNvPr id="1" name=""/>
+        <p:cNvGrpSpPr/>
+        <p:nvPr/>
+      </p:nvGrpSpPr>
+      <p:grpSpPr>
+        <a:xfrm>
+          <a:off x="0" y="0"/>
+          <a:ext cx="0" cy="0"/>
+          <a:chOff x="0" y="0"/>
+          <a:chExt cx="0" cy="0"/>
+        </a:xfrm>
+      </p:grpSpPr>
+      <p:sp>
+        <p:nvSpPr>
           <p:cNvPr id="2" name="TextBox 1">
             <a:extLst>
               <a:ext uri="{FF2B5EF4-FFF2-40B4-BE49-F238E27FC236}">
@@ -18840,7 +19766,7 @@
 </p:sld>
 </file>
 
-<file path=ppt/slides/slide22.xml><?xml version="1.0" encoding="utf-8"?>
+<file path=ppt/slides/slide23.xml><?xml version="1.0" encoding="utf-8"?>
 <p:sld xmlns:a="http://schemas.openxmlformats.org/drawingml/2006/main" xmlns:r="http://schemas.openxmlformats.org/officeDocument/2006/relationships" xmlns:p="http://schemas.openxmlformats.org/presentationml/2006/main">
   <p:cSld>
     <p:spTree>
@@ -20327,7 +21253,7 @@
 </p:sld>
 </file>
 
-<file path=ppt/slides/slide23.xml><?xml version="1.0" encoding="utf-8"?>
+<file path=ppt/slides/slide24.xml><?xml version="1.0" encoding="utf-8"?>
 <p:sld xmlns:a="http://schemas.openxmlformats.org/drawingml/2006/main" xmlns:r="http://schemas.openxmlformats.org/officeDocument/2006/relationships" xmlns:p="http://schemas.openxmlformats.org/presentationml/2006/main">
   <p:cSld>
     <p:spTree>
@@ -21852,7 +22778,7 @@
 </p:sld>
 </file>
 
-<file path=ppt/slides/slide24.xml><?xml version="1.0" encoding="utf-8"?>
+<file path=ppt/slides/slide25.xml><?xml version="1.0" encoding="utf-8"?>
 <p:sld xmlns:a="http://schemas.openxmlformats.org/drawingml/2006/main" xmlns:r="http://schemas.openxmlformats.org/officeDocument/2006/relationships" xmlns:p="http://schemas.openxmlformats.org/presentationml/2006/main">
   <p:cSld>
     <p:spTree>
@@ -22183,278 +23109,6 @@
     <p:extLst>
       <p:ext uri="{BB962C8B-B14F-4D97-AF65-F5344CB8AC3E}">
         <p14:creationId xmlns:p14="http://schemas.microsoft.com/office/powerpoint/2010/main" val="1816618966"/>
-      </p:ext>
-    </p:extLst>
-  </p:cSld>
-  <p:clrMapOvr>
-    <a:masterClrMapping/>
-  </p:clrMapOvr>
-</p:sld>
-</file>
-
-<file path=ppt/slides/slide25.xml><?xml version="1.0" encoding="utf-8"?>
-<p:sld xmlns:a="http://schemas.openxmlformats.org/drawingml/2006/main" xmlns:r="http://schemas.openxmlformats.org/officeDocument/2006/relationships" xmlns:p="http://schemas.openxmlformats.org/presentationml/2006/main">
-  <p:cSld>
-    <p:spTree>
-      <p:nvGrpSpPr>
-        <p:cNvPr id="1" name=""/>
-        <p:cNvGrpSpPr/>
-        <p:nvPr/>
-      </p:nvGrpSpPr>
-      <p:grpSpPr>
-        <a:xfrm>
-          <a:off x="0" y="0"/>
-          <a:ext cx="0" cy="0"/>
-          <a:chOff x="0" y="0"/>
-          <a:chExt cx="0" cy="0"/>
-        </a:xfrm>
-      </p:grpSpPr>
-      <p:sp>
-        <p:nvSpPr>
-          <p:cNvPr id="2" name="TextBox 1">
-            <a:extLst>
-              <a:ext uri="{FF2B5EF4-FFF2-40B4-BE49-F238E27FC236}">
-                <a16:creationId xmlns:a16="http://schemas.microsoft.com/office/drawing/2014/main" id="{6616D8AB-9DB0-4F58-B6DE-0689A6510426}"/>
-              </a:ext>
-            </a:extLst>
-          </p:cNvPr>
-          <p:cNvSpPr txBox="1"/>
-          <p:nvPr/>
-        </p:nvSpPr>
-        <p:spPr>
-          <a:xfrm>
-            <a:off x="562708" y="432079"/>
-            <a:ext cx="1386918" cy="369332"/>
-          </a:xfrm>
-          <a:prstGeom prst="rect">
-            <a:avLst/>
-          </a:prstGeom>
-          <a:noFill/>
-        </p:spPr>
-        <p:txBody>
-          <a:bodyPr wrap="none" rtlCol="0">
-            <a:spAutoFit/>
-          </a:bodyPr>
-          <a:lstStyle/>
-          <a:p>
-            <a:r>
-              <a:rPr lang="en-US" altLang="zh-CN" dirty="0">
-                <a:latin typeface="Clarendon Blk BT" panose="02040905050505020204" pitchFamily="18" charset="0"/>
-              </a:rPr>
-              <a:t>ICEMedia</a:t>
-            </a:r>
-            <a:endParaRPr lang="zh-CN" altLang="en-US" dirty="0">
-              <a:latin typeface="Clarendon Blk BT" panose="02040905050505020204" pitchFamily="18" charset="0"/>
-            </a:endParaRPr>
-          </a:p>
-        </p:txBody>
-      </p:sp>
-      <p:sp>
-        <p:nvSpPr>
-          <p:cNvPr id="20" name="Rectangle: Diagonal Corners Rounded 19">
-            <a:extLst>
-              <a:ext uri="{FF2B5EF4-FFF2-40B4-BE49-F238E27FC236}">
-                <a16:creationId xmlns:a16="http://schemas.microsoft.com/office/drawing/2014/main" id="{56D5BA8E-739B-4034-BFE6-0ACBB3A95E60}"/>
-              </a:ext>
-            </a:extLst>
-          </p:cNvPr>
-          <p:cNvSpPr/>
-          <p:nvPr/>
-        </p:nvSpPr>
-        <p:spPr>
-          <a:xfrm>
-            <a:off x="1438275" y="1052182"/>
-            <a:ext cx="3223951" cy="2529218"/>
-          </a:xfrm>
-          <a:prstGeom prst="round2DiagRect">
-            <a:avLst>
-              <a:gd name="adj1" fmla="val 6397"/>
-              <a:gd name="adj2" fmla="val 4890"/>
-            </a:avLst>
-          </a:prstGeom>
-          <a:solidFill>
-            <a:schemeClr val="accent1">
-              <a:lumMod val="60000"/>
-              <a:lumOff val="40000"/>
-            </a:schemeClr>
-          </a:solidFill>
-          <a:ln w="9525">
-            <a:prstDash val="dash"/>
-          </a:ln>
-        </p:spPr>
-        <p:style>
-          <a:lnRef idx="2">
-            <a:schemeClr val="accent1">
-              <a:shade val="50000"/>
-            </a:schemeClr>
-          </a:lnRef>
-          <a:fillRef idx="1">
-            <a:schemeClr val="accent1"/>
-          </a:fillRef>
-          <a:effectRef idx="0">
-            <a:schemeClr val="accent1"/>
-          </a:effectRef>
-          <a:fontRef idx="minor">
-            <a:schemeClr val="lt1"/>
-          </a:fontRef>
-        </p:style>
-        <p:txBody>
-          <a:bodyPr rtlCol="0" anchor="t" anchorCtr="1"/>
-          <a:lstStyle/>
-          <a:p>
-            <a:pPr algn="ctr"/>
-            <a:r>
-              <a:rPr lang="en-US" altLang="zh-CN" dirty="0">
-                <a:latin typeface="Britannic Bold" panose="020B0903060703020204" pitchFamily="34" charset="0"/>
-              </a:rPr>
-              <a:t>ICEMedia</a:t>
-            </a:r>
-            <a:endParaRPr lang="zh-CN" altLang="en-US" dirty="0">
-              <a:latin typeface="Britannic Bold" panose="020B0903060703020204" pitchFamily="34" charset="0"/>
-            </a:endParaRPr>
-          </a:p>
-        </p:txBody>
-      </p:sp>
-      <p:sp>
-        <p:nvSpPr>
-          <p:cNvPr id="5" name="Rectangle: Rounded Corners 4">
-            <a:extLst>
-              <a:ext uri="{FF2B5EF4-FFF2-40B4-BE49-F238E27FC236}">
-                <a16:creationId xmlns:a16="http://schemas.microsoft.com/office/drawing/2014/main" id="{BD17C6FC-CBB2-4572-995A-772AAFC4AF04}"/>
-              </a:ext>
-            </a:extLst>
-          </p:cNvPr>
-          <p:cNvSpPr/>
-          <p:nvPr/>
-        </p:nvSpPr>
-        <p:spPr>
-          <a:xfrm>
-            <a:off x="1438274" y="1687813"/>
-            <a:ext cx="3223952" cy="369331"/>
-          </a:xfrm>
-          <a:prstGeom prst="roundRect">
-            <a:avLst/>
-          </a:prstGeom>
-          <a:solidFill>
-            <a:schemeClr val="accent3">
-              <a:lumMod val="60000"/>
-              <a:lumOff val="40000"/>
-            </a:schemeClr>
-          </a:solidFill>
-          <a:ln>
-            <a:solidFill>
-              <a:schemeClr val="accent3">
-                <a:lumMod val="20000"/>
-                <a:lumOff val="80000"/>
-              </a:schemeClr>
-            </a:solidFill>
-          </a:ln>
-        </p:spPr>
-        <p:style>
-          <a:lnRef idx="2">
-            <a:schemeClr val="accent1">
-              <a:shade val="50000"/>
-            </a:schemeClr>
-          </a:lnRef>
-          <a:fillRef idx="1">
-            <a:schemeClr val="accent1"/>
-          </a:fillRef>
-          <a:effectRef idx="0">
-            <a:schemeClr val="accent1"/>
-          </a:effectRef>
-          <a:fontRef idx="minor">
-            <a:schemeClr val="lt1"/>
-          </a:fontRef>
-        </p:style>
-        <p:txBody>
-          <a:bodyPr rtlCol="0" anchor="ctr"/>
-          <a:lstStyle/>
-          <a:p>
-            <a:pPr algn="ctr"/>
-            <a:r>
-              <a:rPr lang="en-US" altLang="zh-CN" sz="1400" dirty="0">
-                <a:latin typeface="Arial Black" panose="020B0A04020102020204" pitchFamily="34" charset="0"/>
-              </a:rPr>
-              <a:t>ICEMediaConfig</a:t>
-            </a:r>
-            <a:endParaRPr lang="zh-CN" altLang="en-US" sz="1400" dirty="0">
-              <a:latin typeface="Arial Black" panose="020B0A04020102020204" pitchFamily="34" charset="0"/>
-            </a:endParaRPr>
-          </a:p>
-        </p:txBody>
-      </p:sp>
-      <p:sp>
-        <p:nvSpPr>
-          <p:cNvPr id="6" name="Rectangle: Rounded Corners 5">
-            <a:extLst>
-              <a:ext uri="{FF2B5EF4-FFF2-40B4-BE49-F238E27FC236}">
-                <a16:creationId xmlns:a16="http://schemas.microsoft.com/office/drawing/2014/main" id="{964A89E0-5787-4C20-84B7-0EC972339DDE}"/>
-              </a:ext>
-            </a:extLst>
-          </p:cNvPr>
-          <p:cNvSpPr/>
-          <p:nvPr/>
-        </p:nvSpPr>
-        <p:spPr>
-          <a:xfrm>
-            <a:off x="1438274" y="2071469"/>
-            <a:ext cx="3223952" cy="369331"/>
-          </a:xfrm>
-          <a:prstGeom prst="roundRect">
-            <a:avLst/>
-          </a:prstGeom>
-          <a:solidFill>
-            <a:schemeClr val="accent3">
-              <a:lumMod val="60000"/>
-              <a:lumOff val="40000"/>
-            </a:schemeClr>
-          </a:solidFill>
-          <a:ln>
-            <a:solidFill>
-              <a:schemeClr val="accent3">
-                <a:lumMod val="20000"/>
-                <a:lumOff val="80000"/>
-              </a:schemeClr>
-            </a:solidFill>
-          </a:ln>
-        </p:spPr>
-        <p:style>
-          <a:lnRef idx="2">
-            <a:schemeClr val="accent1">
-              <a:shade val="50000"/>
-            </a:schemeClr>
-          </a:lnRef>
-          <a:fillRef idx="1">
-            <a:schemeClr val="accent1"/>
-          </a:fillRef>
-          <a:effectRef idx="0">
-            <a:schemeClr val="accent1"/>
-          </a:effectRef>
-          <a:fontRef idx="minor">
-            <a:schemeClr val="lt1"/>
-          </a:fontRef>
-        </p:style>
-        <p:txBody>
-          <a:bodyPr rtlCol="0" anchor="ctr"/>
-          <a:lstStyle/>
-          <a:p>
-            <a:pPr algn="ctr"/>
-            <a:r>
-              <a:rPr lang="en-US" altLang="zh-CN" sz="1400" dirty="0">
-                <a:latin typeface="Arial Black" panose="020B0A04020102020204" pitchFamily="34" charset="0"/>
-              </a:rPr>
-              <a:t>ICEPeer</a:t>
-            </a:r>
-            <a:endParaRPr lang="zh-CN" altLang="en-US" sz="1400" dirty="0">
-              <a:latin typeface="Arial Black" panose="020B0A04020102020204" pitchFamily="34" charset="0"/>
-            </a:endParaRPr>
-          </a:p>
-        </p:txBody>
-      </p:sp>
-    </p:spTree>
-    <p:extLst>
-      <p:ext uri="{BB962C8B-B14F-4D97-AF65-F5344CB8AC3E}">
-        <p14:creationId xmlns:p14="http://schemas.microsoft.com/office/powerpoint/2010/main" val="4125926458"/>
       </p:ext>
     </p:extLst>
   </p:cSld>
@@ -22496,7 +23150,7 @@
         <p:spPr>
           <a:xfrm>
             <a:off x="562708" y="432079"/>
-            <a:ext cx="1180964" cy="369332"/>
+            <a:ext cx="1386918" cy="369332"/>
           </a:xfrm>
           <a:prstGeom prst="rect">
             <a:avLst/>
@@ -22513,7 +23167,7 @@
               <a:rPr lang="en-US" altLang="zh-CN" dirty="0">
                 <a:latin typeface="Clarendon Blk BT" panose="02040905050505020204" pitchFamily="18" charset="0"/>
               </a:rPr>
-              <a:t>ICEPeer</a:t>
+              <a:t>ICEMedia</a:t>
             </a:r>
             <a:endParaRPr lang="zh-CN" altLang="en-US" dirty="0">
               <a:latin typeface="Clarendon Blk BT" panose="02040905050505020204" pitchFamily="18" charset="0"/>
@@ -22536,7 +23190,7 @@
         <p:spPr>
           <a:xfrm>
             <a:off x="1438275" y="1052182"/>
-            <a:ext cx="3223951" cy="1434540"/>
+            <a:ext cx="3223951" cy="2529218"/>
           </a:xfrm>
           <a:prstGeom prst="round2DiagRect">
             <a:avLst>
@@ -22579,7 +23233,7 @@
               <a:rPr lang="en-US" altLang="zh-CN" dirty="0">
                 <a:latin typeface="Britannic Bold" panose="020B0903060703020204" pitchFamily="34" charset="0"/>
               </a:rPr>
-              <a:t>ICEPeer</a:t>
+              <a:t>ICEMedia</a:t>
             </a:r>
             <a:endParaRPr lang="zh-CN" altLang="en-US" dirty="0">
               <a:latin typeface="Britannic Bold" panose="020B0903060703020204" pitchFamily="34" charset="0"/>
@@ -22589,10 +23243,10 @@
       </p:sp>
       <p:sp>
         <p:nvSpPr>
-          <p:cNvPr id="4" name="Rectangle: Rounded Corners 3">
-            <a:extLst>
-              <a:ext uri="{FF2B5EF4-FFF2-40B4-BE49-F238E27FC236}">
-                <a16:creationId xmlns:a16="http://schemas.microsoft.com/office/drawing/2014/main" id="{EEF339AA-1100-47BA-98AE-A4F110C5C14C}"/>
+          <p:cNvPr id="5" name="Rectangle: Rounded Corners 4">
+            <a:extLst>
+              <a:ext uri="{FF2B5EF4-FFF2-40B4-BE49-F238E27FC236}">
+                <a16:creationId xmlns:a16="http://schemas.microsoft.com/office/drawing/2014/main" id="{BD17C6FC-CBB2-4572-995A-772AAFC4AF04}"/>
               </a:ext>
             </a:extLst>
           </p:cNvPr>
@@ -22601,7 +23255,7 @@
         </p:nvSpPr>
         <p:spPr>
           <a:xfrm>
-            <a:off x="1438275" y="1541503"/>
+            <a:off x="1438274" y="1687813"/>
             <a:ext cx="3223952" cy="369331"/>
           </a:xfrm>
           <a:prstGeom prst="roundRect">
@@ -22647,7 +23301,7 @@
               <a:rPr lang="en-US" altLang="zh-CN" sz="1400" dirty="0">
                 <a:latin typeface="Arial Black" panose="020B0A04020102020204" pitchFamily="34" charset="0"/>
               </a:rPr>
-              <a:t>local-candidate</a:t>
+              <a:t>ICEMediaConfig</a:t>
             </a:r>
             <a:endParaRPr lang="zh-CN" altLang="en-US" sz="1400" dirty="0">
               <a:latin typeface="Arial Black" panose="020B0A04020102020204" pitchFamily="34" charset="0"/>
@@ -22657,10 +23311,10 @@
       </p:sp>
       <p:sp>
         <p:nvSpPr>
-          <p:cNvPr id="5" name="Rectangle: Rounded Corners 4">
-            <a:extLst>
-              <a:ext uri="{FF2B5EF4-FFF2-40B4-BE49-F238E27FC236}">
-                <a16:creationId xmlns:a16="http://schemas.microsoft.com/office/drawing/2014/main" id="{AD583B34-A2BA-4884-B20B-FD1E6C21631D}"/>
+          <p:cNvPr id="6" name="Rectangle: Rounded Corners 5">
+            <a:extLst>
+              <a:ext uri="{FF2B5EF4-FFF2-40B4-BE49-F238E27FC236}">
+                <a16:creationId xmlns:a16="http://schemas.microsoft.com/office/drawing/2014/main" id="{964A89E0-5787-4C20-84B7-0EC972339DDE}"/>
               </a:ext>
             </a:extLst>
           </p:cNvPr>
@@ -22669,7 +23323,7 @@
         </p:nvSpPr>
         <p:spPr>
           <a:xfrm>
-            <a:off x="1438274" y="1925158"/>
+            <a:off x="1438274" y="2071469"/>
             <a:ext cx="3223952" cy="369331"/>
           </a:xfrm>
           <a:prstGeom prst="roundRect">
@@ -22715,7 +23369,7 @@
               <a:rPr lang="en-US" altLang="zh-CN" sz="1400" dirty="0">
                 <a:latin typeface="Arial Black" panose="020B0A04020102020204" pitchFamily="34" charset="0"/>
               </a:rPr>
-              <a:t>remote-candidate</a:t>
+              <a:t>ICEPeer</a:t>
             </a:r>
             <a:endParaRPr lang="zh-CN" altLang="en-US" sz="1400" dirty="0">
               <a:latin typeface="Arial Black" panose="020B0A04020102020204" pitchFamily="34" charset="0"/>
@@ -22726,7 +23380,7 @@
     </p:spTree>
     <p:extLst>
       <p:ext uri="{BB962C8B-B14F-4D97-AF65-F5344CB8AC3E}">
-        <p14:creationId xmlns:p14="http://schemas.microsoft.com/office/powerpoint/2010/main" val="3846128388"/>
+        <p14:creationId xmlns:p14="http://schemas.microsoft.com/office/powerpoint/2010/main" val="4125926458"/>
       </p:ext>
     </p:extLst>
   </p:cSld>
@@ -22768,7 +23422,7 @@
         <p:spPr>
           <a:xfrm>
             <a:off x="562708" y="432079"/>
-            <a:ext cx="1880643" cy="369332"/>
+            <a:ext cx="1180964" cy="369332"/>
           </a:xfrm>
           <a:prstGeom prst="rect">
             <a:avLst/>
@@ -22785,7 +23439,7 @@
               <a:rPr lang="en-US" altLang="zh-CN" dirty="0">
                 <a:latin typeface="Clarendon Blk BT" panose="02040905050505020204" pitchFamily="18" charset="0"/>
               </a:rPr>
-              <a:t>ICECandidate</a:t>
+              <a:t>ICEPeer</a:t>
             </a:r>
             <a:endParaRPr lang="zh-CN" altLang="en-US" dirty="0">
               <a:latin typeface="Clarendon Blk BT" panose="02040905050505020204" pitchFamily="18" charset="0"/>
@@ -22807,8 +23461,8 @@
         </p:nvSpPr>
         <p:spPr>
           <a:xfrm>
-            <a:off x="1337914" y="899782"/>
-            <a:ext cx="3223951" cy="2529218"/>
+            <a:off x="1438275" y="1052182"/>
+            <a:ext cx="3223951" cy="1434540"/>
           </a:xfrm>
           <a:prstGeom prst="round2DiagRect">
             <a:avLst>
@@ -22851,7 +23505,7 @@
               <a:rPr lang="en-US" altLang="zh-CN" dirty="0">
                 <a:latin typeface="Britannic Bold" panose="020B0903060703020204" pitchFamily="34" charset="0"/>
               </a:rPr>
-              <a:t>ICECandidate</a:t>
+              <a:t>ICEPeer</a:t>
             </a:r>
             <a:endParaRPr lang="zh-CN" altLang="en-US" dirty="0">
               <a:latin typeface="Britannic Bold" panose="020B0903060703020204" pitchFamily="34" charset="0"/>
@@ -22861,10 +23515,10 @@
       </p:sp>
       <p:sp>
         <p:nvSpPr>
-          <p:cNvPr id="6" name="Rectangle: Rounded Corners 5">
-            <a:extLst>
-              <a:ext uri="{FF2B5EF4-FFF2-40B4-BE49-F238E27FC236}">
-                <a16:creationId xmlns:a16="http://schemas.microsoft.com/office/drawing/2014/main" id="{58A841A3-96BB-4A11-87D0-856FFEC66129}"/>
+          <p:cNvPr id="4" name="Rectangle: Rounded Corners 3">
+            <a:extLst>
+              <a:ext uri="{FF2B5EF4-FFF2-40B4-BE49-F238E27FC236}">
+                <a16:creationId xmlns:a16="http://schemas.microsoft.com/office/drawing/2014/main" id="{EEF339AA-1100-47BA-98AE-A4F110C5C14C}"/>
               </a:ext>
             </a:extLst>
           </p:cNvPr>
@@ -22873,7 +23527,7 @@
         </p:nvSpPr>
         <p:spPr>
           <a:xfrm>
-            <a:off x="1337913" y="1513903"/>
+            <a:off x="1438275" y="1541503"/>
             <a:ext cx="3223952" cy="369331"/>
           </a:xfrm>
           <a:prstGeom prst="roundRect">
@@ -22919,7 +23573,7 @@
               <a:rPr lang="en-US" altLang="zh-CN" sz="1400" dirty="0">
                 <a:latin typeface="Arial Black" panose="020B0A04020102020204" pitchFamily="34" charset="0"/>
               </a:rPr>
-              <a:t>ICEChannel</a:t>
+              <a:t>local-candidate</a:t>
             </a:r>
             <a:endParaRPr lang="zh-CN" altLang="en-US" sz="1400" dirty="0">
               <a:latin typeface="Arial Black" panose="020B0A04020102020204" pitchFamily="34" charset="0"/>
@@ -22927,10 +23581,78 @@
           </a:p>
         </p:txBody>
       </p:sp>
+      <p:sp>
+        <p:nvSpPr>
+          <p:cNvPr id="5" name="Rectangle: Rounded Corners 4">
+            <a:extLst>
+              <a:ext uri="{FF2B5EF4-FFF2-40B4-BE49-F238E27FC236}">
+                <a16:creationId xmlns:a16="http://schemas.microsoft.com/office/drawing/2014/main" id="{AD583B34-A2BA-4884-B20B-FD1E6C21631D}"/>
+              </a:ext>
+            </a:extLst>
+          </p:cNvPr>
+          <p:cNvSpPr/>
+          <p:nvPr/>
+        </p:nvSpPr>
+        <p:spPr>
+          <a:xfrm>
+            <a:off x="1438274" y="1925158"/>
+            <a:ext cx="3223952" cy="369331"/>
+          </a:xfrm>
+          <a:prstGeom prst="roundRect">
+            <a:avLst/>
+          </a:prstGeom>
+          <a:solidFill>
+            <a:schemeClr val="accent3">
+              <a:lumMod val="60000"/>
+              <a:lumOff val="40000"/>
+            </a:schemeClr>
+          </a:solidFill>
+          <a:ln>
+            <a:solidFill>
+              <a:schemeClr val="accent3">
+                <a:lumMod val="20000"/>
+                <a:lumOff val="80000"/>
+              </a:schemeClr>
+            </a:solidFill>
+          </a:ln>
+        </p:spPr>
+        <p:style>
+          <a:lnRef idx="2">
+            <a:schemeClr val="accent1">
+              <a:shade val="50000"/>
+            </a:schemeClr>
+          </a:lnRef>
+          <a:fillRef idx="1">
+            <a:schemeClr val="accent1"/>
+          </a:fillRef>
+          <a:effectRef idx="0">
+            <a:schemeClr val="accent1"/>
+          </a:effectRef>
+          <a:fontRef idx="minor">
+            <a:schemeClr val="lt1"/>
+          </a:fontRef>
+        </p:style>
+        <p:txBody>
+          <a:bodyPr rtlCol="0" anchor="ctr"/>
+          <a:lstStyle/>
+          <a:p>
+            <a:pPr algn="ctr"/>
+            <a:r>
+              <a:rPr lang="en-US" altLang="zh-CN" sz="1400" dirty="0">
+                <a:latin typeface="Arial Black" panose="020B0A04020102020204" pitchFamily="34" charset="0"/>
+              </a:rPr>
+              <a:t>remote-candidate</a:t>
+            </a:r>
+            <a:endParaRPr lang="zh-CN" altLang="en-US" sz="1400" dirty="0">
+              <a:latin typeface="Arial Black" panose="020B0A04020102020204" pitchFamily="34" charset="0"/>
+            </a:endParaRPr>
+          </a:p>
+        </p:txBody>
+      </p:sp>
     </p:spTree>
     <p:extLst>
       <p:ext uri="{BB962C8B-B14F-4D97-AF65-F5344CB8AC3E}">
-        <p14:creationId xmlns:p14="http://schemas.microsoft.com/office/powerpoint/2010/main" val="1727513912"/>
+        <p14:creationId xmlns:p14="http://schemas.microsoft.com/office/powerpoint/2010/main" val="3846128388"/>
       </p:ext>
     </p:extLst>
   </p:cSld>
@@ -22972,7 +23694,7 @@
         <p:spPr>
           <a:xfrm>
             <a:off x="562708" y="432079"/>
-            <a:ext cx="1643399" cy="369332"/>
+            <a:ext cx="1880643" cy="369332"/>
           </a:xfrm>
           <a:prstGeom prst="rect">
             <a:avLst/>
@@ -22989,7 +23711,7 @@
               <a:rPr lang="en-US" altLang="zh-CN" dirty="0">
                 <a:latin typeface="Clarendon Blk BT" panose="02040905050505020204" pitchFamily="18" charset="0"/>
               </a:rPr>
-              <a:t>ICEChannel</a:t>
+              <a:t>ICECandidate</a:t>
             </a:r>
             <a:endParaRPr lang="zh-CN" altLang="en-US" dirty="0">
               <a:latin typeface="Clarendon Blk BT" panose="02040905050505020204" pitchFamily="18" charset="0"/>
@@ -23011,7 +23733,7 @@
         </p:nvSpPr>
         <p:spPr>
           <a:xfrm>
-            <a:off x="1438275" y="1052182"/>
+            <a:off x="1337914" y="899782"/>
             <a:ext cx="3223951" cy="2529218"/>
           </a:xfrm>
           <a:prstGeom prst="round2DiagRect">
@@ -23055,7 +23777,7 @@
               <a:rPr lang="en-US" altLang="zh-CN" dirty="0">
                 <a:latin typeface="Britannic Bold" panose="020B0903060703020204" pitchFamily="34" charset="0"/>
               </a:rPr>
-              <a:t>ICEChannel</a:t>
+              <a:t>ICECandidate</a:t>
             </a:r>
             <a:endParaRPr lang="zh-CN" altLang="en-US" dirty="0">
               <a:latin typeface="Britannic Bold" panose="020B0903060703020204" pitchFamily="34" charset="0"/>
@@ -23063,10 +23785,78 @@
           </a:p>
         </p:txBody>
       </p:sp>
+      <p:sp>
+        <p:nvSpPr>
+          <p:cNvPr id="6" name="Rectangle: Rounded Corners 5">
+            <a:extLst>
+              <a:ext uri="{FF2B5EF4-FFF2-40B4-BE49-F238E27FC236}">
+                <a16:creationId xmlns:a16="http://schemas.microsoft.com/office/drawing/2014/main" id="{58A841A3-96BB-4A11-87D0-856FFEC66129}"/>
+              </a:ext>
+            </a:extLst>
+          </p:cNvPr>
+          <p:cNvSpPr/>
+          <p:nvPr/>
+        </p:nvSpPr>
+        <p:spPr>
+          <a:xfrm>
+            <a:off x="1337913" y="1513903"/>
+            <a:ext cx="3223952" cy="369331"/>
+          </a:xfrm>
+          <a:prstGeom prst="roundRect">
+            <a:avLst/>
+          </a:prstGeom>
+          <a:solidFill>
+            <a:schemeClr val="accent3">
+              <a:lumMod val="60000"/>
+              <a:lumOff val="40000"/>
+            </a:schemeClr>
+          </a:solidFill>
+          <a:ln>
+            <a:solidFill>
+              <a:schemeClr val="accent3">
+                <a:lumMod val="20000"/>
+                <a:lumOff val="80000"/>
+              </a:schemeClr>
+            </a:solidFill>
+          </a:ln>
+        </p:spPr>
+        <p:style>
+          <a:lnRef idx="2">
+            <a:schemeClr val="accent1">
+              <a:shade val="50000"/>
+            </a:schemeClr>
+          </a:lnRef>
+          <a:fillRef idx="1">
+            <a:schemeClr val="accent1"/>
+          </a:fillRef>
+          <a:effectRef idx="0">
+            <a:schemeClr val="accent1"/>
+          </a:effectRef>
+          <a:fontRef idx="minor">
+            <a:schemeClr val="lt1"/>
+          </a:fontRef>
+        </p:style>
+        <p:txBody>
+          <a:bodyPr rtlCol="0" anchor="ctr"/>
+          <a:lstStyle/>
+          <a:p>
+            <a:pPr algn="ctr"/>
+            <a:r>
+              <a:rPr lang="en-US" altLang="zh-CN" sz="1400" dirty="0">
+                <a:latin typeface="Arial Black" panose="020B0A04020102020204" pitchFamily="34" charset="0"/>
+              </a:rPr>
+              <a:t>ICEChannel</a:t>
+            </a:r>
+            <a:endParaRPr lang="zh-CN" altLang="en-US" sz="1400" dirty="0">
+              <a:latin typeface="Arial Black" panose="020B0A04020102020204" pitchFamily="34" charset="0"/>
+            </a:endParaRPr>
+          </a:p>
+        </p:txBody>
+      </p:sp>
     </p:spTree>
     <p:extLst>
       <p:ext uri="{BB962C8B-B14F-4D97-AF65-F5344CB8AC3E}">
-        <p14:creationId xmlns:p14="http://schemas.microsoft.com/office/powerpoint/2010/main" val="1224220718"/>
+        <p14:creationId xmlns:p14="http://schemas.microsoft.com/office/powerpoint/2010/main" val="1727513912"/>
       </p:ext>
     </p:extLst>
   </p:cSld>
@@ -23108,7 +23898,7 @@
         <p:spPr>
           <a:xfrm>
             <a:off x="562708" y="432079"/>
-            <a:ext cx="1867819" cy="369332"/>
+            <a:ext cx="1643399" cy="369332"/>
           </a:xfrm>
           <a:prstGeom prst="rect">
             <a:avLst/>
@@ -23125,7 +23915,7 @@
               <a:rPr lang="en-US" altLang="zh-CN" dirty="0">
                 <a:latin typeface="Clarendon Blk BT" panose="02040905050505020204" pitchFamily="18" charset="0"/>
               </a:rPr>
-              <a:t>StunMessage</a:t>
+              <a:t>ICEChannel</a:t>
             </a:r>
             <a:endParaRPr lang="zh-CN" altLang="en-US" dirty="0">
               <a:latin typeface="Clarendon Blk BT" panose="02040905050505020204" pitchFamily="18" charset="0"/>
@@ -23147,8 +23937,8 @@
         </p:nvSpPr>
         <p:spPr>
           <a:xfrm>
-            <a:off x="1438275" y="1052182"/>
-            <a:ext cx="3223951" cy="2529218"/>
+            <a:off x="4344620" y="123881"/>
+            <a:ext cx="3223951" cy="2800601"/>
           </a:xfrm>
           <a:prstGeom prst="round2DiagRect">
             <a:avLst>
@@ -23191,7 +23981,7 @@
               <a:rPr lang="en-US" altLang="zh-CN" dirty="0">
                 <a:latin typeface="Britannic Bold" panose="020B0903060703020204" pitchFamily="34" charset="0"/>
               </a:rPr>
-              <a:t>StunMessage</a:t>
+              <a:t>ICEChannel</a:t>
             </a:r>
             <a:endParaRPr lang="zh-CN" altLang="en-US" dirty="0">
               <a:latin typeface="Britannic Bold" panose="020B0903060703020204" pitchFamily="34" charset="0"/>
@@ -23199,10 +23989,1343 @@
           </a:p>
         </p:txBody>
       </p:sp>
+      <p:sp>
+        <p:nvSpPr>
+          <p:cNvPr id="4" name="Rectangle: Diagonal Corners Rounded 3">
+            <a:extLst>
+              <a:ext uri="{FF2B5EF4-FFF2-40B4-BE49-F238E27FC236}">
+                <a16:creationId xmlns:a16="http://schemas.microsoft.com/office/drawing/2014/main" id="{B1C085AA-E151-4ABD-A398-5DACE94891E9}"/>
+              </a:ext>
+            </a:extLst>
+          </p:cNvPr>
+          <p:cNvSpPr/>
+          <p:nvPr/>
+        </p:nvSpPr>
+        <p:spPr>
+          <a:xfrm>
+            <a:off x="310421" y="3686936"/>
+            <a:ext cx="2330035" cy="2800601"/>
+          </a:xfrm>
+          <a:prstGeom prst="round2DiagRect">
+            <a:avLst>
+              <a:gd name="adj1" fmla="val 6397"/>
+              <a:gd name="adj2" fmla="val 4890"/>
+            </a:avLst>
+          </a:prstGeom>
+          <a:solidFill>
+            <a:schemeClr val="accent1">
+              <a:lumMod val="60000"/>
+              <a:lumOff val="40000"/>
+            </a:schemeClr>
+          </a:solidFill>
+          <a:ln w="9525">
+            <a:prstDash val="dash"/>
+          </a:ln>
+        </p:spPr>
+        <p:style>
+          <a:lnRef idx="2">
+            <a:schemeClr val="accent1">
+              <a:shade val="50000"/>
+            </a:schemeClr>
+          </a:lnRef>
+          <a:fillRef idx="1">
+            <a:schemeClr val="accent1"/>
+          </a:fillRef>
+          <a:effectRef idx="0">
+            <a:schemeClr val="accent1"/>
+          </a:effectRef>
+          <a:fontRef idx="minor">
+            <a:schemeClr val="lt1"/>
+          </a:fontRef>
+        </p:style>
+        <p:txBody>
+          <a:bodyPr rtlCol="0" anchor="t" anchorCtr="1"/>
+          <a:lstStyle/>
+          <a:p>
+            <a:pPr algn="ctr"/>
+            <a:r>
+              <a:rPr lang="en-US" altLang="zh-CN" sz="1400" dirty="0">
+                <a:latin typeface="Britannic Bold" panose="020B0903060703020204" pitchFamily="34" charset="0"/>
+              </a:rPr>
+              <a:t>TCPChannel</a:t>
+            </a:r>
+            <a:endParaRPr lang="zh-CN" altLang="en-US" sz="1400" dirty="0">
+              <a:latin typeface="Britannic Bold" panose="020B0903060703020204" pitchFamily="34" charset="0"/>
+            </a:endParaRPr>
+          </a:p>
+        </p:txBody>
+      </p:sp>
+      <p:sp>
+        <p:nvSpPr>
+          <p:cNvPr id="5" name="Rectangle: Diagonal Corners Rounded 4">
+            <a:extLst>
+              <a:ext uri="{FF2B5EF4-FFF2-40B4-BE49-F238E27FC236}">
+                <a16:creationId xmlns:a16="http://schemas.microsoft.com/office/drawing/2014/main" id="{0AC601F2-6FE5-4242-A2F5-573E74D8FB5F}"/>
+              </a:ext>
+            </a:extLst>
+          </p:cNvPr>
+          <p:cNvSpPr/>
+          <p:nvPr/>
+        </p:nvSpPr>
+        <p:spPr>
+          <a:xfrm>
+            <a:off x="8657632" y="3686936"/>
+            <a:ext cx="2253524" cy="2800601"/>
+          </a:xfrm>
+          <a:prstGeom prst="round2DiagRect">
+            <a:avLst>
+              <a:gd name="adj1" fmla="val 6397"/>
+              <a:gd name="adj2" fmla="val 4890"/>
+            </a:avLst>
+          </a:prstGeom>
+          <a:solidFill>
+            <a:schemeClr val="accent1">
+              <a:lumMod val="60000"/>
+              <a:lumOff val="40000"/>
+            </a:schemeClr>
+          </a:solidFill>
+          <a:ln w="9525">
+            <a:prstDash val="dash"/>
+          </a:ln>
+        </p:spPr>
+        <p:style>
+          <a:lnRef idx="2">
+            <a:schemeClr val="accent1">
+              <a:shade val="50000"/>
+            </a:schemeClr>
+          </a:lnRef>
+          <a:fillRef idx="1">
+            <a:schemeClr val="accent1"/>
+          </a:fillRef>
+          <a:effectRef idx="0">
+            <a:schemeClr val="accent1"/>
+          </a:effectRef>
+          <a:fontRef idx="minor">
+            <a:schemeClr val="lt1"/>
+          </a:fontRef>
+        </p:style>
+        <p:txBody>
+          <a:bodyPr rtlCol="0" anchor="t" anchorCtr="1"/>
+          <a:lstStyle/>
+          <a:p>
+            <a:pPr algn="ctr"/>
+            <a:r>
+              <a:rPr lang="en-US" altLang="zh-CN" sz="1400" dirty="0">
+                <a:latin typeface="Britannic Bold" panose="020B0903060703020204" pitchFamily="34" charset="0"/>
+              </a:rPr>
+              <a:t>UDPChannel</a:t>
+            </a:r>
+            <a:endParaRPr lang="zh-CN" altLang="en-US" sz="1400" dirty="0">
+              <a:latin typeface="Britannic Bold" panose="020B0903060703020204" pitchFamily="34" charset="0"/>
+            </a:endParaRPr>
+          </a:p>
+        </p:txBody>
+      </p:sp>
+      <p:sp>
+        <p:nvSpPr>
+          <p:cNvPr id="6" name="Rectangle: Rounded Corners 5">
+            <a:extLst>
+              <a:ext uri="{FF2B5EF4-FFF2-40B4-BE49-F238E27FC236}">
+                <a16:creationId xmlns:a16="http://schemas.microsoft.com/office/drawing/2014/main" id="{F362282D-39F8-4396-9F34-6F938833CA74}"/>
+              </a:ext>
+            </a:extLst>
+          </p:cNvPr>
+          <p:cNvSpPr/>
+          <p:nvPr/>
+        </p:nvSpPr>
+        <p:spPr>
+          <a:xfrm>
+            <a:off x="4344620" y="685289"/>
+            <a:ext cx="3223954" cy="334986"/>
+          </a:xfrm>
+          <a:prstGeom prst="roundRect">
+            <a:avLst/>
+          </a:prstGeom>
+          <a:solidFill>
+            <a:schemeClr val="accent6">
+              <a:lumMod val="50000"/>
+            </a:schemeClr>
+          </a:solidFill>
+          <a:ln>
+            <a:solidFill>
+              <a:schemeClr val="accent6">
+                <a:lumMod val="50000"/>
+              </a:schemeClr>
+            </a:solidFill>
+            <a:prstDash val="dash"/>
+          </a:ln>
+        </p:spPr>
+        <p:style>
+          <a:lnRef idx="2">
+            <a:schemeClr val="accent1">
+              <a:shade val="50000"/>
+            </a:schemeClr>
+          </a:lnRef>
+          <a:fillRef idx="1">
+            <a:schemeClr val="accent1"/>
+          </a:fillRef>
+          <a:effectRef idx="0">
+            <a:schemeClr val="accent1"/>
+          </a:effectRef>
+          <a:fontRef idx="minor">
+            <a:schemeClr val="lt1"/>
+          </a:fontRef>
+        </p:style>
+        <p:txBody>
+          <a:bodyPr rtlCol="0" anchor="ctr"/>
+          <a:lstStyle/>
+          <a:p>
+            <a:r>
+              <a:rPr lang="en-US" altLang="zh-CN" sz="1400" dirty="0">
+                <a:latin typeface="Arial Black" panose="020B0A04020102020204" pitchFamily="34" charset="0"/>
+              </a:rPr>
+              <a:t>+: GetIPString</a:t>
+            </a:r>
+            <a:endParaRPr lang="zh-CN" altLang="en-US" sz="1400" dirty="0">
+              <a:latin typeface="Arial Black" panose="020B0A04020102020204" pitchFamily="34" charset="0"/>
+            </a:endParaRPr>
+          </a:p>
+        </p:txBody>
+      </p:sp>
+      <p:sp>
+        <p:nvSpPr>
+          <p:cNvPr id="7" name="Rectangle: Rounded Corners 6">
+            <a:extLst>
+              <a:ext uri="{FF2B5EF4-FFF2-40B4-BE49-F238E27FC236}">
+                <a16:creationId xmlns:a16="http://schemas.microsoft.com/office/drawing/2014/main" id="{BC7996F3-4C27-4B58-8ED7-DC9F0D008915}"/>
+              </a:ext>
+            </a:extLst>
+          </p:cNvPr>
+          <p:cNvSpPr/>
+          <p:nvPr/>
+        </p:nvSpPr>
+        <p:spPr>
+          <a:xfrm>
+            <a:off x="4344620" y="1045968"/>
+            <a:ext cx="3223954" cy="334986"/>
+          </a:xfrm>
+          <a:prstGeom prst="roundRect">
+            <a:avLst/>
+          </a:prstGeom>
+          <a:solidFill>
+            <a:schemeClr val="accent6">
+              <a:lumMod val="50000"/>
+            </a:schemeClr>
+          </a:solidFill>
+          <a:ln>
+            <a:solidFill>
+              <a:schemeClr val="accent6">
+                <a:lumMod val="50000"/>
+              </a:schemeClr>
+            </a:solidFill>
+            <a:prstDash val="dash"/>
+          </a:ln>
+        </p:spPr>
+        <p:style>
+          <a:lnRef idx="2">
+            <a:schemeClr val="accent1">
+              <a:shade val="50000"/>
+            </a:schemeClr>
+          </a:lnRef>
+          <a:fillRef idx="1">
+            <a:schemeClr val="accent1"/>
+          </a:fillRef>
+          <a:effectRef idx="0">
+            <a:schemeClr val="accent1"/>
+          </a:effectRef>
+          <a:fontRef idx="minor">
+            <a:schemeClr val="lt1"/>
+          </a:fontRef>
+        </p:style>
+        <p:txBody>
+          <a:bodyPr rtlCol="0" anchor="ctr"/>
+          <a:lstStyle/>
+          <a:p>
+            <a:r>
+              <a:rPr lang="en-US" altLang="zh-CN" sz="1400" dirty="0">
+                <a:latin typeface="Arial Black" panose="020B0A04020102020204" pitchFamily="34" charset="0"/>
+              </a:rPr>
+              <a:t>+: GetPort</a:t>
+            </a:r>
+            <a:endParaRPr lang="zh-CN" altLang="en-US" sz="1400" dirty="0">
+              <a:latin typeface="Arial Black" panose="020B0A04020102020204" pitchFamily="34" charset="0"/>
+            </a:endParaRPr>
+          </a:p>
+        </p:txBody>
+      </p:sp>
+      <p:sp>
+        <p:nvSpPr>
+          <p:cNvPr id="8" name="Rectangle: Rounded Corners 7">
+            <a:extLst>
+              <a:ext uri="{FF2B5EF4-FFF2-40B4-BE49-F238E27FC236}">
+                <a16:creationId xmlns:a16="http://schemas.microsoft.com/office/drawing/2014/main" id="{33FA4E78-6FB0-4B4B-AC08-10403787A862}"/>
+              </a:ext>
+            </a:extLst>
+          </p:cNvPr>
+          <p:cNvSpPr/>
+          <p:nvPr/>
+        </p:nvSpPr>
+        <p:spPr>
+          <a:xfrm>
+            <a:off x="4344617" y="1403916"/>
+            <a:ext cx="3223954" cy="334986"/>
+          </a:xfrm>
+          <a:prstGeom prst="roundRect">
+            <a:avLst/>
+          </a:prstGeom>
+          <a:solidFill>
+            <a:schemeClr val="accent6">
+              <a:lumMod val="50000"/>
+            </a:schemeClr>
+          </a:solidFill>
+          <a:ln>
+            <a:solidFill>
+              <a:schemeClr val="accent6">
+                <a:lumMod val="50000"/>
+              </a:schemeClr>
+            </a:solidFill>
+            <a:prstDash val="dash"/>
+          </a:ln>
+        </p:spPr>
+        <p:style>
+          <a:lnRef idx="2">
+            <a:schemeClr val="accent1">
+              <a:shade val="50000"/>
+            </a:schemeClr>
+          </a:lnRef>
+          <a:fillRef idx="1">
+            <a:schemeClr val="accent1"/>
+          </a:fillRef>
+          <a:effectRef idx="0">
+            <a:schemeClr val="accent1"/>
+          </a:effectRef>
+          <a:fontRef idx="minor">
+            <a:schemeClr val="lt1"/>
+          </a:fontRef>
+        </p:style>
+        <p:txBody>
+          <a:bodyPr rtlCol="0" anchor="ctr"/>
+          <a:lstStyle/>
+          <a:p>
+            <a:r>
+              <a:rPr lang="en-US" altLang="zh-CN" sz="1400" dirty="0">
+                <a:latin typeface="Arial Black" panose="020B0A04020102020204" pitchFamily="34" charset="0"/>
+              </a:rPr>
+              <a:t>+: BindLocal</a:t>
+            </a:r>
+            <a:endParaRPr lang="zh-CN" altLang="en-US" sz="1400" dirty="0">
+              <a:latin typeface="Arial Black" panose="020B0A04020102020204" pitchFamily="34" charset="0"/>
+            </a:endParaRPr>
+          </a:p>
+        </p:txBody>
+      </p:sp>
+      <p:sp>
+        <p:nvSpPr>
+          <p:cNvPr id="9" name="Rectangle: Rounded Corners 8">
+            <a:extLst>
+              <a:ext uri="{FF2B5EF4-FFF2-40B4-BE49-F238E27FC236}">
+                <a16:creationId xmlns:a16="http://schemas.microsoft.com/office/drawing/2014/main" id="{7A57735D-77DA-4650-A040-AC81F661AB25}"/>
+              </a:ext>
+            </a:extLst>
+          </p:cNvPr>
+          <p:cNvSpPr/>
+          <p:nvPr/>
+        </p:nvSpPr>
+        <p:spPr>
+          <a:xfrm>
+            <a:off x="4344617" y="1762181"/>
+            <a:ext cx="3223954" cy="334986"/>
+          </a:xfrm>
+          <a:prstGeom prst="roundRect">
+            <a:avLst/>
+          </a:prstGeom>
+          <a:solidFill>
+            <a:schemeClr val="accent6">
+              <a:lumMod val="50000"/>
+            </a:schemeClr>
+          </a:solidFill>
+          <a:ln>
+            <a:solidFill>
+              <a:schemeClr val="accent6">
+                <a:lumMod val="50000"/>
+              </a:schemeClr>
+            </a:solidFill>
+            <a:prstDash val="dash"/>
+          </a:ln>
+        </p:spPr>
+        <p:style>
+          <a:lnRef idx="2">
+            <a:schemeClr val="accent1">
+              <a:shade val="50000"/>
+            </a:schemeClr>
+          </a:lnRef>
+          <a:fillRef idx="1">
+            <a:schemeClr val="accent1"/>
+          </a:fillRef>
+          <a:effectRef idx="0">
+            <a:schemeClr val="accent1"/>
+          </a:effectRef>
+          <a:fontRef idx="minor">
+            <a:schemeClr val="lt1"/>
+          </a:fontRef>
+        </p:style>
+        <p:txBody>
+          <a:bodyPr rtlCol="0" anchor="ctr"/>
+          <a:lstStyle/>
+          <a:p>
+            <a:r>
+              <a:rPr lang="en-US" altLang="zh-CN" sz="1400" dirty="0">
+                <a:latin typeface="Arial Black" panose="020B0A04020102020204" pitchFamily="34" charset="0"/>
+              </a:rPr>
+              <a:t>+: BindRemote</a:t>
+            </a:r>
+            <a:endParaRPr lang="zh-CN" altLang="en-US" sz="1400" dirty="0">
+              <a:latin typeface="Arial Black" panose="020B0A04020102020204" pitchFamily="34" charset="0"/>
+            </a:endParaRPr>
+          </a:p>
+        </p:txBody>
+      </p:sp>
+      <p:sp>
+        <p:nvSpPr>
+          <p:cNvPr id="10" name="Rectangle: Rounded Corners 9">
+            <a:extLst>
+              <a:ext uri="{FF2B5EF4-FFF2-40B4-BE49-F238E27FC236}">
+                <a16:creationId xmlns:a16="http://schemas.microsoft.com/office/drawing/2014/main" id="{0B29A1D6-2AEB-4E2C-88EA-BF5A574AA8F8}"/>
+              </a:ext>
+            </a:extLst>
+          </p:cNvPr>
+          <p:cNvSpPr/>
+          <p:nvPr/>
+        </p:nvSpPr>
+        <p:spPr>
+          <a:xfrm>
+            <a:off x="4344617" y="2120446"/>
+            <a:ext cx="3223954" cy="334986"/>
+          </a:xfrm>
+          <a:prstGeom prst="roundRect">
+            <a:avLst/>
+          </a:prstGeom>
+          <a:solidFill>
+            <a:schemeClr val="accent6">
+              <a:lumMod val="50000"/>
+            </a:schemeClr>
+          </a:solidFill>
+          <a:ln>
+            <a:solidFill>
+              <a:schemeClr val="accent6">
+                <a:lumMod val="50000"/>
+              </a:schemeClr>
+            </a:solidFill>
+            <a:prstDash val="dash"/>
+          </a:ln>
+        </p:spPr>
+        <p:style>
+          <a:lnRef idx="2">
+            <a:schemeClr val="accent1">
+              <a:shade val="50000"/>
+            </a:schemeClr>
+          </a:lnRef>
+          <a:fillRef idx="1">
+            <a:schemeClr val="accent1"/>
+          </a:fillRef>
+          <a:effectRef idx="0">
+            <a:schemeClr val="accent1"/>
+          </a:effectRef>
+          <a:fontRef idx="minor">
+            <a:schemeClr val="lt1"/>
+          </a:fontRef>
+        </p:style>
+        <p:txBody>
+          <a:bodyPr rtlCol="0" anchor="ctr"/>
+          <a:lstStyle/>
+          <a:p>
+            <a:r>
+              <a:rPr lang="en-US" altLang="zh-CN" sz="1400" dirty="0">
+                <a:latin typeface="Arial Black" panose="020B0A04020102020204" pitchFamily="34" charset="0"/>
+              </a:rPr>
+              <a:t>+: Write</a:t>
+            </a:r>
+            <a:endParaRPr lang="zh-CN" altLang="en-US" sz="1400" dirty="0">
+              <a:latin typeface="Arial Black" panose="020B0A04020102020204" pitchFamily="34" charset="0"/>
+            </a:endParaRPr>
+          </a:p>
+        </p:txBody>
+      </p:sp>
+      <p:sp>
+        <p:nvSpPr>
+          <p:cNvPr id="11" name="Rectangle: Rounded Corners 10">
+            <a:extLst>
+              <a:ext uri="{FF2B5EF4-FFF2-40B4-BE49-F238E27FC236}">
+                <a16:creationId xmlns:a16="http://schemas.microsoft.com/office/drawing/2014/main" id="{C25F2242-8FB2-4482-BCF8-91239D3AB63D}"/>
+              </a:ext>
+            </a:extLst>
+          </p:cNvPr>
+          <p:cNvSpPr/>
+          <p:nvPr/>
+        </p:nvSpPr>
+        <p:spPr>
+          <a:xfrm>
+            <a:off x="4344617" y="2491399"/>
+            <a:ext cx="3223954" cy="334986"/>
+          </a:xfrm>
+          <a:prstGeom prst="roundRect">
+            <a:avLst/>
+          </a:prstGeom>
+          <a:solidFill>
+            <a:schemeClr val="accent6">
+              <a:lumMod val="50000"/>
+            </a:schemeClr>
+          </a:solidFill>
+          <a:ln>
+            <a:solidFill>
+              <a:schemeClr val="accent6">
+                <a:lumMod val="50000"/>
+              </a:schemeClr>
+            </a:solidFill>
+            <a:prstDash val="dash"/>
+          </a:ln>
+        </p:spPr>
+        <p:style>
+          <a:lnRef idx="2">
+            <a:schemeClr val="accent1">
+              <a:shade val="50000"/>
+            </a:schemeClr>
+          </a:lnRef>
+          <a:fillRef idx="1">
+            <a:schemeClr val="accent1"/>
+          </a:fillRef>
+          <a:effectRef idx="0">
+            <a:schemeClr val="accent1"/>
+          </a:effectRef>
+          <a:fontRef idx="minor">
+            <a:schemeClr val="lt1"/>
+          </a:fontRef>
+        </p:style>
+        <p:txBody>
+          <a:bodyPr rtlCol="0" anchor="ctr"/>
+          <a:lstStyle/>
+          <a:p>
+            <a:r>
+              <a:rPr lang="en-US" altLang="zh-CN" sz="1400" dirty="0">
+                <a:latin typeface="Arial Black" panose="020B0A04020102020204" pitchFamily="34" charset="0"/>
+              </a:rPr>
+              <a:t>+: Read</a:t>
+            </a:r>
+            <a:endParaRPr lang="zh-CN" altLang="en-US" sz="1400" dirty="0">
+              <a:latin typeface="Arial Black" panose="020B0A04020102020204" pitchFamily="34" charset="0"/>
+            </a:endParaRPr>
+          </a:p>
+        </p:txBody>
+      </p:sp>
+      <p:sp>
+        <p:nvSpPr>
+          <p:cNvPr id="13" name="Rectangle: Rounded Corners 12">
+            <a:extLst>
+              <a:ext uri="{FF2B5EF4-FFF2-40B4-BE49-F238E27FC236}">
+                <a16:creationId xmlns:a16="http://schemas.microsoft.com/office/drawing/2014/main" id="{A1984F65-00AF-4143-B767-507515BD11EC}"/>
+              </a:ext>
+            </a:extLst>
+          </p:cNvPr>
+          <p:cNvSpPr/>
+          <p:nvPr/>
+        </p:nvSpPr>
+        <p:spPr>
+          <a:xfrm>
+            <a:off x="310418" y="4204805"/>
+            <a:ext cx="2330038" cy="334986"/>
+          </a:xfrm>
+          <a:prstGeom prst="roundRect">
+            <a:avLst/>
+          </a:prstGeom>
+          <a:solidFill>
+            <a:schemeClr val="accent6">
+              <a:lumMod val="60000"/>
+              <a:lumOff val="40000"/>
+            </a:schemeClr>
+          </a:solidFill>
+          <a:ln>
+            <a:solidFill>
+              <a:srgbClr val="00B0F0"/>
+            </a:solidFill>
+            <a:prstDash val="dash"/>
+          </a:ln>
+        </p:spPr>
+        <p:style>
+          <a:lnRef idx="2">
+            <a:schemeClr val="accent1">
+              <a:shade val="50000"/>
+            </a:schemeClr>
+          </a:lnRef>
+          <a:fillRef idx="1">
+            <a:schemeClr val="accent1"/>
+          </a:fillRef>
+          <a:effectRef idx="0">
+            <a:schemeClr val="accent1"/>
+          </a:effectRef>
+          <a:fontRef idx="minor">
+            <a:schemeClr val="lt1"/>
+          </a:fontRef>
+        </p:style>
+        <p:txBody>
+          <a:bodyPr rtlCol="0" anchor="ctr"/>
+          <a:lstStyle/>
+          <a:p>
+            <a:r>
+              <a:rPr lang="en-US" altLang="zh-CN" sz="1000" dirty="0">
+                <a:latin typeface="Arial Black" panose="020B0A04020102020204" pitchFamily="34" charset="0"/>
+              </a:rPr>
+              <a:t>+: BindRemote (connect)</a:t>
+            </a:r>
+            <a:endParaRPr lang="zh-CN" altLang="en-US" sz="1000" dirty="0">
+              <a:latin typeface="Arial Black" panose="020B0A04020102020204" pitchFamily="34" charset="0"/>
+            </a:endParaRPr>
+          </a:p>
+        </p:txBody>
+      </p:sp>
+      <p:sp>
+        <p:nvSpPr>
+          <p:cNvPr id="14" name="Rectangle: Rounded Corners 13">
+            <a:extLst>
+              <a:ext uri="{FF2B5EF4-FFF2-40B4-BE49-F238E27FC236}">
+                <a16:creationId xmlns:a16="http://schemas.microsoft.com/office/drawing/2014/main" id="{01F847B1-0CA5-4365-8720-E4DFDEFD8E97}"/>
+              </a:ext>
+            </a:extLst>
+          </p:cNvPr>
+          <p:cNvSpPr/>
+          <p:nvPr/>
+        </p:nvSpPr>
+        <p:spPr>
+          <a:xfrm>
+            <a:off x="8657625" y="4204805"/>
+            <a:ext cx="2253530" cy="334986"/>
+          </a:xfrm>
+          <a:prstGeom prst="roundRect">
+            <a:avLst/>
+          </a:prstGeom>
+          <a:solidFill>
+            <a:schemeClr val="accent6">
+              <a:lumMod val="60000"/>
+              <a:lumOff val="40000"/>
+            </a:schemeClr>
+          </a:solidFill>
+          <a:ln>
+            <a:solidFill>
+              <a:srgbClr val="00B0F0"/>
+            </a:solidFill>
+            <a:prstDash val="dash"/>
+          </a:ln>
+        </p:spPr>
+        <p:style>
+          <a:lnRef idx="2">
+            <a:schemeClr val="accent1">
+              <a:shade val="50000"/>
+            </a:schemeClr>
+          </a:lnRef>
+          <a:fillRef idx="1">
+            <a:schemeClr val="accent1"/>
+          </a:fillRef>
+          <a:effectRef idx="0">
+            <a:schemeClr val="accent1"/>
+          </a:effectRef>
+          <a:fontRef idx="minor">
+            <a:schemeClr val="lt1"/>
+          </a:fontRef>
+        </p:style>
+        <p:txBody>
+          <a:bodyPr rtlCol="0" anchor="ctr"/>
+          <a:lstStyle/>
+          <a:p>
+            <a:r>
+              <a:rPr lang="en-US" altLang="zh-CN" sz="1000" dirty="0">
+                <a:latin typeface="Arial Black" panose="020B0A04020102020204" pitchFamily="34" charset="0"/>
+              </a:rPr>
+              <a:t>+: BindRemote</a:t>
+            </a:r>
+            <a:endParaRPr lang="zh-CN" altLang="en-US" sz="1000" dirty="0">
+              <a:latin typeface="Arial Black" panose="020B0A04020102020204" pitchFamily="34" charset="0"/>
+            </a:endParaRPr>
+          </a:p>
+        </p:txBody>
+      </p:sp>
+      <p:sp>
+        <p:nvSpPr>
+          <p:cNvPr id="15" name="Rectangle: Diagonal Corners Rounded 14">
+            <a:extLst>
+              <a:ext uri="{FF2B5EF4-FFF2-40B4-BE49-F238E27FC236}">
+                <a16:creationId xmlns:a16="http://schemas.microsoft.com/office/drawing/2014/main" id="{7571B7D1-CACB-4C2C-9D98-E846E26268B6}"/>
+              </a:ext>
+            </a:extLst>
+          </p:cNvPr>
+          <p:cNvSpPr/>
+          <p:nvPr/>
+        </p:nvSpPr>
+        <p:spPr>
+          <a:xfrm>
+            <a:off x="4365166" y="3718798"/>
+            <a:ext cx="2588295" cy="2800601"/>
+          </a:xfrm>
+          <a:prstGeom prst="round2DiagRect">
+            <a:avLst>
+              <a:gd name="adj1" fmla="val 6397"/>
+              <a:gd name="adj2" fmla="val 4890"/>
+            </a:avLst>
+          </a:prstGeom>
+          <a:solidFill>
+            <a:schemeClr val="accent1">
+              <a:lumMod val="60000"/>
+              <a:lumOff val="40000"/>
+            </a:schemeClr>
+          </a:solidFill>
+          <a:ln w="9525">
+            <a:prstDash val="dash"/>
+          </a:ln>
+        </p:spPr>
+        <p:style>
+          <a:lnRef idx="2">
+            <a:schemeClr val="accent1">
+              <a:shade val="50000"/>
+            </a:schemeClr>
+          </a:lnRef>
+          <a:fillRef idx="1">
+            <a:schemeClr val="accent1"/>
+          </a:fillRef>
+          <a:effectRef idx="0">
+            <a:schemeClr val="accent1"/>
+          </a:effectRef>
+          <a:fontRef idx="minor">
+            <a:schemeClr val="lt1"/>
+          </a:fontRef>
+        </p:style>
+        <p:txBody>
+          <a:bodyPr rtlCol="0" anchor="t" anchorCtr="1"/>
+          <a:lstStyle/>
+          <a:p>
+            <a:pPr algn="ctr"/>
+            <a:r>
+              <a:rPr lang="en-US" altLang="zh-CN" sz="1400" dirty="0">
+                <a:latin typeface="Britannic Bold" panose="020B0903060703020204" pitchFamily="34" charset="0"/>
+              </a:rPr>
+              <a:t>TCPServerChannel</a:t>
+            </a:r>
+            <a:endParaRPr lang="zh-CN" altLang="en-US" sz="1400" dirty="0">
+              <a:latin typeface="Britannic Bold" panose="020B0903060703020204" pitchFamily="34" charset="0"/>
+            </a:endParaRPr>
+          </a:p>
+        </p:txBody>
+      </p:sp>
+      <p:sp>
+        <p:nvSpPr>
+          <p:cNvPr id="16" name="Rectangle: Rounded Corners 15">
+            <a:extLst>
+              <a:ext uri="{FF2B5EF4-FFF2-40B4-BE49-F238E27FC236}">
+                <a16:creationId xmlns:a16="http://schemas.microsoft.com/office/drawing/2014/main" id="{F28836CB-2B0F-447E-9C68-835B6FA4AF77}"/>
+              </a:ext>
+            </a:extLst>
+          </p:cNvPr>
+          <p:cNvSpPr/>
+          <p:nvPr/>
+        </p:nvSpPr>
+        <p:spPr>
+          <a:xfrm>
+            <a:off x="310420" y="4539791"/>
+            <a:ext cx="2330038" cy="334985"/>
+          </a:xfrm>
+          <a:prstGeom prst="roundRect">
+            <a:avLst/>
+          </a:prstGeom>
+          <a:solidFill>
+            <a:schemeClr val="accent3">
+              <a:lumMod val="60000"/>
+              <a:lumOff val="40000"/>
+            </a:schemeClr>
+          </a:solidFill>
+          <a:ln>
+            <a:solidFill>
+              <a:schemeClr val="accent3">
+                <a:lumMod val="20000"/>
+                <a:lumOff val="80000"/>
+              </a:schemeClr>
+            </a:solidFill>
+          </a:ln>
+        </p:spPr>
+        <p:style>
+          <a:lnRef idx="2">
+            <a:schemeClr val="accent1">
+              <a:shade val="50000"/>
+            </a:schemeClr>
+          </a:lnRef>
+          <a:fillRef idx="1">
+            <a:schemeClr val="accent1"/>
+          </a:fillRef>
+          <a:effectRef idx="0">
+            <a:schemeClr val="accent1"/>
+          </a:effectRef>
+          <a:fontRef idx="minor">
+            <a:schemeClr val="lt1"/>
+          </a:fontRef>
+        </p:style>
+        <p:txBody>
+          <a:bodyPr rtlCol="0" anchor="ctr"/>
+          <a:lstStyle/>
+          <a:p>
+            <a:r>
+              <a:rPr lang="en-US" altLang="zh-CN" sz="1000" dirty="0">
+                <a:latin typeface="Arial Black" panose="020B0A04020102020204" pitchFamily="34" charset="0"/>
+              </a:rPr>
+              <a:t>*: boost::asio::ip::tcp::socket</a:t>
+            </a:r>
+            <a:endParaRPr lang="zh-CN" altLang="en-US" sz="1000" dirty="0">
+              <a:latin typeface="Arial Black" panose="020B0A04020102020204" pitchFamily="34" charset="0"/>
+            </a:endParaRPr>
+          </a:p>
+        </p:txBody>
+      </p:sp>
+      <p:sp>
+        <p:nvSpPr>
+          <p:cNvPr id="17" name="Rectangle: Rounded Corners 16">
+            <a:extLst>
+              <a:ext uri="{FF2B5EF4-FFF2-40B4-BE49-F238E27FC236}">
+                <a16:creationId xmlns:a16="http://schemas.microsoft.com/office/drawing/2014/main" id="{180636F7-D53C-42A0-A1A9-B3196BC50C73}"/>
+              </a:ext>
+            </a:extLst>
+          </p:cNvPr>
+          <p:cNvSpPr/>
+          <p:nvPr/>
+        </p:nvSpPr>
+        <p:spPr>
+          <a:xfrm>
+            <a:off x="8657622" y="4550064"/>
+            <a:ext cx="2253533" cy="334985"/>
+          </a:xfrm>
+          <a:prstGeom prst="roundRect">
+            <a:avLst/>
+          </a:prstGeom>
+          <a:solidFill>
+            <a:schemeClr val="accent3">
+              <a:lumMod val="60000"/>
+              <a:lumOff val="40000"/>
+            </a:schemeClr>
+          </a:solidFill>
+          <a:ln>
+            <a:solidFill>
+              <a:schemeClr val="accent3">
+                <a:lumMod val="20000"/>
+                <a:lumOff val="80000"/>
+              </a:schemeClr>
+            </a:solidFill>
+          </a:ln>
+        </p:spPr>
+        <p:style>
+          <a:lnRef idx="2">
+            <a:schemeClr val="accent1">
+              <a:shade val="50000"/>
+            </a:schemeClr>
+          </a:lnRef>
+          <a:fillRef idx="1">
+            <a:schemeClr val="accent1"/>
+          </a:fillRef>
+          <a:effectRef idx="0">
+            <a:schemeClr val="accent1"/>
+          </a:effectRef>
+          <a:fontRef idx="minor">
+            <a:schemeClr val="lt1"/>
+          </a:fontRef>
+        </p:style>
+        <p:txBody>
+          <a:bodyPr rtlCol="0" anchor="ctr"/>
+          <a:lstStyle/>
+          <a:p>
+            <a:r>
+              <a:rPr lang="en-US" altLang="zh-CN" sz="1000" dirty="0">
+                <a:latin typeface="Arial Black" panose="020B0A04020102020204" pitchFamily="34" charset="0"/>
+              </a:rPr>
+              <a:t>*: boost::asio::ip::udp::socket</a:t>
+            </a:r>
+            <a:endParaRPr lang="zh-CN" altLang="en-US" sz="1000" dirty="0">
+              <a:latin typeface="Arial Black" panose="020B0A04020102020204" pitchFamily="34" charset="0"/>
+            </a:endParaRPr>
+          </a:p>
+        </p:txBody>
+      </p:sp>
+      <p:sp>
+        <p:nvSpPr>
+          <p:cNvPr id="3" name="Isosceles Triangle 2">
+            <a:extLst>
+              <a:ext uri="{FF2B5EF4-FFF2-40B4-BE49-F238E27FC236}">
+                <a16:creationId xmlns:a16="http://schemas.microsoft.com/office/drawing/2014/main" id="{8EB90C99-6C95-4795-B9E8-CEE93496E04C}"/>
+              </a:ext>
+            </a:extLst>
+          </p:cNvPr>
+          <p:cNvSpPr/>
+          <p:nvPr/>
+        </p:nvSpPr>
+        <p:spPr>
+          <a:xfrm>
+            <a:off x="5865093" y="2929832"/>
+            <a:ext cx="182997" cy="157756"/>
+          </a:xfrm>
+          <a:prstGeom prst="triangle">
+            <a:avLst/>
+          </a:prstGeom>
+        </p:spPr>
+        <p:style>
+          <a:lnRef idx="2">
+            <a:schemeClr val="accent1">
+              <a:shade val="50000"/>
+            </a:schemeClr>
+          </a:lnRef>
+          <a:fillRef idx="1">
+            <a:schemeClr val="accent1"/>
+          </a:fillRef>
+          <a:effectRef idx="0">
+            <a:schemeClr val="accent1"/>
+          </a:effectRef>
+          <a:fontRef idx="minor">
+            <a:schemeClr val="lt1"/>
+          </a:fontRef>
+        </p:style>
+        <p:txBody>
+          <a:bodyPr rtlCol="0" anchor="ctr"/>
+          <a:lstStyle/>
+          <a:p>
+            <a:pPr algn="ctr"/>
+            <a:endParaRPr lang="zh-CN" altLang="en-US"/>
+          </a:p>
+        </p:txBody>
+      </p:sp>
+      <p:cxnSp>
+        <p:nvCxnSpPr>
+          <p:cNvPr id="19" name="Connector: Elbow 18">
+            <a:extLst>
+              <a:ext uri="{FF2B5EF4-FFF2-40B4-BE49-F238E27FC236}">
+                <a16:creationId xmlns:a16="http://schemas.microsoft.com/office/drawing/2014/main" id="{3F9CCEE6-6057-4569-92AE-84D58AF08E27}"/>
+              </a:ext>
+            </a:extLst>
+          </p:cNvPr>
+          <p:cNvCxnSpPr>
+            <a:cxnSpLocks/>
+            <a:stCxn id="3" idx="3"/>
+            <a:endCxn id="4" idx="3"/>
+          </p:cNvCxnSpPr>
+          <p:nvPr/>
+        </p:nvCxnSpPr>
+        <p:spPr>
+          <a:xfrm rot="5400000">
+            <a:off x="3416342" y="1146686"/>
+            <a:ext cx="599348" cy="4481153"/>
+          </a:xfrm>
+          <a:prstGeom prst="bentConnector3">
+            <a:avLst/>
+          </a:prstGeom>
+        </p:spPr>
+        <p:style>
+          <a:lnRef idx="1">
+            <a:schemeClr val="accent1"/>
+          </a:lnRef>
+          <a:fillRef idx="0">
+            <a:schemeClr val="accent1"/>
+          </a:fillRef>
+          <a:effectRef idx="0">
+            <a:schemeClr val="accent1"/>
+          </a:effectRef>
+          <a:fontRef idx="minor">
+            <a:schemeClr val="tx1"/>
+          </a:fontRef>
+        </p:style>
+      </p:cxnSp>
+      <p:cxnSp>
+        <p:nvCxnSpPr>
+          <p:cNvPr id="22" name="Connector: Elbow 21">
+            <a:extLst>
+              <a:ext uri="{FF2B5EF4-FFF2-40B4-BE49-F238E27FC236}">
+                <a16:creationId xmlns:a16="http://schemas.microsoft.com/office/drawing/2014/main" id="{4D749AF5-46CD-4F00-B2C5-25A623DA7D5E}"/>
+              </a:ext>
+            </a:extLst>
+          </p:cNvPr>
+          <p:cNvCxnSpPr>
+            <a:cxnSpLocks/>
+            <a:stCxn id="3" idx="3"/>
+            <a:endCxn id="5" idx="3"/>
+          </p:cNvCxnSpPr>
+          <p:nvPr/>
+        </p:nvCxnSpPr>
+        <p:spPr>
+          <a:xfrm rot="16200000" flipH="1">
+            <a:off x="7570819" y="1473361"/>
+            <a:ext cx="599348" cy="3827802"/>
+          </a:xfrm>
+          <a:prstGeom prst="bentConnector3">
+            <a:avLst>
+              <a:gd name="adj1" fmla="val 50000"/>
+            </a:avLst>
+          </a:prstGeom>
+        </p:spPr>
+        <p:style>
+          <a:lnRef idx="1">
+            <a:schemeClr val="accent1"/>
+          </a:lnRef>
+          <a:fillRef idx="0">
+            <a:schemeClr val="accent1"/>
+          </a:fillRef>
+          <a:effectRef idx="0">
+            <a:schemeClr val="accent1"/>
+          </a:effectRef>
+          <a:fontRef idx="minor">
+            <a:schemeClr val="tx1"/>
+          </a:fontRef>
+        </p:style>
+      </p:cxnSp>
+      <p:sp>
+        <p:nvSpPr>
+          <p:cNvPr id="24" name="Isosceles Triangle 23">
+            <a:extLst>
+              <a:ext uri="{FF2B5EF4-FFF2-40B4-BE49-F238E27FC236}">
+                <a16:creationId xmlns:a16="http://schemas.microsoft.com/office/drawing/2014/main" id="{5653A31A-C6C8-4E50-B1E8-83EB771E511E}"/>
+              </a:ext>
+            </a:extLst>
+          </p:cNvPr>
+          <p:cNvSpPr/>
+          <p:nvPr/>
+        </p:nvSpPr>
+        <p:spPr>
+          <a:xfrm rot="16200000">
+            <a:off x="2627702" y="4795062"/>
+            <a:ext cx="184935" cy="159427"/>
+          </a:xfrm>
+          <a:prstGeom prst="triangle">
+            <a:avLst/>
+          </a:prstGeom>
+        </p:spPr>
+        <p:style>
+          <a:lnRef idx="2">
+            <a:schemeClr val="accent1">
+              <a:shade val="50000"/>
+            </a:schemeClr>
+          </a:lnRef>
+          <a:fillRef idx="1">
+            <a:schemeClr val="accent1"/>
+          </a:fillRef>
+          <a:effectRef idx="0">
+            <a:schemeClr val="accent1"/>
+          </a:effectRef>
+          <a:fontRef idx="minor">
+            <a:schemeClr val="lt1"/>
+          </a:fontRef>
+        </p:style>
+        <p:txBody>
+          <a:bodyPr rtlCol="0" anchor="ctr"/>
+          <a:lstStyle/>
+          <a:p>
+            <a:pPr algn="ctr"/>
+            <a:endParaRPr lang="zh-CN" altLang="en-US"/>
+          </a:p>
+        </p:txBody>
+      </p:sp>
+      <p:cxnSp>
+        <p:nvCxnSpPr>
+          <p:cNvPr id="26" name="Straight Connector 25">
+            <a:extLst>
+              <a:ext uri="{FF2B5EF4-FFF2-40B4-BE49-F238E27FC236}">
+                <a16:creationId xmlns:a16="http://schemas.microsoft.com/office/drawing/2014/main" id="{434C82C3-5587-4F12-A7CD-F6F15F0A55AD}"/>
+              </a:ext>
+            </a:extLst>
+          </p:cNvPr>
+          <p:cNvCxnSpPr>
+            <a:cxnSpLocks/>
+            <a:stCxn id="24" idx="3"/>
+          </p:cNvCxnSpPr>
+          <p:nvPr/>
+        </p:nvCxnSpPr>
+        <p:spPr>
+          <a:xfrm>
+            <a:off x="2799883" y="4874775"/>
+            <a:ext cx="1544734" cy="0"/>
+          </a:xfrm>
+          <a:prstGeom prst="line">
+            <a:avLst/>
+          </a:prstGeom>
+        </p:spPr>
+        <p:style>
+          <a:lnRef idx="1">
+            <a:schemeClr val="accent1"/>
+          </a:lnRef>
+          <a:fillRef idx="0">
+            <a:schemeClr val="accent1"/>
+          </a:fillRef>
+          <a:effectRef idx="0">
+            <a:schemeClr val="accent1"/>
+          </a:effectRef>
+          <a:fontRef idx="minor">
+            <a:schemeClr val="tx1"/>
+          </a:fontRef>
+        </p:style>
+      </p:cxnSp>
+      <p:sp>
+        <p:nvSpPr>
+          <p:cNvPr id="31" name="Rectangle: Rounded Corners 30">
+            <a:extLst>
+              <a:ext uri="{FF2B5EF4-FFF2-40B4-BE49-F238E27FC236}">
+                <a16:creationId xmlns:a16="http://schemas.microsoft.com/office/drawing/2014/main" id="{14B74A03-BC12-4C55-9093-E13D8F3DDBC9}"/>
+              </a:ext>
+            </a:extLst>
+          </p:cNvPr>
+          <p:cNvSpPr/>
+          <p:nvPr/>
+        </p:nvSpPr>
+        <p:spPr>
+          <a:xfrm>
+            <a:off x="4365163" y="4151598"/>
+            <a:ext cx="2588295" cy="334986"/>
+          </a:xfrm>
+          <a:prstGeom prst="roundRect">
+            <a:avLst/>
+          </a:prstGeom>
+          <a:solidFill>
+            <a:schemeClr val="accent6">
+              <a:lumMod val="60000"/>
+              <a:lumOff val="40000"/>
+            </a:schemeClr>
+          </a:solidFill>
+          <a:ln>
+            <a:solidFill>
+              <a:srgbClr val="00B0F0"/>
+            </a:solidFill>
+            <a:prstDash val="dash"/>
+          </a:ln>
+        </p:spPr>
+        <p:style>
+          <a:lnRef idx="2">
+            <a:schemeClr val="accent1">
+              <a:shade val="50000"/>
+            </a:schemeClr>
+          </a:lnRef>
+          <a:fillRef idx="1">
+            <a:schemeClr val="accent1"/>
+          </a:fillRef>
+          <a:effectRef idx="0">
+            <a:schemeClr val="accent1"/>
+          </a:effectRef>
+          <a:fontRef idx="minor">
+            <a:schemeClr val="lt1"/>
+          </a:fontRef>
+        </p:style>
+        <p:txBody>
+          <a:bodyPr rtlCol="0" anchor="ctr"/>
+          <a:lstStyle/>
+          <a:p>
+            <a:r>
+              <a:rPr lang="en-US" altLang="zh-CN" sz="1000" dirty="0">
+                <a:latin typeface="Arial Black" panose="020B0A04020102020204" pitchFamily="34" charset="0"/>
+              </a:rPr>
+              <a:t>+: BindRemote ()</a:t>
+            </a:r>
+            <a:endParaRPr lang="zh-CN" altLang="en-US" sz="1000" dirty="0">
+              <a:latin typeface="Arial Black" panose="020B0A04020102020204" pitchFamily="34" charset="0"/>
+            </a:endParaRPr>
+          </a:p>
+        </p:txBody>
+      </p:sp>
+      <p:sp>
+        <p:nvSpPr>
+          <p:cNvPr id="32" name="Rectangle: Rounded Corners 31">
+            <a:extLst>
+              <a:ext uri="{FF2B5EF4-FFF2-40B4-BE49-F238E27FC236}">
+                <a16:creationId xmlns:a16="http://schemas.microsoft.com/office/drawing/2014/main" id="{B578B769-73C3-4AF2-9A73-9547256F2A67}"/>
+              </a:ext>
+            </a:extLst>
+          </p:cNvPr>
+          <p:cNvSpPr/>
+          <p:nvPr/>
+        </p:nvSpPr>
+        <p:spPr>
+          <a:xfrm>
+            <a:off x="4375441" y="5313334"/>
+            <a:ext cx="2588295" cy="334985"/>
+          </a:xfrm>
+          <a:prstGeom prst="roundRect">
+            <a:avLst/>
+          </a:prstGeom>
+          <a:solidFill>
+            <a:schemeClr val="accent3">
+              <a:lumMod val="60000"/>
+              <a:lumOff val="40000"/>
+            </a:schemeClr>
+          </a:solidFill>
+          <a:ln>
+            <a:solidFill>
+              <a:schemeClr val="accent3">
+                <a:lumMod val="20000"/>
+                <a:lumOff val="80000"/>
+              </a:schemeClr>
+            </a:solidFill>
+          </a:ln>
+        </p:spPr>
+        <p:style>
+          <a:lnRef idx="2">
+            <a:schemeClr val="accent1">
+              <a:shade val="50000"/>
+            </a:schemeClr>
+          </a:lnRef>
+          <a:fillRef idx="1">
+            <a:schemeClr val="accent1"/>
+          </a:fillRef>
+          <a:effectRef idx="0">
+            <a:schemeClr val="accent1"/>
+          </a:effectRef>
+          <a:fontRef idx="minor">
+            <a:schemeClr val="lt1"/>
+          </a:fontRef>
+        </p:style>
+        <p:txBody>
+          <a:bodyPr rtlCol="0" anchor="ctr"/>
+          <a:lstStyle/>
+          <a:p>
+            <a:r>
+              <a:rPr lang="en-US" altLang="zh-CN" sz="1000" dirty="0">
+                <a:latin typeface="Arial Black" panose="020B0A04020102020204" pitchFamily="34" charset="0"/>
+              </a:rPr>
+              <a:t>*: boost::asio::ip::tcp::acceptor</a:t>
+            </a:r>
+            <a:endParaRPr lang="zh-CN" altLang="en-US" sz="1000" dirty="0">
+              <a:latin typeface="Arial Black" panose="020B0A04020102020204" pitchFamily="34" charset="0"/>
+            </a:endParaRPr>
+          </a:p>
+        </p:txBody>
+      </p:sp>
+      <p:sp>
+        <p:nvSpPr>
+          <p:cNvPr id="33" name="Rectangle: Rounded Corners 32">
+            <a:extLst>
+              <a:ext uri="{FF2B5EF4-FFF2-40B4-BE49-F238E27FC236}">
+                <a16:creationId xmlns:a16="http://schemas.microsoft.com/office/drawing/2014/main" id="{E59CDF9F-D85D-4649-B5F2-2A66EB72BE2D}"/>
+              </a:ext>
+            </a:extLst>
+          </p:cNvPr>
+          <p:cNvSpPr/>
+          <p:nvPr/>
+        </p:nvSpPr>
+        <p:spPr>
+          <a:xfrm>
+            <a:off x="4375440" y="4520031"/>
+            <a:ext cx="2588295" cy="334986"/>
+          </a:xfrm>
+          <a:prstGeom prst="roundRect">
+            <a:avLst/>
+          </a:prstGeom>
+          <a:solidFill>
+            <a:schemeClr val="accent6">
+              <a:lumMod val="60000"/>
+              <a:lumOff val="40000"/>
+            </a:schemeClr>
+          </a:solidFill>
+          <a:ln>
+            <a:solidFill>
+              <a:srgbClr val="00B0F0"/>
+            </a:solidFill>
+            <a:prstDash val="dash"/>
+          </a:ln>
+        </p:spPr>
+        <p:style>
+          <a:lnRef idx="2">
+            <a:schemeClr val="accent1">
+              <a:shade val="50000"/>
+            </a:schemeClr>
+          </a:lnRef>
+          <a:fillRef idx="1">
+            <a:schemeClr val="accent1"/>
+          </a:fillRef>
+          <a:effectRef idx="0">
+            <a:schemeClr val="accent1"/>
+          </a:effectRef>
+          <a:fontRef idx="minor">
+            <a:schemeClr val="lt1"/>
+          </a:fontRef>
+        </p:style>
+        <p:txBody>
+          <a:bodyPr rtlCol="0" anchor="ctr"/>
+          <a:lstStyle/>
+          <a:p>
+            <a:r>
+              <a:rPr lang="en-US" altLang="zh-CN" sz="1000" dirty="0">
+                <a:latin typeface="Arial Black" panose="020B0A04020102020204" pitchFamily="34" charset="0"/>
+              </a:rPr>
+              <a:t>+: accept ()</a:t>
+            </a:r>
+            <a:endParaRPr lang="zh-CN" altLang="en-US" sz="1000" dirty="0">
+              <a:latin typeface="Arial Black" panose="020B0A04020102020204" pitchFamily="34" charset="0"/>
+            </a:endParaRPr>
+          </a:p>
+        </p:txBody>
+      </p:sp>
+      <p:sp>
+        <p:nvSpPr>
+          <p:cNvPr id="34" name="Rectangle: Rounded Corners 33">
+            <a:extLst>
+              <a:ext uri="{FF2B5EF4-FFF2-40B4-BE49-F238E27FC236}">
+                <a16:creationId xmlns:a16="http://schemas.microsoft.com/office/drawing/2014/main" id="{2EB14DF6-85C0-47F4-B705-B5CE381807B8}"/>
+              </a:ext>
+            </a:extLst>
+          </p:cNvPr>
+          <p:cNvSpPr/>
+          <p:nvPr/>
+        </p:nvSpPr>
+        <p:spPr>
+          <a:xfrm>
+            <a:off x="4365162" y="4912872"/>
+            <a:ext cx="2588295" cy="334986"/>
+          </a:xfrm>
+          <a:prstGeom prst="roundRect">
+            <a:avLst/>
+          </a:prstGeom>
+          <a:solidFill>
+            <a:schemeClr val="accent6">
+              <a:lumMod val="60000"/>
+              <a:lumOff val="40000"/>
+            </a:schemeClr>
+          </a:solidFill>
+          <a:ln>
+            <a:solidFill>
+              <a:srgbClr val="00B0F0"/>
+            </a:solidFill>
+            <a:prstDash val="dash"/>
+          </a:ln>
+        </p:spPr>
+        <p:style>
+          <a:lnRef idx="2">
+            <a:schemeClr val="accent1">
+              <a:shade val="50000"/>
+            </a:schemeClr>
+          </a:lnRef>
+          <a:fillRef idx="1">
+            <a:schemeClr val="accent1"/>
+          </a:fillRef>
+          <a:effectRef idx="0">
+            <a:schemeClr val="accent1"/>
+          </a:effectRef>
+          <a:fontRef idx="minor">
+            <a:schemeClr val="lt1"/>
+          </a:fontRef>
+        </p:style>
+        <p:txBody>
+          <a:bodyPr rtlCol="0" anchor="ctr"/>
+          <a:lstStyle/>
+          <a:p>
+            <a:r>
+              <a:rPr lang="en-US" altLang="zh-CN" sz="1000" dirty="0">
+                <a:latin typeface="Arial Black" panose="020B0A04020102020204" pitchFamily="34" charset="0"/>
+              </a:rPr>
+              <a:t>+: listen ()</a:t>
+            </a:r>
+            <a:endParaRPr lang="zh-CN" altLang="en-US" sz="1000" dirty="0">
+              <a:latin typeface="Arial Black" panose="020B0A04020102020204" pitchFamily="34" charset="0"/>
+            </a:endParaRPr>
+          </a:p>
+        </p:txBody>
+      </p:sp>
     </p:spTree>
     <p:extLst>
       <p:ext uri="{BB962C8B-B14F-4D97-AF65-F5344CB8AC3E}">
-        <p14:creationId xmlns:p14="http://schemas.microsoft.com/office/powerpoint/2010/main" val="1584148413"/>
+        <p14:creationId xmlns:p14="http://schemas.microsoft.com/office/powerpoint/2010/main" val="1224220718"/>
       </p:ext>
     </p:extLst>
   </p:cSld>
@@ -25464,7 +27587,7 @@
         <p:spPr>
           <a:xfrm>
             <a:off x="562708" y="432079"/>
-            <a:ext cx="1334020" cy="369332"/>
+            <a:ext cx="1867819" cy="369332"/>
           </a:xfrm>
           <a:prstGeom prst="rect">
             <a:avLst/>
@@ -25481,7 +27604,7 @@
               <a:rPr lang="en-US" altLang="zh-CN" dirty="0">
                 <a:latin typeface="Clarendon Blk BT" panose="02040905050505020204" pitchFamily="18" charset="0"/>
               </a:rPr>
-              <a:t>PGObject</a:t>
+              <a:t>StunMessage</a:t>
             </a:r>
             <a:endParaRPr lang="zh-CN" altLang="en-US" dirty="0">
               <a:latin typeface="Clarendon Blk BT" panose="02040905050505020204" pitchFamily="18" charset="0"/>
@@ -25503,8 +27626,8 @@
         </p:nvSpPr>
         <p:spPr>
           <a:xfrm>
-            <a:off x="562708" y="939060"/>
-            <a:ext cx="1267218" cy="1436494"/>
+            <a:off x="1438275" y="1052182"/>
+            <a:ext cx="3223951" cy="2529218"/>
           </a:xfrm>
           <a:prstGeom prst="round2DiagRect">
             <a:avLst>
@@ -25547,7 +27670,7 @@
               <a:rPr lang="en-US" altLang="zh-CN" dirty="0">
                 <a:latin typeface="Britannic Bold" panose="020B0903060703020204" pitchFamily="34" charset="0"/>
               </a:rPr>
-              <a:t>CObject</a:t>
+              <a:t>StunMessage</a:t>
             </a:r>
             <a:endParaRPr lang="zh-CN" altLang="en-US" dirty="0">
               <a:latin typeface="Britannic Bold" panose="020B0903060703020204" pitchFamily="34" charset="0"/>
@@ -25555,12 +27678,42 @@
           </a:p>
         </p:txBody>
       </p:sp>
-      <p:sp>
-        <p:nvSpPr>
-          <p:cNvPr id="4" name="TextBox 3">
-            <a:extLst>
-              <a:ext uri="{FF2B5EF4-FFF2-40B4-BE49-F238E27FC236}">
-                <a16:creationId xmlns:a16="http://schemas.microsoft.com/office/drawing/2014/main" id="{6D11BA10-47CC-4B50-BD52-65EE7B64D614}"/>
+    </p:spTree>
+    <p:extLst>
+      <p:ext uri="{BB962C8B-B14F-4D97-AF65-F5344CB8AC3E}">
+        <p14:creationId xmlns:p14="http://schemas.microsoft.com/office/powerpoint/2010/main" val="1584148413"/>
+      </p:ext>
+    </p:extLst>
+  </p:cSld>
+  <p:clrMapOvr>
+    <a:masterClrMapping/>
+  </p:clrMapOvr>
+</p:sld>
+</file>
+
+<file path=ppt/slides/slide31.xml><?xml version="1.0" encoding="utf-8"?>
+<p:sld xmlns:a="http://schemas.openxmlformats.org/drawingml/2006/main" xmlns:r="http://schemas.openxmlformats.org/officeDocument/2006/relationships" xmlns:p="http://schemas.openxmlformats.org/presentationml/2006/main">
+  <p:cSld>
+    <p:spTree>
+      <p:nvGrpSpPr>
+        <p:cNvPr id="1" name=""/>
+        <p:cNvGrpSpPr/>
+        <p:nvPr/>
+      </p:nvGrpSpPr>
+      <p:grpSpPr>
+        <a:xfrm>
+          <a:off x="0" y="0"/>
+          <a:ext cx="0" cy="0"/>
+          <a:chOff x="0" y="0"/>
+          <a:chExt cx="0" cy="0"/>
+        </a:xfrm>
+      </p:grpSpPr>
+      <p:sp>
+        <p:nvSpPr>
+          <p:cNvPr id="2" name="TextBox 1">
+            <a:extLst>
+              <a:ext uri="{FF2B5EF4-FFF2-40B4-BE49-F238E27FC236}">
+                <a16:creationId xmlns:a16="http://schemas.microsoft.com/office/drawing/2014/main" id="{6616D8AB-9DB0-4F58-B6DE-0689A6510426}"/>
               </a:ext>
             </a:extLst>
           </p:cNvPr>
@@ -25569,8 +27722,8 @@
         </p:nvSpPr>
         <p:spPr>
           <a:xfrm>
-            <a:off x="3288625" y="432079"/>
-            <a:ext cx="1157689" cy="369332"/>
+            <a:off x="562708" y="432079"/>
+            <a:ext cx="1334020" cy="369332"/>
           </a:xfrm>
           <a:prstGeom prst="rect">
             <a:avLst/>
@@ -25585,6 +27738,46 @@
           <a:p>
             <a:r>
               <a:rPr lang="en-US" altLang="zh-CN" dirty="0">
+                <a:latin typeface="Clarendon Blk BT" panose="02040905050505020204" pitchFamily="18" charset="0"/>
+              </a:rPr>
+              <a:t>PGObject</a:t>
+            </a:r>
+            <a:endParaRPr lang="zh-CN" altLang="en-US" dirty="0">
+              <a:latin typeface="Clarendon Blk BT" panose="02040905050505020204" pitchFamily="18" charset="0"/>
+            </a:endParaRPr>
+          </a:p>
+        </p:txBody>
+      </p:sp>
+      <p:sp>
+        <p:nvSpPr>
+          <p:cNvPr id="4" name="TextBox 3">
+            <a:extLst>
+              <a:ext uri="{FF2B5EF4-FFF2-40B4-BE49-F238E27FC236}">
+                <a16:creationId xmlns:a16="http://schemas.microsoft.com/office/drawing/2014/main" id="{6D11BA10-47CC-4B50-BD52-65EE7B64D614}"/>
+              </a:ext>
+            </a:extLst>
+          </p:cNvPr>
+          <p:cNvSpPr txBox="1"/>
+          <p:nvPr/>
+        </p:nvSpPr>
+        <p:spPr>
+          <a:xfrm>
+            <a:off x="4693218" y="432079"/>
+            <a:ext cx="1157689" cy="369332"/>
+          </a:xfrm>
+          <a:prstGeom prst="rect">
+            <a:avLst/>
+          </a:prstGeom>
+          <a:noFill/>
+        </p:spPr>
+        <p:txBody>
+          <a:bodyPr wrap="none" rtlCol="0">
+            <a:spAutoFit/>
+          </a:bodyPr>
+          <a:lstStyle/>
+          <a:p>
+            <a:r>
+              <a:rPr lang="en-US" altLang="zh-CN" dirty="0">
                 <a:latin typeface="Britannic Bold" panose="020B0903060703020204" pitchFamily="34" charset="0"/>
               </a:rPr>
               <a:t>MsgEntity</a:t>
@@ -25595,6 +27788,223 @@
           </a:p>
         </p:txBody>
       </p:sp>
+      <p:grpSp>
+        <p:nvGrpSpPr>
+          <p:cNvPr id="18" name="Group 17">
+            <a:extLst>
+              <a:ext uri="{FF2B5EF4-FFF2-40B4-BE49-F238E27FC236}">
+                <a16:creationId xmlns:a16="http://schemas.microsoft.com/office/drawing/2014/main" id="{E2D1E559-E79D-4851-9BC5-9B5DB8CAB74D}"/>
+              </a:ext>
+            </a:extLst>
+          </p:cNvPr>
+          <p:cNvGrpSpPr/>
+          <p:nvPr/>
+        </p:nvGrpSpPr>
+        <p:grpSpPr>
+          <a:xfrm>
+            <a:off x="562707" y="901352"/>
+            <a:ext cx="2807376" cy="2096372"/>
+            <a:chOff x="562707" y="939059"/>
+            <a:chExt cx="2807376" cy="2096372"/>
+          </a:xfrm>
+        </p:grpSpPr>
+        <p:sp>
+          <p:nvSpPr>
+            <p:cNvPr id="20" name="Rectangle: Diagonal Corners Rounded 19">
+              <a:extLst>
+                <a:ext uri="{FF2B5EF4-FFF2-40B4-BE49-F238E27FC236}">
+                  <a16:creationId xmlns:a16="http://schemas.microsoft.com/office/drawing/2014/main" id="{56D5BA8E-739B-4034-BFE6-0ACBB3A95E60}"/>
+                </a:ext>
+              </a:extLst>
+            </p:cNvPr>
+            <p:cNvSpPr/>
+            <p:nvPr/>
+          </p:nvSpPr>
+          <p:spPr>
+            <a:xfrm>
+              <a:off x="562707" y="939059"/>
+              <a:ext cx="2807376" cy="2096372"/>
+            </a:xfrm>
+            <a:prstGeom prst="round2DiagRect">
+              <a:avLst>
+                <a:gd name="adj1" fmla="val 6397"/>
+                <a:gd name="adj2" fmla="val 4890"/>
+              </a:avLst>
+            </a:prstGeom>
+            <a:solidFill>
+              <a:schemeClr val="accent1">
+                <a:lumMod val="60000"/>
+                <a:lumOff val="40000"/>
+              </a:schemeClr>
+            </a:solidFill>
+            <a:ln w="9525">
+              <a:prstDash val="dash"/>
+            </a:ln>
+          </p:spPr>
+          <p:style>
+            <a:lnRef idx="2">
+              <a:schemeClr val="accent1">
+                <a:shade val="50000"/>
+              </a:schemeClr>
+            </a:lnRef>
+            <a:fillRef idx="1">
+              <a:schemeClr val="accent1"/>
+            </a:fillRef>
+            <a:effectRef idx="0">
+              <a:schemeClr val="accent1"/>
+            </a:effectRef>
+            <a:fontRef idx="minor">
+              <a:schemeClr val="lt1"/>
+            </a:fontRef>
+          </p:style>
+          <p:txBody>
+            <a:bodyPr rtlCol="0" anchor="t" anchorCtr="1"/>
+            <a:lstStyle/>
+            <a:p>
+              <a:pPr algn="ctr"/>
+              <a:r>
+                <a:rPr lang="en-US" altLang="zh-CN" dirty="0">
+                  <a:latin typeface="Britannic Bold" panose="020B0903060703020204" pitchFamily="34" charset="0"/>
+                </a:rPr>
+                <a:t>CObject</a:t>
+              </a:r>
+              <a:endParaRPr lang="zh-CN" altLang="en-US" dirty="0">
+                <a:latin typeface="Britannic Bold" panose="020B0903060703020204" pitchFamily="34" charset="0"/>
+              </a:endParaRPr>
+            </a:p>
+          </p:txBody>
+        </p:sp>
+        <p:sp>
+          <p:nvSpPr>
+            <p:cNvPr id="10" name="Rectangle: Rounded Corners 9">
+              <a:extLst>
+                <a:ext uri="{FF2B5EF4-FFF2-40B4-BE49-F238E27FC236}">
+                  <a16:creationId xmlns:a16="http://schemas.microsoft.com/office/drawing/2014/main" id="{A85C8A71-51D8-40E9-94F8-EDAA547A6349}"/>
+                </a:ext>
+              </a:extLst>
+            </p:cNvPr>
+            <p:cNvSpPr/>
+            <p:nvPr/>
+          </p:nvSpPr>
+          <p:spPr>
+            <a:xfrm>
+              <a:off x="609841" y="2168543"/>
+              <a:ext cx="2708394" cy="334986"/>
+            </a:xfrm>
+            <a:prstGeom prst="roundRect">
+              <a:avLst/>
+            </a:prstGeom>
+            <a:solidFill>
+              <a:schemeClr val="accent6">
+                <a:lumMod val="60000"/>
+                <a:lumOff val="40000"/>
+              </a:schemeClr>
+            </a:solidFill>
+            <a:ln w="12700" cmpd="sng">
+              <a:noFill/>
+              <a:prstDash val="dash"/>
+            </a:ln>
+          </p:spPr>
+          <p:style>
+            <a:lnRef idx="2">
+              <a:schemeClr val="accent1">
+                <a:shade val="50000"/>
+              </a:schemeClr>
+            </a:lnRef>
+            <a:fillRef idx="1">
+              <a:schemeClr val="accent1"/>
+            </a:fillRef>
+            <a:effectRef idx="0">
+              <a:schemeClr val="accent1"/>
+            </a:effectRef>
+            <a:fontRef idx="minor">
+              <a:schemeClr val="lt1"/>
+            </a:fontRef>
+          </p:style>
+          <p:txBody>
+            <a:bodyPr rtlCol="0" anchor="ctr"/>
+            <a:lstStyle/>
+            <a:p>
+              <a:pPr algn="ctr"/>
+              <a:r>
+                <a:rPr lang="en-US" altLang="zh-CN" sz="1400" dirty="0">
+                  <a:latin typeface="Arial Black" panose="020B0A04020102020204" pitchFamily="34" charset="0"/>
+                </a:rPr>
+                <a:t>UniqueName</a:t>
+              </a:r>
+              <a:endParaRPr lang="zh-CN" altLang="en-US" sz="1400" dirty="0">
+                <a:latin typeface="Arial Black" panose="020B0A04020102020204" pitchFamily="34" charset="0"/>
+              </a:endParaRPr>
+            </a:p>
+          </p:txBody>
+        </p:sp>
+        <p:sp>
+          <p:nvSpPr>
+            <p:cNvPr id="11" name="Rectangle: Rounded Corners 10">
+              <a:extLst>
+                <a:ext uri="{FF2B5EF4-FFF2-40B4-BE49-F238E27FC236}">
+                  <a16:creationId xmlns:a16="http://schemas.microsoft.com/office/drawing/2014/main" id="{06AC964E-3BC6-4EEA-B6AC-63DD8996F3F1}"/>
+                </a:ext>
+              </a:extLst>
+            </p:cNvPr>
+            <p:cNvSpPr/>
+            <p:nvPr/>
+          </p:nvSpPr>
+          <p:spPr>
+            <a:xfrm>
+              <a:off x="606162" y="2524441"/>
+              <a:ext cx="2708394" cy="369332"/>
+            </a:xfrm>
+            <a:prstGeom prst="roundRect">
+              <a:avLst/>
+            </a:prstGeom>
+            <a:solidFill>
+              <a:schemeClr val="accent3">
+                <a:lumMod val="60000"/>
+                <a:lumOff val="40000"/>
+              </a:schemeClr>
+            </a:solidFill>
+            <a:ln>
+              <a:solidFill>
+                <a:srgbClr val="FF0000"/>
+              </a:solidFill>
+              <a:prstDash val="dash"/>
+            </a:ln>
+          </p:spPr>
+          <p:style>
+            <a:lnRef idx="2">
+              <a:schemeClr val="accent1">
+                <a:shade val="50000"/>
+              </a:schemeClr>
+            </a:lnRef>
+            <a:fillRef idx="1">
+              <a:schemeClr val="accent1"/>
+            </a:fillRef>
+            <a:effectRef idx="0">
+              <a:schemeClr val="accent1"/>
+            </a:effectRef>
+            <a:fontRef idx="minor">
+              <a:schemeClr val="lt1"/>
+            </a:fontRef>
+          </p:style>
+          <p:txBody>
+            <a:bodyPr rtlCol="0" anchor="ctr"/>
+            <a:lstStyle/>
+            <a:p>
+              <a:pPr algn="ctr"/>
+              <a:r>
+                <a:rPr lang="en-US" altLang="zh-CN" sz="1400" dirty="0">
+                  <a:latin typeface="Clarendon Blk BT" panose="02040905050505020204" pitchFamily="18" charset="0"/>
+                </a:rPr>
+                <a:t>ObjectsContainer : set</a:t>
+              </a:r>
+              <a:endParaRPr lang="zh-CN" altLang="en-US" sz="1400" dirty="0">
+                <a:latin typeface="Clarendon Blk BT" panose="02040905050505020204" pitchFamily="18" charset="0"/>
+              </a:endParaRPr>
+            </a:p>
+          </p:txBody>
+        </p:sp>
+      </p:grpSp>
       <p:sp>
         <p:nvSpPr>
           <p:cNvPr id="5" name="Rectangle: Diagonal Corners Rounded 4">
@@ -25609,8 +28019,8 @@
         </p:nvSpPr>
         <p:spPr>
           <a:xfrm>
-            <a:off x="3288624" y="939060"/>
-            <a:ext cx="1500191" cy="4387084"/>
+            <a:off x="6277459" y="432078"/>
+            <a:ext cx="2952266" cy="6425921"/>
           </a:xfrm>
           <a:prstGeom prst="round2DiagRect">
             <a:avLst>
@@ -25661,6 +28071,1197 @@
           </a:p>
         </p:txBody>
       </p:sp>
+      <p:sp>
+        <p:nvSpPr>
+          <p:cNvPr id="6" name="Rectangle: Rounded Corners 5">
+            <a:extLst>
+              <a:ext uri="{FF2B5EF4-FFF2-40B4-BE49-F238E27FC236}">
+                <a16:creationId xmlns:a16="http://schemas.microsoft.com/office/drawing/2014/main" id="{27E0CDCE-1F77-44B1-A724-627F5BC5387B}"/>
+              </a:ext>
+            </a:extLst>
+          </p:cNvPr>
+          <p:cNvSpPr/>
+          <p:nvPr/>
+        </p:nvSpPr>
+        <p:spPr>
+          <a:xfrm>
+            <a:off x="6341096" y="1320593"/>
+            <a:ext cx="2807376" cy="353489"/>
+          </a:xfrm>
+          <a:prstGeom prst="roundRect">
+            <a:avLst/>
+          </a:prstGeom>
+          <a:solidFill>
+            <a:schemeClr val="accent6">
+              <a:lumMod val="60000"/>
+              <a:lumOff val="40000"/>
+            </a:schemeClr>
+          </a:solidFill>
+          <a:ln>
+            <a:solidFill>
+              <a:srgbClr val="FF0000"/>
+            </a:solidFill>
+            <a:prstDash val="dash"/>
+          </a:ln>
+        </p:spPr>
+        <p:style>
+          <a:lnRef idx="2">
+            <a:schemeClr val="accent1">
+              <a:shade val="50000"/>
+            </a:schemeClr>
+          </a:lnRef>
+          <a:fillRef idx="1">
+            <a:schemeClr val="accent1"/>
+          </a:fillRef>
+          <a:effectRef idx="0">
+            <a:schemeClr val="accent1"/>
+          </a:effectRef>
+          <a:fontRef idx="minor">
+            <a:schemeClr val="lt1"/>
+          </a:fontRef>
+        </p:style>
+        <p:txBody>
+          <a:bodyPr rtlCol="0" anchor="ctr"/>
+          <a:lstStyle/>
+          <a:p>
+            <a:r>
+              <a:rPr lang="en-US" altLang="zh-CN" sz="1000" dirty="0">
+                <a:latin typeface="Arial Black" panose="020B0A04020102020204" pitchFamily="34" charset="0"/>
+              </a:rPr>
+              <a:t>+: SendMessage</a:t>
+            </a:r>
+            <a:endParaRPr lang="zh-CN" altLang="en-US" sz="1400" dirty="0">
+              <a:latin typeface="Arial Black" panose="020B0A04020102020204" pitchFamily="34" charset="0"/>
+            </a:endParaRPr>
+          </a:p>
+        </p:txBody>
+      </p:sp>
+      <p:sp>
+        <p:nvSpPr>
+          <p:cNvPr id="7" name="Rectangle: Rounded Corners 6">
+            <a:extLst>
+              <a:ext uri="{FF2B5EF4-FFF2-40B4-BE49-F238E27FC236}">
+                <a16:creationId xmlns:a16="http://schemas.microsoft.com/office/drawing/2014/main" id="{09D384E2-F07C-43A0-9440-BBFC497C7E59}"/>
+              </a:ext>
+            </a:extLst>
+          </p:cNvPr>
+          <p:cNvSpPr/>
+          <p:nvPr/>
+        </p:nvSpPr>
+        <p:spPr>
+          <a:xfrm>
+            <a:off x="6341090" y="6438970"/>
+            <a:ext cx="2807376" cy="363316"/>
+          </a:xfrm>
+          <a:prstGeom prst="roundRect">
+            <a:avLst/>
+          </a:prstGeom>
+          <a:solidFill>
+            <a:schemeClr val="accent3">
+              <a:lumMod val="60000"/>
+              <a:lumOff val="40000"/>
+            </a:schemeClr>
+          </a:solidFill>
+          <a:ln>
+            <a:solidFill>
+              <a:srgbClr val="FF0000"/>
+            </a:solidFill>
+            <a:prstDash val="dash"/>
+          </a:ln>
+        </p:spPr>
+        <p:style>
+          <a:lnRef idx="2">
+            <a:schemeClr val="accent1">
+              <a:shade val="50000"/>
+            </a:schemeClr>
+          </a:lnRef>
+          <a:fillRef idx="1">
+            <a:schemeClr val="accent1"/>
+          </a:fillRef>
+          <a:effectRef idx="0">
+            <a:schemeClr val="accent1"/>
+          </a:effectRef>
+          <a:fontRef idx="minor">
+            <a:schemeClr val="lt1"/>
+          </a:fontRef>
+        </p:style>
+        <p:txBody>
+          <a:bodyPr rtlCol="0" anchor="ctr"/>
+          <a:lstStyle/>
+          <a:p>
+            <a:r>
+              <a:rPr lang="en-US" altLang="zh-CN" sz="1000" dirty="0">
+                <a:latin typeface="Clarendon Blk BT" panose="02040905050505020204" pitchFamily="18" charset="0"/>
+              </a:rPr>
+              <a:t>-: MsgEntityContainer : Map(std::string, MsgEntity*)</a:t>
+            </a:r>
+            <a:endParaRPr lang="zh-CN" altLang="en-US" sz="1000" dirty="0">
+              <a:latin typeface="Clarendon Blk BT" panose="02040905050505020204" pitchFamily="18" charset="0"/>
+            </a:endParaRPr>
+          </a:p>
+        </p:txBody>
+      </p:sp>
+      <p:sp>
+        <p:nvSpPr>
+          <p:cNvPr id="8" name="Rectangle: Rounded Corners 7">
+            <a:extLst>
+              <a:ext uri="{FF2B5EF4-FFF2-40B4-BE49-F238E27FC236}">
+                <a16:creationId xmlns:a16="http://schemas.microsoft.com/office/drawing/2014/main" id="{4D7CBF82-EC0B-4AF7-9133-F67D8AA62BB4}"/>
+              </a:ext>
+            </a:extLst>
+          </p:cNvPr>
+          <p:cNvSpPr/>
+          <p:nvPr/>
+        </p:nvSpPr>
+        <p:spPr>
+          <a:xfrm>
+            <a:off x="6341090" y="2845404"/>
+            <a:ext cx="2807376" cy="353489"/>
+          </a:xfrm>
+          <a:prstGeom prst="roundRect">
+            <a:avLst/>
+          </a:prstGeom>
+          <a:solidFill>
+            <a:schemeClr val="accent6">
+              <a:lumMod val="60000"/>
+              <a:lumOff val="40000"/>
+            </a:schemeClr>
+          </a:solidFill>
+          <a:ln w="12700" cmpd="sng">
+            <a:solidFill>
+              <a:srgbClr val="FF0000"/>
+            </a:solidFill>
+            <a:prstDash val="dash"/>
+          </a:ln>
+        </p:spPr>
+        <p:style>
+          <a:lnRef idx="2">
+            <a:schemeClr val="accent1">
+              <a:shade val="50000"/>
+            </a:schemeClr>
+          </a:lnRef>
+          <a:fillRef idx="1">
+            <a:schemeClr val="accent1"/>
+          </a:fillRef>
+          <a:effectRef idx="0">
+            <a:schemeClr val="accent1"/>
+          </a:effectRef>
+          <a:fontRef idx="minor">
+            <a:schemeClr val="lt1"/>
+          </a:fontRef>
+        </p:style>
+        <p:txBody>
+          <a:bodyPr rtlCol="0" anchor="ctr"/>
+          <a:lstStyle/>
+          <a:p>
+            <a:r>
+              <a:rPr lang="en-US" altLang="zh-CN" sz="1000" dirty="0">
+                <a:latin typeface="Arial Black" panose="020B0A04020102020204" pitchFamily="34" charset="0"/>
+              </a:rPr>
+              <a:t>-: MsgDispitcherThread</a:t>
+            </a:r>
+            <a:endParaRPr lang="zh-CN" altLang="en-US" sz="1000" dirty="0">
+              <a:latin typeface="Arial Black" panose="020B0A04020102020204" pitchFamily="34" charset="0"/>
+            </a:endParaRPr>
+          </a:p>
+        </p:txBody>
+      </p:sp>
+      <p:sp>
+        <p:nvSpPr>
+          <p:cNvPr id="12" name="Rectangle: Rounded Corners 11">
+            <a:extLst>
+              <a:ext uri="{FF2B5EF4-FFF2-40B4-BE49-F238E27FC236}">
+                <a16:creationId xmlns:a16="http://schemas.microsoft.com/office/drawing/2014/main" id="{6D4DDBC7-0D63-454C-AA56-3D59DE0D284D}"/>
+              </a:ext>
+            </a:extLst>
+          </p:cNvPr>
+          <p:cNvSpPr/>
+          <p:nvPr/>
+        </p:nvSpPr>
+        <p:spPr>
+          <a:xfrm>
+            <a:off x="6341096" y="1699543"/>
+            <a:ext cx="2807376" cy="353489"/>
+          </a:xfrm>
+          <a:prstGeom prst="roundRect">
+            <a:avLst/>
+          </a:prstGeom>
+          <a:solidFill>
+            <a:schemeClr val="accent6">
+              <a:lumMod val="60000"/>
+              <a:lumOff val="40000"/>
+            </a:schemeClr>
+          </a:solidFill>
+          <a:ln>
+            <a:solidFill>
+              <a:srgbClr val="FF0000"/>
+            </a:solidFill>
+            <a:prstDash val="dash"/>
+          </a:ln>
+        </p:spPr>
+        <p:style>
+          <a:lnRef idx="2">
+            <a:schemeClr val="accent1">
+              <a:shade val="50000"/>
+            </a:schemeClr>
+          </a:lnRef>
+          <a:fillRef idx="1">
+            <a:schemeClr val="accent1"/>
+          </a:fillRef>
+          <a:effectRef idx="0">
+            <a:schemeClr val="accent1"/>
+          </a:effectRef>
+          <a:fontRef idx="minor">
+            <a:schemeClr val="lt1"/>
+          </a:fontRef>
+        </p:style>
+        <p:txBody>
+          <a:bodyPr rtlCol="0" anchor="ctr"/>
+          <a:lstStyle/>
+          <a:p>
+            <a:r>
+              <a:rPr lang="en-US" altLang="zh-CN" sz="1000" dirty="0">
+                <a:latin typeface="Arial Black" panose="020B0A04020102020204" pitchFamily="34" charset="0"/>
+              </a:rPr>
+              <a:t>+: PostMessage</a:t>
+            </a:r>
+            <a:endParaRPr lang="zh-CN" altLang="en-US" sz="1400" dirty="0">
+              <a:latin typeface="Arial Black" panose="020B0A04020102020204" pitchFamily="34" charset="0"/>
+            </a:endParaRPr>
+          </a:p>
+        </p:txBody>
+      </p:sp>
+      <p:sp>
+        <p:nvSpPr>
+          <p:cNvPr id="13" name="Rectangle: Rounded Corners 12">
+            <a:extLst>
+              <a:ext uri="{FF2B5EF4-FFF2-40B4-BE49-F238E27FC236}">
+                <a16:creationId xmlns:a16="http://schemas.microsoft.com/office/drawing/2014/main" id="{D4D3EE8B-3B82-4575-97DD-6E4F5E4A1CF6}"/>
+              </a:ext>
+            </a:extLst>
+          </p:cNvPr>
+          <p:cNvSpPr/>
+          <p:nvPr/>
+        </p:nvSpPr>
+        <p:spPr>
+          <a:xfrm>
+            <a:off x="6341093" y="4945257"/>
+            <a:ext cx="2807376" cy="363316"/>
+          </a:xfrm>
+          <a:prstGeom prst="roundRect">
+            <a:avLst/>
+          </a:prstGeom>
+          <a:solidFill>
+            <a:schemeClr val="accent3">
+              <a:lumMod val="60000"/>
+              <a:lumOff val="40000"/>
+            </a:schemeClr>
+          </a:solidFill>
+          <a:ln>
+            <a:solidFill>
+              <a:schemeClr val="bg2"/>
+            </a:solidFill>
+            <a:prstDash val="dash"/>
+          </a:ln>
+        </p:spPr>
+        <p:style>
+          <a:lnRef idx="2">
+            <a:schemeClr val="accent1">
+              <a:shade val="50000"/>
+            </a:schemeClr>
+          </a:lnRef>
+          <a:fillRef idx="1">
+            <a:schemeClr val="accent1"/>
+          </a:fillRef>
+          <a:effectRef idx="0">
+            <a:schemeClr val="accent1"/>
+          </a:effectRef>
+          <a:fontRef idx="minor">
+            <a:schemeClr val="lt1"/>
+          </a:fontRef>
+        </p:style>
+        <p:txBody>
+          <a:bodyPr rtlCol="0" anchor="ctr"/>
+          <a:lstStyle/>
+          <a:p>
+            <a:r>
+              <a:rPr lang="en-US" altLang="zh-CN" sz="1000" dirty="0">
+                <a:latin typeface="Clarendon Blk BT" panose="02040905050505020204" pitchFamily="18" charset="0"/>
+              </a:rPr>
+              <a:t>-: MsgQueue</a:t>
+            </a:r>
+            <a:endParaRPr lang="zh-CN" altLang="en-US" sz="1000" dirty="0">
+              <a:latin typeface="Clarendon Blk BT" panose="02040905050505020204" pitchFamily="18" charset="0"/>
+            </a:endParaRPr>
+          </a:p>
+        </p:txBody>
+      </p:sp>
+      <p:sp>
+        <p:nvSpPr>
+          <p:cNvPr id="14" name="Rectangle: Rounded Corners 13">
+            <a:extLst>
+              <a:ext uri="{FF2B5EF4-FFF2-40B4-BE49-F238E27FC236}">
+                <a16:creationId xmlns:a16="http://schemas.microsoft.com/office/drawing/2014/main" id="{634AD08E-2A44-44A5-9562-C74D03E87ECB}"/>
+              </a:ext>
+            </a:extLst>
+          </p:cNvPr>
+          <p:cNvSpPr/>
+          <p:nvPr/>
+        </p:nvSpPr>
+        <p:spPr>
+          <a:xfrm>
+            <a:off x="6341093" y="5308573"/>
+            <a:ext cx="2807376" cy="363316"/>
+          </a:xfrm>
+          <a:prstGeom prst="roundRect">
+            <a:avLst/>
+          </a:prstGeom>
+          <a:solidFill>
+            <a:schemeClr val="accent3">
+              <a:lumMod val="60000"/>
+              <a:lumOff val="40000"/>
+            </a:schemeClr>
+          </a:solidFill>
+          <a:ln>
+            <a:solidFill>
+              <a:schemeClr val="bg2"/>
+            </a:solidFill>
+            <a:prstDash val="dash"/>
+          </a:ln>
+        </p:spPr>
+        <p:style>
+          <a:lnRef idx="2">
+            <a:schemeClr val="accent1">
+              <a:shade val="50000"/>
+            </a:schemeClr>
+          </a:lnRef>
+          <a:fillRef idx="1">
+            <a:schemeClr val="accent1"/>
+          </a:fillRef>
+          <a:effectRef idx="0">
+            <a:schemeClr val="accent1"/>
+          </a:effectRef>
+          <a:fontRef idx="minor">
+            <a:schemeClr val="lt1"/>
+          </a:fontRef>
+        </p:style>
+        <p:txBody>
+          <a:bodyPr rtlCol="0" anchor="ctr"/>
+          <a:lstStyle/>
+          <a:p>
+            <a:r>
+              <a:rPr lang="en-US" altLang="zh-CN" sz="1000" dirty="0">
+                <a:latin typeface="Clarendon Blk BT" panose="02040905050505020204" pitchFamily="18" charset="0"/>
+              </a:rPr>
+              <a:t>-: std::queue_mutex</a:t>
+            </a:r>
+            <a:endParaRPr lang="zh-CN" altLang="en-US" sz="1000" dirty="0">
+              <a:latin typeface="Clarendon Blk BT" panose="02040905050505020204" pitchFamily="18" charset="0"/>
+            </a:endParaRPr>
+          </a:p>
+        </p:txBody>
+      </p:sp>
+      <p:sp>
+        <p:nvSpPr>
+          <p:cNvPr id="15" name="Rectangle: Rounded Corners 14">
+            <a:extLst>
+              <a:ext uri="{FF2B5EF4-FFF2-40B4-BE49-F238E27FC236}">
+                <a16:creationId xmlns:a16="http://schemas.microsoft.com/office/drawing/2014/main" id="{7AF91535-0B04-4F0B-BBC4-37E12C09E64C}"/>
+              </a:ext>
+            </a:extLst>
+          </p:cNvPr>
+          <p:cNvSpPr/>
+          <p:nvPr/>
+        </p:nvSpPr>
+        <p:spPr>
+          <a:xfrm>
+            <a:off x="6341093" y="5671890"/>
+            <a:ext cx="2807376" cy="363316"/>
+          </a:xfrm>
+          <a:prstGeom prst="roundRect">
+            <a:avLst/>
+          </a:prstGeom>
+          <a:solidFill>
+            <a:schemeClr val="accent3">
+              <a:lumMod val="60000"/>
+              <a:lumOff val="40000"/>
+            </a:schemeClr>
+          </a:solidFill>
+          <a:ln>
+            <a:solidFill>
+              <a:schemeClr val="bg2"/>
+            </a:solidFill>
+            <a:prstDash val="dash"/>
+          </a:ln>
+        </p:spPr>
+        <p:style>
+          <a:lnRef idx="2">
+            <a:schemeClr val="accent1">
+              <a:shade val="50000"/>
+            </a:schemeClr>
+          </a:lnRef>
+          <a:fillRef idx="1">
+            <a:schemeClr val="accent1"/>
+          </a:fillRef>
+          <a:effectRef idx="0">
+            <a:schemeClr val="accent1"/>
+          </a:effectRef>
+          <a:fontRef idx="minor">
+            <a:schemeClr val="lt1"/>
+          </a:fontRef>
+        </p:style>
+        <p:txBody>
+          <a:bodyPr rtlCol="0" anchor="ctr"/>
+          <a:lstStyle/>
+          <a:p>
+            <a:r>
+              <a:rPr lang="en-US" altLang="zh-CN" sz="1000" dirty="0">
+                <a:latin typeface="Clarendon Blk BT" panose="02040905050505020204" pitchFamily="18" charset="0"/>
+              </a:rPr>
+              <a:t>-: std::thread</a:t>
+            </a:r>
+            <a:endParaRPr lang="zh-CN" altLang="en-US" sz="1000" dirty="0">
+              <a:latin typeface="Clarendon Blk BT" panose="02040905050505020204" pitchFamily="18" charset="0"/>
+            </a:endParaRPr>
+          </a:p>
+        </p:txBody>
+      </p:sp>
+      <p:sp>
+        <p:nvSpPr>
+          <p:cNvPr id="17" name="Rectangle: Rounded Corners 16">
+            <a:extLst>
+              <a:ext uri="{FF2B5EF4-FFF2-40B4-BE49-F238E27FC236}">
+                <a16:creationId xmlns:a16="http://schemas.microsoft.com/office/drawing/2014/main" id="{225B4CE2-39EF-41E0-A291-6CDC6063B0AE}"/>
+              </a:ext>
+            </a:extLst>
+          </p:cNvPr>
+          <p:cNvSpPr/>
+          <p:nvPr/>
+        </p:nvSpPr>
+        <p:spPr>
+          <a:xfrm>
+            <a:off x="6341093" y="6055622"/>
+            <a:ext cx="2807376" cy="363316"/>
+          </a:xfrm>
+          <a:prstGeom prst="roundRect">
+            <a:avLst/>
+          </a:prstGeom>
+          <a:solidFill>
+            <a:schemeClr val="accent3">
+              <a:lumMod val="60000"/>
+              <a:lumOff val="40000"/>
+            </a:schemeClr>
+          </a:solidFill>
+          <a:ln>
+            <a:solidFill>
+              <a:schemeClr val="bg2"/>
+            </a:solidFill>
+            <a:prstDash val="dash"/>
+          </a:ln>
+        </p:spPr>
+        <p:style>
+          <a:lnRef idx="2">
+            <a:schemeClr val="accent1">
+              <a:shade val="50000"/>
+            </a:schemeClr>
+          </a:lnRef>
+          <a:fillRef idx="1">
+            <a:schemeClr val="accent1"/>
+          </a:fillRef>
+          <a:effectRef idx="0">
+            <a:schemeClr val="accent1"/>
+          </a:effectRef>
+          <a:fontRef idx="minor">
+            <a:schemeClr val="lt1"/>
+          </a:fontRef>
+        </p:style>
+        <p:txBody>
+          <a:bodyPr rtlCol="0" anchor="ctr"/>
+          <a:lstStyle/>
+          <a:p>
+            <a:r>
+              <a:rPr lang="en-US" altLang="zh-CN" sz="1000" dirty="0">
+                <a:latin typeface="Clarendon Blk BT" panose="02040905050505020204" pitchFamily="18" charset="0"/>
+              </a:rPr>
+              <a:t>-: quit : bool</a:t>
+            </a:r>
+            <a:endParaRPr lang="zh-CN" altLang="en-US" sz="1000" dirty="0">
+              <a:latin typeface="Clarendon Blk BT" panose="02040905050505020204" pitchFamily="18" charset="0"/>
+            </a:endParaRPr>
+          </a:p>
+        </p:txBody>
+      </p:sp>
+      <p:sp>
+        <p:nvSpPr>
+          <p:cNvPr id="21" name="Rectangle: Rounded Corners 20">
+            <a:extLst>
+              <a:ext uri="{FF2B5EF4-FFF2-40B4-BE49-F238E27FC236}">
+                <a16:creationId xmlns:a16="http://schemas.microsoft.com/office/drawing/2014/main" id="{2EAA62AF-7F12-4043-B215-36043B360CEC}"/>
+              </a:ext>
+            </a:extLst>
+          </p:cNvPr>
+          <p:cNvSpPr/>
+          <p:nvPr/>
+        </p:nvSpPr>
+        <p:spPr>
+          <a:xfrm>
+            <a:off x="6341093" y="963275"/>
+            <a:ext cx="2807376" cy="334986"/>
+          </a:xfrm>
+          <a:prstGeom prst="roundRect">
+            <a:avLst/>
+          </a:prstGeom>
+          <a:solidFill>
+            <a:schemeClr val="accent6">
+              <a:lumMod val="50000"/>
+            </a:schemeClr>
+          </a:solidFill>
+          <a:ln w="12700" cmpd="sng">
+            <a:noFill/>
+            <a:prstDash val="dash"/>
+          </a:ln>
+        </p:spPr>
+        <p:style>
+          <a:lnRef idx="2">
+            <a:schemeClr val="accent1">
+              <a:shade val="50000"/>
+            </a:schemeClr>
+          </a:lnRef>
+          <a:fillRef idx="1">
+            <a:schemeClr val="accent1"/>
+          </a:fillRef>
+          <a:effectRef idx="0">
+            <a:schemeClr val="accent1"/>
+          </a:effectRef>
+          <a:fontRef idx="minor">
+            <a:schemeClr val="lt1"/>
+          </a:fontRef>
+        </p:style>
+        <p:txBody>
+          <a:bodyPr rtlCol="0" anchor="ctr"/>
+          <a:lstStyle/>
+          <a:p>
+            <a:r>
+              <a:rPr lang="en-US" altLang="zh-CN" sz="1000" dirty="0">
+                <a:latin typeface="Arial Black" panose="020B0A04020102020204" pitchFamily="34" charset="0"/>
+              </a:rPr>
+              <a:t>*: OnMsgReceived</a:t>
+            </a:r>
+            <a:endParaRPr lang="zh-CN" altLang="en-US" sz="1000" dirty="0">
+              <a:latin typeface="Arial Black" panose="020B0A04020102020204" pitchFamily="34" charset="0"/>
+            </a:endParaRPr>
+          </a:p>
+        </p:txBody>
+      </p:sp>
+      <p:sp>
+        <p:nvSpPr>
+          <p:cNvPr id="9" name="Isosceles Triangle 8">
+            <a:extLst>
+              <a:ext uri="{FF2B5EF4-FFF2-40B4-BE49-F238E27FC236}">
+                <a16:creationId xmlns:a16="http://schemas.microsoft.com/office/drawing/2014/main" id="{03111AF9-BD4C-40B8-8D88-250F207C698E}"/>
+              </a:ext>
+            </a:extLst>
+          </p:cNvPr>
+          <p:cNvSpPr/>
+          <p:nvPr/>
+        </p:nvSpPr>
+        <p:spPr>
+          <a:xfrm>
+            <a:off x="1868187" y="2997724"/>
+            <a:ext cx="184344" cy="158917"/>
+          </a:xfrm>
+          <a:prstGeom prst="triangle">
+            <a:avLst/>
+          </a:prstGeom>
+        </p:spPr>
+        <p:style>
+          <a:lnRef idx="2">
+            <a:schemeClr val="accent1">
+              <a:shade val="50000"/>
+            </a:schemeClr>
+          </a:lnRef>
+          <a:fillRef idx="1">
+            <a:schemeClr val="accent1"/>
+          </a:fillRef>
+          <a:effectRef idx="0">
+            <a:schemeClr val="accent1"/>
+          </a:effectRef>
+          <a:fontRef idx="minor">
+            <a:schemeClr val="lt1"/>
+          </a:fontRef>
+        </p:style>
+        <p:txBody>
+          <a:bodyPr rtlCol="0" anchor="ctr"/>
+          <a:lstStyle/>
+          <a:p>
+            <a:pPr algn="ctr"/>
+            <a:endParaRPr lang="zh-CN" altLang="en-US"/>
+          </a:p>
+        </p:txBody>
+      </p:sp>
+      <p:cxnSp>
+        <p:nvCxnSpPr>
+          <p:cNvPr id="22" name="Connector: Elbow 21">
+            <a:extLst>
+              <a:ext uri="{FF2B5EF4-FFF2-40B4-BE49-F238E27FC236}">
+                <a16:creationId xmlns:a16="http://schemas.microsoft.com/office/drawing/2014/main" id="{3468D5DE-14EA-4276-B6FA-1DBDE059D526}"/>
+              </a:ext>
+            </a:extLst>
+          </p:cNvPr>
+          <p:cNvCxnSpPr>
+            <a:cxnSpLocks/>
+            <a:stCxn id="9" idx="3"/>
+            <a:endCxn id="15" idx="1"/>
+          </p:cNvCxnSpPr>
+          <p:nvPr/>
+        </p:nvCxnSpPr>
+        <p:spPr>
+          <a:xfrm rot="16200000" flipH="1">
+            <a:off x="2802273" y="2314727"/>
+            <a:ext cx="2696907" cy="4380734"/>
+          </a:xfrm>
+          <a:prstGeom prst="bentConnector2">
+            <a:avLst/>
+          </a:prstGeom>
+        </p:spPr>
+        <p:style>
+          <a:lnRef idx="1">
+            <a:schemeClr val="accent1"/>
+          </a:lnRef>
+          <a:fillRef idx="0">
+            <a:schemeClr val="accent1"/>
+          </a:fillRef>
+          <a:effectRef idx="0">
+            <a:schemeClr val="accent1"/>
+          </a:effectRef>
+          <a:fontRef idx="minor">
+            <a:schemeClr val="tx1"/>
+          </a:fontRef>
+        </p:style>
+      </p:cxnSp>
+      <p:sp>
+        <p:nvSpPr>
+          <p:cNvPr id="26" name="Rectangle: Rounded Corners 25">
+            <a:extLst>
+              <a:ext uri="{FF2B5EF4-FFF2-40B4-BE49-F238E27FC236}">
+                <a16:creationId xmlns:a16="http://schemas.microsoft.com/office/drawing/2014/main" id="{6B7027A6-B506-4A83-B63F-B532726E9D94}"/>
+              </a:ext>
+            </a:extLst>
+          </p:cNvPr>
+          <p:cNvSpPr/>
+          <p:nvPr/>
+        </p:nvSpPr>
+        <p:spPr>
+          <a:xfrm>
+            <a:off x="6341090" y="4496642"/>
+            <a:ext cx="2807376" cy="438108"/>
+          </a:xfrm>
+          <a:prstGeom prst="roundRect">
+            <a:avLst/>
+          </a:prstGeom>
+          <a:solidFill>
+            <a:schemeClr val="accent3">
+              <a:lumMod val="60000"/>
+              <a:lumOff val="40000"/>
+            </a:schemeClr>
+          </a:solidFill>
+          <a:ln>
+            <a:solidFill>
+              <a:schemeClr val="bg2"/>
+            </a:solidFill>
+            <a:prstDash val="dash"/>
+          </a:ln>
+        </p:spPr>
+        <p:style>
+          <a:lnRef idx="2">
+            <a:schemeClr val="accent1">
+              <a:shade val="50000"/>
+            </a:schemeClr>
+          </a:lnRef>
+          <a:fillRef idx="1">
+            <a:schemeClr val="accent1"/>
+          </a:fillRef>
+          <a:effectRef idx="0">
+            <a:schemeClr val="accent1"/>
+          </a:effectRef>
+          <a:fontRef idx="minor">
+            <a:schemeClr val="lt1"/>
+          </a:fontRef>
+        </p:style>
+        <p:txBody>
+          <a:bodyPr rtlCol="0" anchor="ctr"/>
+          <a:lstStyle/>
+          <a:p>
+            <a:r>
+              <a:rPr lang="en-US" altLang="zh-CN" sz="1000" dirty="0">
+                <a:latin typeface="Clarendon Blk BT" panose="02040905050505020204" pitchFamily="18" charset="0"/>
+              </a:rPr>
+              <a:t>-: EventListener : map(MSG_ID, std::set&lt;listener*&gt;</a:t>
+            </a:r>
+            <a:endParaRPr lang="zh-CN" altLang="en-US" sz="1000" dirty="0">
+              <a:latin typeface="Clarendon Blk BT" panose="02040905050505020204" pitchFamily="18" charset="0"/>
+            </a:endParaRPr>
+          </a:p>
+        </p:txBody>
+      </p:sp>
+      <p:sp>
+        <p:nvSpPr>
+          <p:cNvPr id="28" name="Rectangle: Rounded Corners 27">
+            <a:extLst>
+              <a:ext uri="{FF2B5EF4-FFF2-40B4-BE49-F238E27FC236}">
+                <a16:creationId xmlns:a16="http://schemas.microsoft.com/office/drawing/2014/main" id="{32BB96C3-F82E-4239-B357-066BD897A2B1}"/>
+              </a:ext>
+            </a:extLst>
+          </p:cNvPr>
+          <p:cNvSpPr/>
+          <p:nvPr/>
+        </p:nvSpPr>
+        <p:spPr>
+          <a:xfrm>
+            <a:off x="6341090" y="2072471"/>
+            <a:ext cx="2807376" cy="353489"/>
+          </a:xfrm>
+          <a:prstGeom prst="roundRect">
+            <a:avLst/>
+          </a:prstGeom>
+          <a:solidFill>
+            <a:schemeClr val="accent6">
+              <a:lumMod val="60000"/>
+              <a:lumOff val="40000"/>
+            </a:schemeClr>
+          </a:solidFill>
+          <a:ln>
+            <a:solidFill>
+              <a:srgbClr val="FF0000"/>
+            </a:solidFill>
+            <a:prstDash val="dash"/>
+          </a:ln>
+        </p:spPr>
+        <p:style>
+          <a:lnRef idx="2">
+            <a:schemeClr val="accent1">
+              <a:shade val="50000"/>
+            </a:schemeClr>
+          </a:lnRef>
+          <a:fillRef idx="1">
+            <a:schemeClr val="accent1"/>
+          </a:fillRef>
+          <a:effectRef idx="0">
+            <a:schemeClr val="accent1"/>
+          </a:effectRef>
+          <a:fontRef idx="minor">
+            <a:schemeClr val="lt1"/>
+          </a:fontRef>
+        </p:style>
+        <p:txBody>
+          <a:bodyPr rtlCol="0" anchor="ctr"/>
+          <a:lstStyle/>
+          <a:p>
+            <a:r>
+              <a:rPr lang="en-US" altLang="zh-CN" sz="1000" dirty="0">
+                <a:latin typeface="Arial Black" panose="020B0A04020102020204" pitchFamily="34" charset="0"/>
+              </a:rPr>
+              <a:t>+: RegisterEventListener</a:t>
+            </a:r>
+            <a:endParaRPr lang="zh-CN" altLang="en-US" sz="1000" dirty="0">
+              <a:latin typeface="Arial Black" panose="020B0A04020102020204" pitchFamily="34" charset="0"/>
+            </a:endParaRPr>
+          </a:p>
+        </p:txBody>
+      </p:sp>
+      <p:sp>
+        <p:nvSpPr>
+          <p:cNvPr id="29" name="Rectangle: Rounded Corners 28">
+            <a:extLst>
+              <a:ext uri="{FF2B5EF4-FFF2-40B4-BE49-F238E27FC236}">
+                <a16:creationId xmlns:a16="http://schemas.microsoft.com/office/drawing/2014/main" id="{AA66D56F-C213-4308-B068-1E0627F39BF8}"/>
+              </a:ext>
+            </a:extLst>
+          </p:cNvPr>
+          <p:cNvSpPr/>
+          <p:nvPr/>
+        </p:nvSpPr>
+        <p:spPr>
+          <a:xfrm>
+            <a:off x="6341090" y="2455341"/>
+            <a:ext cx="2807376" cy="353489"/>
+          </a:xfrm>
+          <a:prstGeom prst="roundRect">
+            <a:avLst/>
+          </a:prstGeom>
+          <a:solidFill>
+            <a:schemeClr val="accent6">
+              <a:lumMod val="60000"/>
+              <a:lumOff val="40000"/>
+            </a:schemeClr>
+          </a:solidFill>
+          <a:ln>
+            <a:solidFill>
+              <a:srgbClr val="FF0000"/>
+            </a:solidFill>
+            <a:prstDash val="dash"/>
+          </a:ln>
+        </p:spPr>
+        <p:style>
+          <a:lnRef idx="2">
+            <a:schemeClr val="accent1">
+              <a:shade val="50000"/>
+            </a:schemeClr>
+          </a:lnRef>
+          <a:fillRef idx="1">
+            <a:schemeClr val="accent1"/>
+          </a:fillRef>
+          <a:effectRef idx="0">
+            <a:schemeClr val="accent1"/>
+          </a:effectRef>
+          <a:fontRef idx="minor">
+            <a:schemeClr val="lt1"/>
+          </a:fontRef>
+        </p:style>
+        <p:txBody>
+          <a:bodyPr rtlCol="0" anchor="ctr"/>
+          <a:lstStyle/>
+          <a:p>
+            <a:r>
+              <a:rPr lang="en-US" altLang="zh-CN" sz="1000" dirty="0">
+                <a:latin typeface="Arial Black" panose="020B0A04020102020204" pitchFamily="34" charset="0"/>
+              </a:rPr>
+              <a:t>+: UnregisterEventListener</a:t>
+            </a:r>
+            <a:endParaRPr lang="zh-CN" altLang="en-US" sz="1000" dirty="0">
+              <a:latin typeface="Arial Black" panose="020B0A04020102020204" pitchFamily="34" charset="0"/>
+            </a:endParaRPr>
+          </a:p>
+        </p:txBody>
+      </p:sp>
+      <p:sp>
+        <p:nvSpPr>
+          <p:cNvPr id="30" name="Rectangle: Rounded Corners 29">
+            <a:extLst>
+              <a:ext uri="{FF2B5EF4-FFF2-40B4-BE49-F238E27FC236}">
+                <a16:creationId xmlns:a16="http://schemas.microsoft.com/office/drawing/2014/main" id="{3F07B5E9-93C6-4C54-8F8A-D4590BD44468}"/>
+              </a:ext>
+            </a:extLst>
+          </p:cNvPr>
+          <p:cNvSpPr/>
+          <p:nvPr/>
+        </p:nvSpPr>
+        <p:spPr>
+          <a:xfrm>
+            <a:off x="6341090" y="3260567"/>
+            <a:ext cx="2807376" cy="353489"/>
+          </a:xfrm>
+          <a:prstGeom prst="roundRect">
+            <a:avLst/>
+          </a:prstGeom>
+          <a:solidFill>
+            <a:schemeClr val="accent6">
+              <a:lumMod val="60000"/>
+              <a:lumOff val="40000"/>
+            </a:schemeClr>
+          </a:solidFill>
+          <a:ln>
+            <a:noFill/>
+            <a:prstDash val="dash"/>
+          </a:ln>
+        </p:spPr>
+        <p:style>
+          <a:lnRef idx="2">
+            <a:schemeClr val="accent1">
+              <a:shade val="50000"/>
+            </a:schemeClr>
+          </a:lnRef>
+          <a:fillRef idx="1">
+            <a:schemeClr val="accent1"/>
+          </a:fillRef>
+          <a:effectRef idx="0">
+            <a:schemeClr val="accent1"/>
+          </a:effectRef>
+          <a:fontRef idx="minor">
+            <a:schemeClr val="lt1"/>
+          </a:fontRef>
+        </p:style>
+        <p:txBody>
+          <a:bodyPr rtlCol="0" anchor="ctr"/>
+          <a:lstStyle/>
+          <a:p>
+            <a:r>
+              <a:rPr lang="en-US" altLang="zh-CN" sz="1000" dirty="0">
+                <a:latin typeface="Arial Black" panose="020B0A04020102020204" pitchFamily="34" charset="0"/>
+              </a:rPr>
+              <a:t>*: RegisterListener</a:t>
+            </a:r>
+            <a:endParaRPr lang="zh-CN" altLang="en-US" sz="1000" dirty="0">
+              <a:latin typeface="Arial Black" panose="020B0A04020102020204" pitchFamily="34" charset="0"/>
+            </a:endParaRPr>
+          </a:p>
+        </p:txBody>
+      </p:sp>
+      <p:sp>
+        <p:nvSpPr>
+          <p:cNvPr id="31" name="Rectangle: Rounded Corners 30">
+            <a:extLst>
+              <a:ext uri="{FF2B5EF4-FFF2-40B4-BE49-F238E27FC236}">
+                <a16:creationId xmlns:a16="http://schemas.microsoft.com/office/drawing/2014/main" id="{194DD8E0-DCCC-40CB-B71B-8441CF2708AB}"/>
+              </a:ext>
+            </a:extLst>
+          </p:cNvPr>
+          <p:cNvSpPr/>
+          <p:nvPr/>
+        </p:nvSpPr>
+        <p:spPr>
+          <a:xfrm>
+            <a:off x="6341090" y="3652239"/>
+            <a:ext cx="2807376" cy="353489"/>
+          </a:xfrm>
+          <a:prstGeom prst="roundRect">
+            <a:avLst/>
+          </a:prstGeom>
+          <a:solidFill>
+            <a:schemeClr val="accent6">
+              <a:lumMod val="60000"/>
+              <a:lumOff val="40000"/>
+            </a:schemeClr>
+          </a:solidFill>
+          <a:ln>
+            <a:noFill/>
+            <a:prstDash val="dash"/>
+          </a:ln>
+        </p:spPr>
+        <p:style>
+          <a:lnRef idx="2">
+            <a:schemeClr val="accent1">
+              <a:shade val="50000"/>
+            </a:schemeClr>
+          </a:lnRef>
+          <a:fillRef idx="1">
+            <a:schemeClr val="accent1"/>
+          </a:fillRef>
+          <a:effectRef idx="0">
+            <a:schemeClr val="accent1"/>
+          </a:effectRef>
+          <a:fontRef idx="minor">
+            <a:schemeClr val="lt1"/>
+          </a:fontRef>
+        </p:style>
+        <p:txBody>
+          <a:bodyPr rtlCol="0" anchor="ctr"/>
+          <a:lstStyle/>
+          <a:p>
+            <a:r>
+              <a:rPr lang="en-US" altLang="zh-CN" sz="1000" dirty="0">
+                <a:latin typeface="Arial Black" panose="020B0A04020102020204" pitchFamily="34" charset="0"/>
+              </a:rPr>
+              <a:t>*: UnregisterListener</a:t>
+            </a:r>
+            <a:endParaRPr lang="zh-CN" altLang="en-US" sz="1000" dirty="0">
+              <a:latin typeface="Arial Black" panose="020B0A04020102020204" pitchFamily="34" charset="0"/>
+            </a:endParaRPr>
+          </a:p>
+        </p:txBody>
+      </p:sp>
+    </p:spTree>
+    <p:extLst>
+      <p:ext uri="{BB962C8B-B14F-4D97-AF65-F5344CB8AC3E}">
+        <p14:creationId xmlns:p14="http://schemas.microsoft.com/office/powerpoint/2010/main" val="606250742"/>
+      </p:ext>
+    </p:extLst>
+  </p:cSld>
+  <p:clrMapOvr>
+    <a:masterClrMapping/>
+  </p:clrMapOvr>
+</p:sld>
+</file>
+
+<file path=ppt/slides/slide32.xml><?xml version="1.0" encoding="utf-8"?>
+<p:sld xmlns:a="http://schemas.openxmlformats.org/drawingml/2006/main" xmlns:r="http://schemas.openxmlformats.org/officeDocument/2006/relationships" xmlns:p="http://schemas.openxmlformats.org/presentationml/2006/main">
+  <p:cSld>
+    <p:spTree>
+      <p:nvGrpSpPr>
+        <p:cNvPr id="1" name=""/>
+        <p:cNvGrpSpPr/>
+        <p:nvPr/>
+      </p:nvGrpSpPr>
+      <p:grpSpPr>
+        <a:xfrm>
+          <a:off x="0" y="0"/>
+          <a:ext cx="0" cy="0"/>
+          <a:chOff x="0" y="0"/>
+          <a:chExt cx="0" cy="0"/>
+        </a:xfrm>
+      </p:grpSpPr>
+      <p:sp>
+        <p:nvSpPr>
+          <p:cNvPr id="2" name="TextBox 1">
+            <a:extLst>
+              <a:ext uri="{FF2B5EF4-FFF2-40B4-BE49-F238E27FC236}">
+                <a16:creationId xmlns:a16="http://schemas.microsoft.com/office/drawing/2014/main" id="{6616D8AB-9DB0-4F58-B6DE-0689A6510426}"/>
+              </a:ext>
+            </a:extLst>
+          </p:cNvPr>
+          <p:cNvSpPr txBox="1"/>
+          <p:nvPr/>
+        </p:nvSpPr>
+        <p:spPr>
+          <a:xfrm>
+            <a:off x="562708" y="432079"/>
+            <a:ext cx="1571264" cy="369332"/>
+          </a:xfrm>
+          <a:prstGeom prst="rect">
+            <a:avLst/>
+          </a:prstGeom>
+          <a:noFill/>
+        </p:spPr>
+        <p:txBody>
+          <a:bodyPr wrap="none" rtlCol="0">
+            <a:spAutoFit/>
+          </a:bodyPr>
+          <a:lstStyle/>
+          <a:p>
+            <a:r>
+              <a:rPr lang="en-US" altLang="zh-CN" dirty="0">
+                <a:latin typeface="Clarendon Blk BT" panose="02040905050505020204" pitchFamily="18" charset="0"/>
+              </a:rPr>
+              <a:t>PGListener</a:t>
+            </a:r>
+            <a:endParaRPr lang="zh-CN" altLang="en-US" dirty="0">
+              <a:latin typeface="Clarendon Blk BT" panose="02040905050505020204" pitchFamily="18" charset="0"/>
+            </a:endParaRPr>
+          </a:p>
+        </p:txBody>
+      </p:sp>
+      <p:sp>
+        <p:nvSpPr>
+          <p:cNvPr id="20" name="Rectangle: Diagonal Corners Rounded 19">
+            <a:extLst>
+              <a:ext uri="{FF2B5EF4-FFF2-40B4-BE49-F238E27FC236}">
+                <a16:creationId xmlns:a16="http://schemas.microsoft.com/office/drawing/2014/main" id="{56D5BA8E-739B-4034-BFE6-0ACBB3A95E60}"/>
+              </a:ext>
+            </a:extLst>
+          </p:cNvPr>
+          <p:cNvSpPr/>
+          <p:nvPr/>
+        </p:nvSpPr>
+        <p:spPr>
+          <a:xfrm>
+            <a:off x="562708" y="850204"/>
+            <a:ext cx="2807376" cy="2096372"/>
+          </a:xfrm>
+          <a:prstGeom prst="round2DiagRect">
+            <a:avLst>
+              <a:gd name="adj1" fmla="val 6397"/>
+              <a:gd name="adj2" fmla="val 4890"/>
+            </a:avLst>
+          </a:prstGeom>
+          <a:solidFill>
+            <a:schemeClr val="accent1">
+              <a:lumMod val="60000"/>
+              <a:lumOff val="40000"/>
+            </a:schemeClr>
+          </a:solidFill>
+          <a:ln w="9525">
+            <a:prstDash val="dash"/>
+          </a:ln>
+        </p:spPr>
+        <p:style>
+          <a:lnRef idx="2">
+            <a:schemeClr val="accent1">
+              <a:shade val="50000"/>
+            </a:schemeClr>
+          </a:lnRef>
+          <a:fillRef idx="1">
+            <a:schemeClr val="accent1"/>
+          </a:fillRef>
+          <a:effectRef idx="0">
+            <a:schemeClr val="accent1"/>
+          </a:effectRef>
+          <a:fontRef idx="minor">
+            <a:schemeClr val="lt1"/>
+          </a:fontRef>
+        </p:style>
+        <p:txBody>
+          <a:bodyPr rtlCol="0" anchor="t" anchorCtr="1"/>
+          <a:lstStyle/>
+          <a:p>
+            <a:pPr algn="ctr"/>
+            <a:r>
+              <a:rPr lang="en-US" altLang="zh-CN" dirty="0">
+                <a:latin typeface="Britannic Bold" panose="020B0903060703020204" pitchFamily="34" charset="0"/>
+              </a:rPr>
+              <a:t>CListener</a:t>
+            </a:r>
+            <a:endParaRPr lang="zh-CN" altLang="en-US" dirty="0">
+              <a:latin typeface="Britannic Bold" panose="020B0903060703020204" pitchFamily="34" charset="0"/>
+            </a:endParaRPr>
+          </a:p>
+        </p:txBody>
+      </p:sp>
+      <p:sp>
+        <p:nvSpPr>
+          <p:cNvPr id="34" name="Rectangle: Rounded Corners 33">
+            <a:extLst>
+              <a:ext uri="{FF2B5EF4-FFF2-40B4-BE49-F238E27FC236}">
+                <a16:creationId xmlns:a16="http://schemas.microsoft.com/office/drawing/2014/main" id="{387D6FE2-F6DC-42DB-95F4-E30A7E489605}"/>
+              </a:ext>
+            </a:extLst>
+          </p:cNvPr>
+          <p:cNvSpPr/>
+          <p:nvPr/>
+        </p:nvSpPr>
+        <p:spPr>
+          <a:xfrm>
+            <a:off x="562708" y="1349884"/>
+            <a:ext cx="2807376" cy="334986"/>
+          </a:xfrm>
+          <a:prstGeom prst="roundRect">
+            <a:avLst/>
+          </a:prstGeom>
+          <a:solidFill>
+            <a:schemeClr val="accent6">
+              <a:lumMod val="60000"/>
+              <a:lumOff val="40000"/>
+            </a:schemeClr>
+          </a:solidFill>
+          <a:ln w="12700" cmpd="sng">
+            <a:solidFill>
+              <a:srgbClr val="FF0000"/>
+            </a:solidFill>
+            <a:prstDash val="dash"/>
+          </a:ln>
+        </p:spPr>
+        <p:style>
+          <a:lnRef idx="2">
+            <a:schemeClr val="accent1">
+              <a:shade val="50000"/>
+            </a:schemeClr>
+          </a:lnRef>
+          <a:fillRef idx="1">
+            <a:schemeClr val="accent1"/>
+          </a:fillRef>
+          <a:effectRef idx="0">
+            <a:schemeClr val="accent1"/>
+          </a:effectRef>
+          <a:fontRef idx="minor">
+            <a:schemeClr val="lt1"/>
+          </a:fontRef>
+        </p:style>
+        <p:txBody>
+          <a:bodyPr rtlCol="0" anchor="ctr"/>
+          <a:lstStyle/>
+          <a:p>
+            <a:pPr algn="ctr"/>
+            <a:r>
+              <a:rPr lang="en-US" altLang="zh-CN" sz="1400" dirty="0">
+                <a:latin typeface="Arial Black" panose="020B0A04020102020204" pitchFamily="34" charset="0"/>
+              </a:rPr>
+              <a:t>OnEventFired</a:t>
+            </a:r>
+            <a:endParaRPr lang="zh-CN" altLang="en-US" sz="1400" dirty="0">
+              <a:latin typeface="Arial Black" panose="020B0A04020102020204" pitchFamily="34" charset="0"/>
+            </a:endParaRPr>
+          </a:p>
+        </p:txBody>
+      </p:sp>
     </p:spTree>
     <p:extLst>
       <p:ext uri="{BB962C8B-B14F-4D97-AF65-F5344CB8AC3E}">
@@ -25674,7 +29275,7 @@
 </p:sld>
 </file>
 
-<file path=ppt/slides/slide31.xml><?xml version="1.0" encoding="utf-8"?>
+<file path=ppt/slides/slide33.xml><?xml version="1.0" encoding="utf-8"?>
 <p:sld xmlns:a="http://schemas.openxmlformats.org/drawingml/2006/main" xmlns:r="http://schemas.openxmlformats.org/officeDocument/2006/relationships" xmlns:p="http://schemas.openxmlformats.org/presentationml/2006/main">
   <p:cSld>
     <p:spTree>

--- a/docs.pptx
+++ b/docs.pptx
@@ -5,10 +5,10 @@
     <p:sldMasterId id="2147483648" r:id="rId1"/>
   </p:sldMasterIdLst>
   <p:notesMasterIdLst>
-    <p:notesMasterId r:id="rId43"/>
+    <p:notesMasterId r:id="rId46"/>
   </p:notesMasterIdLst>
   <p:handoutMasterIdLst>
-    <p:handoutMasterId r:id="rId44"/>
+    <p:handoutMasterId r:id="rId47"/>
   </p:handoutMasterIdLst>
   <p:sldIdLst>
     <p:sldId id="293" r:id="rId2"/>
@@ -48,10 +48,13 @@
     <p:sldId id="277" r:id="rId36"/>
     <p:sldId id="311" r:id="rId37"/>
     <p:sldId id="314" r:id="rId38"/>
-    <p:sldId id="315" r:id="rId39"/>
-    <p:sldId id="316" r:id="rId40"/>
-    <p:sldId id="313" r:id="rId41"/>
-    <p:sldId id="312" r:id="rId42"/>
+    <p:sldId id="319" r:id="rId39"/>
+    <p:sldId id="315" r:id="rId40"/>
+    <p:sldId id="317" r:id="rId41"/>
+    <p:sldId id="318" r:id="rId42"/>
+    <p:sldId id="316" r:id="rId43"/>
+    <p:sldId id="313" r:id="rId44"/>
+    <p:sldId id="312" r:id="rId45"/>
   </p:sldIdLst>
   <p:sldSz cx="12192000" cy="6858000"/>
   <p:notesSz cx="6858000" cy="9144000"/>
@@ -3520,7 +3523,7 @@
     </p:spTree>
     <p:extLst>
       <p:ext uri="{BB962C8B-B14F-4D97-AF65-F5344CB8AC3E}">
-        <p14:creationId xmlns:p14="http://schemas.microsoft.com/office/powerpoint/2010/main" val="986135874"/>
+        <p14:creationId xmlns:p14="http://schemas.microsoft.com/office/powerpoint/2010/main" val="933016605"/>
       </p:ext>
     </p:extLst>
   </p:cSld>
@@ -3627,7 +3630,7 @@
     </p:spTree>
     <p:extLst>
       <p:ext uri="{BB962C8B-B14F-4D97-AF65-F5344CB8AC3E}">
-        <p14:creationId xmlns:p14="http://schemas.microsoft.com/office/powerpoint/2010/main" val="518657317"/>
+        <p14:creationId xmlns:p14="http://schemas.microsoft.com/office/powerpoint/2010/main" val="986135874"/>
       </p:ext>
     </p:extLst>
   </p:cSld>
@@ -3734,6 +3737,327 @@
     </p:spTree>
     <p:extLst>
       <p:ext uri="{BB962C8B-B14F-4D97-AF65-F5344CB8AC3E}">
+        <p14:creationId xmlns:p14="http://schemas.microsoft.com/office/powerpoint/2010/main" val="757264589"/>
+      </p:ext>
+    </p:extLst>
+  </p:cSld>
+  <p:clrMapOvr>
+    <a:masterClrMapping/>
+  </p:clrMapOvr>
+</p:notes>
+</file>
+
+<file path=ppt/notesSlides/notesSlide35.xml><?xml version="1.0" encoding="utf-8"?>
+<p:notes xmlns:a="http://schemas.openxmlformats.org/drawingml/2006/main" xmlns:r="http://schemas.openxmlformats.org/officeDocument/2006/relationships" xmlns:p="http://schemas.openxmlformats.org/presentationml/2006/main">
+  <p:cSld>
+    <p:spTree>
+      <p:nvGrpSpPr>
+        <p:cNvPr id="1" name=""/>
+        <p:cNvGrpSpPr/>
+        <p:nvPr/>
+      </p:nvGrpSpPr>
+      <p:grpSpPr>
+        <a:xfrm>
+          <a:off x="0" y="0"/>
+          <a:ext cx="0" cy="0"/>
+          <a:chOff x="0" y="0"/>
+          <a:chExt cx="0" cy="0"/>
+        </a:xfrm>
+      </p:grpSpPr>
+      <p:sp>
+        <p:nvSpPr>
+          <p:cNvPr id="2" name="Slide Image Placeholder 1"/>
+          <p:cNvSpPr>
+            <a:spLocks noGrp="1" noRot="1" noChangeAspect="1"/>
+          </p:cNvSpPr>
+          <p:nvPr>
+            <p:ph type="sldImg"/>
+          </p:nvPr>
+        </p:nvSpPr>
+        <p:spPr/>
+      </p:sp>
+      <p:sp>
+        <p:nvSpPr>
+          <p:cNvPr id="3" name="Notes Placeholder 2"/>
+          <p:cNvSpPr>
+            <a:spLocks noGrp="1"/>
+          </p:cNvSpPr>
+          <p:nvPr>
+            <p:ph type="body" idx="1"/>
+          </p:nvPr>
+        </p:nvSpPr>
+        <p:spPr/>
+        <p:txBody>
+          <a:bodyPr/>
+          <a:lstStyle/>
+          <a:p>
+            <a:pPr marL="0" marR="0" lvl="0" indent="0" algn="l" defTabSz="914400" rtl="0" eaLnBrk="1" fontAlgn="auto" latinLnBrk="0" hangingPunct="1">
+              <a:lnSpc>
+                <a:spcPct val="100000"/>
+              </a:lnSpc>
+              <a:spcBef>
+                <a:spcPts val="0"/>
+              </a:spcBef>
+              <a:spcAft>
+                <a:spcPts val="0"/>
+              </a:spcAft>
+              <a:buClrTx/>
+              <a:buSzTx/>
+              <a:buFontTx/>
+              <a:buNone/>
+              <a:tabLst/>
+              <a:defRPr/>
+            </a:pPr>
+            <a:endParaRPr lang="en-US" altLang="zh-CN" dirty="0"/>
+          </a:p>
+        </p:txBody>
+      </p:sp>
+      <p:sp>
+        <p:nvSpPr>
+          <p:cNvPr id="5" name="Header Placeholder 4">
+            <a:extLst>
+              <a:ext uri="{FF2B5EF4-FFF2-40B4-BE49-F238E27FC236}">
+                <a16:creationId xmlns:a16="http://schemas.microsoft.com/office/drawing/2014/main" id="{8B210C9E-C718-46D6-ABB0-7C4CD2082A98}"/>
+              </a:ext>
+            </a:extLst>
+          </p:cNvPr>
+          <p:cNvSpPr>
+            <a:spLocks noGrp="1"/>
+          </p:cNvSpPr>
+          <p:nvPr>
+            <p:ph type="hdr" sz="quarter" idx="10"/>
+          </p:nvPr>
+        </p:nvSpPr>
+        <p:spPr/>
+        <p:txBody>
+          <a:bodyPr/>
+          <a:lstStyle/>
+          <a:p>
+            <a:r>
+              <a:rPr lang="en-US" altLang="zh-CN"/>
+              <a:t>USE CASE</a:t>
+            </a:r>
+            <a:endParaRPr lang="zh-CN" altLang="en-US"/>
+          </a:p>
+        </p:txBody>
+      </p:sp>
+    </p:spTree>
+    <p:extLst>
+      <p:ext uri="{BB962C8B-B14F-4D97-AF65-F5344CB8AC3E}">
+        <p14:creationId xmlns:p14="http://schemas.microsoft.com/office/powerpoint/2010/main" val="674625608"/>
+      </p:ext>
+    </p:extLst>
+  </p:cSld>
+  <p:clrMapOvr>
+    <a:masterClrMapping/>
+  </p:clrMapOvr>
+</p:notes>
+</file>
+
+<file path=ppt/notesSlides/notesSlide36.xml><?xml version="1.0" encoding="utf-8"?>
+<p:notes xmlns:a="http://schemas.openxmlformats.org/drawingml/2006/main" xmlns:r="http://schemas.openxmlformats.org/officeDocument/2006/relationships" xmlns:p="http://schemas.openxmlformats.org/presentationml/2006/main">
+  <p:cSld>
+    <p:spTree>
+      <p:nvGrpSpPr>
+        <p:cNvPr id="1" name=""/>
+        <p:cNvGrpSpPr/>
+        <p:nvPr/>
+      </p:nvGrpSpPr>
+      <p:grpSpPr>
+        <a:xfrm>
+          <a:off x="0" y="0"/>
+          <a:ext cx="0" cy="0"/>
+          <a:chOff x="0" y="0"/>
+          <a:chExt cx="0" cy="0"/>
+        </a:xfrm>
+      </p:grpSpPr>
+      <p:sp>
+        <p:nvSpPr>
+          <p:cNvPr id="2" name="Slide Image Placeholder 1"/>
+          <p:cNvSpPr>
+            <a:spLocks noGrp="1" noRot="1" noChangeAspect="1"/>
+          </p:cNvSpPr>
+          <p:nvPr>
+            <p:ph type="sldImg"/>
+          </p:nvPr>
+        </p:nvSpPr>
+        <p:spPr/>
+      </p:sp>
+      <p:sp>
+        <p:nvSpPr>
+          <p:cNvPr id="3" name="Notes Placeholder 2"/>
+          <p:cNvSpPr>
+            <a:spLocks noGrp="1"/>
+          </p:cNvSpPr>
+          <p:nvPr>
+            <p:ph type="body" idx="1"/>
+          </p:nvPr>
+        </p:nvSpPr>
+        <p:spPr/>
+        <p:txBody>
+          <a:bodyPr/>
+          <a:lstStyle/>
+          <a:p>
+            <a:pPr marL="0" marR="0" lvl="0" indent="0" algn="l" defTabSz="914400" rtl="0" eaLnBrk="1" fontAlgn="auto" latinLnBrk="0" hangingPunct="1">
+              <a:lnSpc>
+                <a:spcPct val="100000"/>
+              </a:lnSpc>
+              <a:spcBef>
+                <a:spcPts val="0"/>
+              </a:spcBef>
+              <a:spcAft>
+                <a:spcPts val="0"/>
+              </a:spcAft>
+              <a:buClrTx/>
+              <a:buSzTx/>
+              <a:buFontTx/>
+              <a:buNone/>
+              <a:tabLst/>
+              <a:defRPr/>
+            </a:pPr>
+            <a:endParaRPr lang="en-US" altLang="zh-CN" dirty="0"/>
+          </a:p>
+        </p:txBody>
+      </p:sp>
+      <p:sp>
+        <p:nvSpPr>
+          <p:cNvPr id="5" name="Header Placeholder 4">
+            <a:extLst>
+              <a:ext uri="{FF2B5EF4-FFF2-40B4-BE49-F238E27FC236}">
+                <a16:creationId xmlns:a16="http://schemas.microsoft.com/office/drawing/2014/main" id="{8B210C9E-C718-46D6-ABB0-7C4CD2082A98}"/>
+              </a:ext>
+            </a:extLst>
+          </p:cNvPr>
+          <p:cNvSpPr>
+            <a:spLocks noGrp="1"/>
+          </p:cNvSpPr>
+          <p:nvPr>
+            <p:ph type="hdr" sz="quarter" idx="10"/>
+          </p:nvPr>
+        </p:nvSpPr>
+        <p:spPr/>
+        <p:txBody>
+          <a:bodyPr/>
+          <a:lstStyle/>
+          <a:p>
+            <a:r>
+              <a:rPr lang="en-US" altLang="zh-CN"/>
+              <a:t>USE CASE</a:t>
+            </a:r>
+            <a:endParaRPr lang="zh-CN" altLang="en-US"/>
+          </a:p>
+        </p:txBody>
+      </p:sp>
+    </p:spTree>
+    <p:extLst>
+      <p:ext uri="{BB962C8B-B14F-4D97-AF65-F5344CB8AC3E}">
+        <p14:creationId xmlns:p14="http://schemas.microsoft.com/office/powerpoint/2010/main" val="518657317"/>
+      </p:ext>
+    </p:extLst>
+  </p:cSld>
+  <p:clrMapOvr>
+    <a:masterClrMapping/>
+  </p:clrMapOvr>
+</p:notes>
+</file>
+
+<file path=ppt/notesSlides/notesSlide37.xml><?xml version="1.0" encoding="utf-8"?>
+<p:notes xmlns:a="http://schemas.openxmlformats.org/drawingml/2006/main" xmlns:r="http://schemas.openxmlformats.org/officeDocument/2006/relationships" xmlns:p="http://schemas.openxmlformats.org/presentationml/2006/main">
+  <p:cSld>
+    <p:spTree>
+      <p:nvGrpSpPr>
+        <p:cNvPr id="1" name=""/>
+        <p:cNvGrpSpPr/>
+        <p:nvPr/>
+      </p:nvGrpSpPr>
+      <p:grpSpPr>
+        <a:xfrm>
+          <a:off x="0" y="0"/>
+          <a:ext cx="0" cy="0"/>
+          <a:chOff x="0" y="0"/>
+          <a:chExt cx="0" cy="0"/>
+        </a:xfrm>
+      </p:grpSpPr>
+      <p:sp>
+        <p:nvSpPr>
+          <p:cNvPr id="2" name="Slide Image Placeholder 1"/>
+          <p:cNvSpPr>
+            <a:spLocks noGrp="1" noRot="1" noChangeAspect="1"/>
+          </p:cNvSpPr>
+          <p:nvPr>
+            <p:ph type="sldImg"/>
+          </p:nvPr>
+        </p:nvSpPr>
+        <p:spPr/>
+      </p:sp>
+      <p:sp>
+        <p:nvSpPr>
+          <p:cNvPr id="3" name="Notes Placeholder 2"/>
+          <p:cNvSpPr>
+            <a:spLocks noGrp="1"/>
+          </p:cNvSpPr>
+          <p:nvPr>
+            <p:ph type="body" idx="1"/>
+          </p:nvPr>
+        </p:nvSpPr>
+        <p:spPr/>
+        <p:txBody>
+          <a:bodyPr/>
+          <a:lstStyle/>
+          <a:p>
+            <a:pPr marL="0" marR="0" lvl="0" indent="0" algn="l" defTabSz="914400" rtl="0" eaLnBrk="1" fontAlgn="auto" latinLnBrk="0" hangingPunct="1">
+              <a:lnSpc>
+                <a:spcPct val="100000"/>
+              </a:lnSpc>
+              <a:spcBef>
+                <a:spcPts val="0"/>
+              </a:spcBef>
+              <a:spcAft>
+                <a:spcPts val="0"/>
+              </a:spcAft>
+              <a:buClrTx/>
+              <a:buSzTx/>
+              <a:buFontTx/>
+              <a:buNone/>
+              <a:tabLst/>
+              <a:defRPr/>
+            </a:pPr>
+            <a:endParaRPr lang="en-US" altLang="zh-CN" dirty="0"/>
+          </a:p>
+        </p:txBody>
+      </p:sp>
+      <p:sp>
+        <p:nvSpPr>
+          <p:cNvPr id="5" name="Header Placeholder 4">
+            <a:extLst>
+              <a:ext uri="{FF2B5EF4-FFF2-40B4-BE49-F238E27FC236}">
+                <a16:creationId xmlns:a16="http://schemas.microsoft.com/office/drawing/2014/main" id="{8B210C9E-C718-46D6-ABB0-7C4CD2082A98}"/>
+              </a:ext>
+            </a:extLst>
+          </p:cNvPr>
+          <p:cNvSpPr>
+            <a:spLocks noGrp="1"/>
+          </p:cNvSpPr>
+          <p:nvPr>
+            <p:ph type="hdr" sz="quarter" idx="10"/>
+          </p:nvPr>
+        </p:nvSpPr>
+        <p:spPr/>
+        <p:txBody>
+          <a:bodyPr/>
+          <a:lstStyle/>
+          <a:p>
+            <a:r>
+              <a:rPr lang="en-US" altLang="zh-CN"/>
+              <a:t>USE CASE</a:t>
+            </a:r>
+            <a:endParaRPr lang="zh-CN" altLang="en-US"/>
+          </a:p>
+        </p:txBody>
+      </p:sp>
+    </p:spTree>
+    <p:extLst>
+      <p:ext uri="{BB962C8B-B14F-4D97-AF65-F5344CB8AC3E}">
         <p14:creationId xmlns:p14="http://schemas.microsoft.com/office/powerpoint/2010/main" val="4240301719"/>
       </p:ext>
     </p:extLst>
@@ -3744,7 +4068,7 @@
 </p:notes>
 </file>
 
-<file path=ppt/notesSlides/notesSlide35.xml><?xml version="1.0" encoding="utf-8"?>
+<file path=ppt/notesSlides/notesSlide38.xml><?xml version="1.0" encoding="utf-8"?>
 <p:notes xmlns:a="http://schemas.openxmlformats.org/drawingml/2006/main" xmlns:r="http://schemas.openxmlformats.org/officeDocument/2006/relationships" xmlns:p="http://schemas.openxmlformats.org/presentationml/2006/main">
   <p:cSld>
     <p:spTree>
@@ -4635,7 +4959,7 @@
           <a:p>
             <a:fld id="{B2CAF260-C6E5-43C1-AB7D-1DDC31487812}" type="datetime1">
               <a:rPr lang="zh-CN" altLang="en-US" smtClean="0"/>
-              <a:t>2018/10/26</a:t>
+              <a:t>2018/10/29</a:t>
             </a:fld>
             <a:endParaRPr lang="zh-CN" altLang="en-US"/>
           </a:p>
@@ -4835,7 +5159,7 @@
           <a:p>
             <a:fld id="{E2FDE29B-B267-43B7-911F-8B7B5178DAAA}" type="datetime1">
               <a:rPr lang="zh-CN" altLang="en-US" smtClean="0"/>
-              <a:t>2018/10/26</a:t>
+              <a:t>2018/10/29</a:t>
             </a:fld>
             <a:endParaRPr lang="zh-CN" altLang="en-US"/>
           </a:p>
@@ -5045,7 +5369,7 @@
           <a:p>
             <a:fld id="{58F69AEE-EBB5-4094-A036-258B6CD5A691}" type="datetime1">
               <a:rPr lang="zh-CN" altLang="en-US" smtClean="0"/>
-              <a:t>2018/10/26</a:t>
+              <a:t>2018/10/29</a:t>
             </a:fld>
             <a:endParaRPr lang="zh-CN" altLang="en-US"/>
           </a:p>
@@ -5245,7 +5569,7 @@
           <a:p>
             <a:fld id="{EA0C55B6-15F8-47F2-BA17-6667D0884E94}" type="datetime1">
               <a:rPr lang="zh-CN" altLang="en-US" smtClean="0"/>
-              <a:t>2018/10/26</a:t>
+              <a:t>2018/10/29</a:t>
             </a:fld>
             <a:endParaRPr lang="zh-CN" altLang="en-US"/>
           </a:p>
@@ -5521,7 +5845,7 @@
           <a:p>
             <a:fld id="{E16475AB-DF1D-43B5-9314-A34969FDFCF1}" type="datetime1">
               <a:rPr lang="zh-CN" altLang="en-US" smtClean="0"/>
-              <a:t>2018/10/26</a:t>
+              <a:t>2018/10/29</a:t>
             </a:fld>
             <a:endParaRPr lang="zh-CN" altLang="en-US"/>
           </a:p>
@@ -5789,7 +6113,7 @@
           <a:p>
             <a:fld id="{3767A592-7E27-4E7D-A9C7-3B15B36FAD3A}" type="datetime1">
               <a:rPr lang="zh-CN" altLang="en-US" smtClean="0"/>
-              <a:t>2018/10/26</a:t>
+              <a:t>2018/10/29</a:t>
             </a:fld>
             <a:endParaRPr lang="zh-CN" altLang="en-US"/>
           </a:p>
@@ -6204,7 +6528,7 @@
           <a:p>
             <a:fld id="{7901F99E-C60E-4183-B8FD-840AF5CE3B57}" type="datetime1">
               <a:rPr lang="zh-CN" altLang="en-US" smtClean="0"/>
-              <a:t>2018/10/26</a:t>
+              <a:t>2018/10/29</a:t>
             </a:fld>
             <a:endParaRPr lang="zh-CN" altLang="en-US"/>
           </a:p>
@@ -6346,7 +6670,7 @@
           <a:p>
             <a:fld id="{7B195C80-D524-46BD-98B6-BA22A34855F7}" type="datetime1">
               <a:rPr lang="zh-CN" altLang="en-US" smtClean="0"/>
-              <a:t>2018/10/26</a:t>
+              <a:t>2018/10/29</a:t>
             </a:fld>
             <a:endParaRPr lang="zh-CN" altLang="en-US"/>
           </a:p>
@@ -6459,7 +6783,7 @@
           <a:p>
             <a:fld id="{B58FE623-1036-4545-9983-CC7ABA14B150}" type="datetime1">
               <a:rPr lang="zh-CN" altLang="en-US" smtClean="0"/>
-              <a:t>2018/10/26</a:t>
+              <a:t>2018/10/29</a:t>
             </a:fld>
             <a:endParaRPr lang="zh-CN" altLang="en-US"/>
           </a:p>
@@ -6772,7 +7096,7 @@
           <a:p>
             <a:fld id="{CA65BC31-ADFA-4939-ADF1-A57605AB2556}" type="datetime1">
               <a:rPr lang="zh-CN" altLang="en-US" smtClean="0"/>
-              <a:t>2018/10/26</a:t>
+              <a:t>2018/10/29</a:t>
             </a:fld>
             <a:endParaRPr lang="zh-CN" altLang="en-US"/>
           </a:p>
@@ -7061,7 +7385,7 @@
           <a:p>
             <a:fld id="{40F03ED0-6E5F-48BB-90A8-AD1EC3E9AF09}" type="datetime1">
               <a:rPr lang="zh-CN" altLang="en-US" smtClean="0"/>
-              <a:t>2018/10/26</a:t>
+              <a:t>2018/10/29</a:t>
             </a:fld>
             <a:endParaRPr lang="zh-CN" altLang="en-US"/>
           </a:p>
@@ -7304,7 +7628,7 @@
           <a:p>
             <a:fld id="{7BE51BE7-2DB2-422B-A0F1-EEC574E16519}" type="datetime1">
               <a:rPr lang="zh-CN" altLang="en-US" smtClean="0"/>
-              <a:t>2018/10/26</a:t>
+              <a:t>2018/10/29</a:t>
             </a:fld>
             <a:endParaRPr lang="zh-CN" altLang="en-US"/>
           </a:p>
@@ -8627,6 +8951,64 @@
                 <a:latin typeface="Clarendon Blk BT" panose="02040905050505020204" pitchFamily="18" charset="0"/>
               </a:rPr>
               <a:t>RFC8421 : Guidelines for Multihomed</a:t>
+            </a:r>
+            <a:endParaRPr lang="zh-CN" altLang="en-US" dirty="0">
+              <a:solidFill>
+                <a:schemeClr val="tx2"/>
+              </a:solidFill>
+              <a:latin typeface="Clarendon Blk BT" panose="02040905050505020204" pitchFamily="18" charset="0"/>
+            </a:endParaRPr>
+          </a:p>
+        </p:txBody>
+      </p:sp>
+      <p:sp>
+        <p:nvSpPr>
+          <p:cNvPr id="20" name="Rectangle: Folded Corner 19">
+            <a:extLst>
+              <a:ext uri="{FF2B5EF4-FFF2-40B4-BE49-F238E27FC236}">
+                <a16:creationId xmlns:a16="http://schemas.microsoft.com/office/drawing/2014/main" id="{35D0BF27-B524-4E56-81A6-76CFDC09DF0C}"/>
+              </a:ext>
+            </a:extLst>
+          </p:cNvPr>
+          <p:cNvSpPr/>
+          <p:nvPr/>
+        </p:nvSpPr>
+        <p:spPr>
+          <a:xfrm>
+            <a:off x="8148636" y="1387207"/>
+            <a:ext cx="2177379" cy="581024"/>
+          </a:xfrm>
+          <a:prstGeom prst="foldedCorner">
+            <a:avLst/>
+          </a:prstGeom>
+          <a:ln/>
+        </p:spPr>
+        <p:style>
+          <a:lnRef idx="1">
+            <a:schemeClr val="accent4"/>
+          </a:lnRef>
+          <a:fillRef idx="2">
+            <a:schemeClr val="accent4"/>
+          </a:fillRef>
+          <a:effectRef idx="1">
+            <a:schemeClr val="accent4"/>
+          </a:effectRef>
+          <a:fontRef idx="minor">
+            <a:schemeClr val="dk1"/>
+          </a:fontRef>
+        </p:style>
+        <p:txBody>
+          <a:bodyPr rtlCol="0" anchor="ctr"/>
+          <a:lstStyle/>
+          <a:p>
+            <a:r>
+              <a:rPr lang="en-US" altLang="zh-CN" dirty="0">
+                <a:solidFill>
+                  <a:schemeClr val="tx2"/>
+                </a:solidFill>
+                <a:latin typeface="Clarendon Blk BT" panose="02040905050505020204" pitchFamily="18" charset="0"/>
+              </a:rPr>
+              <a:t>RF7350:STUN</a:t>
             </a:r>
             <a:endParaRPr lang="zh-CN" altLang="en-US" dirty="0">
               <a:solidFill>
@@ -33566,10 +33948,10 @@
       </p:grpSpPr>
       <p:sp>
         <p:nvSpPr>
-          <p:cNvPr id="20" name="Rectangle: Rounded Corners 19">
-            <a:extLst>
-              <a:ext uri="{FF2B5EF4-FFF2-40B4-BE49-F238E27FC236}">
-                <a16:creationId xmlns:a16="http://schemas.microsoft.com/office/drawing/2014/main" id="{1D79BCF5-E941-434B-82E6-3272F5E572C9}"/>
+          <p:cNvPr id="8" name="Rectangle 7">
+            <a:extLst>
+              <a:ext uri="{FF2B5EF4-FFF2-40B4-BE49-F238E27FC236}">
+                <a16:creationId xmlns:a16="http://schemas.microsoft.com/office/drawing/2014/main" id="{FA0B2406-5CED-44F6-B211-C148AE94B32A}"/>
               </a:ext>
             </a:extLst>
           </p:cNvPr>
@@ -33578,8 +33960,54 @@
         </p:nvSpPr>
         <p:spPr>
           <a:xfrm>
-            <a:off x="653761" y="220025"/>
-            <a:ext cx="2171699" cy="408623"/>
+            <a:off x="5109385" y="559948"/>
+            <a:ext cx="45719" cy="6286502"/>
+          </a:xfrm>
+          <a:prstGeom prst="rect">
+            <a:avLst/>
+          </a:prstGeom>
+        </p:spPr>
+        <p:style>
+          <a:lnRef idx="2">
+            <a:schemeClr val="accent1">
+              <a:shade val="50000"/>
+            </a:schemeClr>
+          </a:lnRef>
+          <a:fillRef idx="1">
+            <a:schemeClr val="accent1"/>
+          </a:fillRef>
+          <a:effectRef idx="0">
+            <a:schemeClr val="accent1"/>
+          </a:effectRef>
+          <a:fontRef idx="minor">
+            <a:schemeClr val="lt1"/>
+          </a:fontRef>
+        </p:style>
+        <p:txBody>
+          <a:bodyPr rtlCol="0" anchor="ctr"/>
+          <a:lstStyle/>
+          <a:p>
+            <a:pPr algn="ctr"/>
+            <a:endParaRPr lang="zh-CN" altLang="en-US"/>
+          </a:p>
+        </p:txBody>
+      </p:sp>
+      <p:sp>
+        <p:nvSpPr>
+          <p:cNvPr id="52" name="Rectangle: Rounded Corners 51">
+            <a:extLst>
+              <a:ext uri="{FF2B5EF4-FFF2-40B4-BE49-F238E27FC236}">
+                <a16:creationId xmlns:a16="http://schemas.microsoft.com/office/drawing/2014/main" id="{D5FACC7C-35B2-4B01-8F1D-2800805B1174}"/>
+              </a:ext>
+            </a:extLst>
+          </p:cNvPr>
+          <p:cNvSpPr/>
+          <p:nvPr/>
+        </p:nvSpPr>
+        <p:spPr>
+          <a:xfrm>
+            <a:off x="4416137" y="136324"/>
+            <a:ext cx="1432214" cy="442674"/>
           </a:xfrm>
           <a:prstGeom prst="roundRect">
             <a:avLst/>
@@ -33600,26 +34028,26 @@
           </a:fontRef>
         </p:style>
         <p:txBody>
-          <a:bodyPr rtlCol="0" anchor="ctr">
+          <a:bodyPr wrap="square" rtlCol="0" anchor="ctr">
             <a:spAutoFit/>
           </a:bodyPr>
           <a:lstStyle/>
           <a:p>
             <a:r>
-              <a:rPr lang="en-US" altLang="zh-CN" dirty="0">
+              <a:rPr lang="en-US" altLang="zh-CN" sz="2000" dirty="0">
                 <a:latin typeface="Berlin Sans FB Demi" panose="020E0802020502020306" pitchFamily="34" charset="0"/>
               </a:rPr>
-              <a:t>L-server-reflexive</a:t>
-            </a:r>
-          </a:p>
-        </p:txBody>
-      </p:sp>
-      <p:sp>
-        <p:nvSpPr>
-          <p:cNvPr id="2" name="Cloud 1">
-            <a:extLst>
-              <a:ext uri="{FF2B5EF4-FFF2-40B4-BE49-F238E27FC236}">
-                <a16:creationId xmlns:a16="http://schemas.microsoft.com/office/drawing/2014/main" id="{7388FA17-301A-46D4-A1F1-D87FE8D84923}"/>
+              <a:t>candidate</a:t>
+            </a:r>
+          </a:p>
+        </p:txBody>
+      </p:sp>
+      <p:sp>
+        <p:nvSpPr>
+          <p:cNvPr id="55" name="Rectangle: Single Corner Rounded 54">
+            <a:extLst>
+              <a:ext uri="{FF2B5EF4-FFF2-40B4-BE49-F238E27FC236}">
+                <a16:creationId xmlns:a16="http://schemas.microsoft.com/office/drawing/2014/main" id="{A13D480D-1730-4030-9D40-871B5B74347F}"/>
               </a:ext>
             </a:extLst>
           </p:cNvPr>
@@ -33628,21 +34056,21 @@
         </p:nvSpPr>
         <p:spPr>
           <a:xfrm>
-            <a:off x="2825460" y="628648"/>
-            <a:ext cx="2078182" cy="1039091"/>
-          </a:xfrm>
-          <a:prstGeom prst="cloud">
+            <a:off x="5848351" y="740802"/>
+            <a:ext cx="1386495" cy="307777"/>
+          </a:xfrm>
+          <a:prstGeom prst="round1Rect">
             <a:avLst/>
           </a:prstGeom>
         </p:spPr>
         <p:style>
-          <a:lnRef idx="3">
-            <a:schemeClr val="lt1"/>
+          <a:lnRef idx="0">
+            <a:schemeClr val="accent6"/>
           </a:lnRef>
-          <a:fillRef idx="1">
+          <a:fillRef idx="3">
             <a:schemeClr val="accent6"/>
           </a:fillRef>
-          <a:effectRef idx="1">
+          <a:effectRef idx="3">
             <a:schemeClr val="accent6"/>
           </a:effectRef>
           <a:fontRef idx="minor">
@@ -33650,193 +34078,86 @@
           </a:fontRef>
         </p:style>
         <p:txBody>
-          <a:bodyPr rtlCol="0" anchor="ctr"/>
-          <a:lstStyle/>
-          <a:p>
-            <a:pPr algn="ctr"/>
-            <a:r>
-              <a:rPr lang="en-US" altLang="zh-CN" dirty="0">
-                <a:latin typeface="Berlin Sans FB Demi" panose="020E0802020502020306" pitchFamily="34" charset="0"/>
-              </a:rPr>
-              <a:t>stun-server</a:t>
-            </a:r>
-          </a:p>
-        </p:txBody>
-      </p:sp>
-      <p:cxnSp>
-        <p:nvCxnSpPr>
-          <p:cNvPr id="7" name="Straight Connector 6">
-            <a:extLst>
-              <a:ext uri="{FF2B5EF4-FFF2-40B4-BE49-F238E27FC236}">
-                <a16:creationId xmlns:a16="http://schemas.microsoft.com/office/drawing/2014/main" id="{B221311C-5B33-4B23-9DC5-18D8001408FE}"/>
-              </a:ext>
-            </a:extLst>
-          </p:cNvPr>
-          <p:cNvCxnSpPr>
-            <a:cxnSpLocks/>
-            <a:stCxn id="2" idx="1"/>
-          </p:cNvCxnSpPr>
-          <p:nvPr/>
-        </p:nvCxnSpPr>
-        <p:spPr>
-          <a:xfrm>
-            <a:off x="3864551" y="1666633"/>
-            <a:ext cx="0" cy="1580526"/>
-          </a:xfrm>
-          <a:prstGeom prst="line">
-            <a:avLst/>
-          </a:prstGeom>
-          <a:ln w="31750"/>
-        </p:spPr>
-        <p:style>
-          <a:lnRef idx="1">
-            <a:schemeClr val="accent1"/>
-          </a:lnRef>
-          <a:fillRef idx="0">
-            <a:schemeClr val="accent1"/>
-          </a:fillRef>
-          <a:effectRef idx="0">
-            <a:schemeClr val="accent1"/>
-          </a:effectRef>
-          <a:fontRef idx="minor">
-            <a:schemeClr val="tx1"/>
-          </a:fontRef>
-        </p:style>
-      </p:cxnSp>
-      <p:sp>
-        <p:nvSpPr>
-          <p:cNvPr id="27" name="Rectangle: Rounded Corners 26">
-            <a:extLst>
-              <a:ext uri="{FF2B5EF4-FFF2-40B4-BE49-F238E27FC236}">
-                <a16:creationId xmlns:a16="http://schemas.microsoft.com/office/drawing/2014/main" id="{3036A039-3211-400E-8D4F-246C59178643}"/>
-              </a:ext>
-            </a:extLst>
-          </p:cNvPr>
-          <p:cNvSpPr/>
-          <p:nvPr/>
-        </p:nvSpPr>
-        <p:spPr>
-          <a:xfrm>
-            <a:off x="9014979" y="220025"/>
-            <a:ext cx="2171699" cy="408623"/>
-          </a:xfrm>
-          <a:prstGeom prst="roundRect">
-            <a:avLst/>
-          </a:prstGeom>
-        </p:spPr>
-        <p:style>
-          <a:lnRef idx="1">
-            <a:schemeClr val="accent3"/>
-          </a:lnRef>
-          <a:fillRef idx="2">
-            <a:schemeClr val="accent3"/>
-          </a:fillRef>
-          <a:effectRef idx="1">
-            <a:schemeClr val="accent3"/>
-          </a:effectRef>
-          <a:fontRef idx="minor">
-            <a:schemeClr val="dk1"/>
-          </a:fontRef>
-        </p:style>
-        <p:txBody>
           <a:bodyPr rtlCol="0" anchor="ctr">
             <a:spAutoFit/>
           </a:bodyPr>
           <a:lstStyle/>
           <a:p>
             <a:r>
-              <a:rPr lang="en-US" altLang="zh-CN" dirty="0">
-                <a:latin typeface="Berlin Sans FB Demi" panose="020E0802020502020306" pitchFamily="34" charset="0"/>
+              <a:rPr lang="en-US" altLang="zh-CN" sz="1400" dirty="0">
+                <a:latin typeface="DFMincho-SU" panose="02010609010101010101" pitchFamily="1" charset="-128"/>
+                <a:ea typeface="DFMincho-SU" panose="02010609010101010101" pitchFamily="1" charset="-128"/>
               </a:rPr>
-              <a:t>R-server-reflexive</a:t>
-            </a:r>
-          </a:p>
-        </p:txBody>
-      </p:sp>
-      <p:cxnSp>
-        <p:nvCxnSpPr>
-          <p:cNvPr id="12" name="Straight Connector 11">
-            <a:extLst>
-              <a:ext uri="{FF2B5EF4-FFF2-40B4-BE49-F238E27FC236}">
-                <a16:creationId xmlns:a16="http://schemas.microsoft.com/office/drawing/2014/main" id="{8E230B65-7C5F-48F9-9ED7-7A68FD7C629D}"/>
-              </a:ext>
-            </a:extLst>
-          </p:cNvPr>
-          <p:cNvCxnSpPr>
-            <a:stCxn id="20" idx="2"/>
-          </p:cNvCxnSpPr>
-          <p:nvPr/>
-        </p:nvCxnSpPr>
-        <p:spPr>
-          <a:xfrm flipH="1">
-            <a:off x="1739610" y="628648"/>
-            <a:ext cx="1" cy="5943602"/>
-          </a:xfrm>
-          <a:prstGeom prst="line">
-            <a:avLst/>
-          </a:prstGeom>
-          <a:ln w="31750"/>
+              <a:t>bind_local_ip</a:t>
+            </a:r>
+            <a:endParaRPr lang="zh-CN" altLang="en-US" sz="1400" dirty="0">
+              <a:latin typeface="DFMincho-SU" panose="02010609010101010101" pitchFamily="1" charset="-128"/>
+              <a:ea typeface="DFMincho-SU" panose="02010609010101010101" pitchFamily="1" charset="-128"/>
+            </a:endParaRPr>
+          </a:p>
+        </p:txBody>
+      </p:sp>
+      <p:sp>
+        <p:nvSpPr>
+          <p:cNvPr id="59" name="Rectangle: Single Corner Rounded 58">
+            <a:extLst>
+              <a:ext uri="{FF2B5EF4-FFF2-40B4-BE49-F238E27FC236}">
+                <a16:creationId xmlns:a16="http://schemas.microsoft.com/office/drawing/2014/main" id="{A286EB28-936A-4D85-9B17-CA6D3DBF03EA}"/>
+              </a:ext>
+            </a:extLst>
+          </p:cNvPr>
+          <p:cNvSpPr/>
+          <p:nvPr/>
+        </p:nvSpPr>
+        <p:spPr>
+          <a:xfrm>
+            <a:off x="5848351" y="1270389"/>
+            <a:ext cx="1188547" cy="307777"/>
+          </a:xfrm>
+          <a:prstGeom prst="round1Rect">
+            <a:avLst/>
+          </a:prstGeom>
         </p:spPr>
         <p:style>
-          <a:lnRef idx="1">
-            <a:schemeClr val="accent1"/>
+          <a:lnRef idx="0">
+            <a:schemeClr val="accent6"/>
           </a:lnRef>
-          <a:fillRef idx="0">
-            <a:schemeClr val="accent1"/>
+          <a:fillRef idx="3">
+            <a:schemeClr val="accent6"/>
           </a:fillRef>
-          <a:effectRef idx="0">
-            <a:schemeClr val="accent1"/>
+          <a:effectRef idx="3">
+            <a:schemeClr val="accent6"/>
           </a:effectRef>
           <a:fontRef idx="minor">
-            <a:schemeClr val="tx1"/>
+            <a:schemeClr val="lt1"/>
           </a:fontRef>
         </p:style>
-      </p:cxnSp>
-      <p:cxnSp>
-        <p:nvCxnSpPr>
-          <p:cNvPr id="14" name="Straight Connector 13">
-            <a:extLst>
-              <a:ext uri="{FF2B5EF4-FFF2-40B4-BE49-F238E27FC236}">
-                <a16:creationId xmlns:a16="http://schemas.microsoft.com/office/drawing/2014/main" id="{7CE72D15-0379-4CB4-AA28-4B506FC48D47}"/>
-              </a:ext>
-            </a:extLst>
-          </p:cNvPr>
-          <p:cNvCxnSpPr>
-            <a:stCxn id="27" idx="2"/>
-          </p:cNvCxnSpPr>
-          <p:nvPr/>
-        </p:nvCxnSpPr>
-        <p:spPr>
-          <a:xfrm flipH="1">
-            <a:off x="10100828" y="628648"/>
-            <a:ext cx="1" cy="5943602"/>
-          </a:xfrm>
-          <a:prstGeom prst="line">
-            <a:avLst/>
-          </a:prstGeom>
-          <a:ln w="31750"/>
-        </p:spPr>
-        <p:style>
-          <a:lnRef idx="1">
-            <a:schemeClr val="accent1"/>
-          </a:lnRef>
-          <a:fillRef idx="0">
-            <a:schemeClr val="accent1"/>
-          </a:fillRef>
-          <a:effectRef idx="0">
-            <a:schemeClr val="accent1"/>
-          </a:effectRef>
-          <a:fontRef idx="minor">
-            <a:schemeClr val="tx1"/>
-          </a:fontRef>
-        </p:style>
-      </p:cxnSp>
-      <p:sp>
-        <p:nvSpPr>
-          <p:cNvPr id="37" name="Cloud 36">
-            <a:extLst>
-              <a:ext uri="{FF2B5EF4-FFF2-40B4-BE49-F238E27FC236}">
-                <a16:creationId xmlns:a16="http://schemas.microsoft.com/office/drawing/2014/main" id="{3934C911-5100-4362-969E-1F988953B671}"/>
+        <p:txBody>
+          <a:bodyPr rtlCol="0" anchor="ctr">
+            <a:spAutoFit/>
+          </a:bodyPr>
+          <a:lstStyle/>
+          <a:p>
+            <a:r>
+              <a:rPr lang="en-US" altLang="zh-CN" sz="1400" dirty="0">
+                <a:latin typeface="DFMincho-SU" panose="02010609010101010101" pitchFamily="1" charset="-128"/>
+                <a:ea typeface="DFMincho-SU" panose="02010609010101010101" pitchFamily="1" charset="-128"/>
+              </a:rPr>
+              <a:t>recv_thread</a:t>
+            </a:r>
+            <a:endParaRPr lang="zh-CN" altLang="en-US" sz="1400" dirty="0">
+              <a:latin typeface="DFMincho-SU" panose="02010609010101010101" pitchFamily="1" charset="-128"/>
+              <a:ea typeface="DFMincho-SU" panose="02010609010101010101" pitchFamily="1" charset="-128"/>
+            </a:endParaRPr>
+          </a:p>
+        </p:txBody>
+      </p:sp>
+      <p:sp>
+        <p:nvSpPr>
+          <p:cNvPr id="63" name="Rectangle: Single Corner Rounded 62">
+            <a:extLst>
+              <a:ext uri="{FF2B5EF4-FFF2-40B4-BE49-F238E27FC236}">
+                <a16:creationId xmlns:a16="http://schemas.microsoft.com/office/drawing/2014/main" id="{6F6646E1-E500-4F36-BDAB-ED73A99599C9}"/>
               </a:ext>
             </a:extLst>
           </p:cNvPr>
@@ -33845,10 +34166,10 @@
         </p:nvSpPr>
         <p:spPr>
           <a:xfrm>
-            <a:off x="5710669" y="628648"/>
-            <a:ext cx="2078182" cy="1039091"/>
-          </a:xfrm>
-          <a:prstGeom prst="cloud">
+            <a:off x="2594781" y="1578166"/>
+            <a:ext cx="1821356" cy="307777"/>
+          </a:xfrm>
+          <a:prstGeom prst="round1Rect">
             <a:avLst/>
           </a:prstGeom>
         </p:spPr>
@@ -33857,895 +34178,327 @@
             <a:schemeClr val="lt1"/>
           </a:lnRef>
           <a:fillRef idx="1">
-            <a:schemeClr val="accent5"/>
+            <a:schemeClr val="accent2"/>
           </a:fillRef>
           <a:effectRef idx="1">
-            <a:schemeClr val="accent5"/>
+            <a:schemeClr val="accent2"/>
           </a:effectRef>
           <a:fontRef idx="minor">
             <a:schemeClr val="lt1"/>
           </a:fontRef>
         </p:style>
         <p:txBody>
-          <a:bodyPr rtlCol="0" anchor="ctr"/>
+          <a:bodyPr rtlCol="0" anchor="ctr">
+            <a:spAutoFit/>
+          </a:bodyPr>
           <a:lstStyle/>
           <a:p>
             <a:pPr algn="ctr"/>
             <a:r>
-              <a:rPr lang="en-US" altLang="zh-CN" dirty="0">
-                <a:latin typeface="Berlin Sans FB Demi" panose="020E0802020502020306" pitchFamily="34" charset="0"/>
+              <a:rPr lang="en-US" altLang="zh-CN" sz="1400" dirty="0">
+                <a:latin typeface="DFMincho-SU" panose="02010609010101010101" pitchFamily="1" charset="-128"/>
+                <a:ea typeface="DFMincho-SU" panose="02010609010101010101" pitchFamily="1" charset="-128"/>
               </a:rPr>
-              <a:t>stun-server</a:t>
-            </a:r>
-          </a:p>
-        </p:txBody>
-      </p:sp>
-      <p:cxnSp>
-        <p:nvCxnSpPr>
-          <p:cNvPr id="38" name="Straight Connector 37">
-            <a:extLst>
-              <a:ext uri="{FF2B5EF4-FFF2-40B4-BE49-F238E27FC236}">
-                <a16:creationId xmlns:a16="http://schemas.microsoft.com/office/drawing/2014/main" id="{1ED83D99-2E9D-4AFC-AC1D-52820FC69EA5}"/>
-              </a:ext>
-            </a:extLst>
-          </p:cNvPr>
-          <p:cNvCxnSpPr>
-            <a:cxnSpLocks/>
-            <a:stCxn id="37" idx="1"/>
-          </p:cNvCxnSpPr>
-          <p:nvPr/>
-        </p:nvCxnSpPr>
-        <p:spPr>
-          <a:xfrm>
-            <a:off x="6749760" y="1666633"/>
-            <a:ext cx="0" cy="1580526"/>
-          </a:xfrm>
-          <a:prstGeom prst="line">
-            <a:avLst/>
-          </a:prstGeom>
-          <a:ln w="31750"/>
+              <a:t>handle_stun_msg</a:t>
+            </a:r>
+            <a:endParaRPr lang="zh-CN" altLang="en-US" sz="1400" dirty="0">
+              <a:latin typeface="DFMincho-SU" panose="02010609010101010101" pitchFamily="1" charset="-128"/>
+              <a:ea typeface="DFMincho-SU" panose="02010609010101010101" pitchFamily="1" charset="-128"/>
+            </a:endParaRPr>
+          </a:p>
+        </p:txBody>
+      </p:sp>
+      <p:sp>
+        <p:nvSpPr>
+          <p:cNvPr id="64" name="Rectangle: Single Corner Rounded 63">
+            <a:extLst>
+              <a:ext uri="{FF2B5EF4-FFF2-40B4-BE49-F238E27FC236}">
+                <a16:creationId xmlns:a16="http://schemas.microsoft.com/office/drawing/2014/main" id="{BC3A3B43-F5DB-4368-9835-347F8DBDD080}"/>
+              </a:ext>
+            </a:extLst>
+          </p:cNvPr>
+          <p:cNvSpPr/>
+          <p:nvPr/>
+        </p:nvSpPr>
+        <p:spPr>
+          <a:xfrm>
+            <a:off x="5848351" y="1799976"/>
+            <a:ext cx="2573655" cy="307777"/>
+          </a:xfrm>
+          <a:prstGeom prst="round1Rect">
+            <a:avLst/>
+          </a:prstGeom>
         </p:spPr>
         <p:style>
-          <a:lnRef idx="1">
-            <a:schemeClr val="accent1"/>
+          <a:lnRef idx="0">
+            <a:schemeClr val="accent6"/>
           </a:lnRef>
-          <a:fillRef idx="0">
+          <a:fillRef idx="3">
+            <a:schemeClr val="accent6"/>
+          </a:fillRef>
+          <a:effectRef idx="3">
+            <a:schemeClr val="accent6"/>
+          </a:effectRef>
+          <a:fontRef idx="minor">
+            <a:schemeClr val="lt1"/>
+          </a:fontRef>
+        </p:style>
+        <p:txBody>
+          <a:bodyPr rtlCol="0" anchor="ctr">
+            <a:spAutoFit/>
+          </a:bodyPr>
+          <a:lstStyle/>
+          <a:p>
+            <a:r>
+              <a:rPr lang="en-US" altLang="zh-CN" sz="1400" dirty="0">
+                <a:latin typeface="DFMincho-SU" panose="02010609010101010101" pitchFamily="1" charset="-128"/>
+                <a:ea typeface="DFMincho-SU" panose="02010609010101010101" pitchFamily="1" charset="-128"/>
+              </a:rPr>
+              <a:t>connectivity_check_thread</a:t>
+            </a:r>
+            <a:endParaRPr lang="zh-CN" altLang="en-US" sz="1400" dirty="0">
+              <a:latin typeface="DFMincho-SU" panose="02010609010101010101" pitchFamily="1" charset="-128"/>
+              <a:ea typeface="DFMincho-SU" panose="02010609010101010101" pitchFamily="1" charset="-128"/>
+            </a:endParaRPr>
+          </a:p>
+        </p:txBody>
+      </p:sp>
+      <p:sp>
+        <p:nvSpPr>
+          <p:cNvPr id="65" name="Rectangle: Single Corner Rounded 64">
+            <a:extLst>
+              <a:ext uri="{FF2B5EF4-FFF2-40B4-BE49-F238E27FC236}">
+                <a16:creationId xmlns:a16="http://schemas.microsoft.com/office/drawing/2014/main" id="{8C734089-BAC2-4591-8E01-D7C088EE6E57}"/>
+              </a:ext>
+            </a:extLst>
+          </p:cNvPr>
+          <p:cNvSpPr/>
+          <p:nvPr/>
+        </p:nvSpPr>
+        <p:spPr>
+          <a:xfrm>
+            <a:off x="5848351" y="2310264"/>
+            <a:ext cx="2527935" cy="307777"/>
+          </a:xfrm>
+          <a:prstGeom prst="round1Rect">
+            <a:avLst/>
+          </a:prstGeom>
+        </p:spPr>
+        <p:style>
+          <a:lnRef idx="0">
+            <a:schemeClr val="accent6"/>
+          </a:lnRef>
+          <a:fillRef idx="3">
+            <a:schemeClr val="accent6"/>
+          </a:fillRef>
+          <a:effectRef idx="3">
+            <a:schemeClr val="accent6"/>
+          </a:effectRef>
+          <a:fontRef idx="minor">
+            <a:schemeClr val="lt1"/>
+          </a:fontRef>
+        </p:style>
+        <p:txBody>
+          <a:bodyPr rtlCol="0" anchor="ctr">
+            <a:spAutoFit/>
+          </a:bodyPr>
+          <a:lstStyle/>
+          <a:p>
+            <a:r>
+              <a:rPr lang="en-US" altLang="zh-CN" sz="1400" dirty="0">
+                <a:latin typeface="DFMincho-SU" panose="02010609010101010101" pitchFamily="1" charset="-128"/>
+                <a:ea typeface="DFMincho-SU" panose="02010609010101010101" pitchFamily="1" charset="-128"/>
+              </a:rPr>
+              <a:t>retransmission_thread</a:t>
+            </a:r>
+            <a:endParaRPr lang="zh-CN" altLang="en-US" sz="1400" dirty="0">
+              <a:latin typeface="DFMincho-SU" panose="02010609010101010101" pitchFamily="1" charset="-128"/>
+              <a:ea typeface="DFMincho-SU" panose="02010609010101010101" pitchFamily="1" charset="-128"/>
+            </a:endParaRPr>
+          </a:p>
+        </p:txBody>
+      </p:sp>
+      <p:sp>
+        <p:nvSpPr>
+          <p:cNvPr id="12" name="Speech Bubble: Rectangle with Corners Rounded 11">
+            <a:extLst>
+              <a:ext uri="{FF2B5EF4-FFF2-40B4-BE49-F238E27FC236}">
+                <a16:creationId xmlns:a16="http://schemas.microsoft.com/office/drawing/2014/main" id="{6D1F6AB7-8B8C-4B50-8105-5A44478EFFD0}"/>
+              </a:ext>
+            </a:extLst>
+          </p:cNvPr>
+          <p:cNvSpPr/>
+          <p:nvPr/>
+        </p:nvSpPr>
+        <p:spPr>
+          <a:xfrm>
+            <a:off x="8591550" y="2246317"/>
+            <a:ext cx="582416" cy="307777"/>
+          </a:xfrm>
+          <a:prstGeom prst="wedgeRoundRectCallout">
+            <a:avLst>
+              <a:gd name="adj1" fmla="val -73825"/>
+              <a:gd name="adj2" fmla="val 44194"/>
+              <a:gd name="adj3" fmla="val 16667"/>
+            </a:avLst>
+          </a:prstGeom>
+          <a:noFill/>
+        </p:spPr>
+        <p:style>
+          <a:lnRef idx="2">
+            <a:schemeClr val="accent1">
+              <a:shade val="50000"/>
+            </a:schemeClr>
+          </a:lnRef>
+          <a:fillRef idx="1">
             <a:schemeClr val="accent1"/>
           </a:fillRef>
           <a:effectRef idx="0">
             <a:schemeClr val="accent1"/>
           </a:effectRef>
           <a:fontRef idx="minor">
-            <a:schemeClr val="tx1"/>
+            <a:schemeClr val="lt1"/>
           </a:fontRef>
         </p:style>
-      </p:cxnSp>
-      <p:cxnSp>
-        <p:nvCxnSpPr>
-          <p:cNvPr id="35" name="Straight Arrow Connector 34">
-            <a:extLst>
-              <a:ext uri="{FF2B5EF4-FFF2-40B4-BE49-F238E27FC236}">
-                <a16:creationId xmlns:a16="http://schemas.microsoft.com/office/drawing/2014/main" id="{47D0590B-002F-41A8-8055-2C9FA3771C35}"/>
-              </a:ext>
-            </a:extLst>
-          </p:cNvPr>
-          <p:cNvCxnSpPr>
-            <a:cxnSpLocks/>
-          </p:cNvCxnSpPr>
-          <p:nvPr/>
-        </p:nvCxnSpPr>
-        <p:spPr>
-          <a:xfrm>
-            <a:off x="1739610" y="2166505"/>
-            <a:ext cx="2124941" cy="0"/>
-          </a:xfrm>
-          <a:prstGeom prst="straightConnector1">
-            <a:avLst/>
-          </a:prstGeom>
-          <a:ln>
-            <a:tailEnd type="triangle"/>
-          </a:ln>
+        <p:txBody>
+          <a:bodyPr rtlCol="0" anchor="ctr"/>
+          <a:lstStyle/>
+          <a:p>
+            <a:pPr algn="ctr"/>
+            <a:r>
+              <a:rPr lang="en-US" altLang="zh-CN" sz="900" dirty="0">
+                <a:solidFill>
+                  <a:srgbClr val="FF0000"/>
+                </a:solidFill>
+                <a:latin typeface="Arial Rounded MT Bold" panose="020F0704030504030204" pitchFamily="34" charset="0"/>
+              </a:rPr>
+              <a:t>UDP</a:t>
+            </a:r>
+            <a:endParaRPr lang="zh-CN" altLang="en-US" sz="900" dirty="0">
+              <a:solidFill>
+                <a:srgbClr val="FF0000"/>
+              </a:solidFill>
+              <a:latin typeface="Arial Rounded MT Bold" panose="020F0704030504030204" pitchFamily="34" charset="0"/>
+            </a:endParaRPr>
+          </a:p>
+        </p:txBody>
+      </p:sp>
+      <p:sp>
+        <p:nvSpPr>
+          <p:cNvPr id="70" name="Rectangle: Single Corner Rounded 69">
+            <a:extLst>
+              <a:ext uri="{FF2B5EF4-FFF2-40B4-BE49-F238E27FC236}">
+                <a16:creationId xmlns:a16="http://schemas.microsoft.com/office/drawing/2014/main" id="{65005757-BE8F-4DA6-BFCC-94F26C0E2269}"/>
+              </a:ext>
+            </a:extLst>
+          </p:cNvPr>
+          <p:cNvSpPr/>
+          <p:nvPr/>
+        </p:nvSpPr>
+        <p:spPr>
+          <a:xfrm>
+            <a:off x="5848349" y="2820552"/>
+            <a:ext cx="1432213" cy="307777"/>
+          </a:xfrm>
+          <a:prstGeom prst="round1Rect">
+            <a:avLst/>
+          </a:prstGeom>
         </p:spPr>
         <p:style>
-          <a:lnRef idx="1">
-            <a:schemeClr val="accent1"/>
+          <a:lnRef idx="0">
+            <a:schemeClr val="accent6"/>
           </a:lnRef>
-          <a:fillRef idx="0">
+          <a:fillRef idx="3">
+            <a:schemeClr val="accent6"/>
+          </a:fillRef>
+          <a:effectRef idx="3">
+            <a:schemeClr val="accent6"/>
+          </a:effectRef>
+          <a:fontRef idx="minor">
+            <a:schemeClr val="lt1"/>
+          </a:fontRef>
+        </p:style>
+        <p:txBody>
+          <a:bodyPr rtlCol="0" anchor="ctr">
+            <a:spAutoFit/>
+          </a:bodyPr>
+          <a:lstStyle/>
+          <a:p>
+            <a:r>
+              <a:rPr lang="en-US" altLang="zh-CN" sz="1400" dirty="0">
+                <a:latin typeface="DFMincho-SU" panose="02010609010101010101" pitchFamily="1" charset="-128"/>
+                <a:ea typeface="DFMincho-SU" panose="02010609010101010101" pitchFamily="1" charset="-128"/>
+              </a:rPr>
+              <a:t>gather_thread</a:t>
+            </a:r>
+            <a:endParaRPr lang="zh-CN" altLang="en-US" sz="1400" dirty="0">
+              <a:latin typeface="DFMincho-SU" panose="02010609010101010101" pitchFamily="1" charset="-128"/>
+              <a:ea typeface="DFMincho-SU" panose="02010609010101010101" pitchFamily="1" charset="-128"/>
+            </a:endParaRPr>
+          </a:p>
+        </p:txBody>
+      </p:sp>
+      <p:sp>
+        <p:nvSpPr>
+          <p:cNvPr id="72" name="Speech Bubble: Rectangle with Corners Rounded 71">
+            <a:extLst>
+              <a:ext uri="{FF2B5EF4-FFF2-40B4-BE49-F238E27FC236}">
+                <a16:creationId xmlns:a16="http://schemas.microsoft.com/office/drawing/2014/main" id="{8DDF08F2-FB69-4189-800A-4A1BA52AAFCC}"/>
+              </a:ext>
+            </a:extLst>
+          </p:cNvPr>
+          <p:cNvSpPr/>
+          <p:nvPr/>
+        </p:nvSpPr>
+        <p:spPr>
+          <a:xfrm>
+            <a:off x="7669532" y="2752630"/>
+            <a:ext cx="1386496" cy="375699"/>
+          </a:xfrm>
+          <a:prstGeom prst="wedgeRoundRectCallout">
+            <a:avLst>
+              <a:gd name="adj1" fmla="val -59694"/>
+              <a:gd name="adj2" fmla="val 28353"/>
+              <a:gd name="adj3" fmla="val 16667"/>
+            </a:avLst>
+          </a:prstGeom>
+          <a:noFill/>
+        </p:spPr>
+        <p:style>
+          <a:lnRef idx="2">
+            <a:schemeClr val="accent1">
+              <a:shade val="50000"/>
+            </a:schemeClr>
+          </a:lnRef>
+          <a:fillRef idx="1">
             <a:schemeClr val="accent1"/>
           </a:fillRef>
           <a:effectRef idx="0">
             <a:schemeClr val="accent1"/>
           </a:effectRef>
           <a:fontRef idx="minor">
-            <a:schemeClr val="tx1"/>
+            <a:schemeClr val="lt1"/>
           </a:fontRef>
         </p:style>
-      </p:cxnSp>
-      <p:cxnSp>
-        <p:nvCxnSpPr>
-          <p:cNvPr id="46" name="Straight Arrow Connector 45">
-            <a:extLst>
-              <a:ext uri="{FF2B5EF4-FFF2-40B4-BE49-F238E27FC236}">
-                <a16:creationId xmlns:a16="http://schemas.microsoft.com/office/drawing/2014/main" id="{472B260C-85BE-45AD-8611-8C15CF0FE86C}"/>
-              </a:ext>
-            </a:extLst>
-          </p:cNvPr>
-          <p:cNvCxnSpPr>
-            <a:cxnSpLocks/>
-          </p:cNvCxnSpPr>
-          <p:nvPr/>
-        </p:nvCxnSpPr>
-        <p:spPr>
-          <a:xfrm flipH="1">
-            <a:off x="1739610" y="3008168"/>
-            <a:ext cx="2124941" cy="0"/>
-          </a:xfrm>
-          <a:prstGeom prst="straightConnector1">
-            <a:avLst/>
-          </a:prstGeom>
-          <a:ln>
-            <a:tailEnd type="triangle"/>
-          </a:ln>
-        </p:spPr>
-        <p:style>
-          <a:lnRef idx="1">
-            <a:schemeClr val="accent1"/>
-          </a:lnRef>
-          <a:fillRef idx="0">
-            <a:schemeClr val="accent1"/>
-          </a:fillRef>
-          <a:effectRef idx="0">
-            <a:schemeClr val="accent1"/>
-          </a:effectRef>
-          <a:fontRef idx="minor">
-            <a:schemeClr val="tx1"/>
-          </a:fontRef>
-        </p:style>
-      </p:cxnSp>
-      <p:cxnSp>
-        <p:nvCxnSpPr>
-          <p:cNvPr id="50" name="Straight Arrow Connector 49">
-            <a:extLst>
-              <a:ext uri="{FF2B5EF4-FFF2-40B4-BE49-F238E27FC236}">
-                <a16:creationId xmlns:a16="http://schemas.microsoft.com/office/drawing/2014/main" id="{6944AABC-761D-4256-A9E4-16CA754F7551}"/>
-              </a:ext>
-            </a:extLst>
-          </p:cNvPr>
-          <p:cNvCxnSpPr>
-            <a:cxnSpLocks/>
-          </p:cNvCxnSpPr>
-          <p:nvPr/>
-        </p:nvCxnSpPr>
-        <p:spPr>
-          <a:xfrm flipH="1">
-            <a:off x="6749761" y="2007177"/>
-            <a:ext cx="3351067" cy="0"/>
-          </a:xfrm>
-          <a:prstGeom prst="straightConnector1">
-            <a:avLst/>
-          </a:prstGeom>
-          <a:ln>
-            <a:tailEnd type="triangle"/>
-          </a:ln>
-        </p:spPr>
-        <p:style>
-          <a:lnRef idx="1">
-            <a:schemeClr val="accent1"/>
-          </a:lnRef>
-          <a:fillRef idx="0">
-            <a:schemeClr val="accent1"/>
-          </a:fillRef>
-          <a:effectRef idx="0">
-            <a:schemeClr val="accent1"/>
-          </a:effectRef>
-          <a:fontRef idx="minor">
-            <a:schemeClr val="tx1"/>
-          </a:fontRef>
-        </p:style>
-      </p:cxnSp>
-      <p:cxnSp>
-        <p:nvCxnSpPr>
-          <p:cNvPr id="52" name="Straight Arrow Connector 51">
-            <a:extLst>
-              <a:ext uri="{FF2B5EF4-FFF2-40B4-BE49-F238E27FC236}">
-                <a16:creationId xmlns:a16="http://schemas.microsoft.com/office/drawing/2014/main" id="{59620B59-F137-4EBF-BB74-D5E84BD97073}"/>
-              </a:ext>
-            </a:extLst>
-          </p:cNvPr>
-          <p:cNvCxnSpPr>
-            <a:cxnSpLocks/>
-          </p:cNvCxnSpPr>
-          <p:nvPr/>
-        </p:nvCxnSpPr>
-        <p:spPr>
-          <a:xfrm>
-            <a:off x="6749760" y="2682587"/>
-            <a:ext cx="3351068" cy="0"/>
-          </a:xfrm>
-          <a:prstGeom prst="straightConnector1">
-            <a:avLst/>
-          </a:prstGeom>
-          <a:ln>
-            <a:tailEnd type="triangle"/>
-          </a:ln>
-        </p:spPr>
-        <p:style>
-          <a:lnRef idx="1">
-            <a:schemeClr val="accent1"/>
-          </a:lnRef>
-          <a:fillRef idx="0">
-            <a:schemeClr val="accent1"/>
-          </a:fillRef>
-          <a:effectRef idx="0">
-            <a:schemeClr val="accent1"/>
-          </a:effectRef>
-          <a:fontRef idx="minor">
-            <a:schemeClr val="tx1"/>
-          </a:fontRef>
-        </p:style>
-      </p:cxnSp>
-      <p:cxnSp>
-        <p:nvCxnSpPr>
-          <p:cNvPr id="55" name="Straight Arrow Connector 54">
-            <a:extLst>
-              <a:ext uri="{FF2B5EF4-FFF2-40B4-BE49-F238E27FC236}">
-                <a16:creationId xmlns:a16="http://schemas.microsoft.com/office/drawing/2014/main" id="{D645A7E0-633F-40E1-9B34-82B02E950CA4}"/>
-              </a:ext>
-            </a:extLst>
-          </p:cNvPr>
-          <p:cNvCxnSpPr/>
-          <p:nvPr/>
-        </p:nvCxnSpPr>
-        <p:spPr>
-          <a:xfrm>
-            <a:off x="1739610" y="4442114"/>
-            <a:ext cx="8361218" cy="0"/>
-          </a:xfrm>
-          <a:prstGeom prst="straightConnector1">
-            <a:avLst/>
-          </a:prstGeom>
-          <a:ln>
-            <a:tailEnd type="triangle"/>
-          </a:ln>
-        </p:spPr>
-        <p:style>
-          <a:lnRef idx="1">
-            <a:schemeClr val="accent1"/>
-          </a:lnRef>
-          <a:fillRef idx="0">
-            <a:schemeClr val="accent1"/>
-          </a:fillRef>
-          <a:effectRef idx="0">
-            <a:schemeClr val="accent1"/>
-          </a:effectRef>
-          <a:fontRef idx="minor">
-            <a:schemeClr val="tx1"/>
-          </a:fontRef>
-        </p:style>
-      </p:cxnSp>
-      <p:cxnSp>
-        <p:nvCxnSpPr>
-          <p:cNvPr id="57" name="Straight Arrow Connector 56">
-            <a:extLst>
-              <a:ext uri="{FF2B5EF4-FFF2-40B4-BE49-F238E27FC236}">
-                <a16:creationId xmlns:a16="http://schemas.microsoft.com/office/drawing/2014/main" id="{F6BF6305-AD59-4B6B-BAB6-BAE56988FFB4}"/>
-              </a:ext>
-            </a:extLst>
-          </p:cNvPr>
-          <p:cNvCxnSpPr/>
-          <p:nvPr/>
-        </p:nvCxnSpPr>
-        <p:spPr>
-          <a:xfrm flipH="1">
-            <a:off x="1739610" y="5117521"/>
-            <a:ext cx="8361218" cy="0"/>
-          </a:xfrm>
-          <a:prstGeom prst="straightConnector1">
-            <a:avLst/>
-          </a:prstGeom>
-          <a:ln>
-            <a:tailEnd type="triangle"/>
-          </a:ln>
-        </p:spPr>
-        <p:style>
-          <a:lnRef idx="1">
-            <a:schemeClr val="accent1"/>
-          </a:lnRef>
-          <a:fillRef idx="0">
-            <a:schemeClr val="accent1"/>
-          </a:fillRef>
-          <a:effectRef idx="0">
-            <a:schemeClr val="accent1"/>
-          </a:effectRef>
-          <a:fontRef idx="minor">
-            <a:schemeClr val="tx1"/>
-          </a:fontRef>
-        </p:style>
-      </p:cxnSp>
-      <p:sp>
-        <p:nvSpPr>
-          <p:cNvPr id="58" name="Rectangle: Rounded Corners 57">
-            <a:extLst>
-              <a:ext uri="{FF2B5EF4-FFF2-40B4-BE49-F238E27FC236}">
-                <a16:creationId xmlns:a16="http://schemas.microsoft.com/office/drawing/2014/main" id="{7FE35500-F120-4D9E-8784-0A6783CA9A76}"/>
-              </a:ext>
-            </a:extLst>
-          </p:cNvPr>
-          <p:cNvSpPr/>
-          <p:nvPr/>
-        </p:nvSpPr>
-        <p:spPr>
-          <a:xfrm>
-            <a:off x="2183829" y="1809749"/>
-            <a:ext cx="1556031" cy="304799"/>
-          </a:xfrm>
-          <a:prstGeom prst="roundRect">
-            <a:avLst/>
-          </a:prstGeom>
-        </p:spPr>
-        <p:style>
-          <a:lnRef idx="1">
-            <a:schemeClr val="accent3"/>
-          </a:lnRef>
-          <a:fillRef idx="2">
-            <a:schemeClr val="accent3"/>
-          </a:fillRef>
-          <a:effectRef idx="1">
-            <a:schemeClr val="accent3"/>
-          </a:effectRef>
-          <a:fontRef idx="minor">
-            <a:schemeClr val="dk1"/>
-          </a:fontRef>
-        </p:style>
         <p:txBody>
           <a:bodyPr rtlCol="0" anchor="ctr"/>
           <a:lstStyle/>
           <a:p>
-            <a:r>
-              <a:rPr lang="en-US" altLang="zh-CN" sz="1100" dirty="0">
-                <a:latin typeface="Clarendon Blk BT" panose="02040905050505020204" pitchFamily="18" charset="0"/>
+            <a:pPr algn="ctr"/>
+            <a:r>
+              <a:rPr lang="en-US" altLang="zh-CN" sz="900" dirty="0">
+                <a:solidFill>
+                  <a:srgbClr val="FF0000"/>
+                </a:solidFill>
+                <a:latin typeface="Arial Rounded MT Bold" panose="020F0704030504030204" pitchFamily="34" charset="0"/>
               </a:rPr>
-              <a:t>1. Bind request</a:t>
-            </a:r>
-            <a:endParaRPr lang="zh-CN" altLang="en-US" sz="1100" dirty="0">
-              <a:latin typeface="Clarendon Blk BT" panose="02040905050505020204" pitchFamily="18" charset="0"/>
-            </a:endParaRPr>
-          </a:p>
-        </p:txBody>
-      </p:sp>
-      <p:sp>
-        <p:nvSpPr>
-          <p:cNvPr id="59" name="Rectangle: Rounded Corners 58">
-            <a:extLst>
-              <a:ext uri="{FF2B5EF4-FFF2-40B4-BE49-F238E27FC236}">
-                <a16:creationId xmlns:a16="http://schemas.microsoft.com/office/drawing/2014/main" id="{51B70E1B-52A0-44B9-911C-8782BA2ED5B0}"/>
-              </a:ext>
-            </a:extLst>
-          </p:cNvPr>
-          <p:cNvSpPr/>
-          <p:nvPr/>
-        </p:nvSpPr>
-        <p:spPr>
-          <a:xfrm>
-            <a:off x="2155260" y="2623705"/>
-            <a:ext cx="1584594" cy="304799"/>
-          </a:xfrm>
-          <a:prstGeom prst="roundRect">
-            <a:avLst/>
-          </a:prstGeom>
-        </p:spPr>
-        <p:style>
-          <a:lnRef idx="1">
-            <a:schemeClr val="accent3"/>
-          </a:lnRef>
-          <a:fillRef idx="2">
-            <a:schemeClr val="accent3"/>
-          </a:fillRef>
-          <a:effectRef idx="1">
-            <a:schemeClr val="accent3"/>
-          </a:effectRef>
-          <a:fontRef idx="minor">
-            <a:schemeClr val="dk1"/>
-          </a:fontRef>
-        </p:style>
-        <p:txBody>
-          <a:bodyPr rtlCol="0" anchor="ctr"/>
-          <a:lstStyle/>
-          <a:p>
-            <a:r>
-              <a:rPr lang="en-US" altLang="zh-CN" sz="1100" dirty="0">
-                <a:latin typeface="Clarendon Blk BT" panose="02040905050505020204" pitchFamily="18" charset="0"/>
-              </a:rPr>
-              <a:t>2. Bind response</a:t>
-            </a:r>
-            <a:endParaRPr lang="zh-CN" altLang="en-US" sz="1100" dirty="0">
-              <a:latin typeface="Clarendon Blk BT" panose="02040905050505020204" pitchFamily="18" charset="0"/>
-            </a:endParaRPr>
-          </a:p>
-        </p:txBody>
-      </p:sp>
-      <p:sp>
-        <p:nvSpPr>
-          <p:cNvPr id="63" name="Rectangle: Rounded Corners 62">
-            <a:extLst>
-              <a:ext uri="{FF2B5EF4-FFF2-40B4-BE49-F238E27FC236}">
-                <a16:creationId xmlns:a16="http://schemas.microsoft.com/office/drawing/2014/main" id="{D9F3B576-C814-4A95-B1BA-B330C56FC207}"/>
-              </a:ext>
-            </a:extLst>
-          </p:cNvPr>
-          <p:cNvSpPr/>
-          <p:nvPr/>
-        </p:nvSpPr>
-        <p:spPr>
-          <a:xfrm>
-            <a:off x="7669792" y="1636570"/>
-            <a:ext cx="1556031" cy="304799"/>
-          </a:xfrm>
-          <a:prstGeom prst="roundRect">
-            <a:avLst/>
-          </a:prstGeom>
-        </p:spPr>
-        <p:style>
-          <a:lnRef idx="1">
-            <a:schemeClr val="accent3"/>
-          </a:lnRef>
-          <a:fillRef idx="2">
-            <a:schemeClr val="accent3"/>
-          </a:fillRef>
-          <a:effectRef idx="1">
-            <a:schemeClr val="accent3"/>
-          </a:effectRef>
-          <a:fontRef idx="minor">
-            <a:schemeClr val="dk1"/>
-          </a:fontRef>
-        </p:style>
-        <p:txBody>
-          <a:bodyPr rtlCol="0" anchor="ctr"/>
-          <a:lstStyle/>
-          <a:p>
-            <a:r>
-              <a:rPr lang="en-US" altLang="zh-CN" sz="1100" dirty="0">
-                <a:latin typeface="Clarendon Blk BT" panose="02040905050505020204" pitchFamily="18" charset="0"/>
-              </a:rPr>
-              <a:t>1. Bind request</a:t>
-            </a:r>
-            <a:endParaRPr lang="zh-CN" altLang="en-US" sz="1100" dirty="0">
-              <a:latin typeface="Clarendon Blk BT" panose="02040905050505020204" pitchFamily="18" charset="0"/>
-            </a:endParaRPr>
-          </a:p>
-        </p:txBody>
-      </p:sp>
-      <p:sp>
-        <p:nvSpPr>
-          <p:cNvPr id="64" name="Rectangle: Rounded Corners 63">
-            <a:extLst>
-              <a:ext uri="{FF2B5EF4-FFF2-40B4-BE49-F238E27FC236}">
-                <a16:creationId xmlns:a16="http://schemas.microsoft.com/office/drawing/2014/main" id="{7B4ADEE9-92EC-4AC7-B458-AE2DE1E133A0}"/>
-              </a:ext>
-            </a:extLst>
-          </p:cNvPr>
-          <p:cNvSpPr/>
-          <p:nvPr/>
-        </p:nvSpPr>
-        <p:spPr>
-          <a:xfrm>
-            <a:off x="7641229" y="2308510"/>
-            <a:ext cx="1584594" cy="304799"/>
-          </a:xfrm>
-          <a:prstGeom prst="roundRect">
-            <a:avLst/>
-          </a:prstGeom>
-        </p:spPr>
-        <p:style>
-          <a:lnRef idx="1">
-            <a:schemeClr val="accent3"/>
-          </a:lnRef>
-          <a:fillRef idx="2">
-            <a:schemeClr val="accent3"/>
-          </a:fillRef>
-          <a:effectRef idx="1">
-            <a:schemeClr val="accent3"/>
-          </a:effectRef>
-          <a:fontRef idx="minor">
-            <a:schemeClr val="dk1"/>
-          </a:fontRef>
-        </p:style>
-        <p:txBody>
-          <a:bodyPr rtlCol="0" anchor="ctr"/>
-          <a:lstStyle/>
-          <a:p>
-            <a:r>
-              <a:rPr lang="en-US" altLang="zh-CN" sz="1100" dirty="0">
-                <a:latin typeface="Clarendon Blk BT" panose="02040905050505020204" pitchFamily="18" charset="0"/>
-              </a:rPr>
-              <a:t>2. Bind response</a:t>
-            </a:r>
-            <a:endParaRPr lang="zh-CN" altLang="en-US" sz="1100" dirty="0">
-              <a:latin typeface="Clarendon Blk BT" panose="02040905050505020204" pitchFamily="18" charset="0"/>
-            </a:endParaRPr>
-          </a:p>
-        </p:txBody>
-      </p:sp>
-      <p:sp>
-        <p:nvSpPr>
-          <p:cNvPr id="65" name="Rectangle: Rounded Corners 64">
-            <a:extLst>
-              <a:ext uri="{FF2B5EF4-FFF2-40B4-BE49-F238E27FC236}">
-                <a16:creationId xmlns:a16="http://schemas.microsoft.com/office/drawing/2014/main" id="{CFEC67F7-83B4-45A2-ACC8-7C70180A15BD}"/>
-              </a:ext>
-            </a:extLst>
-          </p:cNvPr>
-          <p:cNvSpPr/>
-          <p:nvPr/>
-        </p:nvSpPr>
-        <p:spPr>
-          <a:xfrm>
-            <a:off x="4468534" y="4069774"/>
-            <a:ext cx="2281226" cy="304799"/>
-          </a:xfrm>
-          <a:prstGeom prst="roundRect">
-            <a:avLst/>
-          </a:prstGeom>
-        </p:spPr>
-        <p:style>
-          <a:lnRef idx="1">
-            <a:schemeClr val="accent3"/>
-          </a:lnRef>
-          <a:fillRef idx="2">
-            <a:schemeClr val="accent3"/>
-          </a:fillRef>
-          <a:effectRef idx="1">
-            <a:schemeClr val="accent3"/>
-          </a:effectRef>
-          <a:fontRef idx="minor">
-            <a:schemeClr val="dk1"/>
-          </a:fontRef>
-        </p:style>
-        <p:txBody>
-          <a:bodyPr rtlCol="0" anchor="ctr"/>
-          <a:lstStyle/>
-          <a:p>
-            <a:r>
-              <a:rPr lang="en-US" altLang="zh-CN" sz="1100" dirty="0">
-                <a:latin typeface="Clarendon Blk BT" panose="02040905050505020204" pitchFamily="18" charset="0"/>
-              </a:rPr>
-              <a:t>1. Connectivity check</a:t>
-            </a:r>
-            <a:endParaRPr lang="zh-CN" altLang="en-US" sz="1100" dirty="0">
-              <a:latin typeface="Clarendon Blk BT" panose="02040905050505020204" pitchFamily="18" charset="0"/>
-            </a:endParaRPr>
-          </a:p>
-        </p:txBody>
-      </p:sp>
-      <p:sp>
-        <p:nvSpPr>
-          <p:cNvPr id="66" name="Rectangle: Rounded Corners 65">
-            <a:extLst>
-              <a:ext uri="{FF2B5EF4-FFF2-40B4-BE49-F238E27FC236}">
-                <a16:creationId xmlns:a16="http://schemas.microsoft.com/office/drawing/2014/main" id="{B73A6AD6-00B9-4282-BB71-7C3116D662EA}"/>
-              </a:ext>
-            </a:extLst>
-          </p:cNvPr>
-          <p:cNvSpPr/>
-          <p:nvPr/>
-        </p:nvSpPr>
-        <p:spPr>
-          <a:xfrm>
-            <a:off x="4468534" y="4745180"/>
-            <a:ext cx="2281226" cy="304799"/>
-          </a:xfrm>
-          <a:prstGeom prst="roundRect">
-            <a:avLst/>
-          </a:prstGeom>
-        </p:spPr>
-        <p:style>
-          <a:lnRef idx="1">
-            <a:schemeClr val="accent3"/>
-          </a:lnRef>
-          <a:fillRef idx="2">
-            <a:schemeClr val="accent3"/>
-          </a:fillRef>
-          <a:effectRef idx="1">
-            <a:schemeClr val="accent3"/>
-          </a:effectRef>
-          <a:fontRef idx="minor">
-            <a:schemeClr val="dk1"/>
-          </a:fontRef>
-        </p:style>
-        <p:txBody>
-          <a:bodyPr rtlCol="0" anchor="ctr"/>
-          <a:lstStyle/>
-          <a:p>
-            <a:r>
-              <a:rPr lang="en-US" altLang="zh-CN" sz="1100" dirty="0">
-                <a:latin typeface="Clarendon Blk BT" panose="02040905050505020204" pitchFamily="18" charset="0"/>
-              </a:rPr>
-              <a:t>1. Connectivity check</a:t>
-            </a:r>
-            <a:endParaRPr lang="zh-CN" altLang="en-US" sz="1100" dirty="0">
-              <a:latin typeface="Clarendon Blk BT" panose="02040905050505020204" pitchFamily="18" charset="0"/>
-            </a:endParaRPr>
-          </a:p>
-        </p:txBody>
-      </p:sp>
-      <p:pic>
-        <p:nvPicPr>
-          <p:cNvPr id="68" name="Graphic 67" descr="Man">
-            <a:extLst>
-              <a:ext uri="{FF2B5EF4-FFF2-40B4-BE49-F238E27FC236}">
-                <a16:creationId xmlns:a16="http://schemas.microsoft.com/office/drawing/2014/main" id="{A5CB8F82-FAD9-45A7-BF6A-F800AC6FD911}"/>
-              </a:ext>
-            </a:extLst>
-          </p:cNvPr>
-          <p:cNvPicPr>
-            <a:picLocks noChangeAspect="1"/>
-          </p:cNvPicPr>
-          <p:nvPr/>
-        </p:nvPicPr>
-        <p:blipFill>
-          <a:blip r:embed="rId3">
-            <a:extLst>
-              <a:ext uri="{28A0092B-C50C-407E-A947-70E740481C1C}">
-                <a14:useLocalDpi xmlns:a14="http://schemas.microsoft.com/office/drawing/2010/main" val="0"/>
-              </a:ext>
-              <a:ext uri="{96DAC541-7B7A-43D3-8B79-37D633B846F1}">
-                <asvg:svgBlip xmlns:asvg="http://schemas.microsoft.com/office/drawing/2016/SVG/main" r:embed="rId4"/>
-              </a:ext>
-            </a:extLst>
-          </a:blip>
-          <a:stretch>
-            <a:fillRect/>
-          </a:stretch>
-        </p:blipFill>
-        <p:spPr>
-          <a:xfrm>
-            <a:off x="6061" y="3282656"/>
-            <a:ext cx="914400" cy="914400"/>
-          </a:xfrm>
-          <a:prstGeom prst="rect">
-            <a:avLst/>
-          </a:prstGeom>
-        </p:spPr>
-      </p:pic>
-      <p:pic>
-        <p:nvPicPr>
-          <p:cNvPr id="69" name="Graphic 68" descr="Man">
-            <a:extLst>
-              <a:ext uri="{FF2B5EF4-FFF2-40B4-BE49-F238E27FC236}">
-                <a16:creationId xmlns:a16="http://schemas.microsoft.com/office/drawing/2014/main" id="{4BF8D622-8F51-4E82-BC8E-D71077424647}"/>
-              </a:ext>
-            </a:extLst>
-          </p:cNvPr>
-          <p:cNvPicPr>
-            <a:picLocks noChangeAspect="1"/>
-          </p:cNvPicPr>
-          <p:nvPr/>
-        </p:nvPicPr>
-        <p:blipFill>
-          <a:blip r:embed="rId3">
-            <a:extLst>
-              <a:ext uri="{28A0092B-C50C-407E-A947-70E740481C1C}">
-                <a14:useLocalDpi xmlns:a14="http://schemas.microsoft.com/office/drawing/2010/main" val="0"/>
-              </a:ext>
-              <a:ext uri="{96DAC541-7B7A-43D3-8B79-37D633B846F1}">
-                <asvg:svgBlip xmlns:asvg="http://schemas.microsoft.com/office/drawing/2016/SVG/main" r:embed="rId4"/>
-              </a:ext>
-            </a:extLst>
-          </a:blip>
-          <a:stretch>
-            <a:fillRect/>
-          </a:stretch>
-        </p:blipFill>
-        <p:spPr>
-          <a:xfrm>
-            <a:off x="10585309" y="3282656"/>
-            <a:ext cx="914400" cy="914400"/>
-          </a:xfrm>
-          <a:prstGeom prst="rect">
-            <a:avLst/>
-          </a:prstGeom>
-        </p:spPr>
-      </p:pic>
-      <p:sp>
-        <p:nvSpPr>
-          <p:cNvPr id="75" name="Rectangle: Rounded Corners 74">
-            <a:extLst>
-              <a:ext uri="{FF2B5EF4-FFF2-40B4-BE49-F238E27FC236}">
-                <a16:creationId xmlns:a16="http://schemas.microsoft.com/office/drawing/2014/main" id="{AF4327D2-52F9-4394-80E2-B03659C497E6}"/>
-              </a:ext>
-            </a:extLst>
-          </p:cNvPr>
-          <p:cNvSpPr/>
-          <p:nvPr/>
-        </p:nvSpPr>
-        <p:spPr>
-          <a:xfrm>
-            <a:off x="1184568" y="1265999"/>
-            <a:ext cx="1093205" cy="408622"/>
-          </a:xfrm>
-          <a:prstGeom prst="roundRect">
-            <a:avLst/>
-          </a:prstGeom>
-        </p:spPr>
-        <p:style>
-          <a:lnRef idx="1">
-            <a:schemeClr val="accent3"/>
-          </a:lnRef>
-          <a:fillRef idx="2">
-            <a:schemeClr val="accent3"/>
-          </a:fillRef>
-          <a:effectRef idx="1">
-            <a:schemeClr val="accent3"/>
-          </a:effectRef>
-          <a:fontRef idx="minor">
-            <a:schemeClr val="dk1"/>
-          </a:fontRef>
-        </p:style>
-        <p:txBody>
-          <a:bodyPr rtlCol="0" anchor="ctr"/>
-          <a:lstStyle/>
-          <a:p>
-            <a:r>
-              <a:rPr lang="en-US" altLang="zh-CN" sz="1100" dirty="0">
-                <a:latin typeface="Clarendon Blk BT" panose="02040905050505020204" pitchFamily="18" charset="0"/>
-              </a:rPr>
-              <a:t>Phase 1: gathering </a:t>
-            </a:r>
-            <a:endParaRPr lang="zh-CN" altLang="en-US" sz="1100" dirty="0">
-              <a:latin typeface="Clarendon Blk BT" panose="02040905050505020204" pitchFamily="18" charset="0"/>
-            </a:endParaRPr>
-          </a:p>
-        </p:txBody>
-      </p:sp>
-      <p:sp>
-        <p:nvSpPr>
-          <p:cNvPr id="76" name="Rectangle: Rounded Corners 75">
-            <a:extLst>
-              <a:ext uri="{FF2B5EF4-FFF2-40B4-BE49-F238E27FC236}">
-                <a16:creationId xmlns:a16="http://schemas.microsoft.com/office/drawing/2014/main" id="{B26E94D2-47E3-427A-ADAC-0720C6F8E8C7}"/>
-              </a:ext>
-            </a:extLst>
-          </p:cNvPr>
-          <p:cNvSpPr/>
-          <p:nvPr/>
-        </p:nvSpPr>
-        <p:spPr>
-          <a:xfrm>
-            <a:off x="9599251" y="1304054"/>
-            <a:ext cx="1093205" cy="408622"/>
-          </a:xfrm>
-          <a:prstGeom prst="roundRect">
-            <a:avLst/>
-          </a:prstGeom>
-        </p:spPr>
-        <p:style>
-          <a:lnRef idx="1">
-            <a:schemeClr val="accent3"/>
-          </a:lnRef>
-          <a:fillRef idx="2">
-            <a:schemeClr val="accent3"/>
-          </a:fillRef>
-          <a:effectRef idx="1">
-            <a:schemeClr val="accent3"/>
-          </a:effectRef>
-          <a:fontRef idx="minor">
-            <a:schemeClr val="dk1"/>
-          </a:fontRef>
-        </p:style>
-        <p:txBody>
-          <a:bodyPr rtlCol="0" anchor="ctr"/>
-          <a:lstStyle/>
-          <a:p>
-            <a:r>
-              <a:rPr lang="en-US" altLang="zh-CN" sz="1100" dirty="0">
-                <a:latin typeface="Clarendon Blk BT" panose="02040905050505020204" pitchFamily="18" charset="0"/>
-              </a:rPr>
-              <a:t>Phase 1: gathering </a:t>
-            </a:r>
-            <a:endParaRPr lang="zh-CN" altLang="en-US" sz="1100" dirty="0">
-              <a:latin typeface="Clarendon Blk BT" panose="02040905050505020204" pitchFamily="18" charset="0"/>
-            </a:endParaRPr>
-          </a:p>
-        </p:txBody>
-      </p:sp>
-      <p:sp>
-        <p:nvSpPr>
-          <p:cNvPr id="83" name="Rectangle: Rounded Corners 82">
-            <a:extLst>
-              <a:ext uri="{FF2B5EF4-FFF2-40B4-BE49-F238E27FC236}">
-                <a16:creationId xmlns:a16="http://schemas.microsoft.com/office/drawing/2014/main" id="{82B6C8E8-B79C-41EC-AC46-AB337596F948}"/>
-              </a:ext>
-            </a:extLst>
-          </p:cNvPr>
-          <p:cNvSpPr/>
-          <p:nvPr/>
-        </p:nvSpPr>
-        <p:spPr>
-          <a:xfrm>
-            <a:off x="1191296" y="4495412"/>
-            <a:ext cx="1277212" cy="499535"/>
-          </a:xfrm>
-          <a:prstGeom prst="roundRect">
-            <a:avLst/>
-          </a:prstGeom>
-        </p:spPr>
-        <p:style>
-          <a:lnRef idx="1">
-            <a:schemeClr val="accent3"/>
-          </a:lnRef>
-          <a:fillRef idx="2">
-            <a:schemeClr val="accent3"/>
-          </a:fillRef>
-          <a:effectRef idx="1">
-            <a:schemeClr val="accent3"/>
-          </a:effectRef>
-          <a:fontRef idx="minor">
-            <a:schemeClr val="dk1"/>
-          </a:fontRef>
-        </p:style>
-        <p:txBody>
-          <a:bodyPr rtlCol="0" anchor="ctr"/>
-          <a:lstStyle/>
-          <a:p>
-            <a:r>
-              <a:rPr lang="en-US" altLang="zh-CN" sz="1100" dirty="0">
-                <a:latin typeface="Clarendon Blk BT" panose="02040905050505020204" pitchFamily="18" charset="0"/>
-              </a:rPr>
-              <a:t>Phase 2: connectivity check </a:t>
-            </a:r>
-            <a:endParaRPr lang="zh-CN" altLang="en-US" sz="1100" dirty="0">
-              <a:latin typeface="Clarendon Blk BT" panose="02040905050505020204" pitchFamily="18" charset="0"/>
-            </a:endParaRPr>
-          </a:p>
-        </p:txBody>
-      </p:sp>
-      <p:sp>
-        <p:nvSpPr>
-          <p:cNvPr id="85" name="Rectangle: Rounded Corners 84">
-            <a:extLst>
-              <a:ext uri="{FF2B5EF4-FFF2-40B4-BE49-F238E27FC236}">
-                <a16:creationId xmlns:a16="http://schemas.microsoft.com/office/drawing/2014/main" id="{E2894F8E-1EB1-4F62-939C-EB19BF6DF3FF}"/>
-              </a:ext>
-            </a:extLst>
-          </p:cNvPr>
-          <p:cNvSpPr/>
-          <p:nvPr/>
-        </p:nvSpPr>
-        <p:spPr>
-          <a:xfrm>
-            <a:off x="9617246" y="4506666"/>
-            <a:ext cx="1277212" cy="499535"/>
-          </a:xfrm>
-          <a:prstGeom prst="roundRect">
-            <a:avLst/>
-          </a:prstGeom>
-        </p:spPr>
-        <p:style>
-          <a:lnRef idx="1">
-            <a:schemeClr val="accent3"/>
-          </a:lnRef>
-          <a:fillRef idx="2">
-            <a:schemeClr val="accent3"/>
-          </a:fillRef>
-          <a:effectRef idx="1">
-            <a:schemeClr val="accent3"/>
-          </a:effectRef>
-          <a:fontRef idx="minor">
-            <a:schemeClr val="dk1"/>
-          </a:fontRef>
-        </p:style>
-        <p:txBody>
-          <a:bodyPr rtlCol="0" anchor="ctr"/>
-          <a:lstStyle/>
-          <a:p>
-            <a:r>
-              <a:rPr lang="en-US" altLang="zh-CN" sz="1100" dirty="0">
-                <a:latin typeface="Clarendon Blk BT" panose="02040905050505020204" pitchFamily="18" charset="0"/>
-              </a:rPr>
-              <a:t>Phase 2: connectivity check </a:t>
-            </a:r>
-            <a:endParaRPr lang="zh-CN" altLang="en-US" sz="1100" dirty="0">
-              <a:latin typeface="Clarendon Blk BT" panose="02040905050505020204" pitchFamily="18" charset="0"/>
+              <a:t>Non-host-candidate</a:t>
+            </a:r>
+            <a:endParaRPr lang="zh-CN" altLang="en-US" sz="900" dirty="0">
+              <a:solidFill>
+                <a:srgbClr val="FF0000"/>
+              </a:solidFill>
+              <a:latin typeface="Arial Rounded MT Bold" panose="020F0704030504030204" pitchFamily="34" charset="0"/>
             </a:endParaRPr>
           </a:p>
         </p:txBody>
@@ -34753,7 +34506,7 @@
     </p:spTree>
     <p:extLst>
       <p:ext uri="{BB962C8B-B14F-4D97-AF65-F5344CB8AC3E}">
-        <p14:creationId xmlns:p14="http://schemas.microsoft.com/office/powerpoint/2010/main" val="3906847320"/>
+        <p14:creationId xmlns:p14="http://schemas.microsoft.com/office/powerpoint/2010/main" val="3229439133"/>
       </p:ext>
     </p:extLst>
   </p:cSld>
@@ -34782,10 +34535,10 @@
       </p:grpSpPr>
       <p:sp>
         <p:nvSpPr>
-          <p:cNvPr id="19" name="Rectangle: Rounded Corners 18">
-            <a:extLst>
-              <a:ext uri="{FF2B5EF4-FFF2-40B4-BE49-F238E27FC236}">
-                <a16:creationId xmlns:a16="http://schemas.microsoft.com/office/drawing/2014/main" id="{63B16C67-4A99-4825-86E0-C0C4592F9A7A}"/>
+          <p:cNvPr id="20" name="Rectangle: Rounded Corners 19">
+            <a:extLst>
+              <a:ext uri="{FF2B5EF4-FFF2-40B4-BE49-F238E27FC236}">
+                <a16:creationId xmlns:a16="http://schemas.microsoft.com/office/drawing/2014/main" id="{1D79BCF5-E941-434B-82E6-3272F5E572C9}"/>
               </a:ext>
             </a:extLst>
           </p:cNvPr>
@@ -34794,13 +34547,11 @@
         </p:nvSpPr>
         <p:spPr>
           <a:xfrm>
-            <a:off x="339436" y="258126"/>
-            <a:ext cx="3556289" cy="2589849"/>
+            <a:off x="653761" y="220025"/>
+            <a:ext cx="2171699" cy="408623"/>
           </a:xfrm>
           <a:prstGeom prst="roundRect">
-            <a:avLst>
-              <a:gd name="adj" fmla="val 2347"/>
-            </a:avLst>
+            <a:avLst/>
           </a:prstGeom>
         </p:spPr>
         <p:style>
@@ -34818,27 +34569,26 @@
           </a:fontRef>
         </p:style>
         <p:txBody>
-          <a:bodyPr rtlCol="0" anchor="t" anchorCtr="0">
-            <a:noAutofit/>
+          <a:bodyPr rtlCol="0" anchor="ctr">
+            <a:spAutoFit/>
           </a:bodyPr>
           <a:lstStyle/>
           <a:p>
-            <a:pPr algn="ctr"/>
             <a:r>
               <a:rPr lang="en-US" altLang="zh-CN" dirty="0">
                 <a:latin typeface="Berlin Sans FB Demi" panose="020E0802020502020306" pitchFamily="34" charset="0"/>
               </a:rPr>
-              <a:t>candidate</a:t>
-            </a:r>
-          </a:p>
-        </p:txBody>
-      </p:sp>
-      <p:sp>
-        <p:nvSpPr>
-          <p:cNvPr id="29" name="Rectangle: Rounded Corners 28">
-            <a:extLst>
-              <a:ext uri="{FF2B5EF4-FFF2-40B4-BE49-F238E27FC236}">
-                <a16:creationId xmlns:a16="http://schemas.microsoft.com/office/drawing/2014/main" id="{F6BDF21F-B86D-4F25-B7B8-DA75FED78400}"/>
+              <a:t>L-server-reflexive</a:t>
+            </a:r>
+          </a:p>
+        </p:txBody>
+      </p:sp>
+      <p:sp>
+        <p:nvSpPr>
+          <p:cNvPr id="2" name="Cloud 1">
+            <a:extLst>
+              <a:ext uri="{FF2B5EF4-FFF2-40B4-BE49-F238E27FC236}">
+                <a16:creationId xmlns:a16="http://schemas.microsoft.com/office/drawing/2014/main" id="{7388FA17-301A-46D4-A1F1-D87FE8D84923}"/>
               </a:ext>
             </a:extLst>
           </p:cNvPr>
@@ -34847,38 +34597,22 @@
         </p:nvSpPr>
         <p:spPr>
           <a:xfrm>
-            <a:off x="339436" y="1136684"/>
-            <a:ext cx="3556289" cy="334986"/>
-          </a:xfrm>
-          <a:prstGeom prst="roundRect">
-            <a:avLst/>
-          </a:prstGeom>
-          <a:solidFill>
-            <a:schemeClr val="accent3">
-              <a:lumMod val="60000"/>
-              <a:lumOff val="40000"/>
-            </a:schemeClr>
-          </a:solidFill>
-          <a:ln>
-            <a:solidFill>
-              <a:schemeClr val="accent3">
-                <a:lumMod val="20000"/>
-                <a:lumOff val="80000"/>
-              </a:schemeClr>
-            </a:solidFill>
-          </a:ln>
+            <a:off x="2825460" y="628648"/>
+            <a:ext cx="2078182" cy="1039091"/>
+          </a:xfrm>
+          <a:prstGeom prst="cloud">
+            <a:avLst/>
+          </a:prstGeom>
         </p:spPr>
         <p:style>
-          <a:lnRef idx="2">
-            <a:schemeClr val="accent1">
-              <a:shade val="50000"/>
-            </a:schemeClr>
+          <a:lnRef idx="3">
+            <a:schemeClr val="lt1"/>
           </a:lnRef>
           <a:fillRef idx="1">
-            <a:schemeClr val="accent1"/>
+            <a:schemeClr val="accent6"/>
           </a:fillRef>
-          <a:effectRef idx="0">
-            <a:schemeClr val="accent1"/>
+          <a:effectRef idx="1">
+            <a:schemeClr val="accent6"/>
           </a:effectRef>
           <a:fontRef idx="minor">
             <a:schemeClr val="lt1"/>
@@ -34888,24 +34622,62 @@
           <a:bodyPr rtlCol="0" anchor="ctr"/>
           <a:lstStyle/>
           <a:p>
-            <a:r>
-              <a:rPr lang="en-US" altLang="zh-CN" sz="1400" dirty="0">
-                <a:latin typeface="Arial Black" panose="020B0A04020102020204" pitchFamily="34" charset="0"/>
+            <a:pPr algn="ctr"/>
+            <a:r>
+              <a:rPr lang="en-US" altLang="zh-CN" dirty="0">
+                <a:latin typeface="Berlin Sans FB Demi" panose="020E0802020502020306" pitchFamily="34" charset="0"/>
               </a:rPr>
-              <a:t>virtual bool initialize() = 0</a:t>
-            </a:r>
-            <a:endParaRPr lang="zh-CN" altLang="en-US" sz="1400" dirty="0">
-              <a:latin typeface="Arial Black" panose="020B0A04020102020204" pitchFamily="34" charset="0"/>
-            </a:endParaRPr>
-          </a:p>
-        </p:txBody>
-      </p:sp>
-      <p:sp>
-        <p:nvSpPr>
-          <p:cNvPr id="33" name="Rectangle: Rounded Corners 32">
-            <a:extLst>
-              <a:ext uri="{FF2B5EF4-FFF2-40B4-BE49-F238E27FC236}">
-                <a16:creationId xmlns:a16="http://schemas.microsoft.com/office/drawing/2014/main" id="{5388E3C9-445F-4CBE-BFCE-D97AE2EC880C}"/>
+              <a:t>stun-server</a:t>
+            </a:r>
+          </a:p>
+        </p:txBody>
+      </p:sp>
+      <p:cxnSp>
+        <p:nvCxnSpPr>
+          <p:cNvPr id="7" name="Straight Connector 6">
+            <a:extLst>
+              <a:ext uri="{FF2B5EF4-FFF2-40B4-BE49-F238E27FC236}">
+                <a16:creationId xmlns:a16="http://schemas.microsoft.com/office/drawing/2014/main" id="{B221311C-5B33-4B23-9DC5-18D8001408FE}"/>
+              </a:ext>
+            </a:extLst>
+          </p:cNvPr>
+          <p:cNvCxnSpPr>
+            <a:cxnSpLocks/>
+            <a:stCxn id="2" idx="1"/>
+          </p:cNvCxnSpPr>
+          <p:nvPr/>
+        </p:nvCxnSpPr>
+        <p:spPr>
+          <a:xfrm>
+            <a:off x="3864551" y="1666633"/>
+            <a:ext cx="0" cy="1580526"/>
+          </a:xfrm>
+          <a:prstGeom prst="line">
+            <a:avLst/>
+          </a:prstGeom>
+          <a:ln w="31750"/>
+        </p:spPr>
+        <p:style>
+          <a:lnRef idx="1">
+            <a:schemeClr val="accent1"/>
+          </a:lnRef>
+          <a:fillRef idx="0">
+            <a:schemeClr val="accent1"/>
+          </a:fillRef>
+          <a:effectRef idx="0">
+            <a:schemeClr val="accent1"/>
+          </a:effectRef>
+          <a:fontRef idx="minor">
+            <a:schemeClr val="tx1"/>
+          </a:fontRef>
+        </p:style>
+      </p:cxnSp>
+      <p:sp>
+        <p:nvSpPr>
+          <p:cNvPr id="27" name="Rectangle: Rounded Corners 26">
+            <a:extLst>
+              <a:ext uri="{FF2B5EF4-FFF2-40B4-BE49-F238E27FC236}">
+                <a16:creationId xmlns:a16="http://schemas.microsoft.com/office/drawing/2014/main" id="{3036A039-3211-400E-8D4F-246C59178643}"/>
               </a:ext>
             </a:extLst>
           </p:cNvPr>
@@ -34914,38 +34686,150 @@
         </p:nvSpPr>
         <p:spPr>
           <a:xfrm>
-            <a:off x="339436" y="1517684"/>
-            <a:ext cx="3556289" cy="334986"/>
+            <a:off x="9014979" y="220025"/>
+            <a:ext cx="2171699" cy="408623"/>
           </a:xfrm>
           <a:prstGeom prst="roundRect">
             <a:avLst/>
           </a:prstGeom>
-          <a:solidFill>
-            <a:schemeClr val="accent3">
-              <a:lumMod val="60000"/>
-              <a:lumOff val="40000"/>
-            </a:schemeClr>
-          </a:solidFill>
-          <a:ln>
-            <a:solidFill>
-              <a:schemeClr val="accent3">
-                <a:lumMod val="20000"/>
-                <a:lumOff val="80000"/>
-              </a:schemeClr>
-            </a:solidFill>
-          </a:ln>
         </p:spPr>
         <p:style>
-          <a:lnRef idx="2">
-            <a:schemeClr val="accent1">
-              <a:shade val="50000"/>
-            </a:schemeClr>
+          <a:lnRef idx="1">
+            <a:schemeClr val="accent3"/>
+          </a:lnRef>
+          <a:fillRef idx="2">
+            <a:schemeClr val="accent3"/>
+          </a:fillRef>
+          <a:effectRef idx="1">
+            <a:schemeClr val="accent3"/>
+          </a:effectRef>
+          <a:fontRef idx="minor">
+            <a:schemeClr val="dk1"/>
+          </a:fontRef>
+        </p:style>
+        <p:txBody>
+          <a:bodyPr rtlCol="0" anchor="ctr">
+            <a:spAutoFit/>
+          </a:bodyPr>
+          <a:lstStyle/>
+          <a:p>
+            <a:r>
+              <a:rPr lang="en-US" altLang="zh-CN" dirty="0">
+                <a:latin typeface="Berlin Sans FB Demi" panose="020E0802020502020306" pitchFamily="34" charset="0"/>
+              </a:rPr>
+              <a:t>R-server-reflexive</a:t>
+            </a:r>
+          </a:p>
+        </p:txBody>
+      </p:sp>
+      <p:cxnSp>
+        <p:nvCxnSpPr>
+          <p:cNvPr id="12" name="Straight Connector 11">
+            <a:extLst>
+              <a:ext uri="{FF2B5EF4-FFF2-40B4-BE49-F238E27FC236}">
+                <a16:creationId xmlns:a16="http://schemas.microsoft.com/office/drawing/2014/main" id="{8E230B65-7C5F-48F9-9ED7-7A68FD7C629D}"/>
+              </a:ext>
+            </a:extLst>
+          </p:cNvPr>
+          <p:cNvCxnSpPr>
+            <a:stCxn id="20" idx="2"/>
+          </p:cNvCxnSpPr>
+          <p:nvPr/>
+        </p:nvCxnSpPr>
+        <p:spPr>
+          <a:xfrm flipH="1">
+            <a:off x="1739610" y="628648"/>
+            <a:ext cx="1" cy="5943602"/>
+          </a:xfrm>
+          <a:prstGeom prst="line">
+            <a:avLst/>
+          </a:prstGeom>
+          <a:ln w="31750"/>
+        </p:spPr>
+        <p:style>
+          <a:lnRef idx="1">
+            <a:schemeClr val="accent1"/>
+          </a:lnRef>
+          <a:fillRef idx="0">
+            <a:schemeClr val="accent1"/>
+          </a:fillRef>
+          <a:effectRef idx="0">
+            <a:schemeClr val="accent1"/>
+          </a:effectRef>
+          <a:fontRef idx="minor">
+            <a:schemeClr val="tx1"/>
+          </a:fontRef>
+        </p:style>
+      </p:cxnSp>
+      <p:cxnSp>
+        <p:nvCxnSpPr>
+          <p:cNvPr id="14" name="Straight Connector 13">
+            <a:extLst>
+              <a:ext uri="{FF2B5EF4-FFF2-40B4-BE49-F238E27FC236}">
+                <a16:creationId xmlns:a16="http://schemas.microsoft.com/office/drawing/2014/main" id="{7CE72D15-0379-4CB4-AA28-4B506FC48D47}"/>
+              </a:ext>
+            </a:extLst>
+          </p:cNvPr>
+          <p:cNvCxnSpPr>
+            <a:stCxn id="27" idx="2"/>
+          </p:cNvCxnSpPr>
+          <p:nvPr/>
+        </p:nvCxnSpPr>
+        <p:spPr>
+          <a:xfrm flipH="1">
+            <a:off x="10100828" y="628648"/>
+            <a:ext cx="1" cy="5943602"/>
+          </a:xfrm>
+          <a:prstGeom prst="line">
+            <a:avLst/>
+          </a:prstGeom>
+          <a:ln w="31750"/>
+        </p:spPr>
+        <p:style>
+          <a:lnRef idx="1">
+            <a:schemeClr val="accent1"/>
+          </a:lnRef>
+          <a:fillRef idx="0">
+            <a:schemeClr val="accent1"/>
+          </a:fillRef>
+          <a:effectRef idx="0">
+            <a:schemeClr val="accent1"/>
+          </a:effectRef>
+          <a:fontRef idx="minor">
+            <a:schemeClr val="tx1"/>
+          </a:fontRef>
+        </p:style>
+      </p:cxnSp>
+      <p:sp>
+        <p:nvSpPr>
+          <p:cNvPr id="37" name="Cloud 36">
+            <a:extLst>
+              <a:ext uri="{FF2B5EF4-FFF2-40B4-BE49-F238E27FC236}">
+                <a16:creationId xmlns:a16="http://schemas.microsoft.com/office/drawing/2014/main" id="{3934C911-5100-4362-969E-1F988953B671}"/>
+              </a:ext>
+            </a:extLst>
+          </p:cNvPr>
+          <p:cNvSpPr/>
+          <p:nvPr/>
+        </p:nvSpPr>
+        <p:spPr>
+          <a:xfrm>
+            <a:off x="5710669" y="628648"/>
+            <a:ext cx="2078182" cy="1039091"/>
+          </a:xfrm>
+          <a:prstGeom prst="cloud">
+            <a:avLst/>
+          </a:prstGeom>
+        </p:spPr>
+        <p:style>
+          <a:lnRef idx="3">
+            <a:schemeClr val="lt1"/>
           </a:lnRef>
           <a:fillRef idx="1">
-            <a:schemeClr val="accent1"/>
+            <a:schemeClr val="accent5"/>
           </a:fillRef>
-          <a:effectRef idx="0">
-            <a:schemeClr val="accent1"/>
+          <a:effectRef idx="1">
+            <a:schemeClr val="accent5"/>
           </a:effectRef>
           <a:fontRef idx="minor">
             <a:schemeClr val="lt1"/>
@@ -34955,148 +34839,882 @@
           <a:bodyPr rtlCol="0" anchor="ctr"/>
           <a:lstStyle/>
           <a:p>
-            <a:r>
-              <a:rPr lang="en-US" altLang="zh-CN" sz="1400" dirty="0">
-                <a:latin typeface="Arial Black" panose="020B0A04020102020204" pitchFamily="34" charset="0"/>
+            <a:pPr algn="ctr"/>
+            <a:r>
+              <a:rPr lang="en-US" altLang="zh-CN" dirty="0">
+                <a:latin typeface="Berlin Sans FB Demi" panose="020E0802020502020306" pitchFamily="34" charset="0"/>
               </a:rPr>
-              <a:t>std::string GetLocalIP()</a:t>
-            </a:r>
-            <a:endParaRPr lang="zh-CN" altLang="en-US" sz="1400" dirty="0">
-              <a:latin typeface="Arial Black" panose="020B0A04020102020204" pitchFamily="34" charset="0"/>
-            </a:endParaRPr>
-          </a:p>
-        </p:txBody>
-      </p:sp>
-      <p:sp>
-        <p:nvSpPr>
-          <p:cNvPr id="36" name="Rectangle: Rounded Corners 35">
-            <a:extLst>
-              <a:ext uri="{FF2B5EF4-FFF2-40B4-BE49-F238E27FC236}">
-                <a16:creationId xmlns:a16="http://schemas.microsoft.com/office/drawing/2014/main" id="{48BAE68C-A431-4B0D-886D-0018B65E8EEF}"/>
-              </a:ext>
-            </a:extLst>
-          </p:cNvPr>
-          <p:cNvSpPr/>
-          <p:nvPr/>
-        </p:nvSpPr>
-        <p:spPr>
-          <a:xfrm>
-            <a:off x="339436" y="1897936"/>
-            <a:ext cx="3556289" cy="334986"/>
-          </a:xfrm>
-          <a:prstGeom prst="roundRect">
-            <a:avLst/>
-          </a:prstGeom>
-          <a:solidFill>
-            <a:schemeClr val="accent3">
-              <a:lumMod val="60000"/>
-              <a:lumOff val="40000"/>
-            </a:schemeClr>
-          </a:solidFill>
-          <a:ln>
-            <a:solidFill>
-              <a:schemeClr val="accent3">
-                <a:lumMod val="20000"/>
-                <a:lumOff val="80000"/>
-              </a:schemeClr>
-            </a:solidFill>
-          </a:ln>
+              <a:t>stun-server</a:t>
+            </a:r>
+          </a:p>
+        </p:txBody>
+      </p:sp>
+      <p:cxnSp>
+        <p:nvCxnSpPr>
+          <p:cNvPr id="38" name="Straight Connector 37">
+            <a:extLst>
+              <a:ext uri="{FF2B5EF4-FFF2-40B4-BE49-F238E27FC236}">
+                <a16:creationId xmlns:a16="http://schemas.microsoft.com/office/drawing/2014/main" id="{1ED83D99-2E9D-4AFC-AC1D-52820FC69EA5}"/>
+              </a:ext>
+            </a:extLst>
+          </p:cNvPr>
+          <p:cNvCxnSpPr>
+            <a:cxnSpLocks/>
+            <a:stCxn id="37" idx="1"/>
+          </p:cNvCxnSpPr>
+          <p:nvPr/>
+        </p:nvCxnSpPr>
+        <p:spPr>
+          <a:xfrm>
+            <a:off x="6749760" y="1666633"/>
+            <a:ext cx="0" cy="1580526"/>
+          </a:xfrm>
+          <a:prstGeom prst="line">
+            <a:avLst/>
+          </a:prstGeom>
+          <a:ln w="31750"/>
         </p:spPr>
         <p:style>
-          <a:lnRef idx="2">
-            <a:schemeClr val="accent1">
-              <a:shade val="50000"/>
-            </a:schemeClr>
+          <a:lnRef idx="1">
+            <a:schemeClr val="accent1"/>
           </a:lnRef>
-          <a:fillRef idx="1">
+          <a:fillRef idx="0">
             <a:schemeClr val="accent1"/>
           </a:fillRef>
           <a:effectRef idx="0">
             <a:schemeClr val="accent1"/>
           </a:effectRef>
           <a:fontRef idx="minor">
-            <a:schemeClr val="lt1"/>
+            <a:schemeClr val="tx1"/>
           </a:fontRef>
         </p:style>
-        <p:txBody>
-          <a:bodyPr rtlCol="0" anchor="ctr"/>
-          <a:lstStyle/>
-          <a:p>
-            <a:r>
-              <a:rPr lang="en-US" altLang="zh-CN" sz="1400" dirty="0">
-                <a:latin typeface="Arial Black" panose="020B0A04020102020204" pitchFamily="34" charset="0"/>
-              </a:rPr>
-              <a:t>Int16_t GetLocalPort ()</a:t>
-            </a:r>
-            <a:endParaRPr lang="zh-CN" altLang="en-US" sz="1400" dirty="0">
-              <a:latin typeface="Arial Black" panose="020B0A04020102020204" pitchFamily="34" charset="0"/>
-            </a:endParaRPr>
-          </a:p>
-        </p:txBody>
-      </p:sp>
-      <p:sp>
-        <p:nvSpPr>
-          <p:cNvPr id="38" name="Rectangle: Rounded Corners 37">
-            <a:extLst>
-              <a:ext uri="{FF2B5EF4-FFF2-40B4-BE49-F238E27FC236}">
-                <a16:creationId xmlns:a16="http://schemas.microsoft.com/office/drawing/2014/main" id="{07162B93-8336-4D19-AD5E-3E2C8CA38A67}"/>
-              </a:ext>
-            </a:extLst>
-          </p:cNvPr>
-          <p:cNvSpPr/>
-          <p:nvPr/>
-        </p:nvSpPr>
-        <p:spPr>
-          <a:xfrm>
-            <a:off x="339436" y="2268284"/>
-            <a:ext cx="3556289" cy="334986"/>
-          </a:xfrm>
-          <a:prstGeom prst="roundRect">
-            <a:avLst/>
-          </a:prstGeom>
-          <a:solidFill>
-            <a:schemeClr val="accent3">
-              <a:lumMod val="60000"/>
-              <a:lumOff val="40000"/>
-            </a:schemeClr>
-          </a:solidFill>
+      </p:cxnSp>
+      <p:cxnSp>
+        <p:nvCxnSpPr>
+          <p:cNvPr id="35" name="Straight Arrow Connector 34">
+            <a:extLst>
+              <a:ext uri="{FF2B5EF4-FFF2-40B4-BE49-F238E27FC236}">
+                <a16:creationId xmlns:a16="http://schemas.microsoft.com/office/drawing/2014/main" id="{47D0590B-002F-41A8-8055-2C9FA3771C35}"/>
+              </a:ext>
+            </a:extLst>
+          </p:cNvPr>
+          <p:cNvCxnSpPr>
+            <a:cxnSpLocks/>
+          </p:cNvCxnSpPr>
+          <p:nvPr/>
+        </p:nvCxnSpPr>
+        <p:spPr>
+          <a:xfrm>
+            <a:off x="1739610" y="2166505"/>
+            <a:ext cx="2124941" cy="0"/>
+          </a:xfrm>
+          <a:prstGeom prst="straightConnector1">
+            <a:avLst/>
+          </a:prstGeom>
           <a:ln>
-            <a:solidFill>
-              <a:schemeClr val="accent3">
-                <a:lumMod val="20000"/>
-                <a:lumOff val="80000"/>
-              </a:schemeClr>
-            </a:solidFill>
+            <a:tailEnd type="triangle"/>
           </a:ln>
         </p:spPr>
         <p:style>
-          <a:lnRef idx="2">
-            <a:schemeClr val="accent1">
-              <a:shade val="50000"/>
-            </a:schemeClr>
+          <a:lnRef idx="1">
+            <a:schemeClr val="accent1"/>
           </a:lnRef>
-          <a:fillRef idx="1">
+          <a:fillRef idx="0">
             <a:schemeClr val="accent1"/>
           </a:fillRef>
           <a:effectRef idx="0">
             <a:schemeClr val="accent1"/>
           </a:effectRef>
           <a:fontRef idx="minor">
-            <a:schemeClr val="lt1"/>
+            <a:schemeClr val="tx1"/>
           </a:fontRef>
         </p:style>
+      </p:cxnSp>
+      <p:cxnSp>
+        <p:nvCxnSpPr>
+          <p:cNvPr id="46" name="Straight Arrow Connector 45">
+            <a:extLst>
+              <a:ext uri="{FF2B5EF4-FFF2-40B4-BE49-F238E27FC236}">
+                <a16:creationId xmlns:a16="http://schemas.microsoft.com/office/drawing/2014/main" id="{472B260C-85BE-45AD-8611-8C15CF0FE86C}"/>
+              </a:ext>
+            </a:extLst>
+          </p:cNvPr>
+          <p:cNvCxnSpPr>
+            <a:cxnSpLocks/>
+          </p:cNvCxnSpPr>
+          <p:nvPr/>
+        </p:nvCxnSpPr>
+        <p:spPr>
+          <a:xfrm flipH="1">
+            <a:off x="1739610" y="3008168"/>
+            <a:ext cx="2124941" cy="0"/>
+          </a:xfrm>
+          <a:prstGeom prst="straightConnector1">
+            <a:avLst/>
+          </a:prstGeom>
+          <a:ln>
+            <a:tailEnd type="triangle"/>
+          </a:ln>
+        </p:spPr>
+        <p:style>
+          <a:lnRef idx="1">
+            <a:schemeClr val="accent1"/>
+          </a:lnRef>
+          <a:fillRef idx="0">
+            <a:schemeClr val="accent1"/>
+          </a:fillRef>
+          <a:effectRef idx="0">
+            <a:schemeClr val="accent1"/>
+          </a:effectRef>
+          <a:fontRef idx="minor">
+            <a:schemeClr val="tx1"/>
+          </a:fontRef>
+        </p:style>
+      </p:cxnSp>
+      <p:cxnSp>
+        <p:nvCxnSpPr>
+          <p:cNvPr id="50" name="Straight Arrow Connector 49">
+            <a:extLst>
+              <a:ext uri="{FF2B5EF4-FFF2-40B4-BE49-F238E27FC236}">
+                <a16:creationId xmlns:a16="http://schemas.microsoft.com/office/drawing/2014/main" id="{6944AABC-761D-4256-A9E4-16CA754F7551}"/>
+              </a:ext>
+            </a:extLst>
+          </p:cNvPr>
+          <p:cNvCxnSpPr>
+            <a:cxnSpLocks/>
+          </p:cNvCxnSpPr>
+          <p:nvPr/>
+        </p:nvCxnSpPr>
+        <p:spPr>
+          <a:xfrm flipH="1">
+            <a:off x="6749761" y="2007177"/>
+            <a:ext cx="3351067" cy="0"/>
+          </a:xfrm>
+          <a:prstGeom prst="straightConnector1">
+            <a:avLst/>
+          </a:prstGeom>
+          <a:ln>
+            <a:tailEnd type="triangle"/>
+          </a:ln>
+        </p:spPr>
+        <p:style>
+          <a:lnRef idx="1">
+            <a:schemeClr val="accent1"/>
+          </a:lnRef>
+          <a:fillRef idx="0">
+            <a:schemeClr val="accent1"/>
+          </a:fillRef>
+          <a:effectRef idx="0">
+            <a:schemeClr val="accent1"/>
+          </a:effectRef>
+          <a:fontRef idx="minor">
+            <a:schemeClr val="tx1"/>
+          </a:fontRef>
+        </p:style>
+      </p:cxnSp>
+      <p:cxnSp>
+        <p:nvCxnSpPr>
+          <p:cNvPr id="52" name="Straight Arrow Connector 51">
+            <a:extLst>
+              <a:ext uri="{FF2B5EF4-FFF2-40B4-BE49-F238E27FC236}">
+                <a16:creationId xmlns:a16="http://schemas.microsoft.com/office/drawing/2014/main" id="{59620B59-F137-4EBF-BB74-D5E84BD97073}"/>
+              </a:ext>
+            </a:extLst>
+          </p:cNvPr>
+          <p:cNvCxnSpPr>
+            <a:cxnSpLocks/>
+          </p:cNvCxnSpPr>
+          <p:nvPr/>
+        </p:nvCxnSpPr>
+        <p:spPr>
+          <a:xfrm>
+            <a:off x="6749760" y="2682587"/>
+            <a:ext cx="3351068" cy="0"/>
+          </a:xfrm>
+          <a:prstGeom prst="straightConnector1">
+            <a:avLst/>
+          </a:prstGeom>
+          <a:ln>
+            <a:tailEnd type="triangle"/>
+          </a:ln>
+        </p:spPr>
+        <p:style>
+          <a:lnRef idx="1">
+            <a:schemeClr val="accent1"/>
+          </a:lnRef>
+          <a:fillRef idx="0">
+            <a:schemeClr val="accent1"/>
+          </a:fillRef>
+          <a:effectRef idx="0">
+            <a:schemeClr val="accent1"/>
+          </a:effectRef>
+          <a:fontRef idx="minor">
+            <a:schemeClr val="tx1"/>
+          </a:fontRef>
+        </p:style>
+      </p:cxnSp>
+      <p:cxnSp>
+        <p:nvCxnSpPr>
+          <p:cNvPr id="55" name="Straight Arrow Connector 54">
+            <a:extLst>
+              <a:ext uri="{FF2B5EF4-FFF2-40B4-BE49-F238E27FC236}">
+                <a16:creationId xmlns:a16="http://schemas.microsoft.com/office/drawing/2014/main" id="{D645A7E0-633F-40E1-9B34-82B02E950CA4}"/>
+              </a:ext>
+            </a:extLst>
+          </p:cNvPr>
+          <p:cNvCxnSpPr/>
+          <p:nvPr/>
+        </p:nvCxnSpPr>
+        <p:spPr>
+          <a:xfrm>
+            <a:off x="1739610" y="4442114"/>
+            <a:ext cx="8361218" cy="0"/>
+          </a:xfrm>
+          <a:prstGeom prst="straightConnector1">
+            <a:avLst/>
+          </a:prstGeom>
+          <a:ln>
+            <a:tailEnd type="triangle"/>
+          </a:ln>
+        </p:spPr>
+        <p:style>
+          <a:lnRef idx="1">
+            <a:schemeClr val="accent1"/>
+          </a:lnRef>
+          <a:fillRef idx="0">
+            <a:schemeClr val="accent1"/>
+          </a:fillRef>
+          <a:effectRef idx="0">
+            <a:schemeClr val="accent1"/>
+          </a:effectRef>
+          <a:fontRef idx="minor">
+            <a:schemeClr val="tx1"/>
+          </a:fontRef>
+        </p:style>
+      </p:cxnSp>
+      <p:cxnSp>
+        <p:nvCxnSpPr>
+          <p:cNvPr id="57" name="Straight Arrow Connector 56">
+            <a:extLst>
+              <a:ext uri="{FF2B5EF4-FFF2-40B4-BE49-F238E27FC236}">
+                <a16:creationId xmlns:a16="http://schemas.microsoft.com/office/drawing/2014/main" id="{F6BF6305-AD59-4B6B-BAB6-BAE56988FFB4}"/>
+              </a:ext>
+            </a:extLst>
+          </p:cNvPr>
+          <p:cNvCxnSpPr/>
+          <p:nvPr/>
+        </p:nvCxnSpPr>
+        <p:spPr>
+          <a:xfrm flipH="1">
+            <a:off x="1739610" y="5117521"/>
+            <a:ext cx="8361218" cy="0"/>
+          </a:xfrm>
+          <a:prstGeom prst="straightConnector1">
+            <a:avLst/>
+          </a:prstGeom>
+          <a:ln>
+            <a:tailEnd type="triangle"/>
+          </a:ln>
+        </p:spPr>
+        <p:style>
+          <a:lnRef idx="1">
+            <a:schemeClr val="accent1"/>
+          </a:lnRef>
+          <a:fillRef idx="0">
+            <a:schemeClr val="accent1"/>
+          </a:fillRef>
+          <a:effectRef idx="0">
+            <a:schemeClr val="accent1"/>
+          </a:effectRef>
+          <a:fontRef idx="minor">
+            <a:schemeClr val="tx1"/>
+          </a:fontRef>
+        </p:style>
+      </p:cxnSp>
+      <p:sp>
+        <p:nvSpPr>
+          <p:cNvPr id="58" name="Rectangle: Rounded Corners 57">
+            <a:extLst>
+              <a:ext uri="{FF2B5EF4-FFF2-40B4-BE49-F238E27FC236}">
+                <a16:creationId xmlns:a16="http://schemas.microsoft.com/office/drawing/2014/main" id="{7FE35500-F120-4D9E-8784-0A6783CA9A76}"/>
+              </a:ext>
+            </a:extLst>
+          </p:cNvPr>
+          <p:cNvSpPr/>
+          <p:nvPr/>
+        </p:nvSpPr>
+        <p:spPr>
+          <a:xfrm>
+            <a:off x="2183829" y="1809749"/>
+            <a:ext cx="1556031" cy="304799"/>
+          </a:xfrm>
+          <a:prstGeom prst="roundRect">
+            <a:avLst/>
+          </a:prstGeom>
+        </p:spPr>
+        <p:style>
+          <a:lnRef idx="1">
+            <a:schemeClr val="accent3"/>
+          </a:lnRef>
+          <a:fillRef idx="2">
+            <a:schemeClr val="accent3"/>
+          </a:fillRef>
+          <a:effectRef idx="1">
+            <a:schemeClr val="accent3"/>
+          </a:effectRef>
+          <a:fontRef idx="minor">
+            <a:schemeClr val="dk1"/>
+          </a:fontRef>
+        </p:style>
         <p:txBody>
           <a:bodyPr rtlCol="0" anchor="ctr"/>
           <a:lstStyle/>
           <a:p>
             <a:r>
-              <a:rPr lang="en-US" altLang="zh-CN" sz="1400" dirty="0">
-                <a:latin typeface="Arial Black" panose="020B0A04020102020204" pitchFamily="34" charset="0"/>
+              <a:rPr lang="en-US" altLang="zh-CN" sz="1100" dirty="0">
+                <a:latin typeface="Clarendon Blk BT" panose="02040905050505020204" pitchFamily="18" charset="0"/>
               </a:rPr>
-              <a:t>virtual bool initialize() = 0</a:t>
-            </a:r>
-            <a:endParaRPr lang="zh-CN" altLang="en-US" sz="1400" dirty="0">
-              <a:latin typeface="Arial Black" panose="020B0A04020102020204" pitchFamily="34" charset="0"/>
+              <a:t>1. Bind request</a:t>
+            </a:r>
+            <a:endParaRPr lang="zh-CN" altLang="en-US" sz="1100" dirty="0">
+              <a:latin typeface="Clarendon Blk BT" panose="02040905050505020204" pitchFamily="18" charset="0"/>
+            </a:endParaRPr>
+          </a:p>
+        </p:txBody>
+      </p:sp>
+      <p:sp>
+        <p:nvSpPr>
+          <p:cNvPr id="59" name="Rectangle: Rounded Corners 58">
+            <a:extLst>
+              <a:ext uri="{FF2B5EF4-FFF2-40B4-BE49-F238E27FC236}">
+                <a16:creationId xmlns:a16="http://schemas.microsoft.com/office/drawing/2014/main" id="{51B70E1B-52A0-44B9-911C-8782BA2ED5B0}"/>
+              </a:ext>
+            </a:extLst>
+          </p:cNvPr>
+          <p:cNvSpPr/>
+          <p:nvPr/>
+        </p:nvSpPr>
+        <p:spPr>
+          <a:xfrm>
+            <a:off x="2155260" y="2623705"/>
+            <a:ext cx="1584594" cy="304799"/>
+          </a:xfrm>
+          <a:prstGeom prst="roundRect">
+            <a:avLst/>
+          </a:prstGeom>
+        </p:spPr>
+        <p:style>
+          <a:lnRef idx="1">
+            <a:schemeClr val="accent3"/>
+          </a:lnRef>
+          <a:fillRef idx="2">
+            <a:schemeClr val="accent3"/>
+          </a:fillRef>
+          <a:effectRef idx="1">
+            <a:schemeClr val="accent3"/>
+          </a:effectRef>
+          <a:fontRef idx="minor">
+            <a:schemeClr val="dk1"/>
+          </a:fontRef>
+        </p:style>
+        <p:txBody>
+          <a:bodyPr rtlCol="0" anchor="ctr"/>
+          <a:lstStyle/>
+          <a:p>
+            <a:r>
+              <a:rPr lang="en-US" altLang="zh-CN" sz="1100" dirty="0">
+                <a:latin typeface="Clarendon Blk BT" panose="02040905050505020204" pitchFamily="18" charset="0"/>
+              </a:rPr>
+              <a:t>2. Bind response</a:t>
+            </a:r>
+            <a:endParaRPr lang="zh-CN" altLang="en-US" sz="1100" dirty="0">
+              <a:latin typeface="Clarendon Blk BT" panose="02040905050505020204" pitchFamily="18" charset="0"/>
+            </a:endParaRPr>
+          </a:p>
+        </p:txBody>
+      </p:sp>
+      <p:sp>
+        <p:nvSpPr>
+          <p:cNvPr id="63" name="Rectangle: Rounded Corners 62">
+            <a:extLst>
+              <a:ext uri="{FF2B5EF4-FFF2-40B4-BE49-F238E27FC236}">
+                <a16:creationId xmlns:a16="http://schemas.microsoft.com/office/drawing/2014/main" id="{D9F3B576-C814-4A95-B1BA-B330C56FC207}"/>
+              </a:ext>
+            </a:extLst>
+          </p:cNvPr>
+          <p:cNvSpPr/>
+          <p:nvPr/>
+        </p:nvSpPr>
+        <p:spPr>
+          <a:xfrm>
+            <a:off x="7669792" y="1636570"/>
+            <a:ext cx="1556031" cy="304799"/>
+          </a:xfrm>
+          <a:prstGeom prst="roundRect">
+            <a:avLst/>
+          </a:prstGeom>
+        </p:spPr>
+        <p:style>
+          <a:lnRef idx="1">
+            <a:schemeClr val="accent3"/>
+          </a:lnRef>
+          <a:fillRef idx="2">
+            <a:schemeClr val="accent3"/>
+          </a:fillRef>
+          <a:effectRef idx="1">
+            <a:schemeClr val="accent3"/>
+          </a:effectRef>
+          <a:fontRef idx="minor">
+            <a:schemeClr val="dk1"/>
+          </a:fontRef>
+        </p:style>
+        <p:txBody>
+          <a:bodyPr rtlCol="0" anchor="ctr"/>
+          <a:lstStyle/>
+          <a:p>
+            <a:r>
+              <a:rPr lang="en-US" altLang="zh-CN" sz="1100" dirty="0">
+                <a:latin typeface="Clarendon Blk BT" panose="02040905050505020204" pitchFamily="18" charset="0"/>
+              </a:rPr>
+              <a:t>1. Bind request</a:t>
+            </a:r>
+            <a:endParaRPr lang="zh-CN" altLang="en-US" sz="1100" dirty="0">
+              <a:latin typeface="Clarendon Blk BT" panose="02040905050505020204" pitchFamily="18" charset="0"/>
+            </a:endParaRPr>
+          </a:p>
+        </p:txBody>
+      </p:sp>
+      <p:sp>
+        <p:nvSpPr>
+          <p:cNvPr id="64" name="Rectangle: Rounded Corners 63">
+            <a:extLst>
+              <a:ext uri="{FF2B5EF4-FFF2-40B4-BE49-F238E27FC236}">
+                <a16:creationId xmlns:a16="http://schemas.microsoft.com/office/drawing/2014/main" id="{7B4ADEE9-92EC-4AC7-B458-AE2DE1E133A0}"/>
+              </a:ext>
+            </a:extLst>
+          </p:cNvPr>
+          <p:cNvSpPr/>
+          <p:nvPr/>
+        </p:nvSpPr>
+        <p:spPr>
+          <a:xfrm>
+            <a:off x="7641229" y="2308510"/>
+            <a:ext cx="1584594" cy="304799"/>
+          </a:xfrm>
+          <a:prstGeom prst="roundRect">
+            <a:avLst/>
+          </a:prstGeom>
+        </p:spPr>
+        <p:style>
+          <a:lnRef idx="1">
+            <a:schemeClr val="accent3"/>
+          </a:lnRef>
+          <a:fillRef idx="2">
+            <a:schemeClr val="accent3"/>
+          </a:fillRef>
+          <a:effectRef idx="1">
+            <a:schemeClr val="accent3"/>
+          </a:effectRef>
+          <a:fontRef idx="minor">
+            <a:schemeClr val="dk1"/>
+          </a:fontRef>
+        </p:style>
+        <p:txBody>
+          <a:bodyPr rtlCol="0" anchor="ctr"/>
+          <a:lstStyle/>
+          <a:p>
+            <a:r>
+              <a:rPr lang="en-US" altLang="zh-CN" sz="1100" dirty="0">
+                <a:latin typeface="Clarendon Blk BT" panose="02040905050505020204" pitchFamily="18" charset="0"/>
+              </a:rPr>
+              <a:t>2. Bind response</a:t>
+            </a:r>
+            <a:endParaRPr lang="zh-CN" altLang="en-US" sz="1100" dirty="0">
+              <a:latin typeface="Clarendon Blk BT" panose="02040905050505020204" pitchFamily="18" charset="0"/>
+            </a:endParaRPr>
+          </a:p>
+        </p:txBody>
+      </p:sp>
+      <p:sp>
+        <p:nvSpPr>
+          <p:cNvPr id="65" name="Rectangle: Rounded Corners 64">
+            <a:extLst>
+              <a:ext uri="{FF2B5EF4-FFF2-40B4-BE49-F238E27FC236}">
+                <a16:creationId xmlns:a16="http://schemas.microsoft.com/office/drawing/2014/main" id="{CFEC67F7-83B4-45A2-ACC8-7C70180A15BD}"/>
+              </a:ext>
+            </a:extLst>
+          </p:cNvPr>
+          <p:cNvSpPr/>
+          <p:nvPr/>
+        </p:nvSpPr>
+        <p:spPr>
+          <a:xfrm>
+            <a:off x="4468534" y="4069774"/>
+            <a:ext cx="2281226" cy="304799"/>
+          </a:xfrm>
+          <a:prstGeom prst="roundRect">
+            <a:avLst/>
+          </a:prstGeom>
+        </p:spPr>
+        <p:style>
+          <a:lnRef idx="1">
+            <a:schemeClr val="accent3"/>
+          </a:lnRef>
+          <a:fillRef idx="2">
+            <a:schemeClr val="accent3"/>
+          </a:fillRef>
+          <a:effectRef idx="1">
+            <a:schemeClr val="accent3"/>
+          </a:effectRef>
+          <a:fontRef idx="minor">
+            <a:schemeClr val="dk1"/>
+          </a:fontRef>
+        </p:style>
+        <p:txBody>
+          <a:bodyPr rtlCol="0" anchor="ctr"/>
+          <a:lstStyle/>
+          <a:p>
+            <a:r>
+              <a:rPr lang="en-US" altLang="zh-CN" sz="1100" dirty="0">
+                <a:latin typeface="Clarendon Blk BT" panose="02040905050505020204" pitchFamily="18" charset="0"/>
+              </a:rPr>
+              <a:t>1. Connectivity check</a:t>
+            </a:r>
+            <a:endParaRPr lang="zh-CN" altLang="en-US" sz="1100" dirty="0">
+              <a:latin typeface="Clarendon Blk BT" panose="02040905050505020204" pitchFamily="18" charset="0"/>
+            </a:endParaRPr>
+          </a:p>
+        </p:txBody>
+      </p:sp>
+      <p:sp>
+        <p:nvSpPr>
+          <p:cNvPr id="66" name="Rectangle: Rounded Corners 65">
+            <a:extLst>
+              <a:ext uri="{FF2B5EF4-FFF2-40B4-BE49-F238E27FC236}">
+                <a16:creationId xmlns:a16="http://schemas.microsoft.com/office/drawing/2014/main" id="{B73A6AD6-00B9-4282-BB71-7C3116D662EA}"/>
+              </a:ext>
+            </a:extLst>
+          </p:cNvPr>
+          <p:cNvSpPr/>
+          <p:nvPr/>
+        </p:nvSpPr>
+        <p:spPr>
+          <a:xfrm>
+            <a:off x="4468534" y="4745180"/>
+            <a:ext cx="2281226" cy="304799"/>
+          </a:xfrm>
+          <a:prstGeom prst="roundRect">
+            <a:avLst/>
+          </a:prstGeom>
+        </p:spPr>
+        <p:style>
+          <a:lnRef idx="1">
+            <a:schemeClr val="accent3"/>
+          </a:lnRef>
+          <a:fillRef idx="2">
+            <a:schemeClr val="accent3"/>
+          </a:fillRef>
+          <a:effectRef idx="1">
+            <a:schemeClr val="accent3"/>
+          </a:effectRef>
+          <a:fontRef idx="minor">
+            <a:schemeClr val="dk1"/>
+          </a:fontRef>
+        </p:style>
+        <p:txBody>
+          <a:bodyPr rtlCol="0" anchor="ctr"/>
+          <a:lstStyle/>
+          <a:p>
+            <a:r>
+              <a:rPr lang="en-US" altLang="zh-CN" sz="1100" dirty="0">
+                <a:latin typeface="Clarendon Blk BT" panose="02040905050505020204" pitchFamily="18" charset="0"/>
+              </a:rPr>
+              <a:t>1. Connectivity check</a:t>
+            </a:r>
+            <a:endParaRPr lang="zh-CN" altLang="en-US" sz="1100" dirty="0">
+              <a:latin typeface="Clarendon Blk BT" panose="02040905050505020204" pitchFamily="18" charset="0"/>
+            </a:endParaRPr>
+          </a:p>
+        </p:txBody>
+      </p:sp>
+      <p:pic>
+        <p:nvPicPr>
+          <p:cNvPr id="68" name="Graphic 67" descr="Man">
+            <a:extLst>
+              <a:ext uri="{FF2B5EF4-FFF2-40B4-BE49-F238E27FC236}">
+                <a16:creationId xmlns:a16="http://schemas.microsoft.com/office/drawing/2014/main" id="{A5CB8F82-FAD9-45A7-BF6A-F800AC6FD911}"/>
+              </a:ext>
+            </a:extLst>
+          </p:cNvPr>
+          <p:cNvPicPr>
+            <a:picLocks noChangeAspect="1"/>
+          </p:cNvPicPr>
+          <p:nvPr/>
+        </p:nvPicPr>
+        <p:blipFill>
+          <a:blip r:embed="rId3">
+            <a:extLst>
+              <a:ext uri="{28A0092B-C50C-407E-A947-70E740481C1C}">
+                <a14:useLocalDpi xmlns:a14="http://schemas.microsoft.com/office/drawing/2010/main" val="0"/>
+              </a:ext>
+              <a:ext uri="{96DAC541-7B7A-43D3-8B79-37D633B846F1}">
+                <asvg:svgBlip xmlns:asvg="http://schemas.microsoft.com/office/drawing/2016/SVG/main" r:embed="rId4"/>
+              </a:ext>
+            </a:extLst>
+          </a:blip>
+          <a:stretch>
+            <a:fillRect/>
+          </a:stretch>
+        </p:blipFill>
+        <p:spPr>
+          <a:xfrm>
+            <a:off x="6061" y="3282656"/>
+            <a:ext cx="914400" cy="914400"/>
+          </a:xfrm>
+          <a:prstGeom prst="rect">
+            <a:avLst/>
+          </a:prstGeom>
+        </p:spPr>
+      </p:pic>
+      <p:pic>
+        <p:nvPicPr>
+          <p:cNvPr id="69" name="Graphic 68" descr="Man">
+            <a:extLst>
+              <a:ext uri="{FF2B5EF4-FFF2-40B4-BE49-F238E27FC236}">
+                <a16:creationId xmlns:a16="http://schemas.microsoft.com/office/drawing/2014/main" id="{4BF8D622-8F51-4E82-BC8E-D71077424647}"/>
+              </a:ext>
+            </a:extLst>
+          </p:cNvPr>
+          <p:cNvPicPr>
+            <a:picLocks noChangeAspect="1"/>
+          </p:cNvPicPr>
+          <p:nvPr/>
+        </p:nvPicPr>
+        <p:blipFill>
+          <a:blip r:embed="rId3">
+            <a:extLst>
+              <a:ext uri="{28A0092B-C50C-407E-A947-70E740481C1C}">
+                <a14:useLocalDpi xmlns:a14="http://schemas.microsoft.com/office/drawing/2010/main" val="0"/>
+              </a:ext>
+              <a:ext uri="{96DAC541-7B7A-43D3-8B79-37D633B846F1}">
+                <asvg:svgBlip xmlns:asvg="http://schemas.microsoft.com/office/drawing/2016/SVG/main" r:embed="rId4"/>
+              </a:ext>
+            </a:extLst>
+          </a:blip>
+          <a:stretch>
+            <a:fillRect/>
+          </a:stretch>
+        </p:blipFill>
+        <p:spPr>
+          <a:xfrm>
+            <a:off x="10585309" y="3282656"/>
+            <a:ext cx="914400" cy="914400"/>
+          </a:xfrm>
+          <a:prstGeom prst="rect">
+            <a:avLst/>
+          </a:prstGeom>
+        </p:spPr>
+      </p:pic>
+      <p:sp>
+        <p:nvSpPr>
+          <p:cNvPr id="75" name="Rectangle: Rounded Corners 74">
+            <a:extLst>
+              <a:ext uri="{FF2B5EF4-FFF2-40B4-BE49-F238E27FC236}">
+                <a16:creationId xmlns:a16="http://schemas.microsoft.com/office/drawing/2014/main" id="{AF4327D2-52F9-4394-80E2-B03659C497E6}"/>
+              </a:ext>
+            </a:extLst>
+          </p:cNvPr>
+          <p:cNvSpPr/>
+          <p:nvPr/>
+        </p:nvSpPr>
+        <p:spPr>
+          <a:xfrm>
+            <a:off x="1184568" y="1265999"/>
+            <a:ext cx="1093205" cy="408622"/>
+          </a:xfrm>
+          <a:prstGeom prst="roundRect">
+            <a:avLst/>
+          </a:prstGeom>
+        </p:spPr>
+        <p:style>
+          <a:lnRef idx="1">
+            <a:schemeClr val="accent3"/>
+          </a:lnRef>
+          <a:fillRef idx="2">
+            <a:schemeClr val="accent3"/>
+          </a:fillRef>
+          <a:effectRef idx="1">
+            <a:schemeClr val="accent3"/>
+          </a:effectRef>
+          <a:fontRef idx="minor">
+            <a:schemeClr val="dk1"/>
+          </a:fontRef>
+        </p:style>
+        <p:txBody>
+          <a:bodyPr rtlCol="0" anchor="ctr"/>
+          <a:lstStyle/>
+          <a:p>
+            <a:r>
+              <a:rPr lang="en-US" altLang="zh-CN" sz="1100" dirty="0">
+                <a:latin typeface="Clarendon Blk BT" panose="02040905050505020204" pitchFamily="18" charset="0"/>
+              </a:rPr>
+              <a:t>Phase 1: gathering </a:t>
+            </a:r>
+            <a:endParaRPr lang="zh-CN" altLang="en-US" sz="1100" dirty="0">
+              <a:latin typeface="Clarendon Blk BT" panose="02040905050505020204" pitchFamily="18" charset="0"/>
+            </a:endParaRPr>
+          </a:p>
+        </p:txBody>
+      </p:sp>
+      <p:sp>
+        <p:nvSpPr>
+          <p:cNvPr id="76" name="Rectangle: Rounded Corners 75">
+            <a:extLst>
+              <a:ext uri="{FF2B5EF4-FFF2-40B4-BE49-F238E27FC236}">
+                <a16:creationId xmlns:a16="http://schemas.microsoft.com/office/drawing/2014/main" id="{B26E94D2-47E3-427A-ADAC-0720C6F8E8C7}"/>
+              </a:ext>
+            </a:extLst>
+          </p:cNvPr>
+          <p:cNvSpPr/>
+          <p:nvPr/>
+        </p:nvSpPr>
+        <p:spPr>
+          <a:xfrm>
+            <a:off x="9599251" y="1304054"/>
+            <a:ext cx="1093205" cy="408622"/>
+          </a:xfrm>
+          <a:prstGeom prst="roundRect">
+            <a:avLst/>
+          </a:prstGeom>
+        </p:spPr>
+        <p:style>
+          <a:lnRef idx="1">
+            <a:schemeClr val="accent3"/>
+          </a:lnRef>
+          <a:fillRef idx="2">
+            <a:schemeClr val="accent3"/>
+          </a:fillRef>
+          <a:effectRef idx="1">
+            <a:schemeClr val="accent3"/>
+          </a:effectRef>
+          <a:fontRef idx="minor">
+            <a:schemeClr val="dk1"/>
+          </a:fontRef>
+        </p:style>
+        <p:txBody>
+          <a:bodyPr rtlCol="0" anchor="ctr"/>
+          <a:lstStyle/>
+          <a:p>
+            <a:r>
+              <a:rPr lang="en-US" altLang="zh-CN" sz="1100" dirty="0">
+                <a:latin typeface="Clarendon Blk BT" panose="02040905050505020204" pitchFamily="18" charset="0"/>
+              </a:rPr>
+              <a:t>Phase 1: gathering </a:t>
+            </a:r>
+            <a:endParaRPr lang="zh-CN" altLang="en-US" sz="1100" dirty="0">
+              <a:latin typeface="Clarendon Blk BT" panose="02040905050505020204" pitchFamily="18" charset="0"/>
+            </a:endParaRPr>
+          </a:p>
+        </p:txBody>
+      </p:sp>
+      <p:sp>
+        <p:nvSpPr>
+          <p:cNvPr id="83" name="Rectangle: Rounded Corners 82">
+            <a:extLst>
+              <a:ext uri="{FF2B5EF4-FFF2-40B4-BE49-F238E27FC236}">
+                <a16:creationId xmlns:a16="http://schemas.microsoft.com/office/drawing/2014/main" id="{82B6C8E8-B79C-41EC-AC46-AB337596F948}"/>
+              </a:ext>
+            </a:extLst>
+          </p:cNvPr>
+          <p:cNvSpPr/>
+          <p:nvPr/>
+        </p:nvSpPr>
+        <p:spPr>
+          <a:xfrm>
+            <a:off x="1191296" y="4495412"/>
+            <a:ext cx="1277212" cy="499535"/>
+          </a:xfrm>
+          <a:prstGeom prst="roundRect">
+            <a:avLst/>
+          </a:prstGeom>
+        </p:spPr>
+        <p:style>
+          <a:lnRef idx="1">
+            <a:schemeClr val="accent3"/>
+          </a:lnRef>
+          <a:fillRef idx="2">
+            <a:schemeClr val="accent3"/>
+          </a:fillRef>
+          <a:effectRef idx="1">
+            <a:schemeClr val="accent3"/>
+          </a:effectRef>
+          <a:fontRef idx="minor">
+            <a:schemeClr val="dk1"/>
+          </a:fontRef>
+        </p:style>
+        <p:txBody>
+          <a:bodyPr rtlCol="0" anchor="ctr"/>
+          <a:lstStyle/>
+          <a:p>
+            <a:r>
+              <a:rPr lang="en-US" altLang="zh-CN" sz="1100" dirty="0">
+                <a:latin typeface="Clarendon Blk BT" panose="02040905050505020204" pitchFamily="18" charset="0"/>
+              </a:rPr>
+              <a:t>Phase 2: connectivity check </a:t>
+            </a:r>
+            <a:endParaRPr lang="zh-CN" altLang="en-US" sz="1100" dirty="0">
+              <a:latin typeface="Clarendon Blk BT" panose="02040905050505020204" pitchFamily="18" charset="0"/>
+            </a:endParaRPr>
+          </a:p>
+        </p:txBody>
+      </p:sp>
+      <p:sp>
+        <p:nvSpPr>
+          <p:cNvPr id="85" name="Rectangle: Rounded Corners 84">
+            <a:extLst>
+              <a:ext uri="{FF2B5EF4-FFF2-40B4-BE49-F238E27FC236}">
+                <a16:creationId xmlns:a16="http://schemas.microsoft.com/office/drawing/2014/main" id="{E2894F8E-1EB1-4F62-939C-EB19BF6DF3FF}"/>
+              </a:ext>
+            </a:extLst>
+          </p:cNvPr>
+          <p:cNvSpPr/>
+          <p:nvPr/>
+        </p:nvSpPr>
+        <p:spPr>
+          <a:xfrm>
+            <a:off x="9617246" y="4506666"/>
+            <a:ext cx="1277212" cy="499535"/>
+          </a:xfrm>
+          <a:prstGeom prst="roundRect">
+            <a:avLst/>
+          </a:prstGeom>
+        </p:spPr>
+        <p:style>
+          <a:lnRef idx="1">
+            <a:schemeClr val="accent3"/>
+          </a:lnRef>
+          <a:fillRef idx="2">
+            <a:schemeClr val="accent3"/>
+          </a:fillRef>
+          <a:effectRef idx="1">
+            <a:schemeClr val="accent3"/>
+          </a:effectRef>
+          <a:fontRef idx="minor">
+            <a:schemeClr val="dk1"/>
+          </a:fontRef>
+        </p:style>
+        <p:txBody>
+          <a:bodyPr rtlCol="0" anchor="ctr"/>
+          <a:lstStyle/>
+          <a:p>
+            <a:r>
+              <a:rPr lang="en-US" altLang="zh-CN" sz="1100" dirty="0">
+                <a:latin typeface="Clarendon Blk BT" panose="02040905050505020204" pitchFamily="18" charset="0"/>
+              </a:rPr>
+              <a:t>Phase 2: connectivity check </a:t>
+            </a:r>
+            <a:endParaRPr lang="zh-CN" altLang="en-US" sz="1100" dirty="0">
+              <a:latin typeface="Clarendon Blk BT" panose="02040905050505020204" pitchFamily="18" charset="0"/>
             </a:endParaRPr>
           </a:p>
         </p:txBody>
@@ -35104,7 +35722,7 @@
     </p:spTree>
     <p:extLst>
       <p:ext uri="{BB962C8B-B14F-4D97-AF65-F5344CB8AC3E}">
-        <p14:creationId xmlns:p14="http://schemas.microsoft.com/office/powerpoint/2010/main" val="1453677507"/>
+        <p14:creationId xmlns:p14="http://schemas.microsoft.com/office/powerpoint/2010/main" val="3906847320"/>
       </p:ext>
     </p:extLst>
   </p:cSld>
@@ -35945,10 +36563,10 @@
       </p:grpSpPr>
       <p:sp>
         <p:nvSpPr>
-          <p:cNvPr id="21" name="Rectangle: Rounded Corners 20">
-            <a:extLst>
-              <a:ext uri="{FF2B5EF4-FFF2-40B4-BE49-F238E27FC236}">
-                <a16:creationId xmlns:a16="http://schemas.microsoft.com/office/drawing/2014/main" id="{F65B2436-1F20-4286-82EE-90A01FBFBCF1}"/>
+          <p:cNvPr id="88" name="Rectangle 87">
+            <a:extLst>
+              <a:ext uri="{FF2B5EF4-FFF2-40B4-BE49-F238E27FC236}">
+                <a16:creationId xmlns:a16="http://schemas.microsoft.com/office/drawing/2014/main" id="{13B4D670-09E3-452D-A274-253A09306901}"/>
               </a:ext>
             </a:extLst>
           </p:cNvPr>
@@ -35957,8 +36575,136 @@
         </p:nvSpPr>
         <p:spPr>
           <a:xfrm>
-            <a:off x="3602966" y="997780"/>
-            <a:ext cx="1654833" cy="408623"/>
+            <a:off x="4034010" y="427672"/>
+            <a:ext cx="45719" cy="6411277"/>
+          </a:xfrm>
+          <a:prstGeom prst="rect">
+            <a:avLst/>
+          </a:prstGeom>
+        </p:spPr>
+        <p:style>
+          <a:lnRef idx="1">
+            <a:schemeClr val="accent6"/>
+          </a:lnRef>
+          <a:fillRef idx="3">
+            <a:schemeClr val="accent6"/>
+          </a:fillRef>
+          <a:effectRef idx="2">
+            <a:schemeClr val="accent6"/>
+          </a:effectRef>
+          <a:fontRef idx="minor">
+            <a:schemeClr val="lt1"/>
+          </a:fontRef>
+        </p:style>
+        <p:txBody>
+          <a:bodyPr rtlCol="0" anchor="ctr"/>
+          <a:lstStyle/>
+          <a:p>
+            <a:pPr algn="ctr"/>
+            <a:endParaRPr lang="zh-CN" altLang="en-US"/>
+          </a:p>
+        </p:txBody>
+      </p:sp>
+      <p:cxnSp>
+        <p:nvCxnSpPr>
+          <p:cNvPr id="87" name="Straight Arrow Connector 86">
+            <a:extLst>
+              <a:ext uri="{FF2B5EF4-FFF2-40B4-BE49-F238E27FC236}">
+                <a16:creationId xmlns:a16="http://schemas.microsoft.com/office/drawing/2014/main" id="{D872D749-3D4E-4223-A16E-63325AEC16EA}"/>
+              </a:ext>
+            </a:extLst>
+          </p:cNvPr>
+          <p:cNvCxnSpPr>
+            <a:stCxn id="60" idx="2"/>
+            <a:endCxn id="61" idx="0"/>
+          </p:cNvCxnSpPr>
+          <p:nvPr/>
+        </p:nvCxnSpPr>
+        <p:spPr>
+          <a:xfrm flipH="1">
+            <a:off x="10115548" y="5439439"/>
+            <a:ext cx="1" cy="939322"/>
+          </a:xfrm>
+          <a:prstGeom prst="straightConnector1">
+            <a:avLst/>
+          </a:prstGeom>
+          <a:ln>
+            <a:tailEnd type="triangle"/>
+          </a:ln>
+        </p:spPr>
+        <p:style>
+          <a:lnRef idx="1">
+            <a:schemeClr val="accent1"/>
+          </a:lnRef>
+          <a:fillRef idx="0">
+            <a:schemeClr val="accent1"/>
+          </a:fillRef>
+          <a:effectRef idx="0">
+            <a:schemeClr val="accent1"/>
+          </a:effectRef>
+          <a:fontRef idx="minor">
+            <a:schemeClr val="tx1"/>
+          </a:fontRef>
+        </p:style>
+      </p:cxnSp>
+      <p:cxnSp>
+        <p:nvCxnSpPr>
+          <p:cNvPr id="84" name="Straight Arrow Connector 83">
+            <a:extLst>
+              <a:ext uri="{FF2B5EF4-FFF2-40B4-BE49-F238E27FC236}">
+                <a16:creationId xmlns:a16="http://schemas.microsoft.com/office/drawing/2014/main" id="{60586CEC-3AD0-4549-9060-A38FD1897ACF}"/>
+              </a:ext>
+            </a:extLst>
+          </p:cNvPr>
+          <p:cNvCxnSpPr>
+            <a:stCxn id="48" idx="2"/>
+            <a:endCxn id="77" idx="0"/>
+          </p:cNvCxnSpPr>
+          <p:nvPr/>
+        </p:nvCxnSpPr>
+        <p:spPr>
+          <a:xfrm>
+            <a:off x="8329612" y="2223941"/>
+            <a:ext cx="1" cy="1862716"/>
+          </a:xfrm>
+          <a:prstGeom prst="straightConnector1">
+            <a:avLst/>
+          </a:prstGeom>
+          <a:ln>
+            <a:tailEnd type="triangle"/>
+          </a:ln>
+        </p:spPr>
+        <p:style>
+          <a:lnRef idx="1">
+            <a:schemeClr val="accent1"/>
+          </a:lnRef>
+          <a:fillRef idx="0">
+            <a:schemeClr val="accent1"/>
+          </a:fillRef>
+          <a:effectRef idx="0">
+            <a:schemeClr val="accent1"/>
+          </a:effectRef>
+          <a:fontRef idx="minor">
+            <a:schemeClr val="tx1"/>
+          </a:fontRef>
+        </p:style>
+      </p:cxnSp>
+      <p:sp>
+        <p:nvSpPr>
+          <p:cNvPr id="42" name="Rectangle: Rounded Corners 41">
+            <a:extLst>
+              <a:ext uri="{FF2B5EF4-FFF2-40B4-BE49-F238E27FC236}">
+                <a16:creationId xmlns:a16="http://schemas.microsoft.com/office/drawing/2014/main" id="{D6ADFB79-5176-4FB1-8294-D7E502D26354}"/>
+              </a:ext>
+            </a:extLst>
+          </p:cNvPr>
+          <p:cNvSpPr/>
+          <p:nvPr/>
+        </p:nvSpPr>
+        <p:spPr>
+          <a:xfrm>
+            <a:off x="3401722" y="19050"/>
+            <a:ext cx="1356014" cy="408623"/>
           </a:xfrm>
           <a:prstGeom prst="roundRect">
             <a:avLst/>
@@ -35979,29 +36725,254 @@
           </a:fontRef>
         </p:style>
         <p:txBody>
+          <a:bodyPr wrap="square" rtlCol="0" anchor="ctr">
+            <a:spAutoFit/>
+          </a:bodyPr>
+          <a:lstStyle/>
+          <a:p>
+            <a:r>
+              <a:rPr lang="en-US" altLang="zh-CN" dirty="0">
+                <a:latin typeface="Berlin Sans FB Demi" panose="020E0802020502020306" pitchFamily="34" charset="0"/>
+              </a:rPr>
+              <a:t>Candidate</a:t>
+            </a:r>
+          </a:p>
+        </p:txBody>
+      </p:sp>
+      <p:sp>
+        <p:nvSpPr>
+          <p:cNvPr id="21" name="Rectangle: Single Corner Rounded 20">
+            <a:extLst>
+              <a:ext uri="{FF2B5EF4-FFF2-40B4-BE49-F238E27FC236}">
+                <a16:creationId xmlns:a16="http://schemas.microsoft.com/office/drawing/2014/main" id="{AC808267-63C4-49EA-B387-1A1497E1A10C}"/>
+              </a:ext>
+            </a:extLst>
+          </p:cNvPr>
+          <p:cNvSpPr/>
+          <p:nvPr/>
+        </p:nvSpPr>
+        <p:spPr>
+          <a:xfrm>
+            <a:off x="66678" y="2678274"/>
+            <a:ext cx="2066925" cy="461665"/>
+          </a:xfrm>
+          <a:prstGeom prst="round1Rect">
+            <a:avLst/>
+          </a:prstGeom>
+        </p:spPr>
+        <p:style>
+          <a:lnRef idx="2">
+            <a:schemeClr val="accent6">
+              <a:shade val="50000"/>
+            </a:schemeClr>
+          </a:lnRef>
+          <a:fillRef idx="1">
+            <a:schemeClr val="accent6"/>
+          </a:fillRef>
+          <a:effectRef idx="0">
+            <a:schemeClr val="accent6"/>
+          </a:effectRef>
+          <a:fontRef idx="minor">
+            <a:schemeClr val="lt1"/>
+          </a:fontRef>
+        </p:style>
+        <p:txBody>
           <a:bodyPr rtlCol="0" anchor="ctr">
             <a:spAutoFit/>
           </a:bodyPr>
           <a:lstStyle/>
           <a:p>
+            <a:pPr algn="ctr"/>
+            <a:r>
+              <a:rPr lang="en-US" altLang="zh-CN" sz="2400" dirty="0">
+                <a:latin typeface="DFMincho-SU" panose="02010609010101010101" pitchFamily="1" charset="-128"/>
+                <a:ea typeface="DFMincho-SU" panose="02010609010101010101" pitchFamily="1" charset="-128"/>
+              </a:rPr>
+              <a:t>recv_thread</a:t>
+            </a:r>
+            <a:endParaRPr lang="zh-CN" altLang="en-US" sz="2400" dirty="0">
+              <a:latin typeface="DFMincho-SU" panose="02010609010101010101" pitchFamily="1" charset="-128"/>
+              <a:ea typeface="DFMincho-SU" panose="02010609010101010101" pitchFamily="1" charset="-128"/>
+            </a:endParaRPr>
+          </a:p>
+        </p:txBody>
+      </p:sp>
+      <p:sp>
+        <p:nvSpPr>
+          <p:cNvPr id="44" name="Rectangle: Single Corner Rounded 43">
+            <a:extLst>
+              <a:ext uri="{FF2B5EF4-FFF2-40B4-BE49-F238E27FC236}">
+                <a16:creationId xmlns:a16="http://schemas.microsoft.com/office/drawing/2014/main" id="{99655F4C-A2E1-437A-9EFB-FFB3967485BA}"/>
+              </a:ext>
+            </a:extLst>
+          </p:cNvPr>
+          <p:cNvSpPr/>
+          <p:nvPr/>
+        </p:nvSpPr>
+        <p:spPr>
+          <a:xfrm>
+            <a:off x="6991349" y="263808"/>
+            <a:ext cx="2676525" cy="461665"/>
+          </a:xfrm>
+          <a:prstGeom prst="round1Rect">
+            <a:avLst/>
+          </a:prstGeom>
+        </p:spPr>
+        <p:style>
+          <a:lnRef idx="0">
+            <a:schemeClr val="accent6"/>
+          </a:lnRef>
+          <a:fillRef idx="3">
+            <a:schemeClr val="accent6"/>
+          </a:fillRef>
+          <a:effectRef idx="3">
+            <a:schemeClr val="accent6"/>
+          </a:effectRef>
+          <a:fontRef idx="minor">
+            <a:schemeClr val="lt1"/>
+          </a:fontRef>
+        </p:style>
+        <p:txBody>
+          <a:bodyPr rtlCol="0" anchor="ctr">
+            <a:spAutoFit/>
+          </a:bodyPr>
+          <a:lstStyle/>
+          <a:p>
+            <a:pPr algn="ctr"/>
+            <a:r>
+              <a:rPr lang="en-US" altLang="zh-CN" sz="2400" dirty="0">
+                <a:latin typeface="DFMincho-SU" panose="02010609010101010101" pitchFamily="1" charset="-128"/>
+                <a:ea typeface="DFMincho-SU" panose="02010609010101010101" pitchFamily="1" charset="-128"/>
+              </a:rPr>
+              <a:t>gather_thread</a:t>
+            </a:r>
+            <a:endParaRPr lang="zh-CN" altLang="en-US" sz="2400" dirty="0">
+              <a:latin typeface="DFMincho-SU" panose="02010609010101010101" pitchFamily="1" charset="-128"/>
+              <a:ea typeface="DFMincho-SU" panose="02010609010101010101" pitchFamily="1" charset="-128"/>
+            </a:endParaRPr>
+          </a:p>
+        </p:txBody>
+      </p:sp>
+      <p:sp>
+        <p:nvSpPr>
+          <p:cNvPr id="45" name="Rectangle: Single Corner Rounded 44">
+            <a:extLst>
+              <a:ext uri="{FF2B5EF4-FFF2-40B4-BE49-F238E27FC236}">
+                <a16:creationId xmlns:a16="http://schemas.microsoft.com/office/drawing/2014/main" id="{B3AD826E-8135-4751-9981-A837195BD620}"/>
+              </a:ext>
+            </a:extLst>
+          </p:cNvPr>
+          <p:cNvSpPr/>
+          <p:nvPr/>
+        </p:nvSpPr>
+        <p:spPr>
+          <a:xfrm>
+            <a:off x="66678" y="1688190"/>
+            <a:ext cx="3257549" cy="461665"/>
+          </a:xfrm>
+          <a:prstGeom prst="round1Rect">
+            <a:avLst/>
+          </a:prstGeom>
+        </p:spPr>
+        <p:style>
+          <a:lnRef idx="1">
+            <a:schemeClr val="accent3"/>
+          </a:lnRef>
+          <a:fillRef idx="3">
+            <a:schemeClr val="accent3"/>
+          </a:fillRef>
+          <a:effectRef idx="2">
+            <a:schemeClr val="accent3"/>
+          </a:effectRef>
+          <a:fontRef idx="minor">
+            <a:schemeClr val="lt1"/>
+          </a:fontRef>
+        </p:style>
+        <p:txBody>
+          <a:bodyPr rtlCol="0" anchor="ctr">
+            <a:spAutoFit/>
+          </a:bodyPr>
+          <a:lstStyle/>
+          <a:p>
+            <a:pPr algn="ctr"/>
+            <a:r>
+              <a:rPr lang="en-US" altLang="zh-CN" sz="2400" dirty="0">
+                <a:latin typeface="DFMincho-SU" panose="02010609010101010101" pitchFamily="1" charset="-128"/>
+                <a:ea typeface="DFMincho-SU" panose="02010609010101010101" pitchFamily="1" charset="-128"/>
+              </a:rPr>
+              <a:t>connectivity_thread</a:t>
+            </a:r>
+            <a:endParaRPr lang="zh-CN" altLang="en-US" sz="2400" dirty="0">
+              <a:latin typeface="DFMincho-SU" panose="02010609010101010101" pitchFamily="1" charset="-128"/>
+              <a:ea typeface="DFMincho-SU" panose="02010609010101010101" pitchFamily="1" charset="-128"/>
+            </a:endParaRPr>
+          </a:p>
+        </p:txBody>
+      </p:sp>
+      <p:sp>
+        <p:nvSpPr>
+          <p:cNvPr id="48" name="Rectangle: Single Corner Rounded 47">
+            <a:extLst>
+              <a:ext uri="{FF2B5EF4-FFF2-40B4-BE49-F238E27FC236}">
+                <a16:creationId xmlns:a16="http://schemas.microsoft.com/office/drawing/2014/main" id="{342893C4-BCAE-4D5E-B3F3-3AE5A5D836EC}"/>
+              </a:ext>
+            </a:extLst>
+          </p:cNvPr>
+          <p:cNvSpPr/>
+          <p:nvPr/>
+        </p:nvSpPr>
+        <p:spPr>
+          <a:xfrm>
+            <a:off x="7353299" y="1854609"/>
+            <a:ext cx="1952626" cy="369332"/>
+          </a:xfrm>
+          <a:prstGeom prst="round1Rect">
+            <a:avLst/>
+          </a:prstGeom>
+        </p:spPr>
+        <p:style>
+          <a:lnRef idx="2">
+            <a:schemeClr val="accent1">
+              <a:shade val="50000"/>
+            </a:schemeClr>
+          </a:lnRef>
+          <a:fillRef idx="1">
+            <a:schemeClr val="accent1"/>
+          </a:fillRef>
+          <a:effectRef idx="0">
+            <a:schemeClr val="accent1"/>
+          </a:effectRef>
+          <a:fontRef idx="minor">
+            <a:schemeClr val="lt1"/>
+          </a:fontRef>
+        </p:style>
+        <p:txBody>
+          <a:bodyPr rtlCol="0" anchor="ctr">
+            <a:spAutoFit/>
+          </a:bodyPr>
+          <a:lstStyle/>
+          <a:p>
+            <a:pPr algn="ctr"/>
             <a:r>
               <a:rPr lang="en-US" altLang="zh-CN" dirty="0">
-                <a:latin typeface="Berlin Sans FB Demi" panose="020E0802020502020306" pitchFamily="34" charset="0"/>
+                <a:latin typeface="Ubuntu Mono" panose="020B0509030602030204" pitchFamily="49" charset="0"/>
+                <a:ea typeface="DFMincho-SU" panose="02010609010101010101" pitchFamily="1" charset="-128"/>
               </a:rPr>
-              <a:t>UDP mode</a:t>
+              <a:t>send_bind_req</a:t>
             </a:r>
             <a:endParaRPr lang="zh-CN" altLang="en-US" dirty="0">
-              <a:latin typeface="Berlin Sans FB Demi" panose="020E0802020502020306" pitchFamily="34" charset="0"/>
+              <a:latin typeface="Ubuntu Mono" panose="020B0509030602030204" pitchFamily="49" charset="0"/>
+              <a:ea typeface="DFMincho-SU" panose="02010609010101010101" pitchFamily="1" charset="-128"/>
             </a:endParaRPr>
           </a:p>
         </p:txBody>
       </p:sp>
       <p:sp>
         <p:nvSpPr>
-          <p:cNvPr id="39" name="Rectangle: Rounded Corners 38">
-            <a:extLst>
-              <a:ext uri="{FF2B5EF4-FFF2-40B4-BE49-F238E27FC236}">
-                <a16:creationId xmlns:a16="http://schemas.microsoft.com/office/drawing/2014/main" id="{D8B6EF3A-85A8-46F3-9DDB-B2A0CB7E9198}"/>
+          <p:cNvPr id="51" name="Rectangle: Single Corner Rounded 50">
+            <a:extLst>
+              <a:ext uri="{FF2B5EF4-FFF2-40B4-BE49-F238E27FC236}">
+                <a16:creationId xmlns:a16="http://schemas.microsoft.com/office/drawing/2014/main" id="{95951C5A-F89D-4F65-A87F-9D15EA961B04}"/>
               </a:ext>
             </a:extLst>
           </p:cNvPr>
@@ -36010,8 +36981,1311 @@
         </p:nvSpPr>
         <p:spPr>
           <a:xfrm>
-            <a:off x="7413915" y="1406404"/>
-            <a:ext cx="2762805" cy="408623"/>
+            <a:off x="6696075" y="2358508"/>
+            <a:ext cx="3267075" cy="369332"/>
+          </a:xfrm>
+          <a:prstGeom prst="round1Rect">
+            <a:avLst/>
+          </a:prstGeom>
+        </p:spPr>
+        <p:style>
+          <a:lnRef idx="2">
+            <a:schemeClr val="accent1">
+              <a:shade val="50000"/>
+            </a:schemeClr>
+          </a:lnRef>
+          <a:fillRef idx="1">
+            <a:schemeClr val="accent1"/>
+          </a:fillRef>
+          <a:effectRef idx="0">
+            <a:schemeClr val="accent1"/>
+          </a:effectRef>
+          <a:fontRef idx="minor">
+            <a:schemeClr val="lt1"/>
+          </a:fontRef>
+        </p:style>
+        <p:txBody>
+          <a:bodyPr rtlCol="0" anchor="ctr">
+            <a:spAutoFit/>
+          </a:bodyPr>
+          <a:lstStyle/>
+          <a:p>
+            <a:pPr algn="ctr"/>
+            <a:r>
+              <a:rPr lang="en-US" altLang="zh-CN" dirty="0">
+                <a:latin typeface="Ubuntu Mono" panose="020B0509030602030204" pitchFamily="49" charset="0"/>
+                <a:ea typeface="DFMincho-SU" panose="02010609010101010101" pitchFamily="1" charset="-128"/>
+              </a:rPr>
+              <a:t>start_retransmission_timer</a:t>
+            </a:r>
+            <a:endParaRPr lang="zh-CN" altLang="en-US" dirty="0">
+              <a:latin typeface="Ubuntu Mono" panose="020B0509030602030204" pitchFamily="49" charset="0"/>
+              <a:ea typeface="DFMincho-SU" panose="02010609010101010101" pitchFamily="1" charset="-128"/>
+            </a:endParaRPr>
+          </a:p>
+        </p:txBody>
+      </p:sp>
+      <p:sp>
+        <p:nvSpPr>
+          <p:cNvPr id="53" name="Rectangle: Single Corner Rounded 52">
+            <a:extLst>
+              <a:ext uri="{FF2B5EF4-FFF2-40B4-BE49-F238E27FC236}">
+                <a16:creationId xmlns:a16="http://schemas.microsoft.com/office/drawing/2014/main" id="{F31B713A-F9A6-4908-80DB-37B4BF062ECE}"/>
+              </a:ext>
+            </a:extLst>
+          </p:cNvPr>
+          <p:cNvSpPr/>
+          <p:nvPr/>
+        </p:nvSpPr>
+        <p:spPr>
+          <a:xfrm>
+            <a:off x="6696075" y="2941914"/>
+            <a:ext cx="3267075" cy="369332"/>
+          </a:xfrm>
+          <a:prstGeom prst="round1Rect">
+            <a:avLst/>
+          </a:prstGeom>
+        </p:spPr>
+        <p:style>
+          <a:lnRef idx="2">
+            <a:schemeClr val="accent1">
+              <a:shade val="50000"/>
+            </a:schemeClr>
+          </a:lnRef>
+          <a:fillRef idx="1">
+            <a:schemeClr val="accent1"/>
+          </a:fillRef>
+          <a:effectRef idx="0">
+            <a:schemeClr val="accent1"/>
+          </a:effectRef>
+          <a:fontRef idx="minor">
+            <a:schemeClr val="lt1"/>
+          </a:fontRef>
+        </p:style>
+        <p:txBody>
+          <a:bodyPr rtlCol="0" anchor="ctr">
+            <a:spAutoFit/>
+          </a:bodyPr>
+          <a:lstStyle/>
+          <a:p>
+            <a:pPr algn="ctr"/>
+            <a:r>
+              <a:rPr lang="en-US" altLang="zh-CN" dirty="0">
+                <a:latin typeface="Ubuntu Mono" panose="020B0509030602030204" pitchFamily="49" charset="0"/>
+                <a:ea typeface="DFMincho-SU" panose="02010609010101010101" pitchFamily="1" charset="-128"/>
+              </a:rPr>
+              <a:t>wait_for_bind_resp</a:t>
+            </a:r>
+            <a:endParaRPr lang="zh-CN" altLang="en-US" dirty="0">
+              <a:latin typeface="Ubuntu Mono" panose="020B0509030602030204" pitchFamily="49" charset="0"/>
+              <a:ea typeface="DFMincho-SU" panose="02010609010101010101" pitchFamily="1" charset="-128"/>
+            </a:endParaRPr>
+          </a:p>
+        </p:txBody>
+      </p:sp>
+      <p:sp>
+        <p:nvSpPr>
+          <p:cNvPr id="54" name="Rectangle: Single Corner Rounded 53">
+            <a:extLst>
+              <a:ext uri="{FF2B5EF4-FFF2-40B4-BE49-F238E27FC236}">
+                <a16:creationId xmlns:a16="http://schemas.microsoft.com/office/drawing/2014/main" id="{875C5151-E015-4026-9D89-210A97F09C14}"/>
+              </a:ext>
+            </a:extLst>
+          </p:cNvPr>
+          <p:cNvSpPr/>
+          <p:nvPr/>
+        </p:nvSpPr>
+        <p:spPr>
+          <a:xfrm>
+            <a:off x="6696075" y="3549135"/>
+            <a:ext cx="3267075" cy="369332"/>
+          </a:xfrm>
+          <a:prstGeom prst="round1Rect">
+            <a:avLst/>
+          </a:prstGeom>
+        </p:spPr>
+        <p:style>
+          <a:lnRef idx="2">
+            <a:schemeClr val="accent1">
+              <a:shade val="50000"/>
+            </a:schemeClr>
+          </a:lnRef>
+          <a:fillRef idx="1">
+            <a:schemeClr val="accent1"/>
+          </a:fillRef>
+          <a:effectRef idx="0">
+            <a:schemeClr val="accent1"/>
+          </a:effectRef>
+          <a:fontRef idx="minor">
+            <a:schemeClr val="lt1"/>
+          </a:fontRef>
+        </p:style>
+        <p:txBody>
+          <a:bodyPr rtlCol="0" anchor="ctr">
+            <a:spAutoFit/>
+          </a:bodyPr>
+          <a:lstStyle/>
+          <a:p>
+            <a:pPr algn="ctr"/>
+            <a:r>
+              <a:rPr lang="en-US" altLang="zh-CN" dirty="0">
+                <a:latin typeface="Ubuntu Mono" panose="020B0509030602030204" pitchFamily="49" charset="0"/>
+                <a:ea typeface="DFMincho-SU" panose="02010609010101010101" pitchFamily="1" charset="-128"/>
+              </a:rPr>
+              <a:t>handle_recv_msg</a:t>
+            </a:r>
+            <a:endParaRPr lang="zh-CN" altLang="en-US" dirty="0">
+              <a:latin typeface="Ubuntu Mono" panose="020B0509030602030204" pitchFamily="49" charset="0"/>
+              <a:ea typeface="DFMincho-SU" panose="02010609010101010101" pitchFamily="1" charset="-128"/>
+            </a:endParaRPr>
+          </a:p>
+        </p:txBody>
+      </p:sp>
+      <p:sp>
+        <p:nvSpPr>
+          <p:cNvPr id="60" name="Rectangle: Single Corner Rounded 59">
+            <a:extLst>
+              <a:ext uri="{FF2B5EF4-FFF2-40B4-BE49-F238E27FC236}">
+                <a16:creationId xmlns:a16="http://schemas.microsoft.com/office/drawing/2014/main" id="{F46E976B-E4DA-4CB5-9431-D55A3DB5859B}"/>
+              </a:ext>
+            </a:extLst>
+          </p:cNvPr>
+          <p:cNvSpPr/>
+          <p:nvPr/>
+        </p:nvSpPr>
+        <p:spPr>
+          <a:xfrm>
+            <a:off x="8410573" y="5070107"/>
+            <a:ext cx="3409951" cy="369332"/>
+          </a:xfrm>
+          <a:prstGeom prst="round1Rect">
+            <a:avLst/>
+          </a:prstGeom>
+        </p:spPr>
+        <p:style>
+          <a:lnRef idx="2">
+            <a:schemeClr val="accent1">
+              <a:shade val="50000"/>
+            </a:schemeClr>
+          </a:lnRef>
+          <a:fillRef idx="1">
+            <a:schemeClr val="accent1"/>
+          </a:fillRef>
+          <a:effectRef idx="0">
+            <a:schemeClr val="accent1"/>
+          </a:effectRef>
+          <a:fontRef idx="minor">
+            <a:schemeClr val="lt1"/>
+          </a:fontRef>
+        </p:style>
+        <p:txBody>
+          <a:bodyPr rtlCol="0" anchor="ctr">
+            <a:spAutoFit/>
+          </a:bodyPr>
+          <a:lstStyle/>
+          <a:p>
+            <a:pPr algn="ctr"/>
+            <a:r>
+              <a:rPr lang="en-US" altLang="zh-CN" dirty="0">
+                <a:latin typeface="Ubuntu Mono" panose="020B0509030602030204" pitchFamily="49" charset="0"/>
+                <a:ea typeface="DFMincho-SU" panose="02010609010101010101" pitchFamily="1" charset="-128"/>
+              </a:rPr>
+              <a:t>cancel_retransmission_timer</a:t>
+            </a:r>
+            <a:endParaRPr lang="zh-CN" altLang="en-US" dirty="0">
+              <a:latin typeface="Ubuntu Mono" panose="020B0509030602030204" pitchFamily="49" charset="0"/>
+              <a:ea typeface="DFMincho-SU" panose="02010609010101010101" pitchFamily="1" charset="-128"/>
+            </a:endParaRPr>
+          </a:p>
+        </p:txBody>
+      </p:sp>
+      <p:sp>
+        <p:nvSpPr>
+          <p:cNvPr id="61" name="Rectangle: Single Corner Rounded 60">
+            <a:extLst>
+              <a:ext uri="{FF2B5EF4-FFF2-40B4-BE49-F238E27FC236}">
+                <a16:creationId xmlns:a16="http://schemas.microsoft.com/office/drawing/2014/main" id="{3F05434B-8998-49AB-9902-1BFEF7DBBBCF}"/>
+              </a:ext>
+            </a:extLst>
+          </p:cNvPr>
+          <p:cNvSpPr/>
+          <p:nvPr/>
+        </p:nvSpPr>
+        <p:spPr>
+          <a:xfrm>
+            <a:off x="9153523" y="6378761"/>
+            <a:ext cx="1924050" cy="369332"/>
+          </a:xfrm>
+          <a:prstGeom prst="round1Rect">
+            <a:avLst/>
+          </a:prstGeom>
+        </p:spPr>
+        <p:style>
+          <a:lnRef idx="2">
+            <a:schemeClr val="accent2">
+              <a:shade val="50000"/>
+            </a:schemeClr>
+          </a:lnRef>
+          <a:fillRef idx="1">
+            <a:schemeClr val="accent2"/>
+          </a:fillRef>
+          <a:effectRef idx="0">
+            <a:schemeClr val="accent2"/>
+          </a:effectRef>
+          <a:fontRef idx="minor">
+            <a:schemeClr val="lt1"/>
+          </a:fontRef>
+        </p:style>
+        <p:txBody>
+          <a:bodyPr rtlCol="0" anchor="ctr">
+            <a:spAutoFit/>
+          </a:bodyPr>
+          <a:lstStyle/>
+          <a:p>
+            <a:pPr algn="ctr"/>
+            <a:r>
+              <a:rPr lang="en-US" altLang="zh-CN" dirty="0">
+                <a:latin typeface="Ubuntu Mono" panose="020B0509030602030204" pitchFamily="49" charset="0"/>
+                <a:ea typeface="DFMincho-SU" panose="02010609010101010101" pitchFamily="1" charset="-128"/>
+              </a:rPr>
+              <a:t>report_status</a:t>
+            </a:r>
+            <a:endParaRPr lang="zh-CN" altLang="en-US" dirty="0">
+              <a:latin typeface="Ubuntu Mono" panose="020B0509030602030204" pitchFamily="49" charset="0"/>
+              <a:ea typeface="DFMincho-SU" panose="02010609010101010101" pitchFamily="1" charset="-128"/>
+            </a:endParaRPr>
+          </a:p>
+        </p:txBody>
+      </p:sp>
+      <p:sp>
+        <p:nvSpPr>
+          <p:cNvPr id="67" name="Rectangle: Single Corner Rounded 66">
+            <a:extLst>
+              <a:ext uri="{FF2B5EF4-FFF2-40B4-BE49-F238E27FC236}">
+                <a16:creationId xmlns:a16="http://schemas.microsoft.com/office/drawing/2014/main" id="{5EFF27D0-2E1F-4D7A-B0ED-5A4E470963F7}"/>
+              </a:ext>
+            </a:extLst>
+          </p:cNvPr>
+          <p:cNvSpPr/>
+          <p:nvPr/>
+        </p:nvSpPr>
+        <p:spPr>
+          <a:xfrm>
+            <a:off x="9120185" y="5708697"/>
+            <a:ext cx="1990727" cy="369332"/>
+          </a:xfrm>
+          <a:prstGeom prst="round1Rect">
+            <a:avLst/>
+          </a:prstGeom>
+        </p:spPr>
+        <p:style>
+          <a:lnRef idx="2">
+            <a:schemeClr val="accent1">
+              <a:shade val="50000"/>
+            </a:schemeClr>
+          </a:lnRef>
+          <a:fillRef idx="1">
+            <a:schemeClr val="accent1"/>
+          </a:fillRef>
+          <a:effectRef idx="0">
+            <a:schemeClr val="accent1"/>
+          </a:effectRef>
+          <a:fontRef idx="minor">
+            <a:schemeClr val="lt1"/>
+          </a:fontRef>
+        </p:style>
+        <p:txBody>
+          <a:bodyPr rtlCol="0" anchor="ctr">
+            <a:spAutoFit/>
+          </a:bodyPr>
+          <a:lstStyle/>
+          <a:p>
+            <a:pPr algn="ctr"/>
+            <a:r>
+              <a:rPr lang="en-US" altLang="zh-CN" dirty="0">
+                <a:latin typeface="Ubuntu Mono" panose="020B0509030602030204" pitchFamily="49" charset="0"/>
+                <a:ea typeface="DFMincho-SU" panose="02010609010101010101" pitchFamily="1" charset="-128"/>
+              </a:rPr>
+              <a:t>handle_resp_msg</a:t>
+            </a:r>
+            <a:endParaRPr lang="zh-CN" altLang="en-US" dirty="0">
+              <a:latin typeface="Ubuntu Mono" panose="020B0509030602030204" pitchFamily="49" charset="0"/>
+              <a:ea typeface="DFMincho-SU" panose="02010609010101010101" pitchFamily="1" charset="-128"/>
+            </a:endParaRPr>
+          </a:p>
+        </p:txBody>
+      </p:sp>
+      <p:sp>
+        <p:nvSpPr>
+          <p:cNvPr id="71" name="Rectangle: Single Corner Rounded 70">
+            <a:extLst>
+              <a:ext uri="{FF2B5EF4-FFF2-40B4-BE49-F238E27FC236}">
+                <a16:creationId xmlns:a16="http://schemas.microsoft.com/office/drawing/2014/main" id="{7A3523E3-E5F1-4EA3-9060-FC3DD32FF06F}"/>
+              </a:ext>
+            </a:extLst>
+          </p:cNvPr>
+          <p:cNvSpPr/>
+          <p:nvPr/>
+        </p:nvSpPr>
+        <p:spPr>
+          <a:xfrm>
+            <a:off x="4757737" y="5070107"/>
+            <a:ext cx="3409950" cy="369332"/>
+          </a:xfrm>
+          <a:prstGeom prst="round1Rect">
+            <a:avLst/>
+          </a:prstGeom>
+        </p:spPr>
+        <p:style>
+          <a:lnRef idx="2">
+            <a:schemeClr val="accent1">
+              <a:shade val="50000"/>
+            </a:schemeClr>
+          </a:lnRef>
+          <a:fillRef idx="1">
+            <a:schemeClr val="accent1"/>
+          </a:fillRef>
+          <a:effectRef idx="0">
+            <a:schemeClr val="accent1"/>
+          </a:effectRef>
+          <a:fontRef idx="minor">
+            <a:schemeClr val="lt1"/>
+          </a:fontRef>
+        </p:style>
+        <p:txBody>
+          <a:bodyPr rtlCol="0" anchor="ctr">
+            <a:spAutoFit/>
+          </a:bodyPr>
+          <a:lstStyle/>
+          <a:p>
+            <a:pPr algn="ctr"/>
+            <a:r>
+              <a:rPr lang="en-US" altLang="zh-CN" dirty="0">
+                <a:latin typeface="Ubuntu Mono" panose="020B0509030602030204" pitchFamily="49" charset="0"/>
+                <a:ea typeface="DFMincho-SU" panose="02010609010101010101" pitchFamily="1" charset="-128"/>
+              </a:rPr>
+              <a:t>wait_for_timeout_callback</a:t>
+            </a:r>
+            <a:endParaRPr lang="zh-CN" altLang="en-US" dirty="0">
+              <a:latin typeface="Ubuntu Mono" panose="020B0509030602030204" pitchFamily="49" charset="0"/>
+              <a:ea typeface="DFMincho-SU" panose="02010609010101010101" pitchFamily="1" charset="-128"/>
+            </a:endParaRPr>
+          </a:p>
+        </p:txBody>
+      </p:sp>
+      <p:cxnSp>
+        <p:nvCxnSpPr>
+          <p:cNvPr id="23" name="Connector: Elbow 22">
+            <a:extLst>
+              <a:ext uri="{FF2B5EF4-FFF2-40B4-BE49-F238E27FC236}">
+                <a16:creationId xmlns:a16="http://schemas.microsoft.com/office/drawing/2014/main" id="{56F2BAE1-FC5A-4744-B1BF-FEA055C98E35}"/>
+              </a:ext>
+            </a:extLst>
+          </p:cNvPr>
+          <p:cNvCxnSpPr>
+            <a:cxnSpLocks/>
+            <a:stCxn id="71" idx="1"/>
+            <a:endCxn id="29" idx="1"/>
+          </p:cNvCxnSpPr>
+          <p:nvPr/>
+        </p:nvCxnSpPr>
+        <p:spPr>
+          <a:xfrm rot="10800000" flipH="1">
+            <a:off x="4757737" y="1228189"/>
+            <a:ext cx="2047874" cy="4026585"/>
+          </a:xfrm>
+          <a:prstGeom prst="bentConnector3">
+            <a:avLst>
+              <a:gd name="adj1" fmla="val -11163"/>
+            </a:avLst>
+          </a:prstGeom>
+          <a:ln>
+            <a:tailEnd type="triangle"/>
+          </a:ln>
+        </p:spPr>
+        <p:style>
+          <a:lnRef idx="1">
+            <a:schemeClr val="accent1"/>
+          </a:lnRef>
+          <a:fillRef idx="0">
+            <a:schemeClr val="accent1"/>
+          </a:fillRef>
+          <a:effectRef idx="0">
+            <a:schemeClr val="accent1"/>
+          </a:effectRef>
+          <a:fontRef idx="minor">
+            <a:schemeClr val="tx1"/>
+          </a:fontRef>
+        </p:style>
+      </p:cxnSp>
+      <p:cxnSp>
+        <p:nvCxnSpPr>
+          <p:cNvPr id="25" name="Straight Arrow Connector 24">
+            <a:extLst>
+              <a:ext uri="{FF2B5EF4-FFF2-40B4-BE49-F238E27FC236}">
+                <a16:creationId xmlns:a16="http://schemas.microsoft.com/office/drawing/2014/main" id="{3E3C6E29-4CFC-4EFA-AD07-0A04BC2BFE86}"/>
+              </a:ext>
+            </a:extLst>
+          </p:cNvPr>
+          <p:cNvCxnSpPr>
+            <a:stCxn id="44" idx="2"/>
+            <a:endCxn id="48" idx="0"/>
+          </p:cNvCxnSpPr>
+          <p:nvPr/>
+        </p:nvCxnSpPr>
+        <p:spPr>
+          <a:xfrm>
+            <a:off x="8329612" y="725473"/>
+            <a:ext cx="0" cy="1129136"/>
+          </a:xfrm>
+          <a:prstGeom prst="straightConnector1">
+            <a:avLst/>
+          </a:prstGeom>
+          <a:ln>
+            <a:tailEnd type="triangle"/>
+          </a:ln>
+        </p:spPr>
+        <p:style>
+          <a:lnRef idx="1">
+            <a:schemeClr val="accent1"/>
+          </a:lnRef>
+          <a:fillRef idx="0">
+            <a:schemeClr val="accent1"/>
+          </a:fillRef>
+          <a:effectRef idx="0">
+            <a:schemeClr val="accent1"/>
+          </a:effectRef>
+          <a:fontRef idx="minor">
+            <a:schemeClr val="tx1"/>
+          </a:fontRef>
+        </p:style>
+      </p:cxnSp>
+      <p:sp>
+        <p:nvSpPr>
+          <p:cNvPr id="29" name="Flowchart: Decision 28">
+            <a:extLst>
+              <a:ext uri="{FF2B5EF4-FFF2-40B4-BE49-F238E27FC236}">
+                <a16:creationId xmlns:a16="http://schemas.microsoft.com/office/drawing/2014/main" id="{1ABEBC95-F9B1-4E7E-A17C-965B411ECF35}"/>
+              </a:ext>
+            </a:extLst>
+          </p:cNvPr>
+          <p:cNvSpPr/>
+          <p:nvPr/>
+        </p:nvSpPr>
+        <p:spPr>
+          <a:xfrm>
+            <a:off x="6805611" y="824033"/>
+            <a:ext cx="3047999" cy="808310"/>
+          </a:xfrm>
+          <a:prstGeom prst="flowChartDecision">
+            <a:avLst/>
+          </a:prstGeom>
+        </p:spPr>
+        <p:style>
+          <a:lnRef idx="2">
+            <a:schemeClr val="accent1">
+              <a:shade val="50000"/>
+            </a:schemeClr>
+          </a:lnRef>
+          <a:fillRef idx="1">
+            <a:schemeClr val="accent1"/>
+          </a:fillRef>
+          <a:effectRef idx="0">
+            <a:schemeClr val="accent1"/>
+          </a:effectRef>
+          <a:fontRef idx="minor">
+            <a:schemeClr val="lt1"/>
+          </a:fontRef>
+        </p:style>
+        <p:txBody>
+          <a:bodyPr rtlCol="0" anchor="ctr"/>
+          <a:lstStyle/>
+          <a:p>
+            <a:pPr algn="ctr"/>
+            <a:r>
+              <a:rPr lang="en-US" altLang="zh-CN" sz="1200" dirty="0">
+                <a:latin typeface="Ubuntu Mono" panose="020B0509030602030204" pitchFamily="49" charset="0"/>
+              </a:rPr>
+              <a:t>Is the last Rc ?</a:t>
+            </a:r>
+            <a:endParaRPr lang="zh-CN" altLang="en-US" sz="1200" dirty="0">
+              <a:latin typeface="Ubuntu Mono" panose="020B0509030602030204" pitchFamily="49" charset="0"/>
+            </a:endParaRPr>
+          </a:p>
+        </p:txBody>
+      </p:sp>
+      <p:sp>
+        <p:nvSpPr>
+          <p:cNvPr id="73" name="Rectangle: Single Corner Rounded 72">
+            <a:extLst>
+              <a:ext uri="{FF2B5EF4-FFF2-40B4-BE49-F238E27FC236}">
+                <a16:creationId xmlns:a16="http://schemas.microsoft.com/office/drawing/2014/main" id="{1A3296B6-F472-4318-AD78-240E7400E58F}"/>
+              </a:ext>
+            </a:extLst>
+          </p:cNvPr>
+          <p:cNvSpPr/>
+          <p:nvPr/>
+        </p:nvSpPr>
+        <p:spPr>
+          <a:xfrm>
+            <a:off x="10144123" y="1043522"/>
+            <a:ext cx="1924050" cy="369332"/>
+          </a:xfrm>
+          <a:prstGeom prst="round1Rect">
+            <a:avLst/>
+          </a:prstGeom>
+        </p:spPr>
+        <p:style>
+          <a:lnRef idx="2">
+            <a:schemeClr val="accent2">
+              <a:shade val="50000"/>
+            </a:schemeClr>
+          </a:lnRef>
+          <a:fillRef idx="1">
+            <a:schemeClr val="accent2"/>
+          </a:fillRef>
+          <a:effectRef idx="0">
+            <a:schemeClr val="accent2"/>
+          </a:effectRef>
+          <a:fontRef idx="minor">
+            <a:schemeClr val="lt1"/>
+          </a:fontRef>
+        </p:style>
+        <p:txBody>
+          <a:bodyPr rtlCol="0" anchor="ctr">
+            <a:spAutoFit/>
+          </a:bodyPr>
+          <a:lstStyle/>
+          <a:p>
+            <a:pPr algn="ctr"/>
+            <a:r>
+              <a:rPr lang="en-US" altLang="zh-CN" dirty="0">
+                <a:latin typeface="Ubuntu Mono" panose="020B0509030602030204" pitchFamily="49" charset="0"/>
+                <a:ea typeface="DFMincho-SU" panose="02010609010101010101" pitchFamily="1" charset="-128"/>
+              </a:rPr>
+              <a:t>report_status</a:t>
+            </a:r>
+            <a:endParaRPr lang="zh-CN" altLang="en-US" dirty="0">
+              <a:latin typeface="Ubuntu Mono" panose="020B0509030602030204" pitchFamily="49" charset="0"/>
+              <a:ea typeface="DFMincho-SU" panose="02010609010101010101" pitchFamily="1" charset="-128"/>
+            </a:endParaRPr>
+          </a:p>
+        </p:txBody>
+      </p:sp>
+      <p:cxnSp>
+        <p:nvCxnSpPr>
+          <p:cNvPr id="31" name="Straight Arrow Connector 30">
+            <a:extLst>
+              <a:ext uri="{FF2B5EF4-FFF2-40B4-BE49-F238E27FC236}">
+                <a16:creationId xmlns:a16="http://schemas.microsoft.com/office/drawing/2014/main" id="{95C2FBAA-2609-45BC-9CF4-20D52A242297}"/>
+              </a:ext>
+            </a:extLst>
+          </p:cNvPr>
+          <p:cNvCxnSpPr>
+            <a:stCxn id="29" idx="3"/>
+            <a:endCxn id="73" idx="1"/>
+          </p:cNvCxnSpPr>
+          <p:nvPr/>
+        </p:nvCxnSpPr>
+        <p:spPr>
+          <a:xfrm>
+            <a:off x="9853610" y="1228188"/>
+            <a:ext cx="290513" cy="0"/>
+          </a:xfrm>
+          <a:prstGeom prst="straightConnector1">
+            <a:avLst/>
+          </a:prstGeom>
+          <a:ln>
+            <a:tailEnd type="triangle"/>
+          </a:ln>
+        </p:spPr>
+        <p:style>
+          <a:lnRef idx="1">
+            <a:schemeClr val="accent1"/>
+          </a:lnRef>
+          <a:fillRef idx="0">
+            <a:schemeClr val="accent1"/>
+          </a:fillRef>
+          <a:effectRef idx="0">
+            <a:schemeClr val="accent1"/>
+          </a:effectRef>
+          <a:fontRef idx="minor">
+            <a:schemeClr val="tx1"/>
+          </a:fontRef>
+        </p:style>
+      </p:cxnSp>
+      <p:sp>
+        <p:nvSpPr>
+          <p:cNvPr id="33" name="TextBox 32">
+            <a:extLst>
+              <a:ext uri="{FF2B5EF4-FFF2-40B4-BE49-F238E27FC236}">
+                <a16:creationId xmlns:a16="http://schemas.microsoft.com/office/drawing/2014/main" id="{5DD4DAAF-CD62-47A9-8CCF-445EBA1C877E}"/>
+              </a:ext>
+            </a:extLst>
+          </p:cNvPr>
+          <p:cNvSpPr txBox="1"/>
+          <p:nvPr/>
+        </p:nvSpPr>
+        <p:spPr>
+          <a:xfrm>
+            <a:off x="9763122" y="1016024"/>
+            <a:ext cx="704851" cy="215444"/>
+          </a:xfrm>
+          <a:prstGeom prst="rect">
+            <a:avLst/>
+          </a:prstGeom>
+          <a:noFill/>
+        </p:spPr>
+        <p:txBody>
+          <a:bodyPr wrap="square" rtlCol="0">
+            <a:spAutoFit/>
+          </a:bodyPr>
+          <a:lstStyle/>
+          <a:p>
+            <a:r>
+              <a:rPr lang="en-US" altLang="zh-CN" sz="800" dirty="0">
+                <a:latin typeface="Bodoni MT Black" panose="02070A03080606020203" pitchFamily="18" charset="0"/>
+                <a:ea typeface="DFMincho-SU" panose="02010609010101010101" pitchFamily="1" charset="-128"/>
+              </a:rPr>
+              <a:t>Yes</a:t>
+            </a:r>
+            <a:endParaRPr lang="zh-CN" altLang="en-US" sz="800" dirty="0">
+              <a:latin typeface="Bodoni MT Black" panose="02070A03080606020203" pitchFamily="18" charset="0"/>
+              <a:ea typeface="DFMincho-SU" panose="02010609010101010101" pitchFamily="1" charset="-128"/>
+            </a:endParaRPr>
+          </a:p>
+        </p:txBody>
+      </p:sp>
+      <p:sp>
+        <p:nvSpPr>
+          <p:cNvPr id="74" name="TextBox 73">
+            <a:extLst>
+              <a:ext uri="{FF2B5EF4-FFF2-40B4-BE49-F238E27FC236}">
+                <a16:creationId xmlns:a16="http://schemas.microsoft.com/office/drawing/2014/main" id="{F17C5FD0-AFD4-4786-96A6-159727BF899A}"/>
+              </a:ext>
+            </a:extLst>
+          </p:cNvPr>
+          <p:cNvSpPr txBox="1"/>
+          <p:nvPr/>
+        </p:nvSpPr>
+        <p:spPr>
+          <a:xfrm>
+            <a:off x="8081960" y="1606660"/>
+            <a:ext cx="704851" cy="215444"/>
+          </a:xfrm>
+          <a:prstGeom prst="rect">
+            <a:avLst/>
+          </a:prstGeom>
+          <a:noFill/>
+        </p:spPr>
+        <p:txBody>
+          <a:bodyPr wrap="square" rtlCol="0">
+            <a:spAutoFit/>
+          </a:bodyPr>
+          <a:lstStyle/>
+          <a:p>
+            <a:pPr algn="ctr"/>
+            <a:r>
+              <a:rPr lang="en-US" altLang="zh-CN" sz="800" dirty="0">
+                <a:latin typeface="Bodoni MT Black" panose="02070A03080606020203" pitchFamily="18" charset="0"/>
+                <a:ea typeface="DFMincho-SU" panose="02010609010101010101" pitchFamily="1" charset="-128"/>
+              </a:rPr>
+              <a:t>No</a:t>
+            </a:r>
+            <a:endParaRPr lang="zh-CN" altLang="en-US" sz="800" dirty="0">
+              <a:latin typeface="Bodoni MT Black" panose="02070A03080606020203" pitchFamily="18" charset="0"/>
+              <a:ea typeface="DFMincho-SU" panose="02010609010101010101" pitchFamily="1" charset="-128"/>
+            </a:endParaRPr>
+          </a:p>
+        </p:txBody>
+      </p:sp>
+      <p:sp>
+        <p:nvSpPr>
+          <p:cNvPr id="77" name="Flowchart: Decision 76">
+            <a:extLst>
+              <a:ext uri="{FF2B5EF4-FFF2-40B4-BE49-F238E27FC236}">
+                <a16:creationId xmlns:a16="http://schemas.microsoft.com/office/drawing/2014/main" id="{4EC28B72-27F8-4318-8EEC-ECBC45D8A9CA}"/>
+              </a:ext>
+            </a:extLst>
+          </p:cNvPr>
+          <p:cNvSpPr/>
+          <p:nvPr/>
+        </p:nvSpPr>
+        <p:spPr>
+          <a:xfrm>
+            <a:off x="6805613" y="4086657"/>
+            <a:ext cx="3047999" cy="808310"/>
+          </a:xfrm>
+          <a:prstGeom prst="flowChartDecision">
+            <a:avLst/>
+          </a:prstGeom>
+        </p:spPr>
+        <p:style>
+          <a:lnRef idx="2">
+            <a:schemeClr val="accent1">
+              <a:shade val="50000"/>
+            </a:schemeClr>
+          </a:lnRef>
+          <a:fillRef idx="1">
+            <a:schemeClr val="accent1"/>
+          </a:fillRef>
+          <a:effectRef idx="0">
+            <a:schemeClr val="accent1"/>
+          </a:effectRef>
+          <a:fontRef idx="minor">
+            <a:schemeClr val="lt1"/>
+          </a:fontRef>
+        </p:style>
+        <p:txBody>
+          <a:bodyPr rtlCol="0" anchor="ctr"/>
+          <a:lstStyle/>
+          <a:p>
+            <a:pPr algn="ctr"/>
+            <a:r>
+              <a:rPr lang="en-US" altLang="zh-CN" sz="1200" dirty="0">
+                <a:latin typeface="Ubuntu Mono" panose="020B0509030602030204" pitchFamily="49" charset="0"/>
+              </a:rPr>
+              <a:t>Is valid message ?</a:t>
+            </a:r>
+            <a:endParaRPr lang="zh-CN" altLang="en-US" sz="1200" dirty="0">
+              <a:latin typeface="Ubuntu Mono" panose="020B0509030602030204" pitchFamily="49" charset="0"/>
+            </a:endParaRPr>
+          </a:p>
+        </p:txBody>
+      </p:sp>
+      <p:cxnSp>
+        <p:nvCxnSpPr>
+          <p:cNvPr id="36" name="Straight Arrow Connector 35">
+            <a:extLst>
+              <a:ext uri="{FF2B5EF4-FFF2-40B4-BE49-F238E27FC236}">
+                <a16:creationId xmlns:a16="http://schemas.microsoft.com/office/drawing/2014/main" id="{163C7DA4-C96D-4C2C-8B06-87C07A31A374}"/>
+              </a:ext>
+            </a:extLst>
+          </p:cNvPr>
+          <p:cNvCxnSpPr>
+            <a:cxnSpLocks/>
+            <a:stCxn id="77" idx="1"/>
+          </p:cNvCxnSpPr>
+          <p:nvPr/>
+        </p:nvCxnSpPr>
+        <p:spPr>
+          <a:xfrm flipH="1">
+            <a:off x="6805611" y="4490812"/>
+            <a:ext cx="2" cy="586114"/>
+          </a:xfrm>
+          <a:prstGeom prst="straightConnector1">
+            <a:avLst/>
+          </a:prstGeom>
+          <a:ln>
+            <a:tailEnd type="triangle"/>
+          </a:ln>
+        </p:spPr>
+        <p:style>
+          <a:lnRef idx="1">
+            <a:schemeClr val="accent1"/>
+          </a:lnRef>
+          <a:fillRef idx="0">
+            <a:schemeClr val="accent1"/>
+          </a:fillRef>
+          <a:effectRef idx="0">
+            <a:schemeClr val="accent1"/>
+          </a:effectRef>
+          <a:fontRef idx="minor">
+            <a:schemeClr val="tx1"/>
+          </a:fontRef>
+        </p:style>
+      </p:cxnSp>
+      <p:cxnSp>
+        <p:nvCxnSpPr>
+          <p:cNvPr id="40" name="Straight Arrow Connector 39">
+            <a:extLst>
+              <a:ext uri="{FF2B5EF4-FFF2-40B4-BE49-F238E27FC236}">
+                <a16:creationId xmlns:a16="http://schemas.microsoft.com/office/drawing/2014/main" id="{9A13749E-6ED3-4712-9C92-3E9532B5BCD8}"/>
+              </a:ext>
+            </a:extLst>
+          </p:cNvPr>
+          <p:cNvCxnSpPr>
+            <a:cxnSpLocks/>
+            <a:stCxn id="77" idx="3"/>
+          </p:cNvCxnSpPr>
+          <p:nvPr/>
+        </p:nvCxnSpPr>
+        <p:spPr>
+          <a:xfrm>
+            <a:off x="9853612" y="4490812"/>
+            <a:ext cx="0" cy="588820"/>
+          </a:xfrm>
+          <a:prstGeom prst="straightConnector1">
+            <a:avLst/>
+          </a:prstGeom>
+          <a:ln>
+            <a:tailEnd type="triangle"/>
+          </a:ln>
+        </p:spPr>
+        <p:style>
+          <a:lnRef idx="1">
+            <a:schemeClr val="accent1"/>
+          </a:lnRef>
+          <a:fillRef idx="0">
+            <a:schemeClr val="accent1"/>
+          </a:fillRef>
+          <a:effectRef idx="0">
+            <a:schemeClr val="accent1"/>
+          </a:effectRef>
+          <a:fontRef idx="minor">
+            <a:schemeClr val="tx1"/>
+          </a:fontRef>
+        </p:style>
+      </p:cxnSp>
+      <p:sp>
+        <p:nvSpPr>
+          <p:cNvPr id="78" name="TextBox 77">
+            <a:extLst>
+              <a:ext uri="{FF2B5EF4-FFF2-40B4-BE49-F238E27FC236}">
+                <a16:creationId xmlns:a16="http://schemas.microsoft.com/office/drawing/2014/main" id="{3E784CD5-8DD8-4C9D-BEA4-8B7560102930}"/>
+              </a:ext>
+            </a:extLst>
+          </p:cNvPr>
+          <p:cNvSpPr txBox="1"/>
+          <p:nvPr/>
+        </p:nvSpPr>
+        <p:spPr>
+          <a:xfrm>
+            <a:off x="9734546" y="4700775"/>
+            <a:ext cx="704851" cy="215444"/>
+          </a:xfrm>
+          <a:prstGeom prst="rect">
+            <a:avLst/>
+          </a:prstGeom>
+          <a:noFill/>
+        </p:spPr>
+        <p:txBody>
+          <a:bodyPr wrap="square" rtlCol="0">
+            <a:spAutoFit/>
+          </a:bodyPr>
+          <a:lstStyle/>
+          <a:p>
+            <a:r>
+              <a:rPr lang="en-US" altLang="zh-CN" sz="800" dirty="0">
+                <a:latin typeface="Bodoni MT Black" panose="02070A03080606020203" pitchFamily="18" charset="0"/>
+                <a:ea typeface="DFMincho-SU" panose="02010609010101010101" pitchFamily="1" charset="-128"/>
+              </a:rPr>
+              <a:t>Yes</a:t>
+            </a:r>
+            <a:endParaRPr lang="zh-CN" altLang="en-US" sz="800" dirty="0">
+              <a:latin typeface="Bodoni MT Black" panose="02070A03080606020203" pitchFamily="18" charset="0"/>
+              <a:ea typeface="DFMincho-SU" panose="02010609010101010101" pitchFamily="1" charset="-128"/>
+            </a:endParaRPr>
+          </a:p>
+        </p:txBody>
+      </p:sp>
+      <p:sp>
+        <p:nvSpPr>
+          <p:cNvPr id="79" name="TextBox 78">
+            <a:extLst>
+              <a:ext uri="{FF2B5EF4-FFF2-40B4-BE49-F238E27FC236}">
+                <a16:creationId xmlns:a16="http://schemas.microsoft.com/office/drawing/2014/main" id="{E6AFA892-BD8E-4570-BA4F-3D472D65F5D4}"/>
+              </a:ext>
+            </a:extLst>
+          </p:cNvPr>
+          <p:cNvSpPr txBox="1"/>
+          <p:nvPr/>
+        </p:nvSpPr>
+        <p:spPr>
+          <a:xfrm>
+            <a:off x="6219829" y="4691190"/>
+            <a:ext cx="704851" cy="215444"/>
+          </a:xfrm>
+          <a:prstGeom prst="rect">
+            <a:avLst/>
+          </a:prstGeom>
+          <a:noFill/>
+        </p:spPr>
+        <p:txBody>
+          <a:bodyPr wrap="square" rtlCol="0">
+            <a:spAutoFit/>
+          </a:bodyPr>
+          <a:lstStyle/>
+          <a:p>
+            <a:pPr algn="ctr"/>
+            <a:r>
+              <a:rPr lang="en-US" altLang="zh-CN" sz="800" dirty="0">
+                <a:latin typeface="Bodoni MT Black" panose="02070A03080606020203" pitchFamily="18" charset="0"/>
+                <a:ea typeface="DFMincho-SU" panose="02010609010101010101" pitchFamily="1" charset="-128"/>
+              </a:rPr>
+              <a:t>No</a:t>
+            </a:r>
+            <a:endParaRPr lang="zh-CN" altLang="en-US" sz="800" dirty="0">
+              <a:latin typeface="Bodoni MT Black" panose="02070A03080606020203" pitchFamily="18" charset="0"/>
+              <a:ea typeface="DFMincho-SU" panose="02010609010101010101" pitchFamily="1" charset="-128"/>
+            </a:endParaRPr>
+          </a:p>
+        </p:txBody>
+      </p:sp>
+      <p:sp>
+        <p:nvSpPr>
+          <p:cNvPr id="90" name="Arrow: Right 89">
+            <a:extLst>
+              <a:ext uri="{FF2B5EF4-FFF2-40B4-BE49-F238E27FC236}">
+                <a16:creationId xmlns:a16="http://schemas.microsoft.com/office/drawing/2014/main" id="{D392EAAD-6B33-4CF1-A9EA-9433C537B8AE}"/>
+              </a:ext>
+            </a:extLst>
+          </p:cNvPr>
+          <p:cNvSpPr/>
+          <p:nvPr/>
+        </p:nvSpPr>
+        <p:spPr>
+          <a:xfrm>
+            <a:off x="4117827" y="505214"/>
+            <a:ext cx="2844951" cy="233483"/>
+          </a:xfrm>
+          <a:prstGeom prst="rightArrow">
+            <a:avLst>
+              <a:gd name="adj1" fmla="val 50000"/>
+              <a:gd name="adj2" fmla="val 156067"/>
+            </a:avLst>
+          </a:prstGeom>
+          <a:ln cap="rnd"/>
+        </p:spPr>
+        <p:style>
+          <a:lnRef idx="2">
+            <a:schemeClr val="accent1">
+              <a:shade val="50000"/>
+            </a:schemeClr>
+          </a:lnRef>
+          <a:fillRef idx="1">
+            <a:schemeClr val="accent1"/>
+          </a:fillRef>
+          <a:effectRef idx="0">
+            <a:schemeClr val="accent1"/>
+          </a:effectRef>
+          <a:fontRef idx="minor">
+            <a:schemeClr val="lt1"/>
+          </a:fontRef>
+        </p:style>
+        <p:txBody>
+          <a:bodyPr rtlCol="0" anchor="ctr"/>
+          <a:lstStyle/>
+          <a:p>
+            <a:pPr algn="ctr"/>
+            <a:endParaRPr lang="zh-CN" altLang="en-US"/>
+          </a:p>
+        </p:txBody>
+      </p:sp>
+      <p:sp>
+        <p:nvSpPr>
+          <p:cNvPr id="91" name="Arrow: Left 90">
+            <a:extLst>
+              <a:ext uri="{FF2B5EF4-FFF2-40B4-BE49-F238E27FC236}">
+                <a16:creationId xmlns:a16="http://schemas.microsoft.com/office/drawing/2014/main" id="{26F256EE-F3B4-4B08-AB8A-1B1AA2068AA4}"/>
+              </a:ext>
+            </a:extLst>
+          </p:cNvPr>
+          <p:cNvSpPr/>
+          <p:nvPr/>
+        </p:nvSpPr>
+        <p:spPr>
+          <a:xfrm>
+            <a:off x="3395659" y="1854609"/>
+            <a:ext cx="476255" cy="231309"/>
+          </a:xfrm>
+          <a:prstGeom prst="leftArrow">
+            <a:avLst>
+              <a:gd name="adj1" fmla="val 50000"/>
+              <a:gd name="adj2" fmla="val 62354"/>
+            </a:avLst>
+          </a:prstGeom>
+        </p:spPr>
+        <p:style>
+          <a:lnRef idx="2">
+            <a:schemeClr val="accent1">
+              <a:shade val="50000"/>
+            </a:schemeClr>
+          </a:lnRef>
+          <a:fillRef idx="1">
+            <a:schemeClr val="accent1"/>
+          </a:fillRef>
+          <a:effectRef idx="0">
+            <a:schemeClr val="accent1"/>
+          </a:effectRef>
+          <a:fontRef idx="minor">
+            <a:schemeClr val="lt1"/>
+          </a:fontRef>
+        </p:style>
+        <p:txBody>
+          <a:bodyPr rtlCol="0" anchor="ctr"/>
+          <a:lstStyle/>
+          <a:p>
+            <a:pPr algn="ctr"/>
+            <a:endParaRPr lang="zh-CN" altLang="en-US"/>
+          </a:p>
+        </p:txBody>
+      </p:sp>
+      <p:sp>
+        <p:nvSpPr>
+          <p:cNvPr id="92" name="Arrow: Left 91">
+            <a:extLst>
+              <a:ext uri="{FF2B5EF4-FFF2-40B4-BE49-F238E27FC236}">
+                <a16:creationId xmlns:a16="http://schemas.microsoft.com/office/drawing/2014/main" id="{68719E0C-00F4-4CF8-8911-A923630C83E7}"/>
+              </a:ext>
+            </a:extLst>
+          </p:cNvPr>
+          <p:cNvSpPr/>
+          <p:nvPr/>
+        </p:nvSpPr>
+        <p:spPr>
+          <a:xfrm>
+            <a:off x="2313534" y="2826259"/>
+            <a:ext cx="1481225" cy="231309"/>
+          </a:xfrm>
+          <a:prstGeom prst="leftArrow">
+            <a:avLst>
+              <a:gd name="adj1" fmla="val 50000"/>
+              <a:gd name="adj2" fmla="val 99415"/>
+            </a:avLst>
+          </a:prstGeom>
+        </p:spPr>
+        <p:style>
+          <a:lnRef idx="2">
+            <a:schemeClr val="accent1">
+              <a:shade val="50000"/>
+            </a:schemeClr>
+          </a:lnRef>
+          <a:fillRef idx="1">
+            <a:schemeClr val="accent1"/>
+          </a:fillRef>
+          <a:effectRef idx="0">
+            <a:schemeClr val="accent1"/>
+          </a:effectRef>
+          <a:fontRef idx="minor">
+            <a:schemeClr val="lt1"/>
+          </a:fontRef>
+        </p:style>
+        <p:txBody>
+          <a:bodyPr rtlCol="0" anchor="ctr"/>
+          <a:lstStyle/>
+          <a:p>
+            <a:pPr algn="ctr"/>
+            <a:endParaRPr lang="zh-CN" altLang="en-US"/>
+          </a:p>
+        </p:txBody>
+      </p:sp>
+      <p:cxnSp>
+        <p:nvCxnSpPr>
+          <p:cNvPr id="96" name="Connector: Elbow 95">
+            <a:extLst>
+              <a:ext uri="{FF2B5EF4-FFF2-40B4-BE49-F238E27FC236}">
+                <a16:creationId xmlns:a16="http://schemas.microsoft.com/office/drawing/2014/main" id="{F71E960D-A0AC-49A8-B8C0-F7A825F0B75B}"/>
+              </a:ext>
+            </a:extLst>
+          </p:cNvPr>
+          <p:cNvCxnSpPr>
+            <a:stCxn id="21" idx="2"/>
+            <a:endCxn id="54" idx="1"/>
+          </p:cNvCxnSpPr>
+          <p:nvPr/>
+        </p:nvCxnSpPr>
+        <p:spPr>
+          <a:xfrm rot="16200000" flipH="1">
+            <a:off x="3601177" y="638903"/>
+            <a:ext cx="593862" cy="5595934"/>
+          </a:xfrm>
+          <a:prstGeom prst="bentConnector2">
+            <a:avLst/>
+          </a:prstGeom>
+          <a:ln>
+            <a:tailEnd type="triangle"/>
+          </a:ln>
+        </p:spPr>
+        <p:style>
+          <a:lnRef idx="2">
+            <a:schemeClr val="accent4"/>
+          </a:lnRef>
+          <a:fillRef idx="0">
+            <a:schemeClr val="accent4"/>
+          </a:fillRef>
+          <a:effectRef idx="1">
+            <a:schemeClr val="accent4"/>
+          </a:effectRef>
+          <a:fontRef idx="minor">
+            <a:schemeClr val="tx1"/>
+          </a:fontRef>
+        </p:style>
+      </p:cxnSp>
+    </p:spTree>
+    <p:extLst>
+      <p:ext uri="{BB962C8B-B14F-4D97-AF65-F5344CB8AC3E}">
+        <p14:creationId xmlns:p14="http://schemas.microsoft.com/office/powerpoint/2010/main" val="224109205"/>
+      </p:ext>
+    </p:extLst>
+  </p:cSld>
+  <p:clrMapOvr>
+    <a:masterClrMapping/>
+  </p:clrMapOvr>
+</p:sld>
+</file>
+
+<file path=ppt/slides/slide41.xml><?xml version="1.0" encoding="utf-8"?>
+<p:sld xmlns:a="http://schemas.openxmlformats.org/drawingml/2006/main" xmlns:r="http://schemas.openxmlformats.org/officeDocument/2006/relationships" xmlns:p="http://schemas.openxmlformats.org/presentationml/2006/main">
+  <p:cSld>
+    <p:spTree>
+      <p:nvGrpSpPr>
+        <p:cNvPr id="1" name=""/>
+        <p:cNvGrpSpPr/>
+        <p:nvPr/>
+      </p:nvGrpSpPr>
+      <p:grpSpPr>
+        <a:xfrm>
+          <a:off x="0" y="0"/>
+          <a:ext cx="0" cy="0"/>
+          <a:chOff x="0" y="0"/>
+          <a:chExt cx="0" cy="0"/>
+        </a:xfrm>
+      </p:grpSpPr>
+      <p:cxnSp>
+        <p:nvCxnSpPr>
+          <p:cNvPr id="66" name="Straight Arrow Connector 65">
+            <a:extLst>
+              <a:ext uri="{FF2B5EF4-FFF2-40B4-BE49-F238E27FC236}">
+                <a16:creationId xmlns:a16="http://schemas.microsoft.com/office/drawing/2014/main" id="{D80626EA-1B44-42FE-A88A-7F3789953702}"/>
+              </a:ext>
+            </a:extLst>
+          </p:cNvPr>
+          <p:cNvCxnSpPr>
+            <a:stCxn id="60" idx="2"/>
+            <a:endCxn id="50" idx="0"/>
+          </p:cNvCxnSpPr>
+          <p:nvPr/>
+        </p:nvCxnSpPr>
+        <p:spPr>
+          <a:xfrm>
+            <a:off x="6867635" y="3985942"/>
+            <a:ext cx="0" cy="561890"/>
+          </a:xfrm>
+          <a:prstGeom prst="straightConnector1">
+            <a:avLst/>
+          </a:prstGeom>
+          <a:ln>
+            <a:tailEnd type="triangle"/>
+          </a:ln>
+        </p:spPr>
+        <p:style>
+          <a:lnRef idx="1">
+            <a:schemeClr val="accent1"/>
+          </a:lnRef>
+          <a:fillRef idx="0">
+            <a:schemeClr val="accent1"/>
+          </a:fillRef>
+          <a:effectRef idx="0">
+            <a:schemeClr val="accent1"/>
+          </a:effectRef>
+          <a:fontRef idx="minor">
+            <a:schemeClr val="tx1"/>
+          </a:fontRef>
+        </p:style>
+      </p:cxnSp>
+      <p:cxnSp>
+        <p:nvCxnSpPr>
+          <p:cNvPr id="62" name="Straight Arrow Connector 61">
+            <a:extLst>
+              <a:ext uri="{FF2B5EF4-FFF2-40B4-BE49-F238E27FC236}">
+                <a16:creationId xmlns:a16="http://schemas.microsoft.com/office/drawing/2014/main" id="{9017CEE6-0BAB-4C4B-BE5E-84770627CC8B}"/>
+              </a:ext>
+            </a:extLst>
+          </p:cNvPr>
+          <p:cNvCxnSpPr>
+            <a:stCxn id="29" idx="2"/>
+            <a:endCxn id="77" idx="0"/>
+          </p:cNvCxnSpPr>
+          <p:nvPr/>
+        </p:nvCxnSpPr>
+        <p:spPr>
+          <a:xfrm>
+            <a:off x="5337113" y="944963"/>
+            <a:ext cx="9525" cy="1754032"/>
+          </a:xfrm>
+          <a:prstGeom prst="straightConnector1">
+            <a:avLst/>
+          </a:prstGeom>
+          <a:ln>
+            <a:tailEnd type="triangle"/>
+          </a:ln>
+        </p:spPr>
+        <p:style>
+          <a:lnRef idx="1">
+            <a:schemeClr val="accent1"/>
+          </a:lnRef>
+          <a:fillRef idx="0">
+            <a:schemeClr val="accent1"/>
+          </a:fillRef>
+          <a:effectRef idx="0">
+            <a:schemeClr val="accent1"/>
+          </a:effectRef>
+          <a:fontRef idx="minor">
+            <a:schemeClr val="tx1"/>
+          </a:fontRef>
+        </p:style>
+      </p:cxnSp>
+      <p:sp>
+        <p:nvSpPr>
+          <p:cNvPr id="88" name="Rectangle 87">
+            <a:extLst>
+              <a:ext uri="{FF2B5EF4-FFF2-40B4-BE49-F238E27FC236}">
+                <a16:creationId xmlns:a16="http://schemas.microsoft.com/office/drawing/2014/main" id="{13B4D670-09E3-452D-A274-253A09306901}"/>
+              </a:ext>
+            </a:extLst>
+          </p:cNvPr>
+          <p:cNvSpPr/>
+          <p:nvPr/>
+        </p:nvSpPr>
+        <p:spPr>
+          <a:xfrm>
+            <a:off x="2391580" y="222096"/>
+            <a:ext cx="45719" cy="6512187"/>
+          </a:xfrm>
+          <a:prstGeom prst="rect">
+            <a:avLst/>
+          </a:prstGeom>
+        </p:spPr>
+        <p:style>
+          <a:lnRef idx="1">
+            <a:schemeClr val="accent6"/>
+          </a:lnRef>
+          <a:fillRef idx="3">
+            <a:schemeClr val="accent6"/>
+          </a:fillRef>
+          <a:effectRef idx="2">
+            <a:schemeClr val="accent6"/>
+          </a:effectRef>
+          <a:fontRef idx="minor">
+            <a:schemeClr val="lt1"/>
+          </a:fontRef>
+        </p:style>
+        <p:txBody>
+          <a:bodyPr rtlCol="0" anchor="ctr"/>
+          <a:lstStyle/>
+          <a:p>
+            <a:pPr algn="ctr"/>
+            <a:endParaRPr lang="zh-CN" altLang="en-US"/>
+          </a:p>
+        </p:txBody>
+      </p:sp>
+      <p:sp>
+        <p:nvSpPr>
+          <p:cNvPr id="42" name="Rectangle: Rounded Corners 41">
+            <a:extLst>
+              <a:ext uri="{FF2B5EF4-FFF2-40B4-BE49-F238E27FC236}">
+                <a16:creationId xmlns:a16="http://schemas.microsoft.com/office/drawing/2014/main" id="{D6ADFB79-5176-4FB1-8294-D7E502D26354}"/>
+              </a:ext>
+            </a:extLst>
+          </p:cNvPr>
+          <p:cNvSpPr/>
+          <p:nvPr/>
+        </p:nvSpPr>
+        <p:spPr>
+          <a:xfrm>
+            <a:off x="1713573" y="170337"/>
+            <a:ext cx="1356014" cy="408623"/>
           </a:xfrm>
           <a:prstGeom prst="roundRect">
             <a:avLst/>
@@ -36032,6 +38306,58 @@
           </a:fontRef>
         </p:style>
         <p:txBody>
+          <a:bodyPr wrap="square" rtlCol="0" anchor="ctr">
+            <a:spAutoFit/>
+          </a:bodyPr>
+          <a:lstStyle/>
+          <a:p>
+            <a:r>
+              <a:rPr lang="en-US" altLang="zh-CN" dirty="0">
+                <a:latin typeface="Berlin Sans FB Demi" panose="020E0802020502020306" pitchFamily="34" charset="0"/>
+              </a:rPr>
+              <a:t>Candidate</a:t>
+            </a:r>
+          </a:p>
+        </p:txBody>
+      </p:sp>
+      <p:sp>
+        <p:nvSpPr>
+          <p:cNvPr id="21" name="Rectangle: Single Corner Rounded 20">
+            <a:extLst>
+              <a:ext uri="{FF2B5EF4-FFF2-40B4-BE49-F238E27FC236}">
+                <a16:creationId xmlns:a16="http://schemas.microsoft.com/office/drawing/2014/main" id="{AC808267-63C4-49EA-B387-1A1497E1A10C}"/>
+              </a:ext>
+            </a:extLst>
+          </p:cNvPr>
+          <p:cNvSpPr/>
+          <p:nvPr/>
+        </p:nvSpPr>
+        <p:spPr>
+          <a:xfrm>
+            <a:off x="91831" y="1386470"/>
+            <a:ext cx="1305311" cy="307777"/>
+          </a:xfrm>
+          <a:prstGeom prst="round1Rect">
+            <a:avLst/>
+          </a:prstGeom>
+        </p:spPr>
+        <p:style>
+          <a:lnRef idx="2">
+            <a:schemeClr val="accent6">
+              <a:shade val="50000"/>
+            </a:schemeClr>
+          </a:lnRef>
+          <a:fillRef idx="1">
+            <a:schemeClr val="accent6"/>
+          </a:fillRef>
+          <a:effectRef idx="0">
+            <a:schemeClr val="accent6"/>
+          </a:effectRef>
+          <a:fontRef idx="minor">
+            <a:schemeClr val="lt1"/>
+          </a:fontRef>
+        </p:style>
+        <p:txBody>
           <a:bodyPr rtlCol="0" anchor="ctr">
             <a:spAutoFit/>
           </a:bodyPr>
@@ -36039,23 +38365,25 @@
           <a:p>
             <a:pPr algn="ctr"/>
             <a:r>
-              <a:rPr lang="en-US" altLang="zh-CN" dirty="0">
-                <a:latin typeface="Berlin Sans FB Demi" panose="020E0802020502020306" pitchFamily="34" charset="0"/>
+              <a:rPr lang="en-US" altLang="zh-CN" sz="1400" dirty="0">
+                <a:latin typeface="DFMincho-SU" panose="02010609010101010101" pitchFamily="1" charset="-128"/>
+                <a:ea typeface="DFMincho-SU" panose="02010609010101010101" pitchFamily="1" charset="-128"/>
               </a:rPr>
-              <a:t>HOST with TCP mode</a:t>
-            </a:r>
-            <a:endParaRPr lang="zh-CN" altLang="en-US" dirty="0">
-              <a:latin typeface="Berlin Sans FB Demi" panose="020E0802020502020306" pitchFamily="34" charset="0"/>
+              <a:t>recv_thread</a:t>
+            </a:r>
+            <a:endParaRPr lang="zh-CN" altLang="en-US" sz="1400" dirty="0">
+              <a:latin typeface="DFMincho-SU" panose="02010609010101010101" pitchFamily="1" charset="-128"/>
+              <a:ea typeface="DFMincho-SU" panose="02010609010101010101" pitchFamily="1" charset="-128"/>
             </a:endParaRPr>
           </a:p>
         </p:txBody>
       </p:sp>
       <p:sp>
         <p:nvSpPr>
-          <p:cNvPr id="41" name="Rectangle: Rounded Corners 40">
-            <a:extLst>
-              <a:ext uri="{FF2B5EF4-FFF2-40B4-BE49-F238E27FC236}">
-                <a16:creationId xmlns:a16="http://schemas.microsoft.com/office/drawing/2014/main" id="{0FBA3F69-7837-4CA3-8D35-6D3B0B2231BB}"/>
+          <p:cNvPr id="44" name="Rectangle: Single Corner Rounded 43">
+            <a:extLst>
+              <a:ext uri="{FF2B5EF4-FFF2-40B4-BE49-F238E27FC236}">
+                <a16:creationId xmlns:a16="http://schemas.microsoft.com/office/drawing/2014/main" id="{99655F4C-A2E1-437A-9EFB-FFB3967485BA}"/>
               </a:ext>
             </a:extLst>
           </p:cNvPr>
@@ -36064,11 +38392,1860 @@
         </p:nvSpPr>
         <p:spPr>
           <a:xfrm>
-            <a:off x="6747556" y="2033666"/>
-            <a:ext cx="1886898" cy="408623"/>
+            <a:off x="3889778" y="66872"/>
+            <a:ext cx="3326132" cy="307777"/>
+          </a:xfrm>
+          <a:prstGeom prst="round1Rect">
+            <a:avLst/>
+          </a:prstGeom>
+        </p:spPr>
+        <p:style>
+          <a:lnRef idx="0">
+            <a:schemeClr val="accent6"/>
+          </a:lnRef>
+          <a:fillRef idx="3">
+            <a:schemeClr val="accent6"/>
+          </a:fillRef>
+          <a:effectRef idx="3">
+            <a:schemeClr val="accent6"/>
+          </a:effectRef>
+          <a:fontRef idx="minor">
+            <a:schemeClr val="lt1"/>
+          </a:fontRef>
+        </p:style>
+        <p:txBody>
+          <a:bodyPr rtlCol="0" anchor="ctr">
+            <a:spAutoFit/>
+          </a:bodyPr>
+          <a:lstStyle/>
+          <a:p>
+            <a:pPr algn="ctr"/>
+            <a:r>
+              <a:rPr lang="en-US" altLang="zh-CN" sz="1400" dirty="0">
+                <a:latin typeface="DFMincho-SU" panose="02010609010101010101" pitchFamily="1" charset="-128"/>
+                <a:ea typeface="DFMincho-SU" panose="02010609010101010101" pitchFamily="1" charset="-128"/>
+              </a:rPr>
+              <a:t>connectivity_thread</a:t>
+            </a:r>
+            <a:endParaRPr lang="zh-CN" altLang="en-US" sz="1400" dirty="0">
+              <a:latin typeface="DFMincho-SU" panose="02010609010101010101" pitchFamily="1" charset="-128"/>
+              <a:ea typeface="DFMincho-SU" panose="02010609010101010101" pitchFamily="1" charset="-128"/>
+            </a:endParaRPr>
+          </a:p>
+        </p:txBody>
+      </p:sp>
+      <p:sp>
+        <p:nvSpPr>
+          <p:cNvPr id="45" name="Rectangle: Single Corner Rounded 44">
+            <a:extLst>
+              <a:ext uri="{FF2B5EF4-FFF2-40B4-BE49-F238E27FC236}">
+                <a16:creationId xmlns:a16="http://schemas.microsoft.com/office/drawing/2014/main" id="{B3AD826E-8135-4751-9981-A837195BD620}"/>
+              </a:ext>
+            </a:extLst>
+          </p:cNvPr>
+          <p:cNvSpPr/>
+          <p:nvPr/>
+        </p:nvSpPr>
+        <p:spPr>
+          <a:xfrm>
+            <a:off x="91831" y="888231"/>
+            <a:ext cx="1517894" cy="307777"/>
+          </a:xfrm>
+          <a:prstGeom prst="round1Rect">
+            <a:avLst/>
+          </a:prstGeom>
+        </p:spPr>
+        <p:style>
+          <a:lnRef idx="1">
+            <a:schemeClr val="accent3"/>
+          </a:lnRef>
+          <a:fillRef idx="3">
+            <a:schemeClr val="accent3"/>
+          </a:fillRef>
+          <a:effectRef idx="2">
+            <a:schemeClr val="accent3"/>
+          </a:effectRef>
+          <a:fontRef idx="minor">
+            <a:schemeClr val="lt1"/>
+          </a:fontRef>
+        </p:style>
+        <p:txBody>
+          <a:bodyPr rtlCol="0" anchor="ctr">
+            <a:spAutoFit/>
+          </a:bodyPr>
+          <a:lstStyle/>
+          <a:p>
+            <a:pPr algn="ctr"/>
+            <a:r>
+              <a:rPr lang="en-US" altLang="zh-CN" sz="1400" dirty="0">
+                <a:latin typeface="DFMincho-SU" panose="02010609010101010101" pitchFamily="1" charset="-128"/>
+                <a:ea typeface="DFMincho-SU" panose="02010609010101010101" pitchFamily="1" charset="-128"/>
+              </a:rPr>
+              <a:t>gather_thread</a:t>
+            </a:r>
+            <a:endParaRPr lang="zh-CN" altLang="en-US" sz="1400" dirty="0">
+              <a:latin typeface="DFMincho-SU" panose="02010609010101010101" pitchFamily="1" charset="-128"/>
+              <a:ea typeface="DFMincho-SU" panose="02010609010101010101" pitchFamily="1" charset="-128"/>
+            </a:endParaRPr>
+          </a:p>
+        </p:txBody>
+      </p:sp>
+      <p:sp>
+        <p:nvSpPr>
+          <p:cNvPr id="48" name="Rectangle: Single Corner Rounded 47">
+            <a:extLst>
+              <a:ext uri="{FF2B5EF4-FFF2-40B4-BE49-F238E27FC236}">
+                <a16:creationId xmlns:a16="http://schemas.microsoft.com/office/drawing/2014/main" id="{342893C4-BCAE-4D5E-B3F3-3AE5A5D836EC}"/>
+              </a:ext>
+            </a:extLst>
+          </p:cNvPr>
+          <p:cNvSpPr/>
+          <p:nvPr/>
+        </p:nvSpPr>
+        <p:spPr>
+          <a:xfrm>
+            <a:off x="4699414" y="1083107"/>
+            <a:ext cx="1294447" cy="276999"/>
+          </a:xfrm>
+          <a:prstGeom prst="round1Rect">
+            <a:avLst/>
+          </a:prstGeom>
+        </p:spPr>
+        <p:style>
+          <a:lnRef idx="2">
+            <a:schemeClr val="accent1">
+              <a:shade val="50000"/>
+            </a:schemeClr>
+          </a:lnRef>
+          <a:fillRef idx="1">
+            <a:schemeClr val="accent1"/>
+          </a:fillRef>
+          <a:effectRef idx="0">
+            <a:schemeClr val="accent1"/>
+          </a:effectRef>
+          <a:fontRef idx="minor">
+            <a:schemeClr val="lt1"/>
+          </a:fontRef>
+        </p:style>
+        <p:txBody>
+          <a:bodyPr rtlCol="0" anchor="ctr">
+            <a:spAutoFit/>
+          </a:bodyPr>
+          <a:lstStyle/>
+          <a:p>
+            <a:pPr algn="ctr"/>
+            <a:r>
+              <a:rPr lang="en-US" altLang="zh-CN" sz="1200" dirty="0">
+                <a:latin typeface="Ubuntu Mono" panose="020B0509030602030204" pitchFamily="49" charset="0"/>
+                <a:ea typeface="DFMincho-SU" panose="02010609010101010101" pitchFamily="1" charset="-128"/>
+              </a:rPr>
+              <a:t>send_msg</a:t>
+            </a:r>
+            <a:endParaRPr lang="zh-CN" altLang="en-US" sz="1200" dirty="0">
+              <a:latin typeface="Ubuntu Mono" panose="020B0509030602030204" pitchFamily="49" charset="0"/>
+              <a:ea typeface="DFMincho-SU" panose="02010609010101010101" pitchFamily="1" charset="-128"/>
+            </a:endParaRPr>
+          </a:p>
+        </p:txBody>
+      </p:sp>
+      <p:sp>
+        <p:nvSpPr>
+          <p:cNvPr id="51" name="Rectangle: Single Corner Rounded 50">
+            <a:extLst>
+              <a:ext uri="{FF2B5EF4-FFF2-40B4-BE49-F238E27FC236}">
+                <a16:creationId xmlns:a16="http://schemas.microsoft.com/office/drawing/2014/main" id="{95951C5A-F89D-4F65-A87F-9D15EA961B04}"/>
+              </a:ext>
+            </a:extLst>
+          </p:cNvPr>
+          <p:cNvSpPr/>
+          <p:nvPr/>
+        </p:nvSpPr>
+        <p:spPr>
+          <a:xfrm>
+            <a:off x="4233788" y="1497865"/>
+            <a:ext cx="2225698" cy="276999"/>
+          </a:xfrm>
+          <a:prstGeom prst="round1Rect">
+            <a:avLst/>
+          </a:prstGeom>
+        </p:spPr>
+        <p:style>
+          <a:lnRef idx="2">
+            <a:schemeClr val="accent1">
+              <a:shade val="50000"/>
+            </a:schemeClr>
+          </a:lnRef>
+          <a:fillRef idx="1">
+            <a:schemeClr val="accent1"/>
+          </a:fillRef>
+          <a:effectRef idx="0">
+            <a:schemeClr val="accent1"/>
+          </a:effectRef>
+          <a:fontRef idx="minor">
+            <a:schemeClr val="lt1"/>
+          </a:fontRef>
+        </p:style>
+        <p:txBody>
+          <a:bodyPr rtlCol="0" anchor="ctr">
+            <a:spAutoFit/>
+          </a:bodyPr>
+          <a:lstStyle/>
+          <a:p>
+            <a:pPr algn="ctr"/>
+            <a:r>
+              <a:rPr lang="en-US" altLang="zh-CN" sz="1200" dirty="0">
+                <a:latin typeface="Ubuntu Mono" panose="020B0509030602030204" pitchFamily="49" charset="0"/>
+                <a:ea typeface="DFMincho-SU" panose="02010609010101010101" pitchFamily="1" charset="-128"/>
+              </a:rPr>
+              <a:t>start_retransmission_timer</a:t>
+            </a:r>
+            <a:endParaRPr lang="zh-CN" altLang="en-US" sz="1200" dirty="0">
+              <a:latin typeface="Ubuntu Mono" panose="020B0509030602030204" pitchFamily="49" charset="0"/>
+              <a:ea typeface="DFMincho-SU" panose="02010609010101010101" pitchFamily="1" charset="-128"/>
+            </a:endParaRPr>
+          </a:p>
+        </p:txBody>
+      </p:sp>
+      <p:sp>
+        <p:nvSpPr>
+          <p:cNvPr id="53" name="Rectangle: Single Corner Rounded 52">
+            <a:extLst>
+              <a:ext uri="{FF2B5EF4-FFF2-40B4-BE49-F238E27FC236}">
+                <a16:creationId xmlns:a16="http://schemas.microsoft.com/office/drawing/2014/main" id="{F31B713A-F9A6-4908-80DB-37B4BF062ECE}"/>
+              </a:ext>
+            </a:extLst>
+          </p:cNvPr>
+          <p:cNvSpPr/>
+          <p:nvPr/>
+        </p:nvSpPr>
+        <p:spPr>
+          <a:xfrm>
+            <a:off x="4518494" y="1921388"/>
+            <a:ext cx="1656286" cy="276999"/>
+          </a:xfrm>
+          <a:prstGeom prst="round1Rect">
+            <a:avLst/>
+          </a:prstGeom>
+        </p:spPr>
+        <p:style>
+          <a:lnRef idx="2">
+            <a:schemeClr val="accent1">
+              <a:shade val="50000"/>
+            </a:schemeClr>
+          </a:lnRef>
+          <a:fillRef idx="1">
+            <a:schemeClr val="accent1"/>
+          </a:fillRef>
+          <a:effectRef idx="0">
+            <a:schemeClr val="accent1"/>
+          </a:effectRef>
+          <a:fontRef idx="minor">
+            <a:schemeClr val="lt1"/>
+          </a:fontRef>
+        </p:style>
+        <p:txBody>
+          <a:bodyPr rtlCol="0" anchor="ctr">
+            <a:spAutoFit/>
+          </a:bodyPr>
+          <a:lstStyle/>
+          <a:p>
+            <a:pPr algn="ctr"/>
+            <a:r>
+              <a:rPr lang="en-US" altLang="zh-CN" sz="1200" dirty="0">
+                <a:latin typeface="Ubuntu Mono" panose="020B0509030602030204" pitchFamily="49" charset="0"/>
+                <a:ea typeface="DFMincho-SU" panose="02010609010101010101" pitchFamily="1" charset="-128"/>
+              </a:rPr>
+              <a:t>wait_for_msg_resp</a:t>
+            </a:r>
+            <a:endParaRPr lang="zh-CN" altLang="en-US" sz="1200" dirty="0">
+              <a:latin typeface="Ubuntu Mono" panose="020B0509030602030204" pitchFamily="49" charset="0"/>
+              <a:ea typeface="DFMincho-SU" panose="02010609010101010101" pitchFamily="1" charset="-128"/>
+            </a:endParaRPr>
+          </a:p>
+        </p:txBody>
+      </p:sp>
+      <p:sp>
+        <p:nvSpPr>
+          <p:cNvPr id="54" name="Rectangle: Single Corner Rounded 53">
+            <a:extLst>
+              <a:ext uri="{FF2B5EF4-FFF2-40B4-BE49-F238E27FC236}">
+                <a16:creationId xmlns:a16="http://schemas.microsoft.com/office/drawing/2014/main" id="{875C5151-E015-4026-9D89-210A97F09C14}"/>
+              </a:ext>
+            </a:extLst>
+          </p:cNvPr>
+          <p:cNvSpPr/>
+          <p:nvPr/>
+        </p:nvSpPr>
+        <p:spPr>
+          <a:xfrm>
+            <a:off x="4645803" y="2315531"/>
+            <a:ext cx="1401668" cy="276999"/>
+          </a:xfrm>
+          <a:prstGeom prst="round1Rect">
+            <a:avLst/>
+          </a:prstGeom>
+        </p:spPr>
+        <p:style>
+          <a:lnRef idx="2">
+            <a:schemeClr val="accent1">
+              <a:shade val="50000"/>
+            </a:schemeClr>
+          </a:lnRef>
+          <a:fillRef idx="1">
+            <a:schemeClr val="accent1"/>
+          </a:fillRef>
+          <a:effectRef idx="0">
+            <a:schemeClr val="accent1"/>
+          </a:effectRef>
+          <a:fontRef idx="minor">
+            <a:schemeClr val="lt1"/>
+          </a:fontRef>
+        </p:style>
+        <p:txBody>
+          <a:bodyPr rtlCol="0" anchor="ctr">
+            <a:spAutoFit/>
+          </a:bodyPr>
+          <a:lstStyle/>
+          <a:p>
+            <a:pPr algn="ctr"/>
+            <a:r>
+              <a:rPr lang="en-US" altLang="zh-CN" sz="1200" dirty="0">
+                <a:latin typeface="Ubuntu Mono" panose="020B0509030602030204" pitchFamily="49" charset="0"/>
+                <a:ea typeface="DFMincho-SU" panose="02010609010101010101" pitchFamily="1" charset="-128"/>
+              </a:rPr>
+              <a:t>handle_recv_msg</a:t>
+            </a:r>
+            <a:endParaRPr lang="zh-CN" altLang="en-US" sz="1200" dirty="0">
+              <a:latin typeface="Ubuntu Mono" panose="020B0509030602030204" pitchFamily="49" charset="0"/>
+              <a:ea typeface="DFMincho-SU" panose="02010609010101010101" pitchFamily="1" charset="-128"/>
+            </a:endParaRPr>
+          </a:p>
+        </p:txBody>
+      </p:sp>
+      <p:sp>
+        <p:nvSpPr>
+          <p:cNvPr id="60" name="Rectangle: Single Corner Rounded 59">
+            <a:extLst>
+              <a:ext uri="{FF2B5EF4-FFF2-40B4-BE49-F238E27FC236}">
+                <a16:creationId xmlns:a16="http://schemas.microsoft.com/office/drawing/2014/main" id="{F46E976B-E4DA-4CB5-9431-D55A3DB5859B}"/>
+              </a:ext>
+            </a:extLst>
+          </p:cNvPr>
+          <p:cNvSpPr/>
+          <p:nvPr/>
+        </p:nvSpPr>
+        <p:spPr>
+          <a:xfrm>
+            <a:off x="5718773" y="3708943"/>
+            <a:ext cx="2297723" cy="276999"/>
+          </a:xfrm>
+          <a:prstGeom prst="round1Rect">
+            <a:avLst/>
+          </a:prstGeom>
+        </p:spPr>
+        <p:style>
+          <a:lnRef idx="2">
+            <a:schemeClr val="accent1">
+              <a:shade val="50000"/>
+            </a:schemeClr>
+          </a:lnRef>
+          <a:fillRef idx="1">
+            <a:schemeClr val="accent1"/>
+          </a:fillRef>
+          <a:effectRef idx="0">
+            <a:schemeClr val="accent1"/>
+          </a:effectRef>
+          <a:fontRef idx="minor">
+            <a:schemeClr val="lt1"/>
+          </a:fontRef>
+        </p:style>
+        <p:txBody>
+          <a:bodyPr rtlCol="0" anchor="ctr">
+            <a:spAutoFit/>
+          </a:bodyPr>
+          <a:lstStyle/>
+          <a:p>
+            <a:pPr algn="ctr"/>
+            <a:r>
+              <a:rPr lang="en-US" altLang="zh-CN" sz="1200" dirty="0">
+                <a:latin typeface="Ubuntu Mono" panose="020B0509030602030204" pitchFamily="49" charset="0"/>
+                <a:ea typeface="DFMincho-SU" panose="02010609010101010101" pitchFamily="1" charset="-128"/>
+              </a:rPr>
+              <a:t>cancel_retransmission_timer</a:t>
+            </a:r>
+            <a:endParaRPr lang="zh-CN" altLang="en-US" sz="1200" dirty="0">
+              <a:latin typeface="Ubuntu Mono" panose="020B0509030602030204" pitchFamily="49" charset="0"/>
+              <a:ea typeface="DFMincho-SU" panose="02010609010101010101" pitchFamily="1" charset="-128"/>
+            </a:endParaRPr>
+          </a:p>
+        </p:txBody>
+      </p:sp>
+      <p:sp>
+        <p:nvSpPr>
+          <p:cNvPr id="61" name="Rectangle: Single Corner Rounded 60">
+            <a:extLst>
+              <a:ext uri="{FF2B5EF4-FFF2-40B4-BE49-F238E27FC236}">
+                <a16:creationId xmlns:a16="http://schemas.microsoft.com/office/drawing/2014/main" id="{3F05434B-8998-49AB-9902-1BFEF7DBBBCF}"/>
+              </a:ext>
+            </a:extLst>
+          </p:cNvPr>
+          <p:cNvSpPr/>
+          <p:nvPr/>
+        </p:nvSpPr>
+        <p:spPr>
+          <a:xfrm>
+            <a:off x="2810762" y="4641751"/>
+            <a:ext cx="1254204" cy="276999"/>
+          </a:xfrm>
+          <a:prstGeom prst="round1Rect">
+            <a:avLst/>
+          </a:prstGeom>
+        </p:spPr>
+        <p:style>
+          <a:lnRef idx="2">
+            <a:schemeClr val="accent2">
+              <a:shade val="50000"/>
+            </a:schemeClr>
+          </a:lnRef>
+          <a:fillRef idx="1">
+            <a:schemeClr val="accent2"/>
+          </a:fillRef>
+          <a:effectRef idx="0">
+            <a:schemeClr val="accent2"/>
+          </a:effectRef>
+          <a:fontRef idx="minor">
+            <a:schemeClr val="lt1"/>
+          </a:fontRef>
+        </p:style>
+        <p:txBody>
+          <a:bodyPr rtlCol="0" anchor="ctr">
+            <a:spAutoFit/>
+          </a:bodyPr>
+          <a:lstStyle/>
+          <a:p>
+            <a:pPr algn="ctr"/>
+            <a:r>
+              <a:rPr lang="en-US" altLang="zh-CN" sz="1200" dirty="0">
+                <a:latin typeface="Ubuntu Mono" panose="020B0509030602030204" pitchFamily="49" charset="0"/>
+                <a:ea typeface="DFMincho-SU" panose="02010609010101010101" pitchFamily="1" charset="-128"/>
+              </a:rPr>
+              <a:t>report_status</a:t>
+            </a:r>
+            <a:endParaRPr lang="zh-CN" altLang="en-US" sz="1200" dirty="0">
+              <a:latin typeface="Ubuntu Mono" panose="020B0509030602030204" pitchFamily="49" charset="0"/>
+              <a:ea typeface="DFMincho-SU" panose="02010609010101010101" pitchFamily="1" charset="-128"/>
+            </a:endParaRPr>
+          </a:p>
+        </p:txBody>
+      </p:sp>
+      <p:sp>
+        <p:nvSpPr>
+          <p:cNvPr id="67" name="Rectangle: Single Corner Rounded 66">
+            <a:extLst>
+              <a:ext uri="{FF2B5EF4-FFF2-40B4-BE49-F238E27FC236}">
+                <a16:creationId xmlns:a16="http://schemas.microsoft.com/office/drawing/2014/main" id="{5EFF27D0-2E1F-4D7A-B0ED-5A4E470963F7}"/>
+              </a:ext>
+            </a:extLst>
+          </p:cNvPr>
+          <p:cNvSpPr/>
+          <p:nvPr/>
+        </p:nvSpPr>
+        <p:spPr>
+          <a:xfrm>
+            <a:off x="6162783" y="4129380"/>
+            <a:ext cx="1409703" cy="276999"/>
+          </a:xfrm>
+          <a:prstGeom prst="round1Rect">
+            <a:avLst/>
+          </a:prstGeom>
+        </p:spPr>
+        <p:style>
+          <a:lnRef idx="2">
+            <a:schemeClr val="accent1">
+              <a:shade val="50000"/>
+            </a:schemeClr>
+          </a:lnRef>
+          <a:fillRef idx="1">
+            <a:schemeClr val="accent1"/>
+          </a:fillRef>
+          <a:effectRef idx="0">
+            <a:schemeClr val="accent1"/>
+          </a:effectRef>
+          <a:fontRef idx="minor">
+            <a:schemeClr val="lt1"/>
+          </a:fontRef>
+        </p:style>
+        <p:txBody>
+          <a:bodyPr rtlCol="0" anchor="ctr">
+            <a:spAutoFit/>
+          </a:bodyPr>
+          <a:lstStyle/>
+          <a:p>
+            <a:pPr algn="ctr"/>
+            <a:r>
+              <a:rPr lang="en-US" altLang="zh-CN" sz="1200" dirty="0">
+                <a:latin typeface="Ubuntu Mono" panose="020B0509030602030204" pitchFamily="49" charset="0"/>
+                <a:ea typeface="DFMincho-SU" panose="02010609010101010101" pitchFamily="1" charset="-128"/>
+              </a:rPr>
+              <a:t>handle_resp_msg</a:t>
+            </a:r>
+            <a:endParaRPr lang="zh-CN" altLang="en-US" sz="1200" dirty="0">
+              <a:latin typeface="Ubuntu Mono" panose="020B0509030602030204" pitchFamily="49" charset="0"/>
+              <a:ea typeface="DFMincho-SU" panose="02010609010101010101" pitchFamily="1" charset="-128"/>
+            </a:endParaRPr>
+          </a:p>
+        </p:txBody>
+      </p:sp>
+      <p:sp>
+        <p:nvSpPr>
+          <p:cNvPr id="71" name="Rectangle: Single Corner Rounded 70">
+            <a:extLst>
+              <a:ext uri="{FF2B5EF4-FFF2-40B4-BE49-F238E27FC236}">
+                <a16:creationId xmlns:a16="http://schemas.microsoft.com/office/drawing/2014/main" id="{7A3523E3-E5F1-4EA3-9060-FC3DD32FF06F}"/>
+              </a:ext>
+            </a:extLst>
+          </p:cNvPr>
+          <p:cNvSpPr/>
+          <p:nvPr/>
+        </p:nvSpPr>
+        <p:spPr>
+          <a:xfrm>
+            <a:off x="2756040" y="3707988"/>
+            <a:ext cx="2133196" cy="276999"/>
+          </a:xfrm>
+          <a:prstGeom prst="round1Rect">
+            <a:avLst/>
+          </a:prstGeom>
+        </p:spPr>
+        <p:style>
+          <a:lnRef idx="2">
+            <a:schemeClr val="accent1">
+              <a:shade val="50000"/>
+            </a:schemeClr>
+          </a:lnRef>
+          <a:fillRef idx="1">
+            <a:schemeClr val="accent1"/>
+          </a:fillRef>
+          <a:effectRef idx="0">
+            <a:schemeClr val="accent1"/>
+          </a:effectRef>
+          <a:fontRef idx="minor">
+            <a:schemeClr val="lt1"/>
+          </a:fontRef>
+        </p:style>
+        <p:txBody>
+          <a:bodyPr rtlCol="0" anchor="ctr">
+            <a:spAutoFit/>
+          </a:bodyPr>
+          <a:lstStyle/>
+          <a:p>
+            <a:pPr algn="ctr"/>
+            <a:r>
+              <a:rPr lang="en-US" altLang="zh-CN" sz="1200" dirty="0">
+                <a:latin typeface="Ubuntu Mono" panose="020B0509030602030204" pitchFamily="49" charset="0"/>
+                <a:ea typeface="DFMincho-SU" panose="02010609010101010101" pitchFamily="1" charset="-128"/>
+              </a:rPr>
+              <a:t>wait_for_timeout_callback</a:t>
+            </a:r>
+            <a:endParaRPr lang="zh-CN" altLang="en-US" sz="1200" dirty="0">
+              <a:latin typeface="Ubuntu Mono" panose="020B0509030602030204" pitchFamily="49" charset="0"/>
+              <a:ea typeface="DFMincho-SU" panose="02010609010101010101" pitchFamily="1" charset="-128"/>
+            </a:endParaRPr>
+          </a:p>
+        </p:txBody>
+      </p:sp>
+      <p:sp>
+        <p:nvSpPr>
+          <p:cNvPr id="29" name="Flowchart: Decision 28">
+            <a:extLst>
+              <a:ext uri="{FF2B5EF4-FFF2-40B4-BE49-F238E27FC236}">
+                <a16:creationId xmlns:a16="http://schemas.microsoft.com/office/drawing/2014/main" id="{1ABEBC95-F9B1-4E7E-A17C-965B411ECF35}"/>
+              </a:ext>
+            </a:extLst>
+          </p:cNvPr>
+          <p:cNvSpPr/>
+          <p:nvPr/>
+        </p:nvSpPr>
+        <p:spPr>
+          <a:xfrm>
+            <a:off x="3813113" y="536339"/>
+            <a:ext cx="3047999" cy="408624"/>
+          </a:xfrm>
+          <a:prstGeom prst="flowChartDecision">
+            <a:avLst/>
+          </a:prstGeom>
+        </p:spPr>
+        <p:style>
+          <a:lnRef idx="2">
+            <a:schemeClr val="accent1">
+              <a:shade val="50000"/>
+            </a:schemeClr>
+          </a:lnRef>
+          <a:fillRef idx="1">
+            <a:schemeClr val="accent1"/>
+          </a:fillRef>
+          <a:effectRef idx="0">
+            <a:schemeClr val="accent1"/>
+          </a:effectRef>
+          <a:fontRef idx="minor">
+            <a:schemeClr val="lt1"/>
+          </a:fontRef>
+        </p:style>
+        <p:txBody>
+          <a:bodyPr rtlCol="0" anchor="ctr"/>
+          <a:lstStyle/>
+          <a:p>
+            <a:pPr algn="ctr"/>
+            <a:r>
+              <a:rPr lang="en-US" altLang="zh-CN" sz="1200" dirty="0">
+                <a:latin typeface="Ubuntu Mono" panose="020B0509030602030204" pitchFamily="49" charset="0"/>
+              </a:rPr>
+              <a:t>Is the last Rc ?</a:t>
+            </a:r>
+            <a:endParaRPr lang="zh-CN" altLang="en-US" sz="1200" dirty="0">
+              <a:latin typeface="Ubuntu Mono" panose="020B0509030602030204" pitchFamily="49" charset="0"/>
+            </a:endParaRPr>
+          </a:p>
+        </p:txBody>
+      </p:sp>
+      <p:sp>
+        <p:nvSpPr>
+          <p:cNvPr id="73" name="Rectangle: Single Corner Rounded 72">
+            <a:extLst>
+              <a:ext uri="{FF2B5EF4-FFF2-40B4-BE49-F238E27FC236}">
+                <a16:creationId xmlns:a16="http://schemas.microsoft.com/office/drawing/2014/main" id="{1A3296B6-F472-4318-AD78-240E7400E58F}"/>
+              </a:ext>
+            </a:extLst>
+          </p:cNvPr>
+          <p:cNvSpPr/>
+          <p:nvPr/>
+        </p:nvSpPr>
+        <p:spPr>
+          <a:xfrm>
+            <a:off x="7215910" y="602151"/>
+            <a:ext cx="1203009" cy="276999"/>
+          </a:xfrm>
+          <a:prstGeom prst="round1Rect">
+            <a:avLst/>
+          </a:prstGeom>
+        </p:spPr>
+        <p:style>
+          <a:lnRef idx="2">
+            <a:schemeClr val="accent2">
+              <a:shade val="50000"/>
+            </a:schemeClr>
+          </a:lnRef>
+          <a:fillRef idx="1">
+            <a:schemeClr val="accent2"/>
+          </a:fillRef>
+          <a:effectRef idx="0">
+            <a:schemeClr val="accent2"/>
+          </a:effectRef>
+          <a:fontRef idx="minor">
+            <a:schemeClr val="lt1"/>
+          </a:fontRef>
+        </p:style>
+        <p:txBody>
+          <a:bodyPr rtlCol="0" anchor="ctr">
+            <a:spAutoFit/>
+          </a:bodyPr>
+          <a:lstStyle/>
+          <a:p>
+            <a:pPr algn="ctr"/>
+            <a:r>
+              <a:rPr lang="en-US" altLang="zh-CN" sz="1200" dirty="0">
+                <a:latin typeface="Ubuntu Mono" panose="020B0509030602030204" pitchFamily="49" charset="0"/>
+                <a:ea typeface="DFMincho-SU" panose="02010609010101010101" pitchFamily="1" charset="-128"/>
+              </a:rPr>
+              <a:t>report_status</a:t>
+            </a:r>
+            <a:endParaRPr lang="zh-CN" altLang="en-US" sz="1200" dirty="0">
+              <a:latin typeface="Ubuntu Mono" panose="020B0509030602030204" pitchFamily="49" charset="0"/>
+              <a:ea typeface="DFMincho-SU" panose="02010609010101010101" pitchFamily="1" charset="-128"/>
+            </a:endParaRPr>
+          </a:p>
+        </p:txBody>
+      </p:sp>
+      <p:sp>
+        <p:nvSpPr>
+          <p:cNvPr id="74" name="TextBox 73">
+            <a:extLst>
+              <a:ext uri="{FF2B5EF4-FFF2-40B4-BE49-F238E27FC236}">
+                <a16:creationId xmlns:a16="http://schemas.microsoft.com/office/drawing/2014/main" id="{F17C5FD0-AFD4-4786-96A6-159727BF899A}"/>
+              </a:ext>
+            </a:extLst>
+          </p:cNvPr>
+          <p:cNvSpPr txBox="1"/>
+          <p:nvPr/>
+        </p:nvSpPr>
+        <p:spPr>
+          <a:xfrm>
+            <a:off x="6610349" y="1337849"/>
+            <a:ext cx="704851" cy="215444"/>
+          </a:xfrm>
+          <a:prstGeom prst="rect">
+            <a:avLst/>
+          </a:prstGeom>
+          <a:noFill/>
+        </p:spPr>
+        <p:txBody>
+          <a:bodyPr wrap="square" rtlCol="0">
+            <a:spAutoFit/>
+          </a:bodyPr>
+          <a:lstStyle/>
+          <a:p>
+            <a:pPr algn="ctr"/>
+            <a:r>
+              <a:rPr lang="en-US" altLang="zh-CN" sz="800" dirty="0">
+                <a:latin typeface="Bodoni MT Black" panose="02070A03080606020203" pitchFamily="18" charset="0"/>
+                <a:ea typeface="DFMincho-SU" panose="02010609010101010101" pitchFamily="1" charset="-128"/>
+              </a:rPr>
+              <a:t>No</a:t>
+            </a:r>
+            <a:endParaRPr lang="zh-CN" altLang="en-US" sz="800" dirty="0">
+              <a:latin typeface="Bodoni MT Black" panose="02070A03080606020203" pitchFamily="18" charset="0"/>
+              <a:ea typeface="DFMincho-SU" panose="02010609010101010101" pitchFamily="1" charset="-128"/>
+            </a:endParaRPr>
+          </a:p>
+        </p:txBody>
+      </p:sp>
+      <p:sp>
+        <p:nvSpPr>
+          <p:cNvPr id="77" name="Flowchart: Decision 76">
+            <a:extLst>
+              <a:ext uri="{FF2B5EF4-FFF2-40B4-BE49-F238E27FC236}">
+                <a16:creationId xmlns:a16="http://schemas.microsoft.com/office/drawing/2014/main" id="{4EC28B72-27F8-4318-8EEC-ECBC45D8A9CA}"/>
+              </a:ext>
+            </a:extLst>
+          </p:cNvPr>
+          <p:cNvSpPr/>
+          <p:nvPr/>
+        </p:nvSpPr>
+        <p:spPr>
+          <a:xfrm>
+            <a:off x="3822638" y="2698995"/>
+            <a:ext cx="3047999" cy="415679"/>
+          </a:xfrm>
+          <a:prstGeom prst="flowChartDecision">
+            <a:avLst/>
+          </a:prstGeom>
+        </p:spPr>
+        <p:style>
+          <a:lnRef idx="2">
+            <a:schemeClr val="accent1">
+              <a:shade val="50000"/>
+            </a:schemeClr>
+          </a:lnRef>
+          <a:fillRef idx="1">
+            <a:schemeClr val="accent1"/>
+          </a:fillRef>
+          <a:effectRef idx="0">
+            <a:schemeClr val="accent1"/>
+          </a:effectRef>
+          <a:fontRef idx="minor">
+            <a:schemeClr val="lt1"/>
+          </a:fontRef>
+        </p:style>
+        <p:txBody>
+          <a:bodyPr rtlCol="0" anchor="ctr"/>
+          <a:lstStyle/>
+          <a:p>
+            <a:pPr algn="ctr"/>
+            <a:r>
+              <a:rPr lang="en-US" altLang="zh-CN" sz="1200" dirty="0">
+                <a:latin typeface="Ubuntu Mono" panose="020B0509030602030204" pitchFamily="49" charset="0"/>
+              </a:rPr>
+              <a:t>Is valid message ?</a:t>
+            </a:r>
+            <a:endParaRPr lang="zh-CN" altLang="en-US" sz="1200" dirty="0">
+              <a:latin typeface="Ubuntu Mono" panose="020B0509030602030204" pitchFamily="49" charset="0"/>
+            </a:endParaRPr>
+          </a:p>
+        </p:txBody>
+      </p:sp>
+      <p:cxnSp>
+        <p:nvCxnSpPr>
+          <p:cNvPr id="36" name="Straight Arrow Connector 35">
+            <a:extLst>
+              <a:ext uri="{FF2B5EF4-FFF2-40B4-BE49-F238E27FC236}">
+                <a16:creationId xmlns:a16="http://schemas.microsoft.com/office/drawing/2014/main" id="{163C7DA4-C96D-4C2C-8B06-87C07A31A374}"/>
+              </a:ext>
+            </a:extLst>
+          </p:cNvPr>
+          <p:cNvCxnSpPr>
+            <a:cxnSpLocks/>
+            <a:stCxn id="77" idx="1"/>
+          </p:cNvCxnSpPr>
+          <p:nvPr/>
+        </p:nvCxnSpPr>
+        <p:spPr>
+          <a:xfrm>
+            <a:off x="3822638" y="2906835"/>
+            <a:ext cx="0" cy="781960"/>
+          </a:xfrm>
+          <a:prstGeom prst="straightConnector1">
+            <a:avLst/>
+          </a:prstGeom>
+          <a:ln>
+            <a:tailEnd type="triangle"/>
+          </a:ln>
+        </p:spPr>
+        <p:style>
+          <a:lnRef idx="1">
+            <a:schemeClr val="accent1"/>
+          </a:lnRef>
+          <a:fillRef idx="0">
+            <a:schemeClr val="accent1"/>
+          </a:fillRef>
+          <a:effectRef idx="0">
+            <a:schemeClr val="accent1"/>
+          </a:effectRef>
+          <a:fontRef idx="minor">
+            <a:schemeClr val="tx1"/>
+          </a:fontRef>
+        </p:style>
+      </p:cxnSp>
+      <p:cxnSp>
+        <p:nvCxnSpPr>
+          <p:cNvPr id="40" name="Straight Arrow Connector 39">
+            <a:extLst>
+              <a:ext uri="{FF2B5EF4-FFF2-40B4-BE49-F238E27FC236}">
+                <a16:creationId xmlns:a16="http://schemas.microsoft.com/office/drawing/2014/main" id="{9A13749E-6ED3-4712-9C92-3E9532B5BCD8}"/>
+              </a:ext>
+            </a:extLst>
+          </p:cNvPr>
+          <p:cNvCxnSpPr>
+            <a:cxnSpLocks/>
+            <a:stCxn id="77" idx="3"/>
+          </p:cNvCxnSpPr>
+          <p:nvPr/>
+        </p:nvCxnSpPr>
+        <p:spPr>
+          <a:xfrm>
+            <a:off x="6870637" y="2906835"/>
+            <a:ext cx="0" cy="781960"/>
+          </a:xfrm>
+          <a:prstGeom prst="straightConnector1">
+            <a:avLst/>
+          </a:prstGeom>
+          <a:ln>
+            <a:tailEnd type="triangle"/>
+          </a:ln>
+        </p:spPr>
+        <p:style>
+          <a:lnRef idx="1">
+            <a:schemeClr val="accent1"/>
+          </a:lnRef>
+          <a:fillRef idx="0">
+            <a:schemeClr val="accent1"/>
+          </a:fillRef>
+          <a:effectRef idx="0">
+            <a:schemeClr val="accent1"/>
+          </a:effectRef>
+          <a:fontRef idx="minor">
+            <a:schemeClr val="tx1"/>
+          </a:fontRef>
+        </p:style>
+      </p:cxnSp>
+      <p:sp>
+        <p:nvSpPr>
+          <p:cNvPr id="78" name="TextBox 77">
+            <a:extLst>
+              <a:ext uri="{FF2B5EF4-FFF2-40B4-BE49-F238E27FC236}">
+                <a16:creationId xmlns:a16="http://schemas.microsoft.com/office/drawing/2014/main" id="{3E784CD5-8DD8-4C9D-BEA4-8B7560102930}"/>
+              </a:ext>
+            </a:extLst>
+          </p:cNvPr>
+          <p:cNvSpPr txBox="1"/>
+          <p:nvPr/>
+        </p:nvSpPr>
+        <p:spPr>
+          <a:xfrm>
+            <a:off x="6832006" y="3219735"/>
+            <a:ext cx="704851" cy="215444"/>
+          </a:xfrm>
+          <a:prstGeom prst="rect">
+            <a:avLst/>
+          </a:prstGeom>
+          <a:noFill/>
+        </p:spPr>
+        <p:txBody>
+          <a:bodyPr wrap="square" rtlCol="0">
+            <a:spAutoFit/>
+          </a:bodyPr>
+          <a:lstStyle/>
+          <a:p>
+            <a:r>
+              <a:rPr lang="en-US" altLang="zh-CN" sz="800" dirty="0">
+                <a:latin typeface="Bodoni MT Black" panose="02070A03080606020203" pitchFamily="18" charset="0"/>
+                <a:ea typeface="DFMincho-SU" panose="02010609010101010101" pitchFamily="1" charset="-128"/>
+              </a:rPr>
+              <a:t>Yes</a:t>
+            </a:r>
+            <a:endParaRPr lang="zh-CN" altLang="en-US" sz="800" dirty="0">
+              <a:latin typeface="Bodoni MT Black" panose="02070A03080606020203" pitchFamily="18" charset="0"/>
+              <a:ea typeface="DFMincho-SU" panose="02010609010101010101" pitchFamily="1" charset="-128"/>
+            </a:endParaRPr>
+          </a:p>
+        </p:txBody>
+      </p:sp>
+      <p:sp>
+        <p:nvSpPr>
+          <p:cNvPr id="79" name="TextBox 78">
+            <a:extLst>
+              <a:ext uri="{FF2B5EF4-FFF2-40B4-BE49-F238E27FC236}">
+                <a16:creationId xmlns:a16="http://schemas.microsoft.com/office/drawing/2014/main" id="{E6AFA892-BD8E-4570-BA4F-3D472D65F5D4}"/>
+              </a:ext>
+            </a:extLst>
+          </p:cNvPr>
+          <p:cNvSpPr txBox="1"/>
+          <p:nvPr/>
+        </p:nvSpPr>
+        <p:spPr>
+          <a:xfrm>
+            <a:off x="3578096" y="3213556"/>
+            <a:ext cx="704851" cy="215444"/>
+          </a:xfrm>
+          <a:prstGeom prst="rect">
+            <a:avLst/>
+          </a:prstGeom>
+          <a:noFill/>
+        </p:spPr>
+        <p:txBody>
+          <a:bodyPr wrap="square" rtlCol="0">
+            <a:spAutoFit/>
+          </a:bodyPr>
+          <a:lstStyle/>
+          <a:p>
+            <a:pPr algn="ctr"/>
+            <a:r>
+              <a:rPr lang="en-US" altLang="zh-CN" sz="800" dirty="0">
+                <a:latin typeface="Bodoni MT Black" panose="02070A03080606020203" pitchFamily="18" charset="0"/>
+                <a:ea typeface="DFMincho-SU" panose="02010609010101010101" pitchFamily="1" charset="-128"/>
+              </a:rPr>
+              <a:t>No</a:t>
+            </a:r>
+            <a:endParaRPr lang="zh-CN" altLang="en-US" sz="800" dirty="0">
+              <a:latin typeface="Bodoni MT Black" panose="02070A03080606020203" pitchFamily="18" charset="0"/>
+              <a:ea typeface="DFMincho-SU" panose="02010609010101010101" pitchFamily="1" charset="-128"/>
+            </a:endParaRPr>
+          </a:p>
+        </p:txBody>
+      </p:sp>
+      <p:sp>
+        <p:nvSpPr>
+          <p:cNvPr id="50" name="Flowchart: Decision 49">
+            <a:extLst>
+              <a:ext uri="{FF2B5EF4-FFF2-40B4-BE49-F238E27FC236}">
+                <a16:creationId xmlns:a16="http://schemas.microsoft.com/office/drawing/2014/main" id="{7443249C-8724-4CEE-8009-4FC085217180}"/>
+              </a:ext>
+            </a:extLst>
+          </p:cNvPr>
+          <p:cNvSpPr/>
+          <p:nvPr/>
+        </p:nvSpPr>
+        <p:spPr>
+          <a:xfrm>
+            <a:off x="4927336" y="4547832"/>
+            <a:ext cx="3880597" cy="482864"/>
+          </a:xfrm>
+          <a:prstGeom prst="flowChartDecision">
+            <a:avLst/>
+          </a:prstGeom>
+        </p:spPr>
+        <p:style>
+          <a:lnRef idx="2">
+            <a:schemeClr val="accent1">
+              <a:shade val="50000"/>
+            </a:schemeClr>
+          </a:lnRef>
+          <a:fillRef idx="1">
+            <a:schemeClr val="accent1"/>
+          </a:fillRef>
+          <a:effectRef idx="0">
+            <a:schemeClr val="accent1"/>
+          </a:effectRef>
+          <a:fontRef idx="minor">
+            <a:schemeClr val="lt1"/>
+          </a:fontRef>
+        </p:style>
+        <p:txBody>
+          <a:bodyPr rtlCol="0" anchor="ctr"/>
+          <a:lstStyle/>
+          <a:p>
+            <a:pPr algn="ctr"/>
+            <a:r>
+              <a:rPr lang="en-US" altLang="zh-CN" sz="1200" dirty="0">
+                <a:latin typeface="Ubuntu Mono" panose="020B0509030602030204" pitchFamily="49" charset="0"/>
+              </a:rPr>
+              <a:t>Is the successful resp ?</a:t>
+            </a:r>
+            <a:endParaRPr lang="zh-CN" altLang="en-US" sz="1200" dirty="0">
+              <a:latin typeface="Ubuntu Mono" panose="020B0509030602030204" pitchFamily="49" charset="0"/>
+            </a:endParaRPr>
+          </a:p>
+        </p:txBody>
+      </p:sp>
+      <p:cxnSp>
+        <p:nvCxnSpPr>
+          <p:cNvPr id="24" name="Straight Arrow Connector 23">
+            <a:extLst>
+              <a:ext uri="{FF2B5EF4-FFF2-40B4-BE49-F238E27FC236}">
+                <a16:creationId xmlns:a16="http://schemas.microsoft.com/office/drawing/2014/main" id="{0AE88523-185B-4CEB-912F-A4EB7786804D}"/>
+              </a:ext>
+            </a:extLst>
+          </p:cNvPr>
+          <p:cNvCxnSpPr>
+            <a:cxnSpLocks/>
+            <a:stCxn id="50" idx="1"/>
+            <a:endCxn id="61" idx="3"/>
+          </p:cNvCxnSpPr>
+          <p:nvPr/>
+        </p:nvCxnSpPr>
+        <p:spPr>
+          <a:xfrm flipH="1" flipV="1">
+            <a:off x="4064966" y="4780251"/>
+            <a:ext cx="862370" cy="9013"/>
+          </a:xfrm>
+          <a:prstGeom prst="straightConnector1">
+            <a:avLst/>
+          </a:prstGeom>
+          <a:ln>
+            <a:tailEnd type="triangle"/>
+          </a:ln>
+        </p:spPr>
+        <p:style>
+          <a:lnRef idx="1">
+            <a:schemeClr val="accent1"/>
+          </a:lnRef>
+          <a:fillRef idx="0">
+            <a:schemeClr val="accent1"/>
+          </a:fillRef>
+          <a:effectRef idx="0">
+            <a:schemeClr val="accent1"/>
+          </a:effectRef>
+          <a:fontRef idx="minor">
+            <a:schemeClr val="tx1"/>
+          </a:fontRef>
+        </p:style>
+      </p:cxnSp>
+      <p:sp>
+        <p:nvSpPr>
+          <p:cNvPr id="57" name="TextBox 56">
+            <a:extLst>
+              <a:ext uri="{FF2B5EF4-FFF2-40B4-BE49-F238E27FC236}">
+                <a16:creationId xmlns:a16="http://schemas.microsoft.com/office/drawing/2014/main" id="{1DA4FE64-8272-47E3-ACAF-2A5227D6F249}"/>
+              </a:ext>
+            </a:extLst>
+          </p:cNvPr>
+          <p:cNvSpPr txBox="1"/>
+          <p:nvPr/>
+        </p:nvSpPr>
+        <p:spPr>
+          <a:xfrm>
+            <a:off x="4218445" y="4573820"/>
+            <a:ext cx="704851" cy="215444"/>
+          </a:xfrm>
+          <a:prstGeom prst="rect">
+            <a:avLst/>
+          </a:prstGeom>
+          <a:noFill/>
+        </p:spPr>
+        <p:txBody>
+          <a:bodyPr wrap="square" rtlCol="0">
+            <a:spAutoFit/>
+          </a:bodyPr>
+          <a:lstStyle/>
+          <a:p>
+            <a:pPr algn="ctr"/>
+            <a:r>
+              <a:rPr lang="en-US" altLang="zh-CN" sz="800" dirty="0">
+                <a:latin typeface="Bodoni MT Black" panose="02070A03080606020203" pitchFamily="18" charset="0"/>
+                <a:ea typeface="DFMincho-SU" panose="02010609010101010101" pitchFamily="1" charset="-128"/>
+              </a:rPr>
+              <a:t>No</a:t>
+            </a:r>
+            <a:endParaRPr lang="zh-CN" altLang="en-US" sz="800" dirty="0">
+              <a:latin typeface="Bodoni MT Black" panose="02070A03080606020203" pitchFamily="18" charset="0"/>
+              <a:ea typeface="DFMincho-SU" panose="02010609010101010101" pitchFamily="1" charset="-128"/>
+            </a:endParaRPr>
+          </a:p>
+        </p:txBody>
+      </p:sp>
+      <p:cxnSp>
+        <p:nvCxnSpPr>
+          <p:cNvPr id="56" name="Connector: Elbow 55">
+            <a:extLst>
+              <a:ext uri="{FF2B5EF4-FFF2-40B4-BE49-F238E27FC236}">
+                <a16:creationId xmlns:a16="http://schemas.microsoft.com/office/drawing/2014/main" id="{1370FFE9-2C50-4454-900A-7CEC16B22B6F}"/>
+              </a:ext>
+            </a:extLst>
+          </p:cNvPr>
+          <p:cNvCxnSpPr>
+            <a:stCxn id="21" idx="2"/>
+            <a:endCxn id="54" idx="1"/>
+          </p:cNvCxnSpPr>
+          <p:nvPr/>
+        </p:nvCxnSpPr>
+        <p:spPr>
+          <a:xfrm rot="16200000" flipH="1">
+            <a:off x="2315253" y="123481"/>
+            <a:ext cx="759784" cy="3901316"/>
+          </a:xfrm>
+          <a:prstGeom prst="bentConnector2">
+            <a:avLst/>
+          </a:prstGeom>
+          <a:ln>
+            <a:tailEnd type="triangle"/>
+          </a:ln>
+        </p:spPr>
+        <p:style>
+          <a:lnRef idx="1">
+            <a:schemeClr val="accent4"/>
+          </a:lnRef>
+          <a:fillRef idx="0">
+            <a:schemeClr val="accent4"/>
+          </a:fillRef>
+          <a:effectRef idx="0">
+            <a:schemeClr val="accent4"/>
+          </a:effectRef>
+          <a:fontRef idx="minor">
+            <a:schemeClr val="tx1"/>
+          </a:fontRef>
+        </p:style>
+      </p:cxnSp>
+      <p:sp>
+        <p:nvSpPr>
+          <p:cNvPr id="81" name="Flowchart: Decision 80">
+            <a:extLst>
+              <a:ext uri="{FF2B5EF4-FFF2-40B4-BE49-F238E27FC236}">
+                <a16:creationId xmlns:a16="http://schemas.microsoft.com/office/drawing/2014/main" id="{07FD2E0F-A5F8-48A2-BEF4-F14BD97DD483}"/>
+              </a:ext>
+            </a:extLst>
+          </p:cNvPr>
+          <p:cNvSpPr/>
+          <p:nvPr/>
+        </p:nvSpPr>
+        <p:spPr>
+          <a:xfrm>
+            <a:off x="8343450" y="1145038"/>
+            <a:ext cx="2832700" cy="482864"/>
+          </a:xfrm>
+          <a:prstGeom prst="flowChartDecision">
+            <a:avLst/>
+          </a:prstGeom>
+        </p:spPr>
+        <p:style>
+          <a:lnRef idx="2">
+            <a:schemeClr val="accent1">
+              <a:shade val="50000"/>
+            </a:schemeClr>
+          </a:lnRef>
+          <a:fillRef idx="1">
+            <a:schemeClr val="accent1"/>
+          </a:fillRef>
+          <a:effectRef idx="0">
+            <a:schemeClr val="accent1"/>
+          </a:effectRef>
+          <a:fontRef idx="minor">
+            <a:schemeClr val="lt1"/>
+          </a:fontRef>
+        </p:style>
+        <p:txBody>
+          <a:bodyPr rtlCol="0" anchor="ctr"/>
+          <a:lstStyle/>
+          <a:p>
+            <a:pPr algn="ctr"/>
+            <a:r>
+              <a:rPr lang="en-US" altLang="zh-CN" sz="1200" dirty="0">
+                <a:latin typeface="Ubuntu Mono" panose="020B0509030602030204" pitchFamily="49" charset="0"/>
+              </a:rPr>
+              <a:t>controlling role?</a:t>
+            </a:r>
+            <a:endParaRPr lang="zh-CN" altLang="en-US" sz="1200" dirty="0">
+              <a:latin typeface="Ubuntu Mono" panose="020B0509030602030204" pitchFamily="49" charset="0"/>
+            </a:endParaRPr>
+          </a:p>
+        </p:txBody>
+      </p:sp>
+      <p:cxnSp>
+        <p:nvCxnSpPr>
+          <p:cNvPr id="69" name="Connector: Elbow 68">
+            <a:extLst>
+              <a:ext uri="{FF2B5EF4-FFF2-40B4-BE49-F238E27FC236}">
+                <a16:creationId xmlns:a16="http://schemas.microsoft.com/office/drawing/2014/main" id="{1A2548EF-81BD-41B9-811E-7C60025C7986}"/>
+              </a:ext>
+            </a:extLst>
+          </p:cNvPr>
+          <p:cNvCxnSpPr>
+            <a:cxnSpLocks/>
+            <a:stCxn id="50" idx="3"/>
+            <a:endCxn id="81" idx="0"/>
+          </p:cNvCxnSpPr>
+          <p:nvPr/>
+        </p:nvCxnSpPr>
+        <p:spPr>
+          <a:xfrm flipV="1">
+            <a:off x="8807933" y="1145038"/>
+            <a:ext cx="951867" cy="3644226"/>
+          </a:xfrm>
+          <a:prstGeom prst="bentConnector4">
+            <a:avLst>
+              <a:gd name="adj1" fmla="val -53404"/>
+              <a:gd name="adj2" fmla="val 103659"/>
+            </a:avLst>
+          </a:prstGeom>
+          <a:ln>
+            <a:tailEnd type="triangle"/>
+          </a:ln>
+        </p:spPr>
+        <p:style>
+          <a:lnRef idx="1">
+            <a:schemeClr val="accent1"/>
+          </a:lnRef>
+          <a:fillRef idx="0">
+            <a:schemeClr val="accent1"/>
+          </a:fillRef>
+          <a:effectRef idx="0">
+            <a:schemeClr val="accent1"/>
+          </a:effectRef>
+          <a:fontRef idx="minor">
+            <a:schemeClr val="tx1"/>
+          </a:fontRef>
+        </p:style>
+      </p:cxnSp>
+      <p:sp>
+        <p:nvSpPr>
+          <p:cNvPr id="89" name="TextBox 88">
+            <a:extLst>
+              <a:ext uri="{FF2B5EF4-FFF2-40B4-BE49-F238E27FC236}">
+                <a16:creationId xmlns:a16="http://schemas.microsoft.com/office/drawing/2014/main" id="{8E79C7B1-D260-49F7-9155-93E7021CCA86}"/>
+              </a:ext>
+            </a:extLst>
+          </p:cNvPr>
+          <p:cNvSpPr txBox="1"/>
+          <p:nvPr/>
+        </p:nvSpPr>
+        <p:spPr>
+          <a:xfrm>
+            <a:off x="8016496" y="2962362"/>
+            <a:ext cx="704851" cy="215444"/>
+          </a:xfrm>
+          <a:prstGeom prst="rect">
+            <a:avLst/>
+          </a:prstGeom>
+          <a:noFill/>
+        </p:spPr>
+        <p:txBody>
+          <a:bodyPr wrap="square" rtlCol="0">
+            <a:spAutoFit/>
+          </a:bodyPr>
+          <a:lstStyle/>
+          <a:p>
+            <a:r>
+              <a:rPr lang="en-US" altLang="zh-CN" sz="800" dirty="0">
+                <a:latin typeface="Bodoni MT Black" panose="02070A03080606020203" pitchFamily="18" charset="0"/>
+                <a:ea typeface="DFMincho-SU" panose="02010609010101010101" pitchFamily="1" charset="-128"/>
+              </a:rPr>
+              <a:t>Yes</a:t>
+            </a:r>
+            <a:endParaRPr lang="zh-CN" altLang="en-US" sz="800" dirty="0">
+              <a:latin typeface="Bodoni MT Black" panose="02070A03080606020203" pitchFamily="18" charset="0"/>
+              <a:ea typeface="DFMincho-SU" panose="02010609010101010101" pitchFamily="1" charset="-128"/>
+            </a:endParaRPr>
+          </a:p>
+        </p:txBody>
+      </p:sp>
+      <p:sp>
+        <p:nvSpPr>
+          <p:cNvPr id="94" name="Rectangle: Diagonal Corners Snipped 93">
+            <a:extLst>
+              <a:ext uri="{FF2B5EF4-FFF2-40B4-BE49-F238E27FC236}">
+                <a16:creationId xmlns:a16="http://schemas.microsoft.com/office/drawing/2014/main" id="{DEA3C26F-D4FE-4797-81BC-D91C9C06CD8E}"/>
+              </a:ext>
+            </a:extLst>
+          </p:cNvPr>
+          <p:cNvSpPr/>
+          <p:nvPr/>
+        </p:nvSpPr>
+        <p:spPr>
+          <a:xfrm>
+            <a:off x="8611420" y="2205120"/>
+            <a:ext cx="1390650" cy="374184"/>
+          </a:xfrm>
+          <a:prstGeom prst="snip2DiagRect">
+            <a:avLst/>
+          </a:prstGeom>
+        </p:spPr>
+        <p:style>
+          <a:lnRef idx="2">
+            <a:schemeClr val="accent1">
+              <a:shade val="50000"/>
+            </a:schemeClr>
+          </a:lnRef>
+          <a:fillRef idx="1">
+            <a:schemeClr val="accent1"/>
+          </a:fillRef>
+          <a:effectRef idx="0">
+            <a:schemeClr val="accent1"/>
+          </a:effectRef>
+          <a:fontRef idx="minor">
+            <a:schemeClr val="lt1"/>
+          </a:fontRef>
+        </p:style>
+        <p:txBody>
+          <a:bodyPr rtlCol="0" anchor="ctr"/>
+          <a:lstStyle/>
+          <a:p>
+            <a:pPr lvl="0" eaLnBrk="0" fontAlgn="base" hangingPunct="0">
+              <a:spcBef>
+                <a:spcPct val="0"/>
+              </a:spcBef>
+              <a:spcAft>
+                <a:spcPct val="0"/>
+              </a:spcAft>
+            </a:pPr>
+            <a:r>
+              <a:rPr lang="en-US" altLang="zh-CN" sz="1200" dirty="0">
+                <a:solidFill>
+                  <a:schemeClr val="bg1"/>
+                </a:solidFill>
+                <a:latin typeface="Ubuntu Mono" panose="020B0509030602030204" pitchFamily="49" charset="0"/>
+              </a:rPr>
+              <a:t>send_</a:t>
+            </a:r>
+            <a:r>
+              <a:rPr lang="zh-CN" altLang="zh-CN" sz="1200" dirty="0">
+                <a:solidFill>
+                  <a:schemeClr val="bg1"/>
+                </a:solidFill>
+                <a:latin typeface="Ubuntu Mono" panose="020B0509030602030204" pitchFamily="49" charset="0"/>
+              </a:rPr>
+              <a:t>nominating </a:t>
+            </a:r>
+          </a:p>
+        </p:txBody>
+      </p:sp>
+      <p:sp>
+        <p:nvSpPr>
+          <p:cNvPr id="99" name="Rectangle: Diagonal Corners Snipped 98">
+            <a:extLst>
+              <a:ext uri="{FF2B5EF4-FFF2-40B4-BE49-F238E27FC236}">
+                <a16:creationId xmlns:a16="http://schemas.microsoft.com/office/drawing/2014/main" id="{46A9E081-35EB-4B28-B37B-F9165500B378}"/>
+              </a:ext>
+            </a:extLst>
+          </p:cNvPr>
+          <p:cNvSpPr/>
+          <p:nvPr/>
+        </p:nvSpPr>
+        <p:spPr>
+          <a:xfrm>
+            <a:off x="10422633" y="2231529"/>
+            <a:ext cx="1701026" cy="374184"/>
+          </a:xfrm>
+          <a:prstGeom prst="snip2DiagRect">
+            <a:avLst/>
+          </a:prstGeom>
+        </p:spPr>
+        <p:style>
+          <a:lnRef idx="2">
+            <a:schemeClr val="accent1">
+              <a:shade val="50000"/>
+            </a:schemeClr>
+          </a:lnRef>
+          <a:fillRef idx="1">
+            <a:schemeClr val="accent1"/>
+          </a:fillRef>
+          <a:effectRef idx="0">
+            <a:schemeClr val="accent1"/>
+          </a:effectRef>
+          <a:fontRef idx="minor">
+            <a:schemeClr val="lt1"/>
+          </a:fontRef>
+        </p:style>
+        <p:txBody>
+          <a:bodyPr rtlCol="0" anchor="ctr"/>
+          <a:lstStyle/>
+          <a:p>
+            <a:pPr lvl="0" eaLnBrk="0" fontAlgn="base" hangingPunct="0">
+              <a:spcBef>
+                <a:spcPct val="0"/>
+              </a:spcBef>
+              <a:spcAft>
+                <a:spcPct val="0"/>
+              </a:spcAft>
+            </a:pPr>
+            <a:r>
+              <a:rPr lang="en-US" altLang="zh-CN" sz="1200" dirty="0">
+                <a:solidFill>
+                  <a:schemeClr val="bg1"/>
+                </a:solidFill>
+                <a:latin typeface="Ubuntu Mono" panose="020B0509030602030204" pitchFamily="49" charset="0"/>
+              </a:rPr>
+              <a:t>waiting_</a:t>
+            </a:r>
+            <a:r>
+              <a:rPr lang="zh-CN" altLang="zh-CN" sz="1200" dirty="0">
+                <a:solidFill>
+                  <a:schemeClr val="bg1"/>
+                </a:solidFill>
+                <a:latin typeface="Ubuntu Mono" panose="020B0509030602030204" pitchFamily="49" charset="0"/>
+              </a:rPr>
+              <a:t>nominating </a:t>
+            </a:r>
+          </a:p>
+        </p:txBody>
+      </p:sp>
+      <p:cxnSp>
+        <p:nvCxnSpPr>
+          <p:cNvPr id="104" name="Straight Arrow Connector 103">
+            <a:extLst>
+              <a:ext uri="{FF2B5EF4-FFF2-40B4-BE49-F238E27FC236}">
+                <a16:creationId xmlns:a16="http://schemas.microsoft.com/office/drawing/2014/main" id="{7070C187-FD85-49C4-AF3F-9D70028FA232}"/>
+              </a:ext>
+            </a:extLst>
+          </p:cNvPr>
+          <p:cNvCxnSpPr/>
+          <p:nvPr/>
+        </p:nvCxnSpPr>
+        <p:spPr>
+          <a:xfrm>
+            <a:off x="8877300" y="1497865"/>
+            <a:ext cx="0" cy="700522"/>
+          </a:xfrm>
+          <a:prstGeom prst="straightConnector1">
+            <a:avLst/>
+          </a:prstGeom>
+          <a:ln>
+            <a:tailEnd type="triangle"/>
+          </a:ln>
+        </p:spPr>
+        <p:style>
+          <a:lnRef idx="1">
+            <a:schemeClr val="accent1"/>
+          </a:lnRef>
+          <a:fillRef idx="0">
+            <a:schemeClr val="accent1"/>
+          </a:fillRef>
+          <a:effectRef idx="0">
+            <a:schemeClr val="accent1"/>
+          </a:effectRef>
+          <a:fontRef idx="minor">
+            <a:schemeClr val="tx1"/>
+          </a:fontRef>
+        </p:style>
+      </p:cxnSp>
+      <p:cxnSp>
+        <p:nvCxnSpPr>
+          <p:cNvPr id="106" name="Straight Arrow Connector 105">
+            <a:extLst>
+              <a:ext uri="{FF2B5EF4-FFF2-40B4-BE49-F238E27FC236}">
+                <a16:creationId xmlns:a16="http://schemas.microsoft.com/office/drawing/2014/main" id="{C1CCA630-9302-4A35-8F06-567351D535AA}"/>
+              </a:ext>
+            </a:extLst>
+          </p:cNvPr>
+          <p:cNvCxnSpPr/>
+          <p:nvPr/>
+        </p:nvCxnSpPr>
+        <p:spPr>
+          <a:xfrm>
+            <a:off x="10858500" y="1497865"/>
+            <a:ext cx="0" cy="707255"/>
+          </a:xfrm>
+          <a:prstGeom prst="straightConnector1">
+            <a:avLst/>
+          </a:prstGeom>
+          <a:ln>
+            <a:tailEnd type="triangle"/>
+          </a:ln>
+        </p:spPr>
+        <p:style>
+          <a:lnRef idx="1">
+            <a:schemeClr val="accent1"/>
+          </a:lnRef>
+          <a:fillRef idx="0">
+            <a:schemeClr val="accent1"/>
+          </a:fillRef>
+          <a:effectRef idx="0">
+            <a:schemeClr val="accent1"/>
+          </a:effectRef>
+          <a:fontRef idx="minor">
+            <a:schemeClr val="tx1"/>
+          </a:fontRef>
+        </p:style>
+      </p:cxnSp>
+      <p:cxnSp>
+        <p:nvCxnSpPr>
+          <p:cNvPr id="108" name="Straight Arrow Connector 107">
+            <a:extLst>
+              <a:ext uri="{FF2B5EF4-FFF2-40B4-BE49-F238E27FC236}">
+                <a16:creationId xmlns:a16="http://schemas.microsoft.com/office/drawing/2014/main" id="{A51EBF7B-FB41-4F3B-B812-EDC39B1FD0E1}"/>
+              </a:ext>
+            </a:extLst>
+          </p:cNvPr>
+          <p:cNvCxnSpPr>
+            <a:stCxn id="29" idx="3"/>
+            <a:endCxn id="73" idx="1"/>
+          </p:cNvCxnSpPr>
+          <p:nvPr/>
+        </p:nvCxnSpPr>
+        <p:spPr>
+          <a:xfrm>
+            <a:off x="6861112" y="740651"/>
+            <a:ext cx="354798" cy="0"/>
+          </a:xfrm>
+          <a:prstGeom prst="straightConnector1">
+            <a:avLst/>
+          </a:prstGeom>
+          <a:ln>
+            <a:tailEnd type="triangle"/>
+          </a:ln>
+        </p:spPr>
+        <p:style>
+          <a:lnRef idx="1">
+            <a:schemeClr val="accent1"/>
+          </a:lnRef>
+          <a:fillRef idx="0">
+            <a:schemeClr val="accent1"/>
+          </a:fillRef>
+          <a:effectRef idx="0">
+            <a:schemeClr val="accent1"/>
+          </a:effectRef>
+          <a:fontRef idx="minor">
+            <a:schemeClr val="tx1"/>
+          </a:fontRef>
+        </p:style>
+      </p:cxnSp>
+      <p:sp>
+        <p:nvSpPr>
+          <p:cNvPr id="109" name="Rectangle: Single Corner Rounded 108">
+            <a:extLst>
+              <a:ext uri="{FF2B5EF4-FFF2-40B4-BE49-F238E27FC236}">
+                <a16:creationId xmlns:a16="http://schemas.microsoft.com/office/drawing/2014/main" id="{01F8A451-3EEF-4378-A07D-2154FB4EB38B}"/>
+              </a:ext>
+            </a:extLst>
+          </p:cNvPr>
+          <p:cNvSpPr/>
+          <p:nvPr/>
+        </p:nvSpPr>
+        <p:spPr>
+          <a:xfrm>
+            <a:off x="8679643" y="2828651"/>
+            <a:ext cx="1254204" cy="276999"/>
+          </a:xfrm>
+          <a:prstGeom prst="round1Rect">
+            <a:avLst/>
+          </a:prstGeom>
+        </p:spPr>
+        <p:style>
+          <a:lnRef idx="2">
+            <a:schemeClr val="accent2">
+              <a:shade val="50000"/>
+            </a:schemeClr>
+          </a:lnRef>
+          <a:fillRef idx="1">
+            <a:schemeClr val="accent2"/>
+          </a:fillRef>
+          <a:effectRef idx="0">
+            <a:schemeClr val="accent2"/>
+          </a:effectRef>
+          <a:fontRef idx="minor">
+            <a:schemeClr val="lt1"/>
+          </a:fontRef>
+        </p:style>
+        <p:txBody>
+          <a:bodyPr rtlCol="0" anchor="ctr">
+            <a:spAutoFit/>
+          </a:bodyPr>
+          <a:lstStyle/>
+          <a:p>
+            <a:pPr algn="ctr"/>
+            <a:r>
+              <a:rPr lang="en-US" altLang="zh-CN" sz="1200" dirty="0">
+                <a:latin typeface="Ubuntu Mono" panose="020B0509030602030204" pitchFamily="49" charset="0"/>
+                <a:ea typeface="DFMincho-SU" panose="02010609010101010101" pitchFamily="1" charset="-128"/>
+              </a:rPr>
+              <a:t>report_status</a:t>
+            </a:r>
+            <a:endParaRPr lang="zh-CN" altLang="en-US" sz="1200" dirty="0">
+              <a:latin typeface="Ubuntu Mono" panose="020B0509030602030204" pitchFamily="49" charset="0"/>
+              <a:ea typeface="DFMincho-SU" panose="02010609010101010101" pitchFamily="1" charset="-128"/>
+            </a:endParaRPr>
+          </a:p>
+        </p:txBody>
+      </p:sp>
+      <p:sp>
+        <p:nvSpPr>
+          <p:cNvPr id="110" name="Rectangle: Single Corner Rounded 109">
+            <a:extLst>
+              <a:ext uri="{FF2B5EF4-FFF2-40B4-BE49-F238E27FC236}">
+                <a16:creationId xmlns:a16="http://schemas.microsoft.com/office/drawing/2014/main" id="{2D5A5E32-9111-471F-99BE-B5F89DB5C23C}"/>
+              </a:ext>
+            </a:extLst>
+          </p:cNvPr>
+          <p:cNvSpPr/>
+          <p:nvPr/>
+        </p:nvSpPr>
+        <p:spPr>
+          <a:xfrm>
+            <a:off x="10488648" y="2823500"/>
+            <a:ext cx="1254204" cy="276999"/>
+          </a:xfrm>
+          <a:prstGeom prst="round1Rect">
+            <a:avLst/>
+          </a:prstGeom>
+        </p:spPr>
+        <p:style>
+          <a:lnRef idx="2">
+            <a:schemeClr val="accent2">
+              <a:shade val="50000"/>
+            </a:schemeClr>
+          </a:lnRef>
+          <a:fillRef idx="1">
+            <a:schemeClr val="accent2"/>
+          </a:fillRef>
+          <a:effectRef idx="0">
+            <a:schemeClr val="accent2"/>
+          </a:effectRef>
+          <a:fontRef idx="minor">
+            <a:schemeClr val="lt1"/>
+          </a:fontRef>
+        </p:style>
+        <p:txBody>
+          <a:bodyPr rtlCol="0" anchor="ctr">
+            <a:spAutoFit/>
+          </a:bodyPr>
+          <a:lstStyle/>
+          <a:p>
+            <a:pPr algn="ctr"/>
+            <a:r>
+              <a:rPr lang="en-US" altLang="zh-CN" sz="1200" dirty="0">
+                <a:latin typeface="Ubuntu Mono" panose="020B0509030602030204" pitchFamily="49" charset="0"/>
+                <a:ea typeface="DFMincho-SU" panose="02010609010101010101" pitchFamily="1" charset="-128"/>
+              </a:rPr>
+              <a:t>report_status</a:t>
+            </a:r>
+            <a:endParaRPr lang="zh-CN" altLang="en-US" sz="1200" dirty="0">
+              <a:latin typeface="Ubuntu Mono" panose="020B0509030602030204" pitchFamily="49" charset="0"/>
+              <a:ea typeface="DFMincho-SU" panose="02010609010101010101" pitchFamily="1" charset="-128"/>
+            </a:endParaRPr>
+          </a:p>
+        </p:txBody>
+      </p:sp>
+      <p:cxnSp>
+        <p:nvCxnSpPr>
+          <p:cNvPr id="112" name="Straight Arrow Connector 111">
+            <a:extLst>
+              <a:ext uri="{FF2B5EF4-FFF2-40B4-BE49-F238E27FC236}">
+                <a16:creationId xmlns:a16="http://schemas.microsoft.com/office/drawing/2014/main" id="{A15BEFD7-D491-49BC-81E4-CCBC93C0761B}"/>
+              </a:ext>
+            </a:extLst>
+          </p:cNvPr>
+          <p:cNvCxnSpPr/>
+          <p:nvPr/>
+        </p:nvCxnSpPr>
+        <p:spPr>
+          <a:xfrm>
+            <a:off x="9039225" y="2605713"/>
+            <a:ext cx="0" cy="217787"/>
+          </a:xfrm>
+          <a:prstGeom prst="straightConnector1">
+            <a:avLst/>
+          </a:prstGeom>
+          <a:ln>
+            <a:tailEnd type="triangle"/>
+          </a:ln>
+        </p:spPr>
+        <p:style>
+          <a:lnRef idx="1">
+            <a:schemeClr val="accent1"/>
+          </a:lnRef>
+          <a:fillRef idx="0">
+            <a:schemeClr val="accent1"/>
+          </a:fillRef>
+          <a:effectRef idx="0">
+            <a:schemeClr val="accent1"/>
+          </a:effectRef>
+          <a:fontRef idx="minor">
+            <a:schemeClr val="tx1"/>
+          </a:fontRef>
+        </p:style>
+      </p:cxnSp>
+      <p:cxnSp>
+        <p:nvCxnSpPr>
+          <p:cNvPr id="114" name="Straight Arrow Connector 113">
+            <a:extLst>
+              <a:ext uri="{FF2B5EF4-FFF2-40B4-BE49-F238E27FC236}">
+                <a16:creationId xmlns:a16="http://schemas.microsoft.com/office/drawing/2014/main" id="{8A22618B-A6A6-4386-B681-632BFD7808EE}"/>
+              </a:ext>
+            </a:extLst>
+          </p:cNvPr>
+          <p:cNvCxnSpPr/>
+          <p:nvPr/>
+        </p:nvCxnSpPr>
+        <p:spPr>
+          <a:xfrm>
+            <a:off x="11458575" y="2605713"/>
+            <a:ext cx="0" cy="217787"/>
+          </a:xfrm>
+          <a:prstGeom prst="straightConnector1">
+            <a:avLst/>
+          </a:prstGeom>
+          <a:ln>
+            <a:tailEnd type="triangle"/>
+          </a:ln>
+        </p:spPr>
+        <p:style>
+          <a:lnRef idx="1">
+            <a:schemeClr val="accent1"/>
+          </a:lnRef>
+          <a:fillRef idx="0">
+            <a:schemeClr val="accent1"/>
+          </a:fillRef>
+          <a:effectRef idx="0">
+            <a:schemeClr val="accent1"/>
+          </a:effectRef>
+          <a:fontRef idx="minor">
+            <a:schemeClr val="tx1"/>
+          </a:fontRef>
+        </p:style>
+      </p:cxnSp>
+      <p:sp>
+        <p:nvSpPr>
+          <p:cNvPr id="115" name="TextBox 114">
+            <a:extLst>
+              <a:ext uri="{FF2B5EF4-FFF2-40B4-BE49-F238E27FC236}">
+                <a16:creationId xmlns:a16="http://schemas.microsoft.com/office/drawing/2014/main" id="{F993EA6F-F36F-4F9E-97FF-92322B551D89}"/>
+              </a:ext>
+            </a:extLst>
+          </p:cNvPr>
+          <p:cNvSpPr txBox="1"/>
+          <p:nvPr/>
+        </p:nvSpPr>
+        <p:spPr>
+          <a:xfrm>
+            <a:off x="8861348" y="1760634"/>
+            <a:ext cx="704851" cy="215444"/>
+          </a:xfrm>
+          <a:prstGeom prst="rect">
+            <a:avLst/>
+          </a:prstGeom>
+          <a:noFill/>
+        </p:spPr>
+        <p:txBody>
+          <a:bodyPr wrap="square" rtlCol="0">
+            <a:spAutoFit/>
+          </a:bodyPr>
+          <a:lstStyle/>
+          <a:p>
+            <a:r>
+              <a:rPr lang="en-US" altLang="zh-CN" sz="800" dirty="0">
+                <a:latin typeface="Bodoni MT Black" panose="02070A03080606020203" pitchFamily="18" charset="0"/>
+                <a:ea typeface="DFMincho-SU" panose="02010609010101010101" pitchFamily="1" charset="-128"/>
+              </a:rPr>
+              <a:t>Yes</a:t>
+            </a:r>
+            <a:endParaRPr lang="zh-CN" altLang="en-US" sz="800" dirty="0">
+              <a:latin typeface="Bodoni MT Black" panose="02070A03080606020203" pitchFamily="18" charset="0"/>
+              <a:ea typeface="DFMincho-SU" panose="02010609010101010101" pitchFamily="1" charset="-128"/>
+            </a:endParaRPr>
+          </a:p>
+        </p:txBody>
+      </p:sp>
+      <p:sp>
+        <p:nvSpPr>
+          <p:cNvPr id="116" name="TextBox 115">
+            <a:extLst>
+              <a:ext uri="{FF2B5EF4-FFF2-40B4-BE49-F238E27FC236}">
+                <a16:creationId xmlns:a16="http://schemas.microsoft.com/office/drawing/2014/main" id="{72AE4D9A-1A55-4A7B-A441-CC08AB7635CF}"/>
+              </a:ext>
+            </a:extLst>
+          </p:cNvPr>
+          <p:cNvSpPr txBox="1"/>
+          <p:nvPr/>
+        </p:nvSpPr>
+        <p:spPr>
+          <a:xfrm>
+            <a:off x="10678450" y="1760634"/>
+            <a:ext cx="704851" cy="215444"/>
+          </a:xfrm>
+          <a:prstGeom prst="rect">
+            <a:avLst/>
+          </a:prstGeom>
+          <a:noFill/>
+        </p:spPr>
+        <p:txBody>
+          <a:bodyPr wrap="square" rtlCol="0">
+            <a:spAutoFit/>
+          </a:bodyPr>
+          <a:lstStyle/>
+          <a:p>
+            <a:pPr algn="ctr"/>
+            <a:r>
+              <a:rPr lang="en-US" altLang="zh-CN" sz="800" dirty="0">
+                <a:latin typeface="Bodoni MT Black" panose="02070A03080606020203" pitchFamily="18" charset="0"/>
+                <a:ea typeface="DFMincho-SU" panose="02010609010101010101" pitchFamily="1" charset="-128"/>
+              </a:rPr>
+              <a:t>No</a:t>
+            </a:r>
+            <a:endParaRPr lang="zh-CN" altLang="en-US" sz="800" dirty="0">
+              <a:latin typeface="Bodoni MT Black" panose="02070A03080606020203" pitchFamily="18" charset="0"/>
+              <a:ea typeface="DFMincho-SU" panose="02010609010101010101" pitchFamily="1" charset="-128"/>
+            </a:endParaRPr>
+          </a:p>
+        </p:txBody>
+      </p:sp>
+    </p:spTree>
+    <p:extLst>
+      <p:ext uri="{BB962C8B-B14F-4D97-AF65-F5344CB8AC3E}">
+        <p14:creationId xmlns:p14="http://schemas.microsoft.com/office/powerpoint/2010/main" val="2192910078"/>
+      </p:ext>
+    </p:extLst>
+  </p:cSld>
+  <p:clrMapOvr>
+    <a:masterClrMapping/>
+  </p:clrMapOvr>
+</p:sld>
+</file>
+
+<file path=ppt/slides/slide42.xml><?xml version="1.0" encoding="utf-8"?>
+<p:sld xmlns:a="http://schemas.openxmlformats.org/drawingml/2006/main" xmlns:r="http://schemas.openxmlformats.org/officeDocument/2006/relationships" xmlns:p="http://schemas.openxmlformats.org/presentationml/2006/main">
+  <p:cSld>
+    <p:spTree>
+      <p:nvGrpSpPr>
+        <p:cNvPr id="1" name=""/>
+        <p:cNvGrpSpPr/>
+        <p:nvPr/>
+      </p:nvGrpSpPr>
+      <p:grpSpPr>
+        <a:xfrm>
+          <a:off x="0" y="0"/>
+          <a:ext cx="0" cy="0"/>
+          <a:chOff x="0" y="0"/>
+          <a:chExt cx="0" cy="0"/>
+        </a:xfrm>
+      </p:grpSpPr>
+      <p:sp>
+        <p:nvSpPr>
+          <p:cNvPr id="19" name="Rectangle: Rounded Corners 18">
+            <a:extLst>
+              <a:ext uri="{FF2B5EF4-FFF2-40B4-BE49-F238E27FC236}">
+                <a16:creationId xmlns:a16="http://schemas.microsoft.com/office/drawing/2014/main" id="{63B16C67-4A99-4825-86E0-C0C4592F9A7A}"/>
+              </a:ext>
+            </a:extLst>
+          </p:cNvPr>
+          <p:cNvSpPr/>
+          <p:nvPr/>
+        </p:nvSpPr>
+        <p:spPr>
+          <a:xfrm>
+            <a:off x="339436" y="258126"/>
+            <a:ext cx="3556289" cy="2589849"/>
           </a:xfrm>
           <a:prstGeom prst="roundRect">
-            <a:avLst/>
+            <a:avLst>
+              <a:gd name="adj" fmla="val 2347"/>
+            </a:avLst>
           </a:prstGeom>
         </p:spPr>
         <p:style>
@@ -36086,8 +40263,8 @@
           </a:fontRef>
         </p:style>
         <p:txBody>
-          <a:bodyPr rtlCol="0" anchor="ctr">
-            <a:spAutoFit/>
+          <a:bodyPr rtlCol="0" anchor="t" anchorCtr="0">
+            <a:noAutofit/>
           </a:bodyPr>
           <a:lstStyle/>
           <a:p>
@@ -36096,20 +40273,84 @@
               <a:rPr lang="en-US" altLang="zh-CN" dirty="0">
                 <a:latin typeface="Berlin Sans FB Demi" panose="020E0802020502020306" pitchFamily="34" charset="0"/>
               </a:rPr>
-              <a:t>passivestream</a:t>
-            </a:r>
-            <a:endParaRPr lang="zh-CN" altLang="en-US" dirty="0">
-              <a:latin typeface="Berlin Sans FB Demi" panose="020E0802020502020306" pitchFamily="34" charset="0"/>
+              <a:t>candidate</a:t>
+            </a:r>
+          </a:p>
+        </p:txBody>
+      </p:sp>
+      <p:sp>
+        <p:nvSpPr>
+          <p:cNvPr id="29" name="Rectangle: Rounded Corners 28">
+            <a:extLst>
+              <a:ext uri="{FF2B5EF4-FFF2-40B4-BE49-F238E27FC236}">
+                <a16:creationId xmlns:a16="http://schemas.microsoft.com/office/drawing/2014/main" id="{F6BDF21F-B86D-4F25-B7B8-DA75FED78400}"/>
+              </a:ext>
+            </a:extLst>
+          </p:cNvPr>
+          <p:cNvSpPr/>
+          <p:nvPr/>
+        </p:nvSpPr>
+        <p:spPr>
+          <a:xfrm>
+            <a:off x="339436" y="1136684"/>
+            <a:ext cx="3556289" cy="334986"/>
+          </a:xfrm>
+          <a:prstGeom prst="roundRect">
+            <a:avLst/>
+          </a:prstGeom>
+          <a:solidFill>
+            <a:schemeClr val="accent3">
+              <a:lumMod val="60000"/>
+              <a:lumOff val="40000"/>
+            </a:schemeClr>
+          </a:solidFill>
+          <a:ln>
+            <a:solidFill>
+              <a:schemeClr val="accent3">
+                <a:lumMod val="20000"/>
+                <a:lumOff val="80000"/>
+              </a:schemeClr>
+            </a:solidFill>
+          </a:ln>
+        </p:spPr>
+        <p:style>
+          <a:lnRef idx="2">
+            <a:schemeClr val="accent1">
+              <a:shade val="50000"/>
+            </a:schemeClr>
+          </a:lnRef>
+          <a:fillRef idx="1">
+            <a:schemeClr val="accent1"/>
+          </a:fillRef>
+          <a:effectRef idx="0">
+            <a:schemeClr val="accent1"/>
+          </a:effectRef>
+          <a:fontRef idx="minor">
+            <a:schemeClr val="lt1"/>
+          </a:fontRef>
+        </p:style>
+        <p:txBody>
+          <a:bodyPr rtlCol="0" anchor="ctr"/>
+          <a:lstStyle/>
+          <a:p>
+            <a:r>
+              <a:rPr lang="en-US" altLang="zh-CN" sz="1400" dirty="0">
+                <a:latin typeface="Arial Black" panose="020B0A04020102020204" pitchFamily="34" charset="0"/>
+              </a:rPr>
+              <a:t>virtual bool initialize() = 0</a:t>
+            </a:r>
+            <a:endParaRPr lang="zh-CN" altLang="en-US" sz="1400" dirty="0">
+              <a:latin typeface="Arial Black" panose="020B0A04020102020204" pitchFamily="34" charset="0"/>
             </a:endParaRPr>
           </a:p>
         </p:txBody>
       </p:sp>
       <p:sp>
         <p:nvSpPr>
-          <p:cNvPr id="43" name="Rectangle: Rounded Corners 42">
-            <a:extLst>
-              <a:ext uri="{FF2B5EF4-FFF2-40B4-BE49-F238E27FC236}">
-                <a16:creationId xmlns:a16="http://schemas.microsoft.com/office/drawing/2014/main" id="{161CBF48-2FED-4841-B7C9-14B754B32357}"/>
+          <p:cNvPr id="33" name="Rectangle: Rounded Corners 32">
+            <a:extLst>
+              <a:ext uri="{FF2B5EF4-FFF2-40B4-BE49-F238E27FC236}">
+                <a16:creationId xmlns:a16="http://schemas.microsoft.com/office/drawing/2014/main" id="{5388E3C9-445F-4CBE-BFCE-D97AE2EC880C}"/>
               </a:ext>
             </a:extLst>
           </p:cNvPr>
@@ -36118,7 +40359,238 @@
         </p:nvSpPr>
         <p:spPr>
           <a:xfrm>
-            <a:off x="9043947" y="2033666"/>
+            <a:off x="339436" y="1517684"/>
+            <a:ext cx="3556289" cy="334986"/>
+          </a:xfrm>
+          <a:prstGeom prst="roundRect">
+            <a:avLst/>
+          </a:prstGeom>
+          <a:solidFill>
+            <a:schemeClr val="accent3">
+              <a:lumMod val="60000"/>
+              <a:lumOff val="40000"/>
+            </a:schemeClr>
+          </a:solidFill>
+          <a:ln>
+            <a:solidFill>
+              <a:schemeClr val="accent3">
+                <a:lumMod val="20000"/>
+                <a:lumOff val="80000"/>
+              </a:schemeClr>
+            </a:solidFill>
+          </a:ln>
+        </p:spPr>
+        <p:style>
+          <a:lnRef idx="2">
+            <a:schemeClr val="accent1">
+              <a:shade val="50000"/>
+            </a:schemeClr>
+          </a:lnRef>
+          <a:fillRef idx="1">
+            <a:schemeClr val="accent1"/>
+          </a:fillRef>
+          <a:effectRef idx="0">
+            <a:schemeClr val="accent1"/>
+          </a:effectRef>
+          <a:fontRef idx="minor">
+            <a:schemeClr val="lt1"/>
+          </a:fontRef>
+        </p:style>
+        <p:txBody>
+          <a:bodyPr rtlCol="0" anchor="ctr"/>
+          <a:lstStyle/>
+          <a:p>
+            <a:r>
+              <a:rPr lang="en-US" altLang="zh-CN" sz="1400" dirty="0">
+                <a:latin typeface="Arial Black" panose="020B0A04020102020204" pitchFamily="34" charset="0"/>
+              </a:rPr>
+              <a:t>std::string GetLocalIP()</a:t>
+            </a:r>
+            <a:endParaRPr lang="zh-CN" altLang="en-US" sz="1400" dirty="0">
+              <a:latin typeface="Arial Black" panose="020B0A04020102020204" pitchFamily="34" charset="0"/>
+            </a:endParaRPr>
+          </a:p>
+        </p:txBody>
+      </p:sp>
+      <p:sp>
+        <p:nvSpPr>
+          <p:cNvPr id="36" name="Rectangle: Rounded Corners 35">
+            <a:extLst>
+              <a:ext uri="{FF2B5EF4-FFF2-40B4-BE49-F238E27FC236}">
+                <a16:creationId xmlns:a16="http://schemas.microsoft.com/office/drawing/2014/main" id="{48BAE68C-A431-4B0D-886D-0018B65E8EEF}"/>
+              </a:ext>
+            </a:extLst>
+          </p:cNvPr>
+          <p:cNvSpPr/>
+          <p:nvPr/>
+        </p:nvSpPr>
+        <p:spPr>
+          <a:xfrm>
+            <a:off x="339436" y="1897936"/>
+            <a:ext cx="3556289" cy="334986"/>
+          </a:xfrm>
+          <a:prstGeom prst="roundRect">
+            <a:avLst/>
+          </a:prstGeom>
+          <a:solidFill>
+            <a:schemeClr val="accent3">
+              <a:lumMod val="60000"/>
+              <a:lumOff val="40000"/>
+            </a:schemeClr>
+          </a:solidFill>
+          <a:ln>
+            <a:solidFill>
+              <a:schemeClr val="accent3">
+                <a:lumMod val="20000"/>
+                <a:lumOff val="80000"/>
+              </a:schemeClr>
+            </a:solidFill>
+          </a:ln>
+        </p:spPr>
+        <p:style>
+          <a:lnRef idx="2">
+            <a:schemeClr val="accent1">
+              <a:shade val="50000"/>
+            </a:schemeClr>
+          </a:lnRef>
+          <a:fillRef idx="1">
+            <a:schemeClr val="accent1"/>
+          </a:fillRef>
+          <a:effectRef idx="0">
+            <a:schemeClr val="accent1"/>
+          </a:effectRef>
+          <a:fontRef idx="minor">
+            <a:schemeClr val="lt1"/>
+          </a:fontRef>
+        </p:style>
+        <p:txBody>
+          <a:bodyPr rtlCol="0" anchor="ctr"/>
+          <a:lstStyle/>
+          <a:p>
+            <a:r>
+              <a:rPr lang="en-US" altLang="zh-CN" sz="1400" dirty="0">
+                <a:latin typeface="Arial Black" panose="020B0A04020102020204" pitchFamily="34" charset="0"/>
+              </a:rPr>
+              <a:t>Int16_t GetLocalPort ()</a:t>
+            </a:r>
+            <a:endParaRPr lang="zh-CN" altLang="en-US" sz="1400" dirty="0">
+              <a:latin typeface="Arial Black" panose="020B0A04020102020204" pitchFamily="34" charset="0"/>
+            </a:endParaRPr>
+          </a:p>
+        </p:txBody>
+      </p:sp>
+      <p:sp>
+        <p:nvSpPr>
+          <p:cNvPr id="38" name="Rectangle: Rounded Corners 37">
+            <a:extLst>
+              <a:ext uri="{FF2B5EF4-FFF2-40B4-BE49-F238E27FC236}">
+                <a16:creationId xmlns:a16="http://schemas.microsoft.com/office/drawing/2014/main" id="{07162B93-8336-4D19-AD5E-3E2C8CA38A67}"/>
+              </a:ext>
+            </a:extLst>
+          </p:cNvPr>
+          <p:cNvSpPr/>
+          <p:nvPr/>
+        </p:nvSpPr>
+        <p:spPr>
+          <a:xfrm>
+            <a:off x="339436" y="2268284"/>
+            <a:ext cx="3556289" cy="334986"/>
+          </a:xfrm>
+          <a:prstGeom prst="roundRect">
+            <a:avLst/>
+          </a:prstGeom>
+          <a:solidFill>
+            <a:schemeClr val="accent3">
+              <a:lumMod val="60000"/>
+              <a:lumOff val="40000"/>
+            </a:schemeClr>
+          </a:solidFill>
+          <a:ln>
+            <a:solidFill>
+              <a:schemeClr val="accent3">
+                <a:lumMod val="20000"/>
+                <a:lumOff val="80000"/>
+              </a:schemeClr>
+            </a:solidFill>
+          </a:ln>
+        </p:spPr>
+        <p:style>
+          <a:lnRef idx="2">
+            <a:schemeClr val="accent1">
+              <a:shade val="50000"/>
+            </a:schemeClr>
+          </a:lnRef>
+          <a:fillRef idx="1">
+            <a:schemeClr val="accent1"/>
+          </a:fillRef>
+          <a:effectRef idx="0">
+            <a:schemeClr val="accent1"/>
+          </a:effectRef>
+          <a:fontRef idx="minor">
+            <a:schemeClr val="lt1"/>
+          </a:fontRef>
+        </p:style>
+        <p:txBody>
+          <a:bodyPr rtlCol="0" anchor="ctr"/>
+          <a:lstStyle/>
+          <a:p>
+            <a:r>
+              <a:rPr lang="en-US" altLang="zh-CN" sz="1400" dirty="0">
+                <a:latin typeface="Arial Black" panose="020B0A04020102020204" pitchFamily="34" charset="0"/>
+              </a:rPr>
+              <a:t>virtual bool initialize() = 0</a:t>
+            </a:r>
+            <a:endParaRPr lang="zh-CN" altLang="en-US" sz="1400" dirty="0">
+              <a:latin typeface="Arial Black" panose="020B0A04020102020204" pitchFamily="34" charset="0"/>
+            </a:endParaRPr>
+          </a:p>
+        </p:txBody>
+      </p:sp>
+    </p:spTree>
+    <p:extLst>
+      <p:ext uri="{BB962C8B-B14F-4D97-AF65-F5344CB8AC3E}">
+        <p14:creationId xmlns:p14="http://schemas.microsoft.com/office/powerpoint/2010/main" val="1453677507"/>
+      </p:ext>
+    </p:extLst>
+  </p:cSld>
+  <p:clrMapOvr>
+    <a:masterClrMapping/>
+  </p:clrMapOvr>
+</p:sld>
+</file>
+
+<file path=ppt/slides/slide43.xml><?xml version="1.0" encoding="utf-8"?>
+<p:sld xmlns:a="http://schemas.openxmlformats.org/drawingml/2006/main" xmlns:r="http://schemas.openxmlformats.org/officeDocument/2006/relationships" xmlns:p="http://schemas.openxmlformats.org/presentationml/2006/main">
+  <p:cSld>
+    <p:spTree>
+      <p:nvGrpSpPr>
+        <p:cNvPr id="1" name=""/>
+        <p:cNvGrpSpPr/>
+        <p:nvPr/>
+      </p:nvGrpSpPr>
+      <p:grpSpPr>
+        <a:xfrm>
+          <a:off x="0" y="0"/>
+          <a:ext cx="0" cy="0"/>
+          <a:chOff x="0" y="0"/>
+          <a:chExt cx="0" cy="0"/>
+        </a:xfrm>
+      </p:grpSpPr>
+      <p:sp>
+        <p:nvSpPr>
+          <p:cNvPr id="21" name="Rectangle: Rounded Corners 20">
+            <a:extLst>
+              <a:ext uri="{FF2B5EF4-FFF2-40B4-BE49-F238E27FC236}">
+                <a16:creationId xmlns:a16="http://schemas.microsoft.com/office/drawing/2014/main" id="{F65B2436-1F20-4286-82EE-90A01FBFBCF1}"/>
+              </a:ext>
+            </a:extLst>
+          </p:cNvPr>
+          <p:cNvSpPr/>
+          <p:nvPr/>
+        </p:nvSpPr>
+        <p:spPr>
+          <a:xfrm>
+            <a:off x="3602966" y="997780"/>
             <a:ext cx="1654833" cy="408623"/>
           </a:xfrm>
           <a:prstGeom prst="roundRect">
@@ -36145,12 +40617,11 @@
           </a:bodyPr>
           <a:lstStyle/>
           <a:p>
-            <a:pPr algn="ctr"/>
             <a:r>
               <a:rPr lang="en-US" altLang="zh-CN" dirty="0">
                 <a:latin typeface="Berlin Sans FB Demi" panose="020E0802020502020306" pitchFamily="34" charset="0"/>
               </a:rPr>
-              <a:t>activestream</a:t>
+              <a:t>UDP mode</a:t>
             </a:r>
             <a:endParaRPr lang="zh-CN" altLang="en-US" dirty="0">
               <a:latin typeface="Berlin Sans FB Demi" panose="020E0802020502020306" pitchFamily="34" charset="0"/>
@@ -36160,10 +40631,10 @@
       </p:sp>
       <p:sp>
         <p:nvSpPr>
-          <p:cNvPr id="47" name="Rectangle: Rounded Corners 46">
-            <a:extLst>
-              <a:ext uri="{FF2B5EF4-FFF2-40B4-BE49-F238E27FC236}">
-                <a16:creationId xmlns:a16="http://schemas.microsoft.com/office/drawing/2014/main" id="{1F328B9A-9F38-4A99-8823-E1362167F3DE}"/>
+          <p:cNvPr id="39" name="Rectangle: Rounded Corners 38">
+            <a:extLst>
+              <a:ext uri="{FF2B5EF4-FFF2-40B4-BE49-F238E27FC236}">
+                <a16:creationId xmlns:a16="http://schemas.microsoft.com/office/drawing/2014/main" id="{D8B6EF3A-85A8-46F3-9DDB-B2A0CB7E9198}"/>
               </a:ext>
             </a:extLst>
           </p:cNvPr>
@@ -36172,8 +40643,8 @@
         </p:nvSpPr>
         <p:spPr>
           <a:xfrm>
-            <a:off x="2217511" y="3467183"/>
-            <a:ext cx="1575171" cy="408623"/>
+            <a:off x="7413915" y="1406404"/>
+            <a:ext cx="2762805" cy="408623"/>
           </a:xfrm>
           <a:prstGeom prst="roundRect">
             <a:avLst/>
@@ -36199,21 +40670,25 @@
           </a:bodyPr>
           <a:lstStyle/>
           <a:p>
+            <a:pPr algn="ctr"/>
             <a:r>
               <a:rPr lang="en-US" altLang="zh-CN" dirty="0">
                 <a:latin typeface="Berlin Sans FB Demi" panose="020E0802020502020306" pitchFamily="34" charset="0"/>
               </a:rPr>
-              <a:t>multiplexing </a:t>
-            </a:r>
-          </a:p>
-        </p:txBody>
-      </p:sp>
-      <p:sp>
-        <p:nvSpPr>
-          <p:cNvPr id="49" name="Rectangle: Rounded Corners 48">
-            <a:extLst>
-              <a:ext uri="{FF2B5EF4-FFF2-40B4-BE49-F238E27FC236}">
-                <a16:creationId xmlns:a16="http://schemas.microsoft.com/office/drawing/2014/main" id="{ADBB303A-D1BD-4912-938E-14B955DDF743}"/>
+              <a:t>HOST with TCP mode</a:t>
+            </a:r>
+            <a:endParaRPr lang="zh-CN" altLang="en-US" dirty="0">
+              <a:latin typeface="Berlin Sans FB Demi" panose="020E0802020502020306" pitchFamily="34" charset="0"/>
+            </a:endParaRPr>
+          </a:p>
+        </p:txBody>
+      </p:sp>
+      <p:sp>
+        <p:nvSpPr>
+          <p:cNvPr id="41" name="Rectangle: Rounded Corners 40">
+            <a:extLst>
+              <a:ext uri="{FF2B5EF4-FFF2-40B4-BE49-F238E27FC236}">
+                <a16:creationId xmlns:a16="http://schemas.microsoft.com/office/drawing/2014/main" id="{0FBA3F69-7837-4CA3-8D35-6D3B0B2231BB}"/>
               </a:ext>
             </a:extLst>
           </p:cNvPr>
@@ -36222,8 +40697,8 @@
         </p:nvSpPr>
         <p:spPr>
           <a:xfrm>
-            <a:off x="1656402" y="997781"/>
-            <a:ext cx="1575171" cy="408623"/>
+            <a:off x="6747556" y="2033666"/>
+            <a:ext cx="1886898" cy="408623"/>
           </a:xfrm>
           <a:prstGeom prst="roundRect">
             <a:avLst/>
@@ -36249,6 +40724,164 @@
           </a:bodyPr>
           <a:lstStyle/>
           <a:p>
+            <a:pPr algn="ctr"/>
+            <a:r>
+              <a:rPr lang="en-US" altLang="zh-CN" dirty="0">
+                <a:latin typeface="Berlin Sans FB Demi" panose="020E0802020502020306" pitchFamily="34" charset="0"/>
+              </a:rPr>
+              <a:t>passivestream</a:t>
+            </a:r>
+            <a:endParaRPr lang="zh-CN" altLang="en-US" dirty="0">
+              <a:latin typeface="Berlin Sans FB Demi" panose="020E0802020502020306" pitchFamily="34" charset="0"/>
+            </a:endParaRPr>
+          </a:p>
+        </p:txBody>
+      </p:sp>
+      <p:sp>
+        <p:nvSpPr>
+          <p:cNvPr id="43" name="Rectangle: Rounded Corners 42">
+            <a:extLst>
+              <a:ext uri="{FF2B5EF4-FFF2-40B4-BE49-F238E27FC236}">
+                <a16:creationId xmlns:a16="http://schemas.microsoft.com/office/drawing/2014/main" id="{161CBF48-2FED-4841-B7C9-14B754B32357}"/>
+              </a:ext>
+            </a:extLst>
+          </p:cNvPr>
+          <p:cNvSpPr/>
+          <p:nvPr/>
+        </p:nvSpPr>
+        <p:spPr>
+          <a:xfrm>
+            <a:off x="9043947" y="2033666"/>
+            <a:ext cx="1654833" cy="408623"/>
+          </a:xfrm>
+          <a:prstGeom prst="roundRect">
+            <a:avLst/>
+          </a:prstGeom>
+        </p:spPr>
+        <p:style>
+          <a:lnRef idx="1">
+            <a:schemeClr val="accent3"/>
+          </a:lnRef>
+          <a:fillRef idx="2">
+            <a:schemeClr val="accent3"/>
+          </a:fillRef>
+          <a:effectRef idx="1">
+            <a:schemeClr val="accent3"/>
+          </a:effectRef>
+          <a:fontRef idx="minor">
+            <a:schemeClr val="dk1"/>
+          </a:fontRef>
+        </p:style>
+        <p:txBody>
+          <a:bodyPr rtlCol="0" anchor="ctr">
+            <a:spAutoFit/>
+          </a:bodyPr>
+          <a:lstStyle/>
+          <a:p>
+            <a:pPr algn="ctr"/>
+            <a:r>
+              <a:rPr lang="en-US" altLang="zh-CN" dirty="0">
+                <a:latin typeface="Berlin Sans FB Demi" panose="020E0802020502020306" pitchFamily="34" charset="0"/>
+              </a:rPr>
+              <a:t>activestream</a:t>
+            </a:r>
+            <a:endParaRPr lang="zh-CN" altLang="en-US" dirty="0">
+              <a:latin typeface="Berlin Sans FB Demi" panose="020E0802020502020306" pitchFamily="34" charset="0"/>
+            </a:endParaRPr>
+          </a:p>
+        </p:txBody>
+      </p:sp>
+      <p:sp>
+        <p:nvSpPr>
+          <p:cNvPr id="47" name="Rectangle: Rounded Corners 46">
+            <a:extLst>
+              <a:ext uri="{FF2B5EF4-FFF2-40B4-BE49-F238E27FC236}">
+                <a16:creationId xmlns:a16="http://schemas.microsoft.com/office/drawing/2014/main" id="{1F328B9A-9F38-4A99-8823-E1362167F3DE}"/>
+              </a:ext>
+            </a:extLst>
+          </p:cNvPr>
+          <p:cNvSpPr/>
+          <p:nvPr/>
+        </p:nvSpPr>
+        <p:spPr>
+          <a:xfrm>
+            <a:off x="2217511" y="3467183"/>
+            <a:ext cx="1575171" cy="408623"/>
+          </a:xfrm>
+          <a:prstGeom prst="roundRect">
+            <a:avLst/>
+          </a:prstGeom>
+        </p:spPr>
+        <p:style>
+          <a:lnRef idx="1">
+            <a:schemeClr val="accent3"/>
+          </a:lnRef>
+          <a:fillRef idx="2">
+            <a:schemeClr val="accent3"/>
+          </a:fillRef>
+          <a:effectRef idx="1">
+            <a:schemeClr val="accent3"/>
+          </a:effectRef>
+          <a:fontRef idx="minor">
+            <a:schemeClr val="dk1"/>
+          </a:fontRef>
+        </p:style>
+        <p:txBody>
+          <a:bodyPr rtlCol="0" anchor="ctr">
+            <a:spAutoFit/>
+          </a:bodyPr>
+          <a:lstStyle/>
+          <a:p>
+            <a:r>
+              <a:rPr lang="en-US" altLang="zh-CN" dirty="0">
+                <a:latin typeface="Berlin Sans FB Demi" panose="020E0802020502020306" pitchFamily="34" charset="0"/>
+              </a:rPr>
+              <a:t>multiplexing </a:t>
+            </a:r>
+          </a:p>
+        </p:txBody>
+      </p:sp>
+      <p:sp>
+        <p:nvSpPr>
+          <p:cNvPr id="49" name="Rectangle: Rounded Corners 48">
+            <a:extLst>
+              <a:ext uri="{FF2B5EF4-FFF2-40B4-BE49-F238E27FC236}">
+                <a16:creationId xmlns:a16="http://schemas.microsoft.com/office/drawing/2014/main" id="{ADBB303A-D1BD-4912-938E-14B955DDF743}"/>
+              </a:ext>
+            </a:extLst>
+          </p:cNvPr>
+          <p:cNvSpPr/>
+          <p:nvPr/>
+        </p:nvSpPr>
+        <p:spPr>
+          <a:xfrm>
+            <a:off x="1656402" y="997781"/>
+            <a:ext cx="1575171" cy="408623"/>
+          </a:xfrm>
+          <a:prstGeom prst="roundRect">
+            <a:avLst/>
+          </a:prstGeom>
+        </p:spPr>
+        <p:style>
+          <a:lnRef idx="1">
+            <a:schemeClr val="accent3"/>
+          </a:lnRef>
+          <a:fillRef idx="2">
+            <a:schemeClr val="accent3"/>
+          </a:fillRef>
+          <a:effectRef idx="1">
+            <a:schemeClr val="accent3"/>
+          </a:effectRef>
+          <a:fontRef idx="minor">
+            <a:schemeClr val="dk1"/>
+          </a:fontRef>
+        </p:style>
+        <p:txBody>
+          <a:bodyPr rtlCol="0" anchor="ctr">
+            <a:spAutoFit/>
+          </a:bodyPr>
+          <a:lstStyle/>
+          <a:p>
             <a:r>
               <a:rPr lang="en-US" altLang="zh-CN" dirty="0">
                 <a:latin typeface="Berlin Sans FB Demi" panose="020E0802020502020306" pitchFamily="34" charset="0"/>
@@ -36274,7 +40907,7 @@
 </p:sld>
 </file>
 
-<file path=ppt/slides/slide41.xml><?xml version="1.0" encoding="utf-8"?>
+<file path=ppt/slides/slide44.xml><?xml version="1.0" encoding="utf-8"?>
 <p:sld xmlns:a="http://schemas.openxmlformats.org/drawingml/2006/main" xmlns:r="http://schemas.openxmlformats.org/officeDocument/2006/relationships" xmlns:p="http://schemas.openxmlformats.org/presentationml/2006/main">
   <p:cSld>
     <p:spTree>

--- a/docs.pptx
+++ b/docs.pptx
@@ -5,10 +5,10 @@
     <p:sldMasterId id="2147483648" r:id="rId1"/>
   </p:sldMasterIdLst>
   <p:notesMasterIdLst>
-    <p:notesMasterId r:id="rId46"/>
+    <p:notesMasterId r:id="rId49"/>
   </p:notesMasterIdLst>
   <p:handoutMasterIdLst>
-    <p:handoutMasterId r:id="rId47"/>
+    <p:handoutMasterId r:id="rId50"/>
   </p:handoutMasterIdLst>
   <p:sldIdLst>
     <p:sldId id="293" r:id="rId2"/>
@@ -52,9 +52,12 @@
     <p:sldId id="315" r:id="rId40"/>
     <p:sldId id="317" r:id="rId41"/>
     <p:sldId id="318" r:id="rId42"/>
-    <p:sldId id="316" r:id="rId43"/>
-    <p:sldId id="313" r:id="rId44"/>
-    <p:sldId id="312" r:id="rId45"/>
+    <p:sldId id="320" r:id="rId43"/>
+    <p:sldId id="321" r:id="rId44"/>
+    <p:sldId id="322" r:id="rId45"/>
+    <p:sldId id="316" r:id="rId46"/>
+    <p:sldId id="313" r:id="rId47"/>
+    <p:sldId id="312" r:id="rId48"/>
   </p:sldIdLst>
   <p:sldSz cx="12192000" cy="6858000"/>
   <p:notesSz cx="6858000" cy="9144000"/>
@@ -3951,7 +3954,7 @@
     </p:spTree>
     <p:extLst>
       <p:ext uri="{BB962C8B-B14F-4D97-AF65-F5344CB8AC3E}">
-        <p14:creationId xmlns:p14="http://schemas.microsoft.com/office/powerpoint/2010/main" val="518657317"/>
+        <p14:creationId xmlns:p14="http://schemas.microsoft.com/office/powerpoint/2010/main" val="1146228958"/>
       </p:ext>
     </p:extLst>
   </p:cSld>
@@ -4058,7 +4061,7 @@
     </p:spTree>
     <p:extLst>
       <p:ext uri="{BB962C8B-B14F-4D97-AF65-F5344CB8AC3E}">
-        <p14:creationId xmlns:p14="http://schemas.microsoft.com/office/powerpoint/2010/main" val="4240301719"/>
+        <p14:creationId xmlns:p14="http://schemas.microsoft.com/office/powerpoint/2010/main" val="3932688870"/>
       </p:ext>
     </p:extLst>
   </p:cSld>
@@ -4165,7 +4168,114 @@
     </p:spTree>
     <p:extLst>
       <p:ext uri="{BB962C8B-B14F-4D97-AF65-F5344CB8AC3E}">
-        <p14:creationId xmlns:p14="http://schemas.microsoft.com/office/powerpoint/2010/main" val="2496081276"/>
+        <p14:creationId xmlns:p14="http://schemas.microsoft.com/office/powerpoint/2010/main" val="3804703276"/>
+      </p:ext>
+    </p:extLst>
+  </p:cSld>
+  <p:clrMapOvr>
+    <a:masterClrMapping/>
+  </p:clrMapOvr>
+</p:notes>
+</file>
+
+<file path=ppt/notesSlides/notesSlide39.xml><?xml version="1.0" encoding="utf-8"?>
+<p:notes xmlns:a="http://schemas.openxmlformats.org/drawingml/2006/main" xmlns:r="http://schemas.openxmlformats.org/officeDocument/2006/relationships" xmlns:p="http://schemas.openxmlformats.org/presentationml/2006/main">
+  <p:cSld>
+    <p:spTree>
+      <p:nvGrpSpPr>
+        <p:cNvPr id="1" name=""/>
+        <p:cNvGrpSpPr/>
+        <p:nvPr/>
+      </p:nvGrpSpPr>
+      <p:grpSpPr>
+        <a:xfrm>
+          <a:off x="0" y="0"/>
+          <a:ext cx="0" cy="0"/>
+          <a:chOff x="0" y="0"/>
+          <a:chExt cx="0" cy="0"/>
+        </a:xfrm>
+      </p:grpSpPr>
+      <p:sp>
+        <p:nvSpPr>
+          <p:cNvPr id="2" name="Slide Image Placeholder 1"/>
+          <p:cNvSpPr>
+            <a:spLocks noGrp="1" noRot="1" noChangeAspect="1"/>
+          </p:cNvSpPr>
+          <p:nvPr>
+            <p:ph type="sldImg"/>
+          </p:nvPr>
+        </p:nvSpPr>
+        <p:spPr/>
+      </p:sp>
+      <p:sp>
+        <p:nvSpPr>
+          <p:cNvPr id="3" name="Notes Placeholder 2"/>
+          <p:cNvSpPr>
+            <a:spLocks noGrp="1"/>
+          </p:cNvSpPr>
+          <p:nvPr>
+            <p:ph type="body" idx="1"/>
+          </p:nvPr>
+        </p:nvSpPr>
+        <p:spPr/>
+        <p:txBody>
+          <a:bodyPr/>
+          <a:lstStyle/>
+          <a:p>
+            <a:pPr marL="0" marR="0" lvl="0" indent="0" algn="l" defTabSz="914400" rtl="0" eaLnBrk="1" fontAlgn="auto" latinLnBrk="0" hangingPunct="1">
+              <a:lnSpc>
+                <a:spcPct val="100000"/>
+              </a:lnSpc>
+              <a:spcBef>
+                <a:spcPts val="0"/>
+              </a:spcBef>
+              <a:spcAft>
+                <a:spcPts val="0"/>
+              </a:spcAft>
+              <a:buClrTx/>
+              <a:buSzTx/>
+              <a:buFontTx/>
+              <a:buNone/>
+              <a:tabLst/>
+              <a:defRPr/>
+            </a:pPr>
+            <a:endParaRPr lang="en-US" altLang="zh-CN" dirty="0"/>
+          </a:p>
+        </p:txBody>
+      </p:sp>
+      <p:sp>
+        <p:nvSpPr>
+          <p:cNvPr id="5" name="Header Placeholder 4">
+            <a:extLst>
+              <a:ext uri="{FF2B5EF4-FFF2-40B4-BE49-F238E27FC236}">
+                <a16:creationId xmlns:a16="http://schemas.microsoft.com/office/drawing/2014/main" id="{8B210C9E-C718-46D6-ABB0-7C4CD2082A98}"/>
+              </a:ext>
+            </a:extLst>
+          </p:cNvPr>
+          <p:cNvSpPr>
+            <a:spLocks noGrp="1"/>
+          </p:cNvSpPr>
+          <p:nvPr>
+            <p:ph type="hdr" sz="quarter" idx="10"/>
+          </p:nvPr>
+        </p:nvSpPr>
+        <p:spPr/>
+        <p:txBody>
+          <a:bodyPr/>
+          <a:lstStyle/>
+          <a:p>
+            <a:r>
+              <a:rPr lang="en-US" altLang="zh-CN"/>
+              <a:t>USE CASE</a:t>
+            </a:r>
+            <a:endParaRPr lang="zh-CN" altLang="en-US"/>
+          </a:p>
+        </p:txBody>
+      </p:sp>
+    </p:spTree>
+    <p:extLst>
+      <p:ext uri="{BB962C8B-B14F-4D97-AF65-F5344CB8AC3E}">
+        <p14:creationId xmlns:p14="http://schemas.microsoft.com/office/powerpoint/2010/main" val="518657317"/>
       </p:ext>
     </p:extLst>
   </p:cSld>
@@ -4273,6 +4383,220 @@
     <p:extLst>
       <p:ext uri="{BB962C8B-B14F-4D97-AF65-F5344CB8AC3E}">
         <p14:creationId xmlns:p14="http://schemas.microsoft.com/office/powerpoint/2010/main" val="4013829837"/>
+      </p:ext>
+    </p:extLst>
+  </p:cSld>
+  <p:clrMapOvr>
+    <a:masterClrMapping/>
+  </p:clrMapOvr>
+</p:notes>
+</file>
+
+<file path=ppt/notesSlides/notesSlide40.xml><?xml version="1.0" encoding="utf-8"?>
+<p:notes xmlns:a="http://schemas.openxmlformats.org/drawingml/2006/main" xmlns:r="http://schemas.openxmlformats.org/officeDocument/2006/relationships" xmlns:p="http://schemas.openxmlformats.org/presentationml/2006/main">
+  <p:cSld>
+    <p:spTree>
+      <p:nvGrpSpPr>
+        <p:cNvPr id="1" name=""/>
+        <p:cNvGrpSpPr/>
+        <p:nvPr/>
+      </p:nvGrpSpPr>
+      <p:grpSpPr>
+        <a:xfrm>
+          <a:off x="0" y="0"/>
+          <a:ext cx="0" cy="0"/>
+          <a:chOff x="0" y="0"/>
+          <a:chExt cx="0" cy="0"/>
+        </a:xfrm>
+      </p:grpSpPr>
+      <p:sp>
+        <p:nvSpPr>
+          <p:cNvPr id="2" name="Slide Image Placeholder 1"/>
+          <p:cNvSpPr>
+            <a:spLocks noGrp="1" noRot="1" noChangeAspect="1"/>
+          </p:cNvSpPr>
+          <p:nvPr>
+            <p:ph type="sldImg"/>
+          </p:nvPr>
+        </p:nvSpPr>
+        <p:spPr/>
+      </p:sp>
+      <p:sp>
+        <p:nvSpPr>
+          <p:cNvPr id="3" name="Notes Placeholder 2"/>
+          <p:cNvSpPr>
+            <a:spLocks noGrp="1"/>
+          </p:cNvSpPr>
+          <p:nvPr>
+            <p:ph type="body" idx="1"/>
+          </p:nvPr>
+        </p:nvSpPr>
+        <p:spPr/>
+        <p:txBody>
+          <a:bodyPr/>
+          <a:lstStyle/>
+          <a:p>
+            <a:pPr marL="0" marR="0" lvl="0" indent="0" algn="l" defTabSz="914400" rtl="0" eaLnBrk="1" fontAlgn="auto" latinLnBrk="0" hangingPunct="1">
+              <a:lnSpc>
+                <a:spcPct val="100000"/>
+              </a:lnSpc>
+              <a:spcBef>
+                <a:spcPts val="0"/>
+              </a:spcBef>
+              <a:spcAft>
+                <a:spcPts val="0"/>
+              </a:spcAft>
+              <a:buClrTx/>
+              <a:buSzTx/>
+              <a:buFontTx/>
+              <a:buNone/>
+              <a:tabLst/>
+              <a:defRPr/>
+            </a:pPr>
+            <a:endParaRPr lang="en-US" altLang="zh-CN" dirty="0"/>
+          </a:p>
+        </p:txBody>
+      </p:sp>
+      <p:sp>
+        <p:nvSpPr>
+          <p:cNvPr id="5" name="Header Placeholder 4">
+            <a:extLst>
+              <a:ext uri="{FF2B5EF4-FFF2-40B4-BE49-F238E27FC236}">
+                <a16:creationId xmlns:a16="http://schemas.microsoft.com/office/drawing/2014/main" id="{8B210C9E-C718-46D6-ABB0-7C4CD2082A98}"/>
+              </a:ext>
+            </a:extLst>
+          </p:cNvPr>
+          <p:cNvSpPr>
+            <a:spLocks noGrp="1"/>
+          </p:cNvSpPr>
+          <p:nvPr>
+            <p:ph type="hdr" sz="quarter" idx="10"/>
+          </p:nvPr>
+        </p:nvSpPr>
+        <p:spPr/>
+        <p:txBody>
+          <a:bodyPr/>
+          <a:lstStyle/>
+          <a:p>
+            <a:r>
+              <a:rPr lang="en-US" altLang="zh-CN"/>
+              <a:t>USE CASE</a:t>
+            </a:r>
+            <a:endParaRPr lang="zh-CN" altLang="en-US"/>
+          </a:p>
+        </p:txBody>
+      </p:sp>
+    </p:spTree>
+    <p:extLst>
+      <p:ext uri="{BB962C8B-B14F-4D97-AF65-F5344CB8AC3E}">
+        <p14:creationId xmlns:p14="http://schemas.microsoft.com/office/powerpoint/2010/main" val="4240301719"/>
+      </p:ext>
+    </p:extLst>
+  </p:cSld>
+  <p:clrMapOvr>
+    <a:masterClrMapping/>
+  </p:clrMapOvr>
+</p:notes>
+</file>
+
+<file path=ppt/notesSlides/notesSlide41.xml><?xml version="1.0" encoding="utf-8"?>
+<p:notes xmlns:a="http://schemas.openxmlformats.org/drawingml/2006/main" xmlns:r="http://schemas.openxmlformats.org/officeDocument/2006/relationships" xmlns:p="http://schemas.openxmlformats.org/presentationml/2006/main">
+  <p:cSld>
+    <p:spTree>
+      <p:nvGrpSpPr>
+        <p:cNvPr id="1" name=""/>
+        <p:cNvGrpSpPr/>
+        <p:nvPr/>
+      </p:nvGrpSpPr>
+      <p:grpSpPr>
+        <a:xfrm>
+          <a:off x="0" y="0"/>
+          <a:ext cx="0" cy="0"/>
+          <a:chOff x="0" y="0"/>
+          <a:chExt cx="0" cy="0"/>
+        </a:xfrm>
+      </p:grpSpPr>
+      <p:sp>
+        <p:nvSpPr>
+          <p:cNvPr id="2" name="Slide Image Placeholder 1"/>
+          <p:cNvSpPr>
+            <a:spLocks noGrp="1" noRot="1" noChangeAspect="1"/>
+          </p:cNvSpPr>
+          <p:nvPr>
+            <p:ph type="sldImg"/>
+          </p:nvPr>
+        </p:nvSpPr>
+        <p:spPr/>
+      </p:sp>
+      <p:sp>
+        <p:nvSpPr>
+          <p:cNvPr id="3" name="Notes Placeholder 2"/>
+          <p:cNvSpPr>
+            <a:spLocks noGrp="1"/>
+          </p:cNvSpPr>
+          <p:nvPr>
+            <p:ph type="body" idx="1"/>
+          </p:nvPr>
+        </p:nvSpPr>
+        <p:spPr/>
+        <p:txBody>
+          <a:bodyPr/>
+          <a:lstStyle/>
+          <a:p>
+            <a:pPr marL="0" marR="0" lvl="0" indent="0" algn="l" defTabSz="914400" rtl="0" eaLnBrk="1" fontAlgn="auto" latinLnBrk="0" hangingPunct="1">
+              <a:lnSpc>
+                <a:spcPct val="100000"/>
+              </a:lnSpc>
+              <a:spcBef>
+                <a:spcPts val="0"/>
+              </a:spcBef>
+              <a:spcAft>
+                <a:spcPts val="0"/>
+              </a:spcAft>
+              <a:buClrTx/>
+              <a:buSzTx/>
+              <a:buFontTx/>
+              <a:buNone/>
+              <a:tabLst/>
+              <a:defRPr/>
+            </a:pPr>
+            <a:endParaRPr lang="en-US" altLang="zh-CN" dirty="0"/>
+          </a:p>
+        </p:txBody>
+      </p:sp>
+      <p:sp>
+        <p:nvSpPr>
+          <p:cNvPr id="5" name="Header Placeholder 4">
+            <a:extLst>
+              <a:ext uri="{FF2B5EF4-FFF2-40B4-BE49-F238E27FC236}">
+                <a16:creationId xmlns:a16="http://schemas.microsoft.com/office/drawing/2014/main" id="{8B210C9E-C718-46D6-ABB0-7C4CD2082A98}"/>
+              </a:ext>
+            </a:extLst>
+          </p:cNvPr>
+          <p:cNvSpPr>
+            <a:spLocks noGrp="1"/>
+          </p:cNvSpPr>
+          <p:nvPr>
+            <p:ph type="hdr" sz="quarter" idx="10"/>
+          </p:nvPr>
+        </p:nvSpPr>
+        <p:spPr/>
+        <p:txBody>
+          <a:bodyPr/>
+          <a:lstStyle/>
+          <a:p>
+            <a:r>
+              <a:rPr lang="en-US" altLang="zh-CN"/>
+              <a:t>USE CASE</a:t>
+            </a:r>
+            <a:endParaRPr lang="zh-CN" altLang="en-US"/>
+          </a:p>
+        </p:txBody>
+      </p:sp>
+    </p:spTree>
+    <p:extLst>
+      <p:ext uri="{BB962C8B-B14F-4D97-AF65-F5344CB8AC3E}">
+        <p14:creationId xmlns:p14="http://schemas.microsoft.com/office/powerpoint/2010/main" val="2496081276"/>
       </p:ext>
     </p:extLst>
   </p:cSld>
@@ -4959,7 +5283,7 @@
           <a:p>
             <a:fld id="{B2CAF260-C6E5-43C1-AB7D-1DDC31487812}" type="datetime1">
               <a:rPr lang="zh-CN" altLang="en-US" smtClean="0"/>
-              <a:t>2018/10/29</a:t>
+              <a:t>2018/11/7</a:t>
             </a:fld>
             <a:endParaRPr lang="zh-CN" altLang="en-US"/>
           </a:p>
@@ -5159,7 +5483,7 @@
           <a:p>
             <a:fld id="{E2FDE29B-B267-43B7-911F-8B7B5178DAAA}" type="datetime1">
               <a:rPr lang="zh-CN" altLang="en-US" smtClean="0"/>
-              <a:t>2018/10/29</a:t>
+              <a:t>2018/11/7</a:t>
             </a:fld>
             <a:endParaRPr lang="zh-CN" altLang="en-US"/>
           </a:p>
@@ -5369,7 +5693,7 @@
           <a:p>
             <a:fld id="{58F69AEE-EBB5-4094-A036-258B6CD5A691}" type="datetime1">
               <a:rPr lang="zh-CN" altLang="en-US" smtClean="0"/>
-              <a:t>2018/10/29</a:t>
+              <a:t>2018/11/7</a:t>
             </a:fld>
             <a:endParaRPr lang="zh-CN" altLang="en-US"/>
           </a:p>
@@ -5569,7 +5893,7 @@
           <a:p>
             <a:fld id="{EA0C55B6-15F8-47F2-BA17-6667D0884E94}" type="datetime1">
               <a:rPr lang="zh-CN" altLang="en-US" smtClean="0"/>
-              <a:t>2018/10/29</a:t>
+              <a:t>2018/11/7</a:t>
             </a:fld>
             <a:endParaRPr lang="zh-CN" altLang="en-US"/>
           </a:p>
@@ -5845,7 +6169,7 @@
           <a:p>
             <a:fld id="{E16475AB-DF1D-43B5-9314-A34969FDFCF1}" type="datetime1">
               <a:rPr lang="zh-CN" altLang="en-US" smtClean="0"/>
-              <a:t>2018/10/29</a:t>
+              <a:t>2018/11/7</a:t>
             </a:fld>
             <a:endParaRPr lang="zh-CN" altLang="en-US"/>
           </a:p>
@@ -6113,7 +6437,7 @@
           <a:p>
             <a:fld id="{3767A592-7E27-4E7D-A9C7-3B15B36FAD3A}" type="datetime1">
               <a:rPr lang="zh-CN" altLang="en-US" smtClean="0"/>
-              <a:t>2018/10/29</a:t>
+              <a:t>2018/11/7</a:t>
             </a:fld>
             <a:endParaRPr lang="zh-CN" altLang="en-US"/>
           </a:p>
@@ -6528,7 +6852,7 @@
           <a:p>
             <a:fld id="{7901F99E-C60E-4183-B8FD-840AF5CE3B57}" type="datetime1">
               <a:rPr lang="zh-CN" altLang="en-US" smtClean="0"/>
-              <a:t>2018/10/29</a:t>
+              <a:t>2018/11/7</a:t>
             </a:fld>
             <a:endParaRPr lang="zh-CN" altLang="en-US"/>
           </a:p>
@@ -6670,7 +6994,7 @@
           <a:p>
             <a:fld id="{7B195C80-D524-46BD-98B6-BA22A34855F7}" type="datetime1">
               <a:rPr lang="zh-CN" altLang="en-US" smtClean="0"/>
-              <a:t>2018/10/29</a:t>
+              <a:t>2018/11/7</a:t>
             </a:fld>
             <a:endParaRPr lang="zh-CN" altLang="en-US"/>
           </a:p>
@@ -6783,7 +7107,7 @@
           <a:p>
             <a:fld id="{B58FE623-1036-4545-9983-CC7ABA14B150}" type="datetime1">
               <a:rPr lang="zh-CN" altLang="en-US" smtClean="0"/>
-              <a:t>2018/10/29</a:t>
+              <a:t>2018/11/7</a:t>
             </a:fld>
             <a:endParaRPr lang="zh-CN" altLang="en-US"/>
           </a:p>
@@ -7096,7 +7420,7 @@
           <a:p>
             <a:fld id="{CA65BC31-ADFA-4939-ADF1-A57605AB2556}" type="datetime1">
               <a:rPr lang="zh-CN" altLang="en-US" smtClean="0"/>
-              <a:t>2018/10/29</a:t>
+              <a:t>2018/11/7</a:t>
             </a:fld>
             <a:endParaRPr lang="zh-CN" altLang="en-US"/>
           </a:p>
@@ -7385,7 +7709,7 @@
           <a:p>
             <a:fld id="{40F03ED0-6E5F-48BB-90A8-AD1EC3E9AF09}" type="datetime1">
               <a:rPr lang="zh-CN" altLang="en-US" smtClean="0"/>
-              <a:t>2018/10/29</a:t>
+              <a:t>2018/11/7</a:t>
             </a:fld>
             <a:endParaRPr lang="zh-CN" altLang="en-US"/>
           </a:p>
@@ -7628,7 +7952,7 @@
           <a:p>
             <a:fld id="{7BE51BE7-2DB2-422B-A0F1-EEC574E16519}" type="datetime1">
               <a:rPr lang="zh-CN" altLang="en-US" smtClean="0"/>
-              <a:t>2018/10/29</a:t>
+              <a:t>2018/11/7</a:t>
             </a:fld>
             <a:endParaRPr lang="zh-CN" altLang="en-US"/>
           </a:p>
@@ -40227,10 +40551,10 @@
       </p:grpSpPr>
       <p:sp>
         <p:nvSpPr>
-          <p:cNvPr id="19" name="Rectangle: Rounded Corners 18">
-            <a:extLst>
-              <a:ext uri="{FF2B5EF4-FFF2-40B4-BE49-F238E27FC236}">
-                <a16:creationId xmlns:a16="http://schemas.microsoft.com/office/drawing/2014/main" id="{63B16C67-4A99-4825-86E0-C0C4592F9A7A}"/>
+          <p:cNvPr id="88" name="Rectangle 87">
+            <a:extLst>
+              <a:ext uri="{FF2B5EF4-FFF2-40B4-BE49-F238E27FC236}">
+                <a16:creationId xmlns:a16="http://schemas.microsoft.com/office/drawing/2014/main" id="{13B4D670-09E3-452D-A274-253A09306901}"/>
               </a:ext>
             </a:extLst>
           </p:cNvPr>
@@ -40239,13 +40563,139 @@
         </p:nvSpPr>
         <p:spPr>
           <a:xfrm>
-            <a:off x="339436" y="258126"/>
-            <a:ext cx="3556289" cy="2589849"/>
+            <a:off x="4034010" y="427672"/>
+            <a:ext cx="45719" cy="6411277"/>
+          </a:xfrm>
+          <a:prstGeom prst="rect">
+            <a:avLst/>
+          </a:prstGeom>
+        </p:spPr>
+        <p:style>
+          <a:lnRef idx="1">
+            <a:schemeClr val="accent6"/>
+          </a:lnRef>
+          <a:fillRef idx="3">
+            <a:schemeClr val="accent6"/>
+          </a:fillRef>
+          <a:effectRef idx="2">
+            <a:schemeClr val="accent6"/>
+          </a:effectRef>
+          <a:fontRef idx="minor">
+            <a:schemeClr val="lt1"/>
+          </a:fontRef>
+        </p:style>
+        <p:txBody>
+          <a:bodyPr rtlCol="0" anchor="ctr"/>
+          <a:lstStyle/>
+          <a:p>
+            <a:pPr algn="ctr"/>
+            <a:endParaRPr lang="zh-CN" altLang="en-US"/>
+          </a:p>
+        </p:txBody>
+      </p:sp>
+      <p:cxnSp>
+        <p:nvCxnSpPr>
+          <p:cNvPr id="87" name="Straight Arrow Connector 86">
+            <a:extLst>
+              <a:ext uri="{FF2B5EF4-FFF2-40B4-BE49-F238E27FC236}">
+                <a16:creationId xmlns:a16="http://schemas.microsoft.com/office/drawing/2014/main" id="{D872D749-3D4E-4223-A16E-63325AEC16EA}"/>
+              </a:ext>
+            </a:extLst>
+          </p:cNvPr>
+          <p:cNvCxnSpPr>
+            <a:stCxn id="60" idx="2"/>
+            <a:endCxn id="61" idx="0"/>
+          </p:cNvCxnSpPr>
+          <p:nvPr/>
+        </p:nvCxnSpPr>
+        <p:spPr>
+          <a:xfrm flipH="1">
+            <a:off x="10115548" y="5439439"/>
+            <a:ext cx="1" cy="939322"/>
+          </a:xfrm>
+          <a:prstGeom prst="straightConnector1">
+            <a:avLst/>
+          </a:prstGeom>
+          <a:ln>
+            <a:tailEnd type="triangle"/>
+          </a:ln>
+        </p:spPr>
+        <p:style>
+          <a:lnRef idx="1">
+            <a:schemeClr val="accent1"/>
+          </a:lnRef>
+          <a:fillRef idx="0">
+            <a:schemeClr val="accent1"/>
+          </a:fillRef>
+          <a:effectRef idx="0">
+            <a:schemeClr val="accent1"/>
+          </a:effectRef>
+          <a:fontRef idx="minor">
+            <a:schemeClr val="tx1"/>
+          </a:fontRef>
+        </p:style>
+      </p:cxnSp>
+      <p:cxnSp>
+        <p:nvCxnSpPr>
+          <p:cNvPr id="84" name="Straight Arrow Connector 83">
+            <a:extLst>
+              <a:ext uri="{FF2B5EF4-FFF2-40B4-BE49-F238E27FC236}">
+                <a16:creationId xmlns:a16="http://schemas.microsoft.com/office/drawing/2014/main" id="{60586CEC-3AD0-4549-9060-A38FD1897ACF}"/>
+              </a:ext>
+            </a:extLst>
+          </p:cNvPr>
+          <p:cNvCxnSpPr>
+            <a:stCxn id="48" idx="2"/>
+            <a:endCxn id="77" idx="0"/>
+          </p:cNvCxnSpPr>
+          <p:nvPr/>
+        </p:nvCxnSpPr>
+        <p:spPr>
+          <a:xfrm>
+            <a:off x="8329612" y="2223941"/>
+            <a:ext cx="1" cy="1862716"/>
+          </a:xfrm>
+          <a:prstGeom prst="straightConnector1">
+            <a:avLst/>
+          </a:prstGeom>
+          <a:ln>
+            <a:tailEnd type="triangle"/>
+          </a:ln>
+        </p:spPr>
+        <p:style>
+          <a:lnRef idx="1">
+            <a:schemeClr val="accent1"/>
+          </a:lnRef>
+          <a:fillRef idx="0">
+            <a:schemeClr val="accent1"/>
+          </a:fillRef>
+          <a:effectRef idx="0">
+            <a:schemeClr val="accent1"/>
+          </a:effectRef>
+          <a:fontRef idx="minor">
+            <a:schemeClr val="tx1"/>
+          </a:fontRef>
+        </p:style>
+      </p:cxnSp>
+      <p:sp>
+        <p:nvSpPr>
+          <p:cNvPr id="42" name="Rectangle: Rounded Corners 41">
+            <a:extLst>
+              <a:ext uri="{FF2B5EF4-FFF2-40B4-BE49-F238E27FC236}">
+                <a16:creationId xmlns:a16="http://schemas.microsoft.com/office/drawing/2014/main" id="{D6ADFB79-5176-4FB1-8294-D7E502D26354}"/>
+              </a:ext>
+            </a:extLst>
+          </p:cNvPr>
+          <p:cNvSpPr/>
+          <p:nvPr/>
+        </p:nvSpPr>
+        <p:spPr>
+          <a:xfrm>
+            <a:off x="3401722" y="19050"/>
+            <a:ext cx="1356014" cy="408623"/>
           </a:xfrm>
           <a:prstGeom prst="roundRect">
-            <a:avLst>
-              <a:gd name="adj" fmla="val 2347"/>
-            </a:avLst>
+            <a:avLst/>
           </a:prstGeom>
         </p:spPr>
         <p:style>
@@ -40263,27 +40713,26 @@
           </a:fontRef>
         </p:style>
         <p:txBody>
-          <a:bodyPr rtlCol="0" anchor="t" anchorCtr="0">
-            <a:noAutofit/>
+          <a:bodyPr wrap="square" rtlCol="0" anchor="ctr">
+            <a:spAutoFit/>
           </a:bodyPr>
           <a:lstStyle/>
           <a:p>
-            <a:pPr algn="ctr"/>
             <a:r>
               <a:rPr lang="en-US" altLang="zh-CN" dirty="0">
                 <a:latin typeface="Berlin Sans FB Demi" panose="020E0802020502020306" pitchFamily="34" charset="0"/>
               </a:rPr>
-              <a:t>candidate</a:t>
-            </a:r>
-          </a:p>
-        </p:txBody>
-      </p:sp>
-      <p:sp>
-        <p:nvSpPr>
-          <p:cNvPr id="29" name="Rectangle: Rounded Corners 28">
-            <a:extLst>
-              <a:ext uri="{FF2B5EF4-FFF2-40B4-BE49-F238E27FC236}">
-                <a16:creationId xmlns:a16="http://schemas.microsoft.com/office/drawing/2014/main" id="{F6BDF21F-B86D-4F25-B7B8-DA75FED78400}"/>
+              <a:t>Candidate</a:t>
+            </a:r>
+          </a:p>
+        </p:txBody>
+      </p:sp>
+      <p:sp>
+        <p:nvSpPr>
+          <p:cNvPr id="21" name="Rectangle: Single Corner Rounded 20">
+            <a:extLst>
+              <a:ext uri="{FF2B5EF4-FFF2-40B4-BE49-F238E27FC236}">
+                <a16:creationId xmlns:a16="http://schemas.microsoft.com/office/drawing/2014/main" id="{AC808267-63C4-49EA-B387-1A1497E1A10C}"/>
               </a:ext>
             </a:extLst>
           </p:cNvPr>
@@ -40292,26 +40741,182 @@
         </p:nvSpPr>
         <p:spPr>
           <a:xfrm>
-            <a:off x="339436" y="1136684"/>
-            <a:ext cx="3556289" cy="334986"/>
-          </a:xfrm>
-          <a:prstGeom prst="roundRect">
-            <a:avLst/>
-          </a:prstGeom>
-          <a:solidFill>
-            <a:schemeClr val="accent3">
-              <a:lumMod val="60000"/>
-              <a:lumOff val="40000"/>
+            <a:off x="66678" y="2678274"/>
+            <a:ext cx="2066925" cy="461665"/>
+          </a:xfrm>
+          <a:prstGeom prst="round1Rect">
+            <a:avLst/>
+          </a:prstGeom>
+        </p:spPr>
+        <p:style>
+          <a:lnRef idx="2">
+            <a:schemeClr val="accent6">
+              <a:shade val="50000"/>
             </a:schemeClr>
-          </a:solidFill>
-          <a:ln>
-            <a:solidFill>
-              <a:schemeClr val="accent3">
-                <a:lumMod val="20000"/>
-                <a:lumOff val="80000"/>
-              </a:schemeClr>
-            </a:solidFill>
-          </a:ln>
+          </a:lnRef>
+          <a:fillRef idx="1">
+            <a:schemeClr val="accent6"/>
+          </a:fillRef>
+          <a:effectRef idx="0">
+            <a:schemeClr val="accent6"/>
+          </a:effectRef>
+          <a:fontRef idx="minor">
+            <a:schemeClr val="lt1"/>
+          </a:fontRef>
+        </p:style>
+        <p:txBody>
+          <a:bodyPr rtlCol="0" anchor="ctr">
+            <a:spAutoFit/>
+          </a:bodyPr>
+          <a:lstStyle/>
+          <a:p>
+            <a:pPr algn="ctr"/>
+            <a:r>
+              <a:rPr lang="en-US" altLang="zh-CN" sz="2400" dirty="0">
+                <a:latin typeface="DFMincho-SU" panose="02010609010101010101" pitchFamily="1" charset="-128"/>
+                <a:ea typeface="DFMincho-SU" panose="02010609010101010101" pitchFamily="1" charset="-128"/>
+              </a:rPr>
+              <a:t>recv_thread</a:t>
+            </a:r>
+            <a:endParaRPr lang="zh-CN" altLang="en-US" sz="2400" dirty="0">
+              <a:latin typeface="DFMincho-SU" panose="02010609010101010101" pitchFamily="1" charset="-128"/>
+              <a:ea typeface="DFMincho-SU" panose="02010609010101010101" pitchFamily="1" charset="-128"/>
+            </a:endParaRPr>
+          </a:p>
+        </p:txBody>
+      </p:sp>
+      <p:sp>
+        <p:nvSpPr>
+          <p:cNvPr id="44" name="Rectangle: Single Corner Rounded 43">
+            <a:extLst>
+              <a:ext uri="{FF2B5EF4-FFF2-40B4-BE49-F238E27FC236}">
+                <a16:creationId xmlns:a16="http://schemas.microsoft.com/office/drawing/2014/main" id="{99655F4C-A2E1-437A-9EFB-FFB3967485BA}"/>
+              </a:ext>
+            </a:extLst>
+          </p:cNvPr>
+          <p:cNvSpPr/>
+          <p:nvPr/>
+        </p:nvSpPr>
+        <p:spPr>
+          <a:xfrm>
+            <a:off x="6991349" y="263808"/>
+            <a:ext cx="2676525" cy="461665"/>
+          </a:xfrm>
+          <a:prstGeom prst="round1Rect">
+            <a:avLst/>
+          </a:prstGeom>
+        </p:spPr>
+        <p:style>
+          <a:lnRef idx="0">
+            <a:schemeClr val="accent6"/>
+          </a:lnRef>
+          <a:fillRef idx="3">
+            <a:schemeClr val="accent6"/>
+          </a:fillRef>
+          <a:effectRef idx="3">
+            <a:schemeClr val="accent6"/>
+          </a:effectRef>
+          <a:fontRef idx="minor">
+            <a:schemeClr val="lt1"/>
+          </a:fontRef>
+        </p:style>
+        <p:txBody>
+          <a:bodyPr rtlCol="0" anchor="ctr">
+            <a:spAutoFit/>
+          </a:bodyPr>
+          <a:lstStyle/>
+          <a:p>
+            <a:pPr algn="ctr"/>
+            <a:r>
+              <a:rPr lang="en-US" altLang="zh-CN" sz="2400" dirty="0">
+                <a:latin typeface="DFMincho-SU" panose="02010609010101010101" pitchFamily="1" charset="-128"/>
+                <a:ea typeface="DFMincho-SU" panose="02010609010101010101" pitchFamily="1" charset="-128"/>
+              </a:rPr>
+              <a:t>gather_thread</a:t>
+            </a:r>
+            <a:endParaRPr lang="zh-CN" altLang="en-US" sz="2400" dirty="0">
+              <a:latin typeface="DFMincho-SU" panose="02010609010101010101" pitchFamily="1" charset="-128"/>
+              <a:ea typeface="DFMincho-SU" panose="02010609010101010101" pitchFamily="1" charset="-128"/>
+            </a:endParaRPr>
+          </a:p>
+        </p:txBody>
+      </p:sp>
+      <p:sp>
+        <p:nvSpPr>
+          <p:cNvPr id="45" name="Rectangle: Single Corner Rounded 44">
+            <a:extLst>
+              <a:ext uri="{FF2B5EF4-FFF2-40B4-BE49-F238E27FC236}">
+                <a16:creationId xmlns:a16="http://schemas.microsoft.com/office/drawing/2014/main" id="{B3AD826E-8135-4751-9981-A837195BD620}"/>
+              </a:ext>
+            </a:extLst>
+          </p:cNvPr>
+          <p:cNvSpPr/>
+          <p:nvPr/>
+        </p:nvSpPr>
+        <p:spPr>
+          <a:xfrm>
+            <a:off x="66678" y="1688190"/>
+            <a:ext cx="3257549" cy="461665"/>
+          </a:xfrm>
+          <a:prstGeom prst="round1Rect">
+            <a:avLst/>
+          </a:prstGeom>
+        </p:spPr>
+        <p:style>
+          <a:lnRef idx="1">
+            <a:schemeClr val="accent3"/>
+          </a:lnRef>
+          <a:fillRef idx="3">
+            <a:schemeClr val="accent3"/>
+          </a:fillRef>
+          <a:effectRef idx="2">
+            <a:schemeClr val="accent3"/>
+          </a:effectRef>
+          <a:fontRef idx="minor">
+            <a:schemeClr val="lt1"/>
+          </a:fontRef>
+        </p:style>
+        <p:txBody>
+          <a:bodyPr rtlCol="0" anchor="ctr">
+            <a:spAutoFit/>
+          </a:bodyPr>
+          <a:lstStyle/>
+          <a:p>
+            <a:pPr algn="ctr"/>
+            <a:r>
+              <a:rPr lang="en-US" altLang="zh-CN" sz="2400" dirty="0">
+                <a:latin typeface="DFMincho-SU" panose="02010609010101010101" pitchFamily="1" charset="-128"/>
+                <a:ea typeface="DFMincho-SU" panose="02010609010101010101" pitchFamily="1" charset="-128"/>
+              </a:rPr>
+              <a:t>connectivity_thread</a:t>
+            </a:r>
+            <a:endParaRPr lang="zh-CN" altLang="en-US" sz="2400" dirty="0">
+              <a:latin typeface="DFMincho-SU" panose="02010609010101010101" pitchFamily="1" charset="-128"/>
+              <a:ea typeface="DFMincho-SU" panose="02010609010101010101" pitchFamily="1" charset="-128"/>
+            </a:endParaRPr>
+          </a:p>
+        </p:txBody>
+      </p:sp>
+      <p:sp>
+        <p:nvSpPr>
+          <p:cNvPr id="48" name="Rectangle: Single Corner Rounded 47">
+            <a:extLst>
+              <a:ext uri="{FF2B5EF4-FFF2-40B4-BE49-F238E27FC236}">
+                <a16:creationId xmlns:a16="http://schemas.microsoft.com/office/drawing/2014/main" id="{342893C4-BCAE-4D5E-B3F3-3AE5A5D836EC}"/>
+              </a:ext>
+            </a:extLst>
+          </p:cNvPr>
+          <p:cNvSpPr/>
+          <p:nvPr/>
+        </p:nvSpPr>
+        <p:spPr>
+          <a:xfrm>
+            <a:off x="7353299" y="1854609"/>
+            <a:ext cx="1952626" cy="369332"/>
+          </a:xfrm>
+          <a:prstGeom prst="round1Rect">
+            <a:avLst/>
+          </a:prstGeom>
         </p:spPr>
         <p:style>
           <a:lnRef idx="2">
@@ -40330,27 +40935,32 @@
           </a:fontRef>
         </p:style>
         <p:txBody>
-          <a:bodyPr rtlCol="0" anchor="ctr"/>
-          <a:lstStyle/>
-          <a:p>
-            <a:r>
-              <a:rPr lang="en-US" altLang="zh-CN" sz="1400" dirty="0">
-                <a:latin typeface="Arial Black" panose="020B0A04020102020204" pitchFamily="34" charset="0"/>
+          <a:bodyPr rtlCol="0" anchor="ctr">
+            <a:spAutoFit/>
+          </a:bodyPr>
+          <a:lstStyle/>
+          <a:p>
+            <a:pPr algn="ctr"/>
+            <a:r>
+              <a:rPr lang="en-US" altLang="zh-CN" dirty="0">
+                <a:latin typeface="Ubuntu Mono" panose="020B0509030602030204" pitchFamily="49" charset="0"/>
+                <a:ea typeface="DFMincho-SU" panose="02010609010101010101" pitchFamily="1" charset="-128"/>
               </a:rPr>
-              <a:t>virtual bool initialize() = 0</a:t>
-            </a:r>
-            <a:endParaRPr lang="zh-CN" altLang="en-US" sz="1400" dirty="0">
-              <a:latin typeface="Arial Black" panose="020B0A04020102020204" pitchFamily="34" charset="0"/>
+              <a:t>send_bind_req</a:t>
+            </a:r>
+            <a:endParaRPr lang="zh-CN" altLang="en-US" dirty="0">
+              <a:latin typeface="Ubuntu Mono" panose="020B0509030602030204" pitchFamily="49" charset="0"/>
+              <a:ea typeface="DFMincho-SU" panose="02010609010101010101" pitchFamily="1" charset="-128"/>
             </a:endParaRPr>
           </a:p>
         </p:txBody>
       </p:sp>
       <p:sp>
         <p:nvSpPr>
-          <p:cNvPr id="33" name="Rectangle: Rounded Corners 32">
-            <a:extLst>
-              <a:ext uri="{FF2B5EF4-FFF2-40B4-BE49-F238E27FC236}">
-                <a16:creationId xmlns:a16="http://schemas.microsoft.com/office/drawing/2014/main" id="{5388E3C9-445F-4CBE-BFCE-D97AE2EC880C}"/>
+          <p:cNvPr id="51" name="Rectangle: Single Corner Rounded 50">
+            <a:extLst>
+              <a:ext uri="{FF2B5EF4-FFF2-40B4-BE49-F238E27FC236}">
+                <a16:creationId xmlns:a16="http://schemas.microsoft.com/office/drawing/2014/main" id="{95951C5A-F89D-4F65-A87F-9D15EA961B04}"/>
               </a:ext>
             </a:extLst>
           </p:cNvPr>
@@ -40359,26 +40969,12 @@
         </p:nvSpPr>
         <p:spPr>
           <a:xfrm>
-            <a:off x="339436" y="1517684"/>
-            <a:ext cx="3556289" cy="334986"/>
-          </a:xfrm>
-          <a:prstGeom prst="roundRect">
-            <a:avLst/>
-          </a:prstGeom>
-          <a:solidFill>
-            <a:schemeClr val="accent3">
-              <a:lumMod val="60000"/>
-              <a:lumOff val="40000"/>
-            </a:schemeClr>
-          </a:solidFill>
-          <a:ln>
-            <a:solidFill>
-              <a:schemeClr val="accent3">
-                <a:lumMod val="20000"/>
-                <a:lumOff val="80000"/>
-              </a:schemeClr>
-            </a:solidFill>
-          </a:ln>
+            <a:off x="6696075" y="2358508"/>
+            <a:ext cx="3267075" cy="369332"/>
+          </a:xfrm>
+          <a:prstGeom prst="round1Rect">
+            <a:avLst/>
+          </a:prstGeom>
         </p:spPr>
         <p:style>
           <a:lnRef idx="2">
@@ -40397,27 +40993,32 @@
           </a:fontRef>
         </p:style>
         <p:txBody>
-          <a:bodyPr rtlCol="0" anchor="ctr"/>
-          <a:lstStyle/>
-          <a:p>
-            <a:r>
-              <a:rPr lang="en-US" altLang="zh-CN" sz="1400" dirty="0">
-                <a:latin typeface="Arial Black" panose="020B0A04020102020204" pitchFamily="34" charset="0"/>
+          <a:bodyPr rtlCol="0" anchor="ctr">
+            <a:spAutoFit/>
+          </a:bodyPr>
+          <a:lstStyle/>
+          <a:p>
+            <a:pPr algn="ctr"/>
+            <a:r>
+              <a:rPr lang="en-US" altLang="zh-CN" dirty="0">
+                <a:latin typeface="Ubuntu Mono" panose="020B0509030602030204" pitchFamily="49" charset="0"/>
+                <a:ea typeface="DFMincho-SU" panose="02010609010101010101" pitchFamily="1" charset="-128"/>
               </a:rPr>
-              <a:t>std::string GetLocalIP()</a:t>
-            </a:r>
-            <a:endParaRPr lang="zh-CN" altLang="en-US" sz="1400" dirty="0">
-              <a:latin typeface="Arial Black" panose="020B0A04020102020204" pitchFamily="34" charset="0"/>
+              <a:t>start_retransmission_timer</a:t>
+            </a:r>
+            <a:endParaRPr lang="zh-CN" altLang="en-US" dirty="0">
+              <a:latin typeface="Ubuntu Mono" panose="020B0509030602030204" pitchFamily="49" charset="0"/>
+              <a:ea typeface="DFMincho-SU" panose="02010609010101010101" pitchFamily="1" charset="-128"/>
             </a:endParaRPr>
           </a:p>
         </p:txBody>
       </p:sp>
       <p:sp>
         <p:nvSpPr>
-          <p:cNvPr id="36" name="Rectangle: Rounded Corners 35">
-            <a:extLst>
-              <a:ext uri="{FF2B5EF4-FFF2-40B4-BE49-F238E27FC236}">
-                <a16:creationId xmlns:a16="http://schemas.microsoft.com/office/drawing/2014/main" id="{48BAE68C-A431-4B0D-886D-0018B65E8EEF}"/>
+          <p:cNvPr id="53" name="Rectangle: Single Corner Rounded 52">
+            <a:extLst>
+              <a:ext uri="{FF2B5EF4-FFF2-40B4-BE49-F238E27FC236}">
+                <a16:creationId xmlns:a16="http://schemas.microsoft.com/office/drawing/2014/main" id="{F31B713A-F9A6-4908-80DB-37B4BF062ECE}"/>
               </a:ext>
             </a:extLst>
           </p:cNvPr>
@@ -40426,26 +41027,12 @@
         </p:nvSpPr>
         <p:spPr>
           <a:xfrm>
-            <a:off x="339436" y="1897936"/>
-            <a:ext cx="3556289" cy="334986"/>
-          </a:xfrm>
-          <a:prstGeom prst="roundRect">
-            <a:avLst/>
-          </a:prstGeom>
-          <a:solidFill>
-            <a:schemeClr val="accent3">
-              <a:lumMod val="60000"/>
-              <a:lumOff val="40000"/>
-            </a:schemeClr>
-          </a:solidFill>
-          <a:ln>
-            <a:solidFill>
-              <a:schemeClr val="accent3">
-                <a:lumMod val="20000"/>
-                <a:lumOff val="80000"/>
-              </a:schemeClr>
-            </a:solidFill>
-          </a:ln>
+            <a:off x="6696075" y="2941914"/>
+            <a:ext cx="3267075" cy="369332"/>
+          </a:xfrm>
+          <a:prstGeom prst="round1Rect">
+            <a:avLst/>
+          </a:prstGeom>
         </p:spPr>
         <p:style>
           <a:lnRef idx="2">
@@ -40464,27 +41051,32 @@
           </a:fontRef>
         </p:style>
         <p:txBody>
-          <a:bodyPr rtlCol="0" anchor="ctr"/>
-          <a:lstStyle/>
-          <a:p>
-            <a:r>
-              <a:rPr lang="en-US" altLang="zh-CN" sz="1400" dirty="0">
-                <a:latin typeface="Arial Black" panose="020B0A04020102020204" pitchFamily="34" charset="0"/>
+          <a:bodyPr rtlCol="0" anchor="ctr">
+            <a:spAutoFit/>
+          </a:bodyPr>
+          <a:lstStyle/>
+          <a:p>
+            <a:pPr algn="ctr"/>
+            <a:r>
+              <a:rPr lang="en-US" altLang="zh-CN" dirty="0">
+                <a:latin typeface="Ubuntu Mono" panose="020B0509030602030204" pitchFamily="49" charset="0"/>
+                <a:ea typeface="DFMincho-SU" panose="02010609010101010101" pitchFamily="1" charset="-128"/>
               </a:rPr>
-              <a:t>Int16_t GetLocalPort ()</a:t>
-            </a:r>
-            <a:endParaRPr lang="zh-CN" altLang="en-US" sz="1400" dirty="0">
-              <a:latin typeface="Arial Black" panose="020B0A04020102020204" pitchFamily="34" charset="0"/>
+              <a:t>wait_for_bind_resp</a:t>
+            </a:r>
+            <a:endParaRPr lang="zh-CN" altLang="en-US" dirty="0">
+              <a:latin typeface="Ubuntu Mono" panose="020B0509030602030204" pitchFamily="49" charset="0"/>
+              <a:ea typeface="DFMincho-SU" panose="02010609010101010101" pitchFamily="1" charset="-128"/>
             </a:endParaRPr>
           </a:p>
         </p:txBody>
       </p:sp>
       <p:sp>
         <p:nvSpPr>
-          <p:cNvPr id="38" name="Rectangle: Rounded Corners 37">
-            <a:extLst>
-              <a:ext uri="{FF2B5EF4-FFF2-40B4-BE49-F238E27FC236}">
-                <a16:creationId xmlns:a16="http://schemas.microsoft.com/office/drawing/2014/main" id="{07162B93-8336-4D19-AD5E-3E2C8CA38A67}"/>
+          <p:cNvPr id="54" name="Rectangle: Single Corner Rounded 53">
+            <a:extLst>
+              <a:ext uri="{FF2B5EF4-FFF2-40B4-BE49-F238E27FC236}">
+                <a16:creationId xmlns:a16="http://schemas.microsoft.com/office/drawing/2014/main" id="{875C5151-E015-4026-9D89-210A97F09C14}"/>
               </a:ext>
             </a:extLst>
           </p:cNvPr>
@@ -40493,26 +41085,12 @@
         </p:nvSpPr>
         <p:spPr>
           <a:xfrm>
-            <a:off x="339436" y="2268284"/>
-            <a:ext cx="3556289" cy="334986"/>
-          </a:xfrm>
-          <a:prstGeom prst="roundRect">
-            <a:avLst/>
-          </a:prstGeom>
-          <a:solidFill>
-            <a:schemeClr val="accent3">
-              <a:lumMod val="60000"/>
-              <a:lumOff val="40000"/>
-            </a:schemeClr>
-          </a:solidFill>
-          <a:ln>
-            <a:solidFill>
-              <a:schemeClr val="accent3">
-                <a:lumMod val="20000"/>
-                <a:lumOff val="80000"/>
-              </a:schemeClr>
-            </a:solidFill>
-          </a:ln>
+            <a:off x="6696075" y="3549135"/>
+            <a:ext cx="3267075" cy="369332"/>
+          </a:xfrm>
+          <a:prstGeom prst="round1Rect">
+            <a:avLst/>
+          </a:prstGeom>
         </p:spPr>
         <p:style>
           <a:lnRef idx="2">
@@ -40531,25 +41109,1001 @@
           </a:fontRef>
         </p:style>
         <p:txBody>
+          <a:bodyPr rtlCol="0" anchor="ctr">
+            <a:spAutoFit/>
+          </a:bodyPr>
+          <a:lstStyle/>
+          <a:p>
+            <a:pPr algn="ctr"/>
+            <a:r>
+              <a:rPr lang="en-US" altLang="zh-CN" dirty="0">
+                <a:latin typeface="Ubuntu Mono" panose="020B0509030602030204" pitchFamily="49" charset="0"/>
+                <a:ea typeface="DFMincho-SU" panose="02010609010101010101" pitchFamily="1" charset="-128"/>
+              </a:rPr>
+              <a:t>handle_recv_msg</a:t>
+            </a:r>
+            <a:endParaRPr lang="zh-CN" altLang="en-US" dirty="0">
+              <a:latin typeface="Ubuntu Mono" panose="020B0509030602030204" pitchFamily="49" charset="0"/>
+              <a:ea typeface="DFMincho-SU" panose="02010609010101010101" pitchFamily="1" charset="-128"/>
+            </a:endParaRPr>
+          </a:p>
+        </p:txBody>
+      </p:sp>
+      <p:sp>
+        <p:nvSpPr>
+          <p:cNvPr id="60" name="Rectangle: Single Corner Rounded 59">
+            <a:extLst>
+              <a:ext uri="{FF2B5EF4-FFF2-40B4-BE49-F238E27FC236}">
+                <a16:creationId xmlns:a16="http://schemas.microsoft.com/office/drawing/2014/main" id="{F46E976B-E4DA-4CB5-9431-D55A3DB5859B}"/>
+              </a:ext>
+            </a:extLst>
+          </p:cNvPr>
+          <p:cNvSpPr/>
+          <p:nvPr/>
+        </p:nvSpPr>
+        <p:spPr>
+          <a:xfrm>
+            <a:off x="8410573" y="5070107"/>
+            <a:ext cx="3409951" cy="369332"/>
+          </a:xfrm>
+          <a:prstGeom prst="round1Rect">
+            <a:avLst/>
+          </a:prstGeom>
+        </p:spPr>
+        <p:style>
+          <a:lnRef idx="2">
+            <a:schemeClr val="accent1">
+              <a:shade val="50000"/>
+            </a:schemeClr>
+          </a:lnRef>
+          <a:fillRef idx="1">
+            <a:schemeClr val="accent1"/>
+          </a:fillRef>
+          <a:effectRef idx="0">
+            <a:schemeClr val="accent1"/>
+          </a:effectRef>
+          <a:fontRef idx="minor">
+            <a:schemeClr val="lt1"/>
+          </a:fontRef>
+        </p:style>
+        <p:txBody>
+          <a:bodyPr rtlCol="0" anchor="ctr">
+            <a:spAutoFit/>
+          </a:bodyPr>
+          <a:lstStyle/>
+          <a:p>
+            <a:pPr algn="ctr"/>
+            <a:r>
+              <a:rPr lang="en-US" altLang="zh-CN" dirty="0">
+                <a:latin typeface="Ubuntu Mono" panose="020B0509030602030204" pitchFamily="49" charset="0"/>
+                <a:ea typeface="DFMincho-SU" panose="02010609010101010101" pitchFamily="1" charset="-128"/>
+              </a:rPr>
+              <a:t>cancel_retransmission_timer</a:t>
+            </a:r>
+            <a:endParaRPr lang="zh-CN" altLang="en-US" dirty="0">
+              <a:latin typeface="Ubuntu Mono" panose="020B0509030602030204" pitchFamily="49" charset="0"/>
+              <a:ea typeface="DFMincho-SU" panose="02010609010101010101" pitchFamily="1" charset="-128"/>
+            </a:endParaRPr>
+          </a:p>
+        </p:txBody>
+      </p:sp>
+      <p:sp>
+        <p:nvSpPr>
+          <p:cNvPr id="61" name="Rectangle: Single Corner Rounded 60">
+            <a:extLst>
+              <a:ext uri="{FF2B5EF4-FFF2-40B4-BE49-F238E27FC236}">
+                <a16:creationId xmlns:a16="http://schemas.microsoft.com/office/drawing/2014/main" id="{3F05434B-8998-49AB-9902-1BFEF7DBBBCF}"/>
+              </a:ext>
+            </a:extLst>
+          </p:cNvPr>
+          <p:cNvSpPr/>
+          <p:nvPr/>
+        </p:nvSpPr>
+        <p:spPr>
+          <a:xfrm>
+            <a:off x="9153523" y="6378761"/>
+            <a:ext cx="1924050" cy="369332"/>
+          </a:xfrm>
+          <a:prstGeom prst="round1Rect">
+            <a:avLst/>
+          </a:prstGeom>
+        </p:spPr>
+        <p:style>
+          <a:lnRef idx="2">
+            <a:schemeClr val="accent2">
+              <a:shade val="50000"/>
+            </a:schemeClr>
+          </a:lnRef>
+          <a:fillRef idx="1">
+            <a:schemeClr val="accent2"/>
+          </a:fillRef>
+          <a:effectRef idx="0">
+            <a:schemeClr val="accent2"/>
+          </a:effectRef>
+          <a:fontRef idx="minor">
+            <a:schemeClr val="lt1"/>
+          </a:fontRef>
+        </p:style>
+        <p:txBody>
+          <a:bodyPr rtlCol="0" anchor="ctr">
+            <a:spAutoFit/>
+          </a:bodyPr>
+          <a:lstStyle/>
+          <a:p>
+            <a:pPr algn="ctr"/>
+            <a:r>
+              <a:rPr lang="en-US" altLang="zh-CN" dirty="0">
+                <a:latin typeface="Ubuntu Mono" panose="020B0509030602030204" pitchFamily="49" charset="0"/>
+                <a:ea typeface="DFMincho-SU" panose="02010609010101010101" pitchFamily="1" charset="-128"/>
+              </a:rPr>
+              <a:t>report_status</a:t>
+            </a:r>
+            <a:endParaRPr lang="zh-CN" altLang="en-US" dirty="0">
+              <a:latin typeface="Ubuntu Mono" panose="020B0509030602030204" pitchFamily="49" charset="0"/>
+              <a:ea typeface="DFMincho-SU" panose="02010609010101010101" pitchFamily="1" charset="-128"/>
+            </a:endParaRPr>
+          </a:p>
+        </p:txBody>
+      </p:sp>
+      <p:sp>
+        <p:nvSpPr>
+          <p:cNvPr id="67" name="Rectangle: Single Corner Rounded 66">
+            <a:extLst>
+              <a:ext uri="{FF2B5EF4-FFF2-40B4-BE49-F238E27FC236}">
+                <a16:creationId xmlns:a16="http://schemas.microsoft.com/office/drawing/2014/main" id="{5EFF27D0-2E1F-4D7A-B0ED-5A4E470963F7}"/>
+              </a:ext>
+            </a:extLst>
+          </p:cNvPr>
+          <p:cNvSpPr/>
+          <p:nvPr/>
+        </p:nvSpPr>
+        <p:spPr>
+          <a:xfrm>
+            <a:off x="9120185" y="5708697"/>
+            <a:ext cx="1990727" cy="369332"/>
+          </a:xfrm>
+          <a:prstGeom prst="round1Rect">
+            <a:avLst/>
+          </a:prstGeom>
+        </p:spPr>
+        <p:style>
+          <a:lnRef idx="2">
+            <a:schemeClr val="accent1">
+              <a:shade val="50000"/>
+            </a:schemeClr>
+          </a:lnRef>
+          <a:fillRef idx="1">
+            <a:schemeClr val="accent1"/>
+          </a:fillRef>
+          <a:effectRef idx="0">
+            <a:schemeClr val="accent1"/>
+          </a:effectRef>
+          <a:fontRef idx="minor">
+            <a:schemeClr val="lt1"/>
+          </a:fontRef>
+        </p:style>
+        <p:txBody>
+          <a:bodyPr rtlCol="0" anchor="ctr">
+            <a:spAutoFit/>
+          </a:bodyPr>
+          <a:lstStyle/>
+          <a:p>
+            <a:pPr algn="ctr"/>
+            <a:r>
+              <a:rPr lang="en-US" altLang="zh-CN" dirty="0">
+                <a:latin typeface="Ubuntu Mono" panose="020B0509030602030204" pitchFamily="49" charset="0"/>
+                <a:ea typeface="DFMincho-SU" panose="02010609010101010101" pitchFamily="1" charset="-128"/>
+              </a:rPr>
+              <a:t>handle_resp_msg</a:t>
+            </a:r>
+            <a:endParaRPr lang="zh-CN" altLang="en-US" dirty="0">
+              <a:latin typeface="Ubuntu Mono" panose="020B0509030602030204" pitchFamily="49" charset="0"/>
+              <a:ea typeface="DFMincho-SU" panose="02010609010101010101" pitchFamily="1" charset="-128"/>
+            </a:endParaRPr>
+          </a:p>
+        </p:txBody>
+      </p:sp>
+      <p:sp>
+        <p:nvSpPr>
+          <p:cNvPr id="71" name="Rectangle: Single Corner Rounded 70">
+            <a:extLst>
+              <a:ext uri="{FF2B5EF4-FFF2-40B4-BE49-F238E27FC236}">
+                <a16:creationId xmlns:a16="http://schemas.microsoft.com/office/drawing/2014/main" id="{7A3523E3-E5F1-4EA3-9060-FC3DD32FF06F}"/>
+              </a:ext>
+            </a:extLst>
+          </p:cNvPr>
+          <p:cNvSpPr/>
+          <p:nvPr/>
+        </p:nvSpPr>
+        <p:spPr>
+          <a:xfrm>
+            <a:off x="4757737" y="5070107"/>
+            <a:ext cx="3409950" cy="369332"/>
+          </a:xfrm>
+          <a:prstGeom prst="round1Rect">
+            <a:avLst/>
+          </a:prstGeom>
+        </p:spPr>
+        <p:style>
+          <a:lnRef idx="2">
+            <a:schemeClr val="accent1">
+              <a:shade val="50000"/>
+            </a:schemeClr>
+          </a:lnRef>
+          <a:fillRef idx="1">
+            <a:schemeClr val="accent1"/>
+          </a:fillRef>
+          <a:effectRef idx="0">
+            <a:schemeClr val="accent1"/>
+          </a:effectRef>
+          <a:fontRef idx="minor">
+            <a:schemeClr val="lt1"/>
+          </a:fontRef>
+        </p:style>
+        <p:txBody>
+          <a:bodyPr rtlCol="0" anchor="ctr">
+            <a:spAutoFit/>
+          </a:bodyPr>
+          <a:lstStyle/>
+          <a:p>
+            <a:pPr algn="ctr"/>
+            <a:r>
+              <a:rPr lang="en-US" altLang="zh-CN" dirty="0">
+                <a:latin typeface="Ubuntu Mono" panose="020B0509030602030204" pitchFamily="49" charset="0"/>
+                <a:ea typeface="DFMincho-SU" panose="02010609010101010101" pitchFamily="1" charset="-128"/>
+              </a:rPr>
+              <a:t>wait_for_timeout_callback</a:t>
+            </a:r>
+            <a:endParaRPr lang="zh-CN" altLang="en-US" dirty="0">
+              <a:latin typeface="Ubuntu Mono" panose="020B0509030602030204" pitchFamily="49" charset="0"/>
+              <a:ea typeface="DFMincho-SU" panose="02010609010101010101" pitchFamily="1" charset="-128"/>
+            </a:endParaRPr>
+          </a:p>
+        </p:txBody>
+      </p:sp>
+      <p:cxnSp>
+        <p:nvCxnSpPr>
+          <p:cNvPr id="23" name="Connector: Elbow 22">
+            <a:extLst>
+              <a:ext uri="{FF2B5EF4-FFF2-40B4-BE49-F238E27FC236}">
+                <a16:creationId xmlns:a16="http://schemas.microsoft.com/office/drawing/2014/main" id="{56F2BAE1-FC5A-4744-B1BF-FEA055C98E35}"/>
+              </a:ext>
+            </a:extLst>
+          </p:cNvPr>
+          <p:cNvCxnSpPr>
+            <a:cxnSpLocks/>
+            <a:stCxn id="71" idx="1"/>
+            <a:endCxn id="29" idx="1"/>
+          </p:cNvCxnSpPr>
+          <p:nvPr/>
+        </p:nvCxnSpPr>
+        <p:spPr>
+          <a:xfrm rot="10800000" flipH="1">
+            <a:off x="4757737" y="1228189"/>
+            <a:ext cx="2047874" cy="4026585"/>
+          </a:xfrm>
+          <a:prstGeom prst="bentConnector3">
+            <a:avLst>
+              <a:gd name="adj1" fmla="val -11163"/>
+            </a:avLst>
+          </a:prstGeom>
+          <a:ln>
+            <a:tailEnd type="triangle"/>
+          </a:ln>
+        </p:spPr>
+        <p:style>
+          <a:lnRef idx="1">
+            <a:schemeClr val="accent1"/>
+          </a:lnRef>
+          <a:fillRef idx="0">
+            <a:schemeClr val="accent1"/>
+          </a:fillRef>
+          <a:effectRef idx="0">
+            <a:schemeClr val="accent1"/>
+          </a:effectRef>
+          <a:fontRef idx="minor">
+            <a:schemeClr val="tx1"/>
+          </a:fontRef>
+        </p:style>
+      </p:cxnSp>
+      <p:cxnSp>
+        <p:nvCxnSpPr>
+          <p:cNvPr id="25" name="Straight Arrow Connector 24">
+            <a:extLst>
+              <a:ext uri="{FF2B5EF4-FFF2-40B4-BE49-F238E27FC236}">
+                <a16:creationId xmlns:a16="http://schemas.microsoft.com/office/drawing/2014/main" id="{3E3C6E29-4CFC-4EFA-AD07-0A04BC2BFE86}"/>
+              </a:ext>
+            </a:extLst>
+          </p:cNvPr>
+          <p:cNvCxnSpPr>
+            <a:stCxn id="44" idx="2"/>
+            <a:endCxn id="48" idx="0"/>
+          </p:cNvCxnSpPr>
+          <p:nvPr/>
+        </p:nvCxnSpPr>
+        <p:spPr>
+          <a:xfrm>
+            <a:off x="8329612" y="725473"/>
+            <a:ext cx="0" cy="1129136"/>
+          </a:xfrm>
+          <a:prstGeom prst="straightConnector1">
+            <a:avLst/>
+          </a:prstGeom>
+          <a:ln>
+            <a:tailEnd type="triangle"/>
+          </a:ln>
+        </p:spPr>
+        <p:style>
+          <a:lnRef idx="1">
+            <a:schemeClr val="accent1"/>
+          </a:lnRef>
+          <a:fillRef idx="0">
+            <a:schemeClr val="accent1"/>
+          </a:fillRef>
+          <a:effectRef idx="0">
+            <a:schemeClr val="accent1"/>
+          </a:effectRef>
+          <a:fontRef idx="minor">
+            <a:schemeClr val="tx1"/>
+          </a:fontRef>
+        </p:style>
+      </p:cxnSp>
+      <p:sp>
+        <p:nvSpPr>
+          <p:cNvPr id="29" name="Flowchart: Decision 28">
+            <a:extLst>
+              <a:ext uri="{FF2B5EF4-FFF2-40B4-BE49-F238E27FC236}">
+                <a16:creationId xmlns:a16="http://schemas.microsoft.com/office/drawing/2014/main" id="{1ABEBC95-F9B1-4E7E-A17C-965B411ECF35}"/>
+              </a:ext>
+            </a:extLst>
+          </p:cNvPr>
+          <p:cNvSpPr/>
+          <p:nvPr/>
+        </p:nvSpPr>
+        <p:spPr>
+          <a:xfrm>
+            <a:off x="6805611" y="824033"/>
+            <a:ext cx="3047999" cy="808310"/>
+          </a:xfrm>
+          <a:prstGeom prst="flowChartDecision">
+            <a:avLst/>
+          </a:prstGeom>
+        </p:spPr>
+        <p:style>
+          <a:lnRef idx="2">
+            <a:schemeClr val="accent1">
+              <a:shade val="50000"/>
+            </a:schemeClr>
+          </a:lnRef>
+          <a:fillRef idx="1">
+            <a:schemeClr val="accent1"/>
+          </a:fillRef>
+          <a:effectRef idx="0">
+            <a:schemeClr val="accent1"/>
+          </a:effectRef>
+          <a:fontRef idx="minor">
+            <a:schemeClr val="lt1"/>
+          </a:fontRef>
+        </p:style>
+        <p:txBody>
           <a:bodyPr rtlCol="0" anchor="ctr"/>
           <a:lstStyle/>
           <a:p>
-            <a:r>
-              <a:rPr lang="en-US" altLang="zh-CN" sz="1400" dirty="0">
-                <a:latin typeface="Arial Black" panose="020B0A04020102020204" pitchFamily="34" charset="0"/>
+            <a:pPr algn="ctr"/>
+            <a:r>
+              <a:rPr lang="en-US" altLang="zh-CN" sz="1200" dirty="0">
+                <a:latin typeface="Ubuntu Mono" panose="020B0509030602030204" pitchFamily="49" charset="0"/>
               </a:rPr>
-              <a:t>virtual bool initialize() = 0</a:t>
-            </a:r>
-            <a:endParaRPr lang="zh-CN" altLang="en-US" sz="1400" dirty="0">
-              <a:latin typeface="Arial Black" panose="020B0A04020102020204" pitchFamily="34" charset="0"/>
+              <a:t>Is the last Rc ?</a:t>
+            </a:r>
+            <a:endParaRPr lang="zh-CN" altLang="en-US" sz="1200" dirty="0">
+              <a:latin typeface="Ubuntu Mono" panose="020B0509030602030204" pitchFamily="49" charset="0"/>
             </a:endParaRPr>
           </a:p>
         </p:txBody>
       </p:sp>
+      <p:sp>
+        <p:nvSpPr>
+          <p:cNvPr id="73" name="Rectangle: Single Corner Rounded 72">
+            <a:extLst>
+              <a:ext uri="{FF2B5EF4-FFF2-40B4-BE49-F238E27FC236}">
+                <a16:creationId xmlns:a16="http://schemas.microsoft.com/office/drawing/2014/main" id="{1A3296B6-F472-4318-AD78-240E7400E58F}"/>
+              </a:ext>
+            </a:extLst>
+          </p:cNvPr>
+          <p:cNvSpPr/>
+          <p:nvPr/>
+        </p:nvSpPr>
+        <p:spPr>
+          <a:xfrm>
+            <a:off x="10144123" y="1043522"/>
+            <a:ext cx="1924050" cy="369332"/>
+          </a:xfrm>
+          <a:prstGeom prst="round1Rect">
+            <a:avLst/>
+          </a:prstGeom>
+        </p:spPr>
+        <p:style>
+          <a:lnRef idx="2">
+            <a:schemeClr val="accent2">
+              <a:shade val="50000"/>
+            </a:schemeClr>
+          </a:lnRef>
+          <a:fillRef idx="1">
+            <a:schemeClr val="accent2"/>
+          </a:fillRef>
+          <a:effectRef idx="0">
+            <a:schemeClr val="accent2"/>
+          </a:effectRef>
+          <a:fontRef idx="minor">
+            <a:schemeClr val="lt1"/>
+          </a:fontRef>
+        </p:style>
+        <p:txBody>
+          <a:bodyPr rtlCol="0" anchor="ctr">
+            <a:spAutoFit/>
+          </a:bodyPr>
+          <a:lstStyle/>
+          <a:p>
+            <a:pPr algn="ctr"/>
+            <a:r>
+              <a:rPr lang="en-US" altLang="zh-CN" dirty="0">
+                <a:latin typeface="Ubuntu Mono" panose="020B0509030602030204" pitchFamily="49" charset="0"/>
+                <a:ea typeface="DFMincho-SU" panose="02010609010101010101" pitchFamily="1" charset="-128"/>
+              </a:rPr>
+              <a:t>report_status</a:t>
+            </a:r>
+            <a:endParaRPr lang="zh-CN" altLang="en-US" dirty="0">
+              <a:latin typeface="Ubuntu Mono" panose="020B0509030602030204" pitchFamily="49" charset="0"/>
+              <a:ea typeface="DFMincho-SU" panose="02010609010101010101" pitchFamily="1" charset="-128"/>
+            </a:endParaRPr>
+          </a:p>
+        </p:txBody>
+      </p:sp>
+      <p:cxnSp>
+        <p:nvCxnSpPr>
+          <p:cNvPr id="31" name="Straight Arrow Connector 30">
+            <a:extLst>
+              <a:ext uri="{FF2B5EF4-FFF2-40B4-BE49-F238E27FC236}">
+                <a16:creationId xmlns:a16="http://schemas.microsoft.com/office/drawing/2014/main" id="{95C2FBAA-2609-45BC-9CF4-20D52A242297}"/>
+              </a:ext>
+            </a:extLst>
+          </p:cNvPr>
+          <p:cNvCxnSpPr>
+            <a:stCxn id="29" idx="3"/>
+            <a:endCxn id="73" idx="1"/>
+          </p:cNvCxnSpPr>
+          <p:nvPr/>
+        </p:nvCxnSpPr>
+        <p:spPr>
+          <a:xfrm>
+            <a:off x="9853610" y="1228188"/>
+            <a:ext cx="290513" cy="0"/>
+          </a:xfrm>
+          <a:prstGeom prst="straightConnector1">
+            <a:avLst/>
+          </a:prstGeom>
+          <a:ln>
+            <a:tailEnd type="triangle"/>
+          </a:ln>
+        </p:spPr>
+        <p:style>
+          <a:lnRef idx="1">
+            <a:schemeClr val="accent1"/>
+          </a:lnRef>
+          <a:fillRef idx="0">
+            <a:schemeClr val="accent1"/>
+          </a:fillRef>
+          <a:effectRef idx="0">
+            <a:schemeClr val="accent1"/>
+          </a:effectRef>
+          <a:fontRef idx="minor">
+            <a:schemeClr val="tx1"/>
+          </a:fontRef>
+        </p:style>
+      </p:cxnSp>
+      <p:sp>
+        <p:nvSpPr>
+          <p:cNvPr id="33" name="TextBox 32">
+            <a:extLst>
+              <a:ext uri="{FF2B5EF4-FFF2-40B4-BE49-F238E27FC236}">
+                <a16:creationId xmlns:a16="http://schemas.microsoft.com/office/drawing/2014/main" id="{5DD4DAAF-CD62-47A9-8CCF-445EBA1C877E}"/>
+              </a:ext>
+            </a:extLst>
+          </p:cNvPr>
+          <p:cNvSpPr txBox="1"/>
+          <p:nvPr/>
+        </p:nvSpPr>
+        <p:spPr>
+          <a:xfrm>
+            <a:off x="9763122" y="1016024"/>
+            <a:ext cx="704851" cy="215444"/>
+          </a:xfrm>
+          <a:prstGeom prst="rect">
+            <a:avLst/>
+          </a:prstGeom>
+          <a:noFill/>
+        </p:spPr>
+        <p:txBody>
+          <a:bodyPr wrap="square" rtlCol="0">
+            <a:spAutoFit/>
+          </a:bodyPr>
+          <a:lstStyle/>
+          <a:p>
+            <a:r>
+              <a:rPr lang="en-US" altLang="zh-CN" sz="800" dirty="0">
+                <a:latin typeface="Bodoni MT Black" panose="02070A03080606020203" pitchFamily="18" charset="0"/>
+                <a:ea typeface="DFMincho-SU" panose="02010609010101010101" pitchFamily="1" charset="-128"/>
+              </a:rPr>
+              <a:t>Yes</a:t>
+            </a:r>
+            <a:endParaRPr lang="zh-CN" altLang="en-US" sz="800" dirty="0">
+              <a:latin typeface="Bodoni MT Black" panose="02070A03080606020203" pitchFamily="18" charset="0"/>
+              <a:ea typeface="DFMincho-SU" panose="02010609010101010101" pitchFamily="1" charset="-128"/>
+            </a:endParaRPr>
+          </a:p>
+        </p:txBody>
+      </p:sp>
+      <p:sp>
+        <p:nvSpPr>
+          <p:cNvPr id="74" name="TextBox 73">
+            <a:extLst>
+              <a:ext uri="{FF2B5EF4-FFF2-40B4-BE49-F238E27FC236}">
+                <a16:creationId xmlns:a16="http://schemas.microsoft.com/office/drawing/2014/main" id="{F17C5FD0-AFD4-4786-96A6-159727BF899A}"/>
+              </a:ext>
+            </a:extLst>
+          </p:cNvPr>
+          <p:cNvSpPr txBox="1"/>
+          <p:nvPr/>
+        </p:nvSpPr>
+        <p:spPr>
+          <a:xfrm>
+            <a:off x="8081960" y="1606660"/>
+            <a:ext cx="704851" cy="215444"/>
+          </a:xfrm>
+          <a:prstGeom prst="rect">
+            <a:avLst/>
+          </a:prstGeom>
+          <a:noFill/>
+        </p:spPr>
+        <p:txBody>
+          <a:bodyPr wrap="square" rtlCol="0">
+            <a:spAutoFit/>
+          </a:bodyPr>
+          <a:lstStyle/>
+          <a:p>
+            <a:pPr algn="ctr"/>
+            <a:r>
+              <a:rPr lang="en-US" altLang="zh-CN" sz="800" dirty="0">
+                <a:latin typeface="Bodoni MT Black" panose="02070A03080606020203" pitchFamily="18" charset="0"/>
+                <a:ea typeface="DFMincho-SU" panose="02010609010101010101" pitchFamily="1" charset="-128"/>
+              </a:rPr>
+              <a:t>No</a:t>
+            </a:r>
+            <a:endParaRPr lang="zh-CN" altLang="en-US" sz="800" dirty="0">
+              <a:latin typeface="Bodoni MT Black" panose="02070A03080606020203" pitchFamily="18" charset="0"/>
+              <a:ea typeface="DFMincho-SU" panose="02010609010101010101" pitchFamily="1" charset="-128"/>
+            </a:endParaRPr>
+          </a:p>
+        </p:txBody>
+      </p:sp>
+      <p:sp>
+        <p:nvSpPr>
+          <p:cNvPr id="77" name="Flowchart: Decision 76">
+            <a:extLst>
+              <a:ext uri="{FF2B5EF4-FFF2-40B4-BE49-F238E27FC236}">
+                <a16:creationId xmlns:a16="http://schemas.microsoft.com/office/drawing/2014/main" id="{4EC28B72-27F8-4318-8EEC-ECBC45D8A9CA}"/>
+              </a:ext>
+            </a:extLst>
+          </p:cNvPr>
+          <p:cNvSpPr/>
+          <p:nvPr/>
+        </p:nvSpPr>
+        <p:spPr>
+          <a:xfrm>
+            <a:off x="6805613" y="4086657"/>
+            <a:ext cx="3047999" cy="808310"/>
+          </a:xfrm>
+          <a:prstGeom prst="flowChartDecision">
+            <a:avLst/>
+          </a:prstGeom>
+        </p:spPr>
+        <p:style>
+          <a:lnRef idx="2">
+            <a:schemeClr val="accent1">
+              <a:shade val="50000"/>
+            </a:schemeClr>
+          </a:lnRef>
+          <a:fillRef idx="1">
+            <a:schemeClr val="accent1"/>
+          </a:fillRef>
+          <a:effectRef idx="0">
+            <a:schemeClr val="accent1"/>
+          </a:effectRef>
+          <a:fontRef idx="minor">
+            <a:schemeClr val="lt1"/>
+          </a:fontRef>
+        </p:style>
+        <p:txBody>
+          <a:bodyPr rtlCol="0" anchor="ctr"/>
+          <a:lstStyle/>
+          <a:p>
+            <a:pPr algn="ctr"/>
+            <a:r>
+              <a:rPr lang="en-US" altLang="zh-CN" sz="1200" dirty="0">
+                <a:latin typeface="Ubuntu Mono" panose="020B0509030602030204" pitchFamily="49" charset="0"/>
+              </a:rPr>
+              <a:t>Is valid message ?</a:t>
+            </a:r>
+            <a:endParaRPr lang="zh-CN" altLang="en-US" sz="1200" dirty="0">
+              <a:latin typeface="Ubuntu Mono" panose="020B0509030602030204" pitchFamily="49" charset="0"/>
+            </a:endParaRPr>
+          </a:p>
+        </p:txBody>
+      </p:sp>
+      <p:cxnSp>
+        <p:nvCxnSpPr>
+          <p:cNvPr id="36" name="Straight Arrow Connector 35">
+            <a:extLst>
+              <a:ext uri="{FF2B5EF4-FFF2-40B4-BE49-F238E27FC236}">
+                <a16:creationId xmlns:a16="http://schemas.microsoft.com/office/drawing/2014/main" id="{163C7DA4-C96D-4C2C-8B06-87C07A31A374}"/>
+              </a:ext>
+            </a:extLst>
+          </p:cNvPr>
+          <p:cNvCxnSpPr>
+            <a:cxnSpLocks/>
+            <a:stCxn id="77" idx="1"/>
+          </p:cNvCxnSpPr>
+          <p:nvPr/>
+        </p:nvCxnSpPr>
+        <p:spPr>
+          <a:xfrm flipH="1">
+            <a:off x="6805611" y="4490812"/>
+            <a:ext cx="2" cy="586114"/>
+          </a:xfrm>
+          <a:prstGeom prst="straightConnector1">
+            <a:avLst/>
+          </a:prstGeom>
+          <a:ln>
+            <a:tailEnd type="triangle"/>
+          </a:ln>
+        </p:spPr>
+        <p:style>
+          <a:lnRef idx="1">
+            <a:schemeClr val="accent1"/>
+          </a:lnRef>
+          <a:fillRef idx="0">
+            <a:schemeClr val="accent1"/>
+          </a:fillRef>
+          <a:effectRef idx="0">
+            <a:schemeClr val="accent1"/>
+          </a:effectRef>
+          <a:fontRef idx="minor">
+            <a:schemeClr val="tx1"/>
+          </a:fontRef>
+        </p:style>
+      </p:cxnSp>
+      <p:cxnSp>
+        <p:nvCxnSpPr>
+          <p:cNvPr id="40" name="Straight Arrow Connector 39">
+            <a:extLst>
+              <a:ext uri="{FF2B5EF4-FFF2-40B4-BE49-F238E27FC236}">
+                <a16:creationId xmlns:a16="http://schemas.microsoft.com/office/drawing/2014/main" id="{9A13749E-6ED3-4712-9C92-3E9532B5BCD8}"/>
+              </a:ext>
+            </a:extLst>
+          </p:cNvPr>
+          <p:cNvCxnSpPr>
+            <a:cxnSpLocks/>
+            <a:stCxn id="77" idx="3"/>
+          </p:cNvCxnSpPr>
+          <p:nvPr/>
+        </p:nvCxnSpPr>
+        <p:spPr>
+          <a:xfrm>
+            <a:off x="9853612" y="4490812"/>
+            <a:ext cx="0" cy="588820"/>
+          </a:xfrm>
+          <a:prstGeom prst="straightConnector1">
+            <a:avLst/>
+          </a:prstGeom>
+          <a:ln>
+            <a:tailEnd type="triangle"/>
+          </a:ln>
+        </p:spPr>
+        <p:style>
+          <a:lnRef idx="1">
+            <a:schemeClr val="accent1"/>
+          </a:lnRef>
+          <a:fillRef idx="0">
+            <a:schemeClr val="accent1"/>
+          </a:fillRef>
+          <a:effectRef idx="0">
+            <a:schemeClr val="accent1"/>
+          </a:effectRef>
+          <a:fontRef idx="minor">
+            <a:schemeClr val="tx1"/>
+          </a:fontRef>
+        </p:style>
+      </p:cxnSp>
+      <p:sp>
+        <p:nvSpPr>
+          <p:cNvPr id="78" name="TextBox 77">
+            <a:extLst>
+              <a:ext uri="{FF2B5EF4-FFF2-40B4-BE49-F238E27FC236}">
+                <a16:creationId xmlns:a16="http://schemas.microsoft.com/office/drawing/2014/main" id="{3E784CD5-8DD8-4C9D-BEA4-8B7560102930}"/>
+              </a:ext>
+            </a:extLst>
+          </p:cNvPr>
+          <p:cNvSpPr txBox="1"/>
+          <p:nvPr/>
+        </p:nvSpPr>
+        <p:spPr>
+          <a:xfrm>
+            <a:off x="9734546" y="4700775"/>
+            <a:ext cx="704851" cy="215444"/>
+          </a:xfrm>
+          <a:prstGeom prst="rect">
+            <a:avLst/>
+          </a:prstGeom>
+          <a:noFill/>
+        </p:spPr>
+        <p:txBody>
+          <a:bodyPr wrap="square" rtlCol="0">
+            <a:spAutoFit/>
+          </a:bodyPr>
+          <a:lstStyle/>
+          <a:p>
+            <a:r>
+              <a:rPr lang="en-US" altLang="zh-CN" sz="800" dirty="0">
+                <a:latin typeface="Bodoni MT Black" panose="02070A03080606020203" pitchFamily="18" charset="0"/>
+                <a:ea typeface="DFMincho-SU" panose="02010609010101010101" pitchFamily="1" charset="-128"/>
+              </a:rPr>
+              <a:t>Yes</a:t>
+            </a:r>
+            <a:endParaRPr lang="zh-CN" altLang="en-US" sz="800" dirty="0">
+              <a:latin typeface="Bodoni MT Black" panose="02070A03080606020203" pitchFamily="18" charset="0"/>
+              <a:ea typeface="DFMincho-SU" panose="02010609010101010101" pitchFamily="1" charset="-128"/>
+            </a:endParaRPr>
+          </a:p>
+        </p:txBody>
+      </p:sp>
+      <p:sp>
+        <p:nvSpPr>
+          <p:cNvPr id="79" name="TextBox 78">
+            <a:extLst>
+              <a:ext uri="{FF2B5EF4-FFF2-40B4-BE49-F238E27FC236}">
+                <a16:creationId xmlns:a16="http://schemas.microsoft.com/office/drawing/2014/main" id="{E6AFA892-BD8E-4570-BA4F-3D472D65F5D4}"/>
+              </a:ext>
+            </a:extLst>
+          </p:cNvPr>
+          <p:cNvSpPr txBox="1"/>
+          <p:nvPr/>
+        </p:nvSpPr>
+        <p:spPr>
+          <a:xfrm>
+            <a:off x="6219829" y="4691190"/>
+            <a:ext cx="704851" cy="215444"/>
+          </a:xfrm>
+          <a:prstGeom prst="rect">
+            <a:avLst/>
+          </a:prstGeom>
+          <a:noFill/>
+        </p:spPr>
+        <p:txBody>
+          <a:bodyPr wrap="square" rtlCol="0">
+            <a:spAutoFit/>
+          </a:bodyPr>
+          <a:lstStyle/>
+          <a:p>
+            <a:pPr algn="ctr"/>
+            <a:r>
+              <a:rPr lang="en-US" altLang="zh-CN" sz="800" dirty="0">
+                <a:latin typeface="Bodoni MT Black" panose="02070A03080606020203" pitchFamily="18" charset="0"/>
+                <a:ea typeface="DFMincho-SU" panose="02010609010101010101" pitchFamily="1" charset="-128"/>
+              </a:rPr>
+              <a:t>No</a:t>
+            </a:r>
+            <a:endParaRPr lang="zh-CN" altLang="en-US" sz="800" dirty="0">
+              <a:latin typeface="Bodoni MT Black" panose="02070A03080606020203" pitchFamily="18" charset="0"/>
+              <a:ea typeface="DFMincho-SU" panose="02010609010101010101" pitchFamily="1" charset="-128"/>
+            </a:endParaRPr>
+          </a:p>
+        </p:txBody>
+      </p:sp>
+      <p:sp>
+        <p:nvSpPr>
+          <p:cNvPr id="90" name="Arrow: Right 89">
+            <a:extLst>
+              <a:ext uri="{FF2B5EF4-FFF2-40B4-BE49-F238E27FC236}">
+                <a16:creationId xmlns:a16="http://schemas.microsoft.com/office/drawing/2014/main" id="{D392EAAD-6B33-4CF1-A9EA-9433C537B8AE}"/>
+              </a:ext>
+            </a:extLst>
+          </p:cNvPr>
+          <p:cNvSpPr/>
+          <p:nvPr/>
+        </p:nvSpPr>
+        <p:spPr>
+          <a:xfrm>
+            <a:off x="4117827" y="505214"/>
+            <a:ext cx="2844951" cy="233483"/>
+          </a:xfrm>
+          <a:prstGeom prst="rightArrow">
+            <a:avLst>
+              <a:gd name="adj1" fmla="val 50000"/>
+              <a:gd name="adj2" fmla="val 156067"/>
+            </a:avLst>
+          </a:prstGeom>
+          <a:ln cap="rnd"/>
+        </p:spPr>
+        <p:style>
+          <a:lnRef idx="2">
+            <a:schemeClr val="accent1">
+              <a:shade val="50000"/>
+            </a:schemeClr>
+          </a:lnRef>
+          <a:fillRef idx="1">
+            <a:schemeClr val="accent1"/>
+          </a:fillRef>
+          <a:effectRef idx="0">
+            <a:schemeClr val="accent1"/>
+          </a:effectRef>
+          <a:fontRef idx="minor">
+            <a:schemeClr val="lt1"/>
+          </a:fontRef>
+        </p:style>
+        <p:txBody>
+          <a:bodyPr rtlCol="0" anchor="ctr"/>
+          <a:lstStyle/>
+          <a:p>
+            <a:pPr algn="ctr"/>
+            <a:endParaRPr lang="zh-CN" altLang="en-US"/>
+          </a:p>
+        </p:txBody>
+      </p:sp>
+      <p:sp>
+        <p:nvSpPr>
+          <p:cNvPr id="91" name="Arrow: Left 90">
+            <a:extLst>
+              <a:ext uri="{FF2B5EF4-FFF2-40B4-BE49-F238E27FC236}">
+                <a16:creationId xmlns:a16="http://schemas.microsoft.com/office/drawing/2014/main" id="{26F256EE-F3B4-4B08-AB8A-1B1AA2068AA4}"/>
+              </a:ext>
+            </a:extLst>
+          </p:cNvPr>
+          <p:cNvSpPr/>
+          <p:nvPr/>
+        </p:nvSpPr>
+        <p:spPr>
+          <a:xfrm>
+            <a:off x="3395659" y="1854609"/>
+            <a:ext cx="476255" cy="231309"/>
+          </a:xfrm>
+          <a:prstGeom prst="leftArrow">
+            <a:avLst>
+              <a:gd name="adj1" fmla="val 50000"/>
+              <a:gd name="adj2" fmla="val 62354"/>
+            </a:avLst>
+          </a:prstGeom>
+        </p:spPr>
+        <p:style>
+          <a:lnRef idx="2">
+            <a:schemeClr val="accent1">
+              <a:shade val="50000"/>
+            </a:schemeClr>
+          </a:lnRef>
+          <a:fillRef idx="1">
+            <a:schemeClr val="accent1"/>
+          </a:fillRef>
+          <a:effectRef idx="0">
+            <a:schemeClr val="accent1"/>
+          </a:effectRef>
+          <a:fontRef idx="minor">
+            <a:schemeClr val="lt1"/>
+          </a:fontRef>
+        </p:style>
+        <p:txBody>
+          <a:bodyPr rtlCol="0" anchor="ctr"/>
+          <a:lstStyle/>
+          <a:p>
+            <a:pPr algn="ctr"/>
+            <a:endParaRPr lang="zh-CN" altLang="en-US"/>
+          </a:p>
+        </p:txBody>
+      </p:sp>
+      <p:sp>
+        <p:nvSpPr>
+          <p:cNvPr id="92" name="Arrow: Left 91">
+            <a:extLst>
+              <a:ext uri="{FF2B5EF4-FFF2-40B4-BE49-F238E27FC236}">
+                <a16:creationId xmlns:a16="http://schemas.microsoft.com/office/drawing/2014/main" id="{68719E0C-00F4-4CF8-8911-A923630C83E7}"/>
+              </a:ext>
+            </a:extLst>
+          </p:cNvPr>
+          <p:cNvSpPr/>
+          <p:nvPr/>
+        </p:nvSpPr>
+        <p:spPr>
+          <a:xfrm>
+            <a:off x="2313534" y="2826259"/>
+            <a:ext cx="1481225" cy="231309"/>
+          </a:xfrm>
+          <a:prstGeom prst="leftArrow">
+            <a:avLst>
+              <a:gd name="adj1" fmla="val 50000"/>
+              <a:gd name="adj2" fmla="val 99415"/>
+            </a:avLst>
+          </a:prstGeom>
+        </p:spPr>
+        <p:style>
+          <a:lnRef idx="2">
+            <a:schemeClr val="accent1">
+              <a:shade val="50000"/>
+            </a:schemeClr>
+          </a:lnRef>
+          <a:fillRef idx="1">
+            <a:schemeClr val="accent1"/>
+          </a:fillRef>
+          <a:effectRef idx="0">
+            <a:schemeClr val="accent1"/>
+          </a:effectRef>
+          <a:fontRef idx="minor">
+            <a:schemeClr val="lt1"/>
+          </a:fontRef>
+        </p:style>
+        <p:txBody>
+          <a:bodyPr rtlCol="0" anchor="ctr"/>
+          <a:lstStyle/>
+          <a:p>
+            <a:pPr algn="ctr"/>
+            <a:endParaRPr lang="zh-CN" altLang="en-US"/>
+          </a:p>
+        </p:txBody>
+      </p:sp>
+      <p:cxnSp>
+        <p:nvCxnSpPr>
+          <p:cNvPr id="96" name="Connector: Elbow 95">
+            <a:extLst>
+              <a:ext uri="{FF2B5EF4-FFF2-40B4-BE49-F238E27FC236}">
+                <a16:creationId xmlns:a16="http://schemas.microsoft.com/office/drawing/2014/main" id="{F71E960D-A0AC-49A8-B8C0-F7A825F0B75B}"/>
+              </a:ext>
+            </a:extLst>
+          </p:cNvPr>
+          <p:cNvCxnSpPr>
+            <a:stCxn id="21" idx="2"/>
+            <a:endCxn id="54" idx="1"/>
+          </p:cNvCxnSpPr>
+          <p:nvPr/>
+        </p:nvCxnSpPr>
+        <p:spPr>
+          <a:xfrm rot="16200000" flipH="1">
+            <a:off x="3601177" y="638903"/>
+            <a:ext cx="593862" cy="5595934"/>
+          </a:xfrm>
+          <a:prstGeom prst="bentConnector2">
+            <a:avLst/>
+          </a:prstGeom>
+          <a:ln>
+            <a:tailEnd type="triangle"/>
+          </a:ln>
+        </p:spPr>
+        <p:style>
+          <a:lnRef idx="2">
+            <a:schemeClr val="accent4"/>
+          </a:lnRef>
+          <a:fillRef idx="0">
+            <a:schemeClr val="accent4"/>
+          </a:fillRef>
+          <a:effectRef idx="1">
+            <a:schemeClr val="accent4"/>
+          </a:effectRef>
+          <a:fontRef idx="minor">
+            <a:schemeClr val="tx1"/>
+          </a:fontRef>
+        </p:style>
+      </p:cxnSp>
     </p:spTree>
     <p:extLst>
       <p:ext uri="{BB962C8B-B14F-4D97-AF65-F5344CB8AC3E}">
-        <p14:creationId xmlns:p14="http://schemas.microsoft.com/office/powerpoint/2010/main" val="1453677507"/>
+        <p14:creationId xmlns:p14="http://schemas.microsoft.com/office/powerpoint/2010/main" val="171825591"/>
       </p:ext>
     </p:extLst>
   </p:cSld>
@@ -40578,6 +42132,935 @@
       </p:grpSpPr>
       <p:sp>
         <p:nvSpPr>
+          <p:cNvPr id="19" name="Rectangle: Rounded Corners 18">
+            <a:extLst>
+              <a:ext uri="{FF2B5EF4-FFF2-40B4-BE49-F238E27FC236}">
+                <a16:creationId xmlns:a16="http://schemas.microsoft.com/office/drawing/2014/main" id="{63B16C67-4A99-4825-86E0-C0C4592F9A7A}"/>
+              </a:ext>
+            </a:extLst>
+          </p:cNvPr>
+          <p:cNvSpPr/>
+          <p:nvPr/>
+        </p:nvSpPr>
+        <p:spPr>
+          <a:xfrm>
+            <a:off x="339436" y="258126"/>
+            <a:ext cx="3556289" cy="2589849"/>
+          </a:xfrm>
+          <a:prstGeom prst="roundRect">
+            <a:avLst>
+              <a:gd name="adj" fmla="val 2347"/>
+            </a:avLst>
+          </a:prstGeom>
+        </p:spPr>
+        <p:style>
+          <a:lnRef idx="1">
+            <a:schemeClr val="accent3"/>
+          </a:lnRef>
+          <a:fillRef idx="2">
+            <a:schemeClr val="accent3"/>
+          </a:fillRef>
+          <a:effectRef idx="1">
+            <a:schemeClr val="accent3"/>
+          </a:effectRef>
+          <a:fontRef idx="minor">
+            <a:schemeClr val="dk1"/>
+          </a:fontRef>
+        </p:style>
+        <p:txBody>
+          <a:bodyPr rtlCol="0" anchor="t" anchorCtr="0">
+            <a:noAutofit/>
+          </a:bodyPr>
+          <a:lstStyle/>
+          <a:p>
+            <a:pPr algn="ctr"/>
+            <a:r>
+              <a:rPr lang="en-US" altLang="zh-CN" dirty="0">
+                <a:latin typeface="Berlin Sans FB Demi" panose="020E0802020502020306" pitchFamily="34" charset="0"/>
+              </a:rPr>
+              <a:t>stunpacket</a:t>
+            </a:r>
+          </a:p>
+        </p:txBody>
+      </p:sp>
+      <p:sp>
+        <p:nvSpPr>
+          <p:cNvPr id="2" name="TextBox 1">
+            <a:extLst>
+              <a:ext uri="{FF2B5EF4-FFF2-40B4-BE49-F238E27FC236}">
+                <a16:creationId xmlns:a16="http://schemas.microsoft.com/office/drawing/2014/main" id="{C53FA38D-2ACD-4A54-89B7-B7CDDE5715D1}"/>
+              </a:ext>
+            </a:extLst>
+          </p:cNvPr>
+          <p:cNvSpPr txBox="1"/>
+          <p:nvPr/>
+        </p:nvSpPr>
+        <p:spPr>
+          <a:xfrm>
+            <a:off x="3683726" y="4406537"/>
+            <a:ext cx="184731" cy="369332"/>
+          </a:xfrm>
+          <a:prstGeom prst="rect">
+            <a:avLst/>
+          </a:prstGeom>
+          <a:noFill/>
+        </p:spPr>
+        <p:txBody>
+          <a:bodyPr wrap="none" rtlCol="0">
+            <a:spAutoFit/>
+          </a:bodyPr>
+          <a:lstStyle/>
+          <a:p>
+            <a:endParaRPr lang="zh-CN" altLang="en-US" dirty="0"/>
+          </a:p>
+        </p:txBody>
+      </p:sp>
+      <p:sp>
+        <p:nvSpPr>
+          <p:cNvPr id="3" name="TextBox 2">
+            <a:extLst>
+              <a:ext uri="{FF2B5EF4-FFF2-40B4-BE49-F238E27FC236}">
+                <a16:creationId xmlns:a16="http://schemas.microsoft.com/office/drawing/2014/main" id="{C825C559-119B-43FB-8A43-5487C99BFC7F}"/>
+              </a:ext>
+            </a:extLst>
+          </p:cNvPr>
+          <p:cNvSpPr txBox="1"/>
+          <p:nvPr/>
+        </p:nvSpPr>
+        <p:spPr>
+          <a:xfrm>
+            <a:off x="2333897" y="4911634"/>
+            <a:ext cx="4970784" cy="1200329"/>
+          </a:xfrm>
+          <a:prstGeom prst="rect">
+            <a:avLst/>
+          </a:prstGeom>
+          <a:noFill/>
+        </p:spPr>
+        <p:txBody>
+          <a:bodyPr wrap="none" rtlCol="0">
+            <a:spAutoFit/>
+          </a:bodyPr>
+          <a:lstStyle/>
+          <a:p>
+            <a:r>
+              <a:rPr lang="en-US" altLang="zh-CN" dirty="0">
+                <a:latin typeface="Arial Black" panose="020B0A04020102020204" pitchFamily="34" charset="0"/>
+              </a:rPr>
+              <a:t>uint16_t _</a:t>
+            </a:r>
+            <a:r>
+              <a:rPr lang="en-US" altLang="zh-CN" dirty="0" err="1">
+                <a:latin typeface="Arial Black" panose="020B0A04020102020204" pitchFamily="34" charset="0"/>
+              </a:rPr>
+              <a:t>msgId</a:t>
+            </a:r>
+            <a:r>
+              <a:rPr lang="en-US" altLang="zh-CN" dirty="0">
+                <a:latin typeface="Arial Black" panose="020B0A04020102020204" pitchFamily="34" charset="0"/>
+              </a:rPr>
+              <a:t>;</a:t>
+            </a:r>
+          </a:p>
+          <a:p>
+            <a:r>
+              <a:rPr lang="en-US" altLang="zh-CN" dirty="0">
+                <a:latin typeface="Arial Black" panose="020B0A04020102020204" pitchFamily="34" charset="0"/>
+              </a:rPr>
+              <a:t>uint16_t _length;</a:t>
+            </a:r>
+          </a:p>
+          <a:p>
+            <a:r>
+              <a:rPr lang="en-US" altLang="zh-CN" dirty="0">
+                <a:latin typeface="Arial Black" panose="020B0A04020102020204" pitchFamily="34" charset="0"/>
+              </a:rPr>
+              <a:t>uint8_t  _</a:t>
+            </a:r>
+            <a:r>
+              <a:rPr lang="en-US" altLang="zh-CN" dirty="0" err="1">
+                <a:latin typeface="Arial Black" panose="020B0A04020102020204" pitchFamily="34" charset="0"/>
+              </a:rPr>
+              <a:t>transaionId</a:t>
+            </a:r>
+            <a:r>
+              <a:rPr lang="en-US" altLang="zh-CN" dirty="0">
+                <a:latin typeface="Arial Black" panose="020B0A04020102020204" pitchFamily="34" charset="0"/>
+              </a:rPr>
+              <a:t>;</a:t>
+            </a:r>
+          </a:p>
+          <a:p>
+            <a:r>
+              <a:rPr lang="en-US" altLang="zh-CN" dirty="0">
+                <a:latin typeface="Arial Black" panose="020B0A04020102020204" pitchFamily="34" charset="0"/>
+              </a:rPr>
+              <a:t>uint8_t   </a:t>
+            </a:r>
+            <a:r>
+              <a:rPr lang="en-US" altLang="zh-CN" dirty="0" err="1">
+                <a:latin typeface="Arial Black" panose="020B0A04020102020204" pitchFamily="34" charset="0"/>
+              </a:rPr>
+              <a:t>m_Attrs</a:t>
+            </a:r>
+            <a:r>
+              <a:rPr lang="en-US" altLang="zh-CN" dirty="0">
+                <a:latin typeface="Arial Black" panose="020B0A04020102020204" pitchFamily="34" charset="0"/>
+              </a:rPr>
+              <a:t>[</a:t>
+            </a:r>
+            <a:r>
+              <a:rPr lang="en-US" altLang="zh-CN" dirty="0" err="1">
+                <a:latin typeface="Arial Black" panose="020B0A04020102020204" pitchFamily="34" charset="0"/>
+              </a:rPr>
+              <a:t>sStunPacketLength</a:t>
+            </a:r>
+            <a:r>
+              <a:rPr lang="en-US" altLang="zh-CN" dirty="0">
+                <a:latin typeface="Arial Black" panose="020B0A04020102020204" pitchFamily="34" charset="0"/>
+              </a:rPr>
+              <a:t>];</a:t>
+            </a:r>
+            <a:endParaRPr lang="zh-CN" altLang="en-US" dirty="0">
+              <a:latin typeface="Arial Black" panose="020B0A04020102020204" pitchFamily="34" charset="0"/>
+            </a:endParaRPr>
+          </a:p>
+        </p:txBody>
+      </p:sp>
+    </p:spTree>
+    <p:extLst>
+      <p:ext uri="{BB962C8B-B14F-4D97-AF65-F5344CB8AC3E}">
+        <p14:creationId xmlns:p14="http://schemas.microsoft.com/office/powerpoint/2010/main" val="4027694186"/>
+      </p:ext>
+    </p:extLst>
+  </p:cSld>
+  <p:clrMapOvr>
+    <a:masterClrMapping/>
+  </p:clrMapOvr>
+</p:sld>
+</file>
+
+<file path=ppt/slides/slide44.xml><?xml version="1.0" encoding="utf-8"?>
+<p:sld xmlns:a="http://schemas.openxmlformats.org/drawingml/2006/main" xmlns:r="http://schemas.openxmlformats.org/officeDocument/2006/relationships" xmlns:p="http://schemas.openxmlformats.org/presentationml/2006/main">
+  <p:cSld>
+    <p:spTree>
+      <p:nvGrpSpPr>
+        <p:cNvPr id="1" name=""/>
+        <p:cNvGrpSpPr/>
+        <p:nvPr/>
+      </p:nvGrpSpPr>
+      <p:grpSpPr>
+        <a:xfrm>
+          <a:off x="0" y="0"/>
+          <a:ext cx="0" cy="0"/>
+          <a:chOff x="0" y="0"/>
+          <a:chExt cx="0" cy="0"/>
+        </a:xfrm>
+      </p:grpSpPr>
+      <p:sp>
+        <p:nvSpPr>
+          <p:cNvPr id="19" name="Rectangle: Rounded Corners 18">
+            <a:extLst>
+              <a:ext uri="{FF2B5EF4-FFF2-40B4-BE49-F238E27FC236}">
+                <a16:creationId xmlns:a16="http://schemas.microsoft.com/office/drawing/2014/main" id="{63B16C67-4A99-4825-86E0-C0C4592F9A7A}"/>
+              </a:ext>
+            </a:extLst>
+          </p:cNvPr>
+          <p:cNvSpPr/>
+          <p:nvPr/>
+        </p:nvSpPr>
+        <p:spPr>
+          <a:xfrm>
+            <a:off x="339436" y="258126"/>
+            <a:ext cx="3556289" cy="2589849"/>
+          </a:xfrm>
+          <a:prstGeom prst="roundRect">
+            <a:avLst>
+              <a:gd name="adj" fmla="val 2347"/>
+            </a:avLst>
+          </a:prstGeom>
+        </p:spPr>
+        <p:style>
+          <a:lnRef idx="1">
+            <a:schemeClr val="accent3"/>
+          </a:lnRef>
+          <a:fillRef idx="2">
+            <a:schemeClr val="accent3"/>
+          </a:fillRef>
+          <a:effectRef idx="1">
+            <a:schemeClr val="accent3"/>
+          </a:effectRef>
+          <a:fontRef idx="minor">
+            <a:schemeClr val="dk1"/>
+          </a:fontRef>
+        </p:style>
+        <p:txBody>
+          <a:bodyPr rtlCol="0" anchor="t" anchorCtr="0">
+            <a:noAutofit/>
+          </a:bodyPr>
+          <a:lstStyle/>
+          <a:p>
+            <a:pPr algn="ctr"/>
+            <a:r>
+              <a:rPr lang="en-US" altLang="zh-CN" dirty="0">
+                <a:latin typeface="Berlin Sans FB Demi" panose="020E0802020502020306" pitchFamily="34" charset="0"/>
+              </a:rPr>
+              <a:t>candidate</a:t>
+            </a:r>
+          </a:p>
+        </p:txBody>
+      </p:sp>
+      <p:sp>
+        <p:nvSpPr>
+          <p:cNvPr id="29" name="Rectangle: Rounded Corners 28">
+            <a:extLst>
+              <a:ext uri="{FF2B5EF4-FFF2-40B4-BE49-F238E27FC236}">
+                <a16:creationId xmlns:a16="http://schemas.microsoft.com/office/drawing/2014/main" id="{F6BDF21F-B86D-4F25-B7B8-DA75FED78400}"/>
+              </a:ext>
+            </a:extLst>
+          </p:cNvPr>
+          <p:cNvSpPr/>
+          <p:nvPr/>
+        </p:nvSpPr>
+        <p:spPr>
+          <a:xfrm>
+            <a:off x="339436" y="1136684"/>
+            <a:ext cx="3556289" cy="334986"/>
+          </a:xfrm>
+          <a:prstGeom prst="roundRect">
+            <a:avLst/>
+          </a:prstGeom>
+          <a:solidFill>
+            <a:schemeClr val="accent3">
+              <a:lumMod val="60000"/>
+              <a:lumOff val="40000"/>
+            </a:schemeClr>
+          </a:solidFill>
+          <a:ln>
+            <a:solidFill>
+              <a:schemeClr val="accent3">
+                <a:lumMod val="20000"/>
+                <a:lumOff val="80000"/>
+              </a:schemeClr>
+            </a:solidFill>
+          </a:ln>
+        </p:spPr>
+        <p:style>
+          <a:lnRef idx="2">
+            <a:schemeClr val="accent1">
+              <a:shade val="50000"/>
+            </a:schemeClr>
+          </a:lnRef>
+          <a:fillRef idx="1">
+            <a:schemeClr val="accent1"/>
+          </a:fillRef>
+          <a:effectRef idx="0">
+            <a:schemeClr val="accent1"/>
+          </a:effectRef>
+          <a:fontRef idx="minor">
+            <a:schemeClr val="lt1"/>
+          </a:fontRef>
+        </p:style>
+        <p:txBody>
+          <a:bodyPr rtlCol="0" anchor="ctr"/>
+          <a:lstStyle/>
+          <a:p>
+            <a:r>
+              <a:rPr lang="en-US" altLang="zh-CN" sz="1400" dirty="0">
+                <a:latin typeface="Arial Black" panose="020B0A04020102020204" pitchFamily="34" charset="0"/>
+              </a:rPr>
+              <a:t>virtual bool initialize() = 0</a:t>
+            </a:r>
+            <a:endParaRPr lang="zh-CN" altLang="en-US" sz="1400" dirty="0">
+              <a:latin typeface="Arial Black" panose="020B0A04020102020204" pitchFamily="34" charset="0"/>
+            </a:endParaRPr>
+          </a:p>
+        </p:txBody>
+      </p:sp>
+      <p:sp>
+        <p:nvSpPr>
+          <p:cNvPr id="33" name="Rectangle: Rounded Corners 32">
+            <a:extLst>
+              <a:ext uri="{FF2B5EF4-FFF2-40B4-BE49-F238E27FC236}">
+                <a16:creationId xmlns:a16="http://schemas.microsoft.com/office/drawing/2014/main" id="{5388E3C9-445F-4CBE-BFCE-D97AE2EC880C}"/>
+              </a:ext>
+            </a:extLst>
+          </p:cNvPr>
+          <p:cNvSpPr/>
+          <p:nvPr/>
+        </p:nvSpPr>
+        <p:spPr>
+          <a:xfrm>
+            <a:off x="339436" y="1517684"/>
+            <a:ext cx="3556289" cy="334986"/>
+          </a:xfrm>
+          <a:prstGeom prst="roundRect">
+            <a:avLst/>
+          </a:prstGeom>
+          <a:solidFill>
+            <a:schemeClr val="accent3">
+              <a:lumMod val="60000"/>
+              <a:lumOff val="40000"/>
+            </a:schemeClr>
+          </a:solidFill>
+          <a:ln>
+            <a:solidFill>
+              <a:schemeClr val="accent3">
+                <a:lumMod val="20000"/>
+                <a:lumOff val="80000"/>
+              </a:schemeClr>
+            </a:solidFill>
+          </a:ln>
+        </p:spPr>
+        <p:style>
+          <a:lnRef idx="2">
+            <a:schemeClr val="accent1">
+              <a:shade val="50000"/>
+            </a:schemeClr>
+          </a:lnRef>
+          <a:fillRef idx="1">
+            <a:schemeClr val="accent1"/>
+          </a:fillRef>
+          <a:effectRef idx="0">
+            <a:schemeClr val="accent1"/>
+          </a:effectRef>
+          <a:fontRef idx="minor">
+            <a:schemeClr val="lt1"/>
+          </a:fontRef>
+        </p:style>
+        <p:txBody>
+          <a:bodyPr rtlCol="0" anchor="ctr"/>
+          <a:lstStyle/>
+          <a:p>
+            <a:r>
+              <a:rPr lang="en-US" altLang="zh-CN" sz="1400" dirty="0">
+                <a:latin typeface="Arial Black" panose="020B0A04020102020204" pitchFamily="34" charset="0"/>
+              </a:rPr>
+              <a:t>std::string GetLocalIP()</a:t>
+            </a:r>
+            <a:endParaRPr lang="zh-CN" altLang="en-US" sz="1400" dirty="0">
+              <a:latin typeface="Arial Black" panose="020B0A04020102020204" pitchFamily="34" charset="0"/>
+            </a:endParaRPr>
+          </a:p>
+        </p:txBody>
+      </p:sp>
+      <p:sp>
+        <p:nvSpPr>
+          <p:cNvPr id="36" name="Rectangle: Rounded Corners 35">
+            <a:extLst>
+              <a:ext uri="{FF2B5EF4-FFF2-40B4-BE49-F238E27FC236}">
+                <a16:creationId xmlns:a16="http://schemas.microsoft.com/office/drawing/2014/main" id="{48BAE68C-A431-4B0D-886D-0018B65E8EEF}"/>
+              </a:ext>
+            </a:extLst>
+          </p:cNvPr>
+          <p:cNvSpPr/>
+          <p:nvPr/>
+        </p:nvSpPr>
+        <p:spPr>
+          <a:xfrm>
+            <a:off x="339436" y="1897936"/>
+            <a:ext cx="3556289" cy="334986"/>
+          </a:xfrm>
+          <a:prstGeom prst="roundRect">
+            <a:avLst/>
+          </a:prstGeom>
+          <a:solidFill>
+            <a:schemeClr val="accent3">
+              <a:lumMod val="60000"/>
+              <a:lumOff val="40000"/>
+            </a:schemeClr>
+          </a:solidFill>
+          <a:ln>
+            <a:solidFill>
+              <a:schemeClr val="accent3">
+                <a:lumMod val="20000"/>
+                <a:lumOff val="80000"/>
+              </a:schemeClr>
+            </a:solidFill>
+          </a:ln>
+        </p:spPr>
+        <p:style>
+          <a:lnRef idx="2">
+            <a:schemeClr val="accent1">
+              <a:shade val="50000"/>
+            </a:schemeClr>
+          </a:lnRef>
+          <a:fillRef idx="1">
+            <a:schemeClr val="accent1"/>
+          </a:fillRef>
+          <a:effectRef idx="0">
+            <a:schemeClr val="accent1"/>
+          </a:effectRef>
+          <a:fontRef idx="minor">
+            <a:schemeClr val="lt1"/>
+          </a:fontRef>
+        </p:style>
+        <p:txBody>
+          <a:bodyPr rtlCol="0" anchor="ctr"/>
+          <a:lstStyle/>
+          <a:p>
+            <a:r>
+              <a:rPr lang="en-US" altLang="zh-CN" sz="1400" dirty="0">
+                <a:latin typeface="Arial Black" panose="020B0A04020102020204" pitchFamily="34" charset="0"/>
+              </a:rPr>
+              <a:t>Int16_t GetLocalPort ()</a:t>
+            </a:r>
+            <a:endParaRPr lang="zh-CN" altLang="en-US" sz="1400" dirty="0">
+              <a:latin typeface="Arial Black" panose="020B0A04020102020204" pitchFamily="34" charset="0"/>
+            </a:endParaRPr>
+          </a:p>
+        </p:txBody>
+      </p:sp>
+      <p:sp>
+        <p:nvSpPr>
+          <p:cNvPr id="38" name="Rectangle: Rounded Corners 37">
+            <a:extLst>
+              <a:ext uri="{FF2B5EF4-FFF2-40B4-BE49-F238E27FC236}">
+                <a16:creationId xmlns:a16="http://schemas.microsoft.com/office/drawing/2014/main" id="{07162B93-8336-4D19-AD5E-3E2C8CA38A67}"/>
+              </a:ext>
+            </a:extLst>
+          </p:cNvPr>
+          <p:cNvSpPr/>
+          <p:nvPr/>
+        </p:nvSpPr>
+        <p:spPr>
+          <a:xfrm>
+            <a:off x="339436" y="2268284"/>
+            <a:ext cx="3556289" cy="334986"/>
+          </a:xfrm>
+          <a:prstGeom prst="roundRect">
+            <a:avLst/>
+          </a:prstGeom>
+          <a:solidFill>
+            <a:schemeClr val="accent3">
+              <a:lumMod val="60000"/>
+              <a:lumOff val="40000"/>
+            </a:schemeClr>
+          </a:solidFill>
+          <a:ln>
+            <a:solidFill>
+              <a:schemeClr val="accent3">
+                <a:lumMod val="20000"/>
+                <a:lumOff val="80000"/>
+              </a:schemeClr>
+            </a:solidFill>
+          </a:ln>
+        </p:spPr>
+        <p:style>
+          <a:lnRef idx="2">
+            <a:schemeClr val="accent1">
+              <a:shade val="50000"/>
+            </a:schemeClr>
+          </a:lnRef>
+          <a:fillRef idx="1">
+            <a:schemeClr val="accent1"/>
+          </a:fillRef>
+          <a:effectRef idx="0">
+            <a:schemeClr val="accent1"/>
+          </a:effectRef>
+          <a:fontRef idx="minor">
+            <a:schemeClr val="lt1"/>
+          </a:fontRef>
+        </p:style>
+        <p:txBody>
+          <a:bodyPr rtlCol="0" anchor="ctr"/>
+          <a:lstStyle/>
+          <a:p>
+            <a:r>
+              <a:rPr lang="en-US" altLang="zh-CN" sz="1400" dirty="0">
+                <a:latin typeface="Arial Black" panose="020B0A04020102020204" pitchFamily="34" charset="0"/>
+              </a:rPr>
+              <a:t>virtual bool initialize() = 0</a:t>
+            </a:r>
+            <a:endParaRPr lang="zh-CN" altLang="en-US" sz="1400" dirty="0">
+              <a:latin typeface="Arial Black" panose="020B0A04020102020204" pitchFamily="34" charset="0"/>
+            </a:endParaRPr>
+          </a:p>
+        </p:txBody>
+      </p:sp>
+    </p:spTree>
+    <p:extLst>
+      <p:ext uri="{BB962C8B-B14F-4D97-AF65-F5344CB8AC3E}">
+        <p14:creationId xmlns:p14="http://schemas.microsoft.com/office/powerpoint/2010/main" val="4200195582"/>
+      </p:ext>
+    </p:extLst>
+  </p:cSld>
+  <p:clrMapOvr>
+    <a:masterClrMapping/>
+  </p:clrMapOvr>
+</p:sld>
+</file>
+
+<file path=ppt/slides/slide45.xml><?xml version="1.0" encoding="utf-8"?>
+<p:sld xmlns:a="http://schemas.openxmlformats.org/drawingml/2006/main" xmlns:r="http://schemas.openxmlformats.org/officeDocument/2006/relationships" xmlns:p="http://schemas.openxmlformats.org/presentationml/2006/main">
+  <p:cSld>
+    <p:spTree>
+      <p:nvGrpSpPr>
+        <p:cNvPr id="1" name=""/>
+        <p:cNvGrpSpPr/>
+        <p:nvPr/>
+      </p:nvGrpSpPr>
+      <p:grpSpPr>
+        <a:xfrm>
+          <a:off x="0" y="0"/>
+          <a:ext cx="0" cy="0"/>
+          <a:chOff x="0" y="0"/>
+          <a:chExt cx="0" cy="0"/>
+        </a:xfrm>
+      </p:grpSpPr>
+      <p:sp>
+        <p:nvSpPr>
+          <p:cNvPr id="19" name="Rectangle: Rounded Corners 18">
+            <a:extLst>
+              <a:ext uri="{FF2B5EF4-FFF2-40B4-BE49-F238E27FC236}">
+                <a16:creationId xmlns:a16="http://schemas.microsoft.com/office/drawing/2014/main" id="{63B16C67-4A99-4825-86E0-C0C4592F9A7A}"/>
+              </a:ext>
+            </a:extLst>
+          </p:cNvPr>
+          <p:cNvSpPr/>
+          <p:nvPr/>
+        </p:nvSpPr>
+        <p:spPr>
+          <a:xfrm>
+            <a:off x="339436" y="258126"/>
+            <a:ext cx="3556289" cy="2589849"/>
+          </a:xfrm>
+          <a:prstGeom prst="roundRect">
+            <a:avLst>
+              <a:gd name="adj" fmla="val 2347"/>
+            </a:avLst>
+          </a:prstGeom>
+        </p:spPr>
+        <p:style>
+          <a:lnRef idx="1">
+            <a:schemeClr val="accent3"/>
+          </a:lnRef>
+          <a:fillRef idx="2">
+            <a:schemeClr val="accent3"/>
+          </a:fillRef>
+          <a:effectRef idx="1">
+            <a:schemeClr val="accent3"/>
+          </a:effectRef>
+          <a:fontRef idx="minor">
+            <a:schemeClr val="dk1"/>
+          </a:fontRef>
+        </p:style>
+        <p:txBody>
+          <a:bodyPr rtlCol="0" anchor="t" anchorCtr="0">
+            <a:noAutofit/>
+          </a:bodyPr>
+          <a:lstStyle/>
+          <a:p>
+            <a:pPr algn="ctr"/>
+            <a:r>
+              <a:rPr lang="en-US" altLang="zh-CN" dirty="0">
+                <a:latin typeface="Berlin Sans FB Demi" panose="020E0802020502020306" pitchFamily="34" charset="0"/>
+              </a:rPr>
+              <a:t>candidate</a:t>
+            </a:r>
+          </a:p>
+        </p:txBody>
+      </p:sp>
+      <p:sp>
+        <p:nvSpPr>
+          <p:cNvPr id="29" name="Rectangle: Rounded Corners 28">
+            <a:extLst>
+              <a:ext uri="{FF2B5EF4-FFF2-40B4-BE49-F238E27FC236}">
+                <a16:creationId xmlns:a16="http://schemas.microsoft.com/office/drawing/2014/main" id="{F6BDF21F-B86D-4F25-B7B8-DA75FED78400}"/>
+              </a:ext>
+            </a:extLst>
+          </p:cNvPr>
+          <p:cNvSpPr/>
+          <p:nvPr/>
+        </p:nvSpPr>
+        <p:spPr>
+          <a:xfrm>
+            <a:off x="339436" y="1136684"/>
+            <a:ext cx="3556289" cy="334986"/>
+          </a:xfrm>
+          <a:prstGeom prst="roundRect">
+            <a:avLst/>
+          </a:prstGeom>
+          <a:solidFill>
+            <a:schemeClr val="accent3">
+              <a:lumMod val="60000"/>
+              <a:lumOff val="40000"/>
+            </a:schemeClr>
+          </a:solidFill>
+          <a:ln>
+            <a:solidFill>
+              <a:schemeClr val="accent3">
+                <a:lumMod val="20000"/>
+                <a:lumOff val="80000"/>
+              </a:schemeClr>
+            </a:solidFill>
+          </a:ln>
+        </p:spPr>
+        <p:style>
+          <a:lnRef idx="2">
+            <a:schemeClr val="accent1">
+              <a:shade val="50000"/>
+            </a:schemeClr>
+          </a:lnRef>
+          <a:fillRef idx="1">
+            <a:schemeClr val="accent1"/>
+          </a:fillRef>
+          <a:effectRef idx="0">
+            <a:schemeClr val="accent1"/>
+          </a:effectRef>
+          <a:fontRef idx="minor">
+            <a:schemeClr val="lt1"/>
+          </a:fontRef>
+        </p:style>
+        <p:txBody>
+          <a:bodyPr rtlCol="0" anchor="ctr"/>
+          <a:lstStyle/>
+          <a:p>
+            <a:r>
+              <a:rPr lang="en-US" altLang="zh-CN" sz="1400" dirty="0">
+                <a:latin typeface="Arial Black" panose="020B0A04020102020204" pitchFamily="34" charset="0"/>
+              </a:rPr>
+              <a:t>virtual bool initialize() = 0</a:t>
+            </a:r>
+            <a:endParaRPr lang="zh-CN" altLang="en-US" sz="1400" dirty="0">
+              <a:latin typeface="Arial Black" panose="020B0A04020102020204" pitchFamily="34" charset="0"/>
+            </a:endParaRPr>
+          </a:p>
+        </p:txBody>
+      </p:sp>
+      <p:sp>
+        <p:nvSpPr>
+          <p:cNvPr id="33" name="Rectangle: Rounded Corners 32">
+            <a:extLst>
+              <a:ext uri="{FF2B5EF4-FFF2-40B4-BE49-F238E27FC236}">
+                <a16:creationId xmlns:a16="http://schemas.microsoft.com/office/drawing/2014/main" id="{5388E3C9-445F-4CBE-BFCE-D97AE2EC880C}"/>
+              </a:ext>
+            </a:extLst>
+          </p:cNvPr>
+          <p:cNvSpPr/>
+          <p:nvPr/>
+        </p:nvSpPr>
+        <p:spPr>
+          <a:xfrm>
+            <a:off x="339436" y="1517684"/>
+            <a:ext cx="3556289" cy="334986"/>
+          </a:xfrm>
+          <a:prstGeom prst="roundRect">
+            <a:avLst/>
+          </a:prstGeom>
+          <a:solidFill>
+            <a:schemeClr val="accent3">
+              <a:lumMod val="60000"/>
+              <a:lumOff val="40000"/>
+            </a:schemeClr>
+          </a:solidFill>
+          <a:ln>
+            <a:solidFill>
+              <a:schemeClr val="accent3">
+                <a:lumMod val="20000"/>
+                <a:lumOff val="80000"/>
+              </a:schemeClr>
+            </a:solidFill>
+          </a:ln>
+        </p:spPr>
+        <p:style>
+          <a:lnRef idx="2">
+            <a:schemeClr val="accent1">
+              <a:shade val="50000"/>
+            </a:schemeClr>
+          </a:lnRef>
+          <a:fillRef idx="1">
+            <a:schemeClr val="accent1"/>
+          </a:fillRef>
+          <a:effectRef idx="0">
+            <a:schemeClr val="accent1"/>
+          </a:effectRef>
+          <a:fontRef idx="minor">
+            <a:schemeClr val="lt1"/>
+          </a:fontRef>
+        </p:style>
+        <p:txBody>
+          <a:bodyPr rtlCol="0" anchor="ctr"/>
+          <a:lstStyle/>
+          <a:p>
+            <a:r>
+              <a:rPr lang="en-US" altLang="zh-CN" sz="1400" dirty="0">
+                <a:latin typeface="Arial Black" panose="020B0A04020102020204" pitchFamily="34" charset="0"/>
+              </a:rPr>
+              <a:t>std::string GetLocalIP()</a:t>
+            </a:r>
+            <a:endParaRPr lang="zh-CN" altLang="en-US" sz="1400" dirty="0">
+              <a:latin typeface="Arial Black" panose="020B0A04020102020204" pitchFamily="34" charset="0"/>
+            </a:endParaRPr>
+          </a:p>
+        </p:txBody>
+      </p:sp>
+      <p:sp>
+        <p:nvSpPr>
+          <p:cNvPr id="36" name="Rectangle: Rounded Corners 35">
+            <a:extLst>
+              <a:ext uri="{FF2B5EF4-FFF2-40B4-BE49-F238E27FC236}">
+                <a16:creationId xmlns:a16="http://schemas.microsoft.com/office/drawing/2014/main" id="{48BAE68C-A431-4B0D-886D-0018B65E8EEF}"/>
+              </a:ext>
+            </a:extLst>
+          </p:cNvPr>
+          <p:cNvSpPr/>
+          <p:nvPr/>
+        </p:nvSpPr>
+        <p:spPr>
+          <a:xfrm>
+            <a:off x="339436" y="1897936"/>
+            <a:ext cx="3556289" cy="334986"/>
+          </a:xfrm>
+          <a:prstGeom prst="roundRect">
+            <a:avLst/>
+          </a:prstGeom>
+          <a:solidFill>
+            <a:schemeClr val="accent3">
+              <a:lumMod val="60000"/>
+              <a:lumOff val="40000"/>
+            </a:schemeClr>
+          </a:solidFill>
+          <a:ln>
+            <a:solidFill>
+              <a:schemeClr val="accent3">
+                <a:lumMod val="20000"/>
+                <a:lumOff val="80000"/>
+              </a:schemeClr>
+            </a:solidFill>
+          </a:ln>
+        </p:spPr>
+        <p:style>
+          <a:lnRef idx="2">
+            <a:schemeClr val="accent1">
+              <a:shade val="50000"/>
+            </a:schemeClr>
+          </a:lnRef>
+          <a:fillRef idx="1">
+            <a:schemeClr val="accent1"/>
+          </a:fillRef>
+          <a:effectRef idx="0">
+            <a:schemeClr val="accent1"/>
+          </a:effectRef>
+          <a:fontRef idx="minor">
+            <a:schemeClr val="lt1"/>
+          </a:fontRef>
+        </p:style>
+        <p:txBody>
+          <a:bodyPr rtlCol="0" anchor="ctr"/>
+          <a:lstStyle/>
+          <a:p>
+            <a:r>
+              <a:rPr lang="en-US" altLang="zh-CN" sz="1400" dirty="0">
+                <a:latin typeface="Arial Black" panose="020B0A04020102020204" pitchFamily="34" charset="0"/>
+              </a:rPr>
+              <a:t>Int16_t GetLocalPort ()</a:t>
+            </a:r>
+            <a:endParaRPr lang="zh-CN" altLang="en-US" sz="1400" dirty="0">
+              <a:latin typeface="Arial Black" panose="020B0A04020102020204" pitchFamily="34" charset="0"/>
+            </a:endParaRPr>
+          </a:p>
+        </p:txBody>
+      </p:sp>
+      <p:sp>
+        <p:nvSpPr>
+          <p:cNvPr id="38" name="Rectangle: Rounded Corners 37">
+            <a:extLst>
+              <a:ext uri="{FF2B5EF4-FFF2-40B4-BE49-F238E27FC236}">
+                <a16:creationId xmlns:a16="http://schemas.microsoft.com/office/drawing/2014/main" id="{07162B93-8336-4D19-AD5E-3E2C8CA38A67}"/>
+              </a:ext>
+            </a:extLst>
+          </p:cNvPr>
+          <p:cNvSpPr/>
+          <p:nvPr/>
+        </p:nvSpPr>
+        <p:spPr>
+          <a:xfrm>
+            <a:off x="339436" y="2268284"/>
+            <a:ext cx="3556289" cy="334986"/>
+          </a:xfrm>
+          <a:prstGeom prst="roundRect">
+            <a:avLst/>
+          </a:prstGeom>
+          <a:solidFill>
+            <a:schemeClr val="accent3">
+              <a:lumMod val="60000"/>
+              <a:lumOff val="40000"/>
+            </a:schemeClr>
+          </a:solidFill>
+          <a:ln>
+            <a:solidFill>
+              <a:schemeClr val="accent3">
+                <a:lumMod val="20000"/>
+                <a:lumOff val="80000"/>
+              </a:schemeClr>
+            </a:solidFill>
+          </a:ln>
+        </p:spPr>
+        <p:style>
+          <a:lnRef idx="2">
+            <a:schemeClr val="accent1">
+              <a:shade val="50000"/>
+            </a:schemeClr>
+          </a:lnRef>
+          <a:fillRef idx="1">
+            <a:schemeClr val="accent1"/>
+          </a:fillRef>
+          <a:effectRef idx="0">
+            <a:schemeClr val="accent1"/>
+          </a:effectRef>
+          <a:fontRef idx="minor">
+            <a:schemeClr val="lt1"/>
+          </a:fontRef>
+        </p:style>
+        <p:txBody>
+          <a:bodyPr rtlCol="0" anchor="ctr"/>
+          <a:lstStyle/>
+          <a:p>
+            <a:r>
+              <a:rPr lang="en-US" altLang="zh-CN" sz="1400" dirty="0">
+                <a:latin typeface="Arial Black" panose="020B0A04020102020204" pitchFamily="34" charset="0"/>
+              </a:rPr>
+              <a:t>virtual bool initialize() = 0</a:t>
+            </a:r>
+            <a:endParaRPr lang="zh-CN" altLang="en-US" sz="1400" dirty="0">
+              <a:latin typeface="Arial Black" panose="020B0A04020102020204" pitchFamily="34" charset="0"/>
+            </a:endParaRPr>
+          </a:p>
+        </p:txBody>
+      </p:sp>
+    </p:spTree>
+    <p:extLst>
+      <p:ext uri="{BB962C8B-B14F-4D97-AF65-F5344CB8AC3E}">
+        <p14:creationId xmlns:p14="http://schemas.microsoft.com/office/powerpoint/2010/main" val="1453677507"/>
+      </p:ext>
+    </p:extLst>
+  </p:cSld>
+  <p:clrMapOvr>
+    <a:masterClrMapping/>
+  </p:clrMapOvr>
+</p:sld>
+</file>
+
+<file path=ppt/slides/slide46.xml><?xml version="1.0" encoding="utf-8"?>
+<p:sld xmlns:a="http://schemas.openxmlformats.org/drawingml/2006/main" xmlns:r="http://schemas.openxmlformats.org/officeDocument/2006/relationships" xmlns:p="http://schemas.openxmlformats.org/presentationml/2006/main">
+  <p:cSld>
+    <p:spTree>
+      <p:nvGrpSpPr>
+        <p:cNvPr id="1" name=""/>
+        <p:cNvGrpSpPr/>
+        <p:nvPr/>
+      </p:nvGrpSpPr>
+      <p:grpSpPr>
+        <a:xfrm>
+          <a:off x="0" y="0"/>
+          <a:ext cx="0" cy="0"/>
+          <a:chOff x="0" y="0"/>
+          <a:chExt cx="0" cy="0"/>
+        </a:xfrm>
+      </p:grpSpPr>
+      <p:sp>
+        <p:nvSpPr>
           <p:cNvPr id="21" name="Rectangle: Rounded Corners 20">
             <a:extLst>
               <a:ext uri="{FF2B5EF4-FFF2-40B4-BE49-F238E27FC236}">
@@ -40907,7 +43390,7 @@
 </p:sld>
 </file>
 
-<file path=ppt/slides/slide44.xml><?xml version="1.0" encoding="utf-8"?>
+<file path=ppt/slides/slide47.xml><?xml version="1.0" encoding="utf-8"?>
 <p:sld xmlns:a="http://schemas.openxmlformats.org/drawingml/2006/main" xmlns:r="http://schemas.openxmlformats.org/officeDocument/2006/relationships" xmlns:p="http://schemas.openxmlformats.org/presentationml/2006/main">
   <p:cSld>
     <p:spTree>

--- a/docs.pptx
+++ b/docs.pptx
@@ -5,10 +5,10 @@
     <p:sldMasterId id="2147483648" r:id="rId1"/>
   </p:sldMasterIdLst>
   <p:notesMasterIdLst>
-    <p:notesMasterId r:id="rId49"/>
+    <p:notesMasterId r:id="rId51"/>
   </p:notesMasterIdLst>
   <p:handoutMasterIdLst>
-    <p:handoutMasterId r:id="rId50"/>
+    <p:handoutMasterId r:id="rId52"/>
   </p:handoutMasterIdLst>
   <p:sldIdLst>
     <p:sldId id="293" r:id="rId2"/>
@@ -57,7 +57,9 @@
     <p:sldId id="322" r:id="rId45"/>
     <p:sldId id="316" r:id="rId46"/>
     <p:sldId id="313" r:id="rId47"/>
-    <p:sldId id="312" r:id="rId48"/>
+    <p:sldId id="324" r:id="rId48"/>
+    <p:sldId id="312" r:id="rId49"/>
+    <p:sldId id="323" r:id="rId50"/>
   </p:sldIdLst>
   <p:sldSz cx="12192000" cy="6858000"/>
   <p:notesSz cx="6858000" cy="9144000"/>
@@ -4596,7 +4598,221 @@
     </p:spTree>
     <p:extLst>
       <p:ext uri="{BB962C8B-B14F-4D97-AF65-F5344CB8AC3E}">
+        <p14:creationId xmlns:p14="http://schemas.microsoft.com/office/powerpoint/2010/main" val="427837296"/>
+      </p:ext>
+    </p:extLst>
+  </p:cSld>
+  <p:clrMapOvr>
+    <a:masterClrMapping/>
+  </p:clrMapOvr>
+</p:notes>
+</file>
+
+<file path=ppt/notesSlides/notesSlide42.xml><?xml version="1.0" encoding="utf-8"?>
+<p:notes xmlns:a="http://schemas.openxmlformats.org/drawingml/2006/main" xmlns:r="http://schemas.openxmlformats.org/officeDocument/2006/relationships" xmlns:p="http://schemas.openxmlformats.org/presentationml/2006/main">
+  <p:cSld>
+    <p:spTree>
+      <p:nvGrpSpPr>
+        <p:cNvPr id="1" name=""/>
+        <p:cNvGrpSpPr/>
+        <p:nvPr/>
+      </p:nvGrpSpPr>
+      <p:grpSpPr>
+        <a:xfrm>
+          <a:off x="0" y="0"/>
+          <a:ext cx="0" cy="0"/>
+          <a:chOff x="0" y="0"/>
+          <a:chExt cx="0" cy="0"/>
+        </a:xfrm>
+      </p:grpSpPr>
+      <p:sp>
+        <p:nvSpPr>
+          <p:cNvPr id="2" name="Slide Image Placeholder 1"/>
+          <p:cNvSpPr>
+            <a:spLocks noGrp="1" noRot="1" noChangeAspect="1"/>
+          </p:cNvSpPr>
+          <p:nvPr>
+            <p:ph type="sldImg"/>
+          </p:nvPr>
+        </p:nvSpPr>
+        <p:spPr/>
+      </p:sp>
+      <p:sp>
+        <p:nvSpPr>
+          <p:cNvPr id="3" name="Notes Placeholder 2"/>
+          <p:cNvSpPr>
+            <a:spLocks noGrp="1"/>
+          </p:cNvSpPr>
+          <p:nvPr>
+            <p:ph type="body" idx="1"/>
+          </p:nvPr>
+        </p:nvSpPr>
+        <p:spPr/>
+        <p:txBody>
+          <a:bodyPr/>
+          <a:lstStyle/>
+          <a:p>
+            <a:pPr marL="0" marR="0" lvl="0" indent="0" algn="l" defTabSz="914400" rtl="0" eaLnBrk="1" fontAlgn="auto" latinLnBrk="0" hangingPunct="1">
+              <a:lnSpc>
+                <a:spcPct val="100000"/>
+              </a:lnSpc>
+              <a:spcBef>
+                <a:spcPts val="0"/>
+              </a:spcBef>
+              <a:spcAft>
+                <a:spcPts val="0"/>
+              </a:spcAft>
+              <a:buClrTx/>
+              <a:buSzTx/>
+              <a:buFontTx/>
+              <a:buNone/>
+              <a:tabLst/>
+              <a:defRPr/>
+            </a:pPr>
+            <a:endParaRPr lang="en-US" altLang="zh-CN" dirty="0"/>
+          </a:p>
+        </p:txBody>
+      </p:sp>
+      <p:sp>
+        <p:nvSpPr>
+          <p:cNvPr id="5" name="Header Placeholder 4">
+            <a:extLst>
+              <a:ext uri="{FF2B5EF4-FFF2-40B4-BE49-F238E27FC236}">
+                <a16:creationId xmlns:a16="http://schemas.microsoft.com/office/drawing/2014/main" id="{8B210C9E-C718-46D6-ABB0-7C4CD2082A98}"/>
+              </a:ext>
+            </a:extLst>
+          </p:cNvPr>
+          <p:cNvSpPr>
+            <a:spLocks noGrp="1"/>
+          </p:cNvSpPr>
+          <p:nvPr>
+            <p:ph type="hdr" sz="quarter" idx="10"/>
+          </p:nvPr>
+        </p:nvSpPr>
+        <p:spPr/>
+        <p:txBody>
+          <a:bodyPr/>
+          <a:lstStyle/>
+          <a:p>
+            <a:r>
+              <a:rPr lang="en-US" altLang="zh-CN"/>
+              <a:t>USE CASE</a:t>
+            </a:r>
+            <a:endParaRPr lang="zh-CN" altLang="en-US"/>
+          </a:p>
+        </p:txBody>
+      </p:sp>
+    </p:spTree>
+    <p:extLst>
+      <p:ext uri="{BB962C8B-B14F-4D97-AF65-F5344CB8AC3E}">
         <p14:creationId xmlns:p14="http://schemas.microsoft.com/office/powerpoint/2010/main" val="2496081276"/>
+      </p:ext>
+    </p:extLst>
+  </p:cSld>
+  <p:clrMapOvr>
+    <a:masterClrMapping/>
+  </p:clrMapOvr>
+</p:notes>
+</file>
+
+<file path=ppt/notesSlides/notesSlide43.xml><?xml version="1.0" encoding="utf-8"?>
+<p:notes xmlns:a="http://schemas.openxmlformats.org/drawingml/2006/main" xmlns:r="http://schemas.openxmlformats.org/officeDocument/2006/relationships" xmlns:p="http://schemas.openxmlformats.org/presentationml/2006/main">
+  <p:cSld>
+    <p:spTree>
+      <p:nvGrpSpPr>
+        <p:cNvPr id="1" name=""/>
+        <p:cNvGrpSpPr/>
+        <p:nvPr/>
+      </p:nvGrpSpPr>
+      <p:grpSpPr>
+        <a:xfrm>
+          <a:off x="0" y="0"/>
+          <a:ext cx="0" cy="0"/>
+          <a:chOff x="0" y="0"/>
+          <a:chExt cx="0" cy="0"/>
+        </a:xfrm>
+      </p:grpSpPr>
+      <p:sp>
+        <p:nvSpPr>
+          <p:cNvPr id="2" name="Slide Image Placeholder 1"/>
+          <p:cNvSpPr>
+            <a:spLocks noGrp="1" noRot="1" noChangeAspect="1"/>
+          </p:cNvSpPr>
+          <p:nvPr>
+            <p:ph type="sldImg"/>
+          </p:nvPr>
+        </p:nvSpPr>
+        <p:spPr/>
+      </p:sp>
+      <p:sp>
+        <p:nvSpPr>
+          <p:cNvPr id="3" name="Notes Placeholder 2"/>
+          <p:cNvSpPr>
+            <a:spLocks noGrp="1"/>
+          </p:cNvSpPr>
+          <p:nvPr>
+            <p:ph type="body" idx="1"/>
+          </p:nvPr>
+        </p:nvSpPr>
+        <p:spPr/>
+        <p:txBody>
+          <a:bodyPr/>
+          <a:lstStyle/>
+          <a:p>
+            <a:pPr marL="0" marR="0" lvl="0" indent="0" algn="l" defTabSz="914400" rtl="0" eaLnBrk="1" fontAlgn="auto" latinLnBrk="0" hangingPunct="1">
+              <a:lnSpc>
+                <a:spcPct val="100000"/>
+              </a:lnSpc>
+              <a:spcBef>
+                <a:spcPts val="0"/>
+              </a:spcBef>
+              <a:spcAft>
+                <a:spcPts val="0"/>
+              </a:spcAft>
+              <a:buClrTx/>
+              <a:buSzTx/>
+              <a:buFontTx/>
+              <a:buNone/>
+              <a:tabLst/>
+              <a:defRPr/>
+            </a:pPr>
+            <a:endParaRPr lang="en-US" altLang="zh-CN" dirty="0"/>
+          </a:p>
+        </p:txBody>
+      </p:sp>
+      <p:sp>
+        <p:nvSpPr>
+          <p:cNvPr id="5" name="Header Placeholder 4">
+            <a:extLst>
+              <a:ext uri="{FF2B5EF4-FFF2-40B4-BE49-F238E27FC236}">
+                <a16:creationId xmlns:a16="http://schemas.microsoft.com/office/drawing/2014/main" id="{8B210C9E-C718-46D6-ABB0-7C4CD2082A98}"/>
+              </a:ext>
+            </a:extLst>
+          </p:cNvPr>
+          <p:cNvSpPr>
+            <a:spLocks noGrp="1"/>
+          </p:cNvSpPr>
+          <p:nvPr>
+            <p:ph type="hdr" sz="quarter" idx="10"/>
+          </p:nvPr>
+        </p:nvSpPr>
+        <p:spPr/>
+        <p:txBody>
+          <a:bodyPr/>
+          <a:lstStyle/>
+          <a:p>
+            <a:r>
+              <a:rPr lang="en-US" altLang="zh-CN"/>
+              <a:t>USE CASE</a:t>
+            </a:r>
+            <a:endParaRPr lang="zh-CN" altLang="en-US"/>
+          </a:p>
+        </p:txBody>
+      </p:sp>
+    </p:spTree>
+    <p:extLst>
+      <p:ext uri="{BB962C8B-B14F-4D97-AF65-F5344CB8AC3E}">
+        <p14:creationId xmlns:p14="http://schemas.microsoft.com/office/powerpoint/2010/main" val="4288107193"/>
       </p:ext>
     </p:extLst>
   </p:cSld>
@@ -5283,7 +5499,7 @@
           <a:p>
             <a:fld id="{B2CAF260-C6E5-43C1-AB7D-1DDC31487812}" type="datetime1">
               <a:rPr lang="zh-CN" altLang="en-US" smtClean="0"/>
-              <a:t>2018/11/7</a:t>
+              <a:t>2018/11/16</a:t>
             </a:fld>
             <a:endParaRPr lang="zh-CN" altLang="en-US"/>
           </a:p>
@@ -5483,7 +5699,7 @@
           <a:p>
             <a:fld id="{E2FDE29B-B267-43B7-911F-8B7B5178DAAA}" type="datetime1">
               <a:rPr lang="zh-CN" altLang="en-US" smtClean="0"/>
-              <a:t>2018/11/7</a:t>
+              <a:t>2018/11/16</a:t>
             </a:fld>
             <a:endParaRPr lang="zh-CN" altLang="en-US"/>
           </a:p>
@@ -5693,7 +5909,7 @@
           <a:p>
             <a:fld id="{58F69AEE-EBB5-4094-A036-258B6CD5A691}" type="datetime1">
               <a:rPr lang="zh-CN" altLang="en-US" smtClean="0"/>
-              <a:t>2018/11/7</a:t>
+              <a:t>2018/11/16</a:t>
             </a:fld>
             <a:endParaRPr lang="zh-CN" altLang="en-US"/>
           </a:p>
@@ -5893,7 +6109,7 @@
           <a:p>
             <a:fld id="{EA0C55B6-15F8-47F2-BA17-6667D0884E94}" type="datetime1">
               <a:rPr lang="zh-CN" altLang="en-US" smtClean="0"/>
-              <a:t>2018/11/7</a:t>
+              <a:t>2018/11/16</a:t>
             </a:fld>
             <a:endParaRPr lang="zh-CN" altLang="en-US"/>
           </a:p>
@@ -6169,7 +6385,7 @@
           <a:p>
             <a:fld id="{E16475AB-DF1D-43B5-9314-A34969FDFCF1}" type="datetime1">
               <a:rPr lang="zh-CN" altLang="en-US" smtClean="0"/>
-              <a:t>2018/11/7</a:t>
+              <a:t>2018/11/16</a:t>
             </a:fld>
             <a:endParaRPr lang="zh-CN" altLang="en-US"/>
           </a:p>
@@ -6437,7 +6653,7 @@
           <a:p>
             <a:fld id="{3767A592-7E27-4E7D-A9C7-3B15B36FAD3A}" type="datetime1">
               <a:rPr lang="zh-CN" altLang="en-US" smtClean="0"/>
-              <a:t>2018/11/7</a:t>
+              <a:t>2018/11/16</a:t>
             </a:fld>
             <a:endParaRPr lang="zh-CN" altLang="en-US"/>
           </a:p>
@@ -6852,7 +7068,7 @@
           <a:p>
             <a:fld id="{7901F99E-C60E-4183-B8FD-840AF5CE3B57}" type="datetime1">
               <a:rPr lang="zh-CN" altLang="en-US" smtClean="0"/>
-              <a:t>2018/11/7</a:t>
+              <a:t>2018/11/16</a:t>
             </a:fld>
             <a:endParaRPr lang="zh-CN" altLang="en-US"/>
           </a:p>
@@ -6994,7 +7210,7 @@
           <a:p>
             <a:fld id="{7B195C80-D524-46BD-98B6-BA22A34855F7}" type="datetime1">
               <a:rPr lang="zh-CN" altLang="en-US" smtClean="0"/>
-              <a:t>2018/11/7</a:t>
+              <a:t>2018/11/16</a:t>
             </a:fld>
             <a:endParaRPr lang="zh-CN" altLang="en-US"/>
           </a:p>
@@ -7107,7 +7323,7 @@
           <a:p>
             <a:fld id="{B58FE623-1036-4545-9983-CC7ABA14B150}" type="datetime1">
               <a:rPr lang="zh-CN" altLang="en-US" smtClean="0"/>
-              <a:t>2018/11/7</a:t>
+              <a:t>2018/11/16</a:t>
             </a:fld>
             <a:endParaRPr lang="zh-CN" altLang="en-US"/>
           </a:p>
@@ -7420,7 +7636,7 @@
           <a:p>
             <a:fld id="{CA65BC31-ADFA-4939-ADF1-A57605AB2556}" type="datetime1">
               <a:rPr lang="zh-CN" altLang="en-US" smtClean="0"/>
-              <a:t>2018/11/7</a:t>
+              <a:t>2018/11/16</a:t>
             </a:fld>
             <a:endParaRPr lang="zh-CN" altLang="en-US"/>
           </a:p>
@@ -7709,7 +7925,7 @@
           <a:p>
             <a:fld id="{40F03ED0-6E5F-48BB-90A8-AD1EC3E9AF09}" type="datetime1">
               <a:rPr lang="zh-CN" altLang="en-US" smtClean="0"/>
-              <a:t>2018/11/7</a:t>
+              <a:t>2018/11/16</a:t>
             </a:fld>
             <a:endParaRPr lang="zh-CN" altLang="en-US"/>
           </a:p>
@@ -7952,7 +8168,7 @@
           <a:p>
             <a:fld id="{7BE51BE7-2DB2-422B-A0F1-EEC574E16519}" type="datetime1">
               <a:rPr lang="zh-CN" altLang="en-US" smtClean="0"/>
-              <a:t>2018/11/7</a:t>
+              <a:t>2018/11/16</a:t>
             </a:fld>
             <a:endParaRPr lang="zh-CN" altLang="en-US"/>
           </a:p>
@@ -43409,6 +43625,513 @@
       </p:grpSpPr>
       <p:sp>
         <p:nvSpPr>
+          <p:cNvPr id="21" name="Rectangle: Rounded Corners 20">
+            <a:extLst>
+              <a:ext uri="{FF2B5EF4-FFF2-40B4-BE49-F238E27FC236}">
+                <a16:creationId xmlns:a16="http://schemas.microsoft.com/office/drawing/2014/main" id="{F65B2436-1F20-4286-82EE-90A01FBFBCF1}"/>
+              </a:ext>
+            </a:extLst>
+          </p:cNvPr>
+          <p:cNvSpPr/>
+          <p:nvPr/>
+        </p:nvSpPr>
+        <p:spPr>
+          <a:xfrm>
+            <a:off x="8795317" y="121480"/>
+            <a:ext cx="1654833" cy="408623"/>
+          </a:xfrm>
+          <a:prstGeom prst="roundRect">
+            <a:avLst/>
+          </a:prstGeom>
+        </p:spPr>
+        <p:style>
+          <a:lnRef idx="1">
+            <a:schemeClr val="accent3"/>
+          </a:lnRef>
+          <a:fillRef idx="2">
+            <a:schemeClr val="accent3"/>
+          </a:fillRef>
+          <a:effectRef idx="1">
+            <a:schemeClr val="accent3"/>
+          </a:effectRef>
+          <a:fontRef idx="minor">
+            <a:schemeClr val="dk1"/>
+          </a:fontRef>
+        </p:style>
+        <p:txBody>
+          <a:bodyPr rtlCol="0" anchor="ctr">
+            <a:spAutoFit/>
+          </a:bodyPr>
+          <a:lstStyle/>
+          <a:p>
+            <a:r>
+              <a:rPr lang="en-US" altLang="zh-CN" dirty="0">
+                <a:latin typeface="Berlin Sans FB Demi" panose="020E0802020502020306" pitchFamily="34" charset="0"/>
+              </a:rPr>
+              <a:t>UDP mode</a:t>
+            </a:r>
+            <a:endParaRPr lang="zh-CN" altLang="en-US" dirty="0">
+              <a:latin typeface="Berlin Sans FB Demi" panose="020E0802020502020306" pitchFamily="34" charset="0"/>
+            </a:endParaRPr>
+          </a:p>
+        </p:txBody>
+      </p:sp>
+      <p:sp>
+        <p:nvSpPr>
+          <p:cNvPr id="39" name="Rectangle: Rounded Corners 38">
+            <a:extLst>
+              <a:ext uri="{FF2B5EF4-FFF2-40B4-BE49-F238E27FC236}">
+                <a16:creationId xmlns:a16="http://schemas.microsoft.com/office/drawing/2014/main" id="{D8B6EF3A-85A8-46F3-9DDB-B2A0CB7E9198}"/>
+              </a:ext>
+            </a:extLst>
+          </p:cNvPr>
+          <p:cNvSpPr/>
+          <p:nvPr/>
+        </p:nvSpPr>
+        <p:spPr>
+          <a:xfrm>
+            <a:off x="8795317" y="1347429"/>
+            <a:ext cx="2762805" cy="408623"/>
+          </a:xfrm>
+          <a:prstGeom prst="roundRect">
+            <a:avLst/>
+          </a:prstGeom>
+        </p:spPr>
+        <p:style>
+          <a:lnRef idx="1">
+            <a:schemeClr val="accent3"/>
+          </a:lnRef>
+          <a:fillRef idx="2">
+            <a:schemeClr val="accent3"/>
+          </a:fillRef>
+          <a:effectRef idx="1">
+            <a:schemeClr val="accent3"/>
+          </a:effectRef>
+          <a:fontRef idx="minor">
+            <a:schemeClr val="dk1"/>
+          </a:fontRef>
+        </p:style>
+        <p:txBody>
+          <a:bodyPr rtlCol="0" anchor="ctr">
+            <a:spAutoFit/>
+          </a:bodyPr>
+          <a:lstStyle/>
+          <a:p>
+            <a:pPr algn="ctr"/>
+            <a:r>
+              <a:rPr lang="en-US" altLang="zh-CN" dirty="0">
+                <a:latin typeface="Berlin Sans FB Demi" panose="020E0802020502020306" pitchFamily="34" charset="0"/>
+              </a:rPr>
+              <a:t>HOST with TCP mode</a:t>
+            </a:r>
+            <a:endParaRPr lang="zh-CN" altLang="en-US" dirty="0">
+              <a:latin typeface="Berlin Sans FB Demi" panose="020E0802020502020306" pitchFamily="34" charset="0"/>
+            </a:endParaRPr>
+          </a:p>
+        </p:txBody>
+      </p:sp>
+      <p:sp>
+        <p:nvSpPr>
+          <p:cNvPr id="41" name="Rectangle: Rounded Corners 40">
+            <a:extLst>
+              <a:ext uri="{FF2B5EF4-FFF2-40B4-BE49-F238E27FC236}">
+                <a16:creationId xmlns:a16="http://schemas.microsoft.com/office/drawing/2014/main" id="{0FBA3F69-7837-4CA3-8D35-6D3B0B2231BB}"/>
+              </a:ext>
+            </a:extLst>
+          </p:cNvPr>
+          <p:cNvSpPr/>
+          <p:nvPr/>
+        </p:nvSpPr>
+        <p:spPr>
+          <a:xfrm>
+            <a:off x="8795317" y="1858247"/>
+            <a:ext cx="1886898" cy="408623"/>
+          </a:xfrm>
+          <a:prstGeom prst="roundRect">
+            <a:avLst/>
+          </a:prstGeom>
+        </p:spPr>
+        <p:style>
+          <a:lnRef idx="1">
+            <a:schemeClr val="accent3"/>
+          </a:lnRef>
+          <a:fillRef idx="2">
+            <a:schemeClr val="accent3"/>
+          </a:fillRef>
+          <a:effectRef idx="1">
+            <a:schemeClr val="accent3"/>
+          </a:effectRef>
+          <a:fontRef idx="minor">
+            <a:schemeClr val="dk1"/>
+          </a:fontRef>
+        </p:style>
+        <p:txBody>
+          <a:bodyPr rtlCol="0" anchor="ctr">
+            <a:spAutoFit/>
+          </a:bodyPr>
+          <a:lstStyle/>
+          <a:p>
+            <a:pPr algn="ctr"/>
+            <a:r>
+              <a:rPr lang="en-US" altLang="zh-CN" dirty="0">
+                <a:latin typeface="Berlin Sans FB Demi" panose="020E0802020502020306" pitchFamily="34" charset="0"/>
+              </a:rPr>
+              <a:t>passivestream</a:t>
+            </a:r>
+            <a:endParaRPr lang="zh-CN" altLang="en-US" dirty="0">
+              <a:latin typeface="Berlin Sans FB Demi" panose="020E0802020502020306" pitchFamily="34" charset="0"/>
+            </a:endParaRPr>
+          </a:p>
+        </p:txBody>
+      </p:sp>
+      <p:sp>
+        <p:nvSpPr>
+          <p:cNvPr id="43" name="Rectangle: Rounded Corners 42">
+            <a:extLst>
+              <a:ext uri="{FF2B5EF4-FFF2-40B4-BE49-F238E27FC236}">
+                <a16:creationId xmlns:a16="http://schemas.microsoft.com/office/drawing/2014/main" id="{161CBF48-2FED-4841-B7C9-14B754B32357}"/>
+              </a:ext>
+            </a:extLst>
+          </p:cNvPr>
+          <p:cNvSpPr/>
+          <p:nvPr/>
+        </p:nvSpPr>
+        <p:spPr>
+          <a:xfrm>
+            <a:off x="8795316" y="2369066"/>
+            <a:ext cx="1654833" cy="408623"/>
+          </a:xfrm>
+          <a:prstGeom prst="roundRect">
+            <a:avLst/>
+          </a:prstGeom>
+        </p:spPr>
+        <p:style>
+          <a:lnRef idx="1">
+            <a:schemeClr val="accent3"/>
+          </a:lnRef>
+          <a:fillRef idx="2">
+            <a:schemeClr val="accent3"/>
+          </a:fillRef>
+          <a:effectRef idx="1">
+            <a:schemeClr val="accent3"/>
+          </a:effectRef>
+          <a:fontRef idx="minor">
+            <a:schemeClr val="dk1"/>
+          </a:fontRef>
+        </p:style>
+        <p:txBody>
+          <a:bodyPr rtlCol="0" anchor="ctr">
+            <a:spAutoFit/>
+          </a:bodyPr>
+          <a:lstStyle/>
+          <a:p>
+            <a:pPr algn="ctr"/>
+            <a:r>
+              <a:rPr lang="en-US" altLang="zh-CN" dirty="0">
+                <a:latin typeface="Berlin Sans FB Demi" panose="020E0802020502020306" pitchFamily="34" charset="0"/>
+              </a:rPr>
+              <a:t>activestream</a:t>
+            </a:r>
+            <a:endParaRPr lang="zh-CN" altLang="en-US" dirty="0">
+              <a:latin typeface="Berlin Sans FB Demi" panose="020E0802020502020306" pitchFamily="34" charset="0"/>
+            </a:endParaRPr>
+          </a:p>
+        </p:txBody>
+      </p:sp>
+      <p:sp>
+        <p:nvSpPr>
+          <p:cNvPr id="47" name="Rectangle: Rounded Corners 46">
+            <a:extLst>
+              <a:ext uri="{FF2B5EF4-FFF2-40B4-BE49-F238E27FC236}">
+                <a16:creationId xmlns:a16="http://schemas.microsoft.com/office/drawing/2014/main" id="{1F328B9A-9F38-4A99-8823-E1362167F3DE}"/>
+              </a:ext>
+            </a:extLst>
+          </p:cNvPr>
+          <p:cNvSpPr/>
+          <p:nvPr/>
+        </p:nvSpPr>
+        <p:spPr>
+          <a:xfrm>
+            <a:off x="8795317" y="723463"/>
+            <a:ext cx="1575171" cy="408623"/>
+          </a:xfrm>
+          <a:prstGeom prst="roundRect">
+            <a:avLst/>
+          </a:prstGeom>
+        </p:spPr>
+        <p:style>
+          <a:lnRef idx="1">
+            <a:schemeClr val="accent3"/>
+          </a:lnRef>
+          <a:fillRef idx="2">
+            <a:schemeClr val="accent3"/>
+          </a:fillRef>
+          <a:effectRef idx="1">
+            <a:schemeClr val="accent3"/>
+          </a:effectRef>
+          <a:fontRef idx="minor">
+            <a:schemeClr val="dk1"/>
+          </a:fontRef>
+        </p:style>
+        <p:txBody>
+          <a:bodyPr rtlCol="0" anchor="ctr">
+            <a:spAutoFit/>
+          </a:bodyPr>
+          <a:lstStyle/>
+          <a:p>
+            <a:r>
+              <a:rPr lang="en-US" altLang="zh-CN" dirty="0">
+                <a:latin typeface="Berlin Sans FB Demi" panose="020E0802020502020306" pitchFamily="34" charset="0"/>
+              </a:rPr>
+              <a:t>multiplexing </a:t>
+            </a:r>
+          </a:p>
+        </p:txBody>
+      </p:sp>
+      <p:sp>
+        <p:nvSpPr>
+          <p:cNvPr id="49" name="Rectangle: Rounded Corners 48">
+            <a:extLst>
+              <a:ext uri="{FF2B5EF4-FFF2-40B4-BE49-F238E27FC236}">
+                <a16:creationId xmlns:a16="http://schemas.microsoft.com/office/drawing/2014/main" id="{ADBB303A-D1BD-4912-938E-14B955DDF743}"/>
+              </a:ext>
+            </a:extLst>
+          </p:cNvPr>
+          <p:cNvSpPr/>
+          <p:nvPr/>
+        </p:nvSpPr>
+        <p:spPr>
+          <a:xfrm>
+            <a:off x="2389826" y="1911822"/>
+            <a:ext cx="1575171" cy="408623"/>
+          </a:xfrm>
+          <a:prstGeom prst="roundRect">
+            <a:avLst/>
+          </a:prstGeom>
+        </p:spPr>
+        <p:style>
+          <a:lnRef idx="1">
+            <a:schemeClr val="accent3"/>
+          </a:lnRef>
+          <a:fillRef idx="2">
+            <a:schemeClr val="accent3"/>
+          </a:fillRef>
+          <a:effectRef idx="1">
+            <a:schemeClr val="accent3"/>
+          </a:effectRef>
+          <a:fontRef idx="minor">
+            <a:schemeClr val="dk1"/>
+          </a:fontRef>
+        </p:style>
+        <p:txBody>
+          <a:bodyPr rtlCol="0" anchor="ctr">
+            <a:spAutoFit/>
+          </a:bodyPr>
+          <a:lstStyle/>
+          <a:p>
+            <a:r>
+              <a:rPr lang="en-US" altLang="zh-CN" dirty="0">
+                <a:latin typeface="Berlin Sans FB Demi" panose="020E0802020502020306" pitchFamily="34" charset="0"/>
+              </a:rPr>
+              <a:t>ICEStream</a:t>
+            </a:r>
+            <a:endParaRPr lang="zh-CN" altLang="en-US" dirty="0">
+              <a:latin typeface="Berlin Sans FB Demi" panose="020E0802020502020306" pitchFamily="34" charset="0"/>
+            </a:endParaRPr>
+          </a:p>
+        </p:txBody>
+      </p:sp>
+      <p:sp>
+        <p:nvSpPr>
+          <p:cNvPr id="8" name="Rectangle: Rounded Corners 7">
+            <a:extLst>
+              <a:ext uri="{FF2B5EF4-FFF2-40B4-BE49-F238E27FC236}">
+                <a16:creationId xmlns:a16="http://schemas.microsoft.com/office/drawing/2014/main" id="{7D8C01CC-395B-4B3B-BE21-A540D4E73869}"/>
+              </a:ext>
+            </a:extLst>
+          </p:cNvPr>
+          <p:cNvSpPr/>
+          <p:nvPr/>
+        </p:nvSpPr>
+        <p:spPr>
+          <a:xfrm>
+            <a:off x="2389827" y="2496422"/>
+            <a:ext cx="1575171" cy="408623"/>
+          </a:xfrm>
+          <a:prstGeom prst="roundRect">
+            <a:avLst/>
+          </a:prstGeom>
+        </p:spPr>
+        <p:style>
+          <a:lnRef idx="1">
+            <a:schemeClr val="accent3"/>
+          </a:lnRef>
+          <a:fillRef idx="2">
+            <a:schemeClr val="accent3"/>
+          </a:fillRef>
+          <a:effectRef idx="1">
+            <a:schemeClr val="accent3"/>
+          </a:effectRef>
+          <a:fontRef idx="minor">
+            <a:schemeClr val="dk1"/>
+          </a:fontRef>
+        </p:style>
+        <p:txBody>
+          <a:bodyPr rtlCol="0" anchor="ctr">
+            <a:spAutoFit/>
+          </a:bodyPr>
+          <a:lstStyle/>
+          <a:p>
+            <a:r>
+              <a:rPr lang="en-US" altLang="zh-CN" dirty="0">
+                <a:latin typeface="Berlin Sans FB Demi" panose="020E0802020502020306" pitchFamily="34" charset="0"/>
+              </a:rPr>
+              <a:t>RTPStream</a:t>
+            </a:r>
+            <a:endParaRPr lang="zh-CN" altLang="en-US" dirty="0">
+              <a:latin typeface="Berlin Sans FB Demi" panose="020E0802020502020306" pitchFamily="34" charset="0"/>
+            </a:endParaRPr>
+          </a:p>
+        </p:txBody>
+      </p:sp>
+      <p:sp>
+        <p:nvSpPr>
+          <p:cNvPr id="9" name="Rectangle: Rounded Corners 8">
+            <a:extLst>
+              <a:ext uri="{FF2B5EF4-FFF2-40B4-BE49-F238E27FC236}">
+                <a16:creationId xmlns:a16="http://schemas.microsoft.com/office/drawing/2014/main" id="{66CCF587-498C-4C4C-AF02-0CCDE339E89D}"/>
+              </a:ext>
+            </a:extLst>
+          </p:cNvPr>
+          <p:cNvSpPr/>
+          <p:nvPr/>
+        </p:nvSpPr>
+        <p:spPr>
+          <a:xfrm>
+            <a:off x="2389826" y="3134597"/>
+            <a:ext cx="1575171" cy="408623"/>
+          </a:xfrm>
+          <a:prstGeom prst="roundRect">
+            <a:avLst/>
+          </a:prstGeom>
+        </p:spPr>
+        <p:style>
+          <a:lnRef idx="1">
+            <a:schemeClr val="accent3"/>
+          </a:lnRef>
+          <a:fillRef idx="2">
+            <a:schemeClr val="accent3"/>
+          </a:fillRef>
+          <a:effectRef idx="1">
+            <a:schemeClr val="accent3"/>
+          </a:effectRef>
+          <a:fontRef idx="minor">
+            <a:schemeClr val="dk1"/>
+          </a:fontRef>
+        </p:style>
+        <p:txBody>
+          <a:bodyPr rtlCol="0" anchor="ctr">
+            <a:spAutoFit/>
+          </a:bodyPr>
+          <a:lstStyle/>
+          <a:p>
+            <a:r>
+              <a:rPr lang="en-US" altLang="zh-CN" dirty="0">
+                <a:latin typeface="Berlin Sans FB Demi" panose="020E0802020502020306" pitchFamily="34" charset="0"/>
+              </a:rPr>
+              <a:t>RTCPStream</a:t>
+            </a:r>
+            <a:endParaRPr lang="zh-CN" altLang="en-US" dirty="0">
+              <a:latin typeface="Berlin Sans FB Demi" panose="020E0802020502020306" pitchFamily="34" charset="0"/>
+            </a:endParaRPr>
+          </a:p>
+        </p:txBody>
+      </p:sp>
+      <p:sp>
+        <p:nvSpPr>
+          <p:cNvPr id="10" name="Rectangle: Rounded Corners 9">
+            <a:extLst>
+              <a:ext uri="{FF2B5EF4-FFF2-40B4-BE49-F238E27FC236}">
+                <a16:creationId xmlns:a16="http://schemas.microsoft.com/office/drawing/2014/main" id="{417A4CFD-0C98-45E4-BAE5-C0B5D0D88A18}"/>
+              </a:ext>
+            </a:extLst>
+          </p:cNvPr>
+          <p:cNvSpPr/>
+          <p:nvPr/>
+        </p:nvSpPr>
+        <p:spPr>
+          <a:xfrm>
+            <a:off x="2389826" y="3748644"/>
+            <a:ext cx="2382200" cy="408623"/>
+          </a:xfrm>
+          <a:prstGeom prst="roundRect">
+            <a:avLst/>
+          </a:prstGeom>
+        </p:spPr>
+        <p:style>
+          <a:lnRef idx="1">
+            <a:schemeClr val="accent3"/>
+          </a:lnRef>
+          <a:fillRef idx="2">
+            <a:schemeClr val="accent3"/>
+          </a:fillRef>
+          <a:effectRef idx="1">
+            <a:schemeClr val="accent3"/>
+          </a:effectRef>
+          <a:fontRef idx="minor">
+            <a:schemeClr val="dk1"/>
+          </a:fontRef>
+        </p:style>
+        <p:txBody>
+          <a:bodyPr wrap="square" rtlCol="0" anchor="ctr">
+            <a:spAutoFit/>
+          </a:bodyPr>
+          <a:lstStyle/>
+          <a:p>
+            <a:r>
+              <a:rPr lang="en-US" altLang="zh-CN" dirty="0">
+                <a:latin typeface="Berlin Sans FB Demi" panose="020E0802020502020306" pitchFamily="34" charset="0"/>
+              </a:rPr>
+              <a:t>MultiplexingStream</a:t>
+            </a:r>
+            <a:endParaRPr lang="zh-CN" altLang="en-US" dirty="0">
+              <a:latin typeface="Berlin Sans FB Demi" panose="020E0802020502020306" pitchFamily="34" charset="0"/>
+            </a:endParaRPr>
+          </a:p>
+        </p:txBody>
+      </p:sp>
+    </p:spTree>
+    <p:extLst>
+      <p:ext uri="{BB962C8B-B14F-4D97-AF65-F5344CB8AC3E}">
+        <p14:creationId xmlns:p14="http://schemas.microsoft.com/office/powerpoint/2010/main" val="2802847989"/>
+      </p:ext>
+    </p:extLst>
+  </p:cSld>
+  <p:clrMapOvr>
+    <a:masterClrMapping/>
+  </p:clrMapOvr>
+</p:sld>
+</file>
+
+<file path=ppt/slides/slide48.xml><?xml version="1.0" encoding="utf-8"?>
+<p:sld xmlns:a="http://schemas.openxmlformats.org/drawingml/2006/main" xmlns:r="http://schemas.openxmlformats.org/officeDocument/2006/relationships" xmlns:p="http://schemas.openxmlformats.org/presentationml/2006/main">
+  <p:cSld>
+    <p:spTree>
+      <p:nvGrpSpPr>
+        <p:cNvPr id="1" name=""/>
+        <p:cNvGrpSpPr/>
+        <p:nvPr/>
+      </p:nvGrpSpPr>
+      <p:grpSpPr>
+        <a:xfrm>
+          <a:off x="0" y="0"/>
+          <a:ext cx="0" cy="0"/>
+          <a:chOff x="0" y="0"/>
+          <a:chExt cx="0" cy="0"/>
+        </a:xfrm>
+      </p:grpSpPr>
+      <p:sp>
+        <p:nvSpPr>
           <p:cNvPr id="6" name="Rectangle: Rounded Corners 5">
             <a:extLst>
               <a:ext uri="{FF2B5EF4-FFF2-40B4-BE49-F238E27FC236}">
@@ -43602,6 +44325,227 @@
     <p:extLst>
       <p:ext uri="{BB962C8B-B14F-4D97-AF65-F5344CB8AC3E}">
         <p14:creationId xmlns:p14="http://schemas.microsoft.com/office/powerpoint/2010/main" val="2128382126"/>
+      </p:ext>
+    </p:extLst>
+  </p:cSld>
+  <p:clrMapOvr>
+    <a:masterClrMapping/>
+  </p:clrMapOvr>
+</p:sld>
+</file>
+
+<file path=ppt/slides/slide49.xml><?xml version="1.0" encoding="utf-8"?>
+<p:sld xmlns:a="http://schemas.openxmlformats.org/drawingml/2006/main" xmlns:r="http://schemas.openxmlformats.org/officeDocument/2006/relationships" xmlns:p="http://schemas.openxmlformats.org/presentationml/2006/main">
+  <p:cSld>
+    <p:spTree>
+      <p:nvGrpSpPr>
+        <p:cNvPr id="1" name=""/>
+        <p:cNvGrpSpPr/>
+        <p:nvPr/>
+      </p:nvGrpSpPr>
+      <p:grpSpPr>
+        <a:xfrm>
+          <a:off x="0" y="0"/>
+          <a:ext cx="0" cy="0"/>
+          <a:chOff x="0" y="0"/>
+          <a:chExt cx="0" cy="0"/>
+        </a:xfrm>
+      </p:grpSpPr>
+      <p:sp>
+        <p:nvSpPr>
+          <p:cNvPr id="6" name="Rectangle: Rounded Corners 5">
+            <a:extLst>
+              <a:ext uri="{FF2B5EF4-FFF2-40B4-BE49-F238E27FC236}">
+                <a16:creationId xmlns:a16="http://schemas.microsoft.com/office/drawing/2014/main" id="{ED359951-1E2E-4D37-B183-A60C6703BF0D}"/>
+              </a:ext>
+            </a:extLst>
+          </p:cNvPr>
+          <p:cNvSpPr/>
+          <p:nvPr/>
+        </p:nvSpPr>
+        <p:spPr>
+          <a:xfrm>
+            <a:off x="88619" y="319248"/>
+            <a:ext cx="11467652" cy="6219504"/>
+          </a:xfrm>
+          <a:prstGeom prst="roundRect">
+            <a:avLst>
+              <a:gd name="adj" fmla="val 2100"/>
+            </a:avLst>
+          </a:prstGeom>
+          <a:gradFill flip="none" rotWithShape="1">
+            <a:gsLst>
+              <a:gs pos="0">
+                <a:schemeClr val="accent3">
+                  <a:tint val="10000"/>
+                  <a:satMod val="300000"/>
+                </a:schemeClr>
+              </a:gs>
+              <a:gs pos="34000">
+                <a:schemeClr val="accent3">
+                  <a:tint val="13500"/>
+                  <a:satMod val="250000"/>
+                </a:schemeClr>
+              </a:gs>
+              <a:gs pos="100000">
+                <a:schemeClr val="accent3">
+                  <a:tint val="60000"/>
+                  <a:satMod val="200000"/>
+                </a:schemeClr>
+              </a:gs>
+            </a:gsLst>
+            <a:path path="rect">
+              <a:fillToRect l="100000" t="100000"/>
+            </a:path>
+            <a:tileRect r="-100000" b="-100000"/>
+          </a:gradFill>
+          <a:ln>
+            <a:round/>
+          </a:ln>
+        </p:spPr>
+        <p:style>
+          <a:lnRef idx="1">
+            <a:schemeClr val="accent3"/>
+          </a:lnRef>
+          <a:fillRef idx="2">
+            <a:schemeClr val="accent3"/>
+          </a:fillRef>
+          <a:effectRef idx="1">
+            <a:schemeClr val="accent3"/>
+          </a:effectRef>
+          <a:fontRef idx="minor">
+            <a:schemeClr val="dk1"/>
+          </a:fontRef>
+        </p:style>
+        <p:txBody>
+          <a:bodyPr rtlCol="0" anchor="t" anchorCtr="0">
+            <a:noAutofit/>
+          </a:bodyPr>
+          <a:lstStyle/>
+          <a:p>
+            <a:pPr algn="ctr"/>
+            <a:r>
+              <a:rPr lang="en-US" altLang="zh-CN" sz="2400" dirty="0">
+                <a:latin typeface="Berlin Sans FB Demi" panose="020E0802020502020306" pitchFamily="34" charset="0"/>
+              </a:rPr>
+              <a:t>ICEStream</a:t>
+            </a:r>
+            <a:endParaRPr lang="zh-CN" altLang="en-US" sz="2400" dirty="0">
+              <a:latin typeface="Berlin Sans FB Demi" panose="020E0802020502020306" pitchFamily="34" charset="0"/>
+            </a:endParaRPr>
+          </a:p>
+        </p:txBody>
+      </p:sp>
+      <p:sp>
+        <p:nvSpPr>
+          <p:cNvPr id="25" name="Rectangle: Rounded Corners 24">
+            <a:extLst>
+              <a:ext uri="{FF2B5EF4-FFF2-40B4-BE49-F238E27FC236}">
+                <a16:creationId xmlns:a16="http://schemas.microsoft.com/office/drawing/2014/main" id="{019C4452-3721-49D3-8A77-FCEDDE8F2DB8}"/>
+              </a:ext>
+            </a:extLst>
+          </p:cNvPr>
+          <p:cNvSpPr/>
+          <p:nvPr/>
+        </p:nvSpPr>
+        <p:spPr>
+          <a:xfrm>
+            <a:off x="210341" y="870941"/>
+            <a:ext cx="1587286" cy="408623"/>
+          </a:xfrm>
+          <a:prstGeom prst="roundRect">
+            <a:avLst/>
+          </a:prstGeom>
+        </p:spPr>
+        <p:style>
+          <a:lnRef idx="1">
+            <a:schemeClr val="accent3"/>
+          </a:lnRef>
+          <a:fillRef idx="2">
+            <a:schemeClr val="accent3"/>
+          </a:fillRef>
+          <a:effectRef idx="1">
+            <a:schemeClr val="accent3"/>
+          </a:effectRef>
+          <a:fontRef idx="minor">
+            <a:schemeClr val="dk1"/>
+          </a:fontRef>
+        </p:style>
+        <p:txBody>
+          <a:bodyPr rtlCol="0" anchor="ctr">
+            <a:spAutoFit/>
+          </a:bodyPr>
+          <a:lstStyle/>
+          <a:p>
+            <a:r>
+              <a:rPr lang="en-US" altLang="zh-CN" dirty="0">
+                <a:latin typeface="Berlin Sans FB Demi" panose="020E0802020502020306" pitchFamily="34" charset="0"/>
+              </a:rPr>
+              <a:t>componet_id</a:t>
+            </a:r>
+            <a:endParaRPr lang="zh-CN" altLang="en-US" dirty="0">
+              <a:latin typeface="Berlin Sans FB Demi" panose="020E0802020502020306" pitchFamily="34" charset="0"/>
+            </a:endParaRPr>
+          </a:p>
+        </p:txBody>
+      </p:sp>
+      <p:sp>
+        <p:nvSpPr>
+          <p:cNvPr id="20" name="Rectangle: Rounded Corners 19">
+            <a:extLst>
+              <a:ext uri="{FF2B5EF4-FFF2-40B4-BE49-F238E27FC236}">
+                <a16:creationId xmlns:a16="http://schemas.microsoft.com/office/drawing/2014/main" id="{497F7D75-B0F1-49A5-A955-AF3F4398F876}"/>
+              </a:ext>
+            </a:extLst>
+          </p:cNvPr>
+          <p:cNvSpPr/>
+          <p:nvPr/>
+        </p:nvSpPr>
+        <p:spPr>
+          <a:xfrm>
+            <a:off x="221962" y="1383033"/>
+            <a:ext cx="1928955" cy="408623"/>
+          </a:xfrm>
+          <a:prstGeom prst="roundRect">
+            <a:avLst/>
+          </a:prstGeom>
+        </p:spPr>
+        <p:style>
+          <a:lnRef idx="1">
+            <a:schemeClr val="accent3"/>
+          </a:lnRef>
+          <a:fillRef idx="2">
+            <a:schemeClr val="accent3"/>
+          </a:fillRef>
+          <a:effectRef idx="1">
+            <a:schemeClr val="accent3"/>
+          </a:effectRef>
+          <a:fontRef idx="minor">
+            <a:schemeClr val="dk1"/>
+          </a:fontRef>
+        </p:style>
+        <p:txBody>
+          <a:bodyPr rtlCol="0" anchor="ctr">
+            <a:spAutoFit/>
+          </a:bodyPr>
+          <a:lstStyle/>
+          <a:p>
+            <a:r>
+              <a:rPr lang="en-US" altLang="zh-CN" dirty="0">
+                <a:latin typeface="Berlin Sans FB Demi" panose="020E0802020502020306" pitchFamily="34" charset="0"/>
+              </a:rPr>
+              <a:t>candidates</a:t>
+            </a:r>
+            <a:endParaRPr lang="zh-CN" altLang="en-US" dirty="0">
+              <a:latin typeface="Berlin Sans FB Demi" panose="020E0802020502020306" pitchFamily="34" charset="0"/>
+            </a:endParaRPr>
+          </a:p>
+        </p:txBody>
+      </p:sp>
+    </p:spTree>
+    <p:extLst>
+      <p:ext uri="{BB962C8B-B14F-4D97-AF65-F5344CB8AC3E}">
+        <p14:creationId xmlns:p14="http://schemas.microsoft.com/office/powerpoint/2010/main" val="640594837"/>
       </p:ext>
     </p:extLst>
   </p:cSld>

--- a/docs.pptx
+++ b/docs.pptx
@@ -5499,7 +5499,7 @@
           <a:p>
             <a:fld id="{B2CAF260-C6E5-43C1-AB7D-1DDC31487812}" type="datetime1">
               <a:rPr lang="zh-CN" altLang="en-US" smtClean="0"/>
-              <a:t>2018/11/16</a:t>
+              <a:t>2018/11/19</a:t>
             </a:fld>
             <a:endParaRPr lang="zh-CN" altLang="en-US"/>
           </a:p>
@@ -5699,7 +5699,7 @@
           <a:p>
             <a:fld id="{E2FDE29B-B267-43B7-911F-8B7B5178DAAA}" type="datetime1">
               <a:rPr lang="zh-CN" altLang="en-US" smtClean="0"/>
-              <a:t>2018/11/16</a:t>
+              <a:t>2018/11/19</a:t>
             </a:fld>
             <a:endParaRPr lang="zh-CN" altLang="en-US"/>
           </a:p>
@@ -5909,7 +5909,7 @@
           <a:p>
             <a:fld id="{58F69AEE-EBB5-4094-A036-258B6CD5A691}" type="datetime1">
               <a:rPr lang="zh-CN" altLang="en-US" smtClean="0"/>
-              <a:t>2018/11/16</a:t>
+              <a:t>2018/11/19</a:t>
             </a:fld>
             <a:endParaRPr lang="zh-CN" altLang="en-US"/>
           </a:p>
@@ -6109,7 +6109,7 @@
           <a:p>
             <a:fld id="{EA0C55B6-15F8-47F2-BA17-6667D0884E94}" type="datetime1">
               <a:rPr lang="zh-CN" altLang="en-US" smtClean="0"/>
-              <a:t>2018/11/16</a:t>
+              <a:t>2018/11/19</a:t>
             </a:fld>
             <a:endParaRPr lang="zh-CN" altLang="en-US"/>
           </a:p>
@@ -6385,7 +6385,7 @@
           <a:p>
             <a:fld id="{E16475AB-DF1D-43B5-9314-A34969FDFCF1}" type="datetime1">
               <a:rPr lang="zh-CN" altLang="en-US" smtClean="0"/>
-              <a:t>2018/11/16</a:t>
+              <a:t>2018/11/19</a:t>
             </a:fld>
             <a:endParaRPr lang="zh-CN" altLang="en-US"/>
           </a:p>
@@ -6653,7 +6653,7 @@
           <a:p>
             <a:fld id="{3767A592-7E27-4E7D-A9C7-3B15B36FAD3A}" type="datetime1">
               <a:rPr lang="zh-CN" altLang="en-US" smtClean="0"/>
-              <a:t>2018/11/16</a:t>
+              <a:t>2018/11/19</a:t>
             </a:fld>
             <a:endParaRPr lang="zh-CN" altLang="en-US"/>
           </a:p>
@@ -7068,7 +7068,7 @@
           <a:p>
             <a:fld id="{7901F99E-C60E-4183-B8FD-840AF5CE3B57}" type="datetime1">
               <a:rPr lang="zh-CN" altLang="en-US" smtClean="0"/>
-              <a:t>2018/11/16</a:t>
+              <a:t>2018/11/19</a:t>
             </a:fld>
             <a:endParaRPr lang="zh-CN" altLang="en-US"/>
           </a:p>
@@ -7210,7 +7210,7 @@
           <a:p>
             <a:fld id="{7B195C80-D524-46BD-98B6-BA22A34855F7}" type="datetime1">
               <a:rPr lang="zh-CN" altLang="en-US" smtClean="0"/>
-              <a:t>2018/11/16</a:t>
+              <a:t>2018/11/19</a:t>
             </a:fld>
             <a:endParaRPr lang="zh-CN" altLang="en-US"/>
           </a:p>
@@ -7323,7 +7323,7 @@
           <a:p>
             <a:fld id="{B58FE623-1036-4545-9983-CC7ABA14B150}" type="datetime1">
               <a:rPr lang="zh-CN" altLang="en-US" smtClean="0"/>
-              <a:t>2018/11/16</a:t>
+              <a:t>2018/11/19</a:t>
             </a:fld>
             <a:endParaRPr lang="zh-CN" altLang="en-US"/>
           </a:p>
@@ -7636,7 +7636,7 @@
           <a:p>
             <a:fld id="{CA65BC31-ADFA-4939-ADF1-A57605AB2556}" type="datetime1">
               <a:rPr lang="zh-CN" altLang="en-US" smtClean="0"/>
-              <a:t>2018/11/16</a:t>
+              <a:t>2018/11/19</a:t>
             </a:fld>
             <a:endParaRPr lang="zh-CN" altLang="en-US"/>
           </a:p>
@@ -7925,7 +7925,7 @@
           <a:p>
             <a:fld id="{40F03ED0-6E5F-48BB-90A8-AD1EC3E9AF09}" type="datetime1">
               <a:rPr lang="zh-CN" altLang="en-US" smtClean="0"/>
-              <a:t>2018/11/16</a:t>
+              <a:t>2018/11/19</a:t>
             </a:fld>
             <a:endParaRPr lang="zh-CN" altLang="en-US"/>
           </a:p>
@@ -8168,7 +8168,7 @@
           <a:p>
             <a:fld id="{7BE51BE7-2DB2-422B-A0F1-EEC574E16519}" type="datetime1">
               <a:rPr lang="zh-CN" altLang="en-US" smtClean="0"/>
-              <a:t>2018/11/16</a:t>
+              <a:t>2018/11/19</a:t>
             </a:fld>
             <a:endParaRPr lang="zh-CN" altLang="en-US"/>
           </a:p>

--- a/docs.pptx
+++ b/docs.pptx
@@ -5,10 +5,10 @@
     <p:sldMasterId id="2147483648" r:id="rId1"/>
   </p:sldMasterIdLst>
   <p:notesMasterIdLst>
-    <p:notesMasterId r:id="rId51"/>
+    <p:notesMasterId r:id="rId52"/>
   </p:notesMasterIdLst>
   <p:handoutMasterIdLst>
-    <p:handoutMasterId r:id="rId52"/>
+    <p:handoutMasterId r:id="rId53"/>
   </p:handoutMasterIdLst>
   <p:sldIdLst>
     <p:sldId id="293" r:id="rId2"/>
@@ -50,16 +50,17 @@
     <p:sldId id="314" r:id="rId38"/>
     <p:sldId id="319" r:id="rId39"/>
     <p:sldId id="315" r:id="rId40"/>
-    <p:sldId id="317" r:id="rId41"/>
-    <p:sldId id="318" r:id="rId42"/>
-    <p:sldId id="320" r:id="rId43"/>
-    <p:sldId id="321" r:id="rId44"/>
-    <p:sldId id="322" r:id="rId45"/>
-    <p:sldId id="316" r:id="rId46"/>
-    <p:sldId id="313" r:id="rId47"/>
-    <p:sldId id="324" r:id="rId48"/>
-    <p:sldId id="312" r:id="rId49"/>
-    <p:sldId id="323" r:id="rId50"/>
+    <p:sldId id="325" r:id="rId41"/>
+    <p:sldId id="317" r:id="rId42"/>
+    <p:sldId id="318" r:id="rId43"/>
+    <p:sldId id="320" r:id="rId44"/>
+    <p:sldId id="321" r:id="rId45"/>
+    <p:sldId id="322" r:id="rId46"/>
+    <p:sldId id="316" r:id="rId47"/>
+    <p:sldId id="313" r:id="rId48"/>
+    <p:sldId id="324" r:id="rId49"/>
+    <p:sldId id="312" r:id="rId50"/>
+    <p:sldId id="323" r:id="rId51"/>
   </p:sldIdLst>
   <p:sldSz cx="12192000" cy="6858000"/>
   <p:notesSz cx="6858000" cy="9144000"/>
@@ -3742,7 +3743,7 @@
     </p:spTree>
     <p:extLst>
       <p:ext uri="{BB962C8B-B14F-4D97-AF65-F5344CB8AC3E}">
-        <p14:creationId xmlns:p14="http://schemas.microsoft.com/office/powerpoint/2010/main" val="757264589"/>
+        <p14:creationId xmlns:p14="http://schemas.microsoft.com/office/powerpoint/2010/main" val="56523114"/>
       </p:ext>
     </p:extLst>
   </p:cSld>
@@ -3849,7 +3850,7 @@
     </p:spTree>
     <p:extLst>
       <p:ext uri="{BB962C8B-B14F-4D97-AF65-F5344CB8AC3E}">
-        <p14:creationId xmlns:p14="http://schemas.microsoft.com/office/powerpoint/2010/main" val="674625608"/>
+        <p14:creationId xmlns:p14="http://schemas.microsoft.com/office/powerpoint/2010/main" val="757264589"/>
       </p:ext>
     </p:extLst>
   </p:cSld>
@@ -3956,7 +3957,7 @@
     </p:spTree>
     <p:extLst>
       <p:ext uri="{BB962C8B-B14F-4D97-AF65-F5344CB8AC3E}">
-        <p14:creationId xmlns:p14="http://schemas.microsoft.com/office/powerpoint/2010/main" val="1146228958"/>
+        <p14:creationId xmlns:p14="http://schemas.microsoft.com/office/powerpoint/2010/main" val="674625608"/>
       </p:ext>
     </p:extLst>
   </p:cSld>
@@ -4063,7 +4064,7 @@
     </p:spTree>
     <p:extLst>
       <p:ext uri="{BB962C8B-B14F-4D97-AF65-F5344CB8AC3E}">
-        <p14:creationId xmlns:p14="http://schemas.microsoft.com/office/powerpoint/2010/main" val="3932688870"/>
+        <p14:creationId xmlns:p14="http://schemas.microsoft.com/office/powerpoint/2010/main" val="1146228958"/>
       </p:ext>
     </p:extLst>
   </p:cSld>
@@ -4170,7 +4171,7 @@
     </p:spTree>
     <p:extLst>
       <p:ext uri="{BB962C8B-B14F-4D97-AF65-F5344CB8AC3E}">
-        <p14:creationId xmlns:p14="http://schemas.microsoft.com/office/powerpoint/2010/main" val="3804703276"/>
+        <p14:creationId xmlns:p14="http://schemas.microsoft.com/office/powerpoint/2010/main" val="3932688870"/>
       </p:ext>
     </p:extLst>
   </p:cSld>
@@ -4277,7 +4278,7 @@
     </p:spTree>
     <p:extLst>
       <p:ext uri="{BB962C8B-B14F-4D97-AF65-F5344CB8AC3E}">
-        <p14:creationId xmlns:p14="http://schemas.microsoft.com/office/powerpoint/2010/main" val="518657317"/>
+        <p14:creationId xmlns:p14="http://schemas.microsoft.com/office/powerpoint/2010/main" val="3804703276"/>
       </p:ext>
     </p:extLst>
   </p:cSld>
@@ -4491,7 +4492,7 @@
     </p:spTree>
     <p:extLst>
       <p:ext uri="{BB962C8B-B14F-4D97-AF65-F5344CB8AC3E}">
-        <p14:creationId xmlns:p14="http://schemas.microsoft.com/office/powerpoint/2010/main" val="4240301719"/>
+        <p14:creationId xmlns:p14="http://schemas.microsoft.com/office/powerpoint/2010/main" val="518657317"/>
       </p:ext>
     </p:extLst>
   </p:cSld>
@@ -4598,7 +4599,7 @@
     </p:spTree>
     <p:extLst>
       <p:ext uri="{BB962C8B-B14F-4D97-AF65-F5344CB8AC3E}">
-        <p14:creationId xmlns:p14="http://schemas.microsoft.com/office/powerpoint/2010/main" val="427837296"/>
+        <p14:creationId xmlns:p14="http://schemas.microsoft.com/office/powerpoint/2010/main" val="4240301719"/>
       </p:ext>
     </p:extLst>
   </p:cSld>
@@ -4705,6 +4706,113 @@
     </p:spTree>
     <p:extLst>
       <p:ext uri="{BB962C8B-B14F-4D97-AF65-F5344CB8AC3E}">
+        <p14:creationId xmlns:p14="http://schemas.microsoft.com/office/powerpoint/2010/main" val="427837296"/>
+      </p:ext>
+    </p:extLst>
+  </p:cSld>
+  <p:clrMapOvr>
+    <a:masterClrMapping/>
+  </p:clrMapOvr>
+</p:notes>
+</file>
+
+<file path=ppt/notesSlides/notesSlide43.xml><?xml version="1.0" encoding="utf-8"?>
+<p:notes xmlns:a="http://schemas.openxmlformats.org/drawingml/2006/main" xmlns:r="http://schemas.openxmlformats.org/officeDocument/2006/relationships" xmlns:p="http://schemas.openxmlformats.org/presentationml/2006/main">
+  <p:cSld>
+    <p:spTree>
+      <p:nvGrpSpPr>
+        <p:cNvPr id="1" name=""/>
+        <p:cNvGrpSpPr/>
+        <p:nvPr/>
+      </p:nvGrpSpPr>
+      <p:grpSpPr>
+        <a:xfrm>
+          <a:off x="0" y="0"/>
+          <a:ext cx="0" cy="0"/>
+          <a:chOff x="0" y="0"/>
+          <a:chExt cx="0" cy="0"/>
+        </a:xfrm>
+      </p:grpSpPr>
+      <p:sp>
+        <p:nvSpPr>
+          <p:cNvPr id="2" name="Slide Image Placeholder 1"/>
+          <p:cNvSpPr>
+            <a:spLocks noGrp="1" noRot="1" noChangeAspect="1"/>
+          </p:cNvSpPr>
+          <p:nvPr>
+            <p:ph type="sldImg"/>
+          </p:nvPr>
+        </p:nvSpPr>
+        <p:spPr/>
+      </p:sp>
+      <p:sp>
+        <p:nvSpPr>
+          <p:cNvPr id="3" name="Notes Placeholder 2"/>
+          <p:cNvSpPr>
+            <a:spLocks noGrp="1"/>
+          </p:cNvSpPr>
+          <p:nvPr>
+            <p:ph type="body" idx="1"/>
+          </p:nvPr>
+        </p:nvSpPr>
+        <p:spPr/>
+        <p:txBody>
+          <a:bodyPr/>
+          <a:lstStyle/>
+          <a:p>
+            <a:pPr marL="0" marR="0" lvl="0" indent="0" algn="l" defTabSz="914400" rtl="0" eaLnBrk="1" fontAlgn="auto" latinLnBrk="0" hangingPunct="1">
+              <a:lnSpc>
+                <a:spcPct val="100000"/>
+              </a:lnSpc>
+              <a:spcBef>
+                <a:spcPts val="0"/>
+              </a:spcBef>
+              <a:spcAft>
+                <a:spcPts val="0"/>
+              </a:spcAft>
+              <a:buClrTx/>
+              <a:buSzTx/>
+              <a:buFontTx/>
+              <a:buNone/>
+              <a:tabLst/>
+              <a:defRPr/>
+            </a:pPr>
+            <a:endParaRPr lang="en-US" altLang="zh-CN" dirty="0"/>
+          </a:p>
+        </p:txBody>
+      </p:sp>
+      <p:sp>
+        <p:nvSpPr>
+          <p:cNvPr id="5" name="Header Placeholder 4">
+            <a:extLst>
+              <a:ext uri="{FF2B5EF4-FFF2-40B4-BE49-F238E27FC236}">
+                <a16:creationId xmlns:a16="http://schemas.microsoft.com/office/drawing/2014/main" id="{8B210C9E-C718-46D6-ABB0-7C4CD2082A98}"/>
+              </a:ext>
+            </a:extLst>
+          </p:cNvPr>
+          <p:cNvSpPr>
+            <a:spLocks noGrp="1"/>
+          </p:cNvSpPr>
+          <p:nvPr>
+            <p:ph type="hdr" sz="quarter" idx="10"/>
+          </p:nvPr>
+        </p:nvSpPr>
+        <p:spPr/>
+        <p:txBody>
+          <a:bodyPr/>
+          <a:lstStyle/>
+          <a:p>
+            <a:r>
+              <a:rPr lang="en-US" altLang="zh-CN"/>
+              <a:t>USE CASE</a:t>
+            </a:r>
+            <a:endParaRPr lang="zh-CN" altLang="en-US"/>
+          </a:p>
+        </p:txBody>
+      </p:sp>
+    </p:spTree>
+    <p:extLst>
+      <p:ext uri="{BB962C8B-B14F-4D97-AF65-F5344CB8AC3E}">
         <p14:creationId xmlns:p14="http://schemas.microsoft.com/office/powerpoint/2010/main" val="2496081276"/>
       </p:ext>
     </p:extLst>
@@ -4715,7 +4823,7 @@
 </p:notes>
 </file>
 
-<file path=ppt/notesSlides/notesSlide43.xml><?xml version="1.0" encoding="utf-8"?>
+<file path=ppt/notesSlides/notesSlide44.xml><?xml version="1.0" encoding="utf-8"?>
 <p:notes xmlns:a="http://schemas.openxmlformats.org/drawingml/2006/main" xmlns:r="http://schemas.openxmlformats.org/officeDocument/2006/relationships" xmlns:p="http://schemas.openxmlformats.org/presentationml/2006/main">
   <p:cSld>
     <p:spTree>
@@ -5499,7 +5607,7 @@
           <a:p>
             <a:fld id="{B2CAF260-C6E5-43C1-AB7D-1DDC31487812}" type="datetime1">
               <a:rPr lang="zh-CN" altLang="en-US" smtClean="0"/>
-              <a:t>2018/11/19</a:t>
+              <a:t>2018/12/4</a:t>
             </a:fld>
             <a:endParaRPr lang="zh-CN" altLang="en-US"/>
           </a:p>
@@ -5699,7 +5807,7 @@
           <a:p>
             <a:fld id="{E2FDE29B-B267-43B7-911F-8B7B5178DAAA}" type="datetime1">
               <a:rPr lang="zh-CN" altLang="en-US" smtClean="0"/>
-              <a:t>2018/11/19</a:t>
+              <a:t>2018/12/4</a:t>
             </a:fld>
             <a:endParaRPr lang="zh-CN" altLang="en-US"/>
           </a:p>
@@ -5909,7 +6017,7 @@
           <a:p>
             <a:fld id="{58F69AEE-EBB5-4094-A036-258B6CD5A691}" type="datetime1">
               <a:rPr lang="zh-CN" altLang="en-US" smtClean="0"/>
-              <a:t>2018/11/19</a:t>
+              <a:t>2018/12/4</a:t>
             </a:fld>
             <a:endParaRPr lang="zh-CN" altLang="en-US"/>
           </a:p>
@@ -6109,7 +6217,7 @@
           <a:p>
             <a:fld id="{EA0C55B6-15F8-47F2-BA17-6667D0884E94}" type="datetime1">
               <a:rPr lang="zh-CN" altLang="en-US" smtClean="0"/>
-              <a:t>2018/11/19</a:t>
+              <a:t>2018/12/4</a:t>
             </a:fld>
             <a:endParaRPr lang="zh-CN" altLang="en-US"/>
           </a:p>
@@ -6385,7 +6493,7 @@
           <a:p>
             <a:fld id="{E16475AB-DF1D-43B5-9314-A34969FDFCF1}" type="datetime1">
               <a:rPr lang="zh-CN" altLang="en-US" smtClean="0"/>
-              <a:t>2018/11/19</a:t>
+              <a:t>2018/12/4</a:t>
             </a:fld>
             <a:endParaRPr lang="zh-CN" altLang="en-US"/>
           </a:p>
@@ -6653,7 +6761,7 @@
           <a:p>
             <a:fld id="{3767A592-7E27-4E7D-A9C7-3B15B36FAD3A}" type="datetime1">
               <a:rPr lang="zh-CN" altLang="en-US" smtClean="0"/>
-              <a:t>2018/11/19</a:t>
+              <a:t>2018/12/4</a:t>
             </a:fld>
             <a:endParaRPr lang="zh-CN" altLang="en-US"/>
           </a:p>
@@ -7068,7 +7176,7 @@
           <a:p>
             <a:fld id="{7901F99E-C60E-4183-B8FD-840AF5CE3B57}" type="datetime1">
               <a:rPr lang="zh-CN" altLang="en-US" smtClean="0"/>
-              <a:t>2018/11/19</a:t>
+              <a:t>2018/12/4</a:t>
             </a:fld>
             <a:endParaRPr lang="zh-CN" altLang="en-US"/>
           </a:p>
@@ -7210,7 +7318,7 @@
           <a:p>
             <a:fld id="{7B195C80-D524-46BD-98B6-BA22A34855F7}" type="datetime1">
               <a:rPr lang="zh-CN" altLang="en-US" smtClean="0"/>
-              <a:t>2018/11/19</a:t>
+              <a:t>2018/12/4</a:t>
             </a:fld>
             <a:endParaRPr lang="zh-CN" altLang="en-US"/>
           </a:p>
@@ -7323,7 +7431,7 @@
           <a:p>
             <a:fld id="{B58FE623-1036-4545-9983-CC7ABA14B150}" type="datetime1">
               <a:rPr lang="zh-CN" altLang="en-US" smtClean="0"/>
-              <a:t>2018/11/19</a:t>
+              <a:t>2018/12/4</a:t>
             </a:fld>
             <a:endParaRPr lang="zh-CN" altLang="en-US"/>
           </a:p>
@@ -7636,7 +7744,7 @@
           <a:p>
             <a:fld id="{CA65BC31-ADFA-4939-ADF1-A57605AB2556}" type="datetime1">
               <a:rPr lang="zh-CN" altLang="en-US" smtClean="0"/>
-              <a:t>2018/11/19</a:t>
+              <a:t>2018/12/4</a:t>
             </a:fld>
             <a:endParaRPr lang="zh-CN" altLang="en-US"/>
           </a:p>
@@ -7925,7 +8033,7 @@
           <a:p>
             <a:fld id="{40F03ED0-6E5F-48BB-90A8-AD1EC3E9AF09}" type="datetime1">
               <a:rPr lang="zh-CN" altLang="en-US" smtClean="0"/>
-              <a:t>2018/11/19</a:t>
+              <a:t>2018/12/4</a:t>
             </a:fld>
             <a:endParaRPr lang="zh-CN" altLang="en-US"/>
           </a:p>
@@ -8168,7 +8276,7 @@
           <a:p>
             <a:fld id="{7BE51BE7-2DB2-422B-A0F1-EEC574E16519}" type="datetime1">
               <a:rPr lang="zh-CN" altLang="en-US" smtClean="0"/>
-              <a:t>2018/11/19</a:t>
+              <a:t>2018/12/4</a:t>
             </a:fld>
             <a:endParaRPr lang="zh-CN" altLang="en-US"/>
           </a:p>
@@ -37103,10 +37211,10 @@
       </p:grpSpPr>
       <p:sp>
         <p:nvSpPr>
-          <p:cNvPr id="88" name="Rectangle 87">
-            <a:extLst>
-              <a:ext uri="{FF2B5EF4-FFF2-40B4-BE49-F238E27FC236}">
-                <a16:creationId xmlns:a16="http://schemas.microsoft.com/office/drawing/2014/main" id="{13B4D670-09E3-452D-A274-253A09306901}"/>
+          <p:cNvPr id="2" name="Cloud 1">
+            <a:extLst>
+              <a:ext uri="{FF2B5EF4-FFF2-40B4-BE49-F238E27FC236}">
+                <a16:creationId xmlns:a16="http://schemas.microsoft.com/office/drawing/2014/main" id="{7388FA17-301A-46D4-A1F1-D87FE8D84923}"/>
               </a:ext>
             </a:extLst>
           </p:cNvPr>
@@ -37115,126 +37223,370 @@
         </p:nvSpPr>
         <p:spPr>
           <a:xfrm>
-            <a:off x="4034010" y="427672"/>
-            <a:ext cx="45719" cy="6411277"/>
+            <a:off x="271446" y="365890"/>
+            <a:ext cx="1315616" cy="832290"/>
+          </a:xfrm>
+          <a:prstGeom prst="cloud">
+            <a:avLst/>
+          </a:prstGeom>
+        </p:spPr>
+        <p:style>
+          <a:lnRef idx="3">
+            <a:schemeClr val="lt1"/>
+          </a:lnRef>
+          <a:fillRef idx="1">
+            <a:schemeClr val="accent6"/>
+          </a:fillRef>
+          <a:effectRef idx="1">
+            <a:schemeClr val="accent6"/>
+          </a:effectRef>
+          <a:fontRef idx="minor">
+            <a:schemeClr val="lt1"/>
+          </a:fontRef>
+        </p:style>
+        <p:txBody>
+          <a:bodyPr rtlCol="0" anchor="ctr"/>
+          <a:lstStyle/>
+          <a:p>
+            <a:pPr algn="ctr"/>
+            <a:r>
+              <a:rPr lang="en-US" altLang="zh-CN" dirty="0">
+                <a:latin typeface="Berlin Sans FB Demi" panose="020E0802020502020306" pitchFamily="34" charset="0"/>
+              </a:rPr>
+              <a:t>Stun</a:t>
+            </a:r>
+          </a:p>
+          <a:p>
+            <a:pPr algn="ctr"/>
+            <a:r>
+              <a:rPr lang="en-US" altLang="zh-CN" dirty="0">
+                <a:latin typeface="Berlin Sans FB Demi" panose="020E0802020502020306" pitchFamily="34" charset="0"/>
+              </a:rPr>
+              <a:t>server</a:t>
+            </a:r>
+          </a:p>
+        </p:txBody>
+      </p:sp>
+      <p:pic>
+        <p:nvPicPr>
+          <p:cNvPr id="68" name="Graphic 67" descr="Man">
+            <a:extLst>
+              <a:ext uri="{FF2B5EF4-FFF2-40B4-BE49-F238E27FC236}">
+                <a16:creationId xmlns:a16="http://schemas.microsoft.com/office/drawing/2014/main" id="{A5CB8F82-FAD9-45A7-BF6A-F800AC6FD911}"/>
+              </a:ext>
+            </a:extLst>
+          </p:cNvPr>
+          <p:cNvPicPr>
+            <a:picLocks noChangeAspect="1"/>
+          </p:cNvPicPr>
+          <p:nvPr/>
+        </p:nvPicPr>
+        <p:blipFill>
+          <a:blip r:embed="rId3">
+            <a:extLst>
+              <a:ext uri="{28A0092B-C50C-407E-A947-70E740481C1C}">
+                <a14:useLocalDpi xmlns:a14="http://schemas.microsoft.com/office/drawing/2010/main" val="0"/>
+              </a:ext>
+              <a:ext uri="{96DAC541-7B7A-43D3-8B79-37D633B846F1}">
+                <asvg:svgBlip xmlns:asvg="http://schemas.microsoft.com/office/drawing/2016/SVG/main" r:embed="rId4"/>
+              </a:ext>
+            </a:extLst>
+          </a:blip>
+          <a:stretch>
+            <a:fillRect/>
+          </a:stretch>
+        </p:blipFill>
+        <p:spPr>
+          <a:xfrm>
+            <a:off x="6061" y="3282656"/>
+            <a:ext cx="914400" cy="914400"/>
           </a:xfrm>
           <a:prstGeom prst="rect">
             <a:avLst/>
           </a:prstGeom>
         </p:spPr>
+      </p:pic>
+      <p:sp>
+        <p:nvSpPr>
+          <p:cNvPr id="28" name="Cloud 27">
+            <a:extLst>
+              <a:ext uri="{FF2B5EF4-FFF2-40B4-BE49-F238E27FC236}">
+                <a16:creationId xmlns:a16="http://schemas.microsoft.com/office/drawing/2014/main" id="{81C81394-A215-4BD0-99F3-44827D30A576}"/>
+              </a:ext>
+            </a:extLst>
+          </p:cNvPr>
+          <p:cNvSpPr/>
+          <p:nvPr/>
+        </p:nvSpPr>
+        <p:spPr>
+          <a:xfrm>
+            <a:off x="1727129" y="365890"/>
+            <a:ext cx="1315616" cy="832290"/>
+          </a:xfrm>
+          <a:prstGeom prst="cloud">
+            <a:avLst/>
+          </a:prstGeom>
+        </p:spPr>
+        <p:style>
+          <a:lnRef idx="3">
+            <a:schemeClr val="lt1"/>
+          </a:lnRef>
+          <a:fillRef idx="1">
+            <a:schemeClr val="accent6"/>
+          </a:fillRef>
+          <a:effectRef idx="1">
+            <a:schemeClr val="accent6"/>
+          </a:effectRef>
+          <a:fontRef idx="minor">
+            <a:schemeClr val="lt1"/>
+          </a:fontRef>
+        </p:style>
+        <p:txBody>
+          <a:bodyPr rtlCol="0" anchor="ctr"/>
+          <a:lstStyle/>
+          <a:p>
+            <a:pPr algn="ctr"/>
+            <a:r>
+              <a:rPr lang="en-US" altLang="zh-CN" dirty="0">
+                <a:latin typeface="Berlin Sans FB Demi" panose="020E0802020502020306" pitchFamily="34" charset="0"/>
+              </a:rPr>
+              <a:t>Stun</a:t>
+            </a:r>
+          </a:p>
+          <a:p>
+            <a:pPr algn="ctr"/>
+            <a:r>
+              <a:rPr lang="en-US" altLang="zh-CN" dirty="0">
+                <a:latin typeface="Berlin Sans FB Demi" panose="020E0802020502020306" pitchFamily="34" charset="0"/>
+              </a:rPr>
+              <a:t>server</a:t>
+            </a:r>
+          </a:p>
+        </p:txBody>
+      </p:sp>
+      <p:sp>
+        <p:nvSpPr>
+          <p:cNvPr id="29" name="Cloud 28">
+            <a:extLst>
+              <a:ext uri="{FF2B5EF4-FFF2-40B4-BE49-F238E27FC236}">
+                <a16:creationId xmlns:a16="http://schemas.microsoft.com/office/drawing/2014/main" id="{97FA617E-2BF7-4274-BAC0-C1B34BE0F276}"/>
+              </a:ext>
+            </a:extLst>
+          </p:cNvPr>
+          <p:cNvSpPr/>
+          <p:nvPr/>
+        </p:nvSpPr>
+        <p:spPr>
+          <a:xfrm>
+            <a:off x="3182812" y="365890"/>
+            <a:ext cx="1315616" cy="832290"/>
+          </a:xfrm>
+          <a:prstGeom prst="cloud">
+            <a:avLst/>
+          </a:prstGeom>
+        </p:spPr>
+        <p:style>
+          <a:lnRef idx="3">
+            <a:schemeClr val="lt1"/>
+          </a:lnRef>
+          <a:fillRef idx="1">
+            <a:schemeClr val="accent6"/>
+          </a:fillRef>
+          <a:effectRef idx="1">
+            <a:schemeClr val="accent6"/>
+          </a:effectRef>
+          <a:fontRef idx="minor">
+            <a:schemeClr val="lt1"/>
+          </a:fontRef>
+        </p:style>
+        <p:txBody>
+          <a:bodyPr rtlCol="0" anchor="ctr"/>
+          <a:lstStyle/>
+          <a:p>
+            <a:pPr algn="ctr"/>
+            <a:r>
+              <a:rPr lang="en-US" altLang="zh-CN" dirty="0">
+                <a:latin typeface="Berlin Sans FB Demi" panose="020E0802020502020306" pitchFamily="34" charset="0"/>
+              </a:rPr>
+              <a:t>Stun</a:t>
+            </a:r>
+          </a:p>
+          <a:p>
+            <a:pPr algn="ctr"/>
+            <a:r>
+              <a:rPr lang="en-US" altLang="zh-CN" dirty="0">
+                <a:latin typeface="Berlin Sans FB Demi" panose="020E0802020502020306" pitchFamily="34" charset="0"/>
+              </a:rPr>
+              <a:t>server</a:t>
+            </a:r>
+          </a:p>
+        </p:txBody>
+      </p:sp>
+      <p:sp>
+        <p:nvSpPr>
+          <p:cNvPr id="30" name="Rectangle: Rounded Corners 29">
+            <a:extLst>
+              <a:ext uri="{FF2B5EF4-FFF2-40B4-BE49-F238E27FC236}">
+                <a16:creationId xmlns:a16="http://schemas.microsoft.com/office/drawing/2014/main" id="{B2BBD817-1A07-47B6-B4DF-D3F7D250248F}"/>
+              </a:ext>
+            </a:extLst>
+          </p:cNvPr>
+          <p:cNvSpPr/>
+          <p:nvPr/>
+        </p:nvSpPr>
+        <p:spPr>
+          <a:xfrm>
+            <a:off x="1143786" y="3535544"/>
+            <a:ext cx="914400" cy="408623"/>
+          </a:xfrm>
+          <a:prstGeom prst="roundRect">
+            <a:avLst/>
+          </a:prstGeom>
+        </p:spPr>
         <p:style>
           <a:lnRef idx="1">
-            <a:schemeClr val="accent6"/>
-          </a:lnRef>
-          <a:fillRef idx="3">
-            <a:schemeClr val="accent6"/>
-          </a:fillRef>
-          <a:effectRef idx="2">
-            <a:schemeClr val="accent6"/>
-          </a:effectRef>
-          <a:fontRef idx="minor">
-            <a:schemeClr val="lt1"/>
-          </a:fontRef>
-        </p:style>
-        <p:txBody>
-          <a:bodyPr rtlCol="0" anchor="ctr"/>
-          <a:lstStyle/>
-          <a:p>
-            <a:pPr algn="ctr"/>
-            <a:endParaRPr lang="zh-CN" altLang="en-US"/>
-          </a:p>
-        </p:txBody>
-      </p:sp>
-      <p:cxnSp>
-        <p:nvCxnSpPr>
-          <p:cNvPr id="87" name="Straight Arrow Connector 86">
-            <a:extLst>
-              <a:ext uri="{FF2B5EF4-FFF2-40B4-BE49-F238E27FC236}">
-                <a16:creationId xmlns:a16="http://schemas.microsoft.com/office/drawing/2014/main" id="{D872D749-3D4E-4223-A16E-63325AEC16EA}"/>
-              </a:ext>
-            </a:extLst>
-          </p:cNvPr>
-          <p:cNvCxnSpPr>
-            <a:stCxn id="60" idx="2"/>
-            <a:endCxn id="61" idx="0"/>
-          </p:cNvCxnSpPr>
-          <p:nvPr/>
-        </p:nvCxnSpPr>
-        <p:spPr>
-          <a:xfrm flipH="1">
-            <a:off x="10115548" y="5439439"/>
-            <a:ext cx="1" cy="939322"/>
-          </a:xfrm>
-          <a:prstGeom prst="straightConnector1">
-            <a:avLst/>
-          </a:prstGeom>
-          <a:ln>
-            <a:tailEnd type="triangle"/>
-          </a:ln>
+            <a:schemeClr val="accent3"/>
+          </a:lnRef>
+          <a:fillRef idx="2">
+            <a:schemeClr val="accent3"/>
+          </a:fillRef>
+          <a:effectRef idx="1">
+            <a:schemeClr val="accent3"/>
+          </a:effectRef>
+          <a:fontRef idx="minor">
+            <a:schemeClr val="dk1"/>
+          </a:fontRef>
+        </p:style>
+        <p:txBody>
+          <a:bodyPr wrap="square" rtlCol="0" anchor="ctr">
+            <a:spAutoFit/>
+          </a:bodyPr>
+          <a:lstStyle/>
+          <a:p>
+            <a:r>
+              <a:rPr lang="en-US" altLang="zh-CN" dirty="0">
+                <a:latin typeface="Berlin Sans FB Demi" panose="020E0802020502020306" pitchFamily="34" charset="0"/>
+              </a:rPr>
+              <a:t>Agent</a:t>
+            </a:r>
+            <a:endParaRPr lang="zh-CN" altLang="en-US" dirty="0">
+              <a:latin typeface="Berlin Sans FB Demi" panose="020E0802020502020306" pitchFamily="34" charset="0"/>
+            </a:endParaRPr>
+          </a:p>
+        </p:txBody>
+      </p:sp>
+      <p:sp>
+        <p:nvSpPr>
+          <p:cNvPr id="31" name="Rectangle: Rounded Corners 30">
+            <a:extLst>
+              <a:ext uri="{FF2B5EF4-FFF2-40B4-BE49-F238E27FC236}">
+                <a16:creationId xmlns:a16="http://schemas.microsoft.com/office/drawing/2014/main" id="{5CC42D6F-EF4D-4519-BF6B-9A8C3781D27B}"/>
+              </a:ext>
+            </a:extLst>
+          </p:cNvPr>
+          <p:cNvSpPr/>
+          <p:nvPr/>
+        </p:nvSpPr>
+        <p:spPr>
+          <a:xfrm>
+            <a:off x="2524821" y="3537785"/>
+            <a:ext cx="914400" cy="408623"/>
+          </a:xfrm>
+          <a:prstGeom prst="roundRect">
+            <a:avLst/>
+          </a:prstGeom>
         </p:spPr>
         <p:style>
           <a:lnRef idx="1">
-            <a:schemeClr val="accent1"/>
-          </a:lnRef>
-          <a:fillRef idx="0">
-            <a:schemeClr val="accent1"/>
-          </a:fillRef>
-          <a:effectRef idx="0">
-            <a:schemeClr val="accent1"/>
-          </a:effectRef>
-          <a:fontRef idx="minor">
-            <a:schemeClr val="tx1"/>
-          </a:fontRef>
-        </p:style>
-      </p:cxnSp>
-      <p:cxnSp>
-        <p:nvCxnSpPr>
-          <p:cNvPr id="84" name="Straight Arrow Connector 83">
-            <a:extLst>
-              <a:ext uri="{FF2B5EF4-FFF2-40B4-BE49-F238E27FC236}">
-                <a16:creationId xmlns:a16="http://schemas.microsoft.com/office/drawing/2014/main" id="{60586CEC-3AD0-4549-9060-A38FD1897ACF}"/>
-              </a:ext>
-            </a:extLst>
-          </p:cNvPr>
-          <p:cNvCxnSpPr>
-            <a:stCxn id="48" idx="2"/>
-            <a:endCxn id="77" idx="0"/>
-          </p:cNvCxnSpPr>
-          <p:nvPr/>
-        </p:nvCxnSpPr>
-        <p:spPr>
-          <a:xfrm>
-            <a:off x="8329612" y="2223941"/>
-            <a:ext cx="1" cy="1862716"/>
-          </a:xfrm>
-          <a:prstGeom prst="straightConnector1">
-            <a:avLst/>
-          </a:prstGeom>
-          <a:ln>
-            <a:tailEnd type="triangle"/>
-          </a:ln>
+            <a:schemeClr val="accent3"/>
+          </a:lnRef>
+          <a:fillRef idx="2">
+            <a:schemeClr val="accent3"/>
+          </a:fillRef>
+          <a:effectRef idx="1">
+            <a:schemeClr val="accent3"/>
+          </a:effectRef>
+          <a:fontRef idx="minor">
+            <a:schemeClr val="dk1"/>
+          </a:fontRef>
+        </p:style>
+        <p:txBody>
+          <a:bodyPr wrap="square" rtlCol="0" anchor="ctr">
+            <a:spAutoFit/>
+          </a:bodyPr>
+          <a:lstStyle/>
+          <a:p>
+            <a:r>
+              <a:rPr lang="en-US" altLang="zh-CN" dirty="0">
+                <a:latin typeface="Berlin Sans FB Demi" panose="020E0802020502020306" pitchFamily="34" charset="0"/>
+              </a:rPr>
+              <a:t>Session</a:t>
+            </a:r>
+            <a:endParaRPr lang="zh-CN" altLang="en-US" dirty="0">
+              <a:latin typeface="Berlin Sans FB Demi" panose="020E0802020502020306" pitchFamily="34" charset="0"/>
+            </a:endParaRPr>
+          </a:p>
+        </p:txBody>
+      </p:sp>
+      <p:sp>
+        <p:nvSpPr>
+          <p:cNvPr id="32" name="Rectangle: Rounded Corners 31">
+            <a:extLst>
+              <a:ext uri="{FF2B5EF4-FFF2-40B4-BE49-F238E27FC236}">
+                <a16:creationId xmlns:a16="http://schemas.microsoft.com/office/drawing/2014/main" id="{BA62EF56-DAD2-436F-B641-C43AE6C24D4B}"/>
+              </a:ext>
+            </a:extLst>
+          </p:cNvPr>
+          <p:cNvSpPr/>
+          <p:nvPr/>
+        </p:nvSpPr>
+        <p:spPr>
+          <a:xfrm>
+            <a:off x="4141076" y="2877394"/>
+            <a:ext cx="1681655" cy="408623"/>
+          </a:xfrm>
+          <a:prstGeom prst="roundRect">
+            <a:avLst/>
+          </a:prstGeom>
         </p:spPr>
         <p:style>
           <a:lnRef idx="1">
-            <a:schemeClr val="accent1"/>
-          </a:lnRef>
-          <a:fillRef idx="0">
-            <a:schemeClr val="accent1"/>
-          </a:fillRef>
-          <a:effectRef idx="0">
-            <a:schemeClr val="accent1"/>
-          </a:effectRef>
-          <a:fontRef idx="minor">
-            <a:schemeClr val="tx1"/>
-          </a:fontRef>
-        </p:style>
-      </p:cxnSp>
-      <p:sp>
-        <p:nvSpPr>
-          <p:cNvPr id="42" name="Rectangle: Rounded Corners 41">
-            <a:extLst>
-              <a:ext uri="{FF2B5EF4-FFF2-40B4-BE49-F238E27FC236}">
-                <a16:creationId xmlns:a16="http://schemas.microsoft.com/office/drawing/2014/main" id="{D6ADFB79-5176-4FB1-8294-D7E502D26354}"/>
+            <a:schemeClr val="accent3"/>
+          </a:lnRef>
+          <a:fillRef idx="2">
+            <a:schemeClr val="accent3"/>
+          </a:fillRef>
+          <a:effectRef idx="1">
+            <a:schemeClr val="accent3"/>
+          </a:effectRef>
+          <a:fontRef idx="minor">
+            <a:schemeClr val="dk1"/>
+          </a:fontRef>
+        </p:style>
+        <p:txBody>
+          <a:bodyPr wrap="square" rtlCol="0" anchor="ctr">
+            <a:spAutoFit/>
+          </a:bodyPr>
+          <a:lstStyle/>
+          <a:p>
+            <a:r>
+              <a:rPr lang="en-US" altLang="zh-CN" dirty="0">
+                <a:latin typeface="Berlin Sans FB Demi" panose="020E0802020502020306" pitchFamily="34" charset="0"/>
+              </a:rPr>
+              <a:t>Stream(video)</a:t>
+            </a:r>
+            <a:endParaRPr lang="zh-CN" altLang="en-US" dirty="0">
+              <a:latin typeface="Berlin Sans FB Demi" panose="020E0802020502020306" pitchFamily="34" charset="0"/>
+            </a:endParaRPr>
+          </a:p>
+        </p:txBody>
+      </p:sp>
+      <p:sp>
+        <p:nvSpPr>
+          <p:cNvPr id="33" name="Rectangle: Rounded Corners 32">
+            <a:extLst>
+              <a:ext uri="{FF2B5EF4-FFF2-40B4-BE49-F238E27FC236}">
+                <a16:creationId xmlns:a16="http://schemas.microsoft.com/office/drawing/2014/main" id="{1B43FE23-1B60-4915-9666-69FA83CD4DAE}"/>
               </a:ext>
             </a:extLst>
           </p:cNvPr>
@@ -37243,8 +37595,8 @@
         </p:nvSpPr>
         <p:spPr>
           <a:xfrm>
-            <a:off x="3401722" y="19050"/>
-            <a:ext cx="1356014" cy="408623"/>
+            <a:off x="6096000" y="1673385"/>
+            <a:ext cx="1408541" cy="408623"/>
           </a:xfrm>
           <a:prstGeom prst="roundRect">
             <a:avLst/>
@@ -37276,15 +37628,105 @@
               </a:rPr>
               <a:t>Candidate</a:t>
             </a:r>
-          </a:p>
-        </p:txBody>
-      </p:sp>
-      <p:sp>
-        <p:nvSpPr>
-          <p:cNvPr id="21" name="Rectangle: Single Corner Rounded 20">
-            <a:extLst>
-              <a:ext uri="{FF2B5EF4-FFF2-40B4-BE49-F238E27FC236}">
-                <a16:creationId xmlns:a16="http://schemas.microsoft.com/office/drawing/2014/main" id="{AC808267-63C4-49EA-B387-1A1497E1A10C}"/>
+            <a:endParaRPr lang="zh-CN" altLang="en-US" dirty="0">
+              <a:latin typeface="Berlin Sans FB Demi" panose="020E0802020502020306" pitchFamily="34" charset="0"/>
+            </a:endParaRPr>
+          </a:p>
+        </p:txBody>
+      </p:sp>
+      <p:cxnSp>
+        <p:nvCxnSpPr>
+          <p:cNvPr id="4" name="Straight Arrow Connector 3">
+            <a:extLst>
+              <a:ext uri="{FF2B5EF4-FFF2-40B4-BE49-F238E27FC236}">
+                <a16:creationId xmlns:a16="http://schemas.microsoft.com/office/drawing/2014/main" id="{400306CC-D58E-4D53-9050-B07D70196B05}"/>
+              </a:ext>
+            </a:extLst>
+          </p:cNvPr>
+          <p:cNvCxnSpPr>
+            <a:stCxn id="30" idx="3"/>
+            <a:endCxn id="31" idx="1"/>
+          </p:cNvCxnSpPr>
+          <p:nvPr/>
+        </p:nvCxnSpPr>
+        <p:spPr>
+          <a:xfrm>
+            <a:off x="2058186" y="3739856"/>
+            <a:ext cx="466635" cy="2241"/>
+          </a:xfrm>
+          <a:prstGeom prst="straightConnector1">
+            <a:avLst/>
+          </a:prstGeom>
+          <a:ln>
+            <a:tailEnd type="triangle"/>
+          </a:ln>
+        </p:spPr>
+        <p:style>
+          <a:lnRef idx="1">
+            <a:schemeClr val="accent1"/>
+          </a:lnRef>
+          <a:fillRef idx="0">
+            <a:schemeClr val="accent1"/>
+          </a:fillRef>
+          <a:effectRef idx="0">
+            <a:schemeClr val="accent1"/>
+          </a:effectRef>
+          <a:fontRef idx="minor">
+            <a:schemeClr val="tx1"/>
+          </a:fontRef>
+        </p:style>
+      </p:cxnSp>
+      <p:cxnSp>
+        <p:nvCxnSpPr>
+          <p:cNvPr id="9" name="Straight Arrow Connector 8">
+            <a:extLst>
+              <a:ext uri="{FF2B5EF4-FFF2-40B4-BE49-F238E27FC236}">
+                <a16:creationId xmlns:a16="http://schemas.microsoft.com/office/drawing/2014/main" id="{331599B7-3DED-4671-BA32-079AE3BF47A1}"/>
+              </a:ext>
+            </a:extLst>
+          </p:cNvPr>
+          <p:cNvCxnSpPr>
+            <a:cxnSpLocks/>
+            <a:stCxn id="32" idx="3"/>
+            <a:endCxn id="33" idx="1"/>
+          </p:cNvCxnSpPr>
+          <p:nvPr/>
+        </p:nvCxnSpPr>
+        <p:spPr>
+          <a:xfrm flipV="1">
+            <a:off x="5822731" y="1877697"/>
+            <a:ext cx="273269" cy="1204009"/>
+          </a:xfrm>
+          <a:prstGeom prst="bentConnector3">
+            <a:avLst>
+              <a:gd name="adj1" fmla="val 50000"/>
+            </a:avLst>
+          </a:prstGeom>
+          <a:ln>
+            <a:tailEnd type="triangle"/>
+          </a:ln>
+        </p:spPr>
+        <p:style>
+          <a:lnRef idx="1">
+            <a:schemeClr val="accent1"/>
+          </a:lnRef>
+          <a:fillRef idx="0">
+            <a:schemeClr val="accent1"/>
+          </a:fillRef>
+          <a:effectRef idx="0">
+            <a:schemeClr val="accent1"/>
+          </a:effectRef>
+          <a:fontRef idx="minor">
+            <a:schemeClr val="tx1"/>
+          </a:fontRef>
+        </p:style>
+      </p:cxnSp>
+      <p:sp>
+        <p:nvSpPr>
+          <p:cNvPr id="40" name="Rectangle: Rounded Corners 39">
+            <a:extLst>
+              <a:ext uri="{FF2B5EF4-FFF2-40B4-BE49-F238E27FC236}">
+                <a16:creationId xmlns:a16="http://schemas.microsoft.com/office/drawing/2014/main" id="{3537FBBD-AD6D-4B3B-A1D5-2F2FB54FAE51}"/>
               </a:ext>
             </a:extLst>
           </p:cNvPr>
@@ -37293,56 +37735,261 @@
         </p:nvSpPr>
         <p:spPr>
           <a:xfrm>
-            <a:off x="66678" y="2678274"/>
-            <a:ext cx="2066925" cy="461665"/>
-          </a:xfrm>
-          <a:prstGeom prst="round1Rect">
-            <a:avLst/>
-          </a:prstGeom>
-        </p:spPr>
-        <p:style>
-          <a:lnRef idx="2">
-            <a:schemeClr val="accent6">
-              <a:shade val="50000"/>
-            </a:schemeClr>
-          </a:lnRef>
-          <a:fillRef idx="1">
-            <a:schemeClr val="accent6"/>
-          </a:fillRef>
-          <a:effectRef idx="0">
-            <a:schemeClr val="accent6"/>
-          </a:effectRef>
-          <a:fontRef idx="minor">
-            <a:schemeClr val="lt1"/>
-          </a:fontRef>
-        </p:style>
-        <p:txBody>
-          <a:bodyPr rtlCol="0" anchor="ctr">
+            <a:off x="4141076" y="3544520"/>
+            <a:ext cx="1681655" cy="408623"/>
+          </a:xfrm>
+          <a:prstGeom prst="roundRect">
+            <a:avLst/>
+          </a:prstGeom>
+        </p:spPr>
+        <p:style>
+          <a:lnRef idx="1">
+            <a:schemeClr val="accent3"/>
+          </a:lnRef>
+          <a:fillRef idx="2">
+            <a:schemeClr val="accent3"/>
+          </a:fillRef>
+          <a:effectRef idx="1">
+            <a:schemeClr val="accent3"/>
+          </a:effectRef>
+          <a:fontRef idx="minor">
+            <a:schemeClr val="dk1"/>
+          </a:fontRef>
+        </p:style>
+        <p:txBody>
+          <a:bodyPr wrap="square" rtlCol="0" anchor="ctr">
             <a:spAutoFit/>
           </a:bodyPr>
           <a:lstStyle/>
           <a:p>
-            <a:pPr algn="ctr"/>
-            <a:r>
-              <a:rPr lang="en-US" altLang="zh-CN" sz="2400" dirty="0">
-                <a:latin typeface="DFMincho-SU" panose="02010609010101010101" pitchFamily="1" charset="-128"/>
-                <a:ea typeface="DFMincho-SU" panose="02010609010101010101" pitchFamily="1" charset="-128"/>
+            <a:r>
+              <a:rPr lang="en-US" altLang="zh-CN" dirty="0">
+                <a:latin typeface="Berlin Sans FB Demi" panose="020E0802020502020306" pitchFamily="34" charset="0"/>
               </a:rPr>
-              <a:t>recv_thread</a:t>
-            </a:r>
-            <a:endParaRPr lang="zh-CN" altLang="en-US" sz="2400" dirty="0">
-              <a:latin typeface="DFMincho-SU" panose="02010609010101010101" pitchFamily="1" charset="-128"/>
-              <a:ea typeface="DFMincho-SU" panose="02010609010101010101" pitchFamily="1" charset="-128"/>
+              <a:t>Stream(audio)</a:t>
+            </a:r>
+            <a:endParaRPr lang="zh-CN" altLang="en-US" dirty="0">
+              <a:latin typeface="Berlin Sans FB Demi" panose="020E0802020502020306" pitchFamily="34" charset="0"/>
             </a:endParaRPr>
           </a:p>
         </p:txBody>
       </p:sp>
-      <p:sp>
-        <p:nvSpPr>
-          <p:cNvPr id="44" name="Rectangle: Single Corner Rounded 43">
-            <a:extLst>
-              <a:ext uri="{FF2B5EF4-FFF2-40B4-BE49-F238E27FC236}">
-                <a16:creationId xmlns:a16="http://schemas.microsoft.com/office/drawing/2014/main" id="{99655F4C-A2E1-437A-9EFB-FFB3967485BA}"/>
+      <p:cxnSp>
+        <p:nvCxnSpPr>
+          <p:cNvPr id="18" name="Straight Arrow Connector 17">
+            <a:extLst>
+              <a:ext uri="{FF2B5EF4-FFF2-40B4-BE49-F238E27FC236}">
+                <a16:creationId xmlns:a16="http://schemas.microsoft.com/office/drawing/2014/main" id="{FE0BD87F-4B75-4228-9FB9-345B6F608B73}"/>
+              </a:ext>
+            </a:extLst>
+          </p:cNvPr>
+          <p:cNvCxnSpPr>
+            <a:stCxn id="31" idx="3"/>
+            <a:endCxn id="32" idx="1"/>
+          </p:cNvCxnSpPr>
+          <p:nvPr/>
+        </p:nvCxnSpPr>
+        <p:spPr>
+          <a:xfrm flipV="1">
+            <a:off x="3439221" y="3081706"/>
+            <a:ext cx="701855" cy="660391"/>
+          </a:xfrm>
+          <a:prstGeom prst="straightConnector1">
+            <a:avLst/>
+          </a:prstGeom>
+          <a:ln>
+            <a:tailEnd type="triangle"/>
+          </a:ln>
+        </p:spPr>
+        <p:style>
+          <a:lnRef idx="1">
+            <a:schemeClr val="accent1"/>
+          </a:lnRef>
+          <a:fillRef idx="0">
+            <a:schemeClr val="accent1"/>
+          </a:fillRef>
+          <a:effectRef idx="0">
+            <a:schemeClr val="accent1"/>
+          </a:effectRef>
+          <a:fontRef idx="minor">
+            <a:schemeClr val="tx1"/>
+          </a:fontRef>
+        </p:style>
+      </p:cxnSp>
+      <p:cxnSp>
+        <p:nvCxnSpPr>
+          <p:cNvPr id="21" name="Straight Arrow Connector 20">
+            <a:extLst>
+              <a:ext uri="{FF2B5EF4-FFF2-40B4-BE49-F238E27FC236}">
+                <a16:creationId xmlns:a16="http://schemas.microsoft.com/office/drawing/2014/main" id="{1C97A769-D76D-429B-85B9-3188F920DE87}"/>
+              </a:ext>
+            </a:extLst>
+          </p:cNvPr>
+          <p:cNvCxnSpPr>
+            <a:stCxn id="31" idx="3"/>
+            <a:endCxn id="40" idx="1"/>
+          </p:cNvCxnSpPr>
+          <p:nvPr/>
+        </p:nvCxnSpPr>
+        <p:spPr>
+          <a:xfrm>
+            <a:off x="3439221" y="3742097"/>
+            <a:ext cx="701855" cy="6735"/>
+          </a:xfrm>
+          <a:prstGeom prst="straightConnector1">
+            <a:avLst/>
+          </a:prstGeom>
+          <a:ln>
+            <a:tailEnd type="triangle"/>
+          </a:ln>
+        </p:spPr>
+        <p:style>
+          <a:lnRef idx="1">
+            <a:schemeClr val="accent1"/>
+          </a:lnRef>
+          <a:fillRef idx="0">
+            <a:schemeClr val="accent1"/>
+          </a:fillRef>
+          <a:effectRef idx="0">
+            <a:schemeClr val="accent1"/>
+          </a:effectRef>
+          <a:fontRef idx="minor">
+            <a:schemeClr val="tx1"/>
+          </a:fontRef>
+        </p:style>
+      </p:cxnSp>
+      <p:cxnSp>
+        <p:nvCxnSpPr>
+          <p:cNvPr id="25" name="Straight Arrow Connector 24">
+            <a:extLst>
+              <a:ext uri="{FF2B5EF4-FFF2-40B4-BE49-F238E27FC236}">
+                <a16:creationId xmlns:a16="http://schemas.microsoft.com/office/drawing/2014/main" id="{16CB99D1-0648-43C6-A116-9B8C2848A4D9}"/>
+              </a:ext>
+            </a:extLst>
+          </p:cNvPr>
+          <p:cNvCxnSpPr>
+            <a:stCxn id="2" idx="1"/>
+            <a:endCxn id="30" idx="0"/>
+          </p:cNvCxnSpPr>
+          <p:nvPr/>
+        </p:nvCxnSpPr>
+        <p:spPr>
+          <a:xfrm>
+            <a:off x="929254" y="1197294"/>
+            <a:ext cx="671732" cy="2338250"/>
+          </a:xfrm>
+          <a:prstGeom prst="straightConnector1">
+            <a:avLst/>
+          </a:prstGeom>
+          <a:ln>
+            <a:tailEnd type="triangle"/>
+          </a:ln>
+        </p:spPr>
+        <p:style>
+          <a:lnRef idx="1">
+            <a:schemeClr val="accent1"/>
+          </a:lnRef>
+          <a:fillRef idx="0">
+            <a:schemeClr val="accent1"/>
+          </a:fillRef>
+          <a:effectRef idx="0">
+            <a:schemeClr val="accent1"/>
+          </a:effectRef>
+          <a:fontRef idx="minor">
+            <a:schemeClr val="tx1"/>
+          </a:fontRef>
+        </p:style>
+      </p:cxnSp>
+      <p:cxnSp>
+        <p:nvCxnSpPr>
+          <p:cNvPr id="34" name="Straight Arrow Connector 33">
+            <a:extLst>
+              <a:ext uri="{FF2B5EF4-FFF2-40B4-BE49-F238E27FC236}">
+                <a16:creationId xmlns:a16="http://schemas.microsoft.com/office/drawing/2014/main" id="{C9780F3B-AA45-4C85-827A-43F164D3790F}"/>
+              </a:ext>
+            </a:extLst>
+          </p:cNvPr>
+          <p:cNvCxnSpPr>
+            <a:stCxn id="28" idx="1"/>
+            <a:endCxn id="30" idx="0"/>
+          </p:cNvCxnSpPr>
+          <p:nvPr/>
+        </p:nvCxnSpPr>
+        <p:spPr>
+          <a:xfrm flipH="1">
+            <a:off x="1600986" y="1197294"/>
+            <a:ext cx="783951" cy="2338250"/>
+          </a:xfrm>
+          <a:prstGeom prst="straightConnector1">
+            <a:avLst/>
+          </a:prstGeom>
+          <a:ln>
+            <a:tailEnd type="triangle"/>
+          </a:ln>
+        </p:spPr>
+        <p:style>
+          <a:lnRef idx="1">
+            <a:schemeClr val="accent1"/>
+          </a:lnRef>
+          <a:fillRef idx="0">
+            <a:schemeClr val="accent1"/>
+          </a:fillRef>
+          <a:effectRef idx="0">
+            <a:schemeClr val="accent1"/>
+          </a:effectRef>
+          <a:fontRef idx="minor">
+            <a:schemeClr val="tx1"/>
+          </a:fontRef>
+        </p:style>
+      </p:cxnSp>
+      <p:cxnSp>
+        <p:nvCxnSpPr>
+          <p:cNvPr id="39" name="Straight Arrow Connector 38">
+            <a:extLst>
+              <a:ext uri="{FF2B5EF4-FFF2-40B4-BE49-F238E27FC236}">
+                <a16:creationId xmlns:a16="http://schemas.microsoft.com/office/drawing/2014/main" id="{C03EFC3D-6C81-4640-AF7A-130A25174DB7}"/>
+              </a:ext>
+            </a:extLst>
+          </p:cNvPr>
+          <p:cNvCxnSpPr>
+            <a:stCxn id="29" idx="1"/>
+            <a:endCxn id="30" idx="0"/>
+          </p:cNvCxnSpPr>
+          <p:nvPr/>
+        </p:nvCxnSpPr>
+        <p:spPr>
+          <a:xfrm flipH="1">
+            <a:off x="1600986" y="1197294"/>
+            <a:ext cx="2239634" cy="2338250"/>
+          </a:xfrm>
+          <a:prstGeom prst="straightConnector1">
+            <a:avLst/>
+          </a:prstGeom>
+          <a:ln>
+            <a:tailEnd type="triangle"/>
+          </a:ln>
+        </p:spPr>
+        <p:style>
+          <a:lnRef idx="1">
+            <a:schemeClr val="accent1"/>
+          </a:lnRef>
+          <a:fillRef idx="0">
+            <a:schemeClr val="accent1"/>
+          </a:fillRef>
+          <a:effectRef idx="0">
+            <a:schemeClr val="accent1"/>
+          </a:effectRef>
+          <a:fontRef idx="minor">
+            <a:schemeClr val="tx1"/>
+          </a:fontRef>
+        </p:style>
+      </p:cxnSp>
+      <p:sp>
+        <p:nvSpPr>
+          <p:cNvPr id="60" name="Rectangle: Rounded Corners 59">
+            <a:extLst>
+              <a:ext uri="{FF2B5EF4-FFF2-40B4-BE49-F238E27FC236}">
+                <a16:creationId xmlns:a16="http://schemas.microsoft.com/office/drawing/2014/main" id="{C5B79241-4BEF-4890-9BD7-A56619A279A6}"/>
               </a:ext>
             </a:extLst>
           </p:cNvPr>
@@ -37351,54 +37998,95 @@
         </p:nvSpPr>
         <p:spPr>
           <a:xfrm>
-            <a:off x="6991349" y="263808"/>
-            <a:ext cx="2676525" cy="461665"/>
-          </a:xfrm>
-          <a:prstGeom prst="round1Rect">
-            <a:avLst/>
-          </a:prstGeom>
-        </p:spPr>
-        <p:style>
-          <a:lnRef idx="0">
-            <a:schemeClr val="accent6"/>
-          </a:lnRef>
-          <a:fillRef idx="3">
-            <a:schemeClr val="accent6"/>
-          </a:fillRef>
-          <a:effectRef idx="3">
-            <a:schemeClr val="accent6"/>
-          </a:effectRef>
-          <a:fontRef idx="minor">
-            <a:schemeClr val="lt1"/>
-          </a:fontRef>
-        </p:style>
-        <p:txBody>
-          <a:bodyPr rtlCol="0" anchor="ctr">
+            <a:off x="6096000" y="2275389"/>
+            <a:ext cx="1408541" cy="408623"/>
+          </a:xfrm>
+          <a:prstGeom prst="roundRect">
+            <a:avLst/>
+          </a:prstGeom>
+        </p:spPr>
+        <p:style>
+          <a:lnRef idx="1">
+            <a:schemeClr val="accent3"/>
+          </a:lnRef>
+          <a:fillRef idx="2">
+            <a:schemeClr val="accent3"/>
+          </a:fillRef>
+          <a:effectRef idx="1">
+            <a:schemeClr val="accent3"/>
+          </a:effectRef>
+          <a:fontRef idx="minor">
+            <a:schemeClr val="dk1"/>
+          </a:fontRef>
+        </p:style>
+        <p:txBody>
+          <a:bodyPr wrap="square" rtlCol="0" anchor="ctr">
             <a:spAutoFit/>
           </a:bodyPr>
           <a:lstStyle/>
           <a:p>
-            <a:pPr algn="ctr"/>
-            <a:r>
-              <a:rPr lang="en-US" altLang="zh-CN" sz="2400" dirty="0">
-                <a:latin typeface="DFMincho-SU" panose="02010609010101010101" pitchFamily="1" charset="-128"/>
-                <a:ea typeface="DFMincho-SU" panose="02010609010101010101" pitchFamily="1" charset="-128"/>
+            <a:r>
+              <a:rPr lang="en-US" altLang="zh-CN" dirty="0">
+                <a:latin typeface="Berlin Sans FB Demi" panose="020E0802020502020306" pitchFamily="34" charset="0"/>
               </a:rPr>
-              <a:t>gather_thread</a:t>
-            </a:r>
-            <a:endParaRPr lang="zh-CN" altLang="en-US" sz="2400" dirty="0">
-              <a:latin typeface="DFMincho-SU" panose="02010609010101010101" pitchFamily="1" charset="-128"/>
-              <a:ea typeface="DFMincho-SU" panose="02010609010101010101" pitchFamily="1" charset="-128"/>
+              <a:t>Candidate</a:t>
+            </a:r>
+            <a:endParaRPr lang="zh-CN" altLang="en-US" dirty="0">
+              <a:latin typeface="Berlin Sans FB Demi" panose="020E0802020502020306" pitchFamily="34" charset="0"/>
             </a:endParaRPr>
           </a:p>
         </p:txBody>
       </p:sp>
-      <p:sp>
-        <p:nvSpPr>
-          <p:cNvPr id="45" name="Rectangle: Single Corner Rounded 44">
-            <a:extLst>
-              <a:ext uri="{FF2B5EF4-FFF2-40B4-BE49-F238E27FC236}">
-                <a16:creationId xmlns:a16="http://schemas.microsoft.com/office/drawing/2014/main" id="{B3AD826E-8135-4751-9981-A837195BD620}"/>
+      <p:cxnSp>
+        <p:nvCxnSpPr>
+          <p:cNvPr id="43" name="Straight Arrow Connector 42">
+            <a:extLst>
+              <a:ext uri="{FF2B5EF4-FFF2-40B4-BE49-F238E27FC236}">
+                <a16:creationId xmlns:a16="http://schemas.microsoft.com/office/drawing/2014/main" id="{2CDD36C1-482B-402A-AAA3-FF3202C77B98}"/>
+              </a:ext>
+            </a:extLst>
+          </p:cNvPr>
+          <p:cNvCxnSpPr>
+            <a:stCxn id="32" idx="3"/>
+            <a:endCxn id="60" idx="1"/>
+          </p:cNvCxnSpPr>
+          <p:nvPr/>
+        </p:nvCxnSpPr>
+        <p:spPr>
+          <a:xfrm flipV="1">
+            <a:off x="5822731" y="2479701"/>
+            <a:ext cx="273269" cy="602005"/>
+          </a:xfrm>
+          <a:prstGeom prst="bentConnector3">
+            <a:avLst>
+              <a:gd name="adj1" fmla="val 50000"/>
+            </a:avLst>
+          </a:prstGeom>
+          <a:ln>
+            <a:tailEnd type="triangle"/>
+          </a:ln>
+        </p:spPr>
+        <p:style>
+          <a:lnRef idx="1">
+            <a:schemeClr val="accent1"/>
+          </a:lnRef>
+          <a:fillRef idx="0">
+            <a:schemeClr val="accent1"/>
+          </a:fillRef>
+          <a:effectRef idx="0">
+            <a:schemeClr val="accent1"/>
+          </a:effectRef>
+          <a:fontRef idx="minor">
+            <a:schemeClr val="tx1"/>
+          </a:fontRef>
+        </p:style>
+      </p:cxnSp>
+      <p:sp>
+        <p:nvSpPr>
+          <p:cNvPr id="44" name="Rectangle: Single Corner Rounded 43">
+            <a:extLst>
+              <a:ext uri="{FF2B5EF4-FFF2-40B4-BE49-F238E27FC236}">
+                <a16:creationId xmlns:a16="http://schemas.microsoft.com/office/drawing/2014/main" id="{5F4006A5-A3E9-4A29-AD95-0FB23DBD2878}"/>
               </a:ext>
             </a:extLst>
           </p:cNvPr>
@@ -37407,64 +38095,8 @@
         </p:nvSpPr>
         <p:spPr>
           <a:xfrm>
-            <a:off x="66678" y="1688190"/>
-            <a:ext cx="3257549" cy="461665"/>
-          </a:xfrm>
-          <a:prstGeom prst="round1Rect">
-            <a:avLst/>
-          </a:prstGeom>
-        </p:spPr>
-        <p:style>
-          <a:lnRef idx="1">
-            <a:schemeClr val="accent3"/>
-          </a:lnRef>
-          <a:fillRef idx="3">
-            <a:schemeClr val="accent3"/>
-          </a:fillRef>
-          <a:effectRef idx="2">
-            <a:schemeClr val="accent3"/>
-          </a:effectRef>
-          <a:fontRef idx="minor">
-            <a:schemeClr val="lt1"/>
-          </a:fontRef>
-        </p:style>
-        <p:txBody>
-          <a:bodyPr rtlCol="0" anchor="ctr">
-            <a:spAutoFit/>
-          </a:bodyPr>
-          <a:lstStyle/>
-          <a:p>
-            <a:pPr algn="ctr"/>
-            <a:r>
-              <a:rPr lang="en-US" altLang="zh-CN" sz="2400" dirty="0">
-                <a:latin typeface="DFMincho-SU" panose="02010609010101010101" pitchFamily="1" charset="-128"/>
-                <a:ea typeface="DFMincho-SU" panose="02010609010101010101" pitchFamily="1" charset="-128"/>
-              </a:rPr>
-              <a:t>connectivity_thread</a:t>
-            </a:r>
-            <a:endParaRPr lang="zh-CN" altLang="en-US" sz="2400" dirty="0">
-              <a:latin typeface="DFMincho-SU" panose="02010609010101010101" pitchFamily="1" charset="-128"/>
-              <a:ea typeface="DFMincho-SU" panose="02010609010101010101" pitchFamily="1" charset="-128"/>
-            </a:endParaRPr>
-          </a:p>
-        </p:txBody>
-      </p:sp>
-      <p:sp>
-        <p:nvSpPr>
-          <p:cNvPr id="48" name="Rectangle: Single Corner Rounded 47">
-            <a:extLst>
-              <a:ext uri="{FF2B5EF4-FFF2-40B4-BE49-F238E27FC236}">
-                <a16:creationId xmlns:a16="http://schemas.microsoft.com/office/drawing/2014/main" id="{342893C4-BCAE-4D5E-B3F3-3AE5A5D836EC}"/>
-              </a:ext>
-            </a:extLst>
-          </p:cNvPr>
-          <p:cNvSpPr/>
-          <p:nvPr/>
-        </p:nvSpPr>
-        <p:spPr>
-          <a:xfrm>
-            <a:off x="7353299" y="1854609"/>
-            <a:ext cx="1952626" cy="369332"/>
+            <a:off x="8166538" y="620110"/>
+            <a:ext cx="1996965" cy="832290"/>
           </a:xfrm>
           <a:prstGeom prst="round1Rect">
             <a:avLst/>
@@ -37487,456 +38119,44 @@
           </a:fontRef>
         </p:style>
         <p:txBody>
-          <a:bodyPr rtlCol="0" anchor="ctr">
-            <a:spAutoFit/>
-          </a:bodyPr>
-          <a:lstStyle/>
-          <a:p>
-            <a:pPr algn="ctr"/>
+          <a:bodyPr rtlCol="0" anchor="ctr"/>
+          <a:lstStyle/>
+          <a:p>
             <a:r>
               <a:rPr lang="en-US" altLang="zh-CN" dirty="0">
-                <a:latin typeface="Ubuntu Mono" panose="020B0509030602030204" pitchFamily="49" charset="0"/>
-                <a:ea typeface="DFMincho-SU" panose="02010609010101010101" pitchFamily="1" charset="-128"/>
+                <a:latin typeface="Berlin Sans FB Demi" panose="020E0802020502020306" pitchFamily="34" charset="0"/>
               </a:rPr>
-              <a:t>send_bind_req</a:t>
+              <a:t>STUN procedures</a:t>
             </a:r>
             <a:endParaRPr lang="zh-CN" altLang="en-US" dirty="0">
-              <a:latin typeface="Ubuntu Mono" panose="020B0509030602030204" pitchFamily="49" charset="0"/>
-              <a:ea typeface="DFMincho-SU" panose="02010609010101010101" pitchFamily="1" charset="-128"/>
-            </a:endParaRPr>
-          </a:p>
-        </p:txBody>
-      </p:sp>
-      <p:sp>
-        <p:nvSpPr>
-          <p:cNvPr id="51" name="Rectangle: Single Corner Rounded 50">
-            <a:extLst>
-              <a:ext uri="{FF2B5EF4-FFF2-40B4-BE49-F238E27FC236}">
-                <a16:creationId xmlns:a16="http://schemas.microsoft.com/office/drawing/2014/main" id="{95951C5A-F89D-4F65-A87F-9D15EA961B04}"/>
-              </a:ext>
-            </a:extLst>
-          </p:cNvPr>
-          <p:cNvSpPr/>
-          <p:nvPr/>
-        </p:nvSpPr>
-        <p:spPr>
-          <a:xfrm>
-            <a:off x="6696075" y="2358508"/>
-            <a:ext cx="3267075" cy="369332"/>
-          </a:xfrm>
-          <a:prstGeom prst="round1Rect">
-            <a:avLst/>
-          </a:prstGeom>
-        </p:spPr>
-        <p:style>
-          <a:lnRef idx="2">
-            <a:schemeClr val="accent1">
-              <a:shade val="50000"/>
-            </a:schemeClr>
-          </a:lnRef>
-          <a:fillRef idx="1">
-            <a:schemeClr val="accent1"/>
-          </a:fillRef>
-          <a:effectRef idx="0">
-            <a:schemeClr val="accent1"/>
-          </a:effectRef>
-          <a:fontRef idx="minor">
-            <a:schemeClr val="lt1"/>
-          </a:fontRef>
-        </p:style>
-        <p:txBody>
-          <a:bodyPr rtlCol="0" anchor="ctr">
-            <a:spAutoFit/>
-          </a:bodyPr>
-          <a:lstStyle/>
-          <a:p>
-            <a:pPr algn="ctr"/>
-            <a:r>
-              <a:rPr lang="en-US" altLang="zh-CN" dirty="0">
-                <a:latin typeface="Ubuntu Mono" panose="020B0509030602030204" pitchFamily="49" charset="0"/>
-                <a:ea typeface="DFMincho-SU" panose="02010609010101010101" pitchFamily="1" charset="-128"/>
-              </a:rPr>
-              <a:t>start_retransmission_timer</a:t>
-            </a:r>
-            <a:endParaRPr lang="zh-CN" altLang="en-US" dirty="0">
-              <a:latin typeface="Ubuntu Mono" panose="020B0509030602030204" pitchFamily="49" charset="0"/>
-              <a:ea typeface="DFMincho-SU" panose="02010609010101010101" pitchFamily="1" charset="-128"/>
-            </a:endParaRPr>
-          </a:p>
-        </p:txBody>
-      </p:sp>
-      <p:sp>
-        <p:nvSpPr>
-          <p:cNvPr id="53" name="Rectangle: Single Corner Rounded 52">
-            <a:extLst>
-              <a:ext uri="{FF2B5EF4-FFF2-40B4-BE49-F238E27FC236}">
-                <a16:creationId xmlns:a16="http://schemas.microsoft.com/office/drawing/2014/main" id="{F31B713A-F9A6-4908-80DB-37B4BF062ECE}"/>
-              </a:ext>
-            </a:extLst>
-          </p:cNvPr>
-          <p:cNvSpPr/>
-          <p:nvPr/>
-        </p:nvSpPr>
-        <p:spPr>
-          <a:xfrm>
-            <a:off x="6696075" y="2941914"/>
-            <a:ext cx="3267075" cy="369332"/>
-          </a:xfrm>
-          <a:prstGeom prst="round1Rect">
-            <a:avLst/>
-          </a:prstGeom>
-        </p:spPr>
-        <p:style>
-          <a:lnRef idx="2">
-            <a:schemeClr val="accent1">
-              <a:shade val="50000"/>
-            </a:schemeClr>
-          </a:lnRef>
-          <a:fillRef idx="1">
-            <a:schemeClr val="accent1"/>
-          </a:fillRef>
-          <a:effectRef idx="0">
-            <a:schemeClr val="accent1"/>
-          </a:effectRef>
-          <a:fontRef idx="minor">
-            <a:schemeClr val="lt1"/>
-          </a:fontRef>
-        </p:style>
-        <p:txBody>
-          <a:bodyPr rtlCol="0" anchor="ctr">
-            <a:spAutoFit/>
-          </a:bodyPr>
-          <a:lstStyle/>
-          <a:p>
-            <a:pPr algn="ctr"/>
-            <a:r>
-              <a:rPr lang="en-US" altLang="zh-CN" dirty="0">
-                <a:latin typeface="Ubuntu Mono" panose="020B0509030602030204" pitchFamily="49" charset="0"/>
-                <a:ea typeface="DFMincho-SU" panose="02010609010101010101" pitchFamily="1" charset="-128"/>
-              </a:rPr>
-              <a:t>wait_for_bind_resp</a:t>
-            </a:r>
-            <a:endParaRPr lang="zh-CN" altLang="en-US" dirty="0">
-              <a:latin typeface="Ubuntu Mono" panose="020B0509030602030204" pitchFamily="49" charset="0"/>
-              <a:ea typeface="DFMincho-SU" panose="02010609010101010101" pitchFamily="1" charset="-128"/>
-            </a:endParaRPr>
-          </a:p>
-        </p:txBody>
-      </p:sp>
-      <p:sp>
-        <p:nvSpPr>
-          <p:cNvPr id="54" name="Rectangle: Single Corner Rounded 53">
-            <a:extLst>
-              <a:ext uri="{FF2B5EF4-FFF2-40B4-BE49-F238E27FC236}">
-                <a16:creationId xmlns:a16="http://schemas.microsoft.com/office/drawing/2014/main" id="{875C5151-E015-4026-9D89-210A97F09C14}"/>
-              </a:ext>
-            </a:extLst>
-          </p:cNvPr>
-          <p:cNvSpPr/>
-          <p:nvPr/>
-        </p:nvSpPr>
-        <p:spPr>
-          <a:xfrm>
-            <a:off x="6696075" y="3549135"/>
-            <a:ext cx="3267075" cy="369332"/>
-          </a:xfrm>
-          <a:prstGeom prst="round1Rect">
-            <a:avLst/>
-          </a:prstGeom>
-        </p:spPr>
-        <p:style>
-          <a:lnRef idx="2">
-            <a:schemeClr val="accent1">
-              <a:shade val="50000"/>
-            </a:schemeClr>
-          </a:lnRef>
-          <a:fillRef idx="1">
-            <a:schemeClr val="accent1"/>
-          </a:fillRef>
-          <a:effectRef idx="0">
-            <a:schemeClr val="accent1"/>
-          </a:effectRef>
-          <a:fontRef idx="minor">
-            <a:schemeClr val="lt1"/>
-          </a:fontRef>
-        </p:style>
-        <p:txBody>
-          <a:bodyPr rtlCol="0" anchor="ctr">
-            <a:spAutoFit/>
-          </a:bodyPr>
-          <a:lstStyle/>
-          <a:p>
-            <a:pPr algn="ctr"/>
-            <a:r>
-              <a:rPr lang="en-US" altLang="zh-CN" dirty="0">
-                <a:latin typeface="Ubuntu Mono" panose="020B0509030602030204" pitchFamily="49" charset="0"/>
-                <a:ea typeface="DFMincho-SU" panose="02010609010101010101" pitchFamily="1" charset="-128"/>
-              </a:rPr>
-              <a:t>handle_recv_msg</a:t>
-            </a:r>
-            <a:endParaRPr lang="zh-CN" altLang="en-US" dirty="0">
-              <a:latin typeface="Ubuntu Mono" panose="020B0509030602030204" pitchFamily="49" charset="0"/>
-              <a:ea typeface="DFMincho-SU" panose="02010609010101010101" pitchFamily="1" charset="-128"/>
-            </a:endParaRPr>
-          </a:p>
-        </p:txBody>
-      </p:sp>
-      <p:sp>
-        <p:nvSpPr>
-          <p:cNvPr id="60" name="Rectangle: Single Corner Rounded 59">
-            <a:extLst>
-              <a:ext uri="{FF2B5EF4-FFF2-40B4-BE49-F238E27FC236}">
-                <a16:creationId xmlns:a16="http://schemas.microsoft.com/office/drawing/2014/main" id="{F46E976B-E4DA-4CB5-9431-D55A3DB5859B}"/>
-              </a:ext>
-            </a:extLst>
-          </p:cNvPr>
-          <p:cNvSpPr/>
-          <p:nvPr/>
-        </p:nvSpPr>
-        <p:spPr>
-          <a:xfrm>
-            <a:off x="8410573" y="5070107"/>
-            <a:ext cx="3409951" cy="369332"/>
-          </a:xfrm>
-          <a:prstGeom prst="round1Rect">
-            <a:avLst/>
-          </a:prstGeom>
-        </p:spPr>
-        <p:style>
-          <a:lnRef idx="2">
-            <a:schemeClr val="accent1">
-              <a:shade val="50000"/>
-            </a:schemeClr>
-          </a:lnRef>
-          <a:fillRef idx="1">
-            <a:schemeClr val="accent1"/>
-          </a:fillRef>
-          <a:effectRef idx="0">
-            <a:schemeClr val="accent1"/>
-          </a:effectRef>
-          <a:fontRef idx="minor">
-            <a:schemeClr val="lt1"/>
-          </a:fontRef>
-        </p:style>
-        <p:txBody>
-          <a:bodyPr rtlCol="0" anchor="ctr">
-            <a:spAutoFit/>
-          </a:bodyPr>
-          <a:lstStyle/>
-          <a:p>
-            <a:pPr algn="ctr"/>
-            <a:r>
-              <a:rPr lang="en-US" altLang="zh-CN" dirty="0">
-                <a:latin typeface="Ubuntu Mono" panose="020B0509030602030204" pitchFamily="49" charset="0"/>
-                <a:ea typeface="DFMincho-SU" panose="02010609010101010101" pitchFamily="1" charset="-128"/>
-              </a:rPr>
-              <a:t>cancel_retransmission_timer</a:t>
-            </a:r>
-            <a:endParaRPr lang="zh-CN" altLang="en-US" dirty="0">
-              <a:latin typeface="Ubuntu Mono" panose="020B0509030602030204" pitchFamily="49" charset="0"/>
-              <a:ea typeface="DFMincho-SU" panose="02010609010101010101" pitchFamily="1" charset="-128"/>
-            </a:endParaRPr>
-          </a:p>
-        </p:txBody>
-      </p:sp>
-      <p:sp>
-        <p:nvSpPr>
-          <p:cNvPr id="61" name="Rectangle: Single Corner Rounded 60">
-            <a:extLst>
-              <a:ext uri="{FF2B5EF4-FFF2-40B4-BE49-F238E27FC236}">
-                <a16:creationId xmlns:a16="http://schemas.microsoft.com/office/drawing/2014/main" id="{3F05434B-8998-49AB-9902-1BFEF7DBBBCF}"/>
-              </a:ext>
-            </a:extLst>
-          </p:cNvPr>
-          <p:cNvSpPr/>
-          <p:nvPr/>
-        </p:nvSpPr>
-        <p:spPr>
-          <a:xfrm>
-            <a:off x="9153523" y="6378761"/>
-            <a:ext cx="1924050" cy="369332"/>
-          </a:xfrm>
-          <a:prstGeom prst="round1Rect">
-            <a:avLst/>
-          </a:prstGeom>
-        </p:spPr>
-        <p:style>
-          <a:lnRef idx="2">
-            <a:schemeClr val="accent2">
-              <a:shade val="50000"/>
-            </a:schemeClr>
-          </a:lnRef>
-          <a:fillRef idx="1">
-            <a:schemeClr val="accent2"/>
-          </a:fillRef>
-          <a:effectRef idx="0">
-            <a:schemeClr val="accent2"/>
-          </a:effectRef>
-          <a:fontRef idx="minor">
-            <a:schemeClr val="lt1"/>
-          </a:fontRef>
-        </p:style>
-        <p:txBody>
-          <a:bodyPr rtlCol="0" anchor="ctr">
-            <a:spAutoFit/>
-          </a:bodyPr>
-          <a:lstStyle/>
-          <a:p>
-            <a:pPr algn="ctr"/>
-            <a:r>
-              <a:rPr lang="en-US" altLang="zh-CN" dirty="0">
-                <a:latin typeface="Ubuntu Mono" panose="020B0509030602030204" pitchFamily="49" charset="0"/>
-                <a:ea typeface="DFMincho-SU" panose="02010609010101010101" pitchFamily="1" charset="-128"/>
-              </a:rPr>
-              <a:t>report_status</a:t>
-            </a:r>
-            <a:endParaRPr lang="zh-CN" altLang="en-US" dirty="0">
-              <a:latin typeface="Ubuntu Mono" panose="020B0509030602030204" pitchFamily="49" charset="0"/>
-              <a:ea typeface="DFMincho-SU" panose="02010609010101010101" pitchFamily="1" charset="-128"/>
-            </a:endParaRPr>
-          </a:p>
-        </p:txBody>
-      </p:sp>
-      <p:sp>
-        <p:nvSpPr>
-          <p:cNvPr id="67" name="Rectangle: Single Corner Rounded 66">
-            <a:extLst>
-              <a:ext uri="{FF2B5EF4-FFF2-40B4-BE49-F238E27FC236}">
-                <a16:creationId xmlns:a16="http://schemas.microsoft.com/office/drawing/2014/main" id="{5EFF27D0-2E1F-4D7A-B0ED-5A4E470963F7}"/>
-              </a:ext>
-            </a:extLst>
-          </p:cNvPr>
-          <p:cNvSpPr/>
-          <p:nvPr/>
-        </p:nvSpPr>
-        <p:spPr>
-          <a:xfrm>
-            <a:off x="9120185" y="5708697"/>
-            <a:ext cx="1990727" cy="369332"/>
-          </a:xfrm>
-          <a:prstGeom prst="round1Rect">
-            <a:avLst/>
-          </a:prstGeom>
-        </p:spPr>
-        <p:style>
-          <a:lnRef idx="2">
-            <a:schemeClr val="accent1">
-              <a:shade val="50000"/>
-            </a:schemeClr>
-          </a:lnRef>
-          <a:fillRef idx="1">
-            <a:schemeClr val="accent1"/>
-          </a:fillRef>
-          <a:effectRef idx="0">
-            <a:schemeClr val="accent1"/>
-          </a:effectRef>
-          <a:fontRef idx="minor">
-            <a:schemeClr val="lt1"/>
-          </a:fontRef>
-        </p:style>
-        <p:txBody>
-          <a:bodyPr rtlCol="0" anchor="ctr">
-            <a:spAutoFit/>
-          </a:bodyPr>
-          <a:lstStyle/>
-          <a:p>
-            <a:pPr algn="ctr"/>
-            <a:r>
-              <a:rPr lang="en-US" altLang="zh-CN" dirty="0">
-                <a:latin typeface="Ubuntu Mono" panose="020B0509030602030204" pitchFamily="49" charset="0"/>
-                <a:ea typeface="DFMincho-SU" panose="02010609010101010101" pitchFamily="1" charset="-128"/>
-              </a:rPr>
-              <a:t>handle_resp_msg</a:t>
-            </a:r>
-            <a:endParaRPr lang="zh-CN" altLang="en-US" dirty="0">
-              <a:latin typeface="Ubuntu Mono" panose="020B0509030602030204" pitchFamily="49" charset="0"/>
-              <a:ea typeface="DFMincho-SU" panose="02010609010101010101" pitchFamily="1" charset="-128"/>
-            </a:endParaRPr>
-          </a:p>
-        </p:txBody>
-      </p:sp>
-      <p:sp>
-        <p:nvSpPr>
-          <p:cNvPr id="71" name="Rectangle: Single Corner Rounded 70">
-            <a:extLst>
-              <a:ext uri="{FF2B5EF4-FFF2-40B4-BE49-F238E27FC236}">
-                <a16:creationId xmlns:a16="http://schemas.microsoft.com/office/drawing/2014/main" id="{7A3523E3-E5F1-4EA3-9060-FC3DD32FF06F}"/>
-              </a:ext>
-            </a:extLst>
-          </p:cNvPr>
-          <p:cNvSpPr/>
-          <p:nvPr/>
-        </p:nvSpPr>
-        <p:spPr>
-          <a:xfrm>
-            <a:off x="4757737" y="5070107"/>
-            <a:ext cx="3409950" cy="369332"/>
-          </a:xfrm>
-          <a:prstGeom prst="round1Rect">
-            <a:avLst/>
-          </a:prstGeom>
-        </p:spPr>
-        <p:style>
-          <a:lnRef idx="2">
-            <a:schemeClr val="accent1">
-              <a:shade val="50000"/>
-            </a:schemeClr>
-          </a:lnRef>
-          <a:fillRef idx="1">
-            <a:schemeClr val="accent1"/>
-          </a:fillRef>
-          <a:effectRef idx="0">
-            <a:schemeClr val="accent1"/>
-          </a:effectRef>
-          <a:fontRef idx="minor">
-            <a:schemeClr val="lt1"/>
-          </a:fontRef>
-        </p:style>
-        <p:txBody>
-          <a:bodyPr rtlCol="0" anchor="ctr">
-            <a:spAutoFit/>
-          </a:bodyPr>
-          <a:lstStyle/>
-          <a:p>
-            <a:pPr algn="ctr"/>
-            <a:r>
-              <a:rPr lang="en-US" altLang="zh-CN" dirty="0">
-                <a:latin typeface="Ubuntu Mono" panose="020B0509030602030204" pitchFamily="49" charset="0"/>
-                <a:ea typeface="DFMincho-SU" panose="02010609010101010101" pitchFamily="1" charset="-128"/>
-              </a:rPr>
-              <a:t>wait_for_timeout_callback</a:t>
-            </a:r>
-            <a:endParaRPr lang="zh-CN" altLang="en-US" dirty="0">
-              <a:latin typeface="Ubuntu Mono" panose="020B0509030602030204" pitchFamily="49" charset="0"/>
-              <a:ea typeface="DFMincho-SU" panose="02010609010101010101" pitchFamily="1" charset="-128"/>
+              <a:latin typeface="Berlin Sans FB Demi" panose="020E0802020502020306" pitchFamily="34" charset="0"/>
             </a:endParaRPr>
           </a:p>
         </p:txBody>
       </p:sp>
       <p:cxnSp>
         <p:nvCxnSpPr>
-          <p:cNvPr id="23" name="Connector: Elbow 22">
-            <a:extLst>
-              <a:ext uri="{FF2B5EF4-FFF2-40B4-BE49-F238E27FC236}">
-                <a16:creationId xmlns:a16="http://schemas.microsoft.com/office/drawing/2014/main" id="{56F2BAE1-FC5A-4744-B1BF-FEA055C98E35}"/>
+          <p:cNvPr id="47" name="Straight Arrow Connector 46">
+            <a:extLst>
+              <a:ext uri="{FF2B5EF4-FFF2-40B4-BE49-F238E27FC236}">
+                <a16:creationId xmlns:a16="http://schemas.microsoft.com/office/drawing/2014/main" id="{79B60B4C-7163-4429-B633-01E0EB5ED9E7}"/>
               </a:ext>
             </a:extLst>
           </p:cNvPr>
           <p:cNvCxnSpPr>
-            <a:cxnSpLocks/>
-            <a:stCxn id="71" idx="1"/>
-            <a:endCxn id="29" idx="1"/>
+            <a:stCxn id="33" idx="3"/>
+            <a:endCxn id="44" idx="1"/>
           </p:cNvCxnSpPr>
           <p:nvPr/>
         </p:nvCxnSpPr>
         <p:spPr>
-          <a:xfrm rot="10800000" flipH="1">
-            <a:off x="4757737" y="1228189"/>
-            <a:ext cx="2047874" cy="4026585"/>
+          <a:xfrm flipV="1">
+            <a:off x="7504541" y="1036255"/>
+            <a:ext cx="661997" cy="841442"/>
           </a:xfrm>
           <a:prstGeom prst="bentConnector3">
             <a:avLst>
-              <a:gd name="adj1" fmla="val -11163"/>
+              <a:gd name="adj1" fmla="val 50000"/>
             </a:avLst>
           </a:prstGeom>
           <a:ln>
@@ -37952,700 +38172,6 @@
           </a:fillRef>
           <a:effectRef idx="0">
             <a:schemeClr val="accent1"/>
-          </a:effectRef>
-          <a:fontRef idx="minor">
-            <a:schemeClr val="tx1"/>
-          </a:fontRef>
-        </p:style>
-      </p:cxnSp>
-      <p:cxnSp>
-        <p:nvCxnSpPr>
-          <p:cNvPr id="25" name="Straight Arrow Connector 24">
-            <a:extLst>
-              <a:ext uri="{FF2B5EF4-FFF2-40B4-BE49-F238E27FC236}">
-                <a16:creationId xmlns:a16="http://schemas.microsoft.com/office/drawing/2014/main" id="{3E3C6E29-4CFC-4EFA-AD07-0A04BC2BFE86}"/>
-              </a:ext>
-            </a:extLst>
-          </p:cNvPr>
-          <p:cNvCxnSpPr>
-            <a:stCxn id="44" idx="2"/>
-            <a:endCxn id="48" idx="0"/>
-          </p:cNvCxnSpPr>
-          <p:nvPr/>
-        </p:nvCxnSpPr>
-        <p:spPr>
-          <a:xfrm>
-            <a:off x="8329612" y="725473"/>
-            <a:ext cx="0" cy="1129136"/>
-          </a:xfrm>
-          <a:prstGeom prst="straightConnector1">
-            <a:avLst/>
-          </a:prstGeom>
-          <a:ln>
-            <a:tailEnd type="triangle"/>
-          </a:ln>
-        </p:spPr>
-        <p:style>
-          <a:lnRef idx="1">
-            <a:schemeClr val="accent1"/>
-          </a:lnRef>
-          <a:fillRef idx="0">
-            <a:schemeClr val="accent1"/>
-          </a:fillRef>
-          <a:effectRef idx="0">
-            <a:schemeClr val="accent1"/>
-          </a:effectRef>
-          <a:fontRef idx="minor">
-            <a:schemeClr val="tx1"/>
-          </a:fontRef>
-        </p:style>
-      </p:cxnSp>
-      <p:sp>
-        <p:nvSpPr>
-          <p:cNvPr id="29" name="Flowchart: Decision 28">
-            <a:extLst>
-              <a:ext uri="{FF2B5EF4-FFF2-40B4-BE49-F238E27FC236}">
-                <a16:creationId xmlns:a16="http://schemas.microsoft.com/office/drawing/2014/main" id="{1ABEBC95-F9B1-4E7E-A17C-965B411ECF35}"/>
-              </a:ext>
-            </a:extLst>
-          </p:cNvPr>
-          <p:cNvSpPr/>
-          <p:nvPr/>
-        </p:nvSpPr>
-        <p:spPr>
-          <a:xfrm>
-            <a:off x="6805611" y="824033"/>
-            <a:ext cx="3047999" cy="808310"/>
-          </a:xfrm>
-          <a:prstGeom prst="flowChartDecision">
-            <a:avLst/>
-          </a:prstGeom>
-        </p:spPr>
-        <p:style>
-          <a:lnRef idx="2">
-            <a:schemeClr val="accent1">
-              <a:shade val="50000"/>
-            </a:schemeClr>
-          </a:lnRef>
-          <a:fillRef idx="1">
-            <a:schemeClr val="accent1"/>
-          </a:fillRef>
-          <a:effectRef idx="0">
-            <a:schemeClr val="accent1"/>
-          </a:effectRef>
-          <a:fontRef idx="minor">
-            <a:schemeClr val="lt1"/>
-          </a:fontRef>
-        </p:style>
-        <p:txBody>
-          <a:bodyPr rtlCol="0" anchor="ctr"/>
-          <a:lstStyle/>
-          <a:p>
-            <a:pPr algn="ctr"/>
-            <a:r>
-              <a:rPr lang="en-US" altLang="zh-CN" sz="1200" dirty="0">
-                <a:latin typeface="Ubuntu Mono" panose="020B0509030602030204" pitchFamily="49" charset="0"/>
-              </a:rPr>
-              <a:t>Is the last Rc ?</a:t>
-            </a:r>
-            <a:endParaRPr lang="zh-CN" altLang="en-US" sz="1200" dirty="0">
-              <a:latin typeface="Ubuntu Mono" panose="020B0509030602030204" pitchFamily="49" charset="0"/>
-            </a:endParaRPr>
-          </a:p>
-        </p:txBody>
-      </p:sp>
-      <p:sp>
-        <p:nvSpPr>
-          <p:cNvPr id="73" name="Rectangle: Single Corner Rounded 72">
-            <a:extLst>
-              <a:ext uri="{FF2B5EF4-FFF2-40B4-BE49-F238E27FC236}">
-                <a16:creationId xmlns:a16="http://schemas.microsoft.com/office/drawing/2014/main" id="{1A3296B6-F472-4318-AD78-240E7400E58F}"/>
-              </a:ext>
-            </a:extLst>
-          </p:cNvPr>
-          <p:cNvSpPr/>
-          <p:nvPr/>
-        </p:nvSpPr>
-        <p:spPr>
-          <a:xfrm>
-            <a:off x="10144123" y="1043522"/>
-            <a:ext cx="1924050" cy="369332"/>
-          </a:xfrm>
-          <a:prstGeom prst="round1Rect">
-            <a:avLst/>
-          </a:prstGeom>
-        </p:spPr>
-        <p:style>
-          <a:lnRef idx="2">
-            <a:schemeClr val="accent2">
-              <a:shade val="50000"/>
-            </a:schemeClr>
-          </a:lnRef>
-          <a:fillRef idx="1">
-            <a:schemeClr val="accent2"/>
-          </a:fillRef>
-          <a:effectRef idx="0">
-            <a:schemeClr val="accent2"/>
-          </a:effectRef>
-          <a:fontRef idx="minor">
-            <a:schemeClr val="lt1"/>
-          </a:fontRef>
-        </p:style>
-        <p:txBody>
-          <a:bodyPr rtlCol="0" anchor="ctr">
-            <a:spAutoFit/>
-          </a:bodyPr>
-          <a:lstStyle/>
-          <a:p>
-            <a:pPr algn="ctr"/>
-            <a:r>
-              <a:rPr lang="en-US" altLang="zh-CN" dirty="0">
-                <a:latin typeface="Ubuntu Mono" panose="020B0509030602030204" pitchFamily="49" charset="0"/>
-                <a:ea typeface="DFMincho-SU" panose="02010609010101010101" pitchFamily="1" charset="-128"/>
-              </a:rPr>
-              <a:t>report_status</a:t>
-            </a:r>
-            <a:endParaRPr lang="zh-CN" altLang="en-US" dirty="0">
-              <a:latin typeface="Ubuntu Mono" panose="020B0509030602030204" pitchFamily="49" charset="0"/>
-              <a:ea typeface="DFMincho-SU" panose="02010609010101010101" pitchFamily="1" charset="-128"/>
-            </a:endParaRPr>
-          </a:p>
-        </p:txBody>
-      </p:sp>
-      <p:cxnSp>
-        <p:nvCxnSpPr>
-          <p:cNvPr id="31" name="Straight Arrow Connector 30">
-            <a:extLst>
-              <a:ext uri="{FF2B5EF4-FFF2-40B4-BE49-F238E27FC236}">
-                <a16:creationId xmlns:a16="http://schemas.microsoft.com/office/drawing/2014/main" id="{95C2FBAA-2609-45BC-9CF4-20D52A242297}"/>
-              </a:ext>
-            </a:extLst>
-          </p:cNvPr>
-          <p:cNvCxnSpPr>
-            <a:stCxn id="29" idx="3"/>
-            <a:endCxn id="73" idx="1"/>
-          </p:cNvCxnSpPr>
-          <p:nvPr/>
-        </p:nvCxnSpPr>
-        <p:spPr>
-          <a:xfrm>
-            <a:off x="9853610" y="1228188"/>
-            <a:ext cx="290513" cy="0"/>
-          </a:xfrm>
-          <a:prstGeom prst="straightConnector1">
-            <a:avLst/>
-          </a:prstGeom>
-          <a:ln>
-            <a:tailEnd type="triangle"/>
-          </a:ln>
-        </p:spPr>
-        <p:style>
-          <a:lnRef idx="1">
-            <a:schemeClr val="accent1"/>
-          </a:lnRef>
-          <a:fillRef idx="0">
-            <a:schemeClr val="accent1"/>
-          </a:fillRef>
-          <a:effectRef idx="0">
-            <a:schemeClr val="accent1"/>
-          </a:effectRef>
-          <a:fontRef idx="minor">
-            <a:schemeClr val="tx1"/>
-          </a:fontRef>
-        </p:style>
-      </p:cxnSp>
-      <p:sp>
-        <p:nvSpPr>
-          <p:cNvPr id="33" name="TextBox 32">
-            <a:extLst>
-              <a:ext uri="{FF2B5EF4-FFF2-40B4-BE49-F238E27FC236}">
-                <a16:creationId xmlns:a16="http://schemas.microsoft.com/office/drawing/2014/main" id="{5DD4DAAF-CD62-47A9-8CCF-445EBA1C877E}"/>
-              </a:ext>
-            </a:extLst>
-          </p:cNvPr>
-          <p:cNvSpPr txBox="1"/>
-          <p:nvPr/>
-        </p:nvSpPr>
-        <p:spPr>
-          <a:xfrm>
-            <a:off x="9763122" y="1016024"/>
-            <a:ext cx="704851" cy="215444"/>
-          </a:xfrm>
-          <a:prstGeom prst="rect">
-            <a:avLst/>
-          </a:prstGeom>
-          <a:noFill/>
-        </p:spPr>
-        <p:txBody>
-          <a:bodyPr wrap="square" rtlCol="0">
-            <a:spAutoFit/>
-          </a:bodyPr>
-          <a:lstStyle/>
-          <a:p>
-            <a:r>
-              <a:rPr lang="en-US" altLang="zh-CN" sz="800" dirty="0">
-                <a:latin typeface="Bodoni MT Black" panose="02070A03080606020203" pitchFamily="18" charset="0"/>
-                <a:ea typeface="DFMincho-SU" panose="02010609010101010101" pitchFamily="1" charset="-128"/>
-              </a:rPr>
-              <a:t>Yes</a:t>
-            </a:r>
-            <a:endParaRPr lang="zh-CN" altLang="en-US" sz="800" dirty="0">
-              <a:latin typeface="Bodoni MT Black" panose="02070A03080606020203" pitchFamily="18" charset="0"/>
-              <a:ea typeface="DFMincho-SU" panose="02010609010101010101" pitchFamily="1" charset="-128"/>
-            </a:endParaRPr>
-          </a:p>
-        </p:txBody>
-      </p:sp>
-      <p:sp>
-        <p:nvSpPr>
-          <p:cNvPr id="74" name="TextBox 73">
-            <a:extLst>
-              <a:ext uri="{FF2B5EF4-FFF2-40B4-BE49-F238E27FC236}">
-                <a16:creationId xmlns:a16="http://schemas.microsoft.com/office/drawing/2014/main" id="{F17C5FD0-AFD4-4786-96A6-159727BF899A}"/>
-              </a:ext>
-            </a:extLst>
-          </p:cNvPr>
-          <p:cNvSpPr txBox="1"/>
-          <p:nvPr/>
-        </p:nvSpPr>
-        <p:spPr>
-          <a:xfrm>
-            <a:off x="8081960" y="1606660"/>
-            <a:ext cx="704851" cy="215444"/>
-          </a:xfrm>
-          <a:prstGeom prst="rect">
-            <a:avLst/>
-          </a:prstGeom>
-          <a:noFill/>
-        </p:spPr>
-        <p:txBody>
-          <a:bodyPr wrap="square" rtlCol="0">
-            <a:spAutoFit/>
-          </a:bodyPr>
-          <a:lstStyle/>
-          <a:p>
-            <a:pPr algn="ctr"/>
-            <a:r>
-              <a:rPr lang="en-US" altLang="zh-CN" sz="800" dirty="0">
-                <a:latin typeface="Bodoni MT Black" panose="02070A03080606020203" pitchFamily="18" charset="0"/>
-                <a:ea typeface="DFMincho-SU" panose="02010609010101010101" pitchFamily="1" charset="-128"/>
-              </a:rPr>
-              <a:t>No</a:t>
-            </a:r>
-            <a:endParaRPr lang="zh-CN" altLang="en-US" sz="800" dirty="0">
-              <a:latin typeface="Bodoni MT Black" panose="02070A03080606020203" pitchFamily="18" charset="0"/>
-              <a:ea typeface="DFMincho-SU" panose="02010609010101010101" pitchFamily="1" charset="-128"/>
-            </a:endParaRPr>
-          </a:p>
-        </p:txBody>
-      </p:sp>
-      <p:sp>
-        <p:nvSpPr>
-          <p:cNvPr id="77" name="Flowchart: Decision 76">
-            <a:extLst>
-              <a:ext uri="{FF2B5EF4-FFF2-40B4-BE49-F238E27FC236}">
-                <a16:creationId xmlns:a16="http://schemas.microsoft.com/office/drawing/2014/main" id="{4EC28B72-27F8-4318-8EEC-ECBC45D8A9CA}"/>
-              </a:ext>
-            </a:extLst>
-          </p:cNvPr>
-          <p:cNvSpPr/>
-          <p:nvPr/>
-        </p:nvSpPr>
-        <p:spPr>
-          <a:xfrm>
-            <a:off x="6805613" y="4086657"/>
-            <a:ext cx="3047999" cy="808310"/>
-          </a:xfrm>
-          <a:prstGeom prst="flowChartDecision">
-            <a:avLst/>
-          </a:prstGeom>
-        </p:spPr>
-        <p:style>
-          <a:lnRef idx="2">
-            <a:schemeClr val="accent1">
-              <a:shade val="50000"/>
-            </a:schemeClr>
-          </a:lnRef>
-          <a:fillRef idx="1">
-            <a:schemeClr val="accent1"/>
-          </a:fillRef>
-          <a:effectRef idx="0">
-            <a:schemeClr val="accent1"/>
-          </a:effectRef>
-          <a:fontRef idx="minor">
-            <a:schemeClr val="lt1"/>
-          </a:fontRef>
-        </p:style>
-        <p:txBody>
-          <a:bodyPr rtlCol="0" anchor="ctr"/>
-          <a:lstStyle/>
-          <a:p>
-            <a:pPr algn="ctr"/>
-            <a:r>
-              <a:rPr lang="en-US" altLang="zh-CN" sz="1200" dirty="0">
-                <a:latin typeface="Ubuntu Mono" panose="020B0509030602030204" pitchFamily="49" charset="0"/>
-              </a:rPr>
-              <a:t>Is valid message ?</a:t>
-            </a:r>
-            <a:endParaRPr lang="zh-CN" altLang="en-US" sz="1200" dirty="0">
-              <a:latin typeface="Ubuntu Mono" panose="020B0509030602030204" pitchFamily="49" charset="0"/>
-            </a:endParaRPr>
-          </a:p>
-        </p:txBody>
-      </p:sp>
-      <p:cxnSp>
-        <p:nvCxnSpPr>
-          <p:cNvPr id="36" name="Straight Arrow Connector 35">
-            <a:extLst>
-              <a:ext uri="{FF2B5EF4-FFF2-40B4-BE49-F238E27FC236}">
-                <a16:creationId xmlns:a16="http://schemas.microsoft.com/office/drawing/2014/main" id="{163C7DA4-C96D-4C2C-8B06-87C07A31A374}"/>
-              </a:ext>
-            </a:extLst>
-          </p:cNvPr>
-          <p:cNvCxnSpPr>
-            <a:cxnSpLocks/>
-            <a:stCxn id="77" idx="1"/>
-          </p:cNvCxnSpPr>
-          <p:nvPr/>
-        </p:nvCxnSpPr>
-        <p:spPr>
-          <a:xfrm flipH="1">
-            <a:off x="6805611" y="4490812"/>
-            <a:ext cx="2" cy="586114"/>
-          </a:xfrm>
-          <a:prstGeom prst="straightConnector1">
-            <a:avLst/>
-          </a:prstGeom>
-          <a:ln>
-            <a:tailEnd type="triangle"/>
-          </a:ln>
-        </p:spPr>
-        <p:style>
-          <a:lnRef idx="1">
-            <a:schemeClr val="accent1"/>
-          </a:lnRef>
-          <a:fillRef idx="0">
-            <a:schemeClr val="accent1"/>
-          </a:fillRef>
-          <a:effectRef idx="0">
-            <a:schemeClr val="accent1"/>
-          </a:effectRef>
-          <a:fontRef idx="minor">
-            <a:schemeClr val="tx1"/>
-          </a:fontRef>
-        </p:style>
-      </p:cxnSp>
-      <p:cxnSp>
-        <p:nvCxnSpPr>
-          <p:cNvPr id="40" name="Straight Arrow Connector 39">
-            <a:extLst>
-              <a:ext uri="{FF2B5EF4-FFF2-40B4-BE49-F238E27FC236}">
-                <a16:creationId xmlns:a16="http://schemas.microsoft.com/office/drawing/2014/main" id="{9A13749E-6ED3-4712-9C92-3E9532B5BCD8}"/>
-              </a:ext>
-            </a:extLst>
-          </p:cNvPr>
-          <p:cNvCxnSpPr>
-            <a:cxnSpLocks/>
-            <a:stCxn id="77" idx="3"/>
-          </p:cNvCxnSpPr>
-          <p:nvPr/>
-        </p:nvCxnSpPr>
-        <p:spPr>
-          <a:xfrm>
-            <a:off x="9853612" y="4490812"/>
-            <a:ext cx="0" cy="588820"/>
-          </a:xfrm>
-          <a:prstGeom prst="straightConnector1">
-            <a:avLst/>
-          </a:prstGeom>
-          <a:ln>
-            <a:tailEnd type="triangle"/>
-          </a:ln>
-        </p:spPr>
-        <p:style>
-          <a:lnRef idx="1">
-            <a:schemeClr val="accent1"/>
-          </a:lnRef>
-          <a:fillRef idx="0">
-            <a:schemeClr val="accent1"/>
-          </a:fillRef>
-          <a:effectRef idx="0">
-            <a:schemeClr val="accent1"/>
-          </a:effectRef>
-          <a:fontRef idx="minor">
-            <a:schemeClr val="tx1"/>
-          </a:fontRef>
-        </p:style>
-      </p:cxnSp>
-      <p:sp>
-        <p:nvSpPr>
-          <p:cNvPr id="78" name="TextBox 77">
-            <a:extLst>
-              <a:ext uri="{FF2B5EF4-FFF2-40B4-BE49-F238E27FC236}">
-                <a16:creationId xmlns:a16="http://schemas.microsoft.com/office/drawing/2014/main" id="{3E784CD5-8DD8-4C9D-BEA4-8B7560102930}"/>
-              </a:ext>
-            </a:extLst>
-          </p:cNvPr>
-          <p:cNvSpPr txBox="1"/>
-          <p:nvPr/>
-        </p:nvSpPr>
-        <p:spPr>
-          <a:xfrm>
-            <a:off x="9734546" y="4700775"/>
-            <a:ext cx="704851" cy="215444"/>
-          </a:xfrm>
-          <a:prstGeom prst="rect">
-            <a:avLst/>
-          </a:prstGeom>
-          <a:noFill/>
-        </p:spPr>
-        <p:txBody>
-          <a:bodyPr wrap="square" rtlCol="0">
-            <a:spAutoFit/>
-          </a:bodyPr>
-          <a:lstStyle/>
-          <a:p>
-            <a:r>
-              <a:rPr lang="en-US" altLang="zh-CN" sz="800" dirty="0">
-                <a:latin typeface="Bodoni MT Black" panose="02070A03080606020203" pitchFamily="18" charset="0"/>
-                <a:ea typeface="DFMincho-SU" panose="02010609010101010101" pitchFamily="1" charset="-128"/>
-              </a:rPr>
-              <a:t>Yes</a:t>
-            </a:r>
-            <a:endParaRPr lang="zh-CN" altLang="en-US" sz="800" dirty="0">
-              <a:latin typeface="Bodoni MT Black" panose="02070A03080606020203" pitchFamily="18" charset="0"/>
-              <a:ea typeface="DFMincho-SU" panose="02010609010101010101" pitchFamily="1" charset="-128"/>
-            </a:endParaRPr>
-          </a:p>
-        </p:txBody>
-      </p:sp>
-      <p:sp>
-        <p:nvSpPr>
-          <p:cNvPr id="79" name="TextBox 78">
-            <a:extLst>
-              <a:ext uri="{FF2B5EF4-FFF2-40B4-BE49-F238E27FC236}">
-                <a16:creationId xmlns:a16="http://schemas.microsoft.com/office/drawing/2014/main" id="{E6AFA892-BD8E-4570-BA4F-3D472D65F5D4}"/>
-              </a:ext>
-            </a:extLst>
-          </p:cNvPr>
-          <p:cNvSpPr txBox="1"/>
-          <p:nvPr/>
-        </p:nvSpPr>
-        <p:spPr>
-          <a:xfrm>
-            <a:off x="6219829" y="4691190"/>
-            <a:ext cx="704851" cy="215444"/>
-          </a:xfrm>
-          <a:prstGeom prst="rect">
-            <a:avLst/>
-          </a:prstGeom>
-          <a:noFill/>
-        </p:spPr>
-        <p:txBody>
-          <a:bodyPr wrap="square" rtlCol="0">
-            <a:spAutoFit/>
-          </a:bodyPr>
-          <a:lstStyle/>
-          <a:p>
-            <a:pPr algn="ctr"/>
-            <a:r>
-              <a:rPr lang="en-US" altLang="zh-CN" sz="800" dirty="0">
-                <a:latin typeface="Bodoni MT Black" panose="02070A03080606020203" pitchFamily="18" charset="0"/>
-                <a:ea typeface="DFMincho-SU" panose="02010609010101010101" pitchFamily="1" charset="-128"/>
-              </a:rPr>
-              <a:t>No</a:t>
-            </a:r>
-            <a:endParaRPr lang="zh-CN" altLang="en-US" sz="800" dirty="0">
-              <a:latin typeface="Bodoni MT Black" panose="02070A03080606020203" pitchFamily="18" charset="0"/>
-              <a:ea typeface="DFMincho-SU" panose="02010609010101010101" pitchFamily="1" charset="-128"/>
-            </a:endParaRPr>
-          </a:p>
-        </p:txBody>
-      </p:sp>
-      <p:sp>
-        <p:nvSpPr>
-          <p:cNvPr id="90" name="Arrow: Right 89">
-            <a:extLst>
-              <a:ext uri="{FF2B5EF4-FFF2-40B4-BE49-F238E27FC236}">
-                <a16:creationId xmlns:a16="http://schemas.microsoft.com/office/drawing/2014/main" id="{D392EAAD-6B33-4CF1-A9EA-9433C537B8AE}"/>
-              </a:ext>
-            </a:extLst>
-          </p:cNvPr>
-          <p:cNvSpPr/>
-          <p:nvPr/>
-        </p:nvSpPr>
-        <p:spPr>
-          <a:xfrm>
-            <a:off x="4117827" y="505214"/>
-            <a:ext cx="2844951" cy="233483"/>
-          </a:xfrm>
-          <a:prstGeom prst="rightArrow">
-            <a:avLst>
-              <a:gd name="adj1" fmla="val 50000"/>
-              <a:gd name="adj2" fmla="val 156067"/>
-            </a:avLst>
-          </a:prstGeom>
-          <a:ln cap="rnd"/>
-        </p:spPr>
-        <p:style>
-          <a:lnRef idx="2">
-            <a:schemeClr val="accent1">
-              <a:shade val="50000"/>
-            </a:schemeClr>
-          </a:lnRef>
-          <a:fillRef idx="1">
-            <a:schemeClr val="accent1"/>
-          </a:fillRef>
-          <a:effectRef idx="0">
-            <a:schemeClr val="accent1"/>
-          </a:effectRef>
-          <a:fontRef idx="minor">
-            <a:schemeClr val="lt1"/>
-          </a:fontRef>
-        </p:style>
-        <p:txBody>
-          <a:bodyPr rtlCol="0" anchor="ctr"/>
-          <a:lstStyle/>
-          <a:p>
-            <a:pPr algn="ctr"/>
-            <a:endParaRPr lang="zh-CN" altLang="en-US"/>
-          </a:p>
-        </p:txBody>
-      </p:sp>
-      <p:sp>
-        <p:nvSpPr>
-          <p:cNvPr id="91" name="Arrow: Left 90">
-            <a:extLst>
-              <a:ext uri="{FF2B5EF4-FFF2-40B4-BE49-F238E27FC236}">
-                <a16:creationId xmlns:a16="http://schemas.microsoft.com/office/drawing/2014/main" id="{26F256EE-F3B4-4B08-AB8A-1B1AA2068AA4}"/>
-              </a:ext>
-            </a:extLst>
-          </p:cNvPr>
-          <p:cNvSpPr/>
-          <p:nvPr/>
-        </p:nvSpPr>
-        <p:spPr>
-          <a:xfrm>
-            <a:off x="3395659" y="1854609"/>
-            <a:ext cx="476255" cy="231309"/>
-          </a:xfrm>
-          <a:prstGeom prst="leftArrow">
-            <a:avLst>
-              <a:gd name="adj1" fmla="val 50000"/>
-              <a:gd name="adj2" fmla="val 62354"/>
-            </a:avLst>
-          </a:prstGeom>
-        </p:spPr>
-        <p:style>
-          <a:lnRef idx="2">
-            <a:schemeClr val="accent1">
-              <a:shade val="50000"/>
-            </a:schemeClr>
-          </a:lnRef>
-          <a:fillRef idx="1">
-            <a:schemeClr val="accent1"/>
-          </a:fillRef>
-          <a:effectRef idx="0">
-            <a:schemeClr val="accent1"/>
-          </a:effectRef>
-          <a:fontRef idx="minor">
-            <a:schemeClr val="lt1"/>
-          </a:fontRef>
-        </p:style>
-        <p:txBody>
-          <a:bodyPr rtlCol="0" anchor="ctr"/>
-          <a:lstStyle/>
-          <a:p>
-            <a:pPr algn="ctr"/>
-            <a:endParaRPr lang="zh-CN" altLang="en-US"/>
-          </a:p>
-        </p:txBody>
-      </p:sp>
-      <p:sp>
-        <p:nvSpPr>
-          <p:cNvPr id="92" name="Arrow: Left 91">
-            <a:extLst>
-              <a:ext uri="{FF2B5EF4-FFF2-40B4-BE49-F238E27FC236}">
-                <a16:creationId xmlns:a16="http://schemas.microsoft.com/office/drawing/2014/main" id="{68719E0C-00F4-4CF8-8911-A923630C83E7}"/>
-              </a:ext>
-            </a:extLst>
-          </p:cNvPr>
-          <p:cNvSpPr/>
-          <p:nvPr/>
-        </p:nvSpPr>
-        <p:spPr>
-          <a:xfrm>
-            <a:off x="2313534" y="2826259"/>
-            <a:ext cx="1481225" cy="231309"/>
-          </a:xfrm>
-          <a:prstGeom prst="leftArrow">
-            <a:avLst>
-              <a:gd name="adj1" fmla="val 50000"/>
-              <a:gd name="adj2" fmla="val 99415"/>
-            </a:avLst>
-          </a:prstGeom>
-        </p:spPr>
-        <p:style>
-          <a:lnRef idx="2">
-            <a:schemeClr val="accent1">
-              <a:shade val="50000"/>
-            </a:schemeClr>
-          </a:lnRef>
-          <a:fillRef idx="1">
-            <a:schemeClr val="accent1"/>
-          </a:fillRef>
-          <a:effectRef idx="0">
-            <a:schemeClr val="accent1"/>
-          </a:effectRef>
-          <a:fontRef idx="minor">
-            <a:schemeClr val="lt1"/>
-          </a:fontRef>
-        </p:style>
-        <p:txBody>
-          <a:bodyPr rtlCol="0" anchor="ctr"/>
-          <a:lstStyle/>
-          <a:p>
-            <a:pPr algn="ctr"/>
-            <a:endParaRPr lang="zh-CN" altLang="en-US"/>
-          </a:p>
-        </p:txBody>
-      </p:sp>
-      <p:cxnSp>
-        <p:nvCxnSpPr>
-          <p:cNvPr id="96" name="Connector: Elbow 95">
-            <a:extLst>
-              <a:ext uri="{FF2B5EF4-FFF2-40B4-BE49-F238E27FC236}">
-                <a16:creationId xmlns:a16="http://schemas.microsoft.com/office/drawing/2014/main" id="{F71E960D-A0AC-49A8-B8C0-F7A825F0B75B}"/>
-              </a:ext>
-            </a:extLst>
-          </p:cNvPr>
-          <p:cNvCxnSpPr>
-            <a:stCxn id="21" idx="2"/>
-            <a:endCxn id="54" idx="1"/>
-          </p:cNvCxnSpPr>
-          <p:nvPr/>
-        </p:nvCxnSpPr>
-        <p:spPr>
-          <a:xfrm rot="16200000" flipH="1">
-            <a:off x="3601177" y="638903"/>
-            <a:ext cx="593862" cy="5595934"/>
-          </a:xfrm>
-          <a:prstGeom prst="bentConnector2">
-            <a:avLst/>
-          </a:prstGeom>
-          <a:ln>
-            <a:tailEnd type="triangle"/>
-          </a:ln>
-        </p:spPr>
-        <p:style>
-          <a:lnRef idx="2">
-            <a:schemeClr val="accent4"/>
-          </a:lnRef>
-          <a:fillRef idx="0">
-            <a:schemeClr val="accent4"/>
-          </a:fillRef>
-          <a:effectRef idx="1">
-            <a:schemeClr val="accent4"/>
           </a:effectRef>
           <a:fontRef idx="minor">
             <a:schemeClr val="tx1"/>
@@ -38655,7 +38181,7 @@
     </p:spTree>
     <p:extLst>
       <p:ext uri="{BB962C8B-B14F-4D97-AF65-F5344CB8AC3E}">
-        <p14:creationId xmlns:p14="http://schemas.microsoft.com/office/powerpoint/2010/main" val="224109205"/>
+        <p14:creationId xmlns:p14="http://schemas.microsoft.com/office/powerpoint/2010/main" val="2241735133"/>
       </p:ext>
     </p:extLst>
   </p:cSld>
@@ -38682,25 +38208,69 @@
           <a:chExt cx="0" cy="0"/>
         </a:xfrm>
       </p:grpSpPr>
+      <p:sp>
+        <p:nvSpPr>
+          <p:cNvPr id="88" name="Rectangle 87">
+            <a:extLst>
+              <a:ext uri="{FF2B5EF4-FFF2-40B4-BE49-F238E27FC236}">
+                <a16:creationId xmlns:a16="http://schemas.microsoft.com/office/drawing/2014/main" id="{13B4D670-09E3-452D-A274-253A09306901}"/>
+              </a:ext>
+            </a:extLst>
+          </p:cNvPr>
+          <p:cNvSpPr/>
+          <p:nvPr/>
+        </p:nvSpPr>
+        <p:spPr>
+          <a:xfrm>
+            <a:off x="4034010" y="427672"/>
+            <a:ext cx="45719" cy="6411277"/>
+          </a:xfrm>
+          <a:prstGeom prst="rect">
+            <a:avLst/>
+          </a:prstGeom>
+        </p:spPr>
+        <p:style>
+          <a:lnRef idx="1">
+            <a:schemeClr val="accent6"/>
+          </a:lnRef>
+          <a:fillRef idx="3">
+            <a:schemeClr val="accent6"/>
+          </a:fillRef>
+          <a:effectRef idx="2">
+            <a:schemeClr val="accent6"/>
+          </a:effectRef>
+          <a:fontRef idx="minor">
+            <a:schemeClr val="lt1"/>
+          </a:fontRef>
+        </p:style>
+        <p:txBody>
+          <a:bodyPr rtlCol="0" anchor="ctr"/>
+          <a:lstStyle/>
+          <a:p>
+            <a:pPr algn="ctr"/>
+            <a:endParaRPr lang="zh-CN" altLang="en-US"/>
+          </a:p>
+        </p:txBody>
+      </p:sp>
       <p:cxnSp>
         <p:nvCxnSpPr>
-          <p:cNvPr id="66" name="Straight Arrow Connector 65">
-            <a:extLst>
-              <a:ext uri="{FF2B5EF4-FFF2-40B4-BE49-F238E27FC236}">
-                <a16:creationId xmlns:a16="http://schemas.microsoft.com/office/drawing/2014/main" id="{D80626EA-1B44-42FE-A88A-7F3789953702}"/>
+          <p:cNvPr id="87" name="Straight Arrow Connector 86">
+            <a:extLst>
+              <a:ext uri="{FF2B5EF4-FFF2-40B4-BE49-F238E27FC236}">
+                <a16:creationId xmlns:a16="http://schemas.microsoft.com/office/drawing/2014/main" id="{D872D749-3D4E-4223-A16E-63325AEC16EA}"/>
               </a:ext>
             </a:extLst>
           </p:cNvPr>
           <p:cNvCxnSpPr>
             <a:stCxn id="60" idx="2"/>
-            <a:endCxn id="50" idx="0"/>
+            <a:endCxn id="61" idx="0"/>
           </p:cNvCxnSpPr>
           <p:nvPr/>
         </p:nvCxnSpPr>
         <p:spPr>
-          <a:xfrm>
-            <a:off x="6867635" y="3985942"/>
-            <a:ext cx="0" cy="561890"/>
+          <a:xfrm flipH="1">
+            <a:off x="10115548" y="5439439"/>
+            <a:ext cx="1" cy="939322"/>
           </a:xfrm>
           <a:prstGeom prst="straightConnector1">
             <a:avLst/>
@@ -38726,23 +38296,23 @@
       </p:cxnSp>
       <p:cxnSp>
         <p:nvCxnSpPr>
-          <p:cNvPr id="62" name="Straight Arrow Connector 61">
-            <a:extLst>
-              <a:ext uri="{FF2B5EF4-FFF2-40B4-BE49-F238E27FC236}">
-                <a16:creationId xmlns:a16="http://schemas.microsoft.com/office/drawing/2014/main" id="{9017CEE6-0BAB-4C4B-BE5E-84770627CC8B}"/>
+          <p:cNvPr id="84" name="Straight Arrow Connector 83">
+            <a:extLst>
+              <a:ext uri="{FF2B5EF4-FFF2-40B4-BE49-F238E27FC236}">
+                <a16:creationId xmlns:a16="http://schemas.microsoft.com/office/drawing/2014/main" id="{60586CEC-3AD0-4549-9060-A38FD1897ACF}"/>
               </a:ext>
             </a:extLst>
           </p:cNvPr>
           <p:cNvCxnSpPr>
-            <a:stCxn id="29" idx="2"/>
+            <a:stCxn id="48" idx="2"/>
             <a:endCxn id="77" idx="0"/>
           </p:cNvCxnSpPr>
           <p:nvPr/>
         </p:nvCxnSpPr>
         <p:spPr>
           <a:xfrm>
-            <a:off x="5337113" y="944963"/>
-            <a:ext cx="9525" cy="1754032"/>
+            <a:off x="8329612" y="2223941"/>
+            <a:ext cx="1" cy="1862716"/>
           </a:xfrm>
           <a:prstGeom prst="straightConnector1">
             <a:avLst/>
@@ -38768,10 +38338,10 @@
       </p:cxnSp>
       <p:sp>
         <p:nvSpPr>
-          <p:cNvPr id="88" name="Rectangle 87">
-            <a:extLst>
-              <a:ext uri="{FF2B5EF4-FFF2-40B4-BE49-F238E27FC236}">
-                <a16:creationId xmlns:a16="http://schemas.microsoft.com/office/drawing/2014/main" id="{13B4D670-09E3-452D-A274-253A09306901}"/>
+          <p:cNvPr id="42" name="Rectangle: Rounded Corners 41">
+            <a:extLst>
+              <a:ext uri="{FF2B5EF4-FFF2-40B4-BE49-F238E27FC236}">
+                <a16:creationId xmlns:a16="http://schemas.microsoft.com/office/drawing/2014/main" id="{D6ADFB79-5176-4FB1-8294-D7E502D26354}"/>
               </a:ext>
             </a:extLst>
           </p:cNvPr>
@@ -38780,51 +38350,7 @@
         </p:nvSpPr>
         <p:spPr>
           <a:xfrm>
-            <a:off x="2391580" y="222096"/>
-            <a:ext cx="45719" cy="6512187"/>
-          </a:xfrm>
-          <a:prstGeom prst="rect">
-            <a:avLst/>
-          </a:prstGeom>
-        </p:spPr>
-        <p:style>
-          <a:lnRef idx="1">
-            <a:schemeClr val="accent6"/>
-          </a:lnRef>
-          <a:fillRef idx="3">
-            <a:schemeClr val="accent6"/>
-          </a:fillRef>
-          <a:effectRef idx="2">
-            <a:schemeClr val="accent6"/>
-          </a:effectRef>
-          <a:fontRef idx="minor">
-            <a:schemeClr val="lt1"/>
-          </a:fontRef>
-        </p:style>
-        <p:txBody>
-          <a:bodyPr rtlCol="0" anchor="ctr"/>
-          <a:lstStyle/>
-          <a:p>
-            <a:pPr algn="ctr"/>
-            <a:endParaRPr lang="zh-CN" altLang="en-US"/>
-          </a:p>
-        </p:txBody>
-      </p:sp>
-      <p:sp>
-        <p:nvSpPr>
-          <p:cNvPr id="42" name="Rectangle: Rounded Corners 41">
-            <a:extLst>
-              <a:ext uri="{FF2B5EF4-FFF2-40B4-BE49-F238E27FC236}">
-                <a16:creationId xmlns:a16="http://schemas.microsoft.com/office/drawing/2014/main" id="{D6ADFB79-5176-4FB1-8294-D7E502D26354}"/>
-              </a:ext>
-            </a:extLst>
-          </p:cNvPr>
-          <p:cNvSpPr/>
-          <p:nvPr/>
-        </p:nvSpPr>
-        <p:spPr>
-          <a:xfrm>
-            <a:off x="1713573" y="170337"/>
+            <a:off x="3401722" y="19050"/>
             <a:ext cx="1356014" cy="408623"/>
           </a:xfrm>
           <a:prstGeom prst="roundRect">
@@ -38874,8 +38400,8 @@
         </p:nvSpPr>
         <p:spPr>
           <a:xfrm>
-            <a:off x="91831" y="1386470"/>
-            <a:ext cx="1305311" cy="307777"/>
+            <a:off x="66678" y="2678274"/>
+            <a:ext cx="2066925" cy="461665"/>
           </a:xfrm>
           <a:prstGeom prst="round1Rect">
             <a:avLst/>
@@ -38905,13 +38431,13 @@
           <a:p>
             <a:pPr algn="ctr"/>
             <a:r>
-              <a:rPr lang="en-US" altLang="zh-CN" sz="1400" dirty="0">
+              <a:rPr lang="en-US" altLang="zh-CN" sz="2400" dirty="0">
                 <a:latin typeface="DFMincho-SU" panose="02010609010101010101" pitchFamily="1" charset="-128"/>
                 <a:ea typeface="DFMincho-SU" panose="02010609010101010101" pitchFamily="1" charset="-128"/>
               </a:rPr>
               <a:t>recv_thread</a:t>
             </a:r>
-            <a:endParaRPr lang="zh-CN" altLang="en-US" sz="1400" dirty="0">
+            <a:endParaRPr lang="zh-CN" altLang="en-US" sz="2400" dirty="0">
               <a:latin typeface="DFMincho-SU" panose="02010609010101010101" pitchFamily="1" charset="-128"/>
               <a:ea typeface="DFMincho-SU" panose="02010609010101010101" pitchFamily="1" charset="-128"/>
             </a:endParaRPr>
@@ -38932,8 +38458,8 @@
         </p:nvSpPr>
         <p:spPr>
           <a:xfrm>
-            <a:off x="3889778" y="66872"/>
-            <a:ext cx="3326132" cy="307777"/>
+            <a:off x="6991349" y="263808"/>
+            <a:ext cx="2676525" cy="461665"/>
           </a:xfrm>
           <a:prstGeom prst="round1Rect">
             <a:avLst/>
@@ -38961,13 +38487,69 @@
           <a:p>
             <a:pPr algn="ctr"/>
             <a:r>
-              <a:rPr lang="en-US" altLang="zh-CN" sz="1400" dirty="0">
+              <a:rPr lang="en-US" altLang="zh-CN" sz="2400" dirty="0">
+                <a:latin typeface="DFMincho-SU" panose="02010609010101010101" pitchFamily="1" charset="-128"/>
+                <a:ea typeface="DFMincho-SU" panose="02010609010101010101" pitchFamily="1" charset="-128"/>
+              </a:rPr>
+              <a:t>gather_thread</a:t>
+            </a:r>
+            <a:endParaRPr lang="zh-CN" altLang="en-US" sz="2400" dirty="0">
+              <a:latin typeface="DFMincho-SU" panose="02010609010101010101" pitchFamily="1" charset="-128"/>
+              <a:ea typeface="DFMincho-SU" panose="02010609010101010101" pitchFamily="1" charset="-128"/>
+            </a:endParaRPr>
+          </a:p>
+        </p:txBody>
+      </p:sp>
+      <p:sp>
+        <p:nvSpPr>
+          <p:cNvPr id="45" name="Rectangle: Single Corner Rounded 44">
+            <a:extLst>
+              <a:ext uri="{FF2B5EF4-FFF2-40B4-BE49-F238E27FC236}">
+                <a16:creationId xmlns:a16="http://schemas.microsoft.com/office/drawing/2014/main" id="{B3AD826E-8135-4751-9981-A837195BD620}"/>
+              </a:ext>
+            </a:extLst>
+          </p:cNvPr>
+          <p:cNvSpPr/>
+          <p:nvPr/>
+        </p:nvSpPr>
+        <p:spPr>
+          <a:xfrm>
+            <a:off x="66678" y="1688190"/>
+            <a:ext cx="3257549" cy="461665"/>
+          </a:xfrm>
+          <a:prstGeom prst="round1Rect">
+            <a:avLst/>
+          </a:prstGeom>
+        </p:spPr>
+        <p:style>
+          <a:lnRef idx="1">
+            <a:schemeClr val="accent3"/>
+          </a:lnRef>
+          <a:fillRef idx="3">
+            <a:schemeClr val="accent3"/>
+          </a:fillRef>
+          <a:effectRef idx="2">
+            <a:schemeClr val="accent3"/>
+          </a:effectRef>
+          <a:fontRef idx="minor">
+            <a:schemeClr val="lt1"/>
+          </a:fontRef>
+        </p:style>
+        <p:txBody>
+          <a:bodyPr rtlCol="0" anchor="ctr">
+            <a:spAutoFit/>
+          </a:bodyPr>
+          <a:lstStyle/>
+          <a:p>
+            <a:pPr algn="ctr"/>
+            <a:r>
+              <a:rPr lang="en-US" altLang="zh-CN" sz="2400" dirty="0">
                 <a:latin typeface="DFMincho-SU" panose="02010609010101010101" pitchFamily="1" charset="-128"/>
                 <a:ea typeface="DFMincho-SU" panose="02010609010101010101" pitchFamily="1" charset="-128"/>
               </a:rPr>
               <a:t>connectivity_thread</a:t>
             </a:r>
-            <a:endParaRPr lang="zh-CN" altLang="en-US" sz="1400" dirty="0">
+            <a:endParaRPr lang="zh-CN" altLang="en-US" sz="2400" dirty="0">
               <a:latin typeface="DFMincho-SU" panose="02010609010101010101" pitchFamily="1" charset="-128"/>
               <a:ea typeface="DFMincho-SU" panose="02010609010101010101" pitchFamily="1" charset="-128"/>
             </a:endParaRPr>
@@ -38976,10 +38558,10 @@
       </p:sp>
       <p:sp>
         <p:nvSpPr>
-          <p:cNvPr id="45" name="Rectangle: Single Corner Rounded 44">
-            <a:extLst>
-              <a:ext uri="{FF2B5EF4-FFF2-40B4-BE49-F238E27FC236}">
-                <a16:creationId xmlns:a16="http://schemas.microsoft.com/office/drawing/2014/main" id="{B3AD826E-8135-4751-9981-A837195BD620}"/>
+          <p:cNvPr id="48" name="Rectangle: Single Corner Rounded 47">
+            <a:extLst>
+              <a:ext uri="{FF2B5EF4-FFF2-40B4-BE49-F238E27FC236}">
+                <a16:creationId xmlns:a16="http://schemas.microsoft.com/office/drawing/2014/main" id="{342893C4-BCAE-4D5E-B3F3-3AE5A5D836EC}"/>
               </a:ext>
             </a:extLst>
           </p:cNvPr>
@@ -38988,64 +38570,8 @@
         </p:nvSpPr>
         <p:spPr>
           <a:xfrm>
-            <a:off x="91831" y="888231"/>
-            <a:ext cx="1517894" cy="307777"/>
-          </a:xfrm>
-          <a:prstGeom prst="round1Rect">
-            <a:avLst/>
-          </a:prstGeom>
-        </p:spPr>
-        <p:style>
-          <a:lnRef idx="1">
-            <a:schemeClr val="accent3"/>
-          </a:lnRef>
-          <a:fillRef idx="3">
-            <a:schemeClr val="accent3"/>
-          </a:fillRef>
-          <a:effectRef idx="2">
-            <a:schemeClr val="accent3"/>
-          </a:effectRef>
-          <a:fontRef idx="minor">
-            <a:schemeClr val="lt1"/>
-          </a:fontRef>
-        </p:style>
-        <p:txBody>
-          <a:bodyPr rtlCol="0" anchor="ctr">
-            <a:spAutoFit/>
-          </a:bodyPr>
-          <a:lstStyle/>
-          <a:p>
-            <a:pPr algn="ctr"/>
-            <a:r>
-              <a:rPr lang="en-US" altLang="zh-CN" sz="1400" dirty="0">
-                <a:latin typeface="DFMincho-SU" panose="02010609010101010101" pitchFamily="1" charset="-128"/>
-                <a:ea typeface="DFMincho-SU" panose="02010609010101010101" pitchFamily="1" charset="-128"/>
-              </a:rPr>
-              <a:t>gather_thread</a:t>
-            </a:r>
-            <a:endParaRPr lang="zh-CN" altLang="en-US" sz="1400" dirty="0">
-              <a:latin typeface="DFMincho-SU" panose="02010609010101010101" pitchFamily="1" charset="-128"/>
-              <a:ea typeface="DFMincho-SU" panose="02010609010101010101" pitchFamily="1" charset="-128"/>
-            </a:endParaRPr>
-          </a:p>
-        </p:txBody>
-      </p:sp>
-      <p:sp>
-        <p:nvSpPr>
-          <p:cNvPr id="48" name="Rectangle: Single Corner Rounded 47">
-            <a:extLst>
-              <a:ext uri="{FF2B5EF4-FFF2-40B4-BE49-F238E27FC236}">
-                <a16:creationId xmlns:a16="http://schemas.microsoft.com/office/drawing/2014/main" id="{342893C4-BCAE-4D5E-B3F3-3AE5A5D836EC}"/>
-              </a:ext>
-            </a:extLst>
-          </p:cNvPr>
-          <p:cNvSpPr/>
-          <p:nvPr/>
-        </p:nvSpPr>
-        <p:spPr>
-          <a:xfrm>
-            <a:off x="4699414" y="1083107"/>
-            <a:ext cx="1294447" cy="276999"/>
+            <a:off x="7353299" y="1854609"/>
+            <a:ext cx="1952626" cy="369332"/>
           </a:xfrm>
           <a:prstGeom prst="round1Rect">
             <a:avLst/>
@@ -39075,13 +38601,13 @@
           <a:p>
             <a:pPr algn="ctr"/>
             <a:r>
-              <a:rPr lang="en-US" altLang="zh-CN" sz="1200" dirty="0">
+              <a:rPr lang="en-US" altLang="zh-CN" dirty="0">
                 <a:latin typeface="Ubuntu Mono" panose="020B0509030602030204" pitchFamily="49" charset="0"/>
                 <a:ea typeface="DFMincho-SU" panose="02010609010101010101" pitchFamily="1" charset="-128"/>
               </a:rPr>
-              <a:t>send_msg</a:t>
-            </a:r>
-            <a:endParaRPr lang="zh-CN" altLang="en-US" sz="1200" dirty="0">
+              <a:t>send_bind_req</a:t>
+            </a:r>
+            <a:endParaRPr lang="zh-CN" altLang="en-US" dirty="0">
               <a:latin typeface="Ubuntu Mono" panose="020B0509030602030204" pitchFamily="49" charset="0"/>
               <a:ea typeface="DFMincho-SU" panose="02010609010101010101" pitchFamily="1" charset="-128"/>
             </a:endParaRPr>
@@ -39102,8 +38628,8 @@
         </p:nvSpPr>
         <p:spPr>
           <a:xfrm>
-            <a:off x="4233788" y="1497865"/>
-            <a:ext cx="2225698" cy="276999"/>
+            <a:off x="6696075" y="2358508"/>
+            <a:ext cx="3267075" cy="369332"/>
           </a:xfrm>
           <a:prstGeom prst="round1Rect">
             <a:avLst/>
@@ -39133,13 +38659,13 @@
           <a:p>
             <a:pPr algn="ctr"/>
             <a:r>
-              <a:rPr lang="en-US" altLang="zh-CN" sz="1200" dirty="0">
+              <a:rPr lang="en-US" altLang="zh-CN" dirty="0">
                 <a:latin typeface="Ubuntu Mono" panose="020B0509030602030204" pitchFamily="49" charset="0"/>
                 <a:ea typeface="DFMincho-SU" panose="02010609010101010101" pitchFamily="1" charset="-128"/>
               </a:rPr>
               <a:t>start_retransmission_timer</a:t>
             </a:r>
-            <a:endParaRPr lang="zh-CN" altLang="en-US" sz="1200" dirty="0">
+            <a:endParaRPr lang="zh-CN" altLang="en-US" dirty="0">
               <a:latin typeface="Ubuntu Mono" panose="020B0509030602030204" pitchFamily="49" charset="0"/>
               <a:ea typeface="DFMincho-SU" panose="02010609010101010101" pitchFamily="1" charset="-128"/>
             </a:endParaRPr>
@@ -39160,8 +38686,8 @@
         </p:nvSpPr>
         <p:spPr>
           <a:xfrm>
-            <a:off x="4518494" y="1921388"/>
-            <a:ext cx="1656286" cy="276999"/>
+            <a:off x="6696075" y="2941914"/>
+            <a:ext cx="3267075" cy="369332"/>
           </a:xfrm>
           <a:prstGeom prst="round1Rect">
             <a:avLst/>
@@ -39191,13 +38717,13 @@
           <a:p>
             <a:pPr algn="ctr"/>
             <a:r>
-              <a:rPr lang="en-US" altLang="zh-CN" sz="1200" dirty="0">
+              <a:rPr lang="en-US" altLang="zh-CN" dirty="0">
                 <a:latin typeface="Ubuntu Mono" panose="020B0509030602030204" pitchFamily="49" charset="0"/>
                 <a:ea typeface="DFMincho-SU" panose="02010609010101010101" pitchFamily="1" charset="-128"/>
               </a:rPr>
-              <a:t>wait_for_msg_resp</a:t>
-            </a:r>
-            <a:endParaRPr lang="zh-CN" altLang="en-US" sz="1200" dirty="0">
+              <a:t>wait_for_bind_resp</a:t>
+            </a:r>
+            <a:endParaRPr lang="zh-CN" altLang="en-US" dirty="0">
               <a:latin typeface="Ubuntu Mono" panose="020B0509030602030204" pitchFamily="49" charset="0"/>
               <a:ea typeface="DFMincho-SU" panose="02010609010101010101" pitchFamily="1" charset="-128"/>
             </a:endParaRPr>
@@ -39218,8 +38744,8 @@
         </p:nvSpPr>
         <p:spPr>
           <a:xfrm>
-            <a:off x="4645803" y="2315531"/>
-            <a:ext cx="1401668" cy="276999"/>
+            <a:off x="6696075" y="3549135"/>
+            <a:ext cx="3267075" cy="369332"/>
           </a:xfrm>
           <a:prstGeom prst="round1Rect">
             <a:avLst/>
@@ -39249,13 +38775,13 @@
           <a:p>
             <a:pPr algn="ctr"/>
             <a:r>
-              <a:rPr lang="en-US" altLang="zh-CN" sz="1200" dirty="0">
+              <a:rPr lang="en-US" altLang="zh-CN" dirty="0">
                 <a:latin typeface="Ubuntu Mono" panose="020B0509030602030204" pitchFamily="49" charset="0"/>
                 <a:ea typeface="DFMincho-SU" panose="02010609010101010101" pitchFamily="1" charset="-128"/>
               </a:rPr>
               <a:t>handle_recv_msg</a:t>
             </a:r>
-            <a:endParaRPr lang="zh-CN" altLang="en-US" sz="1200" dirty="0">
+            <a:endParaRPr lang="zh-CN" altLang="en-US" dirty="0">
               <a:latin typeface="Ubuntu Mono" panose="020B0509030602030204" pitchFamily="49" charset="0"/>
               <a:ea typeface="DFMincho-SU" panose="02010609010101010101" pitchFamily="1" charset="-128"/>
             </a:endParaRPr>
@@ -39276,8 +38802,8 @@
         </p:nvSpPr>
         <p:spPr>
           <a:xfrm>
-            <a:off x="5718773" y="3708943"/>
-            <a:ext cx="2297723" cy="276999"/>
+            <a:off x="8410573" y="5070107"/>
+            <a:ext cx="3409951" cy="369332"/>
           </a:xfrm>
           <a:prstGeom prst="round1Rect">
             <a:avLst/>
@@ -39307,13 +38833,13 @@
           <a:p>
             <a:pPr algn="ctr"/>
             <a:r>
-              <a:rPr lang="en-US" altLang="zh-CN" sz="1200" dirty="0">
+              <a:rPr lang="en-US" altLang="zh-CN" dirty="0">
                 <a:latin typeface="Ubuntu Mono" panose="020B0509030602030204" pitchFamily="49" charset="0"/>
                 <a:ea typeface="DFMincho-SU" panose="02010609010101010101" pitchFamily="1" charset="-128"/>
               </a:rPr>
               <a:t>cancel_retransmission_timer</a:t>
             </a:r>
-            <a:endParaRPr lang="zh-CN" altLang="en-US" sz="1200" dirty="0">
+            <a:endParaRPr lang="zh-CN" altLang="en-US" dirty="0">
               <a:latin typeface="Ubuntu Mono" panose="020B0509030602030204" pitchFamily="49" charset="0"/>
               <a:ea typeface="DFMincho-SU" panose="02010609010101010101" pitchFamily="1" charset="-128"/>
             </a:endParaRPr>
@@ -39334,8 +38860,8 @@
         </p:nvSpPr>
         <p:spPr>
           <a:xfrm>
-            <a:off x="2810762" y="4641751"/>
-            <a:ext cx="1254204" cy="276999"/>
+            <a:off x="9153523" y="6378761"/>
+            <a:ext cx="1924050" cy="369332"/>
           </a:xfrm>
           <a:prstGeom prst="round1Rect">
             <a:avLst/>
@@ -39365,13 +38891,13 @@
           <a:p>
             <a:pPr algn="ctr"/>
             <a:r>
-              <a:rPr lang="en-US" altLang="zh-CN" sz="1200" dirty="0">
+              <a:rPr lang="en-US" altLang="zh-CN" dirty="0">
                 <a:latin typeface="Ubuntu Mono" panose="020B0509030602030204" pitchFamily="49" charset="0"/>
                 <a:ea typeface="DFMincho-SU" panose="02010609010101010101" pitchFamily="1" charset="-128"/>
               </a:rPr>
               <a:t>report_status</a:t>
             </a:r>
-            <a:endParaRPr lang="zh-CN" altLang="en-US" sz="1200" dirty="0">
+            <a:endParaRPr lang="zh-CN" altLang="en-US" dirty="0">
               <a:latin typeface="Ubuntu Mono" panose="020B0509030602030204" pitchFamily="49" charset="0"/>
               <a:ea typeface="DFMincho-SU" panose="02010609010101010101" pitchFamily="1" charset="-128"/>
             </a:endParaRPr>
@@ -39392,8 +38918,8 @@
         </p:nvSpPr>
         <p:spPr>
           <a:xfrm>
-            <a:off x="6162783" y="4129380"/>
-            <a:ext cx="1409703" cy="276999"/>
+            <a:off x="9120185" y="5708697"/>
+            <a:ext cx="1990727" cy="369332"/>
           </a:xfrm>
           <a:prstGeom prst="round1Rect">
             <a:avLst/>
@@ -39423,13 +38949,13 @@
           <a:p>
             <a:pPr algn="ctr"/>
             <a:r>
-              <a:rPr lang="en-US" altLang="zh-CN" sz="1200" dirty="0">
+              <a:rPr lang="en-US" altLang="zh-CN" dirty="0">
                 <a:latin typeface="Ubuntu Mono" panose="020B0509030602030204" pitchFamily="49" charset="0"/>
                 <a:ea typeface="DFMincho-SU" panose="02010609010101010101" pitchFamily="1" charset="-128"/>
               </a:rPr>
               <a:t>handle_resp_msg</a:t>
             </a:r>
-            <a:endParaRPr lang="zh-CN" altLang="en-US" sz="1200" dirty="0">
+            <a:endParaRPr lang="zh-CN" altLang="en-US" dirty="0">
               <a:latin typeface="Ubuntu Mono" panose="020B0509030602030204" pitchFamily="49" charset="0"/>
               <a:ea typeface="DFMincho-SU" panose="02010609010101010101" pitchFamily="1" charset="-128"/>
             </a:endParaRPr>
@@ -39450,8 +38976,8 @@
         </p:nvSpPr>
         <p:spPr>
           <a:xfrm>
-            <a:off x="2756040" y="3707988"/>
-            <a:ext cx="2133196" cy="276999"/>
+            <a:off x="4757737" y="5070107"/>
+            <a:ext cx="3409950" cy="369332"/>
           </a:xfrm>
           <a:prstGeom prst="round1Rect">
             <a:avLst/>
@@ -39481,19 +39007,106 @@
           <a:p>
             <a:pPr algn="ctr"/>
             <a:r>
-              <a:rPr lang="en-US" altLang="zh-CN" sz="1200" dirty="0">
+              <a:rPr lang="en-US" altLang="zh-CN" dirty="0">
                 <a:latin typeface="Ubuntu Mono" panose="020B0509030602030204" pitchFamily="49" charset="0"/>
                 <a:ea typeface="DFMincho-SU" panose="02010609010101010101" pitchFamily="1" charset="-128"/>
               </a:rPr>
               <a:t>wait_for_timeout_callback</a:t>
             </a:r>
-            <a:endParaRPr lang="zh-CN" altLang="en-US" sz="1200" dirty="0">
+            <a:endParaRPr lang="zh-CN" altLang="en-US" dirty="0">
               <a:latin typeface="Ubuntu Mono" panose="020B0509030602030204" pitchFamily="49" charset="0"/>
               <a:ea typeface="DFMincho-SU" panose="02010609010101010101" pitchFamily="1" charset="-128"/>
             </a:endParaRPr>
           </a:p>
         </p:txBody>
       </p:sp>
+      <p:cxnSp>
+        <p:nvCxnSpPr>
+          <p:cNvPr id="23" name="Connector: Elbow 22">
+            <a:extLst>
+              <a:ext uri="{FF2B5EF4-FFF2-40B4-BE49-F238E27FC236}">
+                <a16:creationId xmlns:a16="http://schemas.microsoft.com/office/drawing/2014/main" id="{56F2BAE1-FC5A-4744-B1BF-FEA055C98E35}"/>
+              </a:ext>
+            </a:extLst>
+          </p:cNvPr>
+          <p:cNvCxnSpPr>
+            <a:cxnSpLocks/>
+            <a:stCxn id="71" idx="1"/>
+            <a:endCxn id="29" idx="1"/>
+          </p:cNvCxnSpPr>
+          <p:nvPr/>
+        </p:nvCxnSpPr>
+        <p:spPr>
+          <a:xfrm rot="10800000" flipH="1">
+            <a:off x="4757737" y="1228189"/>
+            <a:ext cx="2047874" cy="4026585"/>
+          </a:xfrm>
+          <a:prstGeom prst="bentConnector3">
+            <a:avLst>
+              <a:gd name="adj1" fmla="val -11163"/>
+            </a:avLst>
+          </a:prstGeom>
+          <a:ln>
+            <a:tailEnd type="triangle"/>
+          </a:ln>
+        </p:spPr>
+        <p:style>
+          <a:lnRef idx="1">
+            <a:schemeClr val="accent1"/>
+          </a:lnRef>
+          <a:fillRef idx="0">
+            <a:schemeClr val="accent1"/>
+          </a:fillRef>
+          <a:effectRef idx="0">
+            <a:schemeClr val="accent1"/>
+          </a:effectRef>
+          <a:fontRef idx="minor">
+            <a:schemeClr val="tx1"/>
+          </a:fontRef>
+        </p:style>
+      </p:cxnSp>
+      <p:cxnSp>
+        <p:nvCxnSpPr>
+          <p:cNvPr id="25" name="Straight Arrow Connector 24">
+            <a:extLst>
+              <a:ext uri="{FF2B5EF4-FFF2-40B4-BE49-F238E27FC236}">
+                <a16:creationId xmlns:a16="http://schemas.microsoft.com/office/drawing/2014/main" id="{3E3C6E29-4CFC-4EFA-AD07-0A04BC2BFE86}"/>
+              </a:ext>
+            </a:extLst>
+          </p:cNvPr>
+          <p:cNvCxnSpPr>
+            <a:stCxn id="44" idx="2"/>
+            <a:endCxn id="48" idx="0"/>
+          </p:cNvCxnSpPr>
+          <p:nvPr/>
+        </p:nvCxnSpPr>
+        <p:spPr>
+          <a:xfrm>
+            <a:off x="8329612" y="725473"/>
+            <a:ext cx="0" cy="1129136"/>
+          </a:xfrm>
+          <a:prstGeom prst="straightConnector1">
+            <a:avLst/>
+          </a:prstGeom>
+          <a:ln>
+            <a:tailEnd type="triangle"/>
+          </a:ln>
+        </p:spPr>
+        <p:style>
+          <a:lnRef idx="1">
+            <a:schemeClr val="accent1"/>
+          </a:lnRef>
+          <a:fillRef idx="0">
+            <a:schemeClr val="accent1"/>
+          </a:fillRef>
+          <a:effectRef idx="0">
+            <a:schemeClr val="accent1"/>
+          </a:effectRef>
+          <a:fontRef idx="minor">
+            <a:schemeClr val="tx1"/>
+          </a:fontRef>
+        </p:style>
+      </p:cxnSp>
       <p:sp>
         <p:nvSpPr>
           <p:cNvPr id="29" name="Flowchart: Decision 28">
@@ -39508,8 +39121,8 @@
         </p:nvSpPr>
         <p:spPr>
           <a:xfrm>
-            <a:off x="3813113" y="536339"/>
-            <a:ext cx="3047999" cy="408624"/>
+            <a:off x="6805611" y="824033"/>
+            <a:ext cx="3047999" cy="808310"/>
           </a:xfrm>
           <a:prstGeom prst="flowChartDecision">
             <a:avLst/>
@@ -39562,8 +39175,8 @@
         </p:nvSpPr>
         <p:spPr>
           <a:xfrm>
-            <a:off x="7215910" y="602151"/>
-            <a:ext cx="1203009" cy="276999"/>
+            <a:off x="10144123" y="1043522"/>
+            <a:ext cx="1924050" cy="369332"/>
           </a:xfrm>
           <a:prstGeom prst="round1Rect">
             <a:avLst/>
@@ -39593,19 +39206,103 @@
           <a:p>
             <a:pPr algn="ctr"/>
             <a:r>
-              <a:rPr lang="en-US" altLang="zh-CN" sz="1200" dirty="0">
+              <a:rPr lang="en-US" altLang="zh-CN" dirty="0">
                 <a:latin typeface="Ubuntu Mono" panose="020B0509030602030204" pitchFamily="49" charset="0"/>
                 <a:ea typeface="DFMincho-SU" panose="02010609010101010101" pitchFamily="1" charset="-128"/>
               </a:rPr>
               <a:t>report_status</a:t>
             </a:r>
-            <a:endParaRPr lang="zh-CN" altLang="en-US" sz="1200" dirty="0">
+            <a:endParaRPr lang="zh-CN" altLang="en-US" dirty="0">
               <a:latin typeface="Ubuntu Mono" panose="020B0509030602030204" pitchFamily="49" charset="0"/>
               <a:ea typeface="DFMincho-SU" panose="02010609010101010101" pitchFamily="1" charset="-128"/>
             </a:endParaRPr>
           </a:p>
         </p:txBody>
       </p:sp>
+      <p:cxnSp>
+        <p:nvCxnSpPr>
+          <p:cNvPr id="31" name="Straight Arrow Connector 30">
+            <a:extLst>
+              <a:ext uri="{FF2B5EF4-FFF2-40B4-BE49-F238E27FC236}">
+                <a16:creationId xmlns:a16="http://schemas.microsoft.com/office/drawing/2014/main" id="{95C2FBAA-2609-45BC-9CF4-20D52A242297}"/>
+              </a:ext>
+            </a:extLst>
+          </p:cNvPr>
+          <p:cNvCxnSpPr>
+            <a:stCxn id="29" idx="3"/>
+            <a:endCxn id="73" idx="1"/>
+          </p:cNvCxnSpPr>
+          <p:nvPr/>
+        </p:nvCxnSpPr>
+        <p:spPr>
+          <a:xfrm>
+            <a:off x="9853610" y="1228188"/>
+            <a:ext cx="290513" cy="0"/>
+          </a:xfrm>
+          <a:prstGeom prst="straightConnector1">
+            <a:avLst/>
+          </a:prstGeom>
+          <a:ln>
+            <a:tailEnd type="triangle"/>
+          </a:ln>
+        </p:spPr>
+        <p:style>
+          <a:lnRef idx="1">
+            <a:schemeClr val="accent1"/>
+          </a:lnRef>
+          <a:fillRef idx="0">
+            <a:schemeClr val="accent1"/>
+          </a:fillRef>
+          <a:effectRef idx="0">
+            <a:schemeClr val="accent1"/>
+          </a:effectRef>
+          <a:fontRef idx="minor">
+            <a:schemeClr val="tx1"/>
+          </a:fontRef>
+        </p:style>
+      </p:cxnSp>
+      <p:sp>
+        <p:nvSpPr>
+          <p:cNvPr id="33" name="TextBox 32">
+            <a:extLst>
+              <a:ext uri="{FF2B5EF4-FFF2-40B4-BE49-F238E27FC236}">
+                <a16:creationId xmlns:a16="http://schemas.microsoft.com/office/drawing/2014/main" id="{5DD4DAAF-CD62-47A9-8CCF-445EBA1C877E}"/>
+              </a:ext>
+            </a:extLst>
+          </p:cNvPr>
+          <p:cNvSpPr txBox="1"/>
+          <p:nvPr/>
+        </p:nvSpPr>
+        <p:spPr>
+          <a:xfrm>
+            <a:off x="9763122" y="1016024"/>
+            <a:ext cx="704851" cy="215444"/>
+          </a:xfrm>
+          <a:prstGeom prst="rect">
+            <a:avLst/>
+          </a:prstGeom>
+          <a:noFill/>
+        </p:spPr>
+        <p:txBody>
+          <a:bodyPr wrap="square" rtlCol="0">
+            <a:spAutoFit/>
+          </a:bodyPr>
+          <a:lstStyle/>
+          <a:p>
+            <a:r>
+              <a:rPr lang="en-US" altLang="zh-CN" sz="800" dirty="0">
+                <a:latin typeface="Bodoni MT Black" panose="02070A03080606020203" pitchFamily="18" charset="0"/>
+                <a:ea typeface="DFMincho-SU" panose="02010609010101010101" pitchFamily="1" charset="-128"/>
+              </a:rPr>
+              <a:t>Yes</a:t>
+            </a:r>
+            <a:endParaRPr lang="zh-CN" altLang="en-US" sz="800" dirty="0">
+              <a:latin typeface="Bodoni MT Black" panose="02070A03080606020203" pitchFamily="18" charset="0"/>
+              <a:ea typeface="DFMincho-SU" panose="02010609010101010101" pitchFamily="1" charset="-128"/>
+            </a:endParaRPr>
+          </a:p>
+        </p:txBody>
+      </p:sp>
       <p:sp>
         <p:nvSpPr>
           <p:cNvPr id="74" name="TextBox 73">
@@ -39620,7 +39317,7 @@
         </p:nvSpPr>
         <p:spPr>
           <a:xfrm>
-            <a:off x="6610349" y="1337849"/>
+            <a:off x="8081960" y="1606660"/>
             <a:ext cx="704851" cy="215444"/>
           </a:xfrm>
           <a:prstGeom prst="rect">
@@ -39663,8 +39360,8 @@
         </p:nvSpPr>
         <p:spPr>
           <a:xfrm>
-            <a:off x="3822638" y="2698995"/>
-            <a:ext cx="3047999" cy="415679"/>
+            <a:off x="6805613" y="4086657"/>
+            <a:ext cx="3047999" cy="808310"/>
           </a:xfrm>
           <a:prstGeom prst="flowChartDecision">
             <a:avLst/>
@@ -39719,9 +39416,9 @@
           <p:nvPr/>
         </p:nvCxnSpPr>
         <p:spPr>
-          <a:xfrm>
-            <a:off x="3822638" y="2906835"/>
-            <a:ext cx="0" cy="781960"/>
+          <a:xfrm flipH="1">
+            <a:off x="6805611" y="4490812"/>
+            <a:ext cx="2" cy="586114"/>
           </a:xfrm>
           <a:prstGeom prst="straightConnector1">
             <a:avLst/>
@@ -39762,8 +39459,8 @@
         </p:nvCxnSpPr>
         <p:spPr>
           <a:xfrm>
-            <a:off x="6870637" y="2906835"/>
-            <a:ext cx="0" cy="781960"/>
+            <a:off x="9853612" y="4490812"/>
+            <a:ext cx="0" cy="588820"/>
           </a:xfrm>
           <a:prstGeom prst="straightConnector1">
             <a:avLst/>
@@ -39801,7 +39498,7 @@
         </p:nvSpPr>
         <p:spPr>
           <a:xfrm>
-            <a:off x="6832006" y="3219735"/>
+            <a:off x="9734546" y="4700775"/>
             <a:ext cx="704851" cy="215444"/>
           </a:xfrm>
           <a:prstGeom prst="rect">
@@ -39843,7 +39540,7 @@
         </p:nvSpPr>
         <p:spPr>
           <a:xfrm>
-            <a:off x="3578096" y="3213556"/>
+            <a:off x="6219829" y="4691190"/>
             <a:ext cx="704851" cy="215444"/>
           </a:xfrm>
           <a:prstGeom prst="rect">
@@ -39874,10 +39571,10 @@
       </p:sp>
       <p:sp>
         <p:nvSpPr>
-          <p:cNvPr id="50" name="Flowchart: Decision 49">
-            <a:extLst>
-              <a:ext uri="{FF2B5EF4-FFF2-40B4-BE49-F238E27FC236}">
-                <a16:creationId xmlns:a16="http://schemas.microsoft.com/office/drawing/2014/main" id="{7443249C-8724-4CEE-8009-4FC085217180}"/>
+          <p:cNvPr id="90" name="Arrow: Right 89">
+            <a:extLst>
+              <a:ext uri="{FF2B5EF4-FFF2-40B4-BE49-F238E27FC236}">
+                <a16:creationId xmlns:a16="http://schemas.microsoft.com/office/drawing/2014/main" id="{D392EAAD-6B33-4CF1-A9EA-9433C537B8AE}"/>
               </a:ext>
             </a:extLst>
           </p:cNvPr>
@@ -39886,12 +39583,16 @@
         </p:nvSpPr>
         <p:spPr>
           <a:xfrm>
-            <a:off x="4927336" y="4547832"/>
-            <a:ext cx="3880597" cy="482864"/>
-          </a:xfrm>
-          <a:prstGeom prst="flowChartDecision">
-            <a:avLst/>
-          </a:prstGeom>
+            <a:off x="4117827" y="505214"/>
+            <a:ext cx="2844951" cy="233483"/>
+          </a:xfrm>
+          <a:prstGeom prst="rightArrow">
+            <a:avLst>
+              <a:gd name="adj1" fmla="val 50000"/>
+              <a:gd name="adj2" fmla="val 156067"/>
+            </a:avLst>
+          </a:prstGeom>
+          <a:ln cap="rnd"/>
         </p:spPr>
         <p:style>
           <a:lnRef idx="2">
@@ -39914,110 +39615,114 @@
           <a:lstStyle/>
           <a:p>
             <a:pPr algn="ctr"/>
-            <a:r>
-              <a:rPr lang="en-US" altLang="zh-CN" sz="1200" dirty="0">
-                <a:latin typeface="Ubuntu Mono" panose="020B0509030602030204" pitchFamily="49" charset="0"/>
-              </a:rPr>
-              <a:t>Is the successful resp ?</a:t>
-            </a:r>
-            <a:endParaRPr lang="zh-CN" altLang="en-US" sz="1200" dirty="0">
-              <a:latin typeface="Ubuntu Mono" panose="020B0509030602030204" pitchFamily="49" charset="0"/>
-            </a:endParaRPr>
+            <a:endParaRPr lang="zh-CN" altLang="en-US"/>
+          </a:p>
+        </p:txBody>
+      </p:sp>
+      <p:sp>
+        <p:nvSpPr>
+          <p:cNvPr id="91" name="Arrow: Left 90">
+            <a:extLst>
+              <a:ext uri="{FF2B5EF4-FFF2-40B4-BE49-F238E27FC236}">
+                <a16:creationId xmlns:a16="http://schemas.microsoft.com/office/drawing/2014/main" id="{26F256EE-F3B4-4B08-AB8A-1B1AA2068AA4}"/>
+              </a:ext>
+            </a:extLst>
+          </p:cNvPr>
+          <p:cNvSpPr/>
+          <p:nvPr/>
+        </p:nvSpPr>
+        <p:spPr>
+          <a:xfrm>
+            <a:off x="3395659" y="1854609"/>
+            <a:ext cx="476255" cy="231309"/>
+          </a:xfrm>
+          <a:prstGeom prst="leftArrow">
+            <a:avLst>
+              <a:gd name="adj1" fmla="val 50000"/>
+              <a:gd name="adj2" fmla="val 62354"/>
+            </a:avLst>
+          </a:prstGeom>
+        </p:spPr>
+        <p:style>
+          <a:lnRef idx="2">
+            <a:schemeClr val="accent1">
+              <a:shade val="50000"/>
+            </a:schemeClr>
+          </a:lnRef>
+          <a:fillRef idx="1">
+            <a:schemeClr val="accent1"/>
+          </a:fillRef>
+          <a:effectRef idx="0">
+            <a:schemeClr val="accent1"/>
+          </a:effectRef>
+          <a:fontRef idx="minor">
+            <a:schemeClr val="lt1"/>
+          </a:fontRef>
+        </p:style>
+        <p:txBody>
+          <a:bodyPr rtlCol="0" anchor="ctr"/>
+          <a:lstStyle/>
+          <a:p>
+            <a:pPr algn="ctr"/>
+            <a:endParaRPr lang="zh-CN" altLang="en-US"/>
+          </a:p>
+        </p:txBody>
+      </p:sp>
+      <p:sp>
+        <p:nvSpPr>
+          <p:cNvPr id="92" name="Arrow: Left 91">
+            <a:extLst>
+              <a:ext uri="{FF2B5EF4-FFF2-40B4-BE49-F238E27FC236}">
+                <a16:creationId xmlns:a16="http://schemas.microsoft.com/office/drawing/2014/main" id="{68719E0C-00F4-4CF8-8911-A923630C83E7}"/>
+              </a:ext>
+            </a:extLst>
+          </p:cNvPr>
+          <p:cNvSpPr/>
+          <p:nvPr/>
+        </p:nvSpPr>
+        <p:spPr>
+          <a:xfrm>
+            <a:off x="2313534" y="2826259"/>
+            <a:ext cx="1481225" cy="231309"/>
+          </a:xfrm>
+          <a:prstGeom prst="leftArrow">
+            <a:avLst>
+              <a:gd name="adj1" fmla="val 50000"/>
+              <a:gd name="adj2" fmla="val 99415"/>
+            </a:avLst>
+          </a:prstGeom>
+        </p:spPr>
+        <p:style>
+          <a:lnRef idx="2">
+            <a:schemeClr val="accent1">
+              <a:shade val="50000"/>
+            </a:schemeClr>
+          </a:lnRef>
+          <a:fillRef idx="1">
+            <a:schemeClr val="accent1"/>
+          </a:fillRef>
+          <a:effectRef idx="0">
+            <a:schemeClr val="accent1"/>
+          </a:effectRef>
+          <a:fontRef idx="minor">
+            <a:schemeClr val="lt1"/>
+          </a:fontRef>
+        </p:style>
+        <p:txBody>
+          <a:bodyPr rtlCol="0" anchor="ctr"/>
+          <a:lstStyle/>
+          <a:p>
+            <a:pPr algn="ctr"/>
+            <a:endParaRPr lang="zh-CN" altLang="en-US"/>
           </a:p>
         </p:txBody>
       </p:sp>
       <p:cxnSp>
         <p:nvCxnSpPr>
-          <p:cNvPr id="24" name="Straight Arrow Connector 23">
-            <a:extLst>
-              <a:ext uri="{FF2B5EF4-FFF2-40B4-BE49-F238E27FC236}">
-                <a16:creationId xmlns:a16="http://schemas.microsoft.com/office/drawing/2014/main" id="{0AE88523-185B-4CEB-912F-A4EB7786804D}"/>
-              </a:ext>
-            </a:extLst>
-          </p:cNvPr>
-          <p:cNvCxnSpPr>
-            <a:cxnSpLocks/>
-            <a:stCxn id="50" idx="1"/>
-            <a:endCxn id="61" idx="3"/>
-          </p:cNvCxnSpPr>
-          <p:nvPr/>
-        </p:nvCxnSpPr>
-        <p:spPr>
-          <a:xfrm flipH="1" flipV="1">
-            <a:off x="4064966" y="4780251"/>
-            <a:ext cx="862370" cy="9013"/>
-          </a:xfrm>
-          <a:prstGeom prst="straightConnector1">
-            <a:avLst/>
-          </a:prstGeom>
-          <a:ln>
-            <a:tailEnd type="triangle"/>
-          </a:ln>
-        </p:spPr>
-        <p:style>
-          <a:lnRef idx="1">
-            <a:schemeClr val="accent1"/>
-          </a:lnRef>
-          <a:fillRef idx="0">
-            <a:schemeClr val="accent1"/>
-          </a:fillRef>
-          <a:effectRef idx="0">
-            <a:schemeClr val="accent1"/>
-          </a:effectRef>
-          <a:fontRef idx="minor">
-            <a:schemeClr val="tx1"/>
-          </a:fontRef>
-        </p:style>
-      </p:cxnSp>
-      <p:sp>
-        <p:nvSpPr>
-          <p:cNvPr id="57" name="TextBox 56">
-            <a:extLst>
-              <a:ext uri="{FF2B5EF4-FFF2-40B4-BE49-F238E27FC236}">
-                <a16:creationId xmlns:a16="http://schemas.microsoft.com/office/drawing/2014/main" id="{1DA4FE64-8272-47E3-ACAF-2A5227D6F249}"/>
-              </a:ext>
-            </a:extLst>
-          </p:cNvPr>
-          <p:cNvSpPr txBox="1"/>
-          <p:nvPr/>
-        </p:nvSpPr>
-        <p:spPr>
-          <a:xfrm>
-            <a:off x="4218445" y="4573820"/>
-            <a:ext cx="704851" cy="215444"/>
-          </a:xfrm>
-          <a:prstGeom prst="rect">
-            <a:avLst/>
-          </a:prstGeom>
-          <a:noFill/>
-        </p:spPr>
-        <p:txBody>
-          <a:bodyPr wrap="square" rtlCol="0">
-            <a:spAutoFit/>
-          </a:bodyPr>
-          <a:lstStyle/>
-          <a:p>
-            <a:pPr algn="ctr"/>
-            <a:r>
-              <a:rPr lang="en-US" altLang="zh-CN" sz="800" dirty="0">
-                <a:latin typeface="Bodoni MT Black" panose="02070A03080606020203" pitchFamily="18" charset="0"/>
-                <a:ea typeface="DFMincho-SU" panose="02010609010101010101" pitchFamily="1" charset="-128"/>
-              </a:rPr>
-              <a:t>No</a:t>
-            </a:r>
-            <a:endParaRPr lang="zh-CN" altLang="en-US" sz="800" dirty="0">
-              <a:latin typeface="Bodoni MT Black" panose="02070A03080606020203" pitchFamily="18" charset="0"/>
-              <a:ea typeface="DFMincho-SU" panose="02010609010101010101" pitchFamily="1" charset="-128"/>
-            </a:endParaRPr>
-          </a:p>
-        </p:txBody>
-      </p:sp>
-      <p:cxnSp>
-        <p:nvCxnSpPr>
-          <p:cNvPr id="56" name="Connector: Elbow 55">
-            <a:extLst>
-              <a:ext uri="{FF2B5EF4-FFF2-40B4-BE49-F238E27FC236}">
-                <a16:creationId xmlns:a16="http://schemas.microsoft.com/office/drawing/2014/main" id="{1370FFE9-2C50-4454-900A-7CEC16B22B6F}"/>
+          <p:cNvPr id="96" name="Connector: Elbow 95">
+            <a:extLst>
+              <a:ext uri="{FF2B5EF4-FFF2-40B4-BE49-F238E27FC236}">
+                <a16:creationId xmlns:a16="http://schemas.microsoft.com/office/drawing/2014/main" id="{F71E960D-A0AC-49A8-B8C0-F7A825F0B75B}"/>
               </a:ext>
             </a:extLst>
           </p:cNvPr>
@@ -40029,8 +39734,8 @@
         </p:nvCxnSpPr>
         <p:spPr>
           <a:xfrm rot="16200000" flipH="1">
-            <a:off x="2315253" y="123481"/>
-            <a:ext cx="759784" cy="3901316"/>
+            <a:off x="3601177" y="638903"/>
+            <a:ext cx="593862" cy="5595934"/>
           </a:xfrm>
           <a:prstGeom prst="bentConnector2">
             <a:avLst/>
@@ -40040,13 +39745,13 @@
           </a:ln>
         </p:spPr>
         <p:style>
-          <a:lnRef idx="1">
+          <a:lnRef idx="2">
             <a:schemeClr val="accent4"/>
           </a:lnRef>
           <a:fillRef idx="0">
             <a:schemeClr val="accent4"/>
           </a:fillRef>
-          <a:effectRef idx="0">
+          <a:effectRef idx="1">
             <a:schemeClr val="accent4"/>
           </a:effectRef>
           <a:fontRef idx="minor">
@@ -40054,691 +39759,10 @@
           </a:fontRef>
         </p:style>
       </p:cxnSp>
-      <p:sp>
-        <p:nvSpPr>
-          <p:cNvPr id="81" name="Flowchart: Decision 80">
-            <a:extLst>
-              <a:ext uri="{FF2B5EF4-FFF2-40B4-BE49-F238E27FC236}">
-                <a16:creationId xmlns:a16="http://schemas.microsoft.com/office/drawing/2014/main" id="{07FD2E0F-A5F8-48A2-BEF4-F14BD97DD483}"/>
-              </a:ext>
-            </a:extLst>
-          </p:cNvPr>
-          <p:cNvSpPr/>
-          <p:nvPr/>
-        </p:nvSpPr>
-        <p:spPr>
-          <a:xfrm>
-            <a:off x="8343450" y="1145038"/>
-            <a:ext cx="2832700" cy="482864"/>
-          </a:xfrm>
-          <a:prstGeom prst="flowChartDecision">
-            <a:avLst/>
-          </a:prstGeom>
-        </p:spPr>
-        <p:style>
-          <a:lnRef idx="2">
-            <a:schemeClr val="accent1">
-              <a:shade val="50000"/>
-            </a:schemeClr>
-          </a:lnRef>
-          <a:fillRef idx="1">
-            <a:schemeClr val="accent1"/>
-          </a:fillRef>
-          <a:effectRef idx="0">
-            <a:schemeClr val="accent1"/>
-          </a:effectRef>
-          <a:fontRef idx="minor">
-            <a:schemeClr val="lt1"/>
-          </a:fontRef>
-        </p:style>
-        <p:txBody>
-          <a:bodyPr rtlCol="0" anchor="ctr"/>
-          <a:lstStyle/>
-          <a:p>
-            <a:pPr algn="ctr"/>
-            <a:r>
-              <a:rPr lang="en-US" altLang="zh-CN" sz="1200" dirty="0">
-                <a:latin typeface="Ubuntu Mono" panose="020B0509030602030204" pitchFamily="49" charset="0"/>
-              </a:rPr>
-              <a:t>controlling role?</a:t>
-            </a:r>
-            <a:endParaRPr lang="zh-CN" altLang="en-US" sz="1200" dirty="0">
-              <a:latin typeface="Ubuntu Mono" panose="020B0509030602030204" pitchFamily="49" charset="0"/>
-            </a:endParaRPr>
-          </a:p>
-        </p:txBody>
-      </p:sp>
-      <p:cxnSp>
-        <p:nvCxnSpPr>
-          <p:cNvPr id="69" name="Connector: Elbow 68">
-            <a:extLst>
-              <a:ext uri="{FF2B5EF4-FFF2-40B4-BE49-F238E27FC236}">
-                <a16:creationId xmlns:a16="http://schemas.microsoft.com/office/drawing/2014/main" id="{1A2548EF-81BD-41B9-811E-7C60025C7986}"/>
-              </a:ext>
-            </a:extLst>
-          </p:cNvPr>
-          <p:cNvCxnSpPr>
-            <a:cxnSpLocks/>
-            <a:stCxn id="50" idx="3"/>
-            <a:endCxn id="81" idx="0"/>
-          </p:cNvCxnSpPr>
-          <p:nvPr/>
-        </p:nvCxnSpPr>
-        <p:spPr>
-          <a:xfrm flipV="1">
-            <a:off x="8807933" y="1145038"/>
-            <a:ext cx="951867" cy="3644226"/>
-          </a:xfrm>
-          <a:prstGeom prst="bentConnector4">
-            <a:avLst>
-              <a:gd name="adj1" fmla="val -53404"/>
-              <a:gd name="adj2" fmla="val 103659"/>
-            </a:avLst>
-          </a:prstGeom>
-          <a:ln>
-            <a:tailEnd type="triangle"/>
-          </a:ln>
-        </p:spPr>
-        <p:style>
-          <a:lnRef idx="1">
-            <a:schemeClr val="accent1"/>
-          </a:lnRef>
-          <a:fillRef idx="0">
-            <a:schemeClr val="accent1"/>
-          </a:fillRef>
-          <a:effectRef idx="0">
-            <a:schemeClr val="accent1"/>
-          </a:effectRef>
-          <a:fontRef idx="minor">
-            <a:schemeClr val="tx1"/>
-          </a:fontRef>
-        </p:style>
-      </p:cxnSp>
-      <p:sp>
-        <p:nvSpPr>
-          <p:cNvPr id="89" name="TextBox 88">
-            <a:extLst>
-              <a:ext uri="{FF2B5EF4-FFF2-40B4-BE49-F238E27FC236}">
-                <a16:creationId xmlns:a16="http://schemas.microsoft.com/office/drawing/2014/main" id="{8E79C7B1-D260-49F7-9155-93E7021CCA86}"/>
-              </a:ext>
-            </a:extLst>
-          </p:cNvPr>
-          <p:cNvSpPr txBox="1"/>
-          <p:nvPr/>
-        </p:nvSpPr>
-        <p:spPr>
-          <a:xfrm>
-            <a:off x="8016496" y="2962362"/>
-            <a:ext cx="704851" cy="215444"/>
-          </a:xfrm>
-          <a:prstGeom prst="rect">
-            <a:avLst/>
-          </a:prstGeom>
-          <a:noFill/>
-        </p:spPr>
-        <p:txBody>
-          <a:bodyPr wrap="square" rtlCol="0">
-            <a:spAutoFit/>
-          </a:bodyPr>
-          <a:lstStyle/>
-          <a:p>
-            <a:r>
-              <a:rPr lang="en-US" altLang="zh-CN" sz="800" dirty="0">
-                <a:latin typeface="Bodoni MT Black" panose="02070A03080606020203" pitchFamily="18" charset="0"/>
-                <a:ea typeface="DFMincho-SU" panose="02010609010101010101" pitchFamily="1" charset="-128"/>
-              </a:rPr>
-              <a:t>Yes</a:t>
-            </a:r>
-            <a:endParaRPr lang="zh-CN" altLang="en-US" sz="800" dirty="0">
-              <a:latin typeface="Bodoni MT Black" panose="02070A03080606020203" pitchFamily="18" charset="0"/>
-              <a:ea typeface="DFMincho-SU" panose="02010609010101010101" pitchFamily="1" charset="-128"/>
-            </a:endParaRPr>
-          </a:p>
-        </p:txBody>
-      </p:sp>
-      <p:sp>
-        <p:nvSpPr>
-          <p:cNvPr id="94" name="Rectangle: Diagonal Corners Snipped 93">
-            <a:extLst>
-              <a:ext uri="{FF2B5EF4-FFF2-40B4-BE49-F238E27FC236}">
-                <a16:creationId xmlns:a16="http://schemas.microsoft.com/office/drawing/2014/main" id="{DEA3C26F-D4FE-4797-81BC-D91C9C06CD8E}"/>
-              </a:ext>
-            </a:extLst>
-          </p:cNvPr>
-          <p:cNvSpPr/>
-          <p:nvPr/>
-        </p:nvSpPr>
-        <p:spPr>
-          <a:xfrm>
-            <a:off x="8611420" y="2205120"/>
-            <a:ext cx="1390650" cy="374184"/>
-          </a:xfrm>
-          <a:prstGeom prst="snip2DiagRect">
-            <a:avLst/>
-          </a:prstGeom>
-        </p:spPr>
-        <p:style>
-          <a:lnRef idx="2">
-            <a:schemeClr val="accent1">
-              <a:shade val="50000"/>
-            </a:schemeClr>
-          </a:lnRef>
-          <a:fillRef idx="1">
-            <a:schemeClr val="accent1"/>
-          </a:fillRef>
-          <a:effectRef idx="0">
-            <a:schemeClr val="accent1"/>
-          </a:effectRef>
-          <a:fontRef idx="minor">
-            <a:schemeClr val="lt1"/>
-          </a:fontRef>
-        </p:style>
-        <p:txBody>
-          <a:bodyPr rtlCol="0" anchor="ctr"/>
-          <a:lstStyle/>
-          <a:p>
-            <a:pPr lvl="0" eaLnBrk="0" fontAlgn="base" hangingPunct="0">
-              <a:spcBef>
-                <a:spcPct val="0"/>
-              </a:spcBef>
-              <a:spcAft>
-                <a:spcPct val="0"/>
-              </a:spcAft>
-            </a:pPr>
-            <a:r>
-              <a:rPr lang="en-US" altLang="zh-CN" sz="1200" dirty="0">
-                <a:solidFill>
-                  <a:schemeClr val="bg1"/>
-                </a:solidFill>
-                <a:latin typeface="Ubuntu Mono" panose="020B0509030602030204" pitchFamily="49" charset="0"/>
-              </a:rPr>
-              <a:t>send_</a:t>
-            </a:r>
-            <a:r>
-              <a:rPr lang="zh-CN" altLang="zh-CN" sz="1200" dirty="0">
-                <a:solidFill>
-                  <a:schemeClr val="bg1"/>
-                </a:solidFill>
-                <a:latin typeface="Ubuntu Mono" panose="020B0509030602030204" pitchFamily="49" charset="0"/>
-              </a:rPr>
-              <a:t>nominating </a:t>
-            </a:r>
-          </a:p>
-        </p:txBody>
-      </p:sp>
-      <p:sp>
-        <p:nvSpPr>
-          <p:cNvPr id="99" name="Rectangle: Diagonal Corners Snipped 98">
-            <a:extLst>
-              <a:ext uri="{FF2B5EF4-FFF2-40B4-BE49-F238E27FC236}">
-                <a16:creationId xmlns:a16="http://schemas.microsoft.com/office/drawing/2014/main" id="{46A9E081-35EB-4B28-B37B-F9165500B378}"/>
-              </a:ext>
-            </a:extLst>
-          </p:cNvPr>
-          <p:cNvSpPr/>
-          <p:nvPr/>
-        </p:nvSpPr>
-        <p:spPr>
-          <a:xfrm>
-            <a:off x="10422633" y="2231529"/>
-            <a:ext cx="1701026" cy="374184"/>
-          </a:xfrm>
-          <a:prstGeom prst="snip2DiagRect">
-            <a:avLst/>
-          </a:prstGeom>
-        </p:spPr>
-        <p:style>
-          <a:lnRef idx="2">
-            <a:schemeClr val="accent1">
-              <a:shade val="50000"/>
-            </a:schemeClr>
-          </a:lnRef>
-          <a:fillRef idx="1">
-            <a:schemeClr val="accent1"/>
-          </a:fillRef>
-          <a:effectRef idx="0">
-            <a:schemeClr val="accent1"/>
-          </a:effectRef>
-          <a:fontRef idx="minor">
-            <a:schemeClr val="lt1"/>
-          </a:fontRef>
-        </p:style>
-        <p:txBody>
-          <a:bodyPr rtlCol="0" anchor="ctr"/>
-          <a:lstStyle/>
-          <a:p>
-            <a:pPr lvl="0" eaLnBrk="0" fontAlgn="base" hangingPunct="0">
-              <a:spcBef>
-                <a:spcPct val="0"/>
-              </a:spcBef>
-              <a:spcAft>
-                <a:spcPct val="0"/>
-              </a:spcAft>
-            </a:pPr>
-            <a:r>
-              <a:rPr lang="en-US" altLang="zh-CN" sz="1200" dirty="0">
-                <a:solidFill>
-                  <a:schemeClr val="bg1"/>
-                </a:solidFill>
-                <a:latin typeface="Ubuntu Mono" panose="020B0509030602030204" pitchFamily="49" charset="0"/>
-              </a:rPr>
-              <a:t>waiting_</a:t>
-            </a:r>
-            <a:r>
-              <a:rPr lang="zh-CN" altLang="zh-CN" sz="1200" dirty="0">
-                <a:solidFill>
-                  <a:schemeClr val="bg1"/>
-                </a:solidFill>
-                <a:latin typeface="Ubuntu Mono" panose="020B0509030602030204" pitchFamily="49" charset="0"/>
-              </a:rPr>
-              <a:t>nominating </a:t>
-            </a:r>
-          </a:p>
-        </p:txBody>
-      </p:sp>
-      <p:cxnSp>
-        <p:nvCxnSpPr>
-          <p:cNvPr id="104" name="Straight Arrow Connector 103">
-            <a:extLst>
-              <a:ext uri="{FF2B5EF4-FFF2-40B4-BE49-F238E27FC236}">
-                <a16:creationId xmlns:a16="http://schemas.microsoft.com/office/drawing/2014/main" id="{7070C187-FD85-49C4-AF3F-9D70028FA232}"/>
-              </a:ext>
-            </a:extLst>
-          </p:cNvPr>
-          <p:cNvCxnSpPr/>
-          <p:nvPr/>
-        </p:nvCxnSpPr>
-        <p:spPr>
-          <a:xfrm>
-            <a:off x="8877300" y="1497865"/>
-            <a:ext cx="0" cy="700522"/>
-          </a:xfrm>
-          <a:prstGeom prst="straightConnector1">
-            <a:avLst/>
-          </a:prstGeom>
-          <a:ln>
-            <a:tailEnd type="triangle"/>
-          </a:ln>
-        </p:spPr>
-        <p:style>
-          <a:lnRef idx="1">
-            <a:schemeClr val="accent1"/>
-          </a:lnRef>
-          <a:fillRef idx="0">
-            <a:schemeClr val="accent1"/>
-          </a:fillRef>
-          <a:effectRef idx="0">
-            <a:schemeClr val="accent1"/>
-          </a:effectRef>
-          <a:fontRef idx="minor">
-            <a:schemeClr val="tx1"/>
-          </a:fontRef>
-        </p:style>
-      </p:cxnSp>
-      <p:cxnSp>
-        <p:nvCxnSpPr>
-          <p:cNvPr id="106" name="Straight Arrow Connector 105">
-            <a:extLst>
-              <a:ext uri="{FF2B5EF4-FFF2-40B4-BE49-F238E27FC236}">
-                <a16:creationId xmlns:a16="http://schemas.microsoft.com/office/drawing/2014/main" id="{C1CCA630-9302-4A35-8F06-567351D535AA}"/>
-              </a:ext>
-            </a:extLst>
-          </p:cNvPr>
-          <p:cNvCxnSpPr/>
-          <p:nvPr/>
-        </p:nvCxnSpPr>
-        <p:spPr>
-          <a:xfrm>
-            <a:off x="10858500" y="1497865"/>
-            <a:ext cx="0" cy="707255"/>
-          </a:xfrm>
-          <a:prstGeom prst="straightConnector1">
-            <a:avLst/>
-          </a:prstGeom>
-          <a:ln>
-            <a:tailEnd type="triangle"/>
-          </a:ln>
-        </p:spPr>
-        <p:style>
-          <a:lnRef idx="1">
-            <a:schemeClr val="accent1"/>
-          </a:lnRef>
-          <a:fillRef idx="0">
-            <a:schemeClr val="accent1"/>
-          </a:fillRef>
-          <a:effectRef idx="0">
-            <a:schemeClr val="accent1"/>
-          </a:effectRef>
-          <a:fontRef idx="minor">
-            <a:schemeClr val="tx1"/>
-          </a:fontRef>
-        </p:style>
-      </p:cxnSp>
-      <p:cxnSp>
-        <p:nvCxnSpPr>
-          <p:cNvPr id="108" name="Straight Arrow Connector 107">
-            <a:extLst>
-              <a:ext uri="{FF2B5EF4-FFF2-40B4-BE49-F238E27FC236}">
-                <a16:creationId xmlns:a16="http://schemas.microsoft.com/office/drawing/2014/main" id="{A51EBF7B-FB41-4F3B-B812-EDC39B1FD0E1}"/>
-              </a:ext>
-            </a:extLst>
-          </p:cNvPr>
-          <p:cNvCxnSpPr>
-            <a:stCxn id="29" idx="3"/>
-            <a:endCxn id="73" idx="1"/>
-          </p:cNvCxnSpPr>
-          <p:nvPr/>
-        </p:nvCxnSpPr>
-        <p:spPr>
-          <a:xfrm>
-            <a:off x="6861112" y="740651"/>
-            <a:ext cx="354798" cy="0"/>
-          </a:xfrm>
-          <a:prstGeom prst="straightConnector1">
-            <a:avLst/>
-          </a:prstGeom>
-          <a:ln>
-            <a:tailEnd type="triangle"/>
-          </a:ln>
-        </p:spPr>
-        <p:style>
-          <a:lnRef idx="1">
-            <a:schemeClr val="accent1"/>
-          </a:lnRef>
-          <a:fillRef idx="0">
-            <a:schemeClr val="accent1"/>
-          </a:fillRef>
-          <a:effectRef idx="0">
-            <a:schemeClr val="accent1"/>
-          </a:effectRef>
-          <a:fontRef idx="minor">
-            <a:schemeClr val="tx1"/>
-          </a:fontRef>
-        </p:style>
-      </p:cxnSp>
-      <p:sp>
-        <p:nvSpPr>
-          <p:cNvPr id="109" name="Rectangle: Single Corner Rounded 108">
-            <a:extLst>
-              <a:ext uri="{FF2B5EF4-FFF2-40B4-BE49-F238E27FC236}">
-                <a16:creationId xmlns:a16="http://schemas.microsoft.com/office/drawing/2014/main" id="{01F8A451-3EEF-4378-A07D-2154FB4EB38B}"/>
-              </a:ext>
-            </a:extLst>
-          </p:cNvPr>
-          <p:cNvSpPr/>
-          <p:nvPr/>
-        </p:nvSpPr>
-        <p:spPr>
-          <a:xfrm>
-            <a:off x="8679643" y="2828651"/>
-            <a:ext cx="1254204" cy="276999"/>
-          </a:xfrm>
-          <a:prstGeom prst="round1Rect">
-            <a:avLst/>
-          </a:prstGeom>
-        </p:spPr>
-        <p:style>
-          <a:lnRef idx="2">
-            <a:schemeClr val="accent2">
-              <a:shade val="50000"/>
-            </a:schemeClr>
-          </a:lnRef>
-          <a:fillRef idx="1">
-            <a:schemeClr val="accent2"/>
-          </a:fillRef>
-          <a:effectRef idx="0">
-            <a:schemeClr val="accent2"/>
-          </a:effectRef>
-          <a:fontRef idx="minor">
-            <a:schemeClr val="lt1"/>
-          </a:fontRef>
-        </p:style>
-        <p:txBody>
-          <a:bodyPr rtlCol="0" anchor="ctr">
-            <a:spAutoFit/>
-          </a:bodyPr>
-          <a:lstStyle/>
-          <a:p>
-            <a:pPr algn="ctr"/>
-            <a:r>
-              <a:rPr lang="en-US" altLang="zh-CN" sz="1200" dirty="0">
-                <a:latin typeface="Ubuntu Mono" panose="020B0509030602030204" pitchFamily="49" charset="0"/>
-                <a:ea typeface="DFMincho-SU" panose="02010609010101010101" pitchFamily="1" charset="-128"/>
-              </a:rPr>
-              <a:t>report_status</a:t>
-            </a:r>
-            <a:endParaRPr lang="zh-CN" altLang="en-US" sz="1200" dirty="0">
-              <a:latin typeface="Ubuntu Mono" panose="020B0509030602030204" pitchFamily="49" charset="0"/>
-              <a:ea typeface="DFMincho-SU" panose="02010609010101010101" pitchFamily="1" charset="-128"/>
-            </a:endParaRPr>
-          </a:p>
-        </p:txBody>
-      </p:sp>
-      <p:sp>
-        <p:nvSpPr>
-          <p:cNvPr id="110" name="Rectangle: Single Corner Rounded 109">
-            <a:extLst>
-              <a:ext uri="{FF2B5EF4-FFF2-40B4-BE49-F238E27FC236}">
-                <a16:creationId xmlns:a16="http://schemas.microsoft.com/office/drawing/2014/main" id="{2D5A5E32-9111-471F-99BE-B5F89DB5C23C}"/>
-              </a:ext>
-            </a:extLst>
-          </p:cNvPr>
-          <p:cNvSpPr/>
-          <p:nvPr/>
-        </p:nvSpPr>
-        <p:spPr>
-          <a:xfrm>
-            <a:off x="10488648" y="2823500"/>
-            <a:ext cx="1254204" cy="276999"/>
-          </a:xfrm>
-          <a:prstGeom prst="round1Rect">
-            <a:avLst/>
-          </a:prstGeom>
-        </p:spPr>
-        <p:style>
-          <a:lnRef idx="2">
-            <a:schemeClr val="accent2">
-              <a:shade val="50000"/>
-            </a:schemeClr>
-          </a:lnRef>
-          <a:fillRef idx="1">
-            <a:schemeClr val="accent2"/>
-          </a:fillRef>
-          <a:effectRef idx="0">
-            <a:schemeClr val="accent2"/>
-          </a:effectRef>
-          <a:fontRef idx="minor">
-            <a:schemeClr val="lt1"/>
-          </a:fontRef>
-        </p:style>
-        <p:txBody>
-          <a:bodyPr rtlCol="0" anchor="ctr">
-            <a:spAutoFit/>
-          </a:bodyPr>
-          <a:lstStyle/>
-          <a:p>
-            <a:pPr algn="ctr"/>
-            <a:r>
-              <a:rPr lang="en-US" altLang="zh-CN" sz="1200" dirty="0">
-                <a:latin typeface="Ubuntu Mono" panose="020B0509030602030204" pitchFamily="49" charset="0"/>
-                <a:ea typeface="DFMincho-SU" panose="02010609010101010101" pitchFamily="1" charset="-128"/>
-              </a:rPr>
-              <a:t>report_status</a:t>
-            </a:r>
-            <a:endParaRPr lang="zh-CN" altLang="en-US" sz="1200" dirty="0">
-              <a:latin typeface="Ubuntu Mono" panose="020B0509030602030204" pitchFamily="49" charset="0"/>
-              <a:ea typeface="DFMincho-SU" panose="02010609010101010101" pitchFamily="1" charset="-128"/>
-            </a:endParaRPr>
-          </a:p>
-        </p:txBody>
-      </p:sp>
-      <p:cxnSp>
-        <p:nvCxnSpPr>
-          <p:cNvPr id="112" name="Straight Arrow Connector 111">
-            <a:extLst>
-              <a:ext uri="{FF2B5EF4-FFF2-40B4-BE49-F238E27FC236}">
-                <a16:creationId xmlns:a16="http://schemas.microsoft.com/office/drawing/2014/main" id="{A15BEFD7-D491-49BC-81E4-CCBC93C0761B}"/>
-              </a:ext>
-            </a:extLst>
-          </p:cNvPr>
-          <p:cNvCxnSpPr/>
-          <p:nvPr/>
-        </p:nvCxnSpPr>
-        <p:spPr>
-          <a:xfrm>
-            <a:off x="9039225" y="2605713"/>
-            <a:ext cx="0" cy="217787"/>
-          </a:xfrm>
-          <a:prstGeom prst="straightConnector1">
-            <a:avLst/>
-          </a:prstGeom>
-          <a:ln>
-            <a:tailEnd type="triangle"/>
-          </a:ln>
-        </p:spPr>
-        <p:style>
-          <a:lnRef idx="1">
-            <a:schemeClr val="accent1"/>
-          </a:lnRef>
-          <a:fillRef idx="0">
-            <a:schemeClr val="accent1"/>
-          </a:fillRef>
-          <a:effectRef idx="0">
-            <a:schemeClr val="accent1"/>
-          </a:effectRef>
-          <a:fontRef idx="minor">
-            <a:schemeClr val="tx1"/>
-          </a:fontRef>
-        </p:style>
-      </p:cxnSp>
-      <p:cxnSp>
-        <p:nvCxnSpPr>
-          <p:cNvPr id="114" name="Straight Arrow Connector 113">
-            <a:extLst>
-              <a:ext uri="{FF2B5EF4-FFF2-40B4-BE49-F238E27FC236}">
-                <a16:creationId xmlns:a16="http://schemas.microsoft.com/office/drawing/2014/main" id="{8A22618B-A6A6-4386-B681-632BFD7808EE}"/>
-              </a:ext>
-            </a:extLst>
-          </p:cNvPr>
-          <p:cNvCxnSpPr/>
-          <p:nvPr/>
-        </p:nvCxnSpPr>
-        <p:spPr>
-          <a:xfrm>
-            <a:off x="11458575" y="2605713"/>
-            <a:ext cx="0" cy="217787"/>
-          </a:xfrm>
-          <a:prstGeom prst="straightConnector1">
-            <a:avLst/>
-          </a:prstGeom>
-          <a:ln>
-            <a:tailEnd type="triangle"/>
-          </a:ln>
-        </p:spPr>
-        <p:style>
-          <a:lnRef idx="1">
-            <a:schemeClr val="accent1"/>
-          </a:lnRef>
-          <a:fillRef idx="0">
-            <a:schemeClr val="accent1"/>
-          </a:fillRef>
-          <a:effectRef idx="0">
-            <a:schemeClr val="accent1"/>
-          </a:effectRef>
-          <a:fontRef idx="minor">
-            <a:schemeClr val="tx1"/>
-          </a:fontRef>
-        </p:style>
-      </p:cxnSp>
-      <p:sp>
-        <p:nvSpPr>
-          <p:cNvPr id="115" name="TextBox 114">
-            <a:extLst>
-              <a:ext uri="{FF2B5EF4-FFF2-40B4-BE49-F238E27FC236}">
-                <a16:creationId xmlns:a16="http://schemas.microsoft.com/office/drawing/2014/main" id="{F993EA6F-F36F-4F9E-97FF-92322B551D89}"/>
-              </a:ext>
-            </a:extLst>
-          </p:cNvPr>
-          <p:cNvSpPr txBox="1"/>
-          <p:nvPr/>
-        </p:nvSpPr>
-        <p:spPr>
-          <a:xfrm>
-            <a:off x="8861348" y="1760634"/>
-            <a:ext cx="704851" cy="215444"/>
-          </a:xfrm>
-          <a:prstGeom prst="rect">
-            <a:avLst/>
-          </a:prstGeom>
-          <a:noFill/>
-        </p:spPr>
-        <p:txBody>
-          <a:bodyPr wrap="square" rtlCol="0">
-            <a:spAutoFit/>
-          </a:bodyPr>
-          <a:lstStyle/>
-          <a:p>
-            <a:r>
-              <a:rPr lang="en-US" altLang="zh-CN" sz="800" dirty="0">
-                <a:latin typeface="Bodoni MT Black" panose="02070A03080606020203" pitchFamily="18" charset="0"/>
-                <a:ea typeface="DFMincho-SU" panose="02010609010101010101" pitchFamily="1" charset="-128"/>
-              </a:rPr>
-              <a:t>Yes</a:t>
-            </a:r>
-            <a:endParaRPr lang="zh-CN" altLang="en-US" sz="800" dirty="0">
-              <a:latin typeface="Bodoni MT Black" panose="02070A03080606020203" pitchFamily="18" charset="0"/>
-              <a:ea typeface="DFMincho-SU" panose="02010609010101010101" pitchFamily="1" charset="-128"/>
-            </a:endParaRPr>
-          </a:p>
-        </p:txBody>
-      </p:sp>
-      <p:sp>
-        <p:nvSpPr>
-          <p:cNvPr id="116" name="TextBox 115">
-            <a:extLst>
-              <a:ext uri="{FF2B5EF4-FFF2-40B4-BE49-F238E27FC236}">
-                <a16:creationId xmlns:a16="http://schemas.microsoft.com/office/drawing/2014/main" id="{72AE4D9A-1A55-4A7B-A441-CC08AB7635CF}"/>
-              </a:ext>
-            </a:extLst>
-          </p:cNvPr>
-          <p:cNvSpPr txBox="1"/>
-          <p:nvPr/>
-        </p:nvSpPr>
-        <p:spPr>
-          <a:xfrm>
-            <a:off x="10678450" y="1760634"/>
-            <a:ext cx="704851" cy="215444"/>
-          </a:xfrm>
-          <a:prstGeom prst="rect">
-            <a:avLst/>
-          </a:prstGeom>
-          <a:noFill/>
-        </p:spPr>
-        <p:txBody>
-          <a:bodyPr wrap="square" rtlCol="0">
-            <a:spAutoFit/>
-          </a:bodyPr>
-          <a:lstStyle/>
-          <a:p>
-            <a:pPr algn="ctr"/>
-            <a:r>
-              <a:rPr lang="en-US" altLang="zh-CN" sz="800" dirty="0">
-                <a:latin typeface="Bodoni MT Black" panose="02070A03080606020203" pitchFamily="18" charset="0"/>
-                <a:ea typeface="DFMincho-SU" panose="02010609010101010101" pitchFamily="1" charset="-128"/>
-              </a:rPr>
-              <a:t>No</a:t>
-            </a:r>
-            <a:endParaRPr lang="zh-CN" altLang="en-US" sz="800" dirty="0">
-              <a:latin typeface="Bodoni MT Black" panose="02070A03080606020203" pitchFamily="18" charset="0"/>
-              <a:ea typeface="DFMincho-SU" panose="02010609010101010101" pitchFamily="1" charset="-128"/>
-            </a:endParaRPr>
-          </a:p>
-        </p:txBody>
-      </p:sp>
     </p:spTree>
     <p:extLst>
       <p:ext uri="{BB962C8B-B14F-4D97-AF65-F5344CB8AC3E}">
-        <p14:creationId xmlns:p14="http://schemas.microsoft.com/office/powerpoint/2010/main" val="2192910078"/>
+        <p14:creationId xmlns:p14="http://schemas.microsoft.com/office/powerpoint/2010/main" val="224109205"/>
       </p:ext>
     </p:extLst>
   </p:cSld>
@@ -40765,69 +39789,25 @@
           <a:chExt cx="0" cy="0"/>
         </a:xfrm>
       </p:grpSpPr>
-      <p:sp>
-        <p:nvSpPr>
-          <p:cNvPr id="88" name="Rectangle 87">
-            <a:extLst>
-              <a:ext uri="{FF2B5EF4-FFF2-40B4-BE49-F238E27FC236}">
-                <a16:creationId xmlns:a16="http://schemas.microsoft.com/office/drawing/2014/main" id="{13B4D670-09E3-452D-A274-253A09306901}"/>
-              </a:ext>
-            </a:extLst>
-          </p:cNvPr>
-          <p:cNvSpPr/>
-          <p:nvPr/>
-        </p:nvSpPr>
-        <p:spPr>
-          <a:xfrm>
-            <a:off x="4034010" y="427672"/>
-            <a:ext cx="45719" cy="6411277"/>
-          </a:xfrm>
-          <a:prstGeom prst="rect">
-            <a:avLst/>
-          </a:prstGeom>
-        </p:spPr>
-        <p:style>
-          <a:lnRef idx="1">
-            <a:schemeClr val="accent6"/>
-          </a:lnRef>
-          <a:fillRef idx="3">
-            <a:schemeClr val="accent6"/>
-          </a:fillRef>
-          <a:effectRef idx="2">
-            <a:schemeClr val="accent6"/>
-          </a:effectRef>
-          <a:fontRef idx="minor">
-            <a:schemeClr val="lt1"/>
-          </a:fontRef>
-        </p:style>
-        <p:txBody>
-          <a:bodyPr rtlCol="0" anchor="ctr"/>
-          <a:lstStyle/>
-          <a:p>
-            <a:pPr algn="ctr"/>
-            <a:endParaRPr lang="zh-CN" altLang="en-US"/>
-          </a:p>
-        </p:txBody>
-      </p:sp>
       <p:cxnSp>
         <p:nvCxnSpPr>
-          <p:cNvPr id="87" name="Straight Arrow Connector 86">
-            <a:extLst>
-              <a:ext uri="{FF2B5EF4-FFF2-40B4-BE49-F238E27FC236}">
-                <a16:creationId xmlns:a16="http://schemas.microsoft.com/office/drawing/2014/main" id="{D872D749-3D4E-4223-A16E-63325AEC16EA}"/>
+          <p:cNvPr id="66" name="Straight Arrow Connector 65">
+            <a:extLst>
+              <a:ext uri="{FF2B5EF4-FFF2-40B4-BE49-F238E27FC236}">
+                <a16:creationId xmlns:a16="http://schemas.microsoft.com/office/drawing/2014/main" id="{D80626EA-1B44-42FE-A88A-7F3789953702}"/>
               </a:ext>
             </a:extLst>
           </p:cNvPr>
           <p:cNvCxnSpPr>
             <a:stCxn id="60" idx="2"/>
-            <a:endCxn id="61" idx="0"/>
+            <a:endCxn id="50" idx="0"/>
           </p:cNvCxnSpPr>
           <p:nvPr/>
         </p:nvCxnSpPr>
         <p:spPr>
-          <a:xfrm flipH="1">
-            <a:off x="10115548" y="5439439"/>
-            <a:ext cx="1" cy="939322"/>
+          <a:xfrm>
+            <a:off x="6867635" y="3985942"/>
+            <a:ext cx="0" cy="561890"/>
           </a:xfrm>
           <a:prstGeom prst="straightConnector1">
             <a:avLst/>
@@ -40853,23 +39833,23 @@
       </p:cxnSp>
       <p:cxnSp>
         <p:nvCxnSpPr>
-          <p:cNvPr id="84" name="Straight Arrow Connector 83">
-            <a:extLst>
-              <a:ext uri="{FF2B5EF4-FFF2-40B4-BE49-F238E27FC236}">
-                <a16:creationId xmlns:a16="http://schemas.microsoft.com/office/drawing/2014/main" id="{60586CEC-3AD0-4549-9060-A38FD1897ACF}"/>
+          <p:cNvPr id="62" name="Straight Arrow Connector 61">
+            <a:extLst>
+              <a:ext uri="{FF2B5EF4-FFF2-40B4-BE49-F238E27FC236}">
+                <a16:creationId xmlns:a16="http://schemas.microsoft.com/office/drawing/2014/main" id="{9017CEE6-0BAB-4C4B-BE5E-84770627CC8B}"/>
               </a:ext>
             </a:extLst>
           </p:cNvPr>
           <p:cNvCxnSpPr>
-            <a:stCxn id="48" idx="2"/>
+            <a:stCxn id="29" idx="2"/>
             <a:endCxn id="77" idx="0"/>
           </p:cNvCxnSpPr>
           <p:nvPr/>
         </p:nvCxnSpPr>
         <p:spPr>
           <a:xfrm>
-            <a:off x="8329612" y="2223941"/>
-            <a:ext cx="1" cy="1862716"/>
+            <a:off x="5337113" y="944963"/>
+            <a:ext cx="9525" cy="1754032"/>
           </a:xfrm>
           <a:prstGeom prst="straightConnector1">
             <a:avLst/>
@@ -40895,6 +39875,50 @@
       </p:cxnSp>
       <p:sp>
         <p:nvSpPr>
+          <p:cNvPr id="88" name="Rectangle 87">
+            <a:extLst>
+              <a:ext uri="{FF2B5EF4-FFF2-40B4-BE49-F238E27FC236}">
+                <a16:creationId xmlns:a16="http://schemas.microsoft.com/office/drawing/2014/main" id="{13B4D670-09E3-452D-A274-253A09306901}"/>
+              </a:ext>
+            </a:extLst>
+          </p:cNvPr>
+          <p:cNvSpPr/>
+          <p:nvPr/>
+        </p:nvSpPr>
+        <p:spPr>
+          <a:xfrm>
+            <a:off x="2391580" y="222096"/>
+            <a:ext cx="45719" cy="6512187"/>
+          </a:xfrm>
+          <a:prstGeom prst="rect">
+            <a:avLst/>
+          </a:prstGeom>
+        </p:spPr>
+        <p:style>
+          <a:lnRef idx="1">
+            <a:schemeClr val="accent6"/>
+          </a:lnRef>
+          <a:fillRef idx="3">
+            <a:schemeClr val="accent6"/>
+          </a:fillRef>
+          <a:effectRef idx="2">
+            <a:schemeClr val="accent6"/>
+          </a:effectRef>
+          <a:fontRef idx="minor">
+            <a:schemeClr val="lt1"/>
+          </a:fontRef>
+        </p:style>
+        <p:txBody>
+          <a:bodyPr rtlCol="0" anchor="ctr"/>
+          <a:lstStyle/>
+          <a:p>
+            <a:pPr algn="ctr"/>
+            <a:endParaRPr lang="zh-CN" altLang="en-US"/>
+          </a:p>
+        </p:txBody>
+      </p:sp>
+      <p:sp>
+        <p:nvSpPr>
           <p:cNvPr id="42" name="Rectangle: Rounded Corners 41">
             <a:extLst>
               <a:ext uri="{FF2B5EF4-FFF2-40B4-BE49-F238E27FC236}">
@@ -40907,7 +39931,7 @@
         </p:nvSpPr>
         <p:spPr>
           <a:xfrm>
-            <a:off x="3401722" y="19050"/>
+            <a:off x="1713573" y="170337"/>
             <a:ext cx="1356014" cy="408623"/>
           </a:xfrm>
           <a:prstGeom prst="roundRect">
@@ -40957,8 +39981,8 @@
         </p:nvSpPr>
         <p:spPr>
           <a:xfrm>
-            <a:off x="66678" y="2678274"/>
-            <a:ext cx="2066925" cy="461665"/>
+            <a:off x="91831" y="1386470"/>
+            <a:ext cx="1305311" cy="307777"/>
           </a:xfrm>
           <a:prstGeom prst="round1Rect">
             <a:avLst/>
@@ -40988,13 +40012,13 @@
           <a:p>
             <a:pPr algn="ctr"/>
             <a:r>
-              <a:rPr lang="en-US" altLang="zh-CN" sz="2400" dirty="0">
+              <a:rPr lang="en-US" altLang="zh-CN" sz="1400" dirty="0">
                 <a:latin typeface="DFMincho-SU" panose="02010609010101010101" pitchFamily="1" charset="-128"/>
                 <a:ea typeface="DFMincho-SU" panose="02010609010101010101" pitchFamily="1" charset="-128"/>
               </a:rPr>
               <a:t>recv_thread</a:t>
             </a:r>
-            <a:endParaRPr lang="zh-CN" altLang="en-US" sz="2400" dirty="0">
+            <a:endParaRPr lang="zh-CN" altLang="en-US" sz="1400" dirty="0">
               <a:latin typeface="DFMincho-SU" panose="02010609010101010101" pitchFamily="1" charset="-128"/>
               <a:ea typeface="DFMincho-SU" panose="02010609010101010101" pitchFamily="1" charset="-128"/>
             </a:endParaRPr>
@@ -41015,8 +40039,8 @@
         </p:nvSpPr>
         <p:spPr>
           <a:xfrm>
-            <a:off x="6991349" y="263808"/>
-            <a:ext cx="2676525" cy="461665"/>
+            <a:off x="3889778" y="66872"/>
+            <a:ext cx="3326132" cy="307777"/>
           </a:xfrm>
           <a:prstGeom prst="round1Rect">
             <a:avLst/>
@@ -41044,13 +40068,69 @@
           <a:p>
             <a:pPr algn="ctr"/>
             <a:r>
-              <a:rPr lang="en-US" altLang="zh-CN" sz="2400" dirty="0">
+              <a:rPr lang="en-US" altLang="zh-CN" sz="1400" dirty="0">
+                <a:latin typeface="DFMincho-SU" panose="02010609010101010101" pitchFamily="1" charset="-128"/>
+                <a:ea typeface="DFMincho-SU" panose="02010609010101010101" pitchFamily="1" charset="-128"/>
+              </a:rPr>
+              <a:t>connectivity_thread</a:t>
+            </a:r>
+            <a:endParaRPr lang="zh-CN" altLang="en-US" sz="1400" dirty="0">
+              <a:latin typeface="DFMincho-SU" panose="02010609010101010101" pitchFamily="1" charset="-128"/>
+              <a:ea typeface="DFMincho-SU" panose="02010609010101010101" pitchFamily="1" charset="-128"/>
+            </a:endParaRPr>
+          </a:p>
+        </p:txBody>
+      </p:sp>
+      <p:sp>
+        <p:nvSpPr>
+          <p:cNvPr id="45" name="Rectangle: Single Corner Rounded 44">
+            <a:extLst>
+              <a:ext uri="{FF2B5EF4-FFF2-40B4-BE49-F238E27FC236}">
+                <a16:creationId xmlns:a16="http://schemas.microsoft.com/office/drawing/2014/main" id="{B3AD826E-8135-4751-9981-A837195BD620}"/>
+              </a:ext>
+            </a:extLst>
+          </p:cNvPr>
+          <p:cNvSpPr/>
+          <p:nvPr/>
+        </p:nvSpPr>
+        <p:spPr>
+          <a:xfrm>
+            <a:off x="91831" y="888231"/>
+            <a:ext cx="1517894" cy="307777"/>
+          </a:xfrm>
+          <a:prstGeom prst="round1Rect">
+            <a:avLst/>
+          </a:prstGeom>
+        </p:spPr>
+        <p:style>
+          <a:lnRef idx="1">
+            <a:schemeClr val="accent3"/>
+          </a:lnRef>
+          <a:fillRef idx="3">
+            <a:schemeClr val="accent3"/>
+          </a:fillRef>
+          <a:effectRef idx="2">
+            <a:schemeClr val="accent3"/>
+          </a:effectRef>
+          <a:fontRef idx="minor">
+            <a:schemeClr val="lt1"/>
+          </a:fontRef>
+        </p:style>
+        <p:txBody>
+          <a:bodyPr rtlCol="0" anchor="ctr">
+            <a:spAutoFit/>
+          </a:bodyPr>
+          <a:lstStyle/>
+          <a:p>
+            <a:pPr algn="ctr"/>
+            <a:r>
+              <a:rPr lang="en-US" altLang="zh-CN" sz="1400" dirty="0">
                 <a:latin typeface="DFMincho-SU" panose="02010609010101010101" pitchFamily="1" charset="-128"/>
                 <a:ea typeface="DFMincho-SU" panose="02010609010101010101" pitchFamily="1" charset="-128"/>
               </a:rPr>
               <a:t>gather_thread</a:t>
             </a:r>
-            <a:endParaRPr lang="zh-CN" altLang="en-US" sz="2400" dirty="0">
+            <a:endParaRPr lang="zh-CN" altLang="en-US" sz="1400" dirty="0">
               <a:latin typeface="DFMincho-SU" panose="02010609010101010101" pitchFamily="1" charset="-128"/>
               <a:ea typeface="DFMincho-SU" panose="02010609010101010101" pitchFamily="1" charset="-128"/>
             </a:endParaRPr>
@@ -41059,10 +40139,10 @@
       </p:sp>
       <p:sp>
         <p:nvSpPr>
-          <p:cNvPr id="45" name="Rectangle: Single Corner Rounded 44">
-            <a:extLst>
-              <a:ext uri="{FF2B5EF4-FFF2-40B4-BE49-F238E27FC236}">
-                <a16:creationId xmlns:a16="http://schemas.microsoft.com/office/drawing/2014/main" id="{B3AD826E-8135-4751-9981-A837195BD620}"/>
+          <p:cNvPr id="48" name="Rectangle: Single Corner Rounded 47">
+            <a:extLst>
+              <a:ext uri="{FF2B5EF4-FFF2-40B4-BE49-F238E27FC236}">
+                <a16:creationId xmlns:a16="http://schemas.microsoft.com/office/drawing/2014/main" id="{342893C4-BCAE-4D5E-B3F3-3AE5A5D836EC}"/>
               </a:ext>
             </a:extLst>
           </p:cNvPr>
@@ -41071,64 +40151,8 @@
         </p:nvSpPr>
         <p:spPr>
           <a:xfrm>
-            <a:off x="66678" y="1688190"/>
-            <a:ext cx="3257549" cy="461665"/>
-          </a:xfrm>
-          <a:prstGeom prst="round1Rect">
-            <a:avLst/>
-          </a:prstGeom>
-        </p:spPr>
-        <p:style>
-          <a:lnRef idx="1">
-            <a:schemeClr val="accent3"/>
-          </a:lnRef>
-          <a:fillRef idx="3">
-            <a:schemeClr val="accent3"/>
-          </a:fillRef>
-          <a:effectRef idx="2">
-            <a:schemeClr val="accent3"/>
-          </a:effectRef>
-          <a:fontRef idx="minor">
-            <a:schemeClr val="lt1"/>
-          </a:fontRef>
-        </p:style>
-        <p:txBody>
-          <a:bodyPr rtlCol="0" anchor="ctr">
-            <a:spAutoFit/>
-          </a:bodyPr>
-          <a:lstStyle/>
-          <a:p>
-            <a:pPr algn="ctr"/>
-            <a:r>
-              <a:rPr lang="en-US" altLang="zh-CN" sz="2400" dirty="0">
-                <a:latin typeface="DFMincho-SU" panose="02010609010101010101" pitchFamily="1" charset="-128"/>
-                <a:ea typeface="DFMincho-SU" panose="02010609010101010101" pitchFamily="1" charset="-128"/>
-              </a:rPr>
-              <a:t>connectivity_thread</a:t>
-            </a:r>
-            <a:endParaRPr lang="zh-CN" altLang="en-US" sz="2400" dirty="0">
-              <a:latin typeface="DFMincho-SU" panose="02010609010101010101" pitchFamily="1" charset="-128"/>
-              <a:ea typeface="DFMincho-SU" panose="02010609010101010101" pitchFamily="1" charset="-128"/>
-            </a:endParaRPr>
-          </a:p>
-        </p:txBody>
-      </p:sp>
-      <p:sp>
-        <p:nvSpPr>
-          <p:cNvPr id="48" name="Rectangle: Single Corner Rounded 47">
-            <a:extLst>
-              <a:ext uri="{FF2B5EF4-FFF2-40B4-BE49-F238E27FC236}">
-                <a16:creationId xmlns:a16="http://schemas.microsoft.com/office/drawing/2014/main" id="{342893C4-BCAE-4D5E-B3F3-3AE5A5D836EC}"/>
-              </a:ext>
-            </a:extLst>
-          </p:cNvPr>
-          <p:cNvSpPr/>
-          <p:nvPr/>
-        </p:nvSpPr>
-        <p:spPr>
-          <a:xfrm>
-            <a:off x="7353299" y="1854609"/>
-            <a:ext cx="1952626" cy="369332"/>
+            <a:off x="4699414" y="1083107"/>
+            <a:ext cx="1294447" cy="276999"/>
           </a:xfrm>
           <a:prstGeom prst="round1Rect">
             <a:avLst/>
@@ -41158,13 +40182,13 @@
           <a:p>
             <a:pPr algn="ctr"/>
             <a:r>
-              <a:rPr lang="en-US" altLang="zh-CN" dirty="0">
+              <a:rPr lang="en-US" altLang="zh-CN" sz="1200" dirty="0">
                 <a:latin typeface="Ubuntu Mono" panose="020B0509030602030204" pitchFamily="49" charset="0"/>
                 <a:ea typeface="DFMincho-SU" panose="02010609010101010101" pitchFamily="1" charset="-128"/>
               </a:rPr>
-              <a:t>send_bind_req</a:t>
-            </a:r>
-            <a:endParaRPr lang="zh-CN" altLang="en-US" dirty="0">
+              <a:t>send_msg</a:t>
+            </a:r>
+            <a:endParaRPr lang="zh-CN" altLang="en-US" sz="1200" dirty="0">
               <a:latin typeface="Ubuntu Mono" panose="020B0509030602030204" pitchFamily="49" charset="0"/>
               <a:ea typeface="DFMincho-SU" panose="02010609010101010101" pitchFamily="1" charset="-128"/>
             </a:endParaRPr>
@@ -41185,8 +40209,8 @@
         </p:nvSpPr>
         <p:spPr>
           <a:xfrm>
-            <a:off x="6696075" y="2358508"/>
-            <a:ext cx="3267075" cy="369332"/>
+            <a:off x="4233788" y="1497865"/>
+            <a:ext cx="2225698" cy="276999"/>
           </a:xfrm>
           <a:prstGeom prst="round1Rect">
             <a:avLst/>
@@ -41216,13 +40240,13 @@
           <a:p>
             <a:pPr algn="ctr"/>
             <a:r>
-              <a:rPr lang="en-US" altLang="zh-CN" dirty="0">
+              <a:rPr lang="en-US" altLang="zh-CN" sz="1200" dirty="0">
                 <a:latin typeface="Ubuntu Mono" panose="020B0509030602030204" pitchFamily="49" charset="0"/>
                 <a:ea typeface="DFMincho-SU" panose="02010609010101010101" pitchFamily="1" charset="-128"/>
               </a:rPr>
               <a:t>start_retransmission_timer</a:t>
             </a:r>
-            <a:endParaRPr lang="zh-CN" altLang="en-US" dirty="0">
+            <a:endParaRPr lang="zh-CN" altLang="en-US" sz="1200" dirty="0">
               <a:latin typeface="Ubuntu Mono" panose="020B0509030602030204" pitchFamily="49" charset="0"/>
               <a:ea typeface="DFMincho-SU" panose="02010609010101010101" pitchFamily="1" charset="-128"/>
             </a:endParaRPr>
@@ -41243,8 +40267,8 @@
         </p:nvSpPr>
         <p:spPr>
           <a:xfrm>
-            <a:off x="6696075" y="2941914"/>
-            <a:ext cx="3267075" cy="369332"/>
+            <a:off x="4518494" y="1921388"/>
+            <a:ext cx="1656286" cy="276999"/>
           </a:xfrm>
           <a:prstGeom prst="round1Rect">
             <a:avLst/>
@@ -41274,13 +40298,13 @@
           <a:p>
             <a:pPr algn="ctr"/>
             <a:r>
-              <a:rPr lang="en-US" altLang="zh-CN" dirty="0">
+              <a:rPr lang="en-US" altLang="zh-CN" sz="1200" dirty="0">
                 <a:latin typeface="Ubuntu Mono" panose="020B0509030602030204" pitchFamily="49" charset="0"/>
                 <a:ea typeface="DFMincho-SU" panose="02010609010101010101" pitchFamily="1" charset="-128"/>
               </a:rPr>
-              <a:t>wait_for_bind_resp</a:t>
-            </a:r>
-            <a:endParaRPr lang="zh-CN" altLang="en-US" dirty="0">
+              <a:t>wait_for_msg_resp</a:t>
+            </a:r>
+            <a:endParaRPr lang="zh-CN" altLang="en-US" sz="1200" dirty="0">
               <a:latin typeface="Ubuntu Mono" panose="020B0509030602030204" pitchFamily="49" charset="0"/>
               <a:ea typeface="DFMincho-SU" panose="02010609010101010101" pitchFamily="1" charset="-128"/>
             </a:endParaRPr>
@@ -41301,8 +40325,8 @@
         </p:nvSpPr>
         <p:spPr>
           <a:xfrm>
-            <a:off x="6696075" y="3549135"/>
-            <a:ext cx="3267075" cy="369332"/>
+            <a:off x="4645803" y="2315531"/>
+            <a:ext cx="1401668" cy="276999"/>
           </a:xfrm>
           <a:prstGeom prst="round1Rect">
             <a:avLst/>
@@ -41332,13 +40356,13 @@
           <a:p>
             <a:pPr algn="ctr"/>
             <a:r>
-              <a:rPr lang="en-US" altLang="zh-CN" dirty="0">
+              <a:rPr lang="en-US" altLang="zh-CN" sz="1200" dirty="0">
                 <a:latin typeface="Ubuntu Mono" panose="020B0509030602030204" pitchFamily="49" charset="0"/>
                 <a:ea typeface="DFMincho-SU" panose="02010609010101010101" pitchFamily="1" charset="-128"/>
               </a:rPr>
               <a:t>handle_recv_msg</a:t>
             </a:r>
-            <a:endParaRPr lang="zh-CN" altLang="en-US" dirty="0">
+            <a:endParaRPr lang="zh-CN" altLang="en-US" sz="1200" dirty="0">
               <a:latin typeface="Ubuntu Mono" panose="020B0509030602030204" pitchFamily="49" charset="0"/>
               <a:ea typeface="DFMincho-SU" panose="02010609010101010101" pitchFamily="1" charset="-128"/>
             </a:endParaRPr>
@@ -41359,8 +40383,8 @@
         </p:nvSpPr>
         <p:spPr>
           <a:xfrm>
-            <a:off x="8410573" y="5070107"/>
-            <a:ext cx="3409951" cy="369332"/>
+            <a:off x="5718773" y="3708943"/>
+            <a:ext cx="2297723" cy="276999"/>
           </a:xfrm>
           <a:prstGeom prst="round1Rect">
             <a:avLst/>
@@ -41390,13 +40414,13 @@
           <a:p>
             <a:pPr algn="ctr"/>
             <a:r>
-              <a:rPr lang="en-US" altLang="zh-CN" dirty="0">
+              <a:rPr lang="en-US" altLang="zh-CN" sz="1200" dirty="0">
                 <a:latin typeface="Ubuntu Mono" panose="020B0509030602030204" pitchFamily="49" charset="0"/>
                 <a:ea typeface="DFMincho-SU" panose="02010609010101010101" pitchFamily="1" charset="-128"/>
               </a:rPr>
               <a:t>cancel_retransmission_timer</a:t>
             </a:r>
-            <a:endParaRPr lang="zh-CN" altLang="en-US" dirty="0">
+            <a:endParaRPr lang="zh-CN" altLang="en-US" sz="1200" dirty="0">
               <a:latin typeface="Ubuntu Mono" panose="020B0509030602030204" pitchFamily="49" charset="0"/>
               <a:ea typeface="DFMincho-SU" panose="02010609010101010101" pitchFamily="1" charset="-128"/>
             </a:endParaRPr>
@@ -41417,8 +40441,8 @@
         </p:nvSpPr>
         <p:spPr>
           <a:xfrm>
-            <a:off x="9153523" y="6378761"/>
-            <a:ext cx="1924050" cy="369332"/>
+            <a:off x="2810762" y="4641751"/>
+            <a:ext cx="1254204" cy="276999"/>
           </a:xfrm>
           <a:prstGeom prst="round1Rect">
             <a:avLst/>
@@ -41448,13 +40472,13 @@
           <a:p>
             <a:pPr algn="ctr"/>
             <a:r>
-              <a:rPr lang="en-US" altLang="zh-CN" dirty="0">
+              <a:rPr lang="en-US" altLang="zh-CN" sz="1200" dirty="0">
                 <a:latin typeface="Ubuntu Mono" panose="020B0509030602030204" pitchFamily="49" charset="0"/>
                 <a:ea typeface="DFMincho-SU" panose="02010609010101010101" pitchFamily="1" charset="-128"/>
               </a:rPr>
               <a:t>report_status</a:t>
             </a:r>
-            <a:endParaRPr lang="zh-CN" altLang="en-US" dirty="0">
+            <a:endParaRPr lang="zh-CN" altLang="en-US" sz="1200" dirty="0">
               <a:latin typeface="Ubuntu Mono" panose="020B0509030602030204" pitchFamily="49" charset="0"/>
               <a:ea typeface="DFMincho-SU" panose="02010609010101010101" pitchFamily="1" charset="-128"/>
             </a:endParaRPr>
@@ -41475,8 +40499,8 @@
         </p:nvSpPr>
         <p:spPr>
           <a:xfrm>
-            <a:off x="9120185" y="5708697"/>
-            <a:ext cx="1990727" cy="369332"/>
+            <a:off x="6162783" y="4129380"/>
+            <a:ext cx="1409703" cy="276999"/>
           </a:xfrm>
           <a:prstGeom prst="round1Rect">
             <a:avLst/>
@@ -41506,13 +40530,13 @@
           <a:p>
             <a:pPr algn="ctr"/>
             <a:r>
-              <a:rPr lang="en-US" altLang="zh-CN" dirty="0">
+              <a:rPr lang="en-US" altLang="zh-CN" sz="1200" dirty="0">
                 <a:latin typeface="Ubuntu Mono" panose="020B0509030602030204" pitchFamily="49" charset="0"/>
                 <a:ea typeface="DFMincho-SU" panose="02010609010101010101" pitchFamily="1" charset="-128"/>
               </a:rPr>
               <a:t>handle_resp_msg</a:t>
             </a:r>
-            <a:endParaRPr lang="zh-CN" altLang="en-US" dirty="0">
+            <a:endParaRPr lang="zh-CN" altLang="en-US" sz="1200" dirty="0">
               <a:latin typeface="Ubuntu Mono" panose="020B0509030602030204" pitchFamily="49" charset="0"/>
               <a:ea typeface="DFMincho-SU" panose="02010609010101010101" pitchFamily="1" charset="-128"/>
             </a:endParaRPr>
@@ -41533,8 +40557,8 @@
         </p:nvSpPr>
         <p:spPr>
           <a:xfrm>
-            <a:off x="4757737" y="5070107"/>
-            <a:ext cx="3409950" cy="369332"/>
+            <a:off x="2756040" y="3707988"/>
+            <a:ext cx="2133196" cy="276999"/>
           </a:xfrm>
           <a:prstGeom prst="round1Rect">
             <a:avLst/>
@@ -41564,106 +40588,19 @@
           <a:p>
             <a:pPr algn="ctr"/>
             <a:r>
-              <a:rPr lang="en-US" altLang="zh-CN" dirty="0">
+              <a:rPr lang="en-US" altLang="zh-CN" sz="1200" dirty="0">
                 <a:latin typeface="Ubuntu Mono" panose="020B0509030602030204" pitchFamily="49" charset="0"/>
                 <a:ea typeface="DFMincho-SU" panose="02010609010101010101" pitchFamily="1" charset="-128"/>
               </a:rPr>
               <a:t>wait_for_timeout_callback</a:t>
             </a:r>
-            <a:endParaRPr lang="zh-CN" altLang="en-US" dirty="0">
+            <a:endParaRPr lang="zh-CN" altLang="en-US" sz="1200" dirty="0">
               <a:latin typeface="Ubuntu Mono" panose="020B0509030602030204" pitchFamily="49" charset="0"/>
               <a:ea typeface="DFMincho-SU" panose="02010609010101010101" pitchFamily="1" charset="-128"/>
             </a:endParaRPr>
           </a:p>
         </p:txBody>
       </p:sp>
-      <p:cxnSp>
-        <p:nvCxnSpPr>
-          <p:cNvPr id="23" name="Connector: Elbow 22">
-            <a:extLst>
-              <a:ext uri="{FF2B5EF4-FFF2-40B4-BE49-F238E27FC236}">
-                <a16:creationId xmlns:a16="http://schemas.microsoft.com/office/drawing/2014/main" id="{56F2BAE1-FC5A-4744-B1BF-FEA055C98E35}"/>
-              </a:ext>
-            </a:extLst>
-          </p:cNvPr>
-          <p:cNvCxnSpPr>
-            <a:cxnSpLocks/>
-            <a:stCxn id="71" idx="1"/>
-            <a:endCxn id="29" idx="1"/>
-          </p:cNvCxnSpPr>
-          <p:nvPr/>
-        </p:nvCxnSpPr>
-        <p:spPr>
-          <a:xfrm rot="10800000" flipH="1">
-            <a:off x="4757737" y="1228189"/>
-            <a:ext cx="2047874" cy="4026585"/>
-          </a:xfrm>
-          <a:prstGeom prst="bentConnector3">
-            <a:avLst>
-              <a:gd name="adj1" fmla="val -11163"/>
-            </a:avLst>
-          </a:prstGeom>
-          <a:ln>
-            <a:tailEnd type="triangle"/>
-          </a:ln>
-        </p:spPr>
-        <p:style>
-          <a:lnRef idx="1">
-            <a:schemeClr val="accent1"/>
-          </a:lnRef>
-          <a:fillRef idx="0">
-            <a:schemeClr val="accent1"/>
-          </a:fillRef>
-          <a:effectRef idx="0">
-            <a:schemeClr val="accent1"/>
-          </a:effectRef>
-          <a:fontRef idx="minor">
-            <a:schemeClr val="tx1"/>
-          </a:fontRef>
-        </p:style>
-      </p:cxnSp>
-      <p:cxnSp>
-        <p:nvCxnSpPr>
-          <p:cNvPr id="25" name="Straight Arrow Connector 24">
-            <a:extLst>
-              <a:ext uri="{FF2B5EF4-FFF2-40B4-BE49-F238E27FC236}">
-                <a16:creationId xmlns:a16="http://schemas.microsoft.com/office/drawing/2014/main" id="{3E3C6E29-4CFC-4EFA-AD07-0A04BC2BFE86}"/>
-              </a:ext>
-            </a:extLst>
-          </p:cNvPr>
-          <p:cNvCxnSpPr>
-            <a:stCxn id="44" idx="2"/>
-            <a:endCxn id="48" idx="0"/>
-          </p:cNvCxnSpPr>
-          <p:nvPr/>
-        </p:nvCxnSpPr>
-        <p:spPr>
-          <a:xfrm>
-            <a:off x="8329612" y="725473"/>
-            <a:ext cx="0" cy="1129136"/>
-          </a:xfrm>
-          <a:prstGeom prst="straightConnector1">
-            <a:avLst/>
-          </a:prstGeom>
-          <a:ln>
-            <a:tailEnd type="triangle"/>
-          </a:ln>
-        </p:spPr>
-        <p:style>
-          <a:lnRef idx="1">
-            <a:schemeClr val="accent1"/>
-          </a:lnRef>
-          <a:fillRef idx="0">
-            <a:schemeClr val="accent1"/>
-          </a:fillRef>
-          <a:effectRef idx="0">
-            <a:schemeClr val="accent1"/>
-          </a:effectRef>
-          <a:fontRef idx="minor">
-            <a:schemeClr val="tx1"/>
-          </a:fontRef>
-        </p:style>
-      </p:cxnSp>
       <p:sp>
         <p:nvSpPr>
           <p:cNvPr id="29" name="Flowchart: Decision 28">
@@ -41678,8 +40615,8 @@
         </p:nvSpPr>
         <p:spPr>
           <a:xfrm>
-            <a:off x="6805611" y="824033"/>
-            <a:ext cx="3047999" cy="808310"/>
+            <a:off x="3813113" y="536339"/>
+            <a:ext cx="3047999" cy="408624"/>
           </a:xfrm>
           <a:prstGeom prst="flowChartDecision">
             <a:avLst/>
@@ -41732,8 +40669,8 @@
         </p:nvSpPr>
         <p:spPr>
           <a:xfrm>
-            <a:off x="10144123" y="1043522"/>
-            <a:ext cx="1924050" cy="369332"/>
+            <a:off x="7215910" y="602151"/>
+            <a:ext cx="1203009" cy="276999"/>
           </a:xfrm>
           <a:prstGeom prst="round1Rect">
             <a:avLst/>
@@ -41763,38 +40700,135 @@
           <a:p>
             <a:pPr algn="ctr"/>
             <a:r>
-              <a:rPr lang="en-US" altLang="zh-CN" dirty="0">
+              <a:rPr lang="en-US" altLang="zh-CN" sz="1200" dirty="0">
                 <a:latin typeface="Ubuntu Mono" panose="020B0509030602030204" pitchFamily="49" charset="0"/>
                 <a:ea typeface="DFMincho-SU" panose="02010609010101010101" pitchFamily="1" charset="-128"/>
               </a:rPr>
               <a:t>report_status</a:t>
             </a:r>
-            <a:endParaRPr lang="zh-CN" altLang="en-US" dirty="0">
+            <a:endParaRPr lang="zh-CN" altLang="en-US" sz="1200" dirty="0">
               <a:latin typeface="Ubuntu Mono" panose="020B0509030602030204" pitchFamily="49" charset="0"/>
               <a:ea typeface="DFMincho-SU" panose="02010609010101010101" pitchFamily="1" charset="-128"/>
             </a:endParaRPr>
           </a:p>
         </p:txBody>
       </p:sp>
+      <p:sp>
+        <p:nvSpPr>
+          <p:cNvPr id="74" name="TextBox 73">
+            <a:extLst>
+              <a:ext uri="{FF2B5EF4-FFF2-40B4-BE49-F238E27FC236}">
+                <a16:creationId xmlns:a16="http://schemas.microsoft.com/office/drawing/2014/main" id="{F17C5FD0-AFD4-4786-96A6-159727BF899A}"/>
+              </a:ext>
+            </a:extLst>
+          </p:cNvPr>
+          <p:cNvSpPr txBox="1"/>
+          <p:nvPr/>
+        </p:nvSpPr>
+        <p:spPr>
+          <a:xfrm>
+            <a:off x="6610349" y="1337849"/>
+            <a:ext cx="704851" cy="215444"/>
+          </a:xfrm>
+          <a:prstGeom prst="rect">
+            <a:avLst/>
+          </a:prstGeom>
+          <a:noFill/>
+        </p:spPr>
+        <p:txBody>
+          <a:bodyPr wrap="square" rtlCol="0">
+            <a:spAutoFit/>
+          </a:bodyPr>
+          <a:lstStyle/>
+          <a:p>
+            <a:pPr algn="ctr"/>
+            <a:r>
+              <a:rPr lang="en-US" altLang="zh-CN" sz="800" dirty="0">
+                <a:latin typeface="Bodoni MT Black" panose="02070A03080606020203" pitchFamily="18" charset="0"/>
+                <a:ea typeface="DFMincho-SU" panose="02010609010101010101" pitchFamily="1" charset="-128"/>
+              </a:rPr>
+              <a:t>No</a:t>
+            </a:r>
+            <a:endParaRPr lang="zh-CN" altLang="en-US" sz="800" dirty="0">
+              <a:latin typeface="Bodoni MT Black" panose="02070A03080606020203" pitchFamily="18" charset="0"/>
+              <a:ea typeface="DFMincho-SU" panose="02010609010101010101" pitchFamily="1" charset="-128"/>
+            </a:endParaRPr>
+          </a:p>
+        </p:txBody>
+      </p:sp>
+      <p:sp>
+        <p:nvSpPr>
+          <p:cNvPr id="77" name="Flowchart: Decision 76">
+            <a:extLst>
+              <a:ext uri="{FF2B5EF4-FFF2-40B4-BE49-F238E27FC236}">
+                <a16:creationId xmlns:a16="http://schemas.microsoft.com/office/drawing/2014/main" id="{4EC28B72-27F8-4318-8EEC-ECBC45D8A9CA}"/>
+              </a:ext>
+            </a:extLst>
+          </p:cNvPr>
+          <p:cNvSpPr/>
+          <p:nvPr/>
+        </p:nvSpPr>
+        <p:spPr>
+          <a:xfrm>
+            <a:off x="3822638" y="2698995"/>
+            <a:ext cx="3047999" cy="415679"/>
+          </a:xfrm>
+          <a:prstGeom prst="flowChartDecision">
+            <a:avLst/>
+          </a:prstGeom>
+        </p:spPr>
+        <p:style>
+          <a:lnRef idx="2">
+            <a:schemeClr val="accent1">
+              <a:shade val="50000"/>
+            </a:schemeClr>
+          </a:lnRef>
+          <a:fillRef idx="1">
+            <a:schemeClr val="accent1"/>
+          </a:fillRef>
+          <a:effectRef idx="0">
+            <a:schemeClr val="accent1"/>
+          </a:effectRef>
+          <a:fontRef idx="minor">
+            <a:schemeClr val="lt1"/>
+          </a:fontRef>
+        </p:style>
+        <p:txBody>
+          <a:bodyPr rtlCol="0" anchor="ctr"/>
+          <a:lstStyle/>
+          <a:p>
+            <a:pPr algn="ctr"/>
+            <a:r>
+              <a:rPr lang="en-US" altLang="zh-CN" sz="1200" dirty="0">
+                <a:latin typeface="Ubuntu Mono" panose="020B0509030602030204" pitchFamily="49" charset="0"/>
+              </a:rPr>
+              <a:t>Is valid message ?</a:t>
+            </a:r>
+            <a:endParaRPr lang="zh-CN" altLang="en-US" sz="1200" dirty="0">
+              <a:latin typeface="Ubuntu Mono" panose="020B0509030602030204" pitchFamily="49" charset="0"/>
+            </a:endParaRPr>
+          </a:p>
+        </p:txBody>
+      </p:sp>
       <p:cxnSp>
         <p:nvCxnSpPr>
-          <p:cNvPr id="31" name="Straight Arrow Connector 30">
-            <a:extLst>
-              <a:ext uri="{FF2B5EF4-FFF2-40B4-BE49-F238E27FC236}">
-                <a16:creationId xmlns:a16="http://schemas.microsoft.com/office/drawing/2014/main" id="{95C2FBAA-2609-45BC-9CF4-20D52A242297}"/>
+          <p:cNvPr id="36" name="Straight Arrow Connector 35">
+            <a:extLst>
+              <a:ext uri="{FF2B5EF4-FFF2-40B4-BE49-F238E27FC236}">
+                <a16:creationId xmlns:a16="http://schemas.microsoft.com/office/drawing/2014/main" id="{163C7DA4-C96D-4C2C-8B06-87C07A31A374}"/>
               </a:ext>
             </a:extLst>
           </p:cNvPr>
           <p:cNvCxnSpPr>
-            <a:stCxn id="29" idx="3"/>
-            <a:endCxn id="73" idx="1"/>
+            <a:cxnSpLocks/>
+            <a:stCxn id="77" idx="1"/>
           </p:cNvCxnSpPr>
           <p:nvPr/>
         </p:nvCxnSpPr>
         <p:spPr>
           <a:xfrm>
-            <a:off x="9853610" y="1228188"/>
-            <a:ext cx="290513" cy="0"/>
+            <a:off x="3822638" y="2906835"/>
+            <a:ext cx="0" cy="781960"/>
           </a:xfrm>
           <a:prstGeom prst="straightConnector1">
             <a:avLst/>
@@ -41818,12 +40852,54 @@
           </a:fontRef>
         </p:style>
       </p:cxnSp>
-      <p:sp>
-        <p:nvSpPr>
-          <p:cNvPr id="33" name="TextBox 32">
-            <a:extLst>
-              <a:ext uri="{FF2B5EF4-FFF2-40B4-BE49-F238E27FC236}">
-                <a16:creationId xmlns:a16="http://schemas.microsoft.com/office/drawing/2014/main" id="{5DD4DAAF-CD62-47A9-8CCF-445EBA1C877E}"/>
+      <p:cxnSp>
+        <p:nvCxnSpPr>
+          <p:cNvPr id="40" name="Straight Arrow Connector 39">
+            <a:extLst>
+              <a:ext uri="{FF2B5EF4-FFF2-40B4-BE49-F238E27FC236}">
+                <a16:creationId xmlns:a16="http://schemas.microsoft.com/office/drawing/2014/main" id="{9A13749E-6ED3-4712-9C92-3E9532B5BCD8}"/>
+              </a:ext>
+            </a:extLst>
+          </p:cNvPr>
+          <p:cNvCxnSpPr>
+            <a:cxnSpLocks/>
+            <a:stCxn id="77" idx="3"/>
+          </p:cNvCxnSpPr>
+          <p:nvPr/>
+        </p:nvCxnSpPr>
+        <p:spPr>
+          <a:xfrm>
+            <a:off x="6870637" y="2906835"/>
+            <a:ext cx="0" cy="781960"/>
+          </a:xfrm>
+          <a:prstGeom prst="straightConnector1">
+            <a:avLst/>
+          </a:prstGeom>
+          <a:ln>
+            <a:tailEnd type="triangle"/>
+          </a:ln>
+        </p:spPr>
+        <p:style>
+          <a:lnRef idx="1">
+            <a:schemeClr val="accent1"/>
+          </a:lnRef>
+          <a:fillRef idx="0">
+            <a:schemeClr val="accent1"/>
+          </a:fillRef>
+          <a:effectRef idx="0">
+            <a:schemeClr val="accent1"/>
+          </a:effectRef>
+          <a:fontRef idx="minor">
+            <a:schemeClr val="tx1"/>
+          </a:fontRef>
+        </p:style>
+      </p:cxnSp>
+      <p:sp>
+        <p:nvSpPr>
+          <p:cNvPr id="78" name="TextBox 77">
+            <a:extLst>
+              <a:ext uri="{FF2B5EF4-FFF2-40B4-BE49-F238E27FC236}">
+                <a16:creationId xmlns:a16="http://schemas.microsoft.com/office/drawing/2014/main" id="{3E784CD5-8DD8-4C9D-BEA4-8B7560102930}"/>
               </a:ext>
             </a:extLst>
           </p:cNvPr>
@@ -41832,7 +40908,7 @@
         </p:nvSpPr>
         <p:spPr>
           <a:xfrm>
-            <a:off x="9763122" y="1016024"/>
+            <a:off x="6832006" y="3219735"/>
             <a:ext cx="704851" cy="215444"/>
           </a:xfrm>
           <a:prstGeom prst="rect">
@@ -41862,10 +40938,10 @@
       </p:sp>
       <p:sp>
         <p:nvSpPr>
-          <p:cNvPr id="74" name="TextBox 73">
-            <a:extLst>
-              <a:ext uri="{FF2B5EF4-FFF2-40B4-BE49-F238E27FC236}">
-                <a16:creationId xmlns:a16="http://schemas.microsoft.com/office/drawing/2014/main" id="{F17C5FD0-AFD4-4786-96A6-159727BF899A}"/>
+          <p:cNvPr id="79" name="TextBox 78">
+            <a:extLst>
+              <a:ext uri="{FF2B5EF4-FFF2-40B4-BE49-F238E27FC236}">
+                <a16:creationId xmlns:a16="http://schemas.microsoft.com/office/drawing/2014/main" id="{E6AFA892-BD8E-4570-BA4F-3D472D65F5D4}"/>
               </a:ext>
             </a:extLst>
           </p:cNvPr>
@@ -41874,7 +40950,7 @@
         </p:nvSpPr>
         <p:spPr>
           <a:xfrm>
-            <a:off x="8081960" y="1606660"/>
+            <a:off x="3578096" y="3213556"/>
             <a:ext cx="704851" cy="215444"/>
           </a:xfrm>
           <a:prstGeom prst="rect">
@@ -41905,10 +40981,10 @@
       </p:sp>
       <p:sp>
         <p:nvSpPr>
-          <p:cNvPr id="77" name="Flowchart: Decision 76">
-            <a:extLst>
-              <a:ext uri="{FF2B5EF4-FFF2-40B4-BE49-F238E27FC236}">
-                <a16:creationId xmlns:a16="http://schemas.microsoft.com/office/drawing/2014/main" id="{4EC28B72-27F8-4318-8EEC-ECBC45D8A9CA}"/>
+          <p:cNvPr id="50" name="Flowchart: Decision 49">
+            <a:extLst>
+              <a:ext uri="{FF2B5EF4-FFF2-40B4-BE49-F238E27FC236}">
+                <a16:creationId xmlns:a16="http://schemas.microsoft.com/office/drawing/2014/main" id="{7443249C-8724-4CEE-8009-4FC085217180}"/>
               </a:ext>
             </a:extLst>
           </p:cNvPr>
@@ -41917,8 +40993,8 @@
         </p:nvSpPr>
         <p:spPr>
           <a:xfrm>
-            <a:off x="6805613" y="4086657"/>
-            <a:ext cx="3047999" cy="808310"/>
+            <a:off x="4927336" y="4547832"/>
+            <a:ext cx="3880597" cy="482864"/>
           </a:xfrm>
           <a:prstGeom prst="flowChartDecision">
             <a:avLst/>
@@ -41949,7 +41025,7 @@
               <a:rPr lang="en-US" altLang="zh-CN" sz="1200" dirty="0">
                 <a:latin typeface="Ubuntu Mono" panose="020B0509030602030204" pitchFamily="49" charset="0"/>
               </a:rPr>
-              <a:t>Is valid message ?</a:t>
+              <a:t>Is the successful resp ?</a:t>
             </a:r>
             <a:endParaRPr lang="zh-CN" altLang="en-US" sz="1200" dirty="0">
               <a:latin typeface="Ubuntu Mono" panose="020B0509030602030204" pitchFamily="49" charset="0"/>
@@ -41959,23 +41035,24 @@
       </p:sp>
       <p:cxnSp>
         <p:nvCxnSpPr>
-          <p:cNvPr id="36" name="Straight Arrow Connector 35">
-            <a:extLst>
-              <a:ext uri="{FF2B5EF4-FFF2-40B4-BE49-F238E27FC236}">
-                <a16:creationId xmlns:a16="http://schemas.microsoft.com/office/drawing/2014/main" id="{163C7DA4-C96D-4C2C-8B06-87C07A31A374}"/>
+          <p:cNvPr id="24" name="Straight Arrow Connector 23">
+            <a:extLst>
+              <a:ext uri="{FF2B5EF4-FFF2-40B4-BE49-F238E27FC236}">
+                <a16:creationId xmlns:a16="http://schemas.microsoft.com/office/drawing/2014/main" id="{0AE88523-185B-4CEB-912F-A4EB7786804D}"/>
               </a:ext>
             </a:extLst>
           </p:cNvPr>
           <p:cNvCxnSpPr>
             <a:cxnSpLocks/>
-            <a:stCxn id="77" idx="1"/>
+            <a:stCxn id="50" idx="1"/>
+            <a:endCxn id="61" idx="3"/>
           </p:cNvCxnSpPr>
           <p:nvPr/>
         </p:nvCxnSpPr>
         <p:spPr>
-          <a:xfrm flipH="1">
-            <a:off x="6805611" y="4490812"/>
-            <a:ext cx="2" cy="586114"/>
+          <a:xfrm flipH="1" flipV="1">
+            <a:off x="4064966" y="4780251"/>
+            <a:ext cx="862370" cy="9013"/>
           </a:xfrm>
           <a:prstGeom prst="straightConnector1">
             <a:avLst/>
@@ -41999,27 +41076,70 @@
           </a:fontRef>
         </p:style>
       </p:cxnSp>
+      <p:sp>
+        <p:nvSpPr>
+          <p:cNvPr id="57" name="TextBox 56">
+            <a:extLst>
+              <a:ext uri="{FF2B5EF4-FFF2-40B4-BE49-F238E27FC236}">
+                <a16:creationId xmlns:a16="http://schemas.microsoft.com/office/drawing/2014/main" id="{1DA4FE64-8272-47E3-ACAF-2A5227D6F249}"/>
+              </a:ext>
+            </a:extLst>
+          </p:cNvPr>
+          <p:cNvSpPr txBox="1"/>
+          <p:nvPr/>
+        </p:nvSpPr>
+        <p:spPr>
+          <a:xfrm>
+            <a:off x="4218445" y="4573820"/>
+            <a:ext cx="704851" cy="215444"/>
+          </a:xfrm>
+          <a:prstGeom prst="rect">
+            <a:avLst/>
+          </a:prstGeom>
+          <a:noFill/>
+        </p:spPr>
+        <p:txBody>
+          <a:bodyPr wrap="square" rtlCol="0">
+            <a:spAutoFit/>
+          </a:bodyPr>
+          <a:lstStyle/>
+          <a:p>
+            <a:pPr algn="ctr"/>
+            <a:r>
+              <a:rPr lang="en-US" altLang="zh-CN" sz="800" dirty="0">
+                <a:latin typeface="Bodoni MT Black" panose="02070A03080606020203" pitchFamily="18" charset="0"/>
+                <a:ea typeface="DFMincho-SU" panose="02010609010101010101" pitchFamily="1" charset="-128"/>
+              </a:rPr>
+              <a:t>No</a:t>
+            </a:r>
+            <a:endParaRPr lang="zh-CN" altLang="en-US" sz="800" dirty="0">
+              <a:latin typeface="Bodoni MT Black" panose="02070A03080606020203" pitchFamily="18" charset="0"/>
+              <a:ea typeface="DFMincho-SU" panose="02010609010101010101" pitchFamily="1" charset="-128"/>
+            </a:endParaRPr>
+          </a:p>
+        </p:txBody>
+      </p:sp>
       <p:cxnSp>
         <p:nvCxnSpPr>
-          <p:cNvPr id="40" name="Straight Arrow Connector 39">
-            <a:extLst>
-              <a:ext uri="{FF2B5EF4-FFF2-40B4-BE49-F238E27FC236}">
-                <a16:creationId xmlns:a16="http://schemas.microsoft.com/office/drawing/2014/main" id="{9A13749E-6ED3-4712-9C92-3E9532B5BCD8}"/>
+          <p:cNvPr id="56" name="Connector: Elbow 55">
+            <a:extLst>
+              <a:ext uri="{FF2B5EF4-FFF2-40B4-BE49-F238E27FC236}">
+                <a16:creationId xmlns:a16="http://schemas.microsoft.com/office/drawing/2014/main" id="{1370FFE9-2C50-4454-900A-7CEC16B22B6F}"/>
               </a:ext>
             </a:extLst>
           </p:cNvPr>
           <p:cNvCxnSpPr>
-            <a:cxnSpLocks/>
-            <a:stCxn id="77" idx="3"/>
+            <a:stCxn id="21" idx="2"/>
+            <a:endCxn id="54" idx="1"/>
           </p:cNvCxnSpPr>
           <p:nvPr/>
         </p:nvCxnSpPr>
         <p:spPr>
-          <a:xfrm>
-            <a:off x="9853612" y="4490812"/>
-            <a:ext cx="0" cy="588820"/>
-          </a:xfrm>
-          <a:prstGeom prst="straightConnector1">
+          <a:xfrm rot="16200000" flipH="1">
+            <a:off x="2315253" y="123481"/>
+            <a:ext cx="759784" cy="3901316"/>
+          </a:xfrm>
+          <a:prstGeom prst="bentConnector2">
             <a:avLst/>
           </a:prstGeom>
           <a:ln>
@@ -42028,13 +41148,13 @@
         </p:spPr>
         <p:style>
           <a:lnRef idx="1">
-            <a:schemeClr val="accent1"/>
+            <a:schemeClr val="accent4"/>
           </a:lnRef>
           <a:fillRef idx="0">
-            <a:schemeClr val="accent1"/>
+            <a:schemeClr val="accent4"/>
           </a:fillRef>
           <a:effectRef idx="0">
-            <a:schemeClr val="accent1"/>
+            <a:schemeClr val="accent4"/>
           </a:effectRef>
           <a:fontRef idx="minor">
             <a:schemeClr val="tx1"/>
@@ -42043,10 +41163,110 @@
       </p:cxnSp>
       <p:sp>
         <p:nvSpPr>
-          <p:cNvPr id="78" name="TextBox 77">
-            <a:extLst>
-              <a:ext uri="{FF2B5EF4-FFF2-40B4-BE49-F238E27FC236}">
-                <a16:creationId xmlns:a16="http://schemas.microsoft.com/office/drawing/2014/main" id="{3E784CD5-8DD8-4C9D-BEA4-8B7560102930}"/>
+          <p:cNvPr id="81" name="Flowchart: Decision 80">
+            <a:extLst>
+              <a:ext uri="{FF2B5EF4-FFF2-40B4-BE49-F238E27FC236}">
+                <a16:creationId xmlns:a16="http://schemas.microsoft.com/office/drawing/2014/main" id="{07FD2E0F-A5F8-48A2-BEF4-F14BD97DD483}"/>
+              </a:ext>
+            </a:extLst>
+          </p:cNvPr>
+          <p:cNvSpPr/>
+          <p:nvPr/>
+        </p:nvSpPr>
+        <p:spPr>
+          <a:xfrm>
+            <a:off x="8343450" y="1145038"/>
+            <a:ext cx="2832700" cy="482864"/>
+          </a:xfrm>
+          <a:prstGeom prst="flowChartDecision">
+            <a:avLst/>
+          </a:prstGeom>
+        </p:spPr>
+        <p:style>
+          <a:lnRef idx="2">
+            <a:schemeClr val="accent1">
+              <a:shade val="50000"/>
+            </a:schemeClr>
+          </a:lnRef>
+          <a:fillRef idx="1">
+            <a:schemeClr val="accent1"/>
+          </a:fillRef>
+          <a:effectRef idx="0">
+            <a:schemeClr val="accent1"/>
+          </a:effectRef>
+          <a:fontRef idx="minor">
+            <a:schemeClr val="lt1"/>
+          </a:fontRef>
+        </p:style>
+        <p:txBody>
+          <a:bodyPr rtlCol="0" anchor="ctr"/>
+          <a:lstStyle/>
+          <a:p>
+            <a:pPr algn="ctr"/>
+            <a:r>
+              <a:rPr lang="en-US" altLang="zh-CN" sz="1200" dirty="0">
+                <a:latin typeface="Ubuntu Mono" panose="020B0509030602030204" pitchFamily="49" charset="0"/>
+              </a:rPr>
+              <a:t>controlling role?</a:t>
+            </a:r>
+            <a:endParaRPr lang="zh-CN" altLang="en-US" sz="1200" dirty="0">
+              <a:latin typeface="Ubuntu Mono" panose="020B0509030602030204" pitchFamily="49" charset="0"/>
+            </a:endParaRPr>
+          </a:p>
+        </p:txBody>
+      </p:sp>
+      <p:cxnSp>
+        <p:nvCxnSpPr>
+          <p:cNvPr id="69" name="Connector: Elbow 68">
+            <a:extLst>
+              <a:ext uri="{FF2B5EF4-FFF2-40B4-BE49-F238E27FC236}">
+                <a16:creationId xmlns:a16="http://schemas.microsoft.com/office/drawing/2014/main" id="{1A2548EF-81BD-41B9-811E-7C60025C7986}"/>
+              </a:ext>
+            </a:extLst>
+          </p:cNvPr>
+          <p:cNvCxnSpPr>
+            <a:cxnSpLocks/>
+            <a:stCxn id="50" idx="3"/>
+            <a:endCxn id="81" idx="0"/>
+          </p:cNvCxnSpPr>
+          <p:nvPr/>
+        </p:nvCxnSpPr>
+        <p:spPr>
+          <a:xfrm flipV="1">
+            <a:off x="8807933" y="1145038"/>
+            <a:ext cx="951867" cy="3644226"/>
+          </a:xfrm>
+          <a:prstGeom prst="bentConnector4">
+            <a:avLst>
+              <a:gd name="adj1" fmla="val -53404"/>
+              <a:gd name="adj2" fmla="val 103659"/>
+            </a:avLst>
+          </a:prstGeom>
+          <a:ln>
+            <a:tailEnd type="triangle"/>
+          </a:ln>
+        </p:spPr>
+        <p:style>
+          <a:lnRef idx="1">
+            <a:schemeClr val="accent1"/>
+          </a:lnRef>
+          <a:fillRef idx="0">
+            <a:schemeClr val="accent1"/>
+          </a:fillRef>
+          <a:effectRef idx="0">
+            <a:schemeClr val="accent1"/>
+          </a:effectRef>
+          <a:fontRef idx="minor">
+            <a:schemeClr val="tx1"/>
+          </a:fontRef>
+        </p:style>
+      </p:cxnSp>
+      <p:sp>
+        <p:nvSpPr>
+          <p:cNvPr id="89" name="TextBox 88">
+            <a:extLst>
+              <a:ext uri="{FF2B5EF4-FFF2-40B4-BE49-F238E27FC236}">
+                <a16:creationId xmlns:a16="http://schemas.microsoft.com/office/drawing/2014/main" id="{8E79C7B1-D260-49F7-9155-93E7021CCA86}"/>
               </a:ext>
             </a:extLst>
           </p:cNvPr>
@@ -42055,7 +41275,7 @@
         </p:nvSpPr>
         <p:spPr>
           <a:xfrm>
-            <a:off x="9734546" y="4700775"/>
+            <a:off x="8016496" y="2962362"/>
             <a:ext cx="704851" cy="215444"/>
           </a:xfrm>
           <a:prstGeom prst="rect">
@@ -42085,10 +41305,464 @@
       </p:sp>
       <p:sp>
         <p:nvSpPr>
-          <p:cNvPr id="79" name="TextBox 78">
-            <a:extLst>
-              <a:ext uri="{FF2B5EF4-FFF2-40B4-BE49-F238E27FC236}">
-                <a16:creationId xmlns:a16="http://schemas.microsoft.com/office/drawing/2014/main" id="{E6AFA892-BD8E-4570-BA4F-3D472D65F5D4}"/>
+          <p:cNvPr id="94" name="Rectangle: Diagonal Corners Snipped 93">
+            <a:extLst>
+              <a:ext uri="{FF2B5EF4-FFF2-40B4-BE49-F238E27FC236}">
+                <a16:creationId xmlns:a16="http://schemas.microsoft.com/office/drawing/2014/main" id="{DEA3C26F-D4FE-4797-81BC-D91C9C06CD8E}"/>
+              </a:ext>
+            </a:extLst>
+          </p:cNvPr>
+          <p:cNvSpPr/>
+          <p:nvPr/>
+        </p:nvSpPr>
+        <p:spPr>
+          <a:xfrm>
+            <a:off x="8611420" y="2205120"/>
+            <a:ext cx="1390650" cy="374184"/>
+          </a:xfrm>
+          <a:prstGeom prst="snip2DiagRect">
+            <a:avLst/>
+          </a:prstGeom>
+        </p:spPr>
+        <p:style>
+          <a:lnRef idx="2">
+            <a:schemeClr val="accent1">
+              <a:shade val="50000"/>
+            </a:schemeClr>
+          </a:lnRef>
+          <a:fillRef idx="1">
+            <a:schemeClr val="accent1"/>
+          </a:fillRef>
+          <a:effectRef idx="0">
+            <a:schemeClr val="accent1"/>
+          </a:effectRef>
+          <a:fontRef idx="minor">
+            <a:schemeClr val="lt1"/>
+          </a:fontRef>
+        </p:style>
+        <p:txBody>
+          <a:bodyPr rtlCol="0" anchor="ctr"/>
+          <a:lstStyle/>
+          <a:p>
+            <a:pPr lvl="0" eaLnBrk="0" fontAlgn="base" hangingPunct="0">
+              <a:spcBef>
+                <a:spcPct val="0"/>
+              </a:spcBef>
+              <a:spcAft>
+                <a:spcPct val="0"/>
+              </a:spcAft>
+            </a:pPr>
+            <a:r>
+              <a:rPr lang="en-US" altLang="zh-CN" sz="1200" dirty="0">
+                <a:solidFill>
+                  <a:schemeClr val="bg1"/>
+                </a:solidFill>
+                <a:latin typeface="Ubuntu Mono" panose="020B0509030602030204" pitchFamily="49" charset="0"/>
+              </a:rPr>
+              <a:t>send_</a:t>
+            </a:r>
+            <a:r>
+              <a:rPr lang="zh-CN" altLang="zh-CN" sz="1200" dirty="0">
+                <a:solidFill>
+                  <a:schemeClr val="bg1"/>
+                </a:solidFill>
+                <a:latin typeface="Ubuntu Mono" panose="020B0509030602030204" pitchFamily="49" charset="0"/>
+              </a:rPr>
+              <a:t>nominating </a:t>
+            </a:r>
+          </a:p>
+        </p:txBody>
+      </p:sp>
+      <p:sp>
+        <p:nvSpPr>
+          <p:cNvPr id="99" name="Rectangle: Diagonal Corners Snipped 98">
+            <a:extLst>
+              <a:ext uri="{FF2B5EF4-FFF2-40B4-BE49-F238E27FC236}">
+                <a16:creationId xmlns:a16="http://schemas.microsoft.com/office/drawing/2014/main" id="{46A9E081-35EB-4B28-B37B-F9165500B378}"/>
+              </a:ext>
+            </a:extLst>
+          </p:cNvPr>
+          <p:cNvSpPr/>
+          <p:nvPr/>
+        </p:nvSpPr>
+        <p:spPr>
+          <a:xfrm>
+            <a:off x="10422633" y="2231529"/>
+            <a:ext cx="1701026" cy="374184"/>
+          </a:xfrm>
+          <a:prstGeom prst="snip2DiagRect">
+            <a:avLst/>
+          </a:prstGeom>
+        </p:spPr>
+        <p:style>
+          <a:lnRef idx="2">
+            <a:schemeClr val="accent1">
+              <a:shade val="50000"/>
+            </a:schemeClr>
+          </a:lnRef>
+          <a:fillRef idx="1">
+            <a:schemeClr val="accent1"/>
+          </a:fillRef>
+          <a:effectRef idx="0">
+            <a:schemeClr val="accent1"/>
+          </a:effectRef>
+          <a:fontRef idx="minor">
+            <a:schemeClr val="lt1"/>
+          </a:fontRef>
+        </p:style>
+        <p:txBody>
+          <a:bodyPr rtlCol="0" anchor="ctr"/>
+          <a:lstStyle/>
+          <a:p>
+            <a:pPr lvl="0" eaLnBrk="0" fontAlgn="base" hangingPunct="0">
+              <a:spcBef>
+                <a:spcPct val="0"/>
+              </a:spcBef>
+              <a:spcAft>
+                <a:spcPct val="0"/>
+              </a:spcAft>
+            </a:pPr>
+            <a:r>
+              <a:rPr lang="en-US" altLang="zh-CN" sz="1200" dirty="0">
+                <a:solidFill>
+                  <a:schemeClr val="bg1"/>
+                </a:solidFill>
+                <a:latin typeface="Ubuntu Mono" panose="020B0509030602030204" pitchFamily="49" charset="0"/>
+              </a:rPr>
+              <a:t>waiting_</a:t>
+            </a:r>
+            <a:r>
+              <a:rPr lang="zh-CN" altLang="zh-CN" sz="1200" dirty="0">
+                <a:solidFill>
+                  <a:schemeClr val="bg1"/>
+                </a:solidFill>
+                <a:latin typeface="Ubuntu Mono" panose="020B0509030602030204" pitchFamily="49" charset="0"/>
+              </a:rPr>
+              <a:t>nominating </a:t>
+            </a:r>
+          </a:p>
+        </p:txBody>
+      </p:sp>
+      <p:cxnSp>
+        <p:nvCxnSpPr>
+          <p:cNvPr id="104" name="Straight Arrow Connector 103">
+            <a:extLst>
+              <a:ext uri="{FF2B5EF4-FFF2-40B4-BE49-F238E27FC236}">
+                <a16:creationId xmlns:a16="http://schemas.microsoft.com/office/drawing/2014/main" id="{7070C187-FD85-49C4-AF3F-9D70028FA232}"/>
+              </a:ext>
+            </a:extLst>
+          </p:cNvPr>
+          <p:cNvCxnSpPr/>
+          <p:nvPr/>
+        </p:nvCxnSpPr>
+        <p:spPr>
+          <a:xfrm>
+            <a:off x="8877300" y="1497865"/>
+            <a:ext cx="0" cy="700522"/>
+          </a:xfrm>
+          <a:prstGeom prst="straightConnector1">
+            <a:avLst/>
+          </a:prstGeom>
+          <a:ln>
+            <a:tailEnd type="triangle"/>
+          </a:ln>
+        </p:spPr>
+        <p:style>
+          <a:lnRef idx="1">
+            <a:schemeClr val="accent1"/>
+          </a:lnRef>
+          <a:fillRef idx="0">
+            <a:schemeClr val="accent1"/>
+          </a:fillRef>
+          <a:effectRef idx="0">
+            <a:schemeClr val="accent1"/>
+          </a:effectRef>
+          <a:fontRef idx="minor">
+            <a:schemeClr val="tx1"/>
+          </a:fontRef>
+        </p:style>
+      </p:cxnSp>
+      <p:cxnSp>
+        <p:nvCxnSpPr>
+          <p:cNvPr id="106" name="Straight Arrow Connector 105">
+            <a:extLst>
+              <a:ext uri="{FF2B5EF4-FFF2-40B4-BE49-F238E27FC236}">
+                <a16:creationId xmlns:a16="http://schemas.microsoft.com/office/drawing/2014/main" id="{C1CCA630-9302-4A35-8F06-567351D535AA}"/>
+              </a:ext>
+            </a:extLst>
+          </p:cNvPr>
+          <p:cNvCxnSpPr/>
+          <p:nvPr/>
+        </p:nvCxnSpPr>
+        <p:spPr>
+          <a:xfrm>
+            <a:off x="10858500" y="1497865"/>
+            <a:ext cx="0" cy="707255"/>
+          </a:xfrm>
+          <a:prstGeom prst="straightConnector1">
+            <a:avLst/>
+          </a:prstGeom>
+          <a:ln>
+            <a:tailEnd type="triangle"/>
+          </a:ln>
+        </p:spPr>
+        <p:style>
+          <a:lnRef idx="1">
+            <a:schemeClr val="accent1"/>
+          </a:lnRef>
+          <a:fillRef idx="0">
+            <a:schemeClr val="accent1"/>
+          </a:fillRef>
+          <a:effectRef idx="0">
+            <a:schemeClr val="accent1"/>
+          </a:effectRef>
+          <a:fontRef idx="minor">
+            <a:schemeClr val="tx1"/>
+          </a:fontRef>
+        </p:style>
+      </p:cxnSp>
+      <p:cxnSp>
+        <p:nvCxnSpPr>
+          <p:cNvPr id="108" name="Straight Arrow Connector 107">
+            <a:extLst>
+              <a:ext uri="{FF2B5EF4-FFF2-40B4-BE49-F238E27FC236}">
+                <a16:creationId xmlns:a16="http://schemas.microsoft.com/office/drawing/2014/main" id="{A51EBF7B-FB41-4F3B-B812-EDC39B1FD0E1}"/>
+              </a:ext>
+            </a:extLst>
+          </p:cNvPr>
+          <p:cNvCxnSpPr>
+            <a:stCxn id="29" idx="3"/>
+            <a:endCxn id="73" idx="1"/>
+          </p:cNvCxnSpPr>
+          <p:nvPr/>
+        </p:nvCxnSpPr>
+        <p:spPr>
+          <a:xfrm>
+            <a:off x="6861112" y="740651"/>
+            <a:ext cx="354798" cy="0"/>
+          </a:xfrm>
+          <a:prstGeom prst="straightConnector1">
+            <a:avLst/>
+          </a:prstGeom>
+          <a:ln>
+            <a:tailEnd type="triangle"/>
+          </a:ln>
+        </p:spPr>
+        <p:style>
+          <a:lnRef idx="1">
+            <a:schemeClr val="accent1"/>
+          </a:lnRef>
+          <a:fillRef idx="0">
+            <a:schemeClr val="accent1"/>
+          </a:fillRef>
+          <a:effectRef idx="0">
+            <a:schemeClr val="accent1"/>
+          </a:effectRef>
+          <a:fontRef idx="minor">
+            <a:schemeClr val="tx1"/>
+          </a:fontRef>
+        </p:style>
+      </p:cxnSp>
+      <p:sp>
+        <p:nvSpPr>
+          <p:cNvPr id="109" name="Rectangle: Single Corner Rounded 108">
+            <a:extLst>
+              <a:ext uri="{FF2B5EF4-FFF2-40B4-BE49-F238E27FC236}">
+                <a16:creationId xmlns:a16="http://schemas.microsoft.com/office/drawing/2014/main" id="{01F8A451-3EEF-4378-A07D-2154FB4EB38B}"/>
+              </a:ext>
+            </a:extLst>
+          </p:cNvPr>
+          <p:cNvSpPr/>
+          <p:nvPr/>
+        </p:nvSpPr>
+        <p:spPr>
+          <a:xfrm>
+            <a:off x="8679643" y="2828651"/>
+            <a:ext cx="1254204" cy="276999"/>
+          </a:xfrm>
+          <a:prstGeom prst="round1Rect">
+            <a:avLst/>
+          </a:prstGeom>
+        </p:spPr>
+        <p:style>
+          <a:lnRef idx="2">
+            <a:schemeClr val="accent2">
+              <a:shade val="50000"/>
+            </a:schemeClr>
+          </a:lnRef>
+          <a:fillRef idx="1">
+            <a:schemeClr val="accent2"/>
+          </a:fillRef>
+          <a:effectRef idx="0">
+            <a:schemeClr val="accent2"/>
+          </a:effectRef>
+          <a:fontRef idx="minor">
+            <a:schemeClr val="lt1"/>
+          </a:fontRef>
+        </p:style>
+        <p:txBody>
+          <a:bodyPr rtlCol="0" anchor="ctr">
+            <a:spAutoFit/>
+          </a:bodyPr>
+          <a:lstStyle/>
+          <a:p>
+            <a:pPr algn="ctr"/>
+            <a:r>
+              <a:rPr lang="en-US" altLang="zh-CN" sz="1200" dirty="0">
+                <a:latin typeface="Ubuntu Mono" panose="020B0509030602030204" pitchFamily="49" charset="0"/>
+                <a:ea typeface="DFMincho-SU" panose="02010609010101010101" pitchFamily="1" charset="-128"/>
+              </a:rPr>
+              <a:t>report_status</a:t>
+            </a:r>
+            <a:endParaRPr lang="zh-CN" altLang="en-US" sz="1200" dirty="0">
+              <a:latin typeface="Ubuntu Mono" panose="020B0509030602030204" pitchFamily="49" charset="0"/>
+              <a:ea typeface="DFMincho-SU" panose="02010609010101010101" pitchFamily="1" charset="-128"/>
+            </a:endParaRPr>
+          </a:p>
+        </p:txBody>
+      </p:sp>
+      <p:sp>
+        <p:nvSpPr>
+          <p:cNvPr id="110" name="Rectangle: Single Corner Rounded 109">
+            <a:extLst>
+              <a:ext uri="{FF2B5EF4-FFF2-40B4-BE49-F238E27FC236}">
+                <a16:creationId xmlns:a16="http://schemas.microsoft.com/office/drawing/2014/main" id="{2D5A5E32-9111-471F-99BE-B5F89DB5C23C}"/>
+              </a:ext>
+            </a:extLst>
+          </p:cNvPr>
+          <p:cNvSpPr/>
+          <p:nvPr/>
+        </p:nvSpPr>
+        <p:spPr>
+          <a:xfrm>
+            <a:off x="10488648" y="2823500"/>
+            <a:ext cx="1254204" cy="276999"/>
+          </a:xfrm>
+          <a:prstGeom prst="round1Rect">
+            <a:avLst/>
+          </a:prstGeom>
+        </p:spPr>
+        <p:style>
+          <a:lnRef idx="2">
+            <a:schemeClr val="accent2">
+              <a:shade val="50000"/>
+            </a:schemeClr>
+          </a:lnRef>
+          <a:fillRef idx="1">
+            <a:schemeClr val="accent2"/>
+          </a:fillRef>
+          <a:effectRef idx="0">
+            <a:schemeClr val="accent2"/>
+          </a:effectRef>
+          <a:fontRef idx="minor">
+            <a:schemeClr val="lt1"/>
+          </a:fontRef>
+        </p:style>
+        <p:txBody>
+          <a:bodyPr rtlCol="0" anchor="ctr">
+            <a:spAutoFit/>
+          </a:bodyPr>
+          <a:lstStyle/>
+          <a:p>
+            <a:pPr algn="ctr"/>
+            <a:r>
+              <a:rPr lang="en-US" altLang="zh-CN" sz="1200" dirty="0">
+                <a:latin typeface="Ubuntu Mono" panose="020B0509030602030204" pitchFamily="49" charset="0"/>
+                <a:ea typeface="DFMincho-SU" panose="02010609010101010101" pitchFamily="1" charset="-128"/>
+              </a:rPr>
+              <a:t>report_status</a:t>
+            </a:r>
+            <a:endParaRPr lang="zh-CN" altLang="en-US" sz="1200" dirty="0">
+              <a:latin typeface="Ubuntu Mono" panose="020B0509030602030204" pitchFamily="49" charset="0"/>
+              <a:ea typeface="DFMincho-SU" panose="02010609010101010101" pitchFamily="1" charset="-128"/>
+            </a:endParaRPr>
+          </a:p>
+        </p:txBody>
+      </p:sp>
+      <p:cxnSp>
+        <p:nvCxnSpPr>
+          <p:cNvPr id="112" name="Straight Arrow Connector 111">
+            <a:extLst>
+              <a:ext uri="{FF2B5EF4-FFF2-40B4-BE49-F238E27FC236}">
+                <a16:creationId xmlns:a16="http://schemas.microsoft.com/office/drawing/2014/main" id="{A15BEFD7-D491-49BC-81E4-CCBC93C0761B}"/>
+              </a:ext>
+            </a:extLst>
+          </p:cNvPr>
+          <p:cNvCxnSpPr/>
+          <p:nvPr/>
+        </p:nvCxnSpPr>
+        <p:spPr>
+          <a:xfrm>
+            <a:off x="9039225" y="2605713"/>
+            <a:ext cx="0" cy="217787"/>
+          </a:xfrm>
+          <a:prstGeom prst="straightConnector1">
+            <a:avLst/>
+          </a:prstGeom>
+          <a:ln>
+            <a:tailEnd type="triangle"/>
+          </a:ln>
+        </p:spPr>
+        <p:style>
+          <a:lnRef idx="1">
+            <a:schemeClr val="accent1"/>
+          </a:lnRef>
+          <a:fillRef idx="0">
+            <a:schemeClr val="accent1"/>
+          </a:fillRef>
+          <a:effectRef idx="0">
+            <a:schemeClr val="accent1"/>
+          </a:effectRef>
+          <a:fontRef idx="minor">
+            <a:schemeClr val="tx1"/>
+          </a:fontRef>
+        </p:style>
+      </p:cxnSp>
+      <p:cxnSp>
+        <p:nvCxnSpPr>
+          <p:cNvPr id="114" name="Straight Arrow Connector 113">
+            <a:extLst>
+              <a:ext uri="{FF2B5EF4-FFF2-40B4-BE49-F238E27FC236}">
+                <a16:creationId xmlns:a16="http://schemas.microsoft.com/office/drawing/2014/main" id="{8A22618B-A6A6-4386-B681-632BFD7808EE}"/>
+              </a:ext>
+            </a:extLst>
+          </p:cNvPr>
+          <p:cNvCxnSpPr/>
+          <p:nvPr/>
+        </p:nvCxnSpPr>
+        <p:spPr>
+          <a:xfrm>
+            <a:off x="11458575" y="2605713"/>
+            <a:ext cx="0" cy="217787"/>
+          </a:xfrm>
+          <a:prstGeom prst="straightConnector1">
+            <a:avLst/>
+          </a:prstGeom>
+          <a:ln>
+            <a:tailEnd type="triangle"/>
+          </a:ln>
+        </p:spPr>
+        <p:style>
+          <a:lnRef idx="1">
+            <a:schemeClr val="accent1"/>
+          </a:lnRef>
+          <a:fillRef idx="0">
+            <a:schemeClr val="accent1"/>
+          </a:fillRef>
+          <a:effectRef idx="0">
+            <a:schemeClr val="accent1"/>
+          </a:effectRef>
+          <a:fontRef idx="minor">
+            <a:schemeClr val="tx1"/>
+          </a:fontRef>
+        </p:style>
+      </p:cxnSp>
+      <p:sp>
+        <p:nvSpPr>
+          <p:cNvPr id="115" name="TextBox 114">
+            <a:extLst>
+              <a:ext uri="{FF2B5EF4-FFF2-40B4-BE49-F238E27FC236}">
+                <a16:creationId xmlns:a16="http://schemas.microsoft.com/office/drawing/2014/main" id="{F993EA6F-F36F-4F9E-97FF-92322B551D89}"/>
               </a:ext>
             </a:extLst>
           </p:cNvPr>
@@ -42097,7 +41771,49 @@
         </p:nvSpPr>
         <p:spPr>
           <a:xfrm>
-            <a:off x="6219829" y="4691190"/>
+            <a:off x="8861348" y="1760634"/>
+            <a:ext cx="704851" cy="215444"/>
+          </a:xfrm>
+          <a:prstGeom prst="rect">
+            <a:avLst/>
+          </a:prstGeom>
+          <a:noFill/>
+        </p:spPr>
+        <p:txBody>
+          <a:bodyPr wrap="square" rtlCol="0">
+            <a:spAutoFit/>
+          </a:bodyPr>
+          <a:lstStyle/>
+          <a:p>
+            <a:r>
+              <a:rPr lang="en-US" altLang="zh-CN" sz="800" dirty="0">
+                <a:latin typeface="Bodoni MT Black" panose="02070A03080606020203" pitchFamily="18" charset="0"/>
+                <a:ea typeface="DFMincho-SU" panose="02010609010101010101" pitchFamily="1" charset="-128"/>
+              </a:rPr>
+              <a:t>Yes</a:t>
+            </a:r>
+            <a:endParaRPr lang="zh-CN" altLang="en-US" sz="800" dirty="0">
+              <a:latin typeface="Bodoni MT Black" panose="02070A03080606020203" pitchFamily="18" charset="0"/>
+              <a:ea typeface="DFMincho-SU" panose="02010609010101010101" pitchFamily="1" charset="-128"/>
+            </a:endParaRPr>
+          </a:p>
+        </p:txBody>
+      </p:sp>
+      <p:sp>
+        <p:nvSpPr>
+          <p:cNvPr id="116" name="TextBox 115">
+            <a:extLst>
+              <a:ext uri="{FF2B5EF4-FFF2-40B4-BE49-F238E27FC236}">
+                <a16:creationId xmlns:a16="http://schemas.microsoft.com/office/drawing/2014/main" id="{72AE4D9A-1A55-4A7B-A441-CC08AB7635CF}"/>
+              </a:ext>
+            </a:extLst>
+          </p:cNvPr>
+          <p:cNvSpPr txBox="1"/>
+          <p:nvPr/>
+        </p:nvSpPr>
+        <p:spPr>
+          <a:xfrm>
+            <a:off x="10678450" y="1760634"/>
             <a:ext cx="704851" cy="215444"/>
           </a:xfrm>
           <a:prstGeom prst="rect">
@@ -42126,200 +41842,10 @@
           </a:p>
         </p:txBody>
       </p:sp>
-      <p:sp>
-        <p:nvSpPr>
-          <p:cNvPr id="90" name="Arrow: Right 89">
-            <a:extLst>
-              <a:ext uri="{FF2B5EF4-FFF2-40B4-BE49-F238E27FC236}">
-                <a16:creationId xmlns:a16="http://schemas.microsoft.com/office/drawing/2014/main" id="{D392EAAD-6B33-4CF1-A9EA-9433C537B8AE}"/>
-              </a:ext>
-            </a:extLst>
-          </p:cNvPr>
-          <p:cNvSpPr/>
-          <p:nvPr/>
-        </p:nvSpPr>
-        <p:spPr>
-          <a:xfrm>
-            <a:off x="4117827" y="505214"/>
-            <a:ext cx="2844951" cy="233483"/>
-          </a:xfrm>
-          <a:prstGeom prst="rightArrow">
-            <a:avLst>
-              <a:gd name="adj1" fmla="val 50000"/>
-              <a:gd name="adj2" fmla="val 156067"/>
-            </a:avLst>
-          </a:prstGeom>
-          <a:ln cap="rnd"/>
-        </p:spPr>
-        <p:style>
-          <a:lnRef idx="2">
-            <a:schemeClr val="accent1">
-              <a:shade val="50000"/>
-            </a:schemeClr>
-          </a:lnRef>
-          <a:fillRef idx="1">
-            <a:schemeClr val="accent1"/>
-          </a:fillRef>
-          <a:effectRef idx="0">
-            <a:schemeClr val="accent1"/>
-          </a:effectRef>
-          <a:fontRef idx="minor">
-            <a:schemeClr val="lt1"/>
-          </a:fontRef>
-        </p:style>
-        <p:txBody>
-          <a:bodyPr rtlCol="0" anchor="ctr"/>
-          <a:lstStyle/>
-          <a:p>
-            <a:pPr algn="ctr"/>
-            <a:endParaRPr lang="zh-CN" altLang="en-US"/>
-          </a:p>
-        </p:txBody>
-      </p:sp>
-      <p:sp>
-        <p:nvSpPr>
-          <p:cNvPr id="91" name="Arrow: Left 90">
-            <a:extLst>
-              <a:ext uri="{FF2B5EF4-FFF2-40B4-BE49-F238E27FC236}">
-                <a16:creationId xmlns:a16="http://schemas.microsoft.com/office/drawing/2014/main" id="{26F256EE-F3B4-4B08-AB8A-1B1AA2068AA4}"/>
-              </a:ext>
-            </a:extLst>
-          </p:cNvPr>
-          <p:cNvSpPr/>
-          <p:nvPr/>
-        </p:nvSpPr>
-        <p:spPr>
-          <a:xfrm>
-            <a:off x="3395659" y="1854609"/>
-            <a:ext cx="476255" cy="231309"/>
-          </a:xfrm>
-          <a:prstGeom prst="leftArrow">
-            <a:avLst>
-              <a:gd name="adj1" fmla="val 50000"/>
-              <a:gd name="adj2" fmla="val 62354"/>
-            </a:avLst>
-          </a:prstGeom>
-        </p:spPr>
-        <p:style>
-          <a:lnRef idx="2">
-            <a:schemeClr val="accent1">
-              <a:shade val="50000"/>
-            </a:schemeClr>
-          </a:lnRef>
-          <a:fillRef idx="1">
-            <a:schemeClr val="accent1"/>
-          </a:fillRef>
-          <a:effectRef idx="0">
-            <a:schemeClr val="accent1"/>
-          </a:effectRef>
-          <a:fontRef idx="minor">
-            <a:schemeClr val="lt1"/>
-          </a:fontRef>
-        </p:style>
-        <p:txBody>
-          <a:bodyPr rtlCol="0" anchor="ctr"/>
-          <a:lstStyle/>
-          <a:p>
-            <a:pPr algn="ctr"/>
-            <a:endParaRPr lang="zh-CN" altLang="en-US"/>
-          </a:p>
-        </p:txBody>
-      </p:sp>
-      <p:sp>
-        <p:nvSpPr>
-          <p:cNvPr id="92" name="Arrow: Left 91">
-            <a:extLst>
-              <a:ext uri="{FF2B5EF4-FFF2-40B4-BE49-F238E27FC236}">
-                <a16:creationId xmlns:a16="http://schemas.microsoft.com/office/drawing/2014/main" id="{68719E0C-00F4-4CF8-8911-A923630C83E7}"/>
-              </a:ext>
-            </a:extLst>
-          </p:cNvPr>
-          <p:cNvSpPr/>
-          <p:nvPr/>
-        </p:nvSpPr>
-        <p:spPr>
-          <a:xfrm>
-            <a:off x="2313534" y="2826259"/>
-            <a:ext cx="1481225" cy="231309"/>
-          </a:xfrm>
-          <a:prstGeom prst="leftArrow">
-            <a:avLst>
-              <a:gd name="adj1" fmla="val 50000"/>
-              <a:gd name="adj2" fmla="val 99415"/>
-            </a:avLst>
-          </a:prstGeom>
-        </p:spPr>
-        <p:style>
-          <a:lnRef idx="2">
-            <a:schemeClr val="accent1">
-              <a:shade val="50000"/>
-            </a:schemeClr>
-          </a:lnRef>
-          <a:fillRef idx="1">
-            <a:schemeClr val="accent1"/>
-          </a:fillRef>
-          <a:effectRef idx="0">
-            <a:schemeClr val="accent1"/>
-          </a:effectRef>
-          <a:fontRef idx="minor">
-            <a:schemeClr val="lt1"/>
-          </a:fontRef>
-        </p:style>
-        <p:txBody>
-          <a:bodyPr rtlCol="0" anchor="ctr"/>
-          <a:lstStyle/>
-          <a:p>
-            <a:pPr algn="ctr"/>
-            <a:endParaRPr lang="zh-CN" altLang="en-US"/>
-          </a:p>
-        </p:txBody>
-      </p:sp>
-      <p:cxnSp>
-        <p:nvCxnSpPr>
-          <p:cNvPr id="96" name="Connector: Elbow 95">
-            <a:extLst>
-              <a:ext uri="{FF2B5EF4-FFF2-40B4-BE49-F238E27FC236}">
-                <a16:creationId xmlns:a16="http://schemas.microsoft.com/office/drawing/2014/main" id="{F71E960D-A0AC-49A8-B8C0-F7A825F0B75B}"/>
-              </a:ext>
-            </a:extLst>
-          </p:cNvPr>
-          <p:cNvCxnSpPr>
-            <a:stCxn id="21" idx="2"/>
-            <a:endCxn id="54" idx="1"/>
-          </p:cNvCxnSpPr>
-          <p:nvPr/>
-        </p:nvCxnSpPr>
-        <p:spPr>
-          <a:xfrm rot="16200000" flipH="1">
-            <a:off x="3601177" y="638903"/>
-            <a:ext cx="593862" cy="5595934"/>
-          </a:xfrm>
-          <a:prstGeom prst="bentConnector2">
-            <a:avLst/>
-          </a:prstGeom>
-          <a:ln>
-            <a:tailEnd type="triangle"/>
-          </a:ln>
-        </p:spPr>
-        <p:style>
-          <a:lnRef idx="2">
-            <a:schemeClr val="accent4"/>
-          </a:lnRef>
-          <a:fillRef idx="0">
-            <a:schemeClr val="accent4"/>
-          </a:fillRef>
-          <a:effectRef idx="1">
-            <a:schemeClr val="accent4"/>
-          </a:effectRef>
-          <a:fontRef idx="minor">
-            <a:schemeClr val="tx1"/>
-          </a:fontRef>
-        </p:style>
-      </p:cxnSp>
     </p:spTree>
     <p:extLst>
       <p:ext uri="{BB962C8B-B14F-4D97-AF65-F5344CB8AC3E}">
-        <p14:creationId xmlns:p14="http://schemas.microsoft.com/office/powerpoint/2010/main" val="171825591"/>
+        <p14:creationId xmlns:p14="http://schemas.microsoft.com/office/powerpoint/2010/main" val="2192910078"/>
       </p:ext>
     </p:extLst>
   </p:cSld>
@@ -42348,10 +41874,10 @@
       </p:grpSpPr>
       <p:sp>
         <p:nvSpPr>
-          <p:cNvPr id="19" name="Rectangle: Rounded Corners 18">
-            <a:extLst>
-              <a:ext uri="{FF2B5EF4-FFF2-40B4-BE49-F238E27FC236}">
-                <a16:creationId xmlns:a16="http://schemas.microsoft.com/office/drawing/2014/main" id="{63B16C67-4A99-4825-86E0-C0C4592F9A7A}"/>
+          <p:cNvPr id="88" name="Rectangle 87">
+            <a:extLst>
+              <a:ext uri="{FF2B5EF4-FFF2-40B4-BE49-F238E27FC236}">
+                <a16:creationId xmlns:a16="http://schemas.microsoft.com/office/drawing/2014/main" id="{13B4D670-09E3-452D-A274-253A09306901}"/>
               </a:ext>
             </a:extLst>
           </p:cNvPr>
@@ -42360,13 +41886,139 @@
         </p:nvSpPr>
         <p:spPr>
           <a:xfrm>
-            <a:off x="339436" y="258126"/>
-            <a:ext cx="3556289" cy="2589849"/>
+            <a:off x="4034010" y="427672"/>
+            <a:ext cx="45719" cy="6411277"/>
+          </a:xfrm>
+          <a:prstGeom prst="rect">
+            <a:avLst/>
+          </a:prstGeom>
+        </p:spPr>
+        <p:style>
+          <a:lnRef idx="1">
+            <a:schemeClr val="accent6"/>
+          </a:lnRef>
+          <a:fillRef idx="3">
+            <a:schemeClr val="accent6"/>
+          </a:fillRef>
+          <a:effectRef idx="2">
+            <a:schemeClr val="accent6"/>
+          </a:effectRef>
+          <a:fontRef idx="minor">
+            <a:schemeClr val="lt1"/>
+          </a:fontRef>
+        </p:style>
+        <p:txBody>
+          <a:bodyPr rtlCol="0" anchor="ctr"/>
+          <a:lstStyle/>
+          <a:p>
+            <a:pPr algn="ctr"/>
+            <a:endParaRPr lang="zh-CN" altLang="en-US"/>
+          </a:p>
+        </p:txBody>
+      </p:sp>
+      <p:cxnSp>
+        <p:nvCxnSpPr>
+          <p:cNvPr id="87" name="Straight Arrow Connector 86">
+            <a:extLst>
+              <a:ext uri="{FF2B5EF4-FFF2-40B4-BE49-F238E27FC236}">
+                <a16:creationId xmlns:a16="http://schemas.microsoft.com/office/drawing/2014/main" id="{D872D749-3D4E-4223-A16E-63325AEC16EA}"/>
+              </a:ext>
+            </a:extLst>
+          </p:cNvPr>
+          <p:cNvCxnSpPr>
+            <a:stCxn id="60" idx="2"/>
+            <a:endCxn id="61" idx="0"/>
+          </p:cNvCxnSpPr>
+          <p:nvPr/>
+        </p:nvCxnSpPr>
+        <p:spPr>
+          <a:xfrm flipH="1">
+            <a:off x="10115548" y="5439439"/>
+            <a:ext cx="1" cy="939322"/>
+          </a:xfrm>
+          <a:prstGeom prst="straightConnector1">
+            <a:avLst/>
+          </a:prstGeom>
+          <a:ln>
+            <a:tailEnd type="triangle"/>
+          </a:ln>
+        </p:spPr>
+        <p:style>
+          <a:lnRef idx="1">
+            <a:schemeClr val="accent1"/>
+          </a:lnRef>
+          <a:fillRef idx="0">
+            <a:schemeClr val="accent1"/>
+          </a:fillRef>
+          <a:effectRef idx="0">
+            <a:schemeClr val="accent1"/>
+          </a:effectRef>
+          <a:fontRef idx="minor">
+            <a:schemeClr val="tx1"/>
+          </a:fontRef>
+        </p:style>
+      </p:cxnSp>
+      <p:cxnSp>
+        <p:nvCxnSpPr>
+          <p:cNvPr id="84" name="Straight Arrow Connector 83">
+            <a:extLst>
+              <a:ext uri="{FF2B5EF4-FFF2-40B4-BE49-F238E27FC236}">
+                <a16:creationId xmlns:a16="http://schemas.microsoft.com/office/drawing/2014/main" id="{60586CEC-3AD0-4549-9060-A38FD1897ACF}"/>
+              </a:ext>
+            </a:extLst>
+          </p:cNvPr>
+          <p:cNvCxnSpPr>
+            <a:stCxn id="48" idx="2"/>
+            <a:endCxn id="77" idx="0"/>
+          </p:cNvCxnSpPr>
+          <p:nvPr/>
+        </p:nvCxnSpPr>
+        <p:spPr>
+          <a:xfrm>
+            <a:off x="8329612" y="2223941"/>
+            <a:ext cx="1" cy="1862716"/>
+          </a:xfrm>
+          <a:prstGeom prst="straightConnector1">
+            <a:avLst/>
+          </a:prstGeom>
+          <a:ln>
+            <a:tailEnd type="triangle"/>
+          </a:ln>
+        </p:spPr>
+        <p:style>
+          <a:lnRef idx="1">
+            <a:schemeClr val="accent1"/>
+          </a:lnRef>
+          <a:fillRef idx="0">
+            <a:schemeClr val="accent1"/>
+          </a:fillRef>
+          <a:effectRef idx="0">
+            <a:schemeClr val="accent1"/>
+          </a:effectRef>
+          <a:fontRef idx="minor">
+            <a:schemeClr val="tx1"/>
+          </a:fontRef>
+        </p:style>
+      </p:cxnSp>
+      <p:sp>
+        <p:nvSpPr>
+          <p:cNvPr id="42" name="Rectangle: Rounded Corners 41">
+            <a:extLst>
+              <a:ext uri="{FF2B5EF4-FFF2-40B4-BE49-F238E27FC236}">
+                <a16:creationId xmlns:a16="http://schemas.microsoft.com/office/drawing/2014/main" id="{D6ADFB79-5176-4FB1-8294-D7E502D26354}"/>
+              </a:ext>
+            </a:extLst>
+          </p:cNvPr>
+          <p:cNvSpPr/>
+          <p:nvPr/>
+        </p:nvSpPr>
+        <p:spPr>
+          <a:xfrm>
+            <a:off x="3401722" y="19050"/>
+            <a:ext cx="1356014" cy="408623"/>
           </a:xfrm>
           <a:prstGeom prst="roundRect">
-            <a:avLst>
-              <a:gd name="adj" fmla="val 2347"/>
-            </a:avLst>
+            <a:avLst/>
           </a:prstGeom>
         </p:spPr>
         <p:style>
@@ -42384,169 +42036,1397 @@
           </a:fontRef>
         </p:style>
         <p:txBody>
-          <a:bodyPr rtlCol="0" anchor="t" anchorCtr="0">
-            <a:noAutofit/>
+          <a:bodyPr wrap="square" rtlCol="0" anchor="ctr">
+            <a:spAutoFit/>
           </a:bodyPr>
           <a:lstStyle/>
           <a:p>
-            <a:pPr algn="ctr"/>
             <a:r>
               <a:rPr lang="en-US" altLang="zh-CN" dirty="0">
                 <a:latin typeface="Berlin Sans FB Demi" panose="020E0802020502020306" pitchFamily="34" charset="0"/>
               </a:rPr>
-              <a:t>stunpacket</a:t>
-            </a:r>
-          </a:p>
-        </p:txBody>
-      </p:sp>
-      <p:sp>
-        <p:nvSpPr>
-          <p:cNvPr id="2" name="TextBox 1">
-            <a:extLst>
-              <a:ext uri="{FF2B5EF4-FFF2-40B4-BE49-F238E27FC236}">
-                <a16:creationId xmlns:a16="http://schemas.microsoft.com/office/drawing/2014/main" id="{C53FA38D-2ACD-4A54-89B7-B7CDDE5715D1}"/>
-              </a:ext>
-            </a:extLst>
-          </p:cNvPr>
-          <p:cNvSpPr txBox="1"/>
-          <p:nvPr/>
-        </p:nvSpPr>
-        <p:spPr>
-          <a:xfrm>
-            <a:off x="3683726" y="4406537"/>
-            <a:ext cx="184731" cy="369332"/>
-          </a:xfrm>
-          <a:prstGeom prst="rect">
-            <a:avLst/>
-          </a:prstGeom>
-          <a:noFill/>
-        </p:spPr>
-        <p:txBody>
-          <a:bodyPr wrap="none" rtlCol="0">
+              <a:t>Candidate</a:t>
+            </a:r>
+          </a:p>
+        </p:txBody>
+      </p:sp>
+      <p:sp>
+        <p:nvSpPr>
+          <p:cNvPr id="21" name="Rectangle: Single Corner Rounded 20">
+            <a:extLst>
+              <a:ext uri="{FF2B5EF4-FFF2-40B4-BE49-F238E27FC236}">
+                <a16:creationId xmlns:a16="http://schemas.microsoft.com/office/drawing/2014/main" id="{AC808267-63C4-49EA-B387-1A1497E1A10C}"/>
+              </a:ext>
+            </a:extLst>
+          </p:cNvPr>
+          <p:cNvSpPr/>
+          <p:nvPr/>
+        </p:nvSpPr>
+        <p:spPr>
+          <a:xfrm>
+            <a:off x="66678" y="2678274"/>
+            <a:ext cx="2066925" cy="461665"/>
+          </a:xfrm>
+          <a:prstGeom prst="round1Rect">
+            <a:avLst/>
+          </a:prstGeom>
+        </p:spPr>
+        <p:style>
+          <a:lnRef idx="2">
+            <a:schemeClr val="accent6">
+              <a:shade val="50000"/>
+            </a:schemeClr>
+          </a:lnRef>
+          <a:fillRef idx="1">
+            <a:schemeClr val="accent6"/>
+          </a:fillRef>
+          <a:effectRef idx="0">
+            <a:schemeClr val="accent6"/>
+          </a:effectRef>
+          <a:fontRef idx="minor">
+            <a:schemeClr val="lt1"/>
+          </a:fontRef>
+        </p:style>
+        <p:txBody>
+          <a:bodyPr rtlCol="0" anchor="ctr">
             <a:spAutoFit/>
           </a:bodyPr>
           <a:lstStyle/>
           <a:p>
-            <a:endParaRPr lang="zh-CN" altLang="en-US" dirty="0"/>
-          </a:p>
-        </p:txBody>
-      </p:sp>
-      <p:sp>
-        <p:nvSpPr>
-          <p:cNvPr id="3" name="TextBox 2">
-            <a:extLst>
-              <a:ext uri="{FF2B5EF4-FFF2-40B4-BE49-F238E27FC236}">
-                <a16:creationId xmlns:a16="http://schemas.microsoft.com/office/drawing/2014/main" id="{C825C559-119B-43FB-8A43-5487C99BFC7F}"/>
-              </a:ext>
-            </a:extLst>
-          </p:cNvPr>
-          <p:cNvSpPr txBox="1"/>
-          <p:nvPr/>
-        </p:nvSpPr>
-        <p:spPr>
-          <a:xfrm>
-            <a:off x="2333897" y="4911634"/>
-            <a:ext cx="4970784" cy="1200329"/>
-          </a:xfrm>
-          <a:prstGeom prst="rect">
-            <a:avLst/>
-          </a:prstGeom>
-          <a:noFill/>
-        </p:spPr>
-        <p:txBody>
-          <a:bodyPr wrap="none" rtlCol="0">
+            <a:pPr algn="ctr"/>
+            <a:r>
+              <a:rPr lang="en-US" altLang="zh-CN" sz="2400" dirty="0">
+                <a:latin typeface="DFMincho-SU" panose="02010609010101010101" pitchFamily="1" charset="-128"/>
+                <a:ea typeface="DFMincho-SU" panose="02010609010101010101" pitchFamily="1" charset="-128"/>
+              </a:rPr>
+              <a:t>recv_thread</a:t>
+            </a:r>
+            <a:endParaRPr lang="zh-CN" altLang="en-US" sz="2400" dirty="0">
+              <a:latin typeface="DFMincho-SU" panose="02010609010101010101" pitchFamily="1" charset="-128"/>
+              <a:ea typeface="DFMincho-SU" panose="02010609010101010101" pitchFamily="1" charset="-128"/>
+            </a:endParaRPr>
+          </a:p>
+        </p:txBody>
+      </p:sp>
+      <p:sp>
+        <p:nvSpPr>
+          <p:cNvPr id="44" name="Rectangle: Single Corner Rounded 43">
+            <a:extLst>
+              <a:ext uri="{FF2B5EF4-FFF2-40B4-BE49-F238E27FC236}">
+                <a16:creationId xmlns:a16="http://schemas.microsoft.com/office/drawing/2014/main" id="{99655F4C-A2E1-437A-9EFB-FFB3967485BA}"/>
+              </a:ext>
+            </a:extLst>
+          </p:cNvPr>
+          <p:cNvSpPr/>
+          <p:nvPr/>
+        </p:nvSpPr>
+        <p:spPr>
+          <a:xfrm>
+            <a:off x="6991349" y="263808"/>
+            <a:ext cx="2676525" cy="461665"/>
+          </a:xfrm>
+          <a:prstGeom prst="round1Rect">
+            <a:avLst/>
+          </a:prstGeom>
+        </p:spPr>
+        <p:style>
+          <a:lnRef idx="0">
+            <a:schemeClr val="accent6"/>
+          </a:lnRef>
+          <a:fillRef idx="3">
+            <a:schemeClr val="accent6"/>
+          </a:fillRef>
+          <a:effectRef idx="3">
+            <a:schemeClr val="accent6"/>
+          </a:effectRef>
+          <a:fontRef idx="minor">
+            <a:schemeClr val="lt1"/>
+          </a:fontRef>
+        </p:style>
+        <p:txBody>
+          <a:bodyPr rtlCol="0" anchor="ctr">
             <a:spAutoFit/>
           </a:bodyPr>
           <a:lstStyle/>
           <a:p>
+            <a:pPr algn="ctr"/>
+            <a:r>
+              <a:rPr lang="en-US" altLang="zh-CN" sz="2400" dirty="0">
+                <a:latin typeface="DFMincho-SU" panose="02010609010101010101" pitchFamily="1" charset="-128"/>
+                <a:ea typeface="DFMincho-SU" panose="02010609010101010101" pitchFamily="1" charset="-128"/>
+              </a:rPr>
+              <a:t>gather_thread</a:t>
+            </a:r>
+            <a:endParaRPr lang="zh-CN" altLang="en-US" sz="2400" dirty="0">
+              <a:latin typeface="DFMincho-SU" panose="02010609010101010101" pitchFamily="1" charset="-128"/>
+              <a:ea typeface="DFMincho-SU" panose="02010609010101010101" pitchFamily="1" charset="-128"/>
+            </a:endParaRPr>
+          </a:p>
+        </p:txBody>
+      </p:sp>
+      <p:sp>
+        <p:nvSpPr>
+          <p:cNvPr id="45" name="Rectangle: Single Corner Rounded 44">
+            <a:extLst>
+              <a:ext uri="{FF2B5EF4-FFF2-40B4-BE49-F238E27FC236}">
+                <a16:creationId xmlns:a16="http://schemas.microsoft.com/office/drawing/2014/main" id="{B3AD826E-8135-4751-9981-A837195BD620}"/>
+              </a:ext>
+            </a:extLst>
+          </p:cNvPr>
+          <p:cNvSpPr/>
+          <p:nvPr/>
+        </p:nvSpPr>
+        <p:spPr>
+          <a:xfrm>
+            <a:off x="66678" y="1688190"/>
+            <a:ext cx="3257549" cy="461665"/>
+          </a:xfrm>
+          <a:prstGeom prst="round1Rect">
+            <a:avLst/>
+          </a:prstGeom>
+        </p:spPr>
+        <p:style>
+          <a:lnRef idx="1">
+            <a:schemeClr val="accent3"/>
+          </a:lnRef>
+          <a:fillRef idx="3">
+            <a:schemeClr val="accent3"/>
+          </a:fillRef>
+          <a:effectRef idx="2">
+            <a:schemeClr val="accent3"/>
+          </a:effectRef>
+          <a:fontRef idx="minor">
+            <a:schemeClr val="lt1"/>
+          </a:fontRef>
+        </p:style>
+        <p:txBody>
+          <a:bodyPr rtlCol="0" anchor="ctr">
+            <a:spAutoFit/>
+          </a:bodyPr>
+          <a:lstStyle/>
+          <a:p>
+            <a:pPr algn="ctr"/>
+            <a:r>
+              <a:rPr lang="en-US" altLang="zh-CN" sz="2400" dirty="0">
+                <a:latin typeface="DFMincho-SU" panose="02010609010101010101" pitchFamily="1" charset="-128"/>
+                <a:ea typeface="DFMincho-SU" panose="02010609010101010101" pitchFamily="1" charset="-128"/>
+              </a:rPr>
+              <a:t>connectivity_thread</a:t>
+            </a:r>
+            <a:endParaRPr lang="zh-CN" altLang="en-US" sz="2400" dirty="0">
+              <a:latin typeface="DFMincho-SU" panose="02010609010101010101" pitchFamily="1" charset="-128"/>
+              <a:ea typeface="DFMincho-SU" panose="02010609010101010101" pitchFamily="1" charset="-128"/>
+            </a:endParaRPr>
+          </a:p>
+        </p:txBody>
+      </p:sp>
+      <p:sp>
+        <p:nvSpPr>
+          <p:cNvPr id="48" name="Rectangle: Single Corner Rounded 47">
+            <a:extLst>
+              <a:ext uri="{FF2B5EF4-FFF2-40B4-BE49-F238E27FC236}">
+                <a16:creationId xmlns:a16="http://schemas.microsoft.com/office/drawing/2014/main" id="{342893C4-BCAE-4D5E-B3F3-3AE5A5D836EC}"/>
+              </a:ext>
+            </a:extLst>
+          </p:cNvPr>
+          <p:cNvSpPr/>
+          <p:nvPr/>
+        </p:nvSpPr>
+        <p:spPr>
+          <a:xfrm>
+            <a:off x="7353299" y="1854609"/>
+            <a:ext cx="1952626" cy="369332"/>
+          </a:xfrm>
+          <a:prstGeom prst="round1Rect">
+            <a:avLst/>
+          </a:prstGeom>
+        </p:spPr>
+        <p:style>
+          <a:lnRef idx="2">
+            <a:schemeClr val="accent1">
+              <a:shade val="50000"/>
+            </a:schemeClr>
+          </a:lnRef>
+          <a:fillRef idx="1">
+            <a:schemeClr val="accent1"/>
+          </a:fillRef>
+          <a:effectRef idx="0">
+            <a:schemeClr val="accent1"/>
+          </a:effectRef>
+          <a:fontRef idx="minor">
+            <a:schemeClr val="lt1"/>
+          </a:fontRef>
+        </p:style>
+        <p:txBody>
+          <a:bodyPr rtlCol="0" anchor="ctr">
+            <a:spAutoFit/>
+          </a:bodyPr>
+          <a:lstStyle/>
+          <a:p>
+            <a:pPr algn="ctr"/>
             <a:r>
               <a:rPr lang="en-US" altLang="zh-CN" dirty="0">
-                <a:latin typeface="Arial Black" panose="020B0A04020102020204" pitchFamily="34" charset="0"/>
+                <a:latin typeface="Ubuntu Mono" panose="020B0509030602030204" pitchFamily="49" charset="0"/>
+                <a:ea typeface="DFMincho-SU" panose="02010609010101010101" pitchFamily="1" charset="-128"/>
               </a:rPr>
-              <a:t>uint16_t _</a:t>
-            </a:r>
-            <a:r>
-              <a:rPr lang="en-US" altLang="zh-CN" dirty="0" err="1">
-                <a:latin typeface="Arial Black" panose="020B0A04020102020204" pitchFamily="34" charset="0"/>
+              <a:t>send_bind_req</a:t>
+            </a:r>
+            <a:endParaRPr lang="zh-CN" altLang="en-US" dirty="0">
+              <a:latin typeface="Ubuntu Mono" panose="020B0509030602030204" pitchFamily="49" charset="0"/>
+              <a:ea typeface="DFMincho-SU" panose="02010609010101010101" pitchFamily="1" charset="-128"/>
+            </a:endParaRPr>
+          </a:p>
+        </p:txBody>
+      </p:sp>
+      <p:sp>
+        <p:nvSpPr>
+          <p:cNvPr id="51" name="Rectangle: Single Corner Rounded 50">
+            <a:extLst>
+              <a:ext uri="{FF2B5EF4-FFF2-40B4-BE49-F238E27FC236}">
+                <a16:creationId xmlns:a16="http://schemas.microsoft.com/office/drawing/2014/main" id="{95951C5A-F89D-4F65-A87F-9D15EA961B04}"/>
+              </a:ext>
+            </a:extLst>
+          </p:cNvPr>
+          <p:cNvSpPr/>
+          <p:nvPr/>
+        </p:nvSpPr>
+        <p:spPr>
+          <a:xfrm>
+            <a:off x="6696075" y="2358508"/>
+            <a:ext cx="3267075" cy="369332"/>
+          </a:xfrm>
+          <a:prstGeom prst="round1Rect">
+            <a:avLst/>
+          </a:prstGeom>
+        </p:spPr>
+        <p:style>
+          <a:lnRef idx="2">
+            <a:schemeClr val="accent1">
+              <a:shade val="50000"/>
+            </a:schemeClr>
+          </a:lnRef>
+          <a:fillRef idx="1">
+            <a:schemeClr val="accent1"/>
+          </a:fillRef>
+          <a:effectRef idx="0">
+            <a:schemeClr val="accent1"/>
+          </a:effectRef>
+          <a:fontRef idx="minor">
+            <a:schemeClr val="lt1"/>
+          </a:fontRef>
+        </p:style>
+        <p:txBody>
+          <a:bodyPr rtlCol="0" anchor="ctr">
+            <a:spAutoFit/>
+          </a:bodyPr>
+          <a:lstStyle/>
+          <a:p>
+            <a:pPr algn="ctr"/>
+            <a:r>
+              <a:rPr lang="en-US" altLang="zh-CN" dirty="0">
+                <a:latin typeface="Ubuntu Mono" panose="020B0509030602030204" pitchFamily="49" charset="0"/>
+                <a:ea typeface="DFMincho-SU" panose="02010609010101010101" pitchFamily="1" charset="-128"/>
               </a:rPr>
-              <a:t>msgId</a:t>
-            </a:r>
+              <a:t>start_retransmission_timer</a:t>
+            </a:r>
+            <a:endParaRPr lang="zh-CN" altLang="en-US" dirty="0">
+              <a:latin typeface="Ubuntu Mono" panose="020B0509030602030204" pitchFamily="49" charset="0"/>
+              <a:ea typeface="DFMincho-SU" panose="02010609010101010101" pitchFamily="1" charset="-128"/>
+            </a:endParaRPr>
+          </a:p>
+        </p:txBody>
+      </p:sp>
+      <p:sp>
+        <p:nvSpPr>
+          <p:cNvPr id="53" name="Rectangle: Single Corner Rounded 52">
+            <a:extLst>
+              <a:ext uri="{FF2B5EF4-FFF2-40B4-BE49-F238E27FC236}">
+                <a16:creationId xmlns:a16="http://schemas.microsoft.com/office/drawing/2014/main" id="{F31B713A-F9A6-4908-80DB-37B4BF062ECE}"/>
+              </a:ext>
+            </a:extLst>
+          </p:cNvPr>
+          <p:cNvSpPr/>
+          <p:nvPr/>
+        </p:nvSpPr>
+        <p:spPr>
+          <a:xfrm>
+            <a:off x="6696075" y="2941914"/>
+            <a:ext cx="3267075" cy="369332"/>
+          </a:xfrm>
+          <a:prstGeom prst="round1Rect">
+            <a:avLst/>
+          </a:prstGeom>
+        </p:spPr>
+        <p:style>
+          <a:lnRef idx="2">
+            <a:schemeClr val="accent1">
+              <a:shade val="50000"/>
+            </a:schemeClr>
+          </a:lnRef>
+          <a:fillRef idx="1">
+            <a:schemeClr val="accent1"/>
+          </a:fillRef>
+          <a:effectRef idx="0">
+            <a:schemeClr val="accent1"/>
+          </a:effectRef>
+          <a:fontRef idx="minor">
+            <a:schemeClr val="lt1"/>
+          </a:fontRef>
+        </p:style>
+        <p:txBody>
+          <a:bodyPr rtlCol="0" anchor="ctr">
+            <a:spAutoFit/>
+          </a:bodyPr>
+          <a:lstStyle/>
+          <a:p>
+            <a:pPr algn="ctr"/>
             <a:r>
               <a:rPr lang="en-US" altLang="zh-CN" dirty="0">
-                <a:latin typeface="Arial Black" panose="020B0A04020102020204" pitchFamily="34" charset="0"/>
+                <a:latin typeface="Ubuntu Mono" panose="020B0509030602030204" pitchFamily="49" charset="0"/>
+                <a:ea typeface="DFMincho-SU" panose="02010609010101010101" pitchFamily="1" charset="-128"/>
               </a:rPr>
-              <a:t>;</a:t>
-            </a:r>
-          </a:p>
-          <a:p>
+              <a:t>wait_for_bind_resp</a:t>
+            </a:r>
+            <a:endParaRPr lang="zh-CN" altLang="en-US" dirty="0">
+              <a:latin typeface="Ubuntu Mono" panose="020B0509030602030204" pitchFamily="49" charset="0"/>
+              <a:ea typeface="DFMincho-SU" panose="02010609010101010101" pitchFamily="1" charset="-128"/>
+            </a:endParaRPr>
+          </a:p>
+        </p:txBody>
+      </p:sp>
+      <p:sp>
+        <p:nvSpPr>
+          <p:cNvPr id="54" name="Rectangle: Single Corner Rounded 53">
+            <a:extLst>
+              <a:ext uri="{FF2B5EF4-FFF2-40B4-BE49-F238E27FC236}">
+                <a16:creationId xmlns:a16="http://schemas.microsoft.com/office/drawing/2014/main" id="{875C5151-E015-4026-9D89-210A97F09C14}"/>
+              </a:ext>
+            </a:extLst>
+          </p:cNvPr>
+          <p:cNvSpPr/>
+          <p:nvPr/>
+        </p:nvSpPr>
+        <p:spPr>
+          <a:xfrm>
+            <a:off x="6696075" y="3549135"/>
+            <a:ext cx="3267075" cy="369332"/>
+          </a:xfrm>
+          <a:prstGeom prst="round1Rect">
+            <a:avLst/>
+          </a:prstGeom>
+        </p:spPr>
+        <p:style>
+          <a:lnRef idx="2">
+            <a:schemeClr val="accent1">
+              <a:shade val="50000"/>
+            </a:schemeClr>
+          </a:lnRef>
+          <a:fillRef idx="1">
+            <a:schemeClr val="accent1"/>
+          </a:fillRef>
+          <a:effectRef idx="0">
+            <a:schemeClr val="accent1"/>
+          </a:effectRef>
+          <a:fontRef idx="minor">
+            <a:schemeClr val="lt1"/>
+          </a:fontRef>
+        </p:style>
+        <p:txBody>
+          <a:bodyPr rtlCol="0" anchor="ctr">
+            <a:spAutoFit/>
+          </a:bodyPr>
+          <a:lstStyle/>
+          <a:p>
+            <a:pPr algn="ctr"/>
             <a:r>
               <a:rPr lang="en-US" altLang="zh-CN" dirty="0">
-                <a:latin typeface="Arial Black" panose="020B0A04020102020204" pitchFamily="34" charset="0"/>
+                <a:latin typeface="Ubuntu Mono" panose="020B0509030602030204" pitchFamily="49" charset="0"/>
+                <a:ea typeface="DFMincho-SU" panose="02010609010101010101" pitchFamily="1" charset="-128"/>
               </a:rPr>
-              <a:t>uint16_t _length;</a:t>
-            </a:r>
-          </a:p>
-          <a:p>
+              <a:t>handle_recv_msg</a:t>
+            </a:r>
+            <a:endParaRPr lang="zh-CN" altLang="en-US" dirty="0">
+              <a:latin typeface="Ubuntu Mono" panose="020B0509030602030204" pitchFamily="49" charset="0"/>
+              <a:ea typeface="DFMincho-SU" panose="02010609010101010101" pitchFamily="1" charset="-128"/>
+            </a:endParaRPr>
+          </a:p>
+        </p:txBody>
+      </p:sp>
+      <p:sp>
+        <p:nvSpPr>
+          <p:cNvPr id="60" name="Rectangle: Single Corner Rounded 59">
+            <a:extLst>
+              <a:ext uri="{FF2B5EF4-FFF2-40B4-BE49-F238E27FC236}">
+                <a16:creationId xmlns:a16="http://schemas.microsoft.com/office/drawing/2014/main" id="{F46E976B-E4DA-4CB5-9431-D55A3DB5859B}"/>
+              </a:ext>
+            </a:extLst>
+          </p:cNvPr>
+          <p:cNvSpPr/>
+          <p:nvPr/>
+        </p:nvSpPr>
+        <p:spPr>
+          <a:xfrm>
+            <a:off x="8410573" y="5070107"/>
+            <a:ext cx="3409951" cy="369332"/>
+          </a:xfrm>
+          <a:prstGeom prst="round1Rect">
+            <a:avLst/>
+          </a:prstGeom>
+        </p:spPr>
+        <p:style>
+          <a:lnRef idx="2">
+            <a:schemeClr val="accent1">
+              <a:shade val="50000"/>
+            </a:schemeClr>
+          </a:lnRef>
+          <a:fillRef idx="1">
+            <a:schemeClr val="accent1"/>
+          </a:fillRef>
+          <a:effectRef idx="0">
+            <a:schemeClr val="accent1"/>
+          </a:effectRef>
+          <a:fontRef idx="minor">
+            <a:schemeClr val="lt1"/>
+          </a:fontRef>
+        </p:style>
+        <p:txBody>
+          <a:bodyPr rtlCol="0" anchor="ctr">
+            <a:spAutoFit/>
+          </a:bodyPr>
+          <a:lstStyle/>
+          <a:p>
+            <a:pPr algn="ctr"/>
             <a:r>
               <a:rPr lang="en-US" altLang="zh-CN" dirty="0">
-                <a:latin typeface="Arial Black" panose="020B0A04020102020204" pitchFamily="34" charset="0"/>
+                <a:latin typeface="Ubuntu Mono" panose="020B0509030602030204" pitchFamily="49" charset="0"/>
+                <a:ea typeface="DFMincho-SU" panose="02010609010101010101" pitchFamily="1" charset="-128"/>
               </a:rPr>
-              <a:t>uint8_t  _</a:t>
-            </a:r>
-            <a:r>
-              <a:rPr lang="en-US" altLang="zh-CN" dirty="0" err="1">
-                <a:latin typeface="Arial Black" panose="020B0A04020102020204" pitchFamily="34" charset="0"/>
+              <a:t>cancel_retransmission_timer</a:t>
+            </a:r>
+            <a:endParaRPr lang="zh-CN" altLang="en-US" dirty="0">
+              <a:latin typeface="Ubuntu Mono" panose="020B0509030602030204" pitchFamily="49" charset="0"/>
+              <a:ea typeface="DFMincho-SU" panose="02010609010101010101" pitchFamily="1" charset="-128"/>
+            </a:endParaRPr>
+          </a:p>
+        </p:txBody>
+      </p:sp>
+      <p:sp>
+        <p:nvSpPr>
+          <p:cNvPr id="61" name="Rectangle: Single Corner Rounded 60">
+            <a:extLst>
+              <a:ext uri="{FF2B5EF4-FFF2-40B4-BE49-F238E27FC236}">
+                <a16:creationId xmlns:a16="http://schemas.microsoft.com/office/drawing/2014/main" id="{3F05434B-8998-49AB-9902-1BFEF7DBBBCF}"/>
+              </a:ext>
+            </a:extLst>
+          </p:cNvPr>
+          <p:cNvSpPr/>
+          <p:nvPr/>
+        </p:nvSpPr>
+        <p:spPr>
+          <a:xfrm>
+            <a:off x="9153523" y="6378761"/>
+            <a:ext cx="1924050" cy="369332"/>
+          </a:xfrm>
+          <a:prstGeom prst="round1Rect">
+            <a:avLst/>
+          </a:prstGeom>
+        </p:spPr>
+        <p:style>
+          <a:lnRef idx="2">
+            <a:schemeClr val="accent2">
+              <a:shade val="50000"/>
+            </a:schemeClr>
+          </a:lnRef>
+          <a:fillRef idx="1">
+            <a:schemeClr val="accent2"/>
+          </a:fillRef>
+          <a:effectRef idx="0">
+            <a:schemeClr val="accent2"/>
+          </a:effectRef>
+          <a:fontRef idx="minor">
+            <a:schemeClr val="lt1"/>
+          </a:fontRef>
+        </p:style>
+        <p:txBody>
+          <a:bodyPr rtlCol="0" anchor="ctr">
+            <a:spAutoFit/>
+          </a:bodyPr>
+          <a:lstStyle/>
+          <a:p>
+            <a:pPr algn="ctr"/>
+            <a:r>
+              <a:rPr lang="en-US" altLang="zh-CN" dirty="0">
+                <a:latin typeface="Ubuntu Mono" panose="020B0509030602030204" pitchFamily="49" charset="0"/>
+                <a:ea typeface="DFMincho-SU" panose="02010609010101010101" pitchFamily="1" charset="-128"/>
               </a:rPr>
-              <a:t>transaionId</a:t>
-            </a:r>
+              <a:t>report_status</a:t>
+            </a:r>
+            <a:endParaRPr lang="zh-CN" altLang="en-US" dirty="0">
+              <a:latin typeface="Ubuntu Mono" panose="020B0509030602030204" pitchFamily="49" charset="0"/>
+              <a:ea typeface="DFMincho-SU" panose="02010609010101010101" pitchFamily="1" charset="-128"/>
+            </a:endParaRPr>
+          </a:p>
+        </p:txBody>
+      </p:sp>
+      <p:sp>
+        <p:nvSpPr>
+          <p:cNvPr id="67" name="Rectangle: Single Corner Rounded 66">
+            <a:extLst>
+              <a:ext uri="{FF2B5EF4-FFF2-40B4-BE49-F238E27FC236}">
+                <a16:creationId xmlns:a16="http://schemas.microsoft.com/office/drawing/2014/main" id="{5EFF27D0-2E1F-4D7A-B0ED-5A4E470963F7}"/>
+              </a:ext>
+            </a:extLst>
+          </p:cNvPr>
+          <p:cNvSpPr/>
+          <p:nvPr/>
+        </p:nvSpPr>
+        <p:spPr>
+          <a:xfrm>
+            <a:off x="9120185" y="5708697"/>
+            <a:ext cx="1990727" cy="369332"/>
+          </a:xfrm>
+          <a:prstGeom prst="round1Rect">
+            <a:avLst/>
+          </a:prstGeom>
+        </p:spPr>
+        <p:style>
+          <a:lnRef idx="2">
+            <a:schemeClr val="accent1">
+              <a:shade val="50000"/>
+            </a:schemeClr>
+          </a:lnRef>
+          <a:fillRef idx="1">
+            <a:schemeClr val="accent1"/>
+          </a:fillRef>
+          <a:effectRef idx="0">
+            <a:schemeClr val="accent1"/>
+          </a:effectRef>
+          <a:fontRef idx="minor">
+            <a:schemeClr val="lt1"/>
+          </a:fontRef>
+        </p:style>
+        <p:txBody>
+          <a:bodyPr rtlCol="0" anchor="ctr">
+            <a:spAutoFit/>
+          </a:bodyPr>
+          <a:lstStyle/>
+          <a:p>
+            <a:pPr algn="ctr"/>
             <a:r>
               <a:rPr lang="en-US" altLang="zh-CN" dirty="0">
-                <a:latin typeface="Arial Black" panose="020B0A04020102020204" pitchFamily="34" charset="0"/>
+                <a:latin typeface="Ubuntu Mono" panose="020B0509030602030204" pitchFamily="49" charset="0"/>
+                <a:ea typeface="DFMincho-SU" panose="02010609010101010101" pitchFamily="1" charset="-128"/>
               </a:rPr>
-              <a:t>;</a:t>
-            </a:r>
-          </a:p>
-          <a:p>
+              <a:t>handle_resp_msg</a:t>
+            </a:r>
+            <a:endParaRPr lang="zh-CN" altLang="en-US" dirty="0">
+              <a:latin typeface="Ubuntu Mono" panose="020B0509030602030204" pitchFamily="49" charset="0"/>
+              <a:ea typeface="DFMincho-SU" panose="02010609010101010101" pitchFamily="1" charset="-128"/>
+            </a:endParaRPr>
+          </a:p>
+        </p:txBody>
+      </p:sp>
+      <p:sp>
+        <p:nvSpPr>
+          <p:cNvPr id="71" name="Rectangle: Single Corner Rounded 70">
+            <a:extLst>
+              <a:ext uri="{FF2B5EF4-FFF2-40B4-BE49-F238E27FC236}">
+                <a16:creationId xmlns:a16="http://schemas.microsoft.com/office/drawing/2014/main" id="{7A3523E3-E5F1-4EA3-9060-FC3DD32FF06F}"/>
+              </a:ext>
+            </a:extLst>
+          </p:cNvPr>
+          <p:cNvSpPr/>
+          <p:nvPr/>
+        </p:nvSpPr>
+        <p:spPr>
+          <a:xfrm>
+            <a:off x="4757737" y="5070107"/>
+            <a:ext cx="3409950" cy="369332"/>
+          </a:xfrm>
+          <a:prstGeom prst="round1Rect">
+            <a:avLst/>
+          </a:prstGeom>
+        </p:spPr>
+        <p:style>
+          <a:lnRef idx="2">
+            <a:schemeClr val="accent1">
+              <a:shade val="50000"/>
+            </a:schemeClr>
+          </a:lnRef>
+          <a:fillRef idx="1">
+            <a:schemeClr val="accent1"/>
+          </a:fillRef>
+          <a:effectRef idx="0">
+            <a:schemeClr val="accent1"/>
+          </a:effectRef>
+          <a:fontRef idx="minor">
+            <a:schemeClr val="lt1"/>
+          </a:fontRef>
+        </p:style>
+        <p:txBody>
+          <a:bodyPr rtlCol="0" anchor="ctr">
+            <a:spAutoFit/>
+          </a:bodyPr>
+          <a:lstStyle/>
+          <a:p>
+            <a:pPr algn="ctr"/>
             <a:r>
               <a:rPr lang="en-US" altLang="zh-CN" dirty="0">
-                <a:latin typeface="Arial Black" panose="020B0A04020102020204" pitchFamily="34" charset="0"/>
+                <a:latin typeface="Ubuntu Mono" panose="020B0509030602030204" pitchFamily="49" charset="0"/>
+                <a:ea typeface="DFMincho-SU" panose="02010609010101010101" pitchFamily="1" charset="-128"/>
               </a:rPr>
-              <a:t>uint8_t   </a:t>
-            </a:r>
-            <a:r>
-              <a:rPr lang="en-US" altLang="zh-CN" dirty="0" err="1">
-                <a:latin typeface="Arial Black" panose="020B0A04020102020204" pitchFamily="34" charset="0"/>
+              <a:t>wait_for_timeout_callback</a:t>
+            </a:r>
+            <a:endParaRPr lang="zh-CN" altLang="en-US" dirty="0">
+              <a:latin typeface="Ubuntu Mono" panose="020B0509030602030204" pitchFamily="49" charset="0"/>
+              <a:ea typeface="DFMincho-SU" panose="02010609010101010101" pitchFamily="1" charset="-128"/>
+            </a:endParaRPr>
+          </a:p>
+        </p:txBody>
+      </p:sp>
+      <p:cxnSp>
+        <p:nvCxnSpPr>
+          <p:cNvPr id="23" name="Connector: Elbow 22">
+            <a:extLst>
+              <a:ext uri="{FF2B5EF4-FFF2-40B4-BE49-F238E27FC236}">
+                <a16:creationId xmlns:a16="http://schemas.microsoft.com/office/drawing/2014/main" id="{56F2BAE1-FC5A-4744-B1BF-FEA055C98E35}"/>
+              </a:ext>
+            </a:extLst>
+          </p:cNvPr>
+          <p:cNvCxnSpPr>
+            <a:cxnSpLocks/>
+            <a:stCxn id="71" idx="1"/>
+            <a:endCxn id="29" idx="1"/>
+          </p:cNvCxnSpPr>
+          <p:nvPr/>
+        </p:nvCxnSpPr>
+        <p:spPr>
+          <a:xfrm rot="10800000" flipH="1">
+            <a:off x="4757737" y="1228189"/>
+            <a:ext cx="2047874" cy="4026585"/>
+          </a:xfrm>
+          <a:prstGeom prst="bentConnector3">
+            <a:avLst>
+              <a:gd name="adj1" fmla="val -11163"/>
+            </a:avLst>
+          </a:prstGeom>
+          <a:ln>
+            <a:tailEnd type="triangle"/>
+          </a:ln>
+        </p:spPr>
+        <p:style>
+          <a:lnRef idx="1">
+            <a:schemeClr val="accent1"/>
+          </a:lnRef>
+          <a:fillRef idx="0">
+            <a:schemeClr val="accent1"/>
+          </a:fillRef>
+          <a:effectRef idx="0">
+            <a:schemeClr val="accent1"/>
+          </a:effectRef>
+          <a:fontRef idx="minor">
+            <a:schemeClr val="tx1"/>
+          </a:fontRef>
+        </p:style>
+      </p:cxnSp>
+      <p:cxnSp>
+        <p:nvCxnSpPr>
+          <p:cNvPr id="25" name="Straight Arrow Connector 24">
+            <a:extLst>
+              <a:ext uri="{FF2B5EF4-FFF2-40B4-BE49-F238E27FC236}">
+                <a16:creationId xmlns:a16="http://schemas.microsoft.com/office/drawing/2014/main" id="{3E3C6E29-4CFC-4EFA-AD07-0A04BC2BFE86}"/>
+              </a:ext>
+            </a:extLst>
+          </p:cNvPr>
+          <p:cNvCxnSpPr>
+            <a:stCxn id="44" idx="2"/>
+            <a:endCxn id="48" idx="0"/>
+          </p:cNvCxnSpPr>
+          <p:nvPr/>
+        </p:nvCxnSpPr>
+        <p:spPr>
+          <a:xfrm>
+            <a:off x="8329612" y="725473"/>
+            <a:ext cx="0" cy="1129136"/>
+          </a:xfrm>
+          <a:prstGeom prst="straightConnector1">
+            <a:avLst/>
+          </a:prstGeom>
+          <a:ln>
+            <a:tailEnd type="triangle"/>
+          </a:ln>
+        </p:spPr>
+        <p:style>
+          <a:lnRef idx="1">
+            <a:schemeClr val="accent1"/>
+          </a:lnRef>
+          <a:fillRef idx="0">
+            <a:schemeClr val="accent1"/>
+          </a:fillRef>
+          <a:effectRef idx="0">
+            <a:schemeClr val="accent1"/>
+          </a:effectRef>
+          <a:fontRef idx="minor">
+            <a:schemeClr val="tx1"/>
+          </a:fontRef>
+        </p:style>
+      </p:cxnSp>
+      <p:sp>
+        <p:nvSpPr>
+          <p:cNvPr id="29" name="Flowchart: Decision 28">
+            <a:extLst>
+              <a:ext uri="{FF2B5EF4-FFF2-40B4-BE49-F238E27FC236}">
+                <a16:creationId xmlns:a16="http://schemas.microsoft.com/office/drawing/2014/main" id="{1ABEBC95-F9B1-4E7E-A17C-965B411ECF35}"/>
+              </a:ext>
+            </a:extLst>
+          </p:cNvPr>
+          <p:cNvSpPr/>
+          <p:nvPr/>
+        </p:nvSpPr>
+        <p:spPr>
+          <a:xfrm>
+            <a:off x="6805611" y="824033"/>
+            <a:ext cx="3047999" cy="808310"/>
+          </a:xfrm>
+          <a:prstGeom prst="flowChartDecision">
+            <a:avLst/>
+          </a:prstGeom>
+        </p:spPr>
+        <p:style>
+          <a:lnRef idx="2">
+            <a:schemeClr val="accent1">
+              <a:shade val="50000"/>
+            </a:schemeClr>
+          </a:lnRef>
+          <a:fillRef idx="1">
+            <a:schemeClr val="accent1"/>
+          </a:fillRef>
+          <a:effectRef idx="0">
+            <a:schemeClr val="accent1"/>
+          </a:effectRef>
+          <a:fontRef idx="minor">
+            <a:schemeClr val="lt1"/>
+          </a:fontRef>
+        </p:style>
+        <p:txBody>
+          <a:bodyPr rtlCol="0" anchor="ctr"/>
+          <a:lstStyle/>
+          <a:p>
+            <a:pPr algn="ctr"/>
+            <a:r>
+              <a:rPr lang="en-US" altLang="zh-CN" sz="1200" dirty="0">
+                <a:latin typeface="Ubuntu Mono" panose="020B0509030602030204" pitchFamily="49" charset="0"/>
               </a:rPr>
-              <a:t>m_Attrs</a:t>
-            </a:r>
+              <a:t>Is the last Rc ?</a:t>
+            </a:r>
+            <a:endParaRPr lang="zh-CN" altLang="en-US" sz="1200" dirty="0">
+              <a:latin typeface="Ubuntu Mono" panose="020B0509030602030204" pitchFamily="49" charset="0"/>
+            </a:endParaRPr>
+          </a:p>
+        </p:txBody>
+      </p:sp>
+      <p:sp>
+        <p:nvSpPr>
+          <p:cNvPr id="73" name="Rectangle: Single Corner Rounded 72">
+            <a:extLst>
+              <a:ext uri="{FF2B5EF4-FFF2-40B4-BE49-F238E27FC236}">
+                <a16:creationId xmlns:a16="http://schemas.microsoft.com/office/drawing/2014/main" id="{1A3296B6-F472-4318-AD78-240E7400E58F}"/>
+              </a:ext>
+            </a:extLst>
+          </p:cNvPr>
+          <p:cNvSpPr/>
+          <p:nvPr/>
+        </p:nvSpPr>
+        <p:spPr>
+          <a:xfrm>
+            <a:off x="10144123" y="1043522"/>
+            <a:ext cx="1924050" cy="369332"/>
+          </a:xfrm>
+          <a:prstGeom prst="round1Rect">
+            <a:avLst/>
+          </a:prstGeom>
+        </p:spPr>
+        <p:style>
+          <a:lnRef idx="2">
+            <a:schemeClr val="accent2">
+              <a:shade val="50000"/>
+            </a:schemeClr>
+          </a:lnRef>
+          <a:fillRef idx="1">
+            <a:schemeClr val="accent2"/>
+          </a:fillRef>
+          <a:effectRef idx="0">
+            <a:schemeClr val="accent2"/>
+          </a:effectRef>
+          <a:fontRef idx="minor">
+            <a:schemeClr val="lt1"/>
+          </a:fontRef>
+        </p:style>
+        <p:txBody>
+          <a:bodyPr rtlCol="0" anchor="ctr">
+            <a:spAutoFit/>
+          </a:bodyPr>
+          <a:lstStyle/>
+          <a:p>
+            <a:pPr algn="ctr"/>
             <a:r>
               <a:rPr lang="en-US" altLang="zh-CN" dirty="0">
-                <a:latin typeface="Arial Black" panose="020B0A04020102020204" pitchFamily="34" charset="0"/>
+                <a:latin typeface="Ubuntu Mono" panose="020B0509030602030204" pitchFamily="49" charset="0"/>
+                <a:ea typeface="DFMincho-SU" panose="02010609010101010101" pitchFamily="1" charset="-128"/>
               </a:rPr>
-              <a:t>[</a:t>
-            </a:r>
-            <a:r>
-              <a:rPr lang="en-US" altLang="zh-CN" dirty="0" err="1">
-                <a:latin typeface="Arial Black" panose="020B0A04020102020204" pitchFamily="34" charset="0"/>
+              <a:t>report_status</a:t>
+            </a:r>
+            <a:endParaRPr lang="zh-CN" altLang="en-US" dirty="0">
+              <a:latin typeface="Ubuntu Mono" panose="020B0509030602030204" pitchFamily="49" charset="0"/>
+              <a:ea typeface="DFMincho-SU" panose="02010609010101010101" pitchFamily="1" charset="-128"/>
+            </a:endParaRPr>
+          </a:p>
+        </p:txBody>
+      </p:sp>
+      <p:cxnSp>
+        <p:nvCxnSpPr>
+          <p:cNvPr id="31" name="Straight Arrow Connector 30">
+            <a:extLst>
+              <a:ext uri="{FF2B5EF4-FFF2-40B4-BE49-F238E27FC236}">
+                <a16:creationId xmlns:a16="http://schemas.microsoft.com/office/drawing/2014/main" id="{95C2FBAA-2609-45BC-9CF4-20D52A242297}"/>
+              </a:ext>
+            </a:extLst>
+          </p:cNvPr>
+          <p:cNvCxnSpPr>
+            <a:stCxn id="29" idx="3"/>
+            <a:endCxn id="73" idx="1"/>
+          </p:cNvCxnSpPr>
+          <p:nvPr/>
+        </p:nvCxnSpPr>
+        <p:spPr>
+          <a:xfrm>
+            <a:off x="9853610" y="1228188"/>
+            <a:ext cx="290513" cy="0"/>
+          </a:xfrm>
+          <a:prstGeom prst="straightConnector1">
+            <a:avLst/>
+          </a:prstGeom>
+          <a:ln>
+            <a:tailEnd type="triangle"/>
+          </a:ln>
+        </p:spPr>
+        <p:style>
+          <a:lnRef idx="1">
+            <a:schemeClr val="accent1"/>
+          </a:lnRef>
+          <a:fillRef idx="0">
+            <a:schemeClr val="accent1"/>
+          </a:fillRef>
+          <a:effectRef idx="0">
+            <a:schemeClr val="accent1"/>
+          </a:effectRef>
+          <a:fontRef idx="minor">
+            <a:schemeClr val="tx1"/>
+          </a:fontRef>
+        </p:style>
+      </p:cxnSp>
+      <p:sp>
+        <p:nvSpPr>
+          <p:cNvPr id="33" name="TextBox 32">
+            <a:extLst>
+              <a:ext uri="{FF2B5EF4-FFF2-40B4-BE49-F238E27FC236}">
+                <a16:creationId xmlns:a16="http://schemas.microsoft.com/office/drawing/2014/main" id="{5DD4DAAF-CD62-47A9-8CCF-445EBA1C877E}"/>
+              </a:ext>
+            </a:extLst>
+          </p:cNvPr>
+          <p:cNvSpPr txBox="1"/>
+          <p:nvPr/>
+        </p:nvSpPr>
+        <p:spPr>
+          <a:xfrm>
+            <a:off x="9763122" y="1016024"/>
+            <a:ext cx="704851" cy="215444"/>
+          </a:xfrm>
+          <a:prstGeom prst="rect">
+            <a:avLst/>
+          </a:prstGeom>
+          <a:noFill/>
+        </p:spPr>
+        <p:txBody>
+          <a:bodyPr wrap="square" rtlCol="0">
+            <a:spAutoFit/>
+          </a:bodyPr>
+          <a:lstStyle/>
+          <a:p>
+            <a:r>
+              <a:rPr lang="en-US" altLang="zh-CN" sz="800" dirty="0">
+                <a:latin typeface="Bodoni MT Black" panose="02070A03080606020203" pitchFamily="18" charset="0"/>
+                <a:ea typeface="DFMincho-SU" panose="02010609010101010101" pitchFamily="1" charset="-128"/>
               </a:rPr>
-              <a:t>sStunPacketLength</a:t>
-            </a:r>
-            <a:r>
-              <a:rPr lang="en-US" altLang="zh-CN" dirty="0">
-                <a:latin typeface="Arial Black" panose="020B0A04020102020204" pitchFamily="34" charset="0"/>
+              <a:t>Yes</a:t>
+            </a:r>
+            <a:endParaRPr lang="zh-CN" altLang="en-US" sz="800" dirty="0">
+              <a:latin typeface="Bodoni MT Black" panose="02070A03080606020203" pitchFamily="18" charset="0"/>
+              <a:ea typeface="DFMincho-SU" panose="02010609010101010101" pitchFamily="1" charset="-128"/>
+            </a:endParaRPr>
+          </a:p>
+        </p:txBody>
+      </p:sp>
+      <p:sp>
+        <p:nvSpPr>
+          <p:cNvPr id="74" name="TextBox 73">
+            <a:extLst>
+              <a:ext uri="{FF2B5EF4-FFF2-40B4-BE49-F238E27FC236}">
+                <a16:creationId xmlns:a16="http://schemas.microsoft.com/office/drawing/2014/main" id="{F17C5FD0-AFD4-4786-96A6-159727BF899A}"/>
+              </a:ext>
+            </a:extLst>
+          </p:cNvPr>
+          <p:cNvSpPr txBox="1"/>
+          <p:nvPr/>
+        </p:nvSpPr>
+        <p:spPr>
+          <a:xfrm>
+            <a:off x="8081960" y="1606660"/>
+            <a:ext cx="704851" cy="215444"/>
+          </a:xfrm>
+          <a:prstGeom prst="rect">
+            <a:avLst/>
+          </a:prstGeom>
+          <a:noFill/>
+        </p:spPr>
+        <p:txBody>
+          <a:bodyPr wrap="square" rtlCol="0">
+            <a:spAutoFit/>
+          </a:bodyPr>
+          <a:lstStyle/>
+          <a:p>
+            <a:pPr algn="ctr"/>
+            <a:r>
+              <a:rPr lang="en-US" altLang="zh-CN" sz="800" dirty="0">
+                <a:latin typeface="Bodoni MT Black" panose="02070A03080606020203" pitchFamily="18" charset="0"/>
+                <a:ea typeface="DFMincho-SU" panose="02010609010101010101" pitchFamily="1" charset="-128"/>
               </a:rPr>
-              <a:t>];</a:t>
-            </a:r>
-            <a:endParaRPr lang="zh-CN" altLang="en-US" dirty="0">
-              <a:latin typeface="Arial Black" panose="020B0A04020102020204" pitchFamily="34" charset="0"/>
+              <a:t>No</a:t>
+            </a:r>
+            <a:endParaRPr lang="zh-CN" altLang="en-US" sz="800" dirty="0">
+              <a:latin typeface="Bodoni MT Black" panose="02070A03080606020203" pitchFamily="18" charset="0"/>
+              <a:ea typeface="DFMincho-SU" panose="02010609010101010101" pitchFamily="1" charset="-128"/>
             </a:endParaRPr>
           </a:p>
         </p:txBody>
       </p:sp>
+      <p:sp>
+        <p:nvSpPr>
+          <p:cNvPr id="77" name="Flowchart: Decision 76">
+            <a:extLst>
+              <a:ext uri="{FF2B5EF4-FFF2-40B4-BE49-F238E27FC236}">
+                <a16:creationId xmlns:a16="http://schemas.microsoft.com/office/drawing/2014/main" id="{4EC28B72-27F8-4318-8EEC-ECBC45D8A9CA}"/>
+              </a:ext>
+            </a:extLst>
+          </p:cNvPr>
+          <p:cNvSpPr/>
+          <p:nvPr/>
+        </p:nvSpPr>
+        <p:spPr>
+          <a:xfrm>
+            <a:off x="6805613" y="4086657"/>
+            <a:ext cx="3047999" cy="808310"/>
+          </a:xfrm>
+          <a:prstGeom prst="flowChartDecision">
+            <a:avLst/>
+          </a:prstGeom>
+        </p:spPr>
+        <p:style>
+          <a:lnRef idx="2">
+            <a:schemeClr val="accent1">
+              <a:shade val="50000"/>
+            </a:schemeClr>
+          </a:lnRef>
+          <a:fillRef idx="1">
+            <a:schemeClr val="accent1"/>
+          </a:fillRef>
+          <a:effectRef idx="0">
+            <a:schemeClr val="accent1"/>
+          </a:effectRef>
+          <a:fontRef idx="minor">
+            <a:schemeClr val="lt1"/>
+          </a:fontRef>
+        </p:style>
+        <p:txBody>
+          <a:bodyPr rtlCol="0" anchor="ctr"/>
+          <a:lstStyle/>
+          <a:p>
+            <a:pPr algn="ctr"/>
+            <a:r>
+              <a:rPr lang="en-US" altLang="zh-CN" sz="1200" dirty="0">
+                <a:latin typeface="Ubuntu Mono" panose="020B0509030602030204" pitchFamily="49" charset="0"/>
+              </a:rPr>
+              <a:t>Is valid message ?</a:t>
+            </a:r>
+            <a:endParaRPr lang="zh-CN" altLang="en-US" sz="1200" dirty="0">
+              <a:latin typeface="Ubuntu Mono" panose="020B0509030602030204" pitchFamily="49" charset="0"/>
+            </a:endParaRPr>
+          </a:p>
+        </p:txBody>
+      </p:sp>
+      <p:cxnSp>
+        <p:nvCxnSpPr>
+          <p:cNvPr id="36" name="Straight Arrow Connector 35">
+            <a:extLst>
+              <a:ext uri="{FF2B5EF4-FFF2-40B4-BE49-F238E27FC236}">
+                <a16:creationId xmlns:a16="http://schemas.microsoft.com/office/drawing/2014/main" id="{163C7DA4-C96D-4C2C-8B06-87C07A31A374}"/>
+              </a:ext>
+            </a:extLst>
+          </p:cNvPr>
+          <p:cNvCxnSpPr>
+            <a:cxnSpLocks/>
+            <a:stCxn id="77" idx="1"/>
+          </p:cNvCxnSpPr>
+          <p:nvPr/>
+        </p:nvCxnSpPr>
+        <p:spPr>
+          <a:xfrm flipH="1">
+            <a:off x="6805611" y="4490812"/>
+            <a:ext cx="2" cy="586114"/>
+          </a:xfrm>
+          <a:prstGeom prst="straightConnector1">
+            <a:avLst/>
+          </a:prstGeom>
+          <a:ln>
+            <a:tailEnd type="triangle"/>
+          </a:ln>
+        </p:spPr>
+        <p:style>
+          <a:lnRef idx="1">
+            <a:schemeClr val="accent1"/>
+          </a:lnRef>
+          <a:fillRef idx="0">
+            <a:schemeClr val="accent1"/>
+          </a:fillRef>
+          <a:effectRef idx="0">
+            <a:schemeClr val="accent1"/>
+          </a:effectRef>
+          <a:fontRef idx="minor">
+            <a:schemeClr val="tx1"/>
+          </a:fontRef>
+        </p:style>
+      </p:cxnSp>
+      <p:cxnSp>
+        <p:nvCxnSpPr>
+          <p:cNvPr id="40" name="Straight Arrow Connector 39">
+            <a:extLst>
+              <a:ext uri="{FF2B5EF4-FFF2-40B4-BE49-F238E27FC236}">
+                <a16:creationId xmlns:a16="http://schemas.microsoft.com/office/drawing/2014/main" id="{9A13749E-6ED3-4712-9C92-3E9532B5BCD8}"/>
+              </a:ext>
+            </a:extLst>
+          </p:cNvPr>
+          <p:cNvCxnSpPr>
+            <a:cxnSpLocks/>
+            <a:stCxn id="77" idx="3"/>
+          </p:cNvCxnSpPr>
+          <p:nvPr/>
+        </p:nvCxnSpPr>
+        <p:spPr>
+          <a:xfrm>
+            <a:off x="9853612" y="4490812"/>
+            <a:ext cx="0" cy="588820"/>
+          </a:xfrm>
+          <a:prstGeom prst="straightConnector1">
+            <a:avLst/>
+          </a:prstGeom>
+          <a:ln>
+            <a:tailEnd type="triangle"/>
+          </a:ln>
+        </p:spPr>
+        <p:style>
+          <a:lnRef idx="1">
+            <a:schemeClr val="accent1"/>
+          </a:lnRef>
+          <a:fillRef idx="0">
+            <a:schemeClr val="accent1"/>
+          </a:fillRef>
+          <a:effectRef idx="0">
+            <a:schemeClr val="accent1"/>
+          </a:effectRef>
+          <a:fontRef idx="minor">
+            <a:schemeClr val="tx1"/>
+          </a:fontRef>
+        </p:style>
+      </p:cxnSp>
+      <p:sp>
+        <p:nvSpPr>
+          <p:cNvPr id="78" name="TextBox 77">
+            <a:extLst>
+              <a:ext uri="{FF2B5EF4-FFF2-40B4-BE49-F238E27FC236}">
+                <a16:creationId xmlns:a16="http://schemas.microsoft.com/office/drawing/2014/main" id="{3E784CD5-8DD8-4C9D-BEA4-8B7560102930}"/>
+              </a:ext>
+            </a:extLst>
+          </p:cNvPr>
+          <p:cNvSpPr txBox="1"/>
+          <p:nvPr/>
+        </p:nvSpPr>
+        <p:spPr>
+          <a:xfrm>
+            <a:off x="9734546" y="4700775"/>
+            <a:ext cx="704851" cy="215444"/>
+          </a:xfrm>
+          <a:prstGeom prst="rect">
+            <a:avLst/>
+          </a:prstGeom>
+          <a:noFill/>
+        </p:spPr>
+        <p:txBody>
+          <a:bodyPr wrap="square" rtlCol="0">
+            <a:spAutoFit/>
+          </a:bodyPr>
+          <a:lstStyle/>
+          <a:p>
+            <a:r>
+              <a:rPr lang="en-US" altLang="zh-CN" sz="800" dirty="0">
+                <a:latin typeface="Bodoni MT Black" panose="02070A03080606020203" pitchFamily="18" charset="0"/>
+                <a:ea typeface="DFMincho-SU" panose="02010609010101010101" pitchFamily="1" charset="-128"/>
+              </a:rPr>
+              <a:t>Yes</a:t>
+            </a:r>
+            <a:endParaRPr lang="zh-CN" altLang="en-US" sz="800" dirty="0">
+              <a:latin typeface="Bodoni MT Black" panose="02070A03080606020203" pitchFamily="18" charset="0"/>
+              <a:ea typeface="DFMincho-SU" panose="02010609010101010101" pitchFamily="1" charset="-128"/>
+            </a:endParaRPr>
+          </a:p>
+        </p:txBody>
+      </p:sp>
+      <p:sp>
+        <p:nvSpPr>
+          <p:cNvPr id="79" name="TextBox 78">
+            <a:extLst>
+              <a:ext uri="{FF2B5EF4-FFF2-40B4-BE49-F238E27FC236}">
+                <a16:creationId xmlns:a16="http://schemas.microsoft.com/office/drawing/2014/main" id="{E6AFA892-BD8E-4570-BA4F-3D472D65F5D4}"/>
+              </a:ext>
+            </a:extLst>
+          </p:cNvPr>
+          <p:cNvSpPr txBox="1"/>
+          <p:nvPr/>
+        </p:nvSpPr>
+        <p:spPr>
+          <a:xfrm>
+            <a:off x="6219829" y="4691190"/>
+            <a:ext cx="704851" cy="215444"/>
+          </a:xfrm>
+          <a:prstGeom prst="rect">
+            <a:avLst/>
+          </a:prstGeom>
+          <a:noFill/>
+        </p:spPr>
+        <p:txBody>
+          <a:bodyPr wrap="square" rtlCol="0">
+            <a:spAutoFit/>
+          </a:bodyPr>
+          <a:lstStyle/>
+          <a:p>
+            <a:pPr algn="ctr"/>
+            <a:r>
+              <a:rPr lang="en-US" altLang="zh-CN" sz="800" dirty="0">
+                <a:latin typeface="Bodoni MT Black" panose="02070A03080606020203" pitchFamily="18" charset="0"/>
+                <a:ea typeface="DFMincho-SU" panose="02010609010101010101" pitchFamily="1" charset="-128"/>
+              </a:rPr>
+              <a:t>No</a:t>
+            </a:r>
+            <a:endParaRPr lang="zh-CN" altLang="en-US" sz="800" dirty="0">
+              <a:latin typeface="Bodoni MT Black" panose="02070A03080606020203" pitchFamily="18" charset="0"/>
+              <a:ea typeface="DFMincho-SU" panose="02010609010101010101" pitchFamily="1" charset="-128"/>
+            </a:endParaRPr>
+          </a:p>
+        </p:txBody>
+      </p:sp>
+      <p:sp>
+        <p:nvSpPr>
+          <p:cNvPr id="90" name="Arrow: Right 89">
+            <a:extLst>
+              <a:ext uri="{FF2B5EF4-FFF2-40B4-BE49-F238E27FC236}">
+                <a16:creationId xmlns:a16="http://schemas.microsoft.com/office/drawing/2014/main" id="{D392EAAD-6B33-4CF1-A9EA-9433C537B8AE}"/>
+              </a:ext>
+            </a:extLst>
+          </p:cNvPr>
+          <p:cNvSpPr/>
+          <p:nvPr/>
+        </p:nvSpPr>
+        <p:spPr>
+          <a:xfrm>
+            <a:off x="4117827" y="505214"/>
+            <a:ext cx="2844951" cy="233483"/>
+          </a:xfrm>
+          <a:prstGeom prst="rightArrow">
+            <a:avLst>
+              <a:gd name="adj1" fmla="val 50000"/>
+              <a:gd name="adj2" fmla="val 156067"/>
+            </a:avLst>
+          </a:prstGeom>
+          <a:ln cap="rnd"/>
+        </p:spPr>
+        <p:style>
+          <a:lnRef idx="2">
+            <a:schemeClr val="accent1">
+              <a:shade val="50000"/>
+            </a:schemeClr>
+          </a:lnRef>
+          <a:fillRef idx="1">
+            <a:schemeClr val="accent1"/>
+          </a:fillRef>
+          <a:effectRef idx="0">
+            <a:schemeClr val="accent1"/>
+          </a:effectRef>
+          <a:fontRef idx="minor">
+            <a:schemeClr val="lt1"/>
+          </a:fontRef>
+        </p:style>
+        <p:txBody>
+          <a:bodyPr rtlCol="0" anchor="ctr"/>
+          <a:lstStyle/>
+          <a:p>
+            <a:pPr algn="ctr"/>
+            <a:endParaRPr lang="zh-CN" altLang="en-US"/>
+          </a:p>
+        </p:txBody>
+      </p:sp>
+      <p:sp>
+        <p:nvSpPr>
+          <p:cNvPr id="91" name="Arrow: Left 90">
+            <a:extLst>
+              <a:ext uri="{FF2B5EF4-FFF2-40B4-BE49-F238E27FC236}">
+                <a16:creationId xmlns:a16="http://schemas.microsoft.com/office/drawing/2014/main" id="{26F256EE-F3B4-4B08-AB8A-1B1AA2068AA4}"/>
+              </a:ext>
+            </a:extLst>
+          </p:cNvPr>
+          <p:cNvSpPr/>
+          <p:nvPr/>
+        </p:nvSpPr>
+        <p:spPr>
+          <a:xfrm>
+            <a:off x="3395659" y="1854609"/>
+            <a:ext cx="476255" cy="231309"/>
+          </a:xfrm>
+          <a:prstGeom prst="leftArrow">
+            <a:avLst>
+              <a:gd name="adj1" fmla="val 50000"/>
+              <a:gd name="adj2" fmla="val 62354"/>
+            </a:avLst>
+          </a:prstGeom>
+        </p:spPr>
+        <p:style>
+          <a:lnRef idx="2">
+            <a:schemeClr val="accent1">
+              <a:shade val="50000"/>
+            </a:schemeClr>
+          </a:lnRef>
+          <a:fillRef idx="1">
+            <a:schemeClr val="accent1"/>
+          </a:fillRef>
+          <a:effectRef idx="0">
+            <a:schemeClr val="accent1"/>
+          </a:effectRef>
+          <a:fontRef idx="minor">
+            <a:schemeClr val="lt1"/>
+          </a:fontRef>
+        </p:style>
+        <p:txBody>
+          <a:bodyPr rtlCol="0" anchor="ctr"/>
+          <a:lstStyle/>
+          <a:p>
+            <a:pPr algn="ctr"/>
+            <a:endParaRPr lang="zh-CN" altLang="en-US"/>
+          </a:p>
+        </p:txBody>
+      </p:sp>
+      <p:sp>
+        <p:nvSpPr>
+          <p:cNvPr id="92" name="Arrow: Left 91">
+            <a:extLst>
+              <a:ext uri="{FF2B5EF4-FFF2-40B4-BE49-F238E27FC236}">
+                <a16:creationId xmlns:a16="http://schemas.microsoft.com/office/drawing/2014/main" id="{68719E0C-00F4-4CF8-8911-A923630C83E7}"/>
+              </a:ext>
+            </a:extLst>
+          </p:cNvPr>
+          <p:cNvSpPr/>
+          <p:nvPr/>
+        </p:nvSpPr>
+        <p:spPr>
+          <a:xfrm>
+            <a:off x="2313534" y="2826259"/>
+            <a:ext cx="1481225" cy="231309"/>
+          </a:xfrm>
+          <a:prstGeom prst="leftArrow">
+            <a:avLst>
+              <a:gd name="adj1" fmla="val 50000"/>
+              <a:gd name="adj2" fmla="val 99415"/>
+            </a:avLst>
+          </a:prstGeom>
+        </p:spPr>
+        <p:style>
+          <a:lnRef idx="2">
+            <a:schemeClr val="accent1">
+              <a:shade val="50000"/>
+            </a:schemeClr>
+          </a:lnRef>
+          <a:fillRef idx="1">
+            <a:schemeClr val="accent1"/>
+          </a:fillRef>
+          <a:effectRef idx="0">
+            <a:schemeClr val="accent1"/>
+          </a:effectRef>
+          <a:fontRef idx="minor">
+            <a:schemeClr val="lt1"/>
+          </a:fontRef>
+        </p:style>
+        <p:txBody>
+          <a:bodyPr rtlCol="0" anchor="ctr"/>
+          <a:lstStyle/>
+          <a:p>
+            <a:pPr algn="ctr"/>
+            <a:endParaRPr lang="zh-CN" altLang="en-US"/>
+          </a:p>
+        </p:txBody>
+      </p:sp>
+      <p:cxnSp>
+        <p:nvCxnSpPr>
+          <p:cNvPr id="96" name="Connector: Elbow 95">
+            <a:extLst>
+              <a:ext uri="{FF2B5EF4-FFF2-40B4-BE49-F238E27FC236}">
+                <a16:creationId xmlns:a16="http://schemas.microsoft.com/office/drawing/2014/main" id="{F71E960D-A0AC-49A8-B8C0-F7A825F0B75B}"/>
+              </a:ext>
+            </a:extLst>
+          </p:cNvPr>
+          <p:cNvCxnSpPr>
+            <a:stCxn id="21" idx="2"/>
+            <a:endCxn id="54" idx="1"/>
+          </p:cNvCxnSpPr>
+          <p:nvPr/>
+        </p:nvCxnSpPr>
+        <p:spPr>
+          <a:xfrm rot="16200000" flipH="1">
+            <a:off x="3601177" y="638903"/>
+            <a:ext cx="593862" cy="5595934"/>
+          </a:xfrm>
+          <a:prstGeom prst="bentConnector2">
+            <a:avLst/>
+          </a:prstGeom>
+          <a:ln>
+            <a:tailEnd type="triangle"/>
+          </a:ln>
+        </p:spPr>
+        <p:style>
+          <a:lnRef idx="2">
+            <a:schemeClr val="accent4"/>
+          </a:lnRef>
+          <a:fillRef idx="0">
+            <a:schemeClr val="accent4"/>
+          </a:fillRef>
+          <a:effectRef idx="1">
+            <a:schemeClr val="accent4"/>
+          </a:effectRef>
+          <a:fontRef idx="minor">
+            <a:schemeClr val="tx1"/>
+          </a:fontRef>
+        </p:style>
+      </p:cxnSp>
     </p:spTree>
     <p:extLst>
       <p:ext uri="{BB962C8B-B14F-4D97-AF65-F5344CB8AC3E}">
-        <p14:creationId xmlns:p14="http://schemas.microsoft.com/office/powerpoint/2010/main" val="4027694186"/>
+        <p14:creationId xmlns:p14="http://schemas.microsoft.com/office/powerpoint/2010/main" val="171825591"/>
       </p:ext>
     </p:extLst>
   </p:cSld>
@@ -42621,274 +43501,150 @@
               <a:rPr lang="en-US" altLang="zh-CN" dirty="0">
                 <a:latin typeface="Berlin Sans FB Demi" panose="020E0802020502020306" pitchFamily="34" charset="0"/>
               </a:rPr>
-              <a:t>candidate</a:t>
-            </a:r>
-          </a:p>
-        </p:txBody>
-      </p:sp>
-      <p:sp>
-        <p:nvSpPr>
-          <p:cNvPr id="29" name="Rectangle: Rounded Corners 28">
-            <a:extLst>
-              <a:ext uri="{FF2B5EF4-FFF2-40B4-BE49-F238E27FC236}">
-                <a16:creationId xmlns:a16="http://schemas.microsoft.com/office/drawing/2014/main" id="{F6BDF21F-B86D-4F25-B7B8-DA75FED78400}"/>
-              </a:ext>
-            </a:extLst>
-          </p:cNvPr>
-          <p:cNvSpPr/>
-          <p:nvPr/>
-        </p:nvSpPr>
-        <p:spPr>
-          <a:xfrm>
-            <a:off x="339436" y="1136684"/>
-            <a:ext cx="3556289" cy="334986"/>
-          </a:xfrm>
-          <a:prstGeom prst="roundRect">
-            <a:avLst/>
-          </a:prstGeom>
-          <a:solidFill>
-            <a:schemeClr val="accent3">
-              <a:lumMod val="60000"/>
-              <a:lumOff val="40000"/>
-            </a:schemeClr>
-          </a:solidFill>
-          <a:ln>
-            <a:solidFill>
-              <a:schemeClr val="accent3">
-                <a:lumMod val="20000"/>
-                <a:lumOff val="80000"/>
-              </a:schemeClr>
-            </a:solidFill>
-          </a:ln>
-        </p:spPr>
-        <p:style>
-          <a:lnRef idx="2">
-            <a:schemeClr val="accent1">
-              <a:shade val="50000"/>
-            </a:schemeClr>
-          </a:lnRef>
-          <a:fillRef idx="1">
-            <a:schemeClr val="accent1"/>
-          </a:fillRef>
-          <a:effectRef idx="0">
-            <a:schemeClr val="accent1"/>
-          </a:effectRef>
-          <a:fontRef idx="minor">
-            <a:schemeClr val="lt1"/>
-          </a:fontRef>
-        </p:style>
-        <p:txBody>
-          <a:bodyPr rtlCol="0" anchor="ctr"/>
-          <a:lstStyle/>
-          <a:p>
-            <a:r>
-              <a:rPr lang="en-US" altLang="zh-CN" sz="1400" dirty="0">
+              <a:t>stunpacket</a:t>
+            </a:r>
+          </a:p>
+        </p:txBody>
+      </p:sp>
+      <p:sp>
+        <p:nvSpPr>
+          <p:cNvPr id="2" name="TextBox 1">
+            <a:extLst>
+              <a:ext uri="{FF2B5EF4-FFF2-40B4-BE49-F238E27FC236}">
+                <a16:creationId xmlns:a16="http://schemas.microsoft.com/office/drawing/2014/main" id="{C53FA38D-2ACD-4A54-89B7-B7CDDE5715D1}"/>
+              </a:ext>
+            </a:extLst>
+          </p:cNvPr>
+          <p:cNvSpPr txBox="1"/>
+          <p:nvPr/>
+        </p:nvSpPr>
+        <p:spPr>
+          <a:xfrm>
+            <a:off x="3683726" y="4406537"/>
+            <a:ext cx="184731" cy="369332"/>
+          </a:xfrm>
+          <a:prstGeom prst="rect">
+            <a:avLst/>
+          </a:prstGeom>
+          <a:noFill/>
+        </p:spPr>
+        <p:txBody>
+          <a:bodyPr wrap="none" rtlCol="0">
+            <a:spAutoFit/>
+          </a:bodyPr>
+          <a:lstStyle/>
+          <a:p>
+            <a:endParaRPr lang="zh-CN" altLang="en-US" dirty="0"/>
+          </a:p>
+        </p:txBody>
+      </p:sp>
+      <p:sp>
+        <p:nvSpPr>
+          <p:cNvPr id="3" name="TextBox 2">
+            <a:extLst>
+              <a:ext uri="{FF2B5EF4-FFF2-40B4-BE49-F238E27FC236}">
+                <a16:creationId xmlns:a16="http://schemas.microsoft.com/office/drawing/2014/main" id="{C825C559-119B-43FB-8A43-5487C99BFC7F}"/>
+              </a:ext>
+            </a:extLst>
+          </p:cNvPr>
+          <p:cNvSpPr txBox="1"/>
+          <p:nvPr/>
+        </p:nvSpPr>
+        <p:spPr>
+          <a:xfrm>
+            <a:off x="2333897" y="4911634"/>
+            <a:ext cx="4970784" cy="1200329"/>
+          </a:xfrm>
+          <a:prstGeom prst="rect">
+            <a:avLst/>
+          </a:prstGeom>
+          <a:noFill/>
+        </p:spPr>
+        <p:txBody>
+          <a:bodyPr wrap="none" rtlCol="0">
+            <a:spAutoFit/>
+          </a:bodyPr>
+          <a:lstStyle/>
+          <a:p>
+            <a:r>
+              <a:rPr lang="en-US" altLang="zh-CN" dirty="0">
                 <a:latin typeface="Arial Black" panose="020B0A04020102020204" pitchFamily="34" charset="0"/>
               </a:rPr>
-              <a:t>virtual bool initialize() = 0</a:t>
-            </a:r>
-            <a:endParaRPr lang="zh-CN" altLang="en-US" sz="1400" dirty="0">
-              <a:latin typeface="Arial Black" panose="020B0A04020102020204" pitchFamily="34" charset="0"/>
-            </a:endParaRPr>
-          </a:p>
-        </p:txBody>
-      </p:sp>
-      <p:sp>
-        <p:nvSpPr>
-          <p:cNvPr id="33" name="Rectangle: Rounded Corners 32">
-            <a:extLst>
-              <a:ext uri="{FF2B5EF4-FFF2-40B4-BE49-F238E27FC236}">
-                <a16:creationId xmlns:a16="http://schemas.microsoft.com/office/drawing/2014/main" id="{5388E3C9-445F-4CBE-BFCE-D97AE2EC880C}"/>
-              </a:ext>
-            </a:extLst>
-          </p:cNvPr>
-          <p:cNvSpPr/>
-          <p:nvPr/>
-        </p:nvSpPr>
-        <p:spPr>
-          <a:xfrm>
-            <a:off x="339436" y="1517684"/>
-            <a:ext cx="3556289" cy="334986"/>
-          </a:xfrm>
-          <a:prstGeom prst="roundRect">
-            <a:avLst/>
-          </a:prstGeom>
-          <a:solidFill>
-            <a:schemeClr val="accent3">
-              <a:lumMod val="60000"/>
-              <a:lumOff val="40000"/>
-            </a:schemeClr>
-          </a:solidFill>
-          <a:ln>
-            <a:solidFill>
-              <a:schemeClr val="accent3">
-                <a:lumMod val="20000"/>
-                <a:lumOff val="80000"/>
-              </a:schemeClr>
-            </a:solidFill>
-          </a:ln>
-        </p:spPr>
-        <p:style>
-          <a:lnRef idx="2">
-            <a:schemeClr val="accent1">
-              <a:shade val="50000"/>
-            </a:schemeClr>
-          </a:lnRef>
-          <a:fillRef idx="1">
-            <a:schemeClr val="accent1"/>
-          </a:fillRef>
-          <a:effectRef idx="0">
-            <a:schemeClr val="accent1"/>
-          </a:effectRef>
-          <a:fontRef idx="minor">
-            <a:schemeClr val="lt1"/>
-          </a:fontRef>
-        </p:style>
-        <p:txBody>
-          <a:bodyPr rtlCol="0" anchor="ctr"/>
-          <a:lstStyle/>
-          <a:p>
-            <a:r>
-              <a:rPr lang="en-US" altLang="zh-CN" sz="1400" dirty="0">
+              <a:t>uint16_t _</a:t>
+            </a:r>
+            <a:r>
+              <a:rPr lang="en-US" altLang="zh-CN" dirty="0" err="1">
                 <a:latin typeface="Arial Black" panose="020B0A04020102020204" pitchFamily="34" charset="0"/>
               </a:rPr>
-              <a:t>std::string GetLocalIP()</a:t>
-            </a:r>
-            <a:endParaRPr lang="zh-CN" altLang="en-US" sz="1400" dirty="0">
-              <a:latin typeface="Arial Black" panose="020B0A04020102020204" pitchFamily="34" charset="0"/>
-            </a:endParaRPr>
-          </a:p>
-        </p:txBody>
-      </p:sp>
-      <p:sp>
-        <p:nvSpPr>
-          <p:cNvPr id="36" name="Rectangle: Rounded Corners 35">
-            <a:extLst>
-              <a:ext uri="{FF2B5EF4-FFF2-40B4-BE49-F238E27FC236}">
-                <a16:creationId xmlns:a16="http://schemas.microsoft.com/office/drawing/2014/main" id="{48BAE68C-A431-4B0D-886D-0018B65E8EEF}"/>
-              </a:ext>
-            </a:extLst>
-          </p:cNvPr>
-          <p:cNvSpPr/>
-          <p:nvPr/>
-        </p:nvSpPr>
-        <p:spPr>
-          <a:xfrm>
-            <a:off x="339436" y="1897936"/>
-            <a:ext cx="3556289" cy="334986"/>
-          </a:xfrm>
-          <a:prstGeom prst="roundRect">
-            <a:avLst/>
-          </a:prstGeom>
-          <a:solidFill>
-            <a:schemeClr val="accent3">
-              <a:lumMod val="60000"/>
-              <a:lumOff val="40000"/>
-            </a:schemeClr>
-          </a:solidFill>
-          <a:ln>
-            <a:solidFill>
-              <a:schemeClr val="accent3">
-                <a:lumMod val="20000"/>
-                <a:lumOff val="80000"/>
-              </a:schemeClr>
-            </a:solidFill>
-          </a:ln>
-        </p:spPr>
-        <p:style>
-          <a:lnRef idx="2">
-            <a:schemeClr val="accent1">
-              <a:shade val="50000"/>
-            </a:schemeClr>
-          </a:lnRef>
-          <a:fillRef idx="1">
-            <a:schemeClr val="accent1"/>
-          </a:fillRef>
-          <a:effectRef idx="0">
-            <a:schemeClr val="accent1"/>
-          </a:effectRef>
-          <a:fontRef idx="minor">
-            <a:schemeClr val="lt1"/>
-          </a:fontRef>
-        </p:style>
-        <p:txBody>
-          <a:bodyPr rtlCol="0" anchor="ctr"/>
-          <a:lstStyle/>
-          <a:p>
-            <a:r>
-              <a:rPr lang="en-US" altLang="zh-CN" sz="1400" dirty="0">
+              <a:t>msgId</a:t>
+            </a:r>
+            <a:r>
+              <a:rPr lang="en-US" altLang="zh-CN" dirty="0">
                 <a:latin typeface="Arial Black" panose="020B0A04020102020204" pitchFamily="34" charset="0"/>
               </a:rPr>
-              <a:t>Int16_t GetLocalPort ()</a:t>
-            </a:r>
-            <a:endParaRPr lang="zh-CN" altLang="en-US" sz="1400" dirty="0">
-              <a:latin typeface="Arial Black" panose="020B0A04020102020204" pitchFamily="34" charset="0"/>
-            </a:endParaRPr>
-          </a:p>
-        </p:txBody>
-      </p:sp>
-      <p:sp>
-        <p:nvSpPr>
-          <p:cNvPr id="38" name="Rectangle: Rounded Corners 37">
-            <a:extLst>
-              <a:ext uri="{FF2B5EF4-FFF2-40B4-BE49-F238E27FC236}">
-                <a16:creationId xmlns:a16="http://schemas.microsoft.com/office/drawing/2014/main" id="{07162B93-8336-4D19-AD5E-3E2C8CA38A67}"/>
-              </a:ext>
-            </a:extLst>
-          </p:cNvPr>
-          <p:cNvSpPr/>
-          <p:nvPr/>
-        </p:nvSpPr>
-        <p:spPr>
-          <a:xfrm>
-            <a:off x="339436" y="2268284"/>
-            <a:ext cx="3556289" cy="334986"/>
-          </a:xfrm>
-          <a:prstGeom prst="roundRect">
-            <a:avLst/>
-          </a:prstGeom>
-          <a:solidFill>
-            <a:schemeClr val="accent3">
-              <a:lumMod val="60000"/>
-              <a:lumOff val="40000"/>
-            </a:schemeClr>
-          </a:solidFill>
-          <a:ln>
-            <a:solidFill>
-              <a:schemeClr val="accent3">
-                <a:lumMod val="20000"/>
-                <a:lumOff val="80000"/>
-              </a:schemeClr>
-            </a:solidFill>
-          </a:ln>
-        </p:spPr>
-        <p:style>
-          <a:lnRef idx="2">
-            <a:schemeClr val="accent1">
-              <a:shade val="50000"/>
-            </a:schemeClr>
-          </a:lnRef>
-          <a:fillRef idx="1">
-            <a:schemeClr val="accent1"/>
-          </a:fillRef>
-          <a:effectRef idx="0">
-            <a:schemeClr val="accent1"/>
-          </a:effectRef>
-          <a:fontRef idx="minor">
-            <a:schemeClr val="lt1"/>
-          </a:fontRef>
-        </p:style>
-        <p:txBody>
-          <a:bodyPr rtlCol="0" anchor="ctr"/>
-          <a:lstStyle/>
-          <a:p>
-            <a:r>
-              <a:rPr lang="en-US" altLang="zh-CN" sz="1400" dirty="0">
+              <a:t>;</a:t>
+            </a:r>
+          </a:p>
+          <a:p>
+            <a:r>
+              <a:rPr lang="en-US" altLang="zh-CN" dirty="0">
                 <a:latin typeface="Arial Black" panose="020B0A04020102020204" pitchFamily="34" charset="0"/>
               </a:rPr>
-              <a:t>virtual bool initialize() = 0</a:t>
-            </a:r>
-            <a:endParaRPr lang="zh-CN" altLang="en-US" sz="1400" dirty="0">
+              <a:t>uint16_t _length;</a:t>
+            </a:r>
+          </a:p>
+          <a:p>
+            <a:r>
+              <a:rPr lang="en-US" altLang="zh-CN" dirty="0">
+                <a:latin typeface="Arial Black" panose="020B0A04020102020204" pitchFamily="34" charset="0"/>
+              </a:rPr>
+              <a:t>uint8_t  _</a:t>
+            </a:r>
+            <a:r>
+              <a:rPr lang="en-US" altLang="zh-CN" dirty="0" err="1">
+                <a:latin typeface="Arial Black" panose="020B0A04020102020204" pitchFamily="34" charset="0"/>
+              </a:rPr>
+              <a:t>transaionId</a:t>
+            </a:r>
+            <a:r>
+              <a:rPr lang="en-US" altLang="zh-CN" dirty="0">
+                <a:latin typeface="Arial Black" panose="020B0A04020102020204" pitchFamily="34" charset="0"/>
+              </a:rPr>
+              <a:t>;</a:t>
+            </a:r>
+          </a:p>
+          <a:p>
+            <a:r>
+              <a:rPr lang="en-US" altLang="zh-CN" dirty="0">
+                <a:latin typeface="Arial Black" panose="020B0A04020102020204" pitchFamily="34" charset="0"/>
+              </a:rPr>
+              <a:t>uint8_t   </a:t>
+            </a:r>
+            <a:r>
+              <a:rPr lang="en-US" altLang="zh-CN" dirty="0" err="1">
+                <a:latin typeface="Arial Black" panose="020B0A04020102020204" pitchFamily="34" charset="0"/>
+              </a:rPr>
+              <a:t>m_Attrs</a:t>
+            </a:r>
+            <a:r>
+              <a:rPr lang="en-US" altLang="zh-CN" dirty="0">
+                <a:latin typeface="Arial Black" panose="020B0A04020102020204" pitchFamily="34" charset="0"/>
+              </a:rPr>
+              <a:t>[</a:t>
+            </a:r>
+            <a:r>
+              <a:rPr lang="en-US" altLang="zh-CN" dirty="0" err="1">
+                <a:latin typeface="Arial Black" panose="020B0A04020102020204" pitchFamily="34" charset="0"/>
+              </a:rPr>
+              <a:t>sStunPacketLength</a:t>
+            </a:r>
+            <a:r>
+              <a:rPr lang="en-US" altLang="zh-CN" dirty="0">
+                <a:latin typeface="Arial Black" panose="020B0A04020102020204" pitchFamily="34" charset="0"/>
+              </a:rPr>
+              <a:t>];</a:t>
+            </a:r>
+            <a:endParaRPr lang="zh-CN" altLang="en-US" dirty="0">
               <a:latin typeface="Arial Black" panose="020B0A04020102020204" pitchFamily="34" charset="0"/>
             </a:endParaRPr>
           </a:p>
@@ -42897,7 +43653,7 @@
     </p:spTree>
     <p:extLst>
       <p:ext uri="{BB962C8B-B14F-4D97-AF65-F5344CB8AC3E}">
-        <p14:creationId xmlns:p14="http://schemas.microsoft.com/office/powerpoint/2010/main" val="4200195582"/>
+        <p14:creationId xmlns:p14="http://schemas.microsoft.com/office/powerpoint/2010/main" val="4027694186"/>
       </p:ext>
     </p:extLst>
   </p:cSld>
@@ -43248,7 +44004,7 @@
     </p:spTree>
     <p:extLst>
       <p:ext uri="{BB962C8B-B14F-4D97-AF65-F5344CB8AC3E}">
-        <p14:creationId xmlns:p14="http://schemas.microsoft.com/office/powerpoint/2010/main" val="1453677507"/>
+        <p14:creationId xmlns:p14="http://schemas.microsoft.com/office/powerpoint/2010/main" val="4200195582"/>
       </p:ext>
     </p:extLst>
   </p:cSld>
@@ -43277,10 +44033,10 @@
       </p:grpSpPr>
       <p:sp>
         <p:nvSpPr>
-          <p:cNvPr id="21" name="Rectangle: Rounded Corners 20">
-            <a:extLst>
-              <a:ext uri="{FF2B5EF4-FFF2-40B4-BE49-F238E27FC236}">
-                <a16:creationId xmlns:a16="http://schemas.microsoft.com/office/drawing/2014/main" id="{F65B2436-1F20-4286-82EE-90A01FBFBCF1}"/>
+          <p:cNvPr id="19" name="Rectangle: Rounded Corners 18">
+            <a:extLst>
+              <a:ext uri="{FF2B5EF4-FFF2-40B4-BE49-F238E27FC236}">
+                <a16:creationId xmlns:a16="http://schemas.microsoft.com/office/drawing/2014/main" id="{63B16C67-4A99-4825-86E0-C0C4592F9A7A}"/>
               </a:ext>
             </a:extLst>
           </p:cNvPr>
@@ -43289,11 +44045,13 @@
         </p:nvSpPr>
         <p:spPr>
           <a:xfrm>
-            <a:off x="3602966" y="997780"/>
-            <a:ext cx="1654833" cy="408623"/>
+            <a:off x="339436" y="258126"/>
+            <a:ext cx="3556289" cy="2589849"/>
           </a:xfrm>
           <a:prstGeom prst="roundRect">
-            <a:avLst/>
+            <a:avLst>
+              <a:gd name="adj" fmla="val 2347"/>
+            </a:avLst>
           </a:prstGeom>
         </p:spPr>
         <p:style>
@@ -43311,29 +44069,94 @@
           </a:fontRef>
         </p:style>
         <p:txBody>
-          <a:bodyPr rtlCol="0" anchor="ctr">
-            <a:spAutoFit/>
+          <a:bodyPr rtlCol="0" anchor="t" anchorCtr="0">
+            <a:noAutofit/>
           </a:bodyPr>
           <a:lstStyle/>
           <a:p>
+            <a:pPr algn="ctr"/>
             <a:r>
               <a:rPr lang="en-US" altLang="zh-CN" dirty="0">
                 <a:latin typeface="Berlin Sans FB Demi" panose="020E0802020502020306" pitchFamily="34" charset="0"/>
               </a:rPr>
-              <a:t>UDP mode</a:t>
-            </a:r>
-            <a:endParaRPr lang="zh-CN" altLang="en-US" dirty="0">
-              <a:latin typeface="Berlin Sans FB Demi" panose="020E0802020502020306" pitchFamily="34" charset="0"/>
+              <a:t>candidate</a:t>
+            </a:r>
+          </a:p>
+        </p:txBody>
+      </p:sp>
+      <p:sp>
+        <p:nvSpPr>
+          <p:cNvPr id="29" name="Rectangle: Rounded Corners 28">
+            <a:extLst>
+              <a:ext uri="{FF2B5EF4-FFF2-40B4-BE49-F238E27FC236}">
+                <a16:creationId xmlns:a16="http://schemas.microsoft.com/office/drawing/2014/main" id="{F6BDF21F-B86D-4F25-B7B8-DA75FED78400}"/>
+              </a:ext>
+            </a:extLst>
+          </p:cNvPr>
+          <p:cNvSpPr/>
+          <p:nvPr/>
+        </p:nvSpPr>
+        <p:spPr>
+          <a:xfrm>
+            <a:off x="339436" y="1136684"/>
+            <a:ext cx="3556289" cy="334986"/>
+          </a:xfrm>
+          <a:prstGeom prst="roundRect">
+            <a:avLst/>
+          </a:prstGeom>
+          <a:solidFill>
+            <a:schemeClr val="accent3">
+              <a:lumMod val="60000"/>
+              <a:lumOff val="40000"/>
+            </a:schemeClr>
+          </a:solidFill>
+          <a:ln>
+            <a:solidFill>
+              <a:schemeClr val="accent3">
+                <a:lumMod val="20000"/>
+                <a:lumOff val="80000"/>
+              </a:schemeClr>
+            </a:solidFill>
+          </a:ln>
+        </p:spPr>
+        <p:style>
+          <a:lnRef idx="2">
+            <a:schemeClr val="accent1">
+              <a:shade val="50000"/>
+            </a:schemeClr>
+          </a:lnRef>
+          <a:fillRef idx="1">
+            <a:schemeClr val="accent1"/>
+          </a:fillRef>
+          <a:effectRef idx="0">
+            <a:schemeClr val="accent1"/>
+          </a:effectRef>
+          <a:fontRef idx="minor">
+            <a:schemeClr val="lt1"/>
+          </a:fontRef>
+        </p:style>
+        <p:txBody>
+          <a:bodyPr rtlCol="0" anchor="ctr"/>
+          <a:lstStyle/>
+          <a:p>
+            <a:r>
+              <a:rPr lang="en-US" altLang="zh-CN" sz="1400" dirty="0">
+                <a:latin typeface="Arial Black" panose="020B0A04020102020204" pitchFamily="34" charset="0"/>
+              </a:rPr>
+              <a:t>virtual bool initialize() = 0</a:t>
+            </a:r>
+            <a:endParaRPr lang="zh-CN" altLang="en-US" sz="1400" dirty="0">
+              <a:latin typeface="Arial Black" panose="020B0A04020102020204" pitchFamily="34" charset="0"/>
             </a:endParaRPr>
           </a:p>
         </p:txBody>
       </p:sp>
       <p:sp>
         <p:nvSpPr>
-          <p:cNvPr id="39" name="Rectangle: Rounded Corners 38">
-            <a:extLst>
-              <a:ext uri="{FF2B5EF4-FFF2-40B4-BE49-F238E27FC236}">
-                <a16:creationId xmlns:a16="http://schemas.microsoft.com/office/drawing/2014/main" id="{D8B6EF3A-85A8-46F3-9DDB-B2A0CB7E9198}"/>
+          <p:cNvPr id="33" name="Rectangle: Rounded Corners 32">
+            <a:extLst>
+              <a:ext uri="{FF2B5EF4-FFF2-40B4-BE49-F238E27FC236}">
+                <a16:creationId xmlns:a16="http://schemas.microsoft.com/office/drawing/2014/main" id="{5388E3C9-445F-4CBE-BFCE-D97AE2EC880C}"/>
               </a:ext>
             </a:extLst>
           </p:cNvPr>
@@ -43342,52 +44165,65 @@
         </p:nvSpPr>
         <p:spPr>
           <a:xfrm>
-            <a:off x="7413915" y="1406404"/>
-            <a:ext cx="2762805" cy="408623"/>
+            <a:off x="339436" y="1517684"/>
+            <a:ext cx="3556289" cy="334986"/>
           </a:xfrm>
           <a:prstGeom prst="roundRect">
             <a:avLst/>
           </a:prstGeom>
-        </p:spPr>
-        <p:style>
-          <a:lnRef idx="1">
-            <a:schemeClr val="accent3"/>
-          </a:lnRef>
-          <a:fillRef idx="2">
-            <a:schemeClr val="accent3"/>
-          </a:fillRef>
-          <a:effectRef idx="1">
-            <a:schemeClr val="accent3"/>
-          </a:effectRef>
-          <a:fontRef idx="minor">
-            <a:schemeClr val="dk1"/>
-          </a:fontRef>
-        </p:style>
-        <p:txBody>
-          <a:bodyPr rtlCol="0" anchor="ctr">
-            <a:spAutoFit/>
-          </a:bodyPr>
-          <a:lstStyle/>
-          <a:p>
-            <a:pPr algn="ctr"/>
-            <a:r>
-              <a:rPr lang="en-US" altLang="zh-CN" dirty="0">
-                <a:latin typeface="Berlin Sans FB Demi" panose="020E0802020502020306" pitchFamily="34" charset="0"/>
+          <a:solidFill>
+            <a:schemeClr val="accent3">
+              <a:lumMod val="60000"/>
+              <a:lumOff val="40000"/>
+            </a:schemeClr>
+          </a:solidFill>
+          <a:ln>
+            <a:solidFill>
+              <a:schemeClr val="accent3">
+                <a:lumMod val="20000"/>
+                <a:lumOff val="80000"/>
+              </a:schemeClr>
+            </a:solidFill>
+          </a:ln>
+        </p:spPr>
+        <p:style>
+          <a:lnRef idx="2">
+            <a:schemeClr val="accent1">
+              <a:shade val="50000"/>
+            </a:schemeClr>
+          </a:lnRef>
+          <a:fillRef idx="1">
+            <a:schemeClr val="accent1"/>
+          </a:fillRef>
+          <a:effectRef idx="0">
+            <a:schemeClr val="accent1"/>
+          </a:effectRef>
+          <a:fontRef idx="minor">
+            <a:schemeClr val="lt1"/>
+          </a:fontRef>
+        </p:style>
+        <p:txBody>
+          <a:bodyPr rtlCol="0" anchor="ctr"/>
+          <a:lstStyle/>
+          <a:p>
+            <a:r>
+              <a:rPr lang="en-US" altLang="zh-CN" sz="1400" dirty="0">
+                <a:latin typeface="Arial Black" panose="020B0A04020102020204" pitchFamily="34" charset="0"/>
               </a:rPr>
-              <a:t>HOST with TCP mode</a:t>
-            </a:r>
-            <a:endParaRPr lang="zh-CN" altLang="en-US" dirty="0">
-              <a:latin typeface="Berlin Sans FB Demi" panose="020E0802020502020306" pitchFamily="34" charset="0"/>
+              <a:t>std::string GetLocalIP()</a:t>
+            </a:r>
+            <a:endParaRPr lang="zh-CN" altLang="en-US" sz="1400" dirty="0">
+              <a:latin typeface="Arial Black" panose="020B0A04020102020204" pitchFamily="34" charset="0"/>
             </a:endParaRPr>
           </a:p>
         </p:txBody>
       </p:sp>
       <p:sp>
         <p:nvSpPr>
-          <p:cNvPr id="41" name="Rectangle: Rounded Corners 40">
-            <a:extLst>
-              <a:ext uri="{FF2B5EF4-FFF2-40B4-BE49-F238E27FC236}">
-                <a16:creationId xmlns:a16="http://schemas.microsoft.com/office/drawing/2014/main" id="{0FBA3F69-7837-4CA3-8D35-6D3B0B2231BB}"/>
+          <p:cNvPr id="36" name="Rectangle: Rounded Corners 35">
+            <a:extLst>
+              <a:ext uri="{FF2B5EF4-FFF2-40B4-BE49-F238E27FC236}">
+                <a16:creationId xmlns:a16="http://schemas.microsoft.com/office/drawing/2014/main" id="{48BAE68C-A431-4B0D-886D-0018B65E8EEF}"/>
               </a:ext>
             </a:extLst>
           </p:cNvPr>
@@ -43396,52 +44232,65 @@
         </p:nvSpPr>
         <p:spPr>
           <a:xfrm>
-            <a:off x="6747556" y="2033666"/>
-            <a:ext cx="1886898" cy="408623"/>
+            <a:off x="339436" y="1897936"/>
+            <a:ext cx="3556289" cy="334986"/>
           </a:xfrm>
           <a:prstGeom prst="roundRect">
             <a:avLst/>
           </a:prstGeom>
-        </p:spPr>
-        <p:style>
-          <a:lnRef idx="1">
-            <a:schemeClr val="accent3"/>
-          </a:lnRef>
-          <a:fillRef idx="2">
-            <a:schemeClr val="accent3"/>
-          </a:fillRef>
-          <a:effectRef idx="1">
-            <a:schemeClr val="accent3"/>
-          </a:effectRef>
-          <a:fontRef idx="minor">
-            <a:schemeClr val="dk1"/>
-          </a:fontRef>
-        </p:style>
-        <p:txBody>
-          <a:bodyPr rtlCol="0" anchor="ctr">
-            <a:spAutoFit/>
-          </a:bodyPr>
-          <a:lstStyle/>
-          <a:p>
-            <a:pPr algn="ctr"/>
-            <a:r>
-              <a:rPr lang="en-US" altLang="zh-CN" dirty="0">
-                <a:latin typeface="Berlin Sans FB Demi" panose="020E0802020502020306" pitchFamily="34" charset="0"/>
+          <a:solidFill>
+            <a:schemeClr val="accent3">
+              <a:lumMod val="60000"/>
+              <a:lumOff val="40000"/>
+            </a:schemeClr>
+          </a:solidFill>
+          <a:ln>
+            <a:solidFill>
+              <a:schemeClr val="accent3">
+                <a:lumMod val="20000"/>
+                <a:lumOff val="80000"/>
+              </a:schemeClr>
+            </a:solidFill>
+          </a:ln>
+        </p:spPr>
+        <p:style>
+          <a:lnRef idx="2">
+            <a:schemeClr val="accent1">
+              <a:shade val="50000"/>
+            </a:schemeClr>
+          </a:lnRef>
+          <a:fillRef idx="1">
+            <a:schemeClr val="accent1"/>
+          </a:fillRef>
+          <a:effectRef idx="0">
+            <a:schemeClr val="accent1"/>
+          </a:effectRef>
+          <a:fontRef idx="minor">
+            <a:schemeClr val="lt1"/>
+          </a:fontRef>
+        </p:style>
+        <p:txBody>
+          <a:bodyPr rtlCol="0" anchor="ctr"/>
+          <a:lstStyle/>
+          <a:p>
+            <a:r>
+              <a:rPr lang="en-US" altLang="zh-CN" sz="1400" dirty="0">
+                <a:latin typeface="Arial Black" panose="020B0A04020102020204" pitchFamily="34" charset="0"/>
               </a:rPr>
-              <a:t>passivestream</a:t>
-            </a:r>
-            <a:endParaRPr lang="zh-CN" altLang="en-US" dirty="0">
-              <a:latin typeface="Berlin Sans FB Demi" panose="020E0802020502020306" pitchFamily="34" charset="0"/>
+              <a:t>Int16_t GetLocalPort ()</a:t>
+            </a:r>
+            <a:endParaRPr lang="zh-CN" altLang="en-US" sz="1400" dirty="0">
+              <a:latin typeface="Arial Black" panose="020B0A04020102020204" pitchFamily="34" charset="0"/>
             </a:endParaRPr>
           </a:p>
         </p:txBody>
       </p:sp>
       <p:sp>
         <p:nvSpPr>
-          <p:cNvPr id="43" name="Rectangle: Rounded Corners 42">
-            <a:extLst>
-              <a:ext uri="{FF2B5EF4-FFF2-40B4-BE49-F238E27FC236}">
-                <a16:creationId xmlns:a16="http://schemas.microsoft.com/office/drawing/2014/main" id="{161CBF48-2FED-4841-B7C9-14B754B32357}"/>
+          <p:cNvPr id="38" name="Rectangle: Rounded Corners 37">
+            <a:extLst>
+              <a:ext uri="{FF2B5EF4-FFF2-40B4-BE49-F238E27FC236}">
+                <a16:creationId xmlns:a16="http://schemas.microsoft.com/office/drawing/2014/main" id="{07162B93-8336-4D19-AD5E-3E2C8CA38A67}"/>
               </a:ext>
             </a:extLst>
           </p:cNvPr>
@@ -43450,145 +44299,55 @@
         </p:nvSpPr>
         <p:spPr>
           <a:xfrm>
-            <a:off x="9043947" y="2033666"/>
-            <a:ext cx="1654833" cy="408623"/>
+            <a:off x="339436" y="2268284"/>
+            <a:ext cx="3556289" cy="334986"/>
           </a:xfrm>
           <a:prstGeom prst="roundRect">
             <a:avLst/>
           </a:prstGeom>
-        </p:spPr>
-        <p:style>
-          <a:lnRef idx="1">
-            <a:schemeClr val="accent3"/>
-          </a:lnRef>
-          <a:fillRef idx="2">
-            <a:schemeClr val="accent3"/>
-          </a:fillRef>
-          <a:effectRef idx="1">
-            <a:schemeClr val="accent3"/>
-          </a:effectRef>
-          <a:fontRef idx="minor">
-            <a:schemeClr val="dk1"/>
-          </a:fontRef>
-        </p:style>
-        <p:txBody>
-          <a:bodyPr rtlCol="0" anchor="ctr">
-            <a:spAutoFit/>
-          </a:bodyPr>
-          <a:lstStyle/>
-          <a:p>
-            <a:pPr algn="ctr"/>
-            <a:r>
-              <a:rPr lang="en-US" altLang="zh-CN" dirty="0">
-                <a:latin typeface="Berlin Sans FB Demi" panose="020E0802020502020306" pitchFamily="34" charset="0"/>
+          <a:solidFill>
+            <a:schemeClr val="accent3">
+              <a:lumMod val="60000"/>
+              <a:lumOff val="40000"/>
+            </a:schemeClr>
+          </a:solidFill>
+          <a:ln>
+            <a:solidFill>
+              <a:schemeClr val="accent3">
+                <a:lumMod val="20000"/>
+                <a:lumOff val="80000"/>
+              </a:schemeClr>
+            </a:solidFill>
+          </a:ln>
+        </p:spPr>
+        <p:style>
+          <a:lnRef idx="2">
+            <a:schemeClr val="accent1">
+              <a:shade val="50000"/>
+            </a:schemeClr>
+          </a:lnRef>
+          <a:fillRef idx="1">
+            <a:schemeClr val="accent1"/>
+          </a:fillRef>
+          <a:effectRef idx="0">
+            <a:schemeClr val="accent1"/>
+          </a:effectRef>
+          <a:fontRef idx="minor">
+            <a:schemeClr val="lt1"/>
+          </a:fontRef>
+        </p:style>
+        <p:txBody>
+          <a:bodyPr rtlCol="0" anchor="ctr"/>
+          <a:lstStyle/>
+          <a:p>
+            <a:r>
+              <a:rPr lang="en-US" altLang="zh-CN" sz="1400" dirty="0">
+                <a:latin typeface="Arial Black" panose="020B0A04020102020204" pitchFamily="34" charset="0"/>
               </a:rPr>
-              <a:t>activestream</a:t>
-            </a:r>
-            <a:endParaRPr lang="zh-CN" altLang="en-US" dirty="0">
-              <a:latin typeface="Berlin Sans FB Demi" panose="020E0802020502020306" pitchFamily="34" charset="0"/>
-            </a:endParaRPr>
-          </a:p>
-        </p:txBody>
-      </p:sp>
-      <p:sp>
-        <p:nvSpPr>
-          <p:cNvPr id="47" name="Rectangle: Rounded Corners 46">
-            <a:extLst>
-              <a:ext uri="{FF2B5EF4-FFF2-40B4-BE49-F238E27FC236}">
-                <a16:creationId xmlns:a16="http://schemas.microsoft.com/office/drawing/2014/main" id="{1F328B9A-9F38-4A99-8823-E1362167F3DE}"/>
-              </a:ext>
-            </a:extLst>
-          </p:cNvPr>
-          <p:cNvSpPr/>
-          <p:nvPr/>
-        </p:nvSpPr>
-        <p:spPr>
-          <a:xfrm>
-            <a:off x="2217511" y="3467183"/>
-            <a:ext cx="1575171" cy="408623"/>
-          </a:xfrm>
-          <a:prstGeom prst="roundRect">
-            <a:avLst/>
-          </a:prstGeom>
-        </p:spPr>
-        <p:style>
-          <a:lnRef idx="1">
-            <a:schemeClr val="accent3"/>
-          </a:lnRef>
-          <a:fillRef idx="2">
-            <a:schemeClr val="accent3"/>
-          </a:fillRef>
-          <a:effectRef idx="1">
-            <a:schemeClr val="accent3"/>
-          </a:effectRef>
-          <a:fontRef idx="minor">
-            <a:schemeClr val="dk1"/>
-          </a:fontRef>
-        </p:style>
-        <p:txBody>
-          <a:bodyPr rtlCol="0" anchor="ctr">
-            <a:spAutoFit/>
-          </a:bodyPr>
-          <a:lstStyle/>
-          <a:p>
-            <a:r>
-              <a:rPr lang="en-US" altLang="zh-CN" dirty="0">
-                <a:latin typeface="Berlin Sans FB Demi" panose="020E0802020502020306" pitchFamily="34" charset="0"/>
-              </a:rPr>
-              <a:t>multiplexing </a:t>
-            </a:r>
-          </a:p>
-        </p:txBody>
-      </p:sp>
-      <p:sp>
-        <p:nvSpPr>
-          <p:cNvPr id="49" name="Rectangle: Rounded Corners 48">
-            <a:extLst>
-              <a:ext uri="{FF2B5EF4-FFF2-40B4-BE49-F238E27FC236}">
-                <a16:creationId xmlns:a16="http://schemas.microsoft.com/office/drawing/2014/main" id="{ADBB303A-D1BD-4912-938E-14B955DDF743}"/>
-              </a:ext>
-            </a:extLst>
-          </p:cNvPr>
-          <p:cNvSpPr/>
-          <p:nvPr/>
-        </p:nvSpPr>
-        <p:spPr>
-          <a:xfrm>
-            <a:off x="1656402" y="997781"/>
-            <a:ext cx="1575171" cy="408623"/>
-          </a:xfrm>
-          <a:prstGeom prst="roundRect">
-            <a:avLst/>
-          </a:prstGeom>
-        </p:spPr>
-        <p:style>
-          <a:lnRef idx="1">
-            <a:schemeClr val="accent3"/>
-          </a:lnRef>
-          <a:fillRef idx="2">
-            <a:schemeClr val="accent3"/>
-          </a:fillRef>
-          <a:effectRef idx="1">
-            <a:schemeClr val="accent3"/>
-          </a:effectRef>
-          <a:fontRef idx="minor">
-            <a:schemeClr val="dk1"/>
-          </a:fontRef>
-        </p:style>
-        <p:txBody>
-          <a:bodyPr rtlCol="0" anchor="ctr">
-            <a:spAutoFit/>
-          </a:bodyPr>
-          <a:lstStyle/>
-          <a:p>
-            <a:r>
-              <a:rPr lang="en-US" altLang="zh-CN" dirty="0">
-                <a:latin typeface="Berlin Sans FB Demi" panose="020E0802020502020306" pitchFamily="34" charset="0"/>
-              </a:rPr>
-              <a:t>UDP mode</a:t>
-            </a:r>
-            <a:endParaRPr lang="zh-CN" altLang="en-US" dirty="0">
-              <a:latin typeface="Berlin Sans FB Demi" panose="020E0802020502020306" pitchFamily="34" charset="0"/>
+              <a:t>virtual bool initialize() = 0</a:t>
+            </a:r>
+            <a:endParaRPr lang="zh-CN" altLang="en-US" sz="1400" dirty="0">
+              <a:latin typeface="Arial Black" panose="020B0A04020102020204" pitchFamily="34" charset="0"/>
             </a:endParaRPr>
           </a:p>
         </p:txBody>
@@ -43596,7 +44355,7 @@
     </p:spTree>
     <p:extLst>
       <p:ext uri="{BB962C8B-B14F-4D97-AF65-F5344CB8AC3E}">
-        <p14:creationId xmlns:p14="http://schemas.microsoft.com/office/powerpoint/2010/main" val="3662262798"/>
+        <p14:creationId xmlns:p14="http://schemas.microsoft.com/office/powerpoint/2010/main" val="1453677507"/>
       </p:ext>
     </p:extLst>
   </p:cSld>
@@ -43637,6 +44396,354 @@
         </p:nvSpPr>
         <p:spPr>
           <a:xfrm>
+            <a:off x="3602966" y="997780"/>
+            <a:ext cx="1654833" cy="408623"/>
+          </a:xfrm>
+          <a:prstGeom prst="roundRect">
+            <a:avLst/>
+          </a:prstGeom>
+        </p:spPr>
+        <p:style>
+          <a:lnRef idx="1">
+            <a:schemeClr val="accent3"/>
+          </a:lnRef>
+          <a:fillRef idx="2">
+            <a:schemeClr val="accent3"/>
+          </a:fillRef>
+          <a:effectRef idx="1">
+            <a:schemeClr val="accent3"/>
+          </a:effectRef>
+          <a:fontRef idx="minor">
+            <a:schemeClr val="dk1"/>
+          </a:fontRef>
+        </p:style>
+        <p:txBody>
+          <a:bodyPr rtlCol="0" anchor="ctr">
+            <a:spAutoFit/>
+          </a:bodyPr>
+          <a:lstStyle/>
+          <a:p>
+            <a:r>
+              <a:rPr lang="en-US" altLang="zh-CN" dirty="0">
+                <a:latin typeface="Berlin Sans FB Demi" panose="020E0802020502020306" pitchFamily="34" charset="0"/>
+              </a:rPr>
+              <a:t>UDP mode</a:t>
+            </a:r>
+            <a:endParaRPr lang="zh-CN" altLang="en-US" dirty="0">
+              <a:latin typeface="Berlin Sans FB Demi" panose="020E0802020502020306" pitchFamily="34" charset="0"/>
+            </a:endParaRPr>
+          </a:p>
+        </p:txBody>
+      </p:sp>
+      <p:sp>
+        <p:nvSpPr>
+          <p:cNvPr id="39" name="Rectangle: Rounded Corners 38">
+            <a:extLst>
+              <a:ext uri="{FF2B5EF4-FFF2-40B4-BE49-F238E27FC236}">
+                <a16:creationId xmlns:a16="http://schemas.microsoft.com/office/drawing/2014/main" id="{D8B6EF3A-85A8-46F3-9DDB-B2A0CB7E9198}"/>
+              </a:ext>
+            </a:extLst>
+          </p:cNvPr>
+          <p:cNvSpPr/>
+          <p:nvPr/>
+        </p:nvSpPr>
+        <p:spPr>
+          <a:xfrm>
+            <a:off x="7413915" y="1406404"/>
+            <a:ext cx="2762805" cy="408623"/>
+          </a:xfrm>
+          <a:prstGeom prst="roundRect">
+            <a:avLst/>
+          </a:prstGeom>
+        </p:spPr>
+        <p:style>
+          <a:lnRef idx="1">
+            <a:schemeClr val="accent3"/>
+          </a:lnRef>
+          <a:fillRef idx="2">
+            <a:schemeClr val="accent3"/>
+          </a:fillRef>
+          <a:effectRef idx="1">
+            <a:schemeClr val="accent3"/>
+          </a:effectRef>
+          <a:fontRef idx="minor">
+            <a:schemeClr val="dk1"/>
+          </a:fontRef>
+        </p:style>
+        <p:txBody>
+          <a:bodyPr rtlCol="0" anchor="ctr">
+            <a:spAutoFit/>
+          </a:bodyPr>
+          <a:lstStyle/>
+          <a:p>
+            <a:pPr algn="ctr"/>
+            <a:r>
+              <a:rPr lang="en-US" altLang="zh-CN" dirty="0">
+                <a:latin typeface="Berlin Sans FB Demi" panose="020E0802020502020306" pitchFamily="34" charset="0"/>
+              </a:rPr>
+              <a:t>HOST with TCP mode</a:t>
+            </a:r>
+            <a:endParaRPr lang="zh-CN" altLang="en-US" dirty="0">
+              <a:latin typeface="Berlin Sans FB Demi" panose="020E0802020502020306" pitchFamily="34" charset="0"/>
+            </a:endParaRPr>
+          </a:p>
+        </p:txBody>
+      </p:sp>
+      <p:sp>
+        <p:nvSpPr>
+          <p:cNvPr id="41" name="Rectangle: Rounded Corners 40">
+            <a:extLst>
+              <a:ext uri="{FF2B5EF4-FFF2-40B4-BE49-F238E27FC236}">
+                <a16:creationId xmlns:a16="http://schemas.microsoft.com/office/drawing/2014/main" id="{0FBA3F69-7837-4CA3-8D35-6D3B0B2231BB}"/>
+              </a:ext>
+            </a:extLst>
+          </p:cNvPr>
+          <p:cNvSpPr/>
+          <p:nvPr/>
+        </p:nvSpPr>
+        <p:spPr>
+          <a:xfrm>
+            <a:off x="6747556" y="2033666"/>
+            <a:ext cx="1886898" cy="408623"/>
+          </a:xfrm>
+          <a:prstGeom prst="roundRect">
+            <a:avLst/>
+          </a:prstGeom>
+        </p:spPr>
+        <p:style>
+          <a:lnRef idx="1">
+            <a:schemeClr val="accent3"/>
+          </a:lnRef>
+          <a:fillRef idx="2">
+            <a:schemeClr val="accent3"/>
+          </a:fillRef>
+          <a:effectRef idx="1">
+            <a:schemeClr val="accent3"/>
+          </a:effectRef>
+          <a:fontRef idx="minor">
+            <a:schemeClr val="dk1"/>
+          </a:fontRef>
+        </p:style>
+        <p:txBody>
+          <a:bodyPr rtlCol="0" anchor="ctr">
+            <a:spAutoFit/>
+          </a:bodyPr>
+          <a:lstStyle/>
+          <a:p>
+            <a:pPr algn="ctr"/>
+            <a:r>
+              <a:rPr lang="en-US" altLang="zh-CN" dirty="0">
+                <a:latin typeface="Berlin Sans FB Demi" panose="020E0802020502020306" pitchFamily="34" charset="0"/>
+              </a:rPr>
+              <a:t>passivestream</a:t>
+            </a:r>
+            <a:endParaRPr lang="zh-CN" altLang="en-US" dirty="0">
+              <a:latin typeface="Berlin Sans FB Demi" panose="020E0802020502020306" pitchFamily="34" charset="0"/>
+            </a:endParaRPr>
+          </a:p>
+        </p:txBody>
+      </p:sp>
+      <p:sp>
+        <p:nvSpPr>
+          <p:cNvPr id="43" name="Rectangle: Rounded Corners 42">
+            <a:extLst>
+              <a:ext uri="{FF2B5EF4-FFF2-40B4-BE49-F238E27FC236}">
+                <a16:creationId xmlns:a16="http://schemas.microsoft.com/office/drawing/2014/main" id="{161CBF48-2FED-4841-B7C9-14B754B32357}"/>
+              </a:ext>
+            </a:extLst>
+          </p:cNvPr>
+          <p:cNvSpPr/>
+          <p:nvPr/>
+        </p:nvSpPr>
+        <p:spPr>
+          <a:xfrm>
+            <a:off x="9043947" y="2033666"/>
+            <a:ext cx="1654833" cy="408623"/>
+          </a:xfrm>
+          <a:prstGeom prst="roundRect">
+            <a:avLst/>
+          </a:prstGeom>
+        </p:spPr>
+        <p:style>
+          <a:lnRef idx="1">
+            <a:schemeClr val="accent3"/>
+          </a:lnRef>
+          <a:fillRef idx="2">
+            <a:schemeClr val="accent3"/>
+          </a:fillRef>
+          <a:effectRef idx="1">
+            <a:schemeClr val="accent3"/>
+          </a:effectRef>
+          <a:fontRef idx="minor">
+            <a:schemeClr val="dk1"/>
+          </a:fontRef>
+        </p:style>
+        <p:txBody>
+          <a:bodyPr rtlCol="0" anchor="ctr">
+            <a:spAutoFit/>
+          </a:bodyPr>
+          <a:lstStyle/>
+          <a:p>
+            <a:pPr algn="ctr"/>
+            <a:r>
+              <a:rPr lang="en-US" altLang="zh-CN" dirty="0">
+                <a:latin typeface="Berlin Sans FB Demi" panose="020E0802020502020306" pitchFamily="34" charset="0"/>
+              </a:rPr>
+              <a:t>activestream</a:t>
+            </a:r>
+            <a:endParaRPr lang="zh-CN" altLang="en-US" dirty="0">
+              <a:latin typeface="Berlin Sans FB Demi" panose="020E0802020502020306" pitchFamily="34" charset="0"/>
+            </a:endParaRPr>
+          </a:p>
+        </p:txBody>
+      </p:sp>
+      <p:sp>
+        <p:nvSpPr>
+          <p:cNvPr id="47" name="Rectangle: Rounded Corners 46">
+            <a:extLst>
+              <a:ext uri="{FF2B5EF4-FFF2-40B4-BE49-F238E27FC236}">
+                <a16:creationId xmlns:a16="http://schemas.microsoft.com/office/drawing/2014/main" id="{1F328B9A-9F38-4A99-8823-E1362167F3DE}"/>
+              </a:ext>
+            </a:extLst>
+          </p:cNvPr>
+          <p:cNvSpPr/>
+          <p:nvPr/>
+        </p:nvSpPr>
+        <p:spPr>
+          <a:xfrm>
+            <a:off x="2217511" y="3467183"/>
+            <a:ext cx="1575171" cy="408623"/>
+          </a:xfrm>
+          <a:prstGeom prst="roundRect">
+            <a:avLst/>
+          </a:prstGeom>
+        </p:spPr>
+        <p:style>
+          <a:lnRef idx="1">
+            <a:schemeClr val="accent3"/>
+          </a:lnRef>
+          <a:fillRef idx="2">
+            <a:schemeClr val="accent3"/>
+          </a:fillRef>
+          <a:effectRef idx="1">
+            <a:schemeClr val="accent3"/>
+          </a:effectRef>
+          <a:fontRef idx="minor">
+            <a:schemeClr val="dk1"/>
+          </a:fontRef>
+        </p:style>
+        <p:txBody>
+          <a:bodyPr rtlCol="0" anchor="ctr">
+            <a:spAutoFit/>
+          </a:bodyPr>
+          <a:lstStyle/>
+          <a:p>
+            <a:r>
+              <a:rPr lang="en-US" altLang="zh-CN" dirty="0">
+                <a:latin typeface="Berlin Sans FB Demi" panose="020E0802020502020306" pitchFamily="34" charset="0"/>
+              </a:rPr>
+              <a:t>multiplexing </a:t>
+            </a:r>
+          </a:p>
+        </p:txBody>
+      </p:sp>
+      <p:sp>
+        <p:nvSpPr>
+          <p:cNvPr id="49" name="Rectangle: Rounded Corners 48">
+            <a:extLst>
+              <a:ext uri="{FF2B5EF4-FFF2-40B4-BE49-F238E27FC236}">
+                <a16:creationId xmlns:a16="http://schemas.microsoft.com/office/drawing/2014/main" id="{ADBB303A-D1BD-4912-938E-14B955DDF743}"/>
+              </a:ext>
+            </a:extLst>
+          </p:cNvPr>
+          <p:cNvSpPr/>
+          <p:nvPr/>
+        </p:nvSpPr>
+        <p:spPr>
+          <a:xfrm>
+            <a:off x="1656402" y="997781"/>
+            <a:ext cx="1575171" cy="408623"/>
+          </a:xfrm>
+          <a:prstGeom prst="roundRect">
+            <a:avLst/>
+          </a:prstGeom>
+        </p:spPr>
+        <p:style>
+          <a:lnRef idx="1">
+            <a:schemeClr val="accent3"/>
+          </a:lnRef>
+          <a:fillRef idx="2">
+            <a:schemeClr val="accent3"/>
+          </a:fillRef>
+          <a:effectRef idx="1">
+            <a:schemeClr val="accent3"/>
+          </a:effectRef>
+          <a:fontRef idx="minor">
+            <a:schemeClr val="dk1"/>
+          </a:fontRef>
+        </p:style>
+        <p:txBody>
+          <a:bodyPr rtlCol="0" anchor="ctr">
+            <a:spAutoFit/>
+          </a:bodyPr>
+          <a:lstStyle/>
+          <a:p>
+            <a:r>
+              <a:rPr lang="en-US" altLang="zh-CN" dirty="0">
+                <a:latin typeface="Berlin Sans FB Demi" panose="020E0802020502020306" pitchFamily="34" charset="0"/>
+              </a:rPr>
+              <a:t>UDP mode</a:t>
+            </a:r>
+            <a:endParaRPr lang="zh-CN" altLang="en-US" dirty="0">
+              <a:latin typeface="Berlin Sans FB Demi" panose="020E0802020502020306" pitchFamily="34" charset="0"/>
+            </a:endParaRPr>
+          </a:p>
+        </p:txBody>
+      </p:sp>
+    </p:spTree>
+    <p:extLst>
+      <p:ext uri="{BB962C8B-B14F-4D97-AF65-F5344CB8AC3E}">
+        <p14:creationId xmlns:p14="http://schemas.microsoft.com/office/powerpoint/2010/main" val="3662262798"/>
+      </p:ext>
+    </p:extLst>
+  </p:cSld>
+  <p:clrMapOvr>
+    <a:masterClrMapping/>
+  </p:clrMapOvr>
+</p:sld>
+</file>
+
+<file path=ppt/slides/slide48.xml><?xml version="1.0" encoding="utf-8"?>
+<p:sld xmlns:a="http://schemas.openxmlformats.org/drawingml/2006/main" xmlns:r="http://schemas.openxmlformats.org/officeDocument/2006/relationships" xmlns:p="http://schemas.openxmlformats.org/presentationml/2006/main">
+  <p:cSld>
+    <p:spTree>
+      <p:nvGrpSpPr>
+        <p:cNvPr id="1" name=""/>
+        <p:cNvGrpSpPr/>
+        <p:nvPr/>
+      </p:nvGrpSpPr>
+      <p:grpSpPr>
+        <a:xfrm>
+          <a:off x="0" y="0"/>
+          <a:ext cx="0" cy="0"/>
+          <a:chOff x="0" y="0"/>
+          <a:chExt cx="0" cy="0"/>
+        </a:xfrm>
+      </p:grpSpPr>
+      <p:sp>
+        <p:nvSpPr>
+          <p:cNvPr id="21" name="Rectangle: Rounded Corners 20">
+            <a:extLst>
+              <a:ext uri="{FF2B5EF4-FFF2-40B4-BE49-F238E27FC236}">
+                <a16:creationId xmlns:a16="http://schemas.microsoft.com/office/drawing/2014/main" id="{F65B2436-1F20-4286-82EE-90A01FBFBCF1}"/>
+              </a:ext>
+            </a:extLst>
+          </p:cNvPr>
+          <p:cNvSpPr/>
+          <p:nvPr/>
+        </p:nvSpPr>
+        <p:spPr>
+          <a:xfrm>
             <a:off x="8795317" y="121480"/>
             <a:ext cx="1654833" cy="408623"/>
           </a:xfrm>
@@ -44113,7 +45220,7 @@
 </p:sld>
 </file>
 
-<file path=ppt/slides/slide48.xml><?xml version="1.0" encoding="utf-8"?>
+<file path=ppt/slides/slide49.xml><?xml version="1.0" encoding="utf-8"?>
 <p:sld xmlns:a="http://schemas.openxmlformats.org/drawingml/2006/main" xmlns:r="http://schemas.openxmlformats.org/officeDocument/2006/relationships" xmlns:p="http://schemas.openxmlformats.org/presentationml/2006/main">
   <p:cSld>
     <p:spTree>
@@ -44325,227 +45432,6 @@
     <p:extLst>
       <p:ext uri="{BB962C8B-B14F-4D97-AF65-F5344CB8AC3E}">
         <p14:creationId xmlns:p14="http://schemas.microsoft.com/office/powerpoint/2010/main" val="2128382126"/>
-      </p:ext>
-    </p:extLst>
-  </p:cSld>
-  <p:clrMapOvr>
-    <a:masterClrMapping/>
-  </p:clrMapOvr>
-</p:sld>
-</file>
-
-<file path=ppt/slides/slide49.xml><?xml version="1.0" encoding="utf-8"?>
-<p:sld xmlns:a="http://schemas.openxmlformats.org/drawingml/2006/main" xmlns:r="http://schemas.openxmlformats.org/officeDocument/2006/relationships" xmlns:p="http://schemas.openxmlformats.org/presentationml/2006/main">
-  <p:cSld>
-    <p:spTree>
-      <p:nvGrpSpPr>
-        <p:cNvPr id="1" name=""/>
-        <p:cNvGrpSpPr/>
-        <p:nvPr/>
-      </p:nvGrpSpPr>
-      <p:grpSpPr>
-        <a:xfrm>
-          <a:off x="0" y="0"/>
-          <a:ext cx="0" cy="0"/>
-          <a:chOff x="0" y="0"/>
-          <a:chExt cx="0" cy="0"/>
-        </a:xfrm>
-      </p:grpSpPr>
-      <p:sp>
-        <p:nvSpPr>
-          <p:cNvPr id="6" name="Rectangle: Rounded Corners 5">
-            <a:extLst>
-              <a:ext uri="{FF2B5EF4-FFF2-40B4-BE49-F238E27FC236}">
-                <a16:creationId xmlns:a16="http://schemas.microsoft.com/office/drawing/2014/main" id="{ED359951-1E2E-4D37-B183-A60C6703BF0D}"/>
-              </a:ext>
-            </a:extLst>
-          </p:cNvPr>
-          <p:cNvSpPr/>
-          <p:nvPr/>
-        </p:nvSpPr>
-        <p:spPr>
-          <a:xfrm>
-            <a:off x="88619" y="319248"/>
-            <a:ext cx="11467652" cy="6219504"/>
-          </a:xfrm>
-          <a:prstGeom prst="roundRect">
-            <a:avLst>
-              <a:gd name="adj" fmla="val 2100"/>
-            </a:avLst>
-          </a:prstGeom>
-          <a:gradFill flip="none" rotWithShape="1">
-            <a:gsLst>
-              <a:gs pos="0">
-                <a:schemeClr val="accent3">
-                  <a:tint val="10000"/>
-                  <a:satMod val="300000"/>
-                </a:schemeClr>
-              </a:gs>
-              <a:gs pos="34000">
-                <a:schemeClr val="accent3">
-                  <a:tint val="13500"/>
-                  <a:satMod val="250000"/>
-                </a:schemeClr>
-              </a:gs>
-              <a:gs pos="100000">
-                <a:schemeClr val="accent3">
-                  <a:tint val="60000"/>
-                  <a:satMod val="200000"/>
-                </a:schemeClr>
-              </a:gs>
-            </a:gsLst>
-            <a:path path="rect">
-              <a:fillToRect l="100000" t="100000"/>
-            </a:path>
-            <a:tileRect r="-100000" b="-100000"/>
-          </a:gradFill>
-          <a:ln>
-            <a:round/>
-          </a:ln>
-        </p:spPr>
-        <p:style>
-          <a:lnRef idx="1">
-            <a:schemeClr val="accent3"/>
-          </a:lnRef>
-          <a:fillRef idx="2">
-            <a:schemeClr val="accent3"/>
-          </a:fillRef>
-          <a:effectRef idx="1">
-            <a:schemeClr val="accent3"/>
-          </a:effectRef>
-          <a:fontRef idx="minor">
-            <a:schemeClr val="dk1"/>
-          </a:fontRef>
-        </p:style>
-        <p:txBody>
-          <a:bodyPr rtlCol="0" anchor="t" anchorCtr="0">
-            <a:noAutofit/>
-          </a:bodyPr>
-          <a:lstStyle/>
-          <a:p>
-            <a:pPr algn="ctr"/>
-            <a:r>
-              <a:rPr lang="en-US" altLang="zh-CN" sz="2400" dirty="0">
-                <a:latin typeface="Berlin Sans FB Demi" panose="020E0802020502020306" pitchFamily="34" charset="0"/>
-              </a:rPr>
-              <a:t>ICEStream</a:t>
-            </a:r>
-            <a:endParaRPr lang="zh-CN" altLang="en-US" sz="2400" dirty="0">
-              <a:latin typeface="Berlin Sans FB Demi" panose="020E0802020502020306" pitchFamily="34" charset="0"/>
-            </a:endParaRPr>
-          </a:p>
-        </p:txBody>
-      </p:sp>
-      <p:sp>
-        <p:nvSpPr>
-          <p:cNvPr id="25" name="Rectangle: Rounded Corners 24">
-            <a:extLst>
-              <a:ext uri="{FF2B5EF4-FFF2-40B4-BE49-F238E27FC236}">
-                <a16:creationId xmlns:a16="http://schemas.microsoft.com/office/drawing/2014/main" id="{019C4452-3721-49D3-8A77-FCEDDE8F2DB8}"/>
-              </a:ext>
-            </a:extLst>
-          </p:cNvPr>
-          <p:cNvSpPr/>
-          <p:nvPr/>
-        </p:nvSpPr>
-        <p:spPr>
-          <a:xfrm>
-            <a:off x="210341" y="870941"/>
-            <a:ext cx="1587286" cy="408623"/>
-          </a:xfrm>
-          <a:prstGeom prst="roundRect">
-            <a:avLst/>
-          </a:prstGeom>
-        </p:spPr>
-        <p:style>
-          <a:lnRef idx="1">
-            <a:schemeClr val="accent3"/>
-          </a:lnRef>
-          <a:fillRef idx="2">
-            <a:schemeClr val="accent3"/>
-          </a:fillRef>
-          <a:effectRef idx="1">
-            <a:schemeClr val="accent3"/>
-          </a:effectRef>
-          <a:fontRef idx="minor">
-            <a:schemeClr val="dk1"/>
-          </a:fontRef>
-        </p:style>
-        <p:txBody>
-          <a:bodyPr rtlCol="0" anchor="ctr">
-            <a:spAutoFit/>
-          </a:bodyPr>
-          <a:lstStyle/>
-          <a:p>
-            <a:r>
-              <a:rPr lang="en-US" altLang="zh-CN" dirty="0">
-                <a:latin typeface="Berlin Sans FB Demi" panose="020E0802020502020306" pitchFamily="34" charset="0"/>
-              </a:rPr>
-              <a:t>componet_id</a:t>
-            </a:r>
-            <a:endParaRPr lang="zh-CN" altLang="en-US" dirty="0">
-              <a:latin typeface="Berlin Sans FB Demi" panose="020E0802020502020306" pitchFamily="34" charset="0"/>
-            </a:endParaRPr>
-          </a:p>
-        </p:txBody>
-      </p:sp>
-      <p:sp>
-        <p:nvSpPr>
-          <p:cNvPr id="20" name="Rectangle: Rounded Corners 19">
-            <a:extLst>
-              <a:ext uri="{FF2B5EF4-FFF2-40B4-BE49-F238E27FC236}">
-                <a16:creationId xmlns:a16="http://schemas.microsoft.com/office/drawing/2014/main" id="{497F7D75-B0F1-49A5-A955-AF3F4398F876}"/>
-              </a:ext>
-            </a:extLst>
-          </p:cNvPr>
-          <p:cNvSpPr/>
-          <p:nvPr/>
-        </p:nvSpPr>
-        <p:spPr>
-          <a:xfrm>
-            <a:off x="221962" y="1383033"/>
-            <a:ext cx="1928955" cy="408623"/>
-          </a:xfrm>
-          <a:prstGeom prst="roundRect">
-            <a:avLst/>
-          </a:prstGeom>
-        </p:spPr>
-        <p:style>
-          <a:lnRef idx="1">
-            <a:schemeClr val="accent3"/>
-          </a:lnRef>
-          <a:fillRef idx="2">
-            <a:schemeClr val="accent3"/>
-          </a:fillRef>
-          <a:effectRef idx="1">
-            <a:schemeClr val="accent3"/>
-          </a:effectRef>
-          <a:fontRef idx="minor">
-            <a:schemeClr val="dk1"/>
-          </a:fontRef>
-        </p:style>
-        <p:txBody>
-          <a:bodyPr rtlCol="0" anchor="ctr">
-            <a:spAutoFit/>
-          </a:bodyPr>
-          <a:lstStyle/>
-          <a:p>
-            <a:r>
-              <a:rPr lang="en-US" altLang="zh-CN" dirty="0">
-                <a:latin typeface="Berlin Sans FB Demi" panose="020E0802020502020306" pitchFamily="34" charset="0"/>
-              </a:rPr>
-              <a:t>candidates</a:t>
-            </a:r>
-            <a:endParaRPr lang="zh-CN" altLang="en-US" dirty="0">
-              <a:latin typeface="Berlin Sans FB Demi" panose="020E0802020502020306" pitchFamily="34" charset="0"/>
-            </a:endParaRPr>
-          </a:p>
-        </p:txBody>
-      </p:sp>
-    </p:spTree>
-    <p:extLst>
-      <p:ext uri="{BB962C8B-B14F-4D97-AF65-F5344CB8AC3E}">
-        <p14:creationId xmlns:p14="http://schemas.microsoft.com/office/powerpoint/2010/main" val="640594837"/>
       </p:ext>
     </p:extLst>
   </p:cSld>
@@ -45358,6 +46244,227 @@
     <p:extLst>
       <p:ext uri="{BB962C8B-B14F-4D97-AF65-F5344CB8AC3E}">
         <p14:creationId xmlns:p14="http://schemas.microsoft.com/office/powerpoint/2010/main" val="3801931085"/>
+      </p:ext>
+    </p:extLst>
+  </p:cSld>
+  <p:clrMapOvr>
+    <a:masterClrMapping/>
+  </p:clrMapOvr>
+</p:sld>
+</file>
+
+<file path=ppt/slides/slide50.xml><?xml version="1.0" encoding="utf-8"?>
+<p:sld xmlns:a="http://schemas.openxmlformats.org/drawingml/2006/main" xmlns:r="http://schemas.openxmlformats.org/officeDocument/2006/relationships" xmlns:p="http://schemas.openxmlformats.org/presentationml/2006/main">
+  <p:cSld>
+    <p:spTree>
+      <p:nvGrpSpPr>
+        <p:cNvPr id="1" name=""/>
+        <p:cNvGrpSpPr/>
+        <p:nvPr/>
+      </p:nvGrpSpPr>
+      <p:grpSpPr>
+        <a:xfrm>
+          <a:off x="0" y="0"/>
+          <a:ext cx="0" cy="0"/>
+          <a:chOff x="0" y="0"/>
+          <a:chExt cx="0" cy="0"/>
+        </a:xfrm>
+      </p:grpSpPr>
+      <p:sp>
+        <p:nvSpPr>
+          <p:cNvPr id="6" name="Rectangle: Rounded Corners 5">
+            <a:extLst>
+              <a:ext uri="{FF2B5EF4-FFF2-40B4-BE49-F238E27FC236}">
+                <a16:creationId xmlns:a16="http://schemas.microsoft.com/office/drawing/2014/main" id="{ED359951-1E2E-4D37-B183-A60C6703BF0D}"/>
+              </a:ext>
+            </a:extLst>
+          </p:cNvPr>
+          <p:cNvSpPr/>
+          <p:nvPr/>
+        </p:nvSpPr>
+        <p:spPr>
+          <a:xfrm>
+            <a:off x="88619" y="319248"/>
+            <a:ext cx="11467652" cy="6219504"/>
+          </a:xfrm>
+          <a:prstGeom prst="roundRect">
+            <a:avLst>
+              <a:gd name="adj" fmla="val 2100"/>
+            </a:avLst>
+          </a:prstGeom>
+          <a:gradFill flip="none" rotWithShape="1">
+            <a:gsLst>
+              <a:gs pos="0">
+                <a:schemeClr val="accent3">
+                  <a:tint val="10000"/>
+                  <a:satMod val="300000"/>
+                </a:schemeClr>
+              </a:gs>
+              <a:gs pos="34000">
+                <a:schemeClr val="accent3">
+                  <a:tint val="13500"/>
+                  <a:satMod val="250000"/>
+                </a:schemeClr>
+              </a:gs>
+              <a:gs pos="100000">
+                <a:schemeClr val="accent3">
+                  <a:tint val="60000"/>
+                  <a:satMod val="200000"/>
+                </a:schemeClr>
+              </a:gs>
+            </a:gsLst>
+            <a:path path="rect">
+              <a:fillToRect l="100000" t="100000"/>
+            </a:path>
+            <a:tileRect r="-100000" b="-100000"/>
+          </a:gradFill>
+          <a:ln>
+            <a:round/>
+          </a:ln>
+        </p:spPr>
+        <p:style>
+          <a:lnRef idx="1">
+            <a:schemeClr val="accent3"/>
+          </a:lnRef>
+          <a:fillRef idx="2">
+            <a:schemeClr val="accent3"/>
+          </a:fillRef>
+          <a:effectRef idx="1">
+            <a:schemeClr val="accent3"/>
+          </a:effectRef>
+          <a:fontRef idx="minor">
+            <a:schemeClr val="dk1"/>
+          </a:fontRef>
+        </p:style>
+        <p:txBody>
+          <a:bodyPr rtlCol="0" anchor="t" anchorCtr="0">
+            <a:noAutofit/>
+          </a:bodyPr>
+          <a:lstStyle/>
+          <a:p>
+            <a:pPr algn="ctr"/>
+            <a:r>
+              <a:rPr lang="en-US" altLang="zh-CN" sz="2400" dirty="0">
+                <a:latin typeface="Berlin Sans FB Demi" panose="020E0802020502020306" pitchFamily="34" charset="0"/>
+              </a:rPr>
+              <a:t>ICEStream</a:t>
+            </a:r>
+            <a:endParaRPr lang="zh-CN" altLang="en-US" sz="2400" dirty="0">
+              <a:latin typeface="Berlin Sans FB Demi" panose="020E0802020502020306" pitchFamily="34" charset="0"/>
+            </a:endParaRPr>
+          </a:p>
+        </p:txBody>
+      </p:sp>
+      <p:sp>
+        <p:nvSpPr>
+          <p:cNvPr id="25" name="Rectangle: Rounded Corners 24">
+            <a:extLst>
+              <a:ext uri="{FF2B5EF4-FFF2-40B4-BE49-F238E27FC236}">
+                <a16:creationId xmlns:a16="http://schemas.microsoft.com/office/drawing/2014/main" id="{019C4452-3721-49D3-8A77-FCEDDE8F2DB8}"/>
+              </a:ext>
+            </a:extLst>
+          </p:cNvPr>
+          <p:cNvSpPr/>
+          <p:nvPr/>
+        </p:nvSpPr>
+        <p:spPr>
+          <a:xfrm>
+            <a:off x="210341" y="870941"/>
+            <a:ext cx="1587286" cy="408623"/>
+          </a:xfrm>
+          <a:prstGeom prst="roundRect">
+            <a:avLst/>
+          </a:prstGeom>
+        </p:spPr>
+        <p:style>
+          <a:lnRef idx="1">
+            <a:schemeClr val="accent3"/>
+          </a:lnRef>
+          <a:fillRef idx="2">
+            <a:schemeClr val="accent3"/>
+          </a:fillRef>
+          <a:effectRef idx="1">
+            <a:schemeClr val="accent3"/>
+          </a:effectRef>
+          <a:fontRef idx="minor">
+            <a:schemeClr val="dk1"/>
+          </a:fontRef>
+        </p:style>
+        <p:txBody>
+          <a:bodyPr rtlCol="0" anchor="ctr">
+            <a:spAutoFit/>
+          </a:bodyPr>
+          <a:lstStyle/>
+          <a:p>
+            <a:r>
+              <a:rPr lang="en-US" altLang="zh-CN" dirty="0">
+                <a:latin typeface="Berlin Sans FB Demi" panose="020E0802020502020306" pitchFamily="34" charset="0"/>
+              </a:rPr>
+              <a:t>componet_id</a:t>
+            </a:r>
+            <a:endParaRPr lang="zh-CN" altLang="en-US" dirty="0">
+              <a:latin typeface="Berlin Sans FB Demi" panose="020E0802020502020306" pitchFamily="34" charset="0"/>
+            </a:endParaRPr>
+          </a:p>
+        </p:txBody>
+      </p:sp>
+      <p:sp>
+        <p:nvSpPr>
+          <p:cNvPr id="20" name="Rectangle: Rounded Corners 19">
+            <a:extLst>
+              <a:ext uri="{FF2B5EF4-FFF2-40B4-BE49-F238E27FC236}">
+                <a16:creationId xmlns:a16="http://schemas.microsoft.com/office/drawing/2014/main" id="{497F7D75-B0F1-49A5-A955-AF3F4398F876}"/>
+              </a:ext>
+            </a:extLst>
+          </p:cNvPr>
+          <p:cNvSpPr/>
+          <p:nvPr/>
+        </p:nvSpPr>
+        <p:spPr>
+          <a:xfrm>
+            <a:off x="221962" y="1383033"/>
+            <a:ext cx="1928955" cy="408623"/>
+          </a:xfrm>
+          <a:prstGeom prst="roundRect">
+            <a:avLst/>
+          </a:prstGeom>
+        </p:spPr>
+        <p:style>
+          <a:lnRef idx="1">
+            <a:schemeClr val="accent3"/>
+          </a:lnRef>
+          <a:fillRef idx="2">
+            <a:schemeClr val="accent3"/>
+          </a:fillRef>
+          <a:effectRef idx="1">
+            <a:schemeClr val="accent3"/>
+          </a:effectRef>
+          <a:fontRef idx="minor">
+            <a:schemeClr val="dk1"/>
+          </a:fontRef>
+        </p:style>
+        <p:txBody>
+          <a:bodyPr rtlCol="0" anchor="ctr">
+            <a:spAutoFit/>
+          </a:bodyPr>
+          <a:lstStyle/>
+          <a:p>
+            <a:r>
+              <a:rPr lang="en-US" altLang="zh-CN" dirty="0">
+                <a:latin typeface="Berlin Sans FB Demi" panose="020E0802020502020306" pitchFamily="34" charset="0"/>
+              </a:rPr>
+              <a:t>candidates</a:t>
+            </a:r>
+            <a:endParaRPr lang="zh-CN" altLang="en-US" dirty="0">
+              <a:latin typeface="Berlin Sans FB Demi" panose="020E0802020502020306" pitchFamily="34" charset="0"/>
+            </a:endParaRPr>
+          </a:p>
+        </p:txBody>
+      </p:sp>
+    </p:spTree>
+    <p:extLst>
+      <p:ext uri="{BB962C8B-B14F-4D97-AF65-F5344CB8AC3E}">
+        <p14:creationId xmlns:p14="http://schemas.microsoft.com/office/powerpoint/2010/main" val="640594837"/>
       </p:ext>
     </p:extLst>
   </p:cSld>

--- a/docs.pptx
+++ b/docs.pptx
@@ -5607,7 +5607,7 @@
           <a:p>
             <a:fld id="{B2CAF260-C6E5-43C1-AB7D-1DDC31487812}" type="datetime1">
               <a:rPr lang="zh-CN" altLang="en-US" smtClean="0"/>
-              <a:t>2018/12/4</a:t>
+              <a:t>2018/12/10</a:t>
             </a:fld>
             <a:endParaRPr lang="zh-CN" altLang="en-US"/>
           </a:p>
@@ -5807,7 +5807,7 @@
           <a:p>
             <a:fld id="{E2FDE29B-B267-43B7-911F-8B7B5178DAAA}" type="datetime1">
               <a:rPr lang="zh-CN" altLang="en-US" smtClean="0"/>
-              <a:t>2018/12/4</a:t>
+              <a:t>2018/12/10</a:t>
             </a:fld>
             <a:endParaRPr lang="zh-CN" altLang="en-US"/>
           </a:p>
@@ -6017,7 +6017,7 @@
           <a:p>
             <a:fld id="{58F69AEE-EBB5-4094-A036-258B6CD5A691}" type="datetime1">
               <a:rPr lang="zh-CN" altLang="en-US" smtClean="0"/>
-              <a:t>2018/12/4</a:t>
+              <a:t>2018/12/10</a:t>
             </a:fld>
             <a:endParaRPr lang="zh-CN" altLang="en-US"/>
           </a:p>
@@ -6217,7 +6217,7 @@
           <a:p>
             <a:fld id="{EA0C55B6-15F8-47F2-BA17-6667D0884E94}" type="datetime1">
               <a:rPr lang="zh-CN" altLang="en-US" smtClean="0"/>
-              <a:t>2018/12/4</a:t>
+              <a:t>2018/12/10</a:t>
             </a:fld>
             <a:endParaRPr lang="zh-CN" altLang="en-US"/>
           </a:p>
@@ -6493,7 +6493,7 @@
           <a:p>
             <a:fld id="{E16475AB-DF1D-43B5-9314-A34969FDFCF1}" type="datetime1">
               <a:rPr lang="zh-CN" altLang="en-US" smtClean="0"/>
-              <a:t>2018/12/4</a:t>
+              <a:t>2018/12/10</a:t>
             </a:fld>
             <a:endParaRPr lang="zh-CN" altLang="en-US"/>
           </a:p>
@@ -6761,7 +6761,7 @@
           <a:p>
             <a:fld id="{3767A592-7E27-4E7D-A9C7-3B15B36FAD3A}" type="datetime1">
               <a:rPr lang="zh-CN" altLang="en-US" smtClean="0"/>
-              <a:t>2018/12/4</a:t>
+              <a:t>2018/12/10</a:t>
             </a:fld>
             <a:endParaRPr lang="zh-CN" altLang="en-US"/>
           </a:p>
@@ -7176,7 +7176,7 @@
           <a:p>
             <a:fld id="{7901F99E-C60E-4183-B8FD-840AF5CE3B57}" type="datetime1">
               <a:rPr lang="zh-CN" altLang="en-US" smtClean="0"/>
-              <a:t>2018/12/4</a:t>
+              <a:t>2018/12/10</a:t>
             </a:fld>
             <a:endParaRPr lang="zh-CN" altLang="en-US"/>
           </a:p>
@@ -7318,7 +7318,7 @@
           <a:p>
             <a:fld id="{7B195C80-D524-46BD-98B6-BA22A34855F7}" type="datetime1">
               <a:rPr lang="zh-CN" altLang="en-US" smtClean="0"/>
-              <a:t>2018/12/4</a:t>
+              <a:t>2018/12/10</a:t>
             </a:fld>
             <a:endParaRPr lang="zh-CN" altLang="en-US"/>
           </a:p>
@@ -7431,7 +7431,7 @@
           <a:p>
             <a:fld id="{B58FE623-1036-4545-9983-CC7ABA14B150}" type="datetime1">
               <a:rPr lang="zh-CN" altLang="en-US" smtClean="0"/>
-              <a:t>2018/12/4</a:t>
+              <a:t>2018/12/10</a:t>
             </a:fld>
             <a:endParaRPr lang="zh-CN" altLang="en-US"/>
           </a:p>
@@ -7744,7 +7744,7 @@
           <a:p>
             <a:fld id="{CA65BC31-ADFA-4939-ADF1-A57605AB2556}" type="datetime1">
               <a:rPr lang="zh-CN" altLang="en-US" smtClean="0"/>
-              <a:t>2018/12/4</a:t>
+              <a:t>2018/12/10</a:t>
             </a:fld>
             <a:endParaRPr lang="zh-CN" altLang="en-US"/>
           </a:p>
@@ -8033,7 +8033,7 @@
           <a:p>
             <a:fld id="{40F03ED0-6E5F-48BB-90A8-AD1EC3E9AF09}" type="datetime1">
               <a:rPr lang="zh-CN" altLang="en-US" smtClean="0"/>
-              <a:t>2018/12/4</a:t>
+              <a:t>2018/12/10</a:t>
             </a:fld>
             <a:endParaRPr lang="zh-CN" altLang="en-US"/>
           </a:p>
@@ -8276,7 +8276,7 @@
           <a:p>
             <a:fld id="{7BE51BE7-2DB2-422B-A0F1-EEC574E16519}" type="datetime1">
               <a:rPr lang="zh-CN" altLang="en-US" smtClean="0"/>
-              <a:t>2018/12/4</a:t>
+              <a:t>2018/12/10</a:t>
             </a:fld>
             <a:endParaRPr lang="zh-CN" altLang="en-US"/>
           </a:p>
